--- a/task3.pptx
+++ b/task3.pptx
@@ -563,7 +563,7 @@
         <p:spPr>
           <a:xfrm>
             <a:off x="1524000" y="3602037"/>
-            <a:ext cx="9144000" cy="1655765"/>
+            <a:ext cx="9144000" cy="1655766"/>
           </a:xfrm>
           <a:prstGeom prst="rect">
             <a:avLst/>
@@ -697,7 +697,7 @@
           </a:prstGeom>
         </p:spPr>
         <p:txBody>
-          <a:bodyPr lIns="45718" tIns="45718" rIns="45718" bIns="45718"/>
+          <a:bodyPr/>
           <a:lstStyle/>
           <a:p>
             <a:pPr/>
@@ -721,10 +721,8 @@
           </a:prstGeom>
         </p:spPr>
         <p:txBody>
-          <a:bodyPr lIns="45718" tIns="45718" rIns="45718" bIns="45718"/>
-          <a:lstStyle>
-            <a:lvl3pPr marL="1234438" indent="-320038"/>
-          </a:lstStyle>
+          <a:bodyPr/>
+          <a:lstStyle/>
           <a:p>
             <a:pPr/>
             <a:r>
@@ -767,15 +765,15 @@
         </p:nvSpPr>
         <p:spPr>
           <a:xfrm>
-            <a:off x="11095178" y="6414761"/>
-            <a:ext cx="258623" cy="248303"/>
-          </a:xfrm>
-          <a:prstGeom prst="rect">
-            <a:avLst/>
-          </a:prstGeom>
-        </p:spPr>
-        <p:txBody>
-          <a:bodyPr lIns="45718" tIns="45718" rIns="45718" bIns="45718"/>
+            <a:off x="11095181" y="6414762"/>
+            <a:ext cx="258620" cy="248302"/>
+          </a:xfrm>
+          <a:prstGeom prst="rect">
+            <a:avLst/>
+          </a:prstGeom>
+        </p:spPr>
+        <p:txBody>
+          <a:bodyPr/>
           <a:lstStyle/>
           <a:p>
             <a:pPr/>
@@ -827,7 +825,7 @@
           </a:prstGeom>
         </p:spPr>
         <p:txBody>
-          <a:bodyPr lIns="45718" tIns="45718" rIns="45718" bIns="45718" anchor="b"/>
+          <a:bodyPr anchor="b"/>
           <a:lstStyle>
             <a:lvl1pPr algn="ctr">
               <a:defRPr sz="6000"/>
@@ -852,14 +850,14 @@
         <p:spPr>
           <a:xfrm>
             <a:off x="1524000" y="3602037"/>
-            <a:ext cx="9144000" cy="1655764"/>
-          </a:xfrm>
-          <a:prstGeom prst="rect">
-            <a:avLst/>
-          </a:prstGeom>
-        </p:spPr>
-        <p:txBody>
-          <a:bodyPr lIns="45718" tIns="45718" rIns="45718" bIns="45718"/>
+            <a:ext cx="9144000" cy="1655765"/>
+          </a:xfrm>
+          <a:prstGeom prst="rect">
+            <a:avLst/>
+          </a:prstGeom>
+        </p:spPr>
+        <p:txBody>
+          <a:bodyPr/>
           <a:lstStyle>
             <a:lvl1pPr marL="0" indent="0" algn="ctr">
               <a:buSzTx/>
@@ -934,15 +932,15 @@
         </p:nvSpPr>
         <p:spPr>
           <a:xfrm>
-            <a:off x="11095178" y="6414761"/>
-            <a:ext cx="258623" cy="248303"/>
-          </a:xfrm>
-          <a:prstGeom prst="rect">
-            <a:avLst/>
-          </a:prstGeom>
-        </p:spPr>
-        <p:txBody>
-          <a:bodyPr lIns="45718" tIns="45718" rIns="45718" bIns="45718"/>
+            <a:off x="11095181" y="6414762"/>
+            <a:ext cx="258620" cy="248302"/>
+          </a:xfrm>
+          <a:prstGeom prst="rect">
+            <a:avLst/>
+          </a:prstGeom>
+        </p:spPr>
+        <p:txBody>
+          <a:bodyPr/>
           <a:lstStyle/>
           <a:p>
             <a:pPr/>
@@ -1139,7 +1137,7 @@
         <p:spPr>
           <a:xfrm>
             <a:off x="831850" y="4589462"/>
-            <a:ext cx="10515600" cy="1500190"/>
+            <a:ext cx="10515600" cy="1500191"/>
           </a:xfrm>
           <a:prstGeom prst="rect">
             <a:avLst/>
@@ -1442,7 +1440,7 @@
         <p:spPr>
           <a:xfrm>
             <a:off x="839787" y="1681163"/>
-            <a:ext cx="5157790" cy="823915"/>
+            <a:ext cx="5157790" cy="823916"/>
           </a:xfrm>
           <a:prstGeom prst="rect">
             <a:avLst/>
@@ -1455,31 +1453,56 @@
               <a:buSzTx/>
               <a:buFontTx/>
               <a:buNone/>
-              <a:defRPr b="1" sz="2400"/>
+              <a:defRPr b="1" sz="2400">
+                <a:latin typeface="+mj-lt"/>
+                <a:ea typeface="+mj-ea"/>
+                <a:cs typeface="+mj-cs"/>
+                <a:sym typeface="Helvetica"/>
+              </a:defRPr>
             </a:lvl1pPr>
             <a:lvl2pPr marL="0" indent="0">
               <a:buSzTx/>
               <a:buFontTx/>
               <a:buNone/>
-              <a:defRPr b="1" sz="2400"/>
+              <a:defRPr b="1" sz="2400">
+                <a:latin typeface="+mj-lt"/>
+                <a:ea typeface="+mj-ea"/>
+                <a:cs typeface="+mj-cs"/>
+                <a:sym typeface="Helvetica"/>
+              </a:defRPr>
             </a:lvl2pPr>
             <a:lvl3pPr marL="0" indent="0">
               <a:buSzTx/>
               <a:buFontTx/>
               <a:buNone/>
-              <a:defRPr b="1" sz="2400"/>
+              <a:defRPr b="1" sz="2400">
+                <a:latin typeface="+mj-lt"/>
+                <a:ea typeface="+mj-ea"/>
+                <a:cs typeface="+mj-cs"/>
+                <a:sym typeface="Helvetica"/>
+              </a:defRPr>
             </a:lvl3pPr>
             <a:lvl4pPr marL="0" indent="0">
               <a:buSzTx/>
               <a:buFontTx/>
               <a:buNone/>
-              <a:defRPr b="1" sz="2400"/>
+              <a:defRPr b="1" sz="2400">
+                <a:latin typeface="+mj-lt"/>
+                <a:ea typeface="+mj-ea"/>
+                <a:cs typeface="+mj-cs"/>
+                <a:sym typeface="Helvetica"/>
+              </a:defRPr>
             </a:lvl4pPr>
             <a:lvl5pPr marL="0" indent="0">
               <a:buSzTx/>
               <a:buFontTx/>
               <a:buNone/>
-              <a:defRPr b="1" sz="2400"/>
+              <a:defRPr b="1" sz="2400">
+                <a:latin typeface="+mj-lt"/>
+                <a:ea typeface="+mj-ea"/>
+                <a:cs typeface="+mj-cs"/>
+                <a:sym typeface="Helvetica"/>
+              </a:defRPr>
             </a:lvl5pPr>
           </a:lstStyle>
           <a:p>
@@ -1519,7 +1542,7 @@
           <p:cNvPr id="49" name="Текст 4"/>
           <p:cNvSpPr/>
           <p:nvPr>
-            <p:ph type="body" sz="quarter" idx="21"/>
+            <p:ph type="body" sz="quarter" idx="13"/>
           </p:nvPr>
         </p:nvSpPr>
         <p:spPr>
@@ -1750,7 +1773,7 @@
         <p:spPr>
           <a:xfrm>
             <a:off x="5183187" y="987425"/>
-            <a:ext cx="6172203" cy="4873625"/>
+            <a:ext cx="6172204" cy="4873625"/>
           </a:xfrm>
           <a:prstGeom prst="rect">
             <a:avLst/>
@@ -1812,13 +1835,13 @@
           <p:cNvPr id="74" name="Текст 3"/>
           <p:cNvSpPr/>
           <p:nvPr>
-            <p:ph type="body" sz="quarter" idx="21"/>
+            <p:ph type="body" sz="quarter" idx="13"/>
           </p:nvPr>
         </p:nvSpPr>
         <p:spPr>
           <a:xfrm>
-            <a:off x="839786" y="2057400"/>
-            <a:ext cx="3932242" cy="3811588"/>
+            <a:off x="839785" y="2057400"/>
+            <a:ext cx="3932244" cy="3811588"/>
           </a:xfrm>
           <a:prstGeom prst="rect">
             <a:avLst/>
@@ -1917,13 +1940,13 @@
           <p:cNvPr id="83" name="Рисунок 2"/>
           <p:cNvSpPr/>
           <p:nvPr>
-            <p:ph type="pic" sz="half" idx="21"/>
+            <p:ph type="pic" sz="half" idx="13"/>
           </p:nvPr>
         </p:nvSpPr>
         <p:spPr>
           <a:xfrm>
             <a:off x="5183187" y="987425"/>
-            <a:ext cx="6172203" cy="4873625"/>
+            <a:ext cx="6172204" cy="4873625"/>
           </a:xfrm>
           <a:prstGeom prst="rect">
             <a:avLst/>
@@ -2990,7 +3013,7 @@
           <a:p>
             <a:pPr/>
             <a:r>
-              <a:t>Решение задач на построение БНФ</a:t>
+              <a:t>№3. Решение задач на построение БНФ</a:t>
             </a:r>
           </a:p>
         </p:txBody>
@@ -3020,7 +3043,12 @@
               <a:spcBef>
                 <a:spcPts val="700"/>
               </a:spcBef>
-              <a:defRPr i="1" sz="1300"/>
+              <a:defRPr i="1" sz="1300">
+                <a:latin typeface="+mj-lt"/>
+                <a:ea typeface="+mj-ea"/>
+                <a:cs typeface="+mj-cs"/>
+                <a:sym typeface="Helvetica"/>
+              </a:defRPr>
             </a:pPr>
           </a:p>
           <a:p>
@@ -3028,7 +3056,12 @@
               <a:spcBef>
                 <a:spcPts val="700"/>
               </a:spcBef>
-              <a:defRPr i="1" sz="1300"/>
+              <a:defRPr i="1" sz="1300">
+                <a:latin typeface="+mj-lt"/>
+                <a:ea typeface="+mj-ea"/>
+                <a:cs typeface="+mj-cs"/>
+                <a:sym typeface="Helvetica"/>
+              </a:defRPr>
             </a:pPr>
             <a:r>
               <a:t>Преподаватель: </a:t>
@@ -3039,7 +3072,12 @@
               <a:spcBef>
                 <a:spcPts val="700"/>
               </a:spcBef>
-              <a:defRPr i="1" sz="1300"/>
+              <a:defRPr i="1" sz="1300">
+                <a:latin typeface="+mj-lt"/>
+                <a:ea typeface="+mj-ea"/>
+                <a:cs typeface="+mj-cs"/>
+                <a:sym typeface="Helvetica"/>
+              </a:defRPr>
             </a:pPr>
             <a:r>
               <a:t>Корзун Дмитрий Жоржевич   </a:t>
@@ -3050,7 +3088,12 @@
               <a:spcBef>
                 <a:spcPts val="700"/>
               </a:spcBef>
-              <a:defRPr i="1" sz="1300"/>
+              <a:defRPr i="1" sz="1300">
+                <a:latin typeface="+mj-lt"/>
+                <a:ea typeface="+mj-ea"/>
+                <a:cs typeface="+mj-cs"/>
+                <a:sym typeface="Helvetica"/>
+              </a:defRPr>
             </a:pPr>
             <a:r>
               <a:t>Команда D:</a:t>
@@ -3061,7 +3104,12 @@
               <a:spcBef>
                 <a:spcPts val="700"/>
               </a:spcBef>
-              <a:defRPr i="1" sz="1300"/>
+              <a:defRPr i="1" sz="1300">
+                <a:latin typeface="+mj-lt"/>
+                <a:ea typeface="+mj-ea"/>
+                <a:cs typeface="+mj-cs"/>
+                <a:sym typeface="Helvetica"/>
+              </a:defRPr>
             </a:pPr>
             <a:r>
               <a:t>1. Александр Чернышов</a:t>
@@ -3072,7 +3120,12 @@
               <a:spcBef>
                 <a:spcPts val="700"/>
               </a:spcBef>
-              <a:defRPr i="1" sz="1300"/>
+              <a:defRPr i="1" sz="1300">
+                <a:latin typeface="+mj-lt"/>
+                <a:ea typeface="+mj-ea"/>
+                <a:cs typeface="+mj-cs"/>
+                <a:sym typeface="Helvetica"/>
+              </a:defRPr>
             </a:pPr>
             <a:r>
               <a:t>2. Игорь Михайлов</a:t>
@@ -3083,7 +3136,12 @@
               <a:spcBef>
                 <a:spcPts val="700"/>
               </a:spcBef>
-              <a:defRPr i="1" sz="1300"/>
+              <a:defRPr i="1" sz="1300">
+                <a:latin typeface="+mj-lt"/>
+                <a:ea typeface="+mj-ea"/>
+                <a:cs typeface="+mj-cs"/>
+                <a:sym typeface="Helvetica"/>
+              </a:defRPr>
             </a:pPr>
             <a:r>
               <a:t>3. Даниил Луценко</a:t>
@@ -3094,7 +3152,12 @@
               <a:spcBef>
                 <a:spcPts val="700"/>
               </a:spcBef>
-              <a:defRPr i="1" sz="1300"/>
+              <a:defRPr i="1" sz="1300">
+                <a:latin typeface="+mj-lt"/>
+                <a:ea typeface="+mj-ea"/>
+                <a:cs typeface="+mj-cs"/>
+                <a:sym typeface="Helvetica"/>
+              </a:defRPr>
             </a:pPr>
             <a:r>
               <a:t>4. Евгений Диков</a:t>
@@ -3105,7 +3168,12 @@
               <a:spcBef>
                 <a:spcPts val="700"/>
               </a:spcBef>
-              <a:defRPr i="1" sz="1300"/>
+              <a:defRPr i="1" sz="1300">
+                <a:latin typeface="+mj-lt"/>
+                <a:ea typeface="+mj-ea"/>
+                <a:cs typeface="+mj-cs"/>
+                <a:sym typeface="Helvetica"/>
+              </a:defRPr>
             </a:pPr>
             <a:r>
               <a:t>5. Кирилл Логвинов</a:t>
@@ -3273,8 +3341,8 @@
         </p:nvSpPr>
         <p:spPr>
           <a:xfrm>
-            <a:off x="293623" y="2059234"/>
-            <a:ext cx="3311931" cy="1491693"/>
+            <a:off x="293622" y="2059233"/>
+            <a:ext cx="3221987" cy="1038857"/>
           </a:xfrm>
           <a:prstGeom prst="rect">
             <a:avLst/>
@@ -3327,24 +3395,6 @@
             <a:r>
               <a:t>Табуляция: «    »;</a:t>
             </a:r>
-            <a:endParaRPr sz="3200"/>
-          </a:p>
-          <a:p>
-            <a:pPr marL="228600" indent="-228600">
-              <a:lnSpc>
-                <a:spcPct val="90000"/>
-              </a:lnSpc>
-              <a:spcBef>
-                <a:spcPts val="1000"/>
-              </a:spcBef>
-              <a:buSzPct val="100000"/>
-              <a:buFont typeface="Arial"/>
-              <a:buChar char="•"/>
-              <a:defRPr sz="2800"/>
-            </a:pPr>
-            <a:r>
-              <a:t>Перенос строки: \n.</a:t>
-            </a:r>
           </a:p>
         </p:txBody>
       </p:sp>
@@ -3356,8 +3406,8 @@
         </p:nvSpPr>
         <p:spPr>
           <a:xfrm>
-            <a:off x="458418" y="3921879"/>
-            <a:ext cx="10515601" cy="841225"/>
+            <a:off x="458418" y="3921878"/>
+            <a:ext cx="10515601" cy="911857"/>
           </a:xfrm>
           <a:prstGeom prst="rect">
             <a:avLst/>
@@ -3460,8 +3510,8 @@
         </p:nvSpPr>
         <p:spPr>
           <a:xfrm>
-            <a:off x="838199" y="1311562"/>
-            <a:ext cx="10790385" cy="5246260"/>
+            <a:off x="838199" y="1311561"/>
+            <a:ext cx="10790385" cy="5246262"/>
           </a:xfrm>
           <a:prstGeom prst="rect">
             <a:avLst/>
@@ -3483,7 +3533,12 @@
             <a:pPr marL="0" indent="0">
               <a:buSzTx/>
               <a:buNone/>
-              <a:defRPr b="1"/>
+              <a:defRPr b="1">
+                <a:latin typeface="+mj-lt"/>
+                <a:ea typeface="+mj-ea"/>
+                <a:cs typeface="+mj-cs"/>
+                <a:sym typeface="Helvetica"/>
+              </a:defRPr>
             </a:pPr>
             <a:r>
               <a:t>2*A1*A3 + 1/2*PI/A2;</a:t>
@@ -3502,28 +3557,48 @@
             <a:pPr marL="0" indent="0">
               <a:buSzTx/>
               <a:buNone/>
-              <a:defRPr b="1"/>
+              <a:defRPr b="1">
+                <a:latin typeface="+mj-lt"/>
+                <a:ea typeface="+mj-ea"/>
+                <a:cs typeface="+mj-cs"/>
+                <a:sym typeface="Helvetica"/>
+              </a:defRPr>
             </a:pPr>
           </a:p>
           <a:p>
             <a:pPr marL="0" indent="0">
               <a:buSzTx/>
               <a:buNone/>
-              <a:defRPr b="1"/>
+              <a:defRPr b="1">
+                <a:latin typeface="+mj-lt"/>
+                <a:ea typeface="+mj-ea"/>
+                <a:cs typeface="+mj-cs"/>
+                <a:sym typeface="Helvetica"/>
+              </a:defRPr>
             </a:pPr>
           </a:p>
           <a:p>
             <a:pPr marL="0" indent="0">
               <a:buSzTx/>
               <a:buNone/>
-              <a:defRPr b="1"/>
+              <a:defRPr b="1">
+                <a:latin typeface="+mj-lt"/>
+                <a:ea typeface="+mj-ea"/>
+                <a:cs typeface="+mj-cs"/>
+                <a:sym typeface="Helvetica"/>
+              </a:defRPr>
             </a:pPr>
           </a:p>
           <a:p>
             <a:pPr marL="0" indent="0">
               <a:buSzTx/>
               <a:buNone/>
-              <a:defRPr b="1"/>
+              <a:defRPr b="1">
+                <a:latin typeface="+mj-lt"/>
+                <a:ea typeface="+mj-ea"/>
+                <a:cs typeface="+mj-cs"/>
+                <a:sym typeface="Helvetica"/>
+              </a:defRPr>
             </a:pPr>
           </a:p>
           <a:p>
@@ -3556,7 +3631,7 @@
         <p:spPr>
           <a:xfrm>
             <a:off x="1055830" y="5799030"/>
-            <a:ext cx="9563103" cy="666753"/>
+            <a:ext cx="9563104" cy="666754"/>
           </a:xfrm>
           <a:prstGeom prst="rect">
             <a:avLst/>
@@ -3631,8 +3706,8 @@
         </p:nvSpPr>
         <p:spPr>
           <a:xfrm>
-            <a:off x="838200" y="145328"/>
-            <a:ext cx="10515600" cy="6384061"/>
+            <a:off x="838200" y="145327"/>
+            <a:ext cx="10515600" cy="6384063"/>
           </a:xfrm>
           <a:prstGeom prst="rect">
             <a:avLst/>
@@ -3789,7 +3864,7 @@
         <p:spPr>
           <a:xfrm>
             <a:off x="838200" y="193961"/>
-            <a:ext cx="10515600" cy="748151"/>
+            <a:ext cx="10515600" cy="748152"/>
           </a:xfrm>
           <a:prstGeom prst="rect">
             <a:avLst/>
@@ -3827,7 +3902,7 @@
         <p:spPr>
           <a:xfrm>
             <a:off x="3071664" y="942111"/>
-            <a:ext cx="5695951" cy="5781676"/>
+            <a:ext cx="5695952" cy="5781677"/>
           </a:xfrm>
           <a:prstGeom prst="rect">
             <a:avLst/>
@@ -3873,8 +3948,8 @@
         </p:nvSpPr>
         <p:spPr>
           <a:xfrm>
-            <a:off x="838200" y="217341"/>
-            <a:ext cx="10515600" cy="724771"/>
+            <a:off x="838200" y="217340"/>
+            <a:ext cx="10515600" cy="724773"/>
           </a:xfrm>
           <a:prstGeom prst="rect">
             <a:avLst/>
@@ -3888,7 +3963,7 @@
           <a:p>
             <a:pPr/>
             <a:r>
-              <a:t>Этап синтаксического анализа</a:t>
+              <a:t>D. Этап синтаксического анализа</a:t>
             </a:r>
           </a:p>
         </p:txBody>
@@ -3903,8 +3978,8 @@
         </p:nvSpPr>
         <p:spPr>
           <a:xfrm>
-            <a:off x="180106" y="1163780"/>
-            <a:ext cx="11831787" cy="5338622"/>
+            <a:off x="180105" y="1163780"/>
+            <a:ext cx="11831789" cy="5338622"/>
           </a:xfrm>
           <a:prstGeom prst="rect">
             <a:avLst/>
@@ -3951,7 +4026,12 @@
               <a:t>→</a:t>
             </a:r>
             <a:r>
-              <a:rPr b="1"/>
+              <a:rPr b="1">
+                <a:latin typeface="+mj-lt"/>
+                <a:ea typeface="+mj-ea"/>
+                <a:cs typeface="+mj-cs"/>
+                <a:sym typeface="Helvetica"/>
+              </a:rPr>
               <a:t> </a:t>
             </a:r>
             <a:r>
@@ -4066,7 +4146,12 @@
               <a:t>→</a:t>
             </a:r>
             <a:r>
-              <a:rPr b="1"/>
+              <a:rPr b="1">
+                <a:latin typeface="+mj-lt"/>
+                <a:ea typeface="+mj-ea"/>
+                <a:cs typeface="+mj-cs"/>
+                <a:sym typeface="Helvetica"/>
+              </a:rPr>
               <a:t> </a:t>
             </a:r>
             <a:r>
@@ -4162,25 +4247,7 @@
           <a:p>
             <a:pPr/>
             <a:r>
-              <a:t>Синтаксический анализатор считывает лексемы до тех пор, пока не будет найдено соответствие БНФ правилу. После этого</a:t>
-            </a:r>
-            <a:r>
-              <a:t> он строит</a:t>
-            </a:r>
-            <a:r>
-              <a:t> часть дерева, лис</a:t>
-            </a:r>
-            <a:r>
-              <a:t>ть</a:t>
-            </a:r>
-            <a:r>
-              <a:t>я которого – сами лексемы, а родительские вершины</a:t>
-            </a:r>
-            <a:r>
-              <a:t> -</a:t>
-            </a:r>
-            <a:r>
-              <a:t> выражения &lt;expr&gt;.</a:t>
+              <a:t>Синтаксический анализатор считывает лексемы до тех пор, пока не будет найдено соответствие БНФ правилу. После этого он строит часть дерева, листья которого – сами лексемы, а родительские вершины - выражения &lt;expr&gt;.</a:t>
             </a:r>
           </a:p>
         </p:txBody>
@@ -4279,7 +4346,7 @@
         <p:spPr>
           <a:xfrm flipH="1">
             <a:off x="439946" y="759121"/>
-            <a:ext cx="3" cy="690118"/>
+            <a:ext cx="4" cy="690119"/>
           </a:xfrm>
           <a:prstGeom prst="line">
             <a:avLst/>
@@ -4319,7 +4386,7 @@
         <p:spPr>
           <a:xfrm>
             <a:off x="4649825" y="2863968"/>
-            <a:ext cx="2191825" cy="3062379"/>
+            <a:ext cx="2191826" cy="3062379"/>
           </a:xfrm>
           <a:prstGeom prst="rect">
             <a:avLst/>
@@ -4423,7 +4490,7 @@
         <p:spPr>
           <a:xfrm flipH="1">
             <a:off x="974784" y="750497"/>
-            <a:ext cx="3" cy="690117"/>
+            <a:ext cx="4" cy="690118"/>
           </a:xfrm>
           <a:prstGeom prst="line">
             <a:avLst/>
@@ -4463,7 +4530,7 @@
         <p:spPr>
           <a:xfrm>
             <a:off x="3266897" y="2380888"/>
-            <a:ext cx="3605848" cy="4241849"/>
+            <a:ext cx="3605849" cy="4241849"/>
           </a:xfrm>
           <a:prstGeom prst="rect">
             <a:avLst/>
@@ -4566,8 +4633,8 @@
         </p:nvSpPr>
         <p:spPr>
           <a:xfrm flipH="1">
-            <a:off x="1362973" y="741869"/>
-            <a:ext cx="3" cy="690117"/>
+            <a:off x="1362973" y="741868"/>
+            <a:ext cx="4" cy="690119"/>
           </a:xfrm>
           <a:prstGeom prst="line">
             <a:avLst/>
@@ -4607,7 +4674,7 @@
         <p:spPr>
           <a:xfrm>
             <a:off x="2796027" y="2230438"/>
-            <a:ext cx="5999777" cy="4627563"/>
+            <a:ext cx="5999778" cy="4627563"/>
           </a:xfrm>
           <a:prstGeom prst="rect">
             <a:avLst/>
@@ -4710,8 +4777,8 @@
         </p:nvSpPr>
         <p:spPr>
           <a:xfrm>
-            <a:off x="1854680" y="741869"/>
-            <a:ext cx="3" cy="690117"/>
+            <a:off x="1854680" y="741868"/>
+            <a:ext cx="4" cy="690119"/>
           </a:xfrm>
           <a:prstGeom prst="line">
             <a:avLst/>
@@ -4844,7 +4911,12 @@
               </a:lnSpc>
               <a:buSzTx/>
               <a:buNone/>
-              <a:defRPr b="1" sz="2300"/>
+              <a:defRPr b="1" sz="2300">
+                <a:latin typeface="+mj-lt"/>
+                <a:ea typeface="+mj-ea"/>
+                <a:cs typeface="+mj-cs"/>
+                <a:sym typeface="Helvetica"/>
+              </a:defRPr>
             </a:pPr>
             <a:r>
               <a:t>d) 2*A1*A3 + 1/2*PI/A2</a:t>
@@ -4864,12 +4936,12 @@
             </a:r>
           </a:p>
           <a:p>
-            <a:pPr marL="514350" indent="-514350">
+            <a:pPr marL="384342" indent="-384342">
               <a:lnSpc>
                 <a:spcPct val="81000"/>
               </a:lnSpc>
               <a:buFontTx/>
-              <a:buAutoNum type="arabicPeriod" startAt="1"/>
+              <a:buAutoNum type="alphaUcPeriod" startAt="1"/>
               <a:defRPr sz="2300"/>
             </a:pPr>
             <a:r>
@@ -4877,12 +4949,12 @@
             </a:r>
           </a:p>
           <a:p>
-            <a:pPr marL="514350" indent="-514350">
+            <a:pPr marL="384342" indent="-384342">
               <a:lnSpc>
                 <a:spcPct val="81000"/>
               </a:lnSpc>
               <a:buFontTx/>
-              <a:buAutoNum type="arabicPeriod" startAt="1"/>
+              <a:buAutoNum type="alphaUcPeriod" startAt="1"/>
               <a:defRPr sz="2300"/>
             </a:pPr>
             <a:r>
@@ -4890,12 +4962,12 @@
             </a:r>
           </a:p>
           <a:p>
-            <a:pPr marL="514350" indent="-514350">
+            <a:pPr marL="384342" indent="-384342">
               <a:lnSpc>
                 <a:spcPct val="81000"/>
               </a:lnSpc>
               <a:buFontTx/>
-              <a:buAutoNum type="arabicPeriod" startAt="1"/>
+              <a:buAutoNum type="alphaUcPeriod" startAt="1"/>
               <a:defRPr sz="2300"/>
             </a:pPr>
             <a:r>
@@ -4903,12 +4975,12 @@
             </a:r>
           </a:p>
           <a:p>
-            <a:pPr marL="514350" indent="-514350">
+            <a:pPr marL="384342" indent="-384342">
               <a:lnSpc>
                 <a:spcPct val="81000"/>
               </a:lnSpc>
               <a:buFontTx/>
-              <a:buAutoNum type="arabicPeriod" startAt="1"/>
+              <a:buAutoNum type="alphaUcPeriod" startAt="1"/>
               <a:defRPr sz="2300"/>
             </a:pPr>
             <a:r>
@@ -4916,12 +4988,12 @@
             </a:r>
           </a:p>
           <a:p>
-            <a:pPr marL="514350" indent="-514350">
+            <a:pPr marL="384342" indent="-384342">
               <a:lnSpc>
                 <a:spcPct val="81000"/>
               </a:lnSpc>
               <a:buFontTx/>
-              <a:buAutoNum type="arabicPeriod" startAt="1"/>
+              <a:buAutoNum type="alphaUcPeriod" startAt="1"/>
               <a:defRPr sz="2300"/>
             </a:pPr>
             <a:r>
@@ -4929,12 +5001,12 @@
             </a:r>
           </a:p>
           <a:p>
-            <a:pPr marL="514350" indent="-514350">
+            <a:pPr marL="384342" indent="-384342">
               <a:lnSpc>
                 <a:spcPct val="81000"/>
               </a:lnSpc>
               <a:buFontTx/>
-              <a:buAutoNum type="arabicPeriod" startAt="1"/>
+              <a:buAutoNum type="alphaUcPeriod" startAt="1"/>
               <a:defRPr sz="2300"/>
             </a:pPr>
             <a:r>
@@ -5036,8 +5108,8 @@
         </p:nvSpPr>
         <p:spPr>
           <a:xfrm>
-            <a:off x="2294626" y="741869"/>
-            <a:ext cx="3" cy="690117"/>
+            <a:off x="2294626" y="741868"/>
+            <a:ext cx="4" cy="690119"/>
           </a:xfrm>
           <a:prstGeom prst="line">
             <a:avLst/>
@@ -5325,7 +5397,7 @@
         <p:spPr>
           <a:xfrm flipH="1">
             <a:off x="3191777" y="879893"/>
-            <a:ext cx="8627" cy="552092"/>
+            <a:ext cx="8628" cy="552092"/>
           </a:xfrm>
           <a:prstGeom prst="line">
             <a:avLst/>
@@ -5394,7 +5466,7 @@
         <p:spPr>
           <a:xfrm>
             <a:off x="7462566" y="5460520"/>
-            <a:ext cx="744472" cy="1252066"/>
+            <a:ext cx="744473" cy="1252067"/>
           </a:xfrm>
           <a:prstGeom prst="rect">
             <a:avLst/>
@@ -5498,7 +5570,7 @@
         <p:spPr>
           <a:xfrm flipH="1">
             <a:off x="3640349" y="891336"/>
-            <a:ext cx="8627" cy="552092"/>
+            <a:ext cx="8628" cy="552092"/>
           </a:xfrm>
           <a:prstGeom prst="line">
             <a:avLst/>
@@ -5567,7 +5639,7 @@
         <p:spPr>
           <a:xfrm>
             <a:off x="6912984" y="4369072"/>
-            <a:ext cx="2247903" cy="2438403"/>
+            <a:ext cx="2247904" cy="2438403"/>
           </a:xfrm>
           <a:prstGeom prst="rect">
             <a:avLst/>
@@ -5671,7 +5743,7 @@
         <p:spPr>
           <a:xfrm flipH="1">
             <a:off x="4157936" y="891336"/>
-            <a:ext cx="8627" cy="552092"/>
+            <a:ext cx="8628" cy="552092"/>
           </a:xfrm>
           <a:prstGeom prst="line">
             <a:avLst/>
@@ -5740,7 +5812,7 @@
         <p:spPr>
           <a:xfrm>
             <a:off x="6775150" y="4675516"/>
-            <a:ext cx="2635875" cy="2131959"/>
+            <a:ext cx="2635875" cy="2131960"/>
           </a:xfrm>
           <a:prstGeom prst="rect">
             <a:avLst/>
@@ -5844,7 +5916,7 @@
         <p:spPr>
           <a:xfrm flipH="1">
             <a:off x="4701399" y="854913"/>
-            <a:ext cx="8627" cy="552092"/>
+            <a:ext cx="8628" cy="552092"/>
           </a:xfrm>
           <a:prstGeom prst="line">
             <a:avLst/>
@@ -5913,7 +5985,7 @@
         <p:spPr>
           <a:xfrm>
             <a:off x="6556071" y="3743862"/>
-            <a:ext cx="2681206" cy="2954358"/>
+            <a:ext cx="2681207" cy="2954359"/>
           </a:xfrm>
           <a:prstGeom prst="rect">
             <a:avLst/>
@@ -6017,7 +6089,7 @@
         <p:spPr>
           <a:xfrm flipH="1">
             <a:off x="5132720" y="854913"/>
-            <a:ext cx="8627" cy="552092"/>
+            <a:ext cx="8628" cy="552092"/>
           </a:xfrm>
           <a:prstGeom prst="line">
             <a:avLst/>
@@ -6086,7 +6158,7 @@
         <p:spPr>
           <a:xfrm>
             <a:off x="6459196" y="3642919"/>
-            <a:ext cx="4237548" cy="3164557"/>
+            <a:ext cx="4237548" cy="3164558"/>
           </a:xfrm>
           <a:prstGeom prst="rect">
             <a:avLst/>
@@ -6190,7 +6262,7 @@
         <p:spPr>
           <a:xfrm flipH="1">
             <a:off x="5589918" y="854913"/>
-            <a:ext cx="8627" cy="552092"/>
+            <a:ext cx="8628" cy="552092"/>
           </a:xfrm>
           <a:prstGeom prst="line">
             <a:avLst/>
@@ -6259,7 +6331,7 @@
         <p:spPr>
           <a:xfrm>
             <a:off x="6487062" y="3191773"/>
-            <a:ext cx="3645973" cy="3666227"/>
+            <a:ext cx="3645974" cy="3666227"/>
           </a:xfrm>
           <a:prstGeom prst="rect">
             <a:avLst/>
@@ -6363,7 +6435,7 @@
         <p:spPr>
           <a:xfrm flipH="1">
             <a:off x="6061495" y="814191"/>
-            <a:ext cx="8627" cy="552092"/>
+            <a:ext cx="8628" cy="552092"/>
           </a:xfrm>
           <a:prstGeom prst="line">
             <a:avLst/>
@@ -6521,8 +6593,8 @@
         </p:nvSpPr>
         <p:spPr>
           <a:xfrm>
-            <a:off x="838200" y="57869"/>
-            <a:ext cx="10515600" cy="623171"/>
+            <a:off x="838200" y="57868"/>
+            <a:ext cx="10515600" cy="623173"/>
           </a:xfrm>
           <a:prstGeom prst="rect">
             <a:avLst/>
@@ -6709,8 +6781,8 @@
         </p:nvSpPr>
         <p:spPr>
           <a:xfrm>
-            <a:off x="838200" y="355598"/>
-            <a:ext cx="10515600" cy="715535"/>
+            <a:off x="838200" y="355597"/>
+            <a:ext cx="10515600" cy="715536"/>
           </a:xfrm>
           <a:prstGeom prst="rect">
             <a:avLst/>
@@ -6724,7 +6796,7 @@
           <a:p>
             <a:pPr/>
             <a:r>
-              <a:t>Псевдо-машинный код</a:t>
+              <a:t>A. Псевдо-машинный код</a:t>
             </a:r>
           </a:p>
         </p:txBody>
@@ -6739,8 +6811,8 @@
         </p:nvSpPr>
         <p:spPr>
           <a:xfrm>
-            <a:off x="0" y="1200725"/>
-            <a:ext cx="12192004" cy="5657276"/>
+            <a:off x="0" y="1200724"/>
+            <a:ext cx="12192004" cy="5657277"/>
           </a:xfrm>
           <a:prstGeom prst="rect">
             <a:avLst/>
@@ -6750,100 +6822,83 @@
           <a:bodyPr/>
           <a:lstStyle/>
           <a:p>
-            <a:pPr marL="0" indent="0" defTabSz="886968">
+            <a:pPr marL="0" indent="0" defTabSz="886967">
               <a:spcBef>
                 <a:spcPts val="900"/>
               </a:spcBef>
               <a:buSzTx/>
               <a:buNone/>
-              <a:defRPr sz="2716"/>
+              <a:defRPr sz="2700"/>
             </a:pPr>
             <a:r>
-              <a:t>Для хранения значений будем использовать регистры </a:t>
-            </a:r>
-            <a:r>
-              <a:t>t</a:t>
-            </a:r>
-            <a:r>
-              <a:t>1, </a:t>
-            </a:r>
-            <a:r>
-              <a:t>t</a:t>
-            </a:r>
-            <a:r>
-              <a:t>2</a:t>
-            </a:r>
-            <a:r>
-              <a:t>,</a:t>
-            </a:r>
-            <a:r>
-              <a:t>...</a:t>
-            </a:r>
-            <a:r>
-              <a:t>,t</a:t>
-            </a:r>
-            <a:r>
-              <a:t>n. Команды псевдо-машинного кода для вычисления арифметических выражений, в который будет транслироваться исходный код:</a:t>
-            </a:r>
-          </a:p>
-          <a:p>
-            <a:pPr marL="0" indent="0" defTabSz="886968">
+              <a:t>Для хранения значений будем использовать регистры t1, t2,...,tn. Команды псевдо-машинного кода для вычисления арифметических выражений, в который будет транслироваться исходный код:</a:t>
+            </a:r>
+          </a:p>
+          <a:p>
+            <a:pPr marL="0" indent="0" defTabSz="886967">
               <a:spcBef>
                 <a:spcPts val="900"/>
               </a:spcBef>
-              <a:defRPr sz="2716"/>
+              <a:defRPr sz="2700"/>
             </a:pPr>
             <a:r>
               <a:t> </a:t>
             </a:r>
             <a:r>
-              <a:rPr b="1"/>
+              <a:rPr b="1">
+                <a:latin typeface="+mj-lt"/>
+                <a:ea typeface="+mj-ea"/>
+                <a:cs typeface="+mj-cs"/>
+                <a:sym typeface="Helvetica"/>
+              </a:rPr>
               <a:t>decl </a:t>
             </a:r>
             <a:r>
-              <a:t>ti		// </a:t>
-            </a:r>
-            <a:r>
-              <a:t>объявление регистра </a:t>
-            </a:r>
-            <a:r>
-              <a:t>ti – </a:t>
-            </a:r>
-            <a:r>
-              <a:t>дает понять транслятору в машинный код, что далее будет использоваться этот регистр;</a:t>
-            </a:r>
-          </a:p>
-          <a:p>
-            <a:pPr marL="0" indent="0" defTabSz="886968">
+              <a:t>ti		// объявление регистра ti – дает понять транслятору в машинный код, что далее будет использоваться этот регистр;</a:t>
+            </a:r>
+          </a:p>
+          <a:p>
+            <a:pPr marL="0" indent="0" defTabSz="886967">
               <a:spcBef>
                 <a:spcPts val="900"/>
               </a:spcBef>
-              <a:defRPr b="1" sz="2716"/>
+              <a:defRPr b="1" sz="2700">
+                <a:latin typeface="+mj-lt"/>
+                <a:ea typeface="+mj-ea"/>
+                <a:cs typeface="+mj-cs"/>
+                <a:sym typeface="Helvetica"/>
+              </a:defRPr>
             </a:pPr>
             <a:r>
               <a:t> mov</a:t>
             </a:r>
             <a:r>
-              <a:rPr b="0"/>
-              <a:t> &lt;val&gt;, ti 	</a:t>
-            </a:r>
-            <a:r>
-              <a:rPr b="0"/>
-              <a:t>// запись значения &lt;val&gt; в ti, где &lt;val&gt; - числовая константа или другой регистр;</a:t>
-            </a:r>
-          </a:p>
-          <a:p>
-            <a:pPr marL="0" indent="0" defTabSz="886968">
+              <a:rPr b="0">
+                <a:latin typeface="+mn-lt"/>
+                <a:ea typeface="+mn-ea"/>
+                <a:cs typeface="+mn-cs"/>
+                <a:sym typeface="Calibri"/>
+              </a:rPr>
+              <a:t> &lt;val&gt;, ti 	// запись значения &lt;val&gt; в ti, где &lt;val&gt; - числовая константа или другой регистр;</a:t>
+            </a:r>
+          </a:p>
+          <a:p>
+            <a:pPr marL="0" indent="0" defTabSz="886967">
               <a:spcBef>
                 <a:spcPts val="900"/>
               </a:spcBef>
-              <a:defRPr sz="2716"/>
+              <a:defRPr sz="2700"/>
             </a:pPr>
             <a:r>
               <a:t> </a:t>
             </a:r>
             <a:r>
-              <a:rPr b="1"/>
+              <a:rPr b="1">
+                <a:latin typeface="+mj-lt"/>
+                <a:ea typeface="+mj-ea"/>
+                <a:cs typeface="+mj-cs"/>
+                <a:sym typeface="Helvetica"/>
+              </a:rPr>
               <a:t>add </a:t>
             </a:r>
             <a:r>
@@ -6851,179 +6906,91 @@
             </a:r>
           </a:p>
           <a:p>
-            <a:pPr marL="221742" indent="-221742" defTabSz="886968">
+            <a:pPr marL="221741" indent="-221741" defTabSz="886967">
               <a:spcBef>
                 <a:spcPts val="900"/>
               </a:spcBef>
-              <a:defRPr b="1" sz="2716"/>
+              <a:defRPr b="1" sz="2700">
+                <a:latin typeface="+mj-lt"/>
+                <a:ea typeface="+mj-ea"/>
+                <a:cs typeface="+mj-cs"/>
+                <a:sym typeface="Helvetica"/>
+              </a:defRPr>
             </a:pPr>
             <a:r>
               <a:t>sub</a:t>
             </a:r>
             <a:r>
-              <a:rPr b="0"/>
-              <a:t> </a:t>
-            </a:r>
-            <a:r>
-              <a:rPr b="0"/>
-              <a:t>t</a:t>
-            </a:r>
-            <a:r>
-              <a:rPr b="0"/>
-              <a:t>j, </a:t>
-            </a:r>
-            <a:r>
-              <a:rPr b="0"/>
-              <a:t>t</a:t>
-            </a:r>
-            <a:r>
-              <a:rPr b="0"/>
-              <a:t>i 	</a:t>
-            </a:r>
-            <a:r>
-              <a:rPr b="0"/>
-              <a:t>	</a:t>
-            </a:r>
-            <a:r>
-              <a:rPr b="0"/>
-              <a:t>// вычитание значения </a:t>
-            </a:r>
-            <a:r>
-              <a:rPr b="0"/>
-              <a:t>t</a:t>
-            </a:r>
-            <a:r>
-              <a:rPr b="0"/>
-              <a:t>j из </a:t>
-            </a:r>
-            <a:r>
-              <a:rPr b="0"/>
-              <a:t>t</a:t>
-            </a:r>
-            <a:r>
-              <a:rPr b="0"/>
-              <a:t>i;</a:t>
-            </a:r>
-          </a:p>
-          <a:p>
-            <a:pPr marL="221742" indent="-221742" defTabSz="886968">
+              <a:rPr b="0">
+                <a:latin typeface="+mn-lt"/>
+                <a:ea typeface="+mn-ea"/>
+                <a:cs typeface="+mn-cs"/>
+                <a:sym typeface="Calibri"/>
+              </a:rPr>
+              <a:t> tj, ti 		// вычитание значения tj из ti;</a:t>
+            </a:r>
+          </a:p>
+          <a:p>
+            <a:pPr marL="221741" indent="-221741" defTabSz="886967">
               <a:spcBef>
                 <a:spcPts val="900"/>
               </a:spcBef>
-              <a:defRPr b="1" sz="2716"/>
+              <a:defRPr b="1" sz="2700">
+                <a:latin typeface="+mj-lt"/>
+                <a:ea typeface="+mj-ea"/>
+                <a:cs typeface="+mj-cs"/>
+                <a:sym typeface="Helvetica"/>
+              </a:defRPr>
             </a:pPr>
             <a:r>
               <a:t>mul</a:t>
             </a:r>
             <a:r>
-              <a:rPr b="0"/>
-              <a:t> </a:t>
-            </a:r>
-            <a:r>
-              <a:rPr b="0"/>
-              <a:t>t</a:t>
-            </a:r>
-            <a:r>
-              <a:rPr b="0"/>
-              <a:t>j, </a:t>
-            </a:r>
-            <a:r>
-              <a:rPr b="0"/>
-              <a:t>t</a:t>
-            </a:r>
-            <a:r>
-              <a:rPr b="0"/>
-              <a:t>i 	</a:t>
-            </a:r>
-            <a:r>
-              <a:rPr b="0"/>
-              <a:t>	</a:t>
-            </a:r>
-            <a:r>
-              <a:rPr b="0"/>
-              <a:t>// умножение значения </a:t>
-            </a:r>
-            <a:r>
-              <a:rPr b="0"/>
-              <a:t>t</a:t>
-            </a:r>
-            <a:r>
-              <a:rPr b="0"/>
-              <a:t>j на </a:t>
-            </a:r>
-            <a:r>
-              <a:rPr b="0"/>
-              <a:t>t</a:t>
-            </a:r>
-            <a:r>
-              <a:rPr b="0"/>
-              <a:t>i;</a:t>
-            </a:r>
-          </a:p>
-          <a:p>
-            <a:pPr marL="221742" indent="-221742" defTabSz="886968">
+              <a:rPr b="0">
+                <a:latin typeface="+mn-lt"/>
+                <a:ea typeface="+mn-ea"/>
+                <a:cs typeface="+mn-cs"/>
+                <a:sym typeface="Calibri"/>
+              </a:rPr>
+              <a:t> tj, ti 		// умножение значения tj на ti;</a:t>
+            </a:r>
+          </a:p>
+          <a:p>
+            <a:pPr marL="221741" indent="-221741" defTabSz="886967">
               <a:spcBef>
                 <a:spcPts val="900"/>
               </a:spcBef>
-              <a:defRPr b="1" sz="2716"/>
+              <a:defRPr b="1" sz="2700">
+                <a:latin typeface="+mj-lt"/>
+                <a:ea typeface="+mj-ea"/>
+                <a:cs typeface="+mj-cs"/>
+                <a:sym typeface="Helvetica"/>
+              </a:defRPr>
             </a:pPr>
             <a:r>
               <a:t>div</a:t>
             </a:r>
             <a:r>
-              <a:rPr b="0"/>
-              <a:t> </a:t>
-            </a:r>
-            <a:r>
-              <a:rPr b="0"/>
-              <a:t>t</a:t>
-            </a:r>
-            <a:r>
-              <a:rPr b="0"/>
-              <a:t>j, </a:t>
-            </a:r>
-            <a:r>
-              <a:rPr b="0"/>
-              <a:t>t</a:t>
-            </a:r>
-            <a:r>
-              <a:rPr b="0"/>
-              <a:t>i 	</a:t>
-            </a:r>
-            <a:r>
-              <a:rPr b="0"/>
-              <a:t>	</a:t>
-            </a:r>
-            <a:r>
-              <a:rPr b="0"/>
-              <a:t>// деление ri на значение </a:t>
-            </a:r>
-            <a:r>
-              <a:rPr b="0"/>
-              <a:t>t</a:t>
-            </a:r>
-            <a:r>
-              <a:rPr b="0"/>
-              <a:t>j.</a:t>
-            </a:r>
-          </a:p>
-          <a:p>
-            <a:pPr marL="0" indent="0" defTabSz="886968">
+              <a:rPr b="0">
+                <a:latin typeface="+mn-lt"/>
+                <a:ea typeface="+mn-ea"/>
+                <a:cs typeface="+mn-cs"/>
+                <a:sym typeface="Calibri"/>
+              </a:rPr>
+              <a:t> tj, ti 		// деление ri на значение tj.</a:t>
+            </a:r>
+          </a:p>
+          <a:p>
+            <a:pPr marL="0" indent="0" defTabSz="886967">
               <a:spcBef>
                 <a:spcPts val="900"/>
               </a:spcBef>
               <a:buSzTx/>
               <a:buNone/>
-              <a:defRPr sz="2716"/>
+              <a:defRPr sz="2700"/>
             </a:pPr>
             <a:r>
-              <a:t>Результат каждой команды записывается в </a:t>
-            </a:r>
-            <a:r>
-              <a:t>t</a:t>
-            </a:r>
-            <a:r>
-              <a:t>i.</a:t>
+              <a:t>Результат каждой команды записывается в ti.</a:t>
             </a:r>
           </a:p>
         </p:txBody>
@@ -7079,7 +7046,7 @@
           <a:p>
             <a:pPr/>
             <a:r>
-              <a:t>Семантический анализ</a:t>
+              <a:t>E. Семантический анализ</a:t>
             </a:r>
           </a:p>
         </p:txBody>
@@ -7111,13 +7078,23 @@
               </a:spcBef>
               <a:buSzTx/>
               <a:buNone/>
-              <a:defRPr b="1" sz="2100"/>
+              <a:defRPr b="1" sz="2100">
+                <a:latin typeface="+mj-lt"/>
+                <a:ea typeface="+mj-ea"/>
+                <a:cs typeface="+mj-cs"/>
+                <a:sym typeface="Helvetica"/>
+              </a:defRPr>
             </a:pPr>
             <a:r>
               <a:t>Метод обхода дерева:</a:t>
             </a:r>
             <a:r>
-              <a:rPr b="0"/>
+              <a:rPr b="0">
+                <a:latin typeface="+mn-lt"/>
+                <a:ea typeface="+mn-ea"/>
+                <a:cs typeface="+mn-cs"/>
+                <a:sym typeface="Calibri"/>
+              </a:rPr>
               <a:t> </a:t>
             </a:r>
           </a:p>
@@ -7141,7 +7118,12 @@
               </a:spcBef>
               <a:buSzTx/>
               <a:buNone/>
-              <a:defRPr b="1" sz="2100"/>
+              <a:defRPr b="1" sz="2100">
+                <a:latin typeface="+mj-lt"/>
+                <a:ea typeface="+mj-ea"/>
+                <a:cs typeface="+mj-cs"/>
+                <a:sym typeface="Helvetica"/>
+              </a:defRPr>
             </a:pPr>
             <a:r>
               <a:t>Правила генерации кода при обработке вершин дерева:</a:t>
@@ -7156,19 +7138,23 @@
               <a:defRPr sz="2100"/>
             </a:pPr>
             <a:r>
-              <a:t>Для каждой новой вершины &lt;expr&gt; объявляется </a:t>
-            </a:r>
-            <a:r>
-              <a:t>регистр </a:t>
-            </a:r>
-            <a:r>
-              <a:t>ti -&gt; </a:t>
-            </a:r>
-            <a:r>
-              <a:rPr b="1" i="1"/>
+              <a:t>Для каждой новой вершины &lt;expr&gt; объявляется регистр ti -&gt; </a:t>
+            </a:r>
+            <a:r>
+              <a:rPr b="1" i="1">
+                <a:latin typeface="+mj-lt"/>
+                <a:ea typeface="+mj-ea"/>
+                <a:cs typeface="+mj-cs"/>
+                <a:sym typeface="Helvetica"/>
+              </a:rPr>
               <a:t>decl ti</a:t>
             </a:r>
-            <a:endParaRPr b="1" i="1"/>
+            <a:endParaRPr b="1" i="1">
+              <a:latin typeface="+mj-lt"/>
+              <a:ea typeface="+mj-ea"/>
+              <a:cs typeface="+mj-cs"/>
+              <a:sym typeface="Helvetica"/>
+            </a:endParaRPr>
           </a:p>
           <a:p>
             <a:pPr marL="226384" indent="-226384" defTabSz="737370">
@@ -7182,11 +7168,21 @@
               <a:t>Если эта вершина имеет единственного потомка - константу, то в ti заносится соответствующее значение константы из информационной таблицы -&gt; </a:t>
             </a:r>
             <a:r>
-              <a:rPr b="1" i="1"/>
+              <a:rPr b="1" i="1">
+                <a:latin typeface="+mj-lt"/>
+                <a:ea typeface="+mj-ea"/>
+                <a:cs typeface="+mj-cs"/>
+                <a:sym typeface="Helvetica"/>
+              </a:rPr>
               <a:t>mov &lt;const&gt; t</a:t>
             </a:r>
             <a:r>
-              <a:rPr b="1" i="1" sz="1400"/>
+              <a:rPr b="1" i="1" sz="1400">
+                <a:latin typeface="+mj-lt"/>
+                <a:ea typeface="+mj-ea"/>
+                <a:cs typeface="+mj-cs"/>
+                <a:sym typeface="Helvetica"/>
+              </a:rPr>
               <a:t>i</a:t>
             </a:r>
             <a:endParaRPr sz="1400"/>
@@ -7200,19 +7196,23 @@
               <a:defRPr sz="2100"/>
             </a:pPr>
             <a:r>
-              <a:t>Если эта вершина имеет единственного потомка - переменную, то в ti заносится соответствующее значение по адресу переменной из информационной таблицы</a:t>
-            </a:r>
-            <a:r>
-              <a:t> </a:t>
-            </a:r>
-            <a:r>
-              <a:t>-&gt; </a:t>
-            </a:r>
-            <a:r>
-              <a:rPr b="1" i="1"/>
+              <a:t>Если эта вершина имеет единственного потомка - переменную, то в ti заносится соответствующее значение по адресу переменной из информационной таблицы -&gt; </a:t>
+            </a:r>
+            <a:r>
+              <a:rPr b="1" i="1">
+                <a:latin typeface="+mj-lt"/>
+                <a:ea typeface="+mj-ea"/>
+                <a:cs typeface="+mj-cs"/>
+                <a:sym typeface="Helvetica"/>
+              </a:rPr>
               <a:t>mov (&lt;var&gt;) ti</a:t>
             </a:r>
-            <a:endParaRPr b="1" i="1"/>
+            <a:endParaRPr b="1" i="1">
+              <a:latin typeface="+mj-lt"/>
+              <a:ea typeface="+mj-ea"/>
+              <a:cs typeface="+mj-cs"/>
+              <a:sym typeface="Helvetica"/>
+            </a:endParaRPr>
           </a:p>
           <a:p>
             <a:pPr marL="226384" indent="-226384" defTabSz="737370">
@@ -7319,8 +7319,8 @@
         </p:nvSpPr>
         <p:spPr>
           <a:xfrm>
-            <a:off x="838200" y="-2"/>
-            <a:ext cx="10515600" cy="706297"/>
+            <a:off x="838200" y="-3"/>
+            <a:ext cx="10515600" cy="706299"/>
           </a:xfrm>
           <a:prstGeom prst="rect">
             <a:avLst/>
@@ -7348,7 +7348,7 @@
         <p:spPr>
           <a:xfrm flipH="1">
             <a:off x="2706091" y="1900251"/>
-            <a:ext cx="1389214" cy="695115"/>
+            <a:ext cx="1389215" cy="695116"/>
           </a:xfrm>
           <a:prstGeom prst="line">
             <a:avLst/>
@@ -7377,8 +7377,8 @@
         </p:nvSpPr>
         <p:spPr>
           <a:xfrm>
-            <a:off x="4483067" y="1169919"/>
-            <a:ext cx="2" cy="461221"/>
+            <a:off x="4483067" y="1182618"/>
+            <a:ext cx="3" cy="448523"/>
           </a:xfrm>
           <a:prstGeom prst="line">
             <a:avLst/>
@@ -7408,8 +7408,8 @@
         </p:nvSpPr>
         <p:spPr>
           <a:xfrm flipH="1">
-            <a:off x="1741157" y="2960966"/>
-            <a:ext cx="693640" cy="377630"/>
+            <a:off x="1741157" y="2960965"/>
+            <a:ext cx="693641" cy="377631"/>
           </a:xfrm>
           <a:prstGeom prst="line">
             <a:avLst/>
@@ -7439,7 +7439,7 @@
         <p:spPr>
           <a:xfrm flipH="1">
             <a:off x="965166" y="3633868"/>
-            <a:ext cx="562771" cy="321372"/>
+            <a:ext cx="562771" cy="321373"/>
           </a:xfrm>
           <a:prstGeom prst="line">
             <a:avLst/>
@@ -7469,7 +7469,7 @@
         <p:spPr>
           <a:xfrm flipV="1">
             <a:off x="1068721" y="3746979"/>
-            <a:ext cx="725024" cy="266879"/>
+            <a:ext cx="725025" cy="266880"/>
           </a:xfrm>
           <a:prstGeom prst="line">
             <a:avLst/>
@@ -7498,7 +7498,7 @@
         <p:spPr>
           <a:xfrm>
             <a:off x="1785271" y="3725247"/>
-            <a:ext cx="477381" cy="297435"/>
+            <a:ext cx="477382" cy="297436"/>
           </a:xfrm>
           <a:prstGeom prst="line">
             <a:avLst/>
@@ -7528,7 +7528,7 @@
         <p:spPr>
           <a:xfrm flipH="1">
             <a:off x="774667" y="4157321"/>
-            <a:ext cx="85859" cy="508420"/>
+            <a:ext cx="85860" cy="508420"/>
           </a:xfrm>
           <a:prstGeom prst="line">
             <a:avLst/>
@@ -7558,7 +7558,7 @@
         <p:spPr>
           <a:xfrm flipH="1">
             <a:off x="1039363" y="4001411"/>
-            <a:ext cx="59472" cy="625402"/>
+            <a:ext cx="59473" cy="625403"/>
           </a:xfrm>
           <a:prstGeom prst="line">
             <a:avLst/>
@@ -7586,8 +7586,8 @@
         </p:nvSpPr>
         <p:spPr>
           <a:xfrm>
-            <a:off x="2288247" y="4057325"/>
-            <a:ext cx="2" cy="513573"/>
+            <a:off x="2288246" y="4057324"/>
+            <a:ext cx="3" cy="513574"/>
           </a:xfrm>
           <a:prstGeom prst="line">
             <a:avLst/>
@@ -7616,8 +7616,8 @@
         </p:nvSpPr>
         <p:spPr>
           <a:xfrm>
-            <a:off x="3790646" y="1484082"/>
-            <a:ext cx="656596" cy="225706"/>
+            <a:off x="3790646" y="1484081"/>
+            <a:ext cx="656593" cy="225705"/>
           </a:xfrm>
           <a:prstGeom prst="rect">
             <a:avLst/>
@@ -7656,8 +7656,8 @@
         </p:nvSpPr>
         <p:spPr>
           <a:xfrm>
-            <a:off x="2088846" y="2538181"/>
-            <a:ext cx="656596" cy="225707"/>
+            <a:off x="2088845" y="2538180"/>
+            <a:ext cx="656594" cy="225705"/>
           </a:xfrm>
           <a:prstGeom prst="rect">
             <a:avLst/>
@@ -7696,8 +7696,8 @@
         </p:nvSpPr>
         <p:spPr>
           <a:xfrm>
-            <a:off x="1102934" y="3249381"/>
-            <a:ext cx="625012" cy="225707"/>
+            <a:off x="1102934" y="3249380"/>
+            <a:ext cx="625010" cy="225705"/>
           </a:xfrm>
           <a:prstGeom prst="rect">
             <a:avLst/>
@@ -7736,8 +7736,8 @@
         </p:nvSpPr>
         <p:spPr>
           <a:xfrm>
-            <a:off x="340934" y="3885266"/>
-            <a:ext cx="625012" cy="225707"/>
+            <a:off x="340934" y="3885265"/>
+            <a:ext cx="625010" cy="225705"/>
           </a:xfrm>
           <a:prstGeom prst="rect">
             <a:avLst/>
@@ -7776,8 +7776,8 @@
         </p:nvSpPr>
         <p:spPr>
           <a:xfrm>
-            <a:off x="-14666" y="4450020"/>
-            <a:ext cx="775967" cy="225706"/>
+            <a:off x="-14667" y="4450019"/>
+            <a:ext cx="775966" cy="225705"/>
           </a:xfrm>
           <a:prstGeom prst="rect">
             <a:avLst/>
@@ -7795,19 +7795,15 @@
           <a:bodyPr wrap="none" lIns="45718" tIns="45718" rIns="45718" bIns="45718">
             <a:spAutoFit/>
           </a:bodyPr>
-          <a:lstStyle/>
-          <a:p>
-            <a:pPr>
+          <a:lstStyle>
+            <a:lvl1pPr>
               <a:defRPr sz="1100"/>
-            </a:pPr>
-            <a:r>
-              <a:t>5. mov 2</a:t>
-            </a:r>
-            <a:r>
-              <a:t>,</a:t>
-            </a:r>
-            <a:r>
-              <a:t> t3</a:t>
+            </a:lvl1pPr>
+          </a:lstStyle>
+          <a:p>
+            <a:pPr/>
+            <a:r>
+              <a:t>5. mov 2, t3</a:t>
             </a:r>
           </a:p>
         </p:txBody>
@@ -7820,8 +7816,8 @@
         </p:nvSpPr>
         <p:spPr>
           <a:xfrm>
-            <a:off x="2219343" y="3796366"/>
-            <a:ext cx="625012" cy="225707"/>
+            <a:off x="2219343" y="3796365"/>
+            <a:ext cx="625010" cy="225705"/>
           </a:xfrm>
           <a:prstGeom prst="rect">
             <a:avLst/>
@@ -7860,8 +7856,8 @@
         </p:nvSpPr>
         <p:spPr>
           <a:xfrm>
-            <a:off x="2207834" y="5066366"/>
-            <a:ext cx="941520" cy="225707"/>
+            <a:off x="2207834" y="5066365"/>
+            <a:ext cx="941518" cy="225705"/>
           </a:xfrm>
           <a:prstGeom prst="rect">
             <a:avLst/>
@@ -7879,19 +7875,15 @@
           <a:bodyPr wrap="none" lIns="45718" tIns="45718" rIns="45718" bIns="45718">
             <a:spAutoFit/>
           </a:bodyPr>
-          <a:lstStyle/>
-          <a:p>
-            <a:pPr>
+          <a:lstStyle>
+            <a:lvl1pPr>
               <a:defRPr sz="1100"/>
-            </a:pPr>
-            <a:r>
-              <a:t>7. mov (A1)</a:t>
-            </a:r>
-            <a:r>
-              <a:t>,</a:t>
-            </a:r>
-            <a:r>
-              <a:t> t4</a:t>
+            </a:lvl1pPr>
+          </a:lstStyle>
+          <a:p>
+            <a:pPr/>
+            <a:r>
+              <a:t>7. mov (A1), t4</a:t>
             </a:r>
           </a:p>
         </p:txBody>
@@ -7905,7 +7897,7 @@
         <p:spPr>
           <a:xfrm>
             <a:off x="2830064" y="3777965"/>
-            <a:ext cx="2" cy="727854"/>
+            <a:ext cx="3" cy="727855"/>
           </a:xfrm>
           <a:prstGeom prst="line">
             <a:avLst/>
@@ -7934,7 +7926,7 @@
         <p:spPr>
           <a:xfrm flipH="1" flipV="1">
             <a:off x="2102629" y="3619379"/>
-            <a:ext cx="717353" cy="178482"/>
+            <a:ext cx="717354" cy="178483"/>
           </a:xfrm>
           <a:prstGeom prst="line">
             <a:avLst/>
@@ -7963,8 +7955,8 @@
         </p:nvSpPr>
         <p:spPr>
           <a:xfrm>
-            <a:off x="2226797" y="3288408"/>
-            <a:ext cx="822761" cy="390806"/>
+            <a:off x="2226797" y="3288407"/>
+            <a:ext cx="822759" cy="390805"/>
           </a:xfrm>
           <a:prstGeom prst="rect">
             <a:avLst/>
@@ -7988,13 +7980,7 @@
               <a:defRPr sz="1100"/>
             </a:pPr>
             <a:r>
-              <a:t>8. mov t3</a:t>
-            </a:r>
-            <a:r>
-              <a:t>,</a:t>
-            </a:r>
-            <a:r>
-              <a:t> t2</a:t>
+              <a:t>8. mov t3, t2</a:t>
             </a:r>
           </a:p>
           <a:p>
@@ -8002,13 +7988,7 @@
               <a:defRPr sz="1100"/>
             </a:pPr>
             <a:r>
-              <a:t>9. mul t4</a:t>
-            </a:r>
-            <a:r>
-              <a:t>,</a:t>
-            </a:r>
-            <a:r>
-              <a:t> t2</a:t>
+              <a:t>9. mul t4, t2</a:t>
             </a:r>
           </a:p>
         </p:txBody>
@@ -8054,7 +8034,7 @@
         <p:spPr>
           <a:xfrm>
             <a:off x="7232346" y="4633454"/>
-            <a:ext cx="415463" cy="280798"/>
+            <a:ext cx="415460" cy="280795"/>
           </a:xfrm>
           <a:prstGeom prst="rect">
             <a:avLst/>
@@ -8093,8 +8073,8 @@
         </p:nvSpPr>
         <p:spPr>
           <a:xfrm>
-            <a:off x="9123047" y="643877"/>
-            <a:ext cx="1577760" cy="2961986"/>
+            <a:off x="9123047" y="643876"/>
+            <a:ext cx="1577758" cy="2669885"/>
           </a:xfrm>
           <a:prstGeom prst="rect">
             <a:avLst/>
@@ -8140,13 +8120,7 @@
           <a:p>
             <a:pPr/>
             <a:r>
-              <a:t>5.   mov 2</a:t>
-            </a:r>
-            <a:r>
-              <a:t>,</a:t>
-            </a:r>
-            <a:r>
-              <a:t> t3</a:t>
+              <a:t>5.   mov 2, t3</a:t>
             </a:r>
           </a:p>
           <a:p>
@@ -8158,37 +8132,19 @@
           <a:p>
             <a:pPr/>
             <a:r>
-              <a:t>7.   mov (A1)</a:t>
-            </a:r>
-            <a:r>
-              <a:t>,</a:t>
-            </a:r>
-            <a:r>
-              <a:t> t4</a:t>
-            </a:r>
-          </a:p>
-          <a:p>
-            <a:pPr/>
-            <a:r>
-              <a:t>8.   mov t3</a:t>
-            </a:r>
-            <a:r>
-              <a:t>,</a:t>
-            </a:r>
-            <a:r>
-              <a:t> t2</a:t>
-            </a:r>
-          </a:p>
-          <a:p>
-            <a:pPr/>
-            <a:r>
-              <a:t>9.   mul t4</a:t>
-            </a:r>
-            <a:r>
-              <a:t>,</a:t>
-            </a:r>
-            <a:r>
-              <a:t> t2</a:t>
+              <a:t>7.   mov (A1), t4</a:t>
+            </a:r>
+          </a:p>
+          <a:p>
+            <a:pPr/>
+            <a:r>
+              <a:t>8.   mov t3, t2</a:t>
+            </a:r>
+          </a:p>
+          <a:p>
+            <a:pPr/>
+            <a:r>
+              <a:t>9.   mul t4, t2</a:t>
             </a:r>
           </a:p>
         </p:txBody>
@@ -8229,8 +8185,8 @@
         </p:nvSpPr>
         <p:spPr>
           <a:xfrm>
-            <a:off x="838200" y="-2"/>
-            <a:ext cx="10515600" cy="706297"/>
+            <a:off x="838200" y="-3"/>
+            <a:ext cx="10515600" cy="706299"/>
           </a:xfrm>
           <a:prstGeom prst="rect">
             <a:avLst/>
@@ -8286,8 +8242,8 @@
         </p:nvSpPr>
         <p:spPr>
           <a:xfrm flipV="1">
-            <a:off x="2085498" y="3079799"/>
-            <a:ext cx="772946" cy="357507"/>
+            <a:off x="2097024" y="3079799"/>
+            <a:ext cx="761421" cy="352176"/>
           </a:xfrm>
           <a:prstGeom prst="line">
             <a:avLst/>
@@ -8317,7 +8273,7 @@
         <p:spPr>
           <a:xfrm>
             <a:off x="2832298" y="3076249"/>
-            <a:ext cx="1074442" cy="721853"/>
+            <a:ext cx="1074443" cy="721854"/>
           </a:xfrm>
           <a:prstGeom prst="line">
             <a:avLst/>
@@ -8346,8 +8302,8 @@
         </p:nvSpPr>
         <p:spPr>
           <a:xfrm>
-            <a:off x="3930346" y="3592282"/>
-            <a:ext cx="695818" cy="225706"/>
+            <a:off x="3930346" y="3592281"/>
+            <a:ext cx="695815" cy="225705"/>
           </a:xfrm>
           <a:prstGeom prst="rect">
             <a:avLst/>
@@ -8387,7 +8343,7 @@
         <p:spPr>
           <a:xfrm flipH="1">
             <a:off x="3813373" y="3870147"/>
-            <a:ext cx="2978" cy="966080"/>
+            <a:ext cx="2979" cy="966081"/>
           </a:xfrm>
           <a:prstGeom prst="line">
             <a:avLst/>
@@ -8416,8 +8372,8 @@
         </p:nvSpPr>
         <p:spPr>
           <a:xfrm>
-            <a:off x="3828746" y="4773382"/>
-            <a:ext cx="1043908" cy="225706"/>
+            <a:off x="3828746" y="4773381"/>
+            <a:ext cx="1043906" cy="225705"/>
           </a:xfrm>
           <a:prstGeom prst="rect">
             <a:avLst/>
@@ -8435,19 +8391,15 @@
           <a:bodyPr wrap="none" lIns="45718" tIns="45718" rIns="45718" bIns="45718">
             <a:spAutoFit/>
           </a:bodyPr>
-          <a:lstStyle/>
-          <a:p>
-            <a:pPr>
+          <a:lstStyle>
+            <a:lvl1pPr>
               <a:defRPr sz="1100"/>
-            </a:pPr>
-            <a:r>
-              <a:t>11. mov (A3)</a:t>
-            </a:r>
-            <a:r>
-              <a:t>,</a:t>
-            </a:r>
-            <a:r>
-              <a:t> t5 </a:t>
+            </a:lvl1pPr>
+          </a:lstStyle>
+          <a:p>
+            <a:pPr/>
+            <a:r>
+              <a:t>11. mov (A3), t5 </a:t>
             </a:r>
           </a:p>
         </p:txBody>
@@ -8460,8 +8412,8 @@
         </p:nvSpPr>
         <p:spPr>
           <a:xfrm flipH="1" flipV="1">
-            <a:off x="4631580" y="3655472"/>
-            <a:ext cx="167186" cy="1213909"/>
+            <a:off x="4631580" y="3655471"/>
+            <a:ext cx="167187" cy="1213910"/>
           </a:xfrm>
           <a:prstGeom prst="line">
             <a:avLst/>
@@ -8489,8 +8441,8 @@
         </p:nvSpPr>
         <p:spPr>
           <a:xfrm flipH="1" flipV="1">
-            <a:off x="3040805" y="2976965"/>
-            <a:ext cx="1592861" cy="698616"/>
+            <a:off x="3040805" y="2976964"/>
+            <a:ext cx="1592862" cy="698617"/>
           </a:xfrm>
           <a:prstGeom prst="line">
             <a:avLst/>
@@ -8519,8 +8471,8 @@
         </p:nvSpPr>
         <p:spPr>
           <a:xfrm>
-            <a:off x="3037677" y="2561503"/>
-            <a:ext cx="894454" cy="390807"/>
+            <a:off x="3037676" y="2561502"/>
+            <a:ext cx="894452" cy="390805"/>
           </a:xfrm>
           <a:prstGeom prst="rect">
             <a:avLst/>
@@ -8544,13 +8496,7 @@
               <a:defRPr sz="1100"/>
             </a:pPr>
             <a:r>
-              <a:t>12. mov t2</a:t>
-            </a:r>
-            <a:r>
-              <a:t>,</a:t>
-            </a:r>
-            <a:r>
-              <a:t> t1</a:t>
+              <a:t>12. mov t2, t1</a:t>
             </a:r>
           </a:p>
           <a:p>
@@ -8558,13 +8504,7 @@
               <a:defRPr sz="1100"/>
             </a:pPr>
             <a:r>
-              <a:t>13. mul t5</a:t>
-            </a:r>
-            <a:r>
-              <a:t>,</a:t>
-            </a:r>
-            <a:r>
-              <a:t> t1 </a:t>
+              <a:t>13. mul t5, t1 </a:t>
             </a:r>
           </a:p>
         </p:txBody>
@@ -8577,8 +8517,8 @@
         </p:nvSpPr>
         <p:spPr>
           <a:xfrm flipV="1">
-            <a:off x="2792164" y="1981950"/>
-            <a:ext cx="1676153" cy="652231"/>
+            <a:off x="2792164" y="1981949"/>
+            <a:ext cx="1676153" cy="652232"/>
           </a:xfrm>
           <a:prstGeom prst="line">
             <a:avLst/>
@@ -8607,7 +8547,7 @@
         <p:spPr>
           <a:xfrm>
             <a:off x="4456955" y="1981816"/>
-            <a:ext cx="2424610" cy="822510"/>
+            <a:ext cx="2424611" cy="822510"/>
           </a:xfrm>
           <a:prstGeom prst="line">
             <a:avLst/>
@@ -8636,8 +8576,8 @@
         </p:nvSpPr>
         <p:spPr>
           <a:xfrm>
-            <a:off x="6292546" y="2855681"/>
-            <a:ext cx="695818" cy="225707"/>
+            <a:off x="6292546" y="2855680"/>
+            <a:ext cx="695815" cy="225705"/>
           </a:xfrm>
           <a:prstGeom prst="rect">
             <a:avLst/>
@@ -8676,8 +8616,8 @@
         </p:nvSpPr>
         <p:spPr>
           <a:xfrm flipH="1">
-            <a:off x="6318562" y="3117644"/>
-            <a:ext cx="628206" cy="505699"/>
+            <a:off x="6318561" y="3117644"/>
+            <a:ext cx="628207" cy="505699"/>
           </a:xfrm>
           <a:prstGeom prst="line">
             <a:avLst/>
@@ -8706,8 +8646,8 @@
         </p:nvSpPr>
         <p:spPr>
           <a:xfrm>
-            <a:off x="5644846" y="3490682"/>
-            <a:ext cx="695818" cy="225706"/>
+            <a:off x="5644846" y="3490681"/>
+            <a:ext cx="695815" cy="225705"/>
           </a:xfrm>
           <a:prstGeom prst="rect">
             <a:avLst/>
@@ -8747,7 +8687,7 @@
         <p:spPr>
           <a:xfrm flipH="1">
             <a:off x="5555636" y="4014523"/>
-            <a:ext cx="628206" cy="505699"/>
+            <a:ext cx="628207" cy="505699"/>
           </a:xfrm>
           <a:prstGeom prst="line">
             <a:avLst/>
@@ -8776,8 +8716,8 @@
         </p:nvSpPr>
         <p:spPr>
           <a:xfrm>
-            <a:off x="4835580" y="4392382"/>
-            <a:ext cx="695818" cy="225706"/>
+            <a:off x="4835580" y="4392381"/>
+            <a:ext cx="695815" cy="225705"/>
           </a:xfrm>
           <a:prstGeom prst="rect">
             <a:avLst/>
@@ -8817,7 +8757,7 @@
         <p:spPr>
           <a:xfrm flipH="1">
             <a:off x="4640095" y="4892759"/>
-            <a:ext cx="737495" cy="358757"/>
+            <a:ext cx="737496" cy="358758"/>
           </a:xfrm>
           <a:prstGeom prst="line">
             <a:avLst/>
@@ -8846,8 +8786,8 @@
         </p:nvSpPr>
         <p:spPr>
           <a:xfrm>
-            <a:off x="3730680" y="5332182"/>
-            <a:ext cx="695818" cy="225706"/>
+            <a:off x="3730680" y="5332181"/>
+            <a:ext cx="695815" cy="225705"/>
           </a:xfrm>
           <a:prstGeom prst="rect">
             <a:avLst/>
@@ -8887,7 +8827,7 @@
         <p:spPr>
           <a:xfrm flipH="1">
             <a:off x="4401684" y="5540607"/>
-            <a:ext cx="14140" cy="389068"/>
+            <a:ext cx="14141" cy="389069"/>
           </a:xfrm>
           <a:prstGeom prst="line">
             <a:avLst/>
@@ -8916,8 +8856,8 @@
         </p:nvSpPr>
         <p:spPr>
           <a:xfrm>
-            <a:off x="3672632" y="5951028"/>
-            <a:ext cx="846772" cy="225706"/>
+            <a:off x="3672632" y="5951027"/>
+            <a:ext cx="846770" cy="225705"/>
           </a:xfrm>
           <a:prstGeom prst="rect">
             <a:avLst/>
@@ -8935,19 +8875,15 @@
           <a:bodyPr wrap="none" lIns="45718" tIns="45718" rIns="45718" bIns="45718">
             <a:spAutoFit/>
           </a:bodyPr>
-          <a:lstStyle/>
-          <a:p>
-            <a:pPr>
+          <a:lstStyle>
+            <a:lvl1pPr>
               <a:defRPr sz="1100"/>
-            </a:pPr>
-            <a:r>
-              <a:t>18. mov 1</a:t>
-            </a:r>
-            <a:r>
-              <a:t>,</a:t>
-            </a:r>
-            <a:r>
-              <a:t> t9</a:t>
+            </a:lvl1pPr>
+          </a:lstStyle>
+          <a:p>
+            <a:pPr/>
+            <a:r>
+              <a:t>18. mov 1, t9</a:t>
             </a:r>
           </a:p>
         </p:txBody>
@@ -8961,7 +8897,7 @@
         <p:spPr>
           <a:xfrm flipV="1">
             <a:off x="4913064" y="4866735"/>
-            <a:ext cx="683768" cy="1158346"/>
+            <a:ext cx="683769" cy="1158347"/>
           </a:xfrm>
           <a:prstGeom prst="line">
             <a:avLst/>
@@ -9019,8 +8955,8 @@
         </p:nvSpPr>
         <p:spPr>
           <a:xfrm>
-            <a:off x="6257144" y="5125528"/>
-            <a:ext cx="766622" cy="225706"/>
+            <a:off x="6257144" y="5125527"/>
+            <a:ext cx="766620" cy="225705"/>
           </a:xfrm>
           <a:prstGeom prst="rect">
             <a:avLst/>
@@ -9060,7 +8996,7 @@
         <p:spPr>
           <a:xfrm>
             <a:off x="5992755" y="5381764"/>
-            <a:ext cx="2" cy="893323"/>
+            <a:ext cx="3" cy="893324"/>
           </a:xfrm>
           <a:prstGeom prst="line">
             <a:avLst/>
@@ -9089,8 +9025,8 @@
         </p:nvSpPr>
         <p:spPr>
           <a:xfrm>
-            <a:off x="5914244" y="6368461"/>
-            <a:ext cx="917577" cy="225707"/>
+            <a:off x="5914244" y="6368460"/>
+            <a:ext cx="917575" cy="225705"/>
           </a:xfrm>
           <a:prstGeom prst="rect">
             <a:avLst/>
@@ -9108,19 +9044,15 @@
           <a:bodyPr wrap="none" lIns="45718" tIns="45718" rIns="45718" bIns="45718">
             <a:spAutoFit/>
           </a:bodyPr>
-          <a:lstStyle/>
-          <a:p>
-            <a:pPr>
+          <a:lstStyle>
+            <a:lvl1pPr>
               <a:defRPr sz="1100"/>
-            </a:pPr>
-            <a:r>
-              <a:t>20. mov 2</a:t>
-            </a:r>
-            <a:r>
-              <a:t>,</a:t>
-            </a:r>
-            <a:r>
-              <a:t> t10</a:t>
+            </a:lvl1pPr>
+          </a:lstStyle>
+          <a:p>
+            <a:pPr/>
+            <a:r>
+              <a:t>20. mov 2, t10</a:t>
             </a:r>
           </a:p>
         </p:txBody>
@@ -9166,7 +9098,7 @@
         <p:spPr>
           <a:xfrm>
             <a:off x="7232346" y="4633454"/>
-            <a:ext cx="415463" cy="280798"/>
+            <a:ext cx="415460" cy="280795"/>
           </a:xfrm>
           <a:prstGeom prst="rect">
             <a:avLst/>
@@ -9205,8 +9137,8 @@
         </p:nvSpPr>
         <p:spPr>
           <a:xfrm>
-            <a:off x="9123047" y="643876"/>
-            <a:ext cx="1590262" cy="5882987"/>
+            <a:off x="9123046" y="643875"/>
+            <a:ext cx="1590261" cy="5882985"/>
           </a:xfrm>
           <a:prstGeom prst="rect">
             <a:avLst/>
@@ -9252,13 +9184,7 @@
           <a:p>
             <a:pPr/>
             <a:r>
-              <a:t>5.   mov 2</a:t>
-            </a:r>
-            <a:r>
-              <a:t>,</a:t>
-            </a:r>
-            <a:r>
-              <a:t> t3</a:t>
+              <a:t>5.   mov 2, t3</a:t>
             </a:r>
           </a:p>
           <a:p>
@@ -9270,37 +9196,19 @@
           <a:p>
             <a:pPr/>
             <a:r>
-              <a:t>7.   mov (A1)</a:t>
-            </a:r>
-            <a:r>
-              <a:t>,</a:t>
-            </a:r>
-            <a:r>
-              <a:t> t4</a:t>
-            </a:r>
-          </a:p>
-          <a:p>
-            <a:pPr/>
-            <a:r>
-              <a:t>8.   mov t3</a:t>
-            </a:r>
-            <a:r>
-              <a:t>,</a:t>
-            </a:r>
-            <a:r>
-              <a:t> t2</a:t>
-            </a:r>
-          </a:p>
-          <a:p>
-            <a:pPr/>
-            <a:r>
-              <a:t>9.   mul t4</a:t>
-            </a:r>
-            <a:r>
-              <a:t>,</a:t>
-            </a:r>
-            <a:r>
-              <a:t> t2</a:t>
+              <a:t>7.   mov (A1), t4</a:t>
+            </a:r>
+          </a:p>
+          <a:p>
+            <a:pPr/>
+            <a:r>
+              <a:t>8.   mov t3, t2</a:t>
+            </a:r>
+          </a:p>
+          <a:p>
+            <a:pPr/>
+            <a:r>
+              <a:t>9.   mul t4, t2</a:t>
             </a:r>
           </a:p>
           <a:p>
@@ -9312,37 +9220,19 @@
           <a:p>
             <a:pPr/>
             <a:r>
-              <a:t>11. mov (A3)</a:t>
-            </a:r>
-            <a:r>
-              <a:t>,</a:t>
-            </a:r>
-            <a:r>
-              <a:t> t5</a:t>
-            </a:r>
-          </a:p>
-          <a:p>
-            <a:pPr/>
-            <a:r>
-              <a:t>12. mov t2</a:t>
-            </a:r>
-            <a:r>
-              <a:t>,</a:t>
-            </a:r>
-            <a:r>
-              <a:t> t1</a:t>
-            </a:r>
-          </a:p>
-          <a:p>
-            <a:pPr/>
-            <a:r>
-              <a:t>13. mul t5</a:t>
-            </a:r>
-            <a:r>
-              <a:t>,</a:t>
-            </a:r>
-            <a:r>
-              <a:t> t1</a:t>
+              <a:t>11. mov (A3), t5</a:t>
+            </a:r>
+          </a:p>
+          <a:p>
+            <a:pPr/>
+            <a:r>
+              <a:t>12. mov t2, t1</a:t>
+            </a:r>
+          </a:p>
+          <a:p>
+            <a:pPr/>
+            <a:r>
+              <a:t>13. mul t5, t1</a:t>
             </a:r>
           </a:p>
           <a:p>
@@ -9372,13 +9262,7 @@
           <a:p>
             <a:pPr/>
             <a:r>
-              <a:t>18. mov 1</a:t>
-            </a:r>
-            <a:r>
-              <a:t>,</a:t>
-            </a:r>
-            <a:r>
-              <a:t> t9</a:t>
+              <a:t>18. mov 1, t9</a:t>
             </a:r>
           </a:p>
           <a:p>
@@ -9390,13 +9274,7 @@
           <a:p>
             <a:pPr/>
             <a:r>
-              <a:t>20. mov 2</a:t>
-            </a:r>
-            <a:r>
-              <a:t>,</a:t>
-            </a:r>
-            <a:r>
-              <a:t> t10</a:t>
+              <a:t>20. mov 2, t10</a:t>
             </a:r>
           </a:p>
         </p:txBody>
@@ -9466,8 +9344,8 @@
         </p:nvSpPr>
         <p:spPr>
           <a:xfrm>
-            <a:off x="838200" y="-2"/>
-            <a:ext cx="10515600" cy="706297"/>
+            <a:off x="838200" y="-3"/>
+            <a:ext cx="10515600" cy="706299"/>
           </a:xfrm>
           <a:prstGeom prst="rect">
             <a:avLst/>
@@ -9495,7 +9373,7 @@
         <p:spPr>
           <a:xfrm flipV="1">
             <a:off x="6225587" y="5202740"/>
-            <a:ext cx="2" cy="810166"/>
+            <a:ext cx="3" cy="797467"/>
           </a:xfrm>
           <a:prstGeom prst="line">
             <a:avLst/>
@@ -9524,8 +9402,8 @@
         </p:nvSpPr>
         <p:spPr>
           <a:xfrm flipH="1" flipV="1">
-            <a:off x="5233106" y="4356537"/>
-            <a:ext cx="995956" cy="844617"/>
+            <a:off x="5233106" y="4356538"/>
+            <a:ext cx="995957" cy="844617"/>
           </a:xfrm>
           <a:prstGeom prst="line">
             <a:avLst/>
@@ -9554,8 +9432,8 @@
         </p:nvSpPr>
         <p:spPr>
           <a:xfrm>
-            <a:off x="4310050" y="4143381"/>
-            <a:ext cx="893566" cy="390806"/>
+            <a:off x="4310050" y="4143380"/>
+            <a:ext cx="893564" cy="390805"/>
           </a:xfrm>
           <a:prstGeom prst="rect">
             <a:avLst/>
@@ -9579,13 +9457,7 @@
               <a:defRPr sz="1100"/>
             </a:pPr>
             <a:r>
-              <a:t>21. mov t9</a:t>
-            </a:r>
-            <a:r>
-              <a:t>,</a:t>
-            </a:r>
-            <a:r>
-              <a:t> t8</a:t>
+              <a:t>21. mov t9, t8</a:t>
             </a:r>
           </a:p>
           <a:p>
@@ -9593,13 +9465,7 @@
               <a:defRPr sz="1100"/>
             </a:pPr>
             <a:r>
-              <a:t>22. div t10</a:t>
-            </a:r>
-            <a:r>
-              <a:t>,</a:t>
-            </a:r>
-            <a:r>
-              <a:t> t8</a:t>
+              <a:t>22. div t10, t8</a:t>
             </a:r>
           </a:p>
         </p:txBody>
@@ -9613,7 +9479,7 @@
         <p:spPr>
           <a:xfrm flipV="1">
             <a:off x="5327641" y="3804187"/>
-            <a:ext cx="815100" cy="539518"/>
+            <a:ext cx="815100" cy="539519"/>
           </a:xfrm>
           <a:prstGeom prst="line">
             <a:avLst/>
@@ -9642,7 +9508,7 @@
         <p:spPr>
           <a:xfrm>
             <a:off x="6170721" y="3849494"/>
-            <a:ext cx="444303" cy="209986"/>
+            <a:ext cx="444304" cy="209987"/>
           </a:xfrm>
           <a:prstGeom prst="line">
             <a:avLst/>
@@ -9671,8 +9537,8 @@
         </p:nvSpPr>
         <p:spPr>
           <a:xfrm>
-            <a:off x="6442840" y="3772540"/>
-            <a:ext cx="766623" cy="225706"/>
+            <a:off x="6442840" y="3772539"/>
+            <a:ext cx="766620" cy="225705"/>
           </a:xfrm>
           <a:prstGeom prst="rect">
             <a:avLst/>
@@ -9712,7 +9578,7 @@
         <p:spPr>
           <a:xfrm>
             <a:off x="6646354" y="4305951"/>
-            <a:ext cx="203994" cy="812243"/>
+            <a:ext cx="203994" cy="812244"/>
           </a:xfrm>
           <a:prstGeom prst="line">
             <a:avLst/>
@@ -9741,8 +9607,8 @@
         </p:nvSpPr>
         <p:spPr>
           <a:xfrm>
-            <a:off x="6861941" y="5004440"/>
-            <a:ext cx="1038860" cy="225706"/>
+            <a:off x="6861940" y="5004439"/>
+            <a:ext cx="1038859" cy="225705"/>
           </a:xfrm>
           <a:prstGeom prst="rect">
             <a:avLst/>
@@ -9760,19 +9626,15 @@
           <a:bodyPr wrap="none" lIns="45718" tIns="45718" rIns="45718" bIns="45718">
             <a:spAutoFit/>
           </a:bodyPr>
-          <a:lstStyle/>
-          <a:p>
-            <a:pPr>
+          <a:lstStyle>
+            <a:lvl1pPr>
               <a:defRPr sz="1100"/>
-            </a:pPr>
-            <a:r>
-              <a:t>24. mov (PI)</a:t>
-            </a:r>
-            <a:r>
-              <a:t>,</a:t>
-            </a:r>
-            <a:r>
-              <a:t> t11</a:t>
+            </a:lvl1pPr>
+          </a:lstStyle>
+          <a:p>
+            <a:pPr/>
+            <a:r>
+              <a:t>24. mov (PI), t11</a:t>
             </a:r>
           </a:p>
         </p:txBody>
@@ -9817,8 +9679,8 @@
         </p:nvSpPr>
         <p:spPr>
           <a:xfrm>
-            <a:off x="6897344" y="4520728"/>
-            <a:ext cx="415462" cy="280798"/>
+            <a:off x="6897344" y="4520727"/>
+            <a:ext cx="415460" cy="280796"/>
           </a:xfrm>
           <a:prstGeom prst="rect">
             <a:avLst/>
@@ -9858,7 +9720,7 @@
         <p:spPr>
           <a:xfrm flipH="1" flipV="1">
             <a:off x="7174513" y="3726896"/>
-            <a:ext cx="197695" cy="1169459"/>
+            <a:ext cx="197696" cy="1169460"/>
           </a:xfrm>
           <a:prstGeom prst="line">
             <a:avLst/>
@@ -9886,8 +9748,8 @@
         </p:nvSpPr>
         <p:spPr>
           <a:xfrm flipH="1" flipV="1">
-            <a:off x="6345296" y="3705516"/>
-            <a:ext cx="848967" cy="47839"/>
+            <a:off x="6345295" y="3705516"/>
+            <a:ext cx="848968" cy="47840"/>
           </a:xfrm>
           <a:prstGeom prst="line">
             <a:avLst/>
@@ -9916,8 +9778,8 @@
         </p:nvSpPr>
         <p:spPr>
           <a:xfrm>
-            <a:off x="4881553" y="3500438"/>
-            <a:ext cx="933676" cy="390807"/>
+            <a:off x="4881552" y="3500437"/>
+            <a:ext cx="933674" cy="390805"/>
           </a:xfrm>
           <a:prstGeom prst="rect">
             <a:avLst/>
@@ -9941,13 +9803,7 @@
               <a:defRPr sz="1100"/>
             </a:pPr>
             <a:r>
-              <a:t>25. mov t8</a:t>
-            </a:r>
-            <a:r>
-              <a:t>,</a:t>
-            </a:r>
-            <a:r>
-              <a:t> t7</a:t>
+              <a:t>25. mov t8, t7</a:t>
             </a:r>
           </a:p>
           <a:p>
@@ -9955,13 +9811,7 @@
               <a:defRPr sz="1100"/>
             </a:pPr>
             <a:r>
-              <a:t>26. mul t11</a:t>
-            </a:r>
-            <a:r>
-              <a:t>,</a:t>
-            </a:r>
-            <a:r>
-              <a:t> t7</a:t>
+              <a:t>26. mul t11, t7</a:t>
             </a:r>
           </a:p>
         </p:txBody>
@@ -9975,7 +9825,7 @@
         <p:spPr>
           <a:xfrm flipV="1">
             <a:off x="6292855" y="3013167"/>
-            <a:ext cx="642989" cy="517045"/>
+            <a:ext cx="642990" cy="517046"/>
           </a:xfrm>
           <a:prstGeom prst="line">
             <a:avLst/>
@@ -10004,7 +9854,7 @@
         <p:spPr>
           <a:xfrm>
             <a:off x="6931824" y="3005689"/>
-            <a:ext cx="1011339" cy="331875"/>
+            <a:ext cx="1011340" cy="331876"/>
           </a:xfrm>
           <a:prstGeom prst="line">
             <a:avLst/>
@@ -10033,8 +9883,8 @@
         </p:nvSpPr>
         <p:spPr>
           <a:xfrm>
-            <a:off x="7700141" y="3062694"/>
-            <a:ext cx="766623" cy="225706"/>
+            <a:off x="7700140" y="3062694"/>
+            <a:ext cx="766621" cy="225704"/>
           </a:xfrm>
           <a:prstGeom prst="rect">
             <a:avLst/>
@@ -10073,8 +9923,8 @@
         </p:nvSpPr>
         <p:spPr>
           <a:xfrm>
-            <a:off x="7666945" y="4413316"/>
-            <a:ext cx="1114713" cy="225706"/>
+            <a:off x="7666945" y="4413315"/>
+            <a:ext cx="1114711" cy="225705"/>
           </a:xfrm>
           <a:prstGeom prst="rect">
             <a:avLst/>
@@ -10092,19 +9942,15 @@
           <a:bodyPr wrap="none" lIns="45718" tIns="45718" rIns="45718" bIns="45718">
             <a:spAutoFit/>
           </a:bodyPr>
-          <a:lstStyle/>
-          <a:p>
-            <a:pPr>
+          <a:lstStyle>
+            <a:lvl1pPr>
               <a:defRPr sz="1100"/>
-            </a:pPr>
-            <a:r>
-              <a:t>28. mov (A2)</a:t>
-            </a:r>
-            <a:r>
-              <a:t>,</a:t>
-            </a:r>
-            <a:r>
-              <a:t>  t12</a:t>
+            </a:lvl1pPr>
+          </a:lstStyle>
+          <a:p>
+            <a:pPr/>
+            <a:r>
+              <a:t>28. mov (A2),  t12</a:t>
             </a:r>
           </a:p>
         </p:txBody>
@@ -10117,8 +9963,8 @@
         </p:nvSpPr>
         <p:spPr>
           <a:xfrm>
-            <a:off x="7983957" y="3628630"/>
-            <a:ext cx="189373" cy="647045"/>
+            <a:off x="7983956" y="3628630"/>
+            <a:ext cx="189374" cy="647046"/>
           </a:xfrm>
           <a:prstGeom prst="line">
             <a:avLst/>
@@ -10148,7 +9994,7 @@
         <p:spPr>
           <a:xfrm flipV="1">
             <a:off x="8655212" y="3057488"/>
-            <a:ext cx="2" cy="860966"/>
+            <a:ext cx="3" cy="860966"/>
           </a:xfrm>
           <a:prstGeom prst="line">
             <a:avLst/>
@@ -10176,8 +10022,8 @@
         </p:nvSpPr>
         <p:spPr>
           <a:xfrm flipH="1" flipV="1">
-            <a:off x="7150852" y="2835020"/>
-            <a:ext cx="1503910" cy="232534"/>
+            <a:off x="7150851" y="2835020"/>
+            <a:ext cx="1503911" cy="232534"/>
           </a:xfrm>
           <a:prstGeom prst="line">
             <a:avLst/>
@@ -10207,7 +10053,7 @@
         <p:spPr>
           <a:xfrm>
             <a:off x="7134548" y="2306964"/>
-            <a:ext cx="893567" cy="390806"/>
+            <a:ext cx="893565" cy="390804"/>
           </a:xfrm>
           <a:prstGeom prst="rect">
             <a:avLst/>
@@ -10231,13 +10077,7 @@
               <a:defRPr sz="1100"/>
             </a:pPr>
             <a:r>
-              <a:t>29. mov t7</a:t>
-            </a:r>
-            <a:r>
-              <a:t>,</a:t>
-            </a:r>
-            <a:r>
-              <a:t> t6</a:t>
+              <a:t>29. mov t7, t6</a:t>
             </a:r>
           </a:p>
           <a:p>
@@ -10245,13 +10085,7 @@
               <a:defRPr sz="1100"/>
             </a:pPr>
             <a:r>
-              <a:t>30. div t12</a:t>
-            </a:r>
-            <a:r>
-              <a:t>,</a:t>
-            </a:r>
-            <a:r>
-              <a:t> t6</a:t>
+              <a:t>30. div t12, t6</a:t>
             </a:r>
           </a:p>
         </p:txBody>
@@ -10265,7 +10099,7 @@
         <p:spPr>
           <a:xfrm flipH="1" flipV="1">
             <a:off x="4397681" y="1797092"/>
-            <a:ext cx="2669582" cy="876763"/>
+            <a:ext cx="2669583" cy="876764"/>
           </a:xfrm>
           <a:prstGeom prst="line">
             <a:avLst/>
@@ -10294,8 +10128,8 @@
         </p:nvSpPr>
         <p:spPr>
           <a:xfrm>
-            <a:off x="4423540" y="1354463"/>
-            <a:ext cx="893567" cy="390807"/>
+            <a:off x="4423540" y="1354462"/>
+            <a:ext cx="893564" cy="390805"/>
           </a:xfrm>
           <a:prstGeom prst="rect">
             <a:avLst/>
@@ -10319,13 +10153,7 @@
               <a:defRPr sz="1100"/>
             </a:pPr>
             <a:r>
-              <a:t>31. mov t1</a:t>
-            </a:r>
-            <a:r>
-              <a:t>,</a:t>
-            </a:r>
-            <a:r>
-              <a:t> t0</a:t>
+              <a:t>31. mov t1, t0</a:t>
             </a:r>
           </a:p>
           <a:p>
@@ -10333,16 +10161,7 @@
               <a:defRPr sz="1100"/>
             </a:pPr>
             <a:r>
-              <a:t>32. add t6</a:t>
-            </a:r>
-            <a:r>
-              <a:t>,</a:t>
-            </a:r>
-            <a:r>
-              <a:t> t</a:t>
-            </a:r>
-            <a:r>
-              <a:t>0</a:t>
+              <a:t>32. add t6, t0</a:t>
             </a:r>
           </a:p>
         </p:txBody>
@@ -10355,8 +10174,8 @@
         </p:nvSpPr>
         <p:spPr>
           <a:xfrm>
-            <a:off x="8882081" y="682912"/>
-            <a:ext cx="1590263" cy="5882987"/>
+            <a:off x="8882081" y="682911"/>
+            <a:ext cx="1590260" cy="5882985"/>
           </a:xfrm>
           <a:prstGeom prst="rect">
             <a:avLst/>
@@ -10402,13 +10221,7 @@
           <a:p>
             <a:pPr/>
             <a:r>
-              <a:t>5.   mov 2</a:t>
-            </a:r>
-            <a:r>
-              <a:t>,</a:t>
-            </a:r>
-            <a:r>
-              <a:t> t3</a:t>
+              <a:t>5.   mov 2, t3</a:t>
             </a:r>
           </a:p>
           <a:p>
@@ -10420,37 +10233,19 @@
           <a:p>
             <a:pPr/>
             <a:r>
-              <a:t>7.   mov (A1)</a:t>
-            </a:r>
-            <a:r>
-              <a:t>,</a:t>
-            </a:r>
-            <a:r>
-              <a:t> t4</a:t>
-            </a:r>
-          </a:p>
-          <a:p>
-            <a:pPr/>
-            <a:r>
-              <a:t>8.   mov t3</a:t>
-            </a:r>
-            <a:r>
-              <a:t>,</a:t>
-            </a:r>
-            <a:r>
-              <a:t> t2</a:t>
-            </a:r>
-          </a:p>
-          <a:p>
-            <a:pPr/>
-            <a:r>
-              <a:t>9.   mul t4</a:t>
-            </a:r>
-            <a:r>
-              <a:t>,</a:t>
-            </a:r>
-            <a:r>
-              <a:t> t2</a:t>
+              <a:t>7.   mov (A1), t4</a:t>
+            </a:r>
+          </a:p>
+          <a:p>
+            <a:pPr/>
+            <a:r>
+              <a:t>8.   mov t3, t2</a:t>
+            </a:r>
+          </a:p>
+          <a:p>
+            <a:pPr/>
+            <a:r>
+              <a:t>9.   mul t4, t2</a:t>
             </a:r>
           </a:p>
           <a:p>
@@ -10462,37 +10257,19 @@
           <a:p>
             <a:pPr/>
             <a:r>
-              <a:t>11. mov (A3)</a:t>
-            </a:r>
-            <a:r>
-              <a:t>,</a:t>
-            </a:r>
-            <a:r>
-              <a:t> t5</a:t>
-            </a:r>
-          </a:p>
-          <a:p>
-            <a:pPr/>
-            <a:r>
-              <a:t>12. mov t2</a:t>
-            </a:r>
-            <a:r>
-              <a:t>,</a:t>
-            </a:r>
-            <a:r>
-              <a:t> t1</a:t>
-            </a:r>
-          </a:p>
-          <a:p>
-            <a:pPr/>
-            <a:r>
-              <a:t>13. mul t5</a:t>
-            </a:r>
-            <a:r>
-              <a:t>,</a:t>
-            </a:r>
-            <a:r>
-              <a:t> t1</a:t>
+              <a:t>11. mov (A3), t5</a:t>
+            </a:r>
+          </a:p>
+          <a:p>
+            <a:pPr/>
+            <a:r>
+              <a:t>12. mov t2, t1</a:t>
+            </a:r>
+          </a:p>
+          <a:p>
+            <a:pPr/>
+            <a:r>
+              <a:t>13. mul t5, t1</a:t>
             </a:r>
           </a:p>
           <a:p>
@@ -10522,13 +10299,7 @@
           <a:p>
             <a:pPr/>
             <a:r>
-              <a:t>18. mov 1</a:t>
-            </a:r>
-            <a:r>
-              <a:t>,</a:t>
-            </a:r>
-            <a:r>
-              <a:t> t9</a:t>
+              <a:t>18. mov 1, t9</a:t>
             </a:r>
           </a:p>
           <a:p>
@@ -10540,13 +10311,7 @@
           <a:p>
             <a:pPr/>
             <a:r>
-              <a:t>20. mov 2</a:t>
-            </a:r>
-            <a:r>
-              <a:t>,</a:t>
-            </a:r>
-            <a:r>
-              <a:t> t10</a:t>
+              <a:t>20. mov 2, t10</a:t>
             </a:r>
           </a:p>
         </p:txBody>
@@ -10559,8 +10324,8 @@
         </p:nvSpPr>
         <p:spPr>
           <a:xfrm>
-            <a:off x="10453717" y="1357298"/>
-            <a:ext cx="1706125" cy="3546187"/>
+            <a:off x="10453716" y="1357297"/>
+            <a:ext cx="1706123" cy="3546185"/>
           </a:xfrm>
           <a:prstGeom prst="rect">
             <a:avLst/>
@@ -10582,25 +10347,13 @@
           <a:p>
             <a:pPr/>
             <a:r>
-              <a:t>21. mov t9</a:t>
-            </a:r>
-            <a:r>
-              <a:t>,</a:t>
-            </a:r>
-            <a:r>
-              <a:t> t8</a:t>
-            </a:r>
-          </a:p>
-          <a:p>
-            <a:pPr/>
-            <a:r>
-              <a:t>22. div t10</a:t>
-            </a:r>
-            <a:r>
-              <a:t>,</a:t>
-            </a:r>
-            <a:r>
-              <a:t> t8</a:t>
+              <a:t>21. mov t9, t8</a:t>
+            </a:r>
+          </a:p>
+          <a:p>
+            <a:pPr/>
+            <a:r>
+              <a:t>22. div t10, t8</a:t>
             </a:r>
           </a:p>
           <a:p>
@@ -10612,37 +10365,19 @@
           <a:p>
             <a:pPr/>
             <a:r>
-              <a:t>24. mov (PI)</a:t>
-            </a:r>
-            <a:r>
-              <a:t>,</a:t>
-            </a:r>
-            <a:r>
-              <a:t> t11</a:t>
-            </a:r>
-          </a:p>
-          <a:p>
-            <a:pPr/>
-            <a:r>
-              <a:t>25. mov t8</a:t>
-            </a:r>
-            <a:r>
-              <a:t>,</a:t>
-            </a:r>
-            <a:r>
-              <a:t> t7</a:t>
-            </a:r>
-          </a:p>
-          <a:p>
-            <a:pPr/>
-            <a:r>
-              <a:t>26. mul t11</a:t>
-            </a:r>
-            <a:r>
-              <a:t>,</a:t>
-            </a:r>
-            <a:r>
-              <a:t> t7</a:t>
+              <a:t>24. mov (PI), t11</a:t>
+            </a:r>
+          </a:p>
+          <a:p>
+            <a:pPr/>
+            <a:r>
+              <a:t>25. mov t8, t7</a:t>
+            </a:r>
+          </a:p>
+          <a:p>
+            <a:pPr/>
+            <a:r>
+              <a:t>26. mul t11, t7</a:t>
             </a:r>
           </a:p>
           <a:p>
@@ -10654,64 +10389,31 @@
           <a:p>
             <a:pPr/>
             <a:r>
-              <a:t>28. mov (A2)</a:t>
-            </a:r>
-            <a:r>
-              <a:t>,</a:t>
-            </a:r>
-            <a:r>
-              <a:t> t12</a:t>
-            </a:r>
-          </a:p>
-          <a:p>
-            <a:pPr/>
-            <a:r>
-              <a:t>29. mov t7</a:t>
-            </a:r>
-            <a:r>
-              <a:t>,</a:t>
-            </a:r>
-            <a:r>
-              <a:t> t6</a:t>
-            </a:r>
-          </a:p>
-          <a:p>
-            <a:pPr/>
-            <a:r>
-              <a:t>30. div t12</a:t>
-            </a:r>
-            <a:r>
-              <a:t>,</a:t>
-            </a:r>
-            <a:r>
-              <a:t> t6</a:t>
-            </a:r>
-          </a:p>
-          <a:p>
-            <a:pPr/>
-            <a:r>
-              <a:t>31. mov t1</a:t>
-            </a:r>
-            <a:r>
-              <a:t>,</a:t>
-            </a:r>
-            <a:r>
-              <a:t> t0</a:t>
-            </a:r>
-          </a:p>
-          <a:p>
-            <a:pPr/>
-            <a:r>
-              <a:t>32. add t6</a:t>
-            </a:r>
-            <a:r>
-              <a:t>,</a:t>
-            </a:r>
-            <a:r>
-              <a:t> t</a:t>
-            </a:r>
-            <a:r>
-              <a:t>0</a:t>
+              <a:t>28. mov (A2), t12</a:t>
+            </a:r>
+          </a:p>
+          <a:p>
+            <a:pPr/>
+            <a:r>
+              <a:t>29. mov t7, t6</a:t>
+            </a:r>
+          </a:p>
+          <a:p>
+            <a:pPr/>
+            <a:r>
+              <a:t>30. div t12, t6</a:t>
+            </a:r>
+          </a:p>
+          <a:p>
+            <a:pPr/>
+            <a:r>
+              <a:t>31. mov t1, t0</a:t>
+            </a:r>
+          </a:p>
+          <a:p>
+            <a:pPr/>
+            <a:r>
+              <a:t>32. add t6, t0</a:t>
             </a:r>
           </a:p>
         </p:txBody>
@@ -10763,13 +10465,13 @@
           <a:bodyPr/>
           <a:lstStyle>
             <a:lvl1pPr algn="ctr" defTabSz="795527">
-              <a:defRPr sz="3393"/>
+              <a:defRPr sz="3300"/>
             </a:lvl1pPr>
           </a:lstStyle>
           <a:p>
             <a:pPr/>
             <a:r>
-              <a:t>Оптимизация сгенерированного кода: уменьшение числа используемых регистров</a:t>
+              <a:t>F. Оптимизация сгенерированного кода: уменьшение числа используемых регистров</a:t>
             </a:r>
           </a:p>
         </p:txBody>
@@ -10785,7 +10487,7 @@
         <p:spPr>
           <a:xfrm>
             <a:off x="523835" y="1571611"/>
-            <a:ext cx="11287206" cy="5072100"/>
+            <a:ext cx="11287206" cy="5072101"/>
           </a:xfrm>
           <a:prstGeom prst="rect">
             <a:avLst/>
@@ -10795,168 +10497,208 @@
           <a:bodyPr/>
           <a:lstStyle/>
           <a:p>
-            <a:pPr marL="0" indent="361950">
+            <a:pPr marL="0" indent="358330" defTabSz="905255">
+              <a:spcBef>
+                <a:spcPts val="900"/>
+              </a:spcBef>
               <a:buSzTx/>
               <a:buNone/>
+              <a:defRPr sz="2772"/>
             </a:pPr>
             <a:r>
               <a:t>Рассмотрим инструкцию вида </a:t>
             </a:r>
             <a:r>
-              <a:rPr b="1"/>
-              <a:t>mov ti, tj, </a:t>
-            </a:r>
-            <a:r>
-              <a:rPr b="1"/>
-              <a:t>где </a:t>
-            </a:r>
-            <a:r>
-              <a:rPr b="1"/>
-              <a:t>i &gt; j</a:t>
-            </a:r>
-            <a:r>
-              <a:rPr b="1"/>
-              <a:t>:</a:t>
-            </a:r>
-            <a:endParaRPr b="1"/>
-          </a:p>
-          <a:p>
-            <a:pPr marL="0" indent="361950">
+              <a:rPr b="1">
+                <a:latin typeface="+mj-lt"/>
+                <a:ea typeface="+mj-ea"/>
+                <a:cs typeface="+mj-cs"/>
+                <a:sym typeface="Helvetica"/>
+              </a:rPr>
+              <a:t>mov ti, tj, где i &gt; j:</a:t>
+            </a:r>
+            <a:endParaRPr b="1">
+              <a:latin typeface="+mj-lt"/>
+              <a:ea typeface="+mj-ea"/>
+              <a:cs typeface="+mj-cs"/>
+              <a:sym typeface="Helvetica"/>
+            </a:endParaRPr>
+          </a:p>
+          <a:p>
+            <a:pPr marL="0" indent="358330" defTabSz="905255">
+              <a:spcBef>
+                <a:spcPts val="900"/>
+              </a:spcBef>
               <a:buSzTx/>
               <a:buNone/>
+              <a:defRPr sz="2772"/>
             </a:pPr>
             <a:r>
               <a:t>Регистр </a:t>
             </a:r>
             <a:r>
-              <a:rPr b="1"/>
+              <a:rPr b="1">
+                <a:latin typeface="+mj-lt"/>
+                <a:ea typeface="+mj-ea"/>
+                <a:cs typeface="+mj-cs"/>
+                <a:sym typeface="Helvetica"/>
+              </a:rPr>
               <a:t>tj</a:t>
             </a:r>
             <a:r>
-              <a:t> </a:t>
-            </a:r>
-            <a:r>
-              <a:t>соответствует родительской вершине, а </a:t>
-            </a:r>
-            <a:r>
-              <a:rPr b="1"/>
+              <a:t> соответствует родительской вершине, а </a:t>
+            </a:r>
+            <a:r>
+              <a:rPr b="1">
+                <a:latin typeface="+mj-lt"/>
+                <a:ea typeface="+mj-ea"/>
+                <a:cs typeface="+mj-cs"/>
+                <a:sym typeface="Helvetica"/>
+              </a:rPr>
               <a:t>ti</a:t>
             </a:r>
             <a:r>
-              <a:t> – </a:t>
-            </a:r>
-            <a:r>
-              <a:t>левой дочерней вершине. Инструкция выполняется, когда алгоритм обхода выходит из родительской вершины, значит регистр </a:t>
-            </a:r>
-            <a:r>
-              <a:rPr b="1"/>
-              <a:t>ti</a:t>
-            </a:r>
-            <a:r>
-              <a:rPr b="1"/>
-              <a:t> </a:t>
+              <a:t> – левой дочерней вершине. Инструкция выполняется, когда алгоритм обхода выходит из родительской вершины, значит регистр </a:t>
+            </a:r>
+            <a:r>
+              <a:rPr b="1">
+                <a:latin typeface="+mj-lt"/>
+                <a:ea typeface="+mj-ea"/>
+                <a:cs typeface="+mj-cs"/>
+                <a:sym typeface="Helvetica"/>
+              </a:rPr>
+              <a:t>ti </a:t>
             </a:r>
             <a:r>
               <a:t>больше в коде не используется, и его можно применять повторно.</a:t>
             </a:r>
           </a:p>
           <a:p>
-            <a:pPr marL="0" indent="361950">
+            <a:pPr marL="0" indent="358330" defTabSz="905255">
+              <a:spcBef>
+                <a:spcPts val="900"/>
+              </a:spcBef>
               <a:buSzTx/>
               <a:buNone/>
+              <a:defRPr sz="2772"/>
             </a:pPr>
             <a:r>
               <a:t>Принцип работы:</a:t>
             </a:r>
           </a:p>
           <a:p>
-            <a:pPr marL="361950" indent="-361950">
+            <a:pPr marL="358330" indent="-358330" defTabSz="905255">
+              <a:spcBef>
+                <a:spcPts val="900"/>
+              </a:spcBef>
               <a:buFontTx/>
               <a:buAutoNum type="arabicParenR" startAt="1"/>
+              <a:defRPr sz="2772"/>
             </a:pPr>
             <a:r>
               <a:t>Ищем строку вида: </a:t>
             </a:r>
             <a:r>
-              <a:rPr b="1"/>
-              <a:t>mov ti, tj, </a:t>
-            </a:r>
-            <a:r>
-              <a:rPr b="1"/>
-              <a:t>где </a:t>
-            </a:r>
-            <a:r>
-              <a:rPr b="1"/>
-              <a:t>i &gt; j</a:t>
+              <a:rPr b="1">
+                <a:latin typeface="+mj-lt"/>
+                <a:ea typeface="+mj-ea"/>
+                <a:cs typeface="+mj-cs"/>
+                <a:sym typeface="Helvetica"/>
+              </a:rPr>
+              <a:t>mov ti, tj, где i &gt; j</a:t>
             </a:r>
             <a:r>
               <a:t>;</a:t>
             </a:r>
           </a:p>
           <a:p>
-            <a:pPr marL="361950" indent="-361950">
+            <a:pPr marL="358330" indent="-358330" defTabSz="905255">
+              <a:spcBef>
+                <a:spcPts val="900"/>
+              </a:spcBef>
               <a:buFontTx/>
               <a:buAutoNum type="arabicParenR" startAt="1"/>
+              <a:defRPr sz="2772"/>
             </a:pPr>
             <a:r>
-              <a:t>Ниже этой строки ищем первую строку вида</a:t>
-            </a:r>
-            <a:r>
-              <a:t>: </a:t>
-            </a:r>
-            <a:r>
-              <a:rPr b="1"/>
-              <a:t>decl tk</a:t>
-            </a:r>
-            <a:r>
-              <a:rPr b="1"/>
-              <a:t>;</a:t>
-            </a:r>
-            <a:endParaRPr b="1"/>
-          </a:p>
-          <a:p>
-            <a:pPr marL="361950" indent="-361950">
+              <a:t>Ниже этой строки ищем первую строку вида: </a:t>
+            </a:r>
+            <a:r>
+              <a:rPr b="1">
+                <a:latin typeface="+mj-lt"/>
+                <a:ea typeface="+mj-ea"/>
+                <a:cs typeface="+mj-cs"/>
+                <a:sym typeface="Helvetica"/>
+              </a:rPr>
+              <a:t>decl tk;</a:t>
+            </a:r>
+            <a:endParaRPr b="1">
+              <a:latin typeface="+mj-lt"/>
+              <a:ea typeface="+mj-ea"/>
+              <a:cs typeface="+mj-cs"/>
+              <a:sym typeface="Helvetica"/>
+            </a:endParaRPr>
+          </a:p>
+          <a:p>
+            <a:pPr marL="358330" indent="-358330" defTabSz="905255">
+              <a:spcBef>
+                <a:spcPts val="900"/>
+              </a:spcBef>
               <a:buFontTx/>
               <a:buAutoNum type="arabicParenR" startAt="1"/>
+              <a:defRPr sz="2772"/>
             </a:pPr>
             <a:r>
               <a:t>Удаляем строку </a:t>
             </a:r>
             <a:r>
-              <a:rPr b="1"/>
-              <a:t>decl tk</a:t>
-            </a:r>
-            <a:r>
-              <a:rPr b="1"/>
-              <a:t>;</a:t>
-            </a:r>
-            <a:endParaRPr b="1"/>
-          </a:p>
-          <a:p>
-            <a:pPr marL="361950" indent="-361950">
+              <a:rPr b="1">
+                <a:latin typeface="+mj-lt"/>
+                <a:ea typeface="+mj-ea"/>
+                <a:cs typeface="+mj-cs"/>
+                <a:sym typeface="Helvetica"/>
+              </a:rPr>
+              <a:t>decl tk;</a:t>
+            </a:r>
+            <a:endParaRPr b="1">
+              <a:latin typeface="+mj-lt"/>
+              <a:ea typeface="+mj-ea"/>
+              <a:cs typeface="+mj-cs"/>
+              <a:sym typeface="Helvetica"/>
+            </a:endParaRPr>
+          </a:p>
+          <a:p>
+            <a:pPr marL="358330" indent="-358330" defTabSz="905255">
+              <a:spcBef>
+                <a:spcPts val="900"/>
+              </a:spcBef>
               <a:buFontTx/>
               <a:buAutoNum type="arabicParenR" startAt="1"/>
+              <a:defRPr sz="2772"/>
             </a:pPr>
             <a:r>
               <a:t>Заменяем все </a:t>
             </a:r>
             <a:r>
-              <a:rPr b="1"/>
+              <a:rPr b="1">
+                <a:latin typeface="+mj-lt"/>
+                <a:ea typeface="+mj-ea"/>
+                <a:cs typeface="+mj-cs"/>
+                <a:sym typeface="Helvetica"/>
+              </a:rPr>
               <a:t>tk</a:t>
             </a:r>
             <a:r>
-              <a:t> </a:t>
-            </a:r>
-            <a:r>
-              <a:t>на </a:t>
-            </a:r>
-            <a:r>
-              <a:rPr b="1"/>
-              <a:t>ti</a:t>
-            </a:r>
-            <a:r>
-              <a:rPr b="1"/>
-              <a:t> </a:t>
+              <a:t> на </a:t>
+            </a:r>
+            <a:r>
+              <a:rPr b="1">
+                <a:latin typeface="+mj-lt"/>
+                <a:ea typeface="+mj-ea"/>
+                <a:cs typeface="+mj-cs"/>
+                <a:sym typeface="Helvetica"/>
+              </a:rPr>
+              <a:t>ti </a:t>
             </a:r>
             <a:r>
               <a:t>– число регистров уменьшено на 1;</a:t>
@@ -11000,8 +10742,8 @@
         </p:nvSpPr>
         <p:spPr>
           <a:xfrm>
-            <a:off x="809587" y="500041"/>
-            <a:ext cx="10515601" cy="785820"/>
+            <a:off x="809587" y="500040"/>
+            <a:ext cx="10515601" cy="785821"/>
           </a:xfrm>
           <a:prstGeom prst="rect">
             <a:avLst/>
@@ -11031,7 +10773,7 @@
         <p:spPr>
           <a:xfrm>
             <a:off x="523835" y="1785926"/>
-            <a:ext cx="11287206" cy="4857785"/>
+            <a:ext cx="11287206" cy="4857786"/>
           </a:xfrm>
           <a:prstGeom prst="rect">
             <a:avLst/>
@@ -11049,31 +10791,40 @@
               <a:t>Покажем, что удаление строки </a:t>
             </a:r>
             <a:r>
-              <a:rPr b="1"/>
+              <a:rPr b="1">
+                <a:latin typeface="+mj-lt"/>
+                <a:ea typeface="+mj-ea"/>
+                <a:cs typeface="+mj-cs"/>
+                <a:sym typeface="Helvetica"/>
+              </a:rPr>
               <a:t>decl tk </a:t>
             </a:r>
             <a:r>
               <a:t>и замена всех </a:t>
             </a:r>
             <a:r>
-              <a:rPr b="1"/>
+              <a:rPr b="1">
+                <a:latin typeface="+mj-lt"/>
+                <a:ea typeface="+mj-ea"/>
+                <a:cs typeface="+mj-cs"/>
+                <a:sym typeface="Helvetica"/>
+              </a:rPr>
               <a:t>tk</a:t>
             </a:r>
             <a:r>
-              <a:t> </a:t>
-            </a:r>
-            <a:r>
-              <a:t>на </a:t>
-            </a:r>
-            <a:r>
-              <a:rPr b="1"/>
+              <a:t> на </a:t>
+            </a:r>
+            <a:r>
+              <a:rPr b="1">
+                <a:latin typeface="+mj-lt"/>
+                <a:ea typeface="+mj-ea"/>
+                <a:cs typeface="+mj-cs"/>
+                <a:sym typeface="Helvetica"/>
+              </a:rPr>
               <a:t>ti</a:t>
             </a:r>
             <a:r>
-              <a:t> </a:t>
-            </a:r>
-            <a:r>
-              <a:t>не приведет к искажению результата:</a:t>
+              <a:t> не приведет к искажению результата:</a:t>
             </a:r>
           </a:p>
           <a:p>
@@ -11085,54 +10836,64 @@
               <a:t>Если строка вида </a:t>
             </a:r>
             <a:r>
-              <a:rPr b="1"/>
+              <a:rPr b="1">
+                <a:latin typeface="+mj-lt"/>
+                <a:ea typeface="+mj-ea"/>
+                <a:cs typeface="+mj-cs"/>
+                <a:sym typeface="Helvetica"/>
+              </a:rPr>
               <a:t>decl tk </a:t>
             </a:r>
             <a:r>
               <a:t>существует в коде, то регистру </a:t>
             </a:r>
             <a:r>
-              <a:rPr b="1"/>
+              <a:rPr b="1">
+                <a:latin typeface="+mj-lt"/>
+                <a:ea typeface="+mj-ea"/>
+                <a:cs typeface="+mj-cs"/>
+                <a:sym typeface="Helvetica"/>
+              </a:rPr>
               <a:t>tk</a:t>
             </a:r>
             <a:r>
-              <a:t> </a:t>
-            </a:r>
-            <a:r>
-              <a:t>рано или поздно будет присвоено значение, значит в коде также существует строка </a:t>
-            </a:r>
-            <a:r>
-              <a:rPr b="1"/>
+              <a:t> рано или поздно будет присвоено значение, значит в коде также существует строка </a:t>
+            </a:r>
+            <a:r>
+              <a:rPr b="1">
+                <a:latin typeface="+mj-lt"/>
+                <a:ea typeface="+mj-ea"/>
+                <a:cs typeface="+mj-cs"/>
+                <a:sym typeface="Helvetica"/>
+              </a:rPr>
               <a:t>S </a:t>
             </a:r>
             <a:r>
-              <a:t>вида</a:t>
-            </a:r>
-            <a:r>
-              <a:t>:</a:t>
-            </a:r>
-            <a:r>
-              <a:t> </a:t>
-            </a:r>
-            <a:r>
-              <a:rPr b="1"/>
+              <a:t>вида: </a:t>
+            </a:r>
+            <a:r>
+              <a:rPr b="1">
+                <a:latin typeface="+mj-lt"/>
+                <a:ea typeface="+mj-ea"/>
+                <a:cs typeface="+mj-cs"/>
+                <a:sym typeface="Helvetica"/>
+              </a:rPr>
               <a:t>mov &lt;val&gt;, tk</a:t>
             </a:r>
             <a:r>
-              <a:t>, </a:t>
-            </a:r>
-            <a:r>
-              <a:t>где </a:t>
-            </a:r>
-            <a:r>
-              <a:rPr b="1"/>
+              <a:t>, где </a:t>
+            </a:r>
+            <a:r>
+              <a:rPr b="1">
+                <a:latin typeface="+mj-lt"/>
+                <a:ea typeface="+mj-ea"/>
+                <a:cs typeface="+mj-cs"/>
+                <a:sym typeface="Helvetica"/>
+              </a:rPr>
               <a:t>&lt;val&gt; </a:t>
             </a:r>
             <a:r>
-              <a:t>- </a:t>
-            </a:r>
-            <a:r>
-              <a:t>число или регистр.</a:t>
+              <a:t>- число или регистр.</a:t>
             </a:r>
           </a:p>
           <a:p>
@@ -11144,64 +10905,84 @@
               <a:t>После удаления строки </a:t>
             </a:r>
             <a:r>
-              <a:rPr b="1"/>
+              <a:rPr b="1">
+                <a:latin typeface="+mj-lt"/>
+                <a:ea typeface="+mj-ea"/>
+                <a:cs typeface="+mj-cs"/>
+                <a:sym typeface="Helvetica"/>
+              </a:rPr>
               <a:t>decl tk </a:t>
             </a:r>
             <a:r>
               <a:t>и замены </a:t>
             </a:r>
             <a:r>
-              <a:rPr b="1"/>
+              <a:rPr b="1">
+                <a:latin typeface="+mj-lt"/>
+                <a:ea typeface="+mj-ea"/>
+                <a:cs typeface="+mj-cs"/>
+                <a:sym typeface="Helvetica"/>
+              </a:rPr>
               <a:t>tk</a:t>
             </a:r>
             <a:r>
-              <a:t> </a:t>
-            </a:r>
-            <a:r>
-              <a:t>на </a:t>
-            </a:r>
-            <a:r>
-              <a:rPr b="1"/>
+              <a:t> на </a:t>
+            </a:r>
+            <a:r>
+              <a:rPr b="1">
+                <a:latin typeface="+mj-lt"/>
+                <a:ea typeface="+mj-ea"/>
+                <a:cs typeface="+mj-cs"/>
+                <a:sym typeface="Helvetica"/>
+              </a:rPr>
               <a:t>ti</a:t>
             </a:r>
             <a:r>
-              <a:t>, </a:t>
-            </a:r>
-            <a:r>
-              <a:t>строка </a:t>
-            </a:r>
-            <a:r>
-              <a:rPr b="1"/>
+              <a:t>, строка </a:t>
+            </a:r>
+            <a:r>
+              <a:rPr b="1">
+                <a:latin typeface="+mj-lt"/>
+                <a:ea typeface="+mj-ea"/>
+                <a:cs typeface="+mj-cs"/>
+                <a:sym typeface="Helvetica"/>
+              </a:rPr>
               <a:t>S</a:t>
             </a:r>
             <a:r>
-              <a:t> </a:t>
-            </a:r>
-            <a:r>
-              <a:t>примет вид: </a:t>
-            </a:r>
-            <a:r>
-              <a:rPr b="1"/>
+              <a:t> примет вид: </a:t>
+            </a:r>
+            <a:r>
+              <a:rPr b="1">
+                <a:latin typeface="+mj-lt"/>
+                <a:ea typeface="+mj-ea"/>
+                <a:cs typeface="+mj-cs"/>
+                <a:sym typeface="Helvetica"/>
+              </a:rPr>
               <a:t>mov &lt;val&gt;, ti</a:t>
             </a:r>
             <a:r>
-              <a:t>. </a:t>
-            </a:r>
-            <a:r>
-              <a:t>Теперь регистр </a:t>
-            </a:r>
-            <a:r>
-              <a:rPr b="1"/>
+              <a:t>. Теперь регистр </a:t>
+            </a:r>
+            <a:r>
+              <a:rPr b="1">
+                <a:latin typeface="+mj-lt"/>
+                <a:ea typeface="+mj-ea"/>
+                <a:cs typeface="+mj-cs"/>
+                <a:sym typeface="Helvetica"/>
+              </a:rPr>
               <a:t>ti</a:t>
             </a:r>
             <a:r>
-              <a:t> </a:t>
-            </a:r>
-            <a:r>
-              <a:t>полностью заменяет регистр </a:t>
-            </a:r>
-            <a:r>
-              <a:rPr b="1"/>
+              <a:t> полностью заменяет регистр </a:t>
+            </a:r>
+            <a:r>
+              <a:rPr b="1">
+                <a:latin typeface="+mj-lt"/>
+                <a:ea typeface="+mj-ea"/>
+                <a:cs typeface="+mj-cs"/>
+                <a:sym typeface="Helvetica"/>
+              </a:rPr>
               <a:t>tk</a:t>
             </a:r>
             <a:r>
@@ -11246,8 +11027,8 @@
         </p:nvSpPr>
         <p:spPr>
           <a:xfrm>
-            <a:off x="809587" y="-1"/>
-            <a:ext cx="10515601" cy="785820"/>
+            <a:off x="809587" y="-2"/>
+            <a:ext cx="10515601" cy="785822"/>
           </a:xfrm>
           <a:prstGeom prst="rect">
             <a:avLst/>
@@ -11255,14 +11036,13 @@
         </p:spPr>
         <p:txBody>
           <a:bodyPr/>
-          <a:lstStyle/>
-          <a:p>
-            <a:pPr algn="ctr"/>
-            <a:r>
-              <a:t>Пример оптимизации: </a:t>
-            </a:r>
-            <a:r>
-              <a:t>mov t3, t2</a:t>
+          <a:lstStyle>
+            <a:lvl1pPr algn="ctr"/>
+          </a:lstStyle>
+          <a:p>
+            <a:pPr/>
+            <a:r>
+              <a:t>Пример оптимизации: mov t3, t2</a:t>
             </a:r>
           </a:p>
         </p:txBody>
@@ -11275,8 +11055,8 @@
         </p:nvSpPr>
         <p:spPr>
           <a:xfrm>
-            <a:off x="666712" y="1071546"/>
-            <a:ext cx="1590262" cy="5882987"/>
+            <a:off x="666711" y="1071546"/>
+            <a:ext cx="1590261" cy="5882984"/>
           </a:xfrm>
           <a:prstGeom prst="rect">
             <a:avLst/>
@@ -11322,13 +11102,7 @@
           <a:p>
             <a:pPr/>
             <a:r>
-              <a:t>5.   mov 2</a:t>
-            </a:r>
-            <a:r>
-              <a:t>,</a:t>
-            </a:r>
-            <a:r>
-              <a:t> t3</a:t>
+              <a:t>5.   mov 2, t3</a:t>
             </a:r>
           </a:p>
           <a:p>
@@ -11340,13 +11114,7 @@
           <a:p>
             <a:pPr/>
             <a:r>
-              <a:t>7.   mov (A1)</a:t>
-            </a:r>
-            <a:r>
-              <a:t>,</a:t>
-            </a:r>
-            <a:r>
-              <a:t> t4</a:t>
+              <a:t>7.   mov (A1), t4</a:t>
             </a:r>
           </a:p>
           <a:p>
@@ -11360,23 +11128,7 @@
                   <a:srgbClr val="00B0F0"/>
                 </a:solidFill>
               </a:rPr>
-              <a:t>mov t3</a:t>
-            </a:r>
-            <a:r>
-              <a:rPr>
-                <a:solidFill>
-                  <a:srgbClr val="00B0F0"/>
-                </a:solidFill>
-              </a:rPr>
-              <a:t>,</a:t>
-            </a:r>
-            <a:r>
-              <a:rPr>
-                <a:solidFill>
-                  <a:srgbClr val="00B0F0"/>
-                </a:solidFill>
-              </a:rPr>
-              <a:t> t2</a:t>
+              <a:t>mov t3, t2</a:t>
             </a:r>
             <a:endParaRPr>
               <a:solidFill>
@@ -11387,13 +11139,7 @@
           <a:p>
             <a:pPr/>
             <a:r>
-              <a:t>9.   mul t4</a:t>
-            </a:r>
-            <a:r>
-              <a:t>,</a:t>
-            </a:r>
-            <a:r>
-              <a:t> t2</a:t>
+              <a:t>9.   mul t4, t2</a:t>
             </a:r>
           </a:p>
           <a:p>
@@ -11418,13 +11164,7 @@
           <a:p>
             <a:pPr/>
             <a:r>
-              <a:t>11. mov (A3)</a:t>
-            </a:r>
-            <a:r>
-              <a:t>,</a:t>
-            </a:r>
-            <a:r>
-              <a:t> </a:t>
+              <a:t>11. mov (A3), </a:t>
             </a:r>
             <a:r>
               <a:rPr>
@@ -11443,13 +11183,7 @@
           <a:p>
             <a:pPr/>
             <a:r>
-              <a:t>12. mov t2</a:t>
-            </a:r>
-            <a:r>
-              <a:t>,</a:t>
-            </a:r>
-            <a:r>
-              <a:t> t1</a:t>
+              <a:t>12. mov t2, t1</a:t>
             </a:r>
           </a:p>
           <a:p>
@@ -11466,10 +11200,7 @@
               <a:t>t5</a:t>
             </a:r>
             <a:r>
-              <a:t>,</a:t>
-            </a:r>
-            <a:r>
-              <a:t> t1</a:t>
+              <a:t>, t1</a:t>
             </a:r>
           </a:p>
           <a:p>
@@ -11499,13 +11230,7 @@
           <a:p>
             <a:pPr/>
             <a:r>
-              <a:t>18. mov 1</a:t>
-            </a:r>
-            <a:r>
-              <a:t>,</a:t>
-            </a:r>
-            <a:r>
-              <a:t> t9</a:t>
+              <a:t>18. mov 1, t9</a:t>
             </a:r>
           </a:p>
           <a:p>
@@ -11517,13 +11242,7 @@
           <a:p>
             <a:pPr/>
             <a:r>
-              <a:t>20. mov 2</a:t>
-            </a:r>
-            <a:r>
-              <a:t>,</a:t>
-            </a:r>
-            <a:r>
-              <a:t> t10</a:t>
+              <a:t>20. mov 2, t10</a:t>
             </a:r>
           </a:p>
         </p:txBody>
@@ -11536,8 +11255,8 @@
         </p:nvSpPr>
         <p:spPr>
           <a:xfrm>
-            <a:off x="2595538" y="1142984"/>
-            <a:ext cx="1706125" cy="3546187"/>
+            <a:off x="2595538" y="1142983"/>
+            <a:ext cx="1706123" cy="3546185"/>
           </a:xfrm>
           <a:prstGeom prst="rect">
             <a:avLst/>
@@ -11559,25 +11278,13 @@
           <a:p>
             <a:pPr/>
             <a:r>
-              <a:t>21. mov t9</a:t>
-            </a:r>
-            <a:r>
-              <a:t>,</a:t>
-            </a:r>
-            <a:r>
-              <a:t> t8</a:t>
-            </a:r>
-          </a:p>
-          <a:p>
-            <a:pPr/>
-            <a:r>
-              <a:t>22. div t10</a:t>
-            </a:r>
-            <a:r>
-              <a:t>,</a:t>
-            </a:r>
-            <a:r>
-              <a:t> t8</a:t>
+              <a:t>21. mov t9, t8</a:t>
+            </a:r>
+          </a:p>
+          <a:p>
+            <a:pPr/>
+            <a:r>
+              <a:t>22. div t10, t8</a:t>
             </a:r>
           </a:p>
           <a:p>
@@ -11589,37 +11296,19 @@
           <a:p>
             <a:pPr/>
             <a:r>
-              <a:t>24. mov (PI)</a:t>
-            </a:r>
-            <a:r>
-              <a:t>,</a:t>
-            </a:r>
-            <a:r>
-              <a:t> t11</a:t>
-            </a:r>
-          </a:p>
-          <a:p>
-            <a:pPr/>
-            <a:r>
-              <a:t>25. mov t8</a:t>
-            </a:r>
-            <a:r>
-              <a:t>,</a:t>
-            </a:r>
-            <a:r>
-              <a:t> t7</a:t>
-            </a:r>
-          </a:p>
-          <a:p>
-            <a:pPr/>
-            <a:r>
-              <a:t>26. mul t11</a:t>
-            </a:r>
-            <a:r>
-              <a:t>,</a:t>
-            </a:r>
-            <a:r>
-              <a:t> t7</a:t>
+              <a:t>24. mov (PI), t11</a:t>
+            </a:r>
+          </a:p>
+          <a:p>
+            <a:pPr/>
+            <a:r>
+              <a:t>25. mov t8, t7</a:t>
+            </a:r>
+          </a:p>
+          <a:p>
+            <a:pPr/>
+            <a:r>
+              <a:t>26. mul t11, t7</a:t>
             </a:r>
           </a:p>
           <a:p>
@@ -11631,64 +11320,31 @@
           <a:p>
             <a:pPr/>
             <a:r>
-              <a:t>28. mov (A2)</a:t>
-            </a:r>
-            <a:r>
-              <a:t>,</a:t>
-            </a:r>
-            <a:r>
-              <a:t> t12</a:t>
-            </a:r>
-          </a:p>
-          <a:p>
-            <a:pPr/>
-            <a:r>
-              <a:t>29. mov t7</a:t>
-            </a:r>
-            <a:r>
-              <a:t>,</a:t>
-            </a:r>
-            <a:r>
-              <a:t> t6</a:t>
-            </a:r>
-          </a:p>
-          <a:p>
-            <a:pPr/>
-            <a:r>
-              <a:t>30. div t12</a:t>
-            </a:r>
-            <a:r>
-              <a:t>,</a:t>
-            </a:r>
-            <a:r>
-              <a:t> t6</a:t>
-            </a:r>
-          </a:p>
-          <a:p>
-            <a:pPr/>
-            <a:r>
-              <a:t>31. mov t1</a:t>
-            </a:r>
-            <a:r>
-              <a:t>,</a:t>
-            </a:r>
-            <a:r>
-              <a:t> t0</a:t>
-            </a:r>
-          </a:p>
-          <a:p>
-            <a:pPr/>
-            <a:r>
-              <a:t>32. add t6</a:t>
-            </a:r>
-            <a:r>
-              <a:t>,</a:t>
-            </a:r>
-            <a:r>
-              <a:t> t</a:t>
-            </a:r>
-            <a:r>
-              <a:t>0</a:t>
+              <a:t>28. mov (A2), t12</a:t>
+            </a:r>
+          </a:p>
+          <a:p>
+            <a:pPr/>
+            <a:r>
+              <a:t>29. mov t7, t6</a:t>
+            </a:r>
+          </a:p>
+          <a:p>
+            <a:pPr/>
+            <a:r>
+              <a:t>30. div t12, t6</a:t>
+            </a:r>
+          </a:p>
+          <a:p>
+            <a:pPr/>
+            <a:r>
+              <a:t>31. mov t1, t0</a:t>
+            </a:r>
+          </a:p>
+          <a:p>
+            <a:pPr/>
+            <a:r>
+              <a:t>32. add t6, t0</a:t>
             </a:r>
           </a:p>
         </p:txBody>
@@ -11702,7 +11358,7 @@
         <p:spPr>
           <a:xfrm>
             <a:off x="7310446" y="1071546"/>
-            <a:ext cx="1590262" cy="5882987"/>
+            <a:ext cx="1590260" cy="5882984"/>
           </a:xfrm>
           <a:prstGeom prst="rect">
             <a:avLst/>
@@ -11748,13 +11404,7 @@
           <a:p>
             <a:pPr/>
             <a:r>
-              <a:t>5.   mov 2</a:t>
-            </a:r>
-            <a:r>
-              <a:t>,</a:t>
-            </a:r>
-            <a:r>
-              <a:t> t3</a:t>
+              <a:t>5.   mov 2, t3</a:t>
             </a:r>
           </a:p>
           <a:p>
@@ -11766,13 +11416,7 @@
           <a:p>
             <a:pPr/>
             <a:r>
-              <a:t>7.   mov (A1)</a:t>
-            </a:r>
-            <a:r>
-              <a:t>,</a:t>
-            </a:r>
-            <a:r>
-              <a:t> t4</a:t>
+              <a:t>7.   mov (A1), t4</a:t>
             </a:r>
           </a:p>
           <a:p>
@@ -11786,7 +11430,30 @@
                   <a:srgbClr val="00B0F0"/>
                 </a:solidFill>
               </a:rPr>
-              <a:t>mov t3</a:t>
+              <a:t>mov t3, t2</a:t>
+            </a:r>
+            <a:endParaRPr>
+              <a:solidFill>
+                <a:srgbClr val="00B0F0"/>
+              </a:solidFill>
+            </a:endParaRPr>
+          </a:p>
+          <a:p>
+            <a:pPr/>
+            <a:r>
+              <a:t>9.   mul t4, t2</a:t>
+            </a:r>
+          </a:p>
+          <a:p>
+            <a:pPr/>
+            <a:r>
+              <a:t>10.</a:t>
+            </a:r>
+          </a:p>
+          <a:p>
+            <a:pPr/>
+            <a:r>
+              <a:t>11. mov (A3), </a:t>
             </a:r>
             <a:r>
               <a:rPr>
@@ -11794,7 +11461,24 @@
                   <a:srgbClr val="00B0F0"/>
                 </a:solidFill>
               </a:rPr>
-              <a:t>,</a:t>
+              <a:t>t3</a:t>
+            </a:r>
+            <a:endParaRPr>
+              <a:solidFill>
+                <a:srgbClr val="00B0F0"/>
+              </a:solidFill>
+            </a:endParaRPr>
+          </a:p>
+          <a:p>
+            <a:pPr/>
+            <a:r>
+              <a:t>12. mov t2, t1</a:t>
+            </a:r>
+          </a:p>
+          <a:p>
+            <a:pPr/>
+            <a:r>
+              <a:t>13. mul </a:t>
             </a:r>
             <a:r>
               <a:rPr>
@@ -11802,103 +11486,10 @@
                   <a:srgbClr val="00B0F0"/>
                 </a:solidFill>
               </a:rPr>
-              <a:t> t2</a:t>
-            </a:r>
-            <a:endParaRPr>
-              <a:solidFill>
-                <a:srgbClr val="00B0F0"/>
-              </a:solidFill>
-            </a:endParaRPr>
-          </a:p>
-          <a:p>
-            <a:pPr/>
-            <a:r>
-              <a:t>9.   mul t4</a:t>
-            </a:r>
-            <a:r>
-              <a:t>,</a:t>
-            </a:r>
-            <a:r>
-              <a:t> t2</a:t>
-            </a:r>
-          </a:p>
-          <a:p>
-            <a:pPr/>
-            <a:r>
-              <a:t>10.</a:t>
-            </a:r>
-          </a:p>
-          <a:p>
-            <a:pPr/>
-            <a:r>
-              <a:t>11. mov (A3)</a:t>
-            </a:r>
-            <a:r>
-              <a:t>,</a:t>
-            </a:r>
-            <a:r>
-              <a:t> </a:t>
-            </a:r>
-            <a:r>
-              <a:rPr>
-                <a:solidFill>
-                  <a:srgbClr val="00B0F0"/>
-                </a:solidFill>
-              </a:rPr>
-              <a:t>t</a:t>
-            </a:r>
-            <a:r>
-              <a:rPr>
-                <a:solidFill>
-                  <a:srgbClr val="00B0F0"/>
-                </a:solidFill>
-              </a:rPr>
-              <a:t>3</a:t>
-            </a:r>
-            <a:endParaRPr>
-              <a:solidFill>
-                <a:srgbClr val="00B0F0"/>
-              </a:solidFill>
-            </a:endParaRPr>
-          </a:p>
-          <a:p>
-            <a:pPr/>
-            <a:r>
-              <a:t>12. mov t2</a:t>
-            </a:r>
-            <a:r>
-              <a:t>,</a:t>
-            </a:r>
-            <a:r>
-              <a:t> t1</a:t>
-            </a:r>
-          </a:p>
-          <a:p>
-            <a:pPr/>
-            <a:r>
-              <a:t>13. mul </a:t>
-            </a:r>
-            <a:r>
-              <a:rPr>
-                <a:solidFill>
-                  <a:srgbClr val="00B0F0"/>
-                </a:solidFill>
-              </a:rPr>
-              <a:t>t</a:t>
-            </a:r>
-            <a:r>
-              <a:rPr>
-                <a:solidFill>
-                  <a:srgbClr val="00B0F0"/>
-                </a:solidFill>
-              </a:rPr>
-              <a:t>3</a:t>
-            </a:r>
-            <a:r>
-              <a:t>,</a:t>
-            </a:r>
-            <a:r>
-              <a:t> t1</a:t>
+              <a:t>t3</a:t>
+            </a:r>
+            <a:r>
+              <a:t>, t1</a:t>
             </a:r>
           </a:p>
           <a:p>
@@ -11928,13 +11519,7 @@
           <a:p>
             <a:pPr/>
             <a:r>
-              <a:t>18. mov 1</a:t>
-            </a:r>
-            <a:r>
-              <a:t>,</a:t>
-            </a:r>
-            <a:r>
-              <a:t> t9</a:t>
+              <a:t>18. mov 1, t9</a:t>
             </a:r>
           </a:p>
           <a:p>
@@ -11946,13 +11531,7 @@
           <a:p>
             <a:pPr/>
             <a:r>
-              <a:t>20. mov 2</a:t>
-            </a:r>
-            <a:r>
-              <a:t>,</a:t>
-            </a:r>
-            <a:r>
-              <a:t> t10</a:t>
+              <a:t>20. mov 2, t10</a:t>
             </a:r>
           </a:p>
         </p:txBody>
@@ -11966,7 +11545,7 @@
         <p:spPr>
           <a:xfrm>
             <a:off x="9096395" y="1071546"/>
-            <a:ext cx="1706125" cy="3546187"/>
+            <a:ext cx="1706123" cy="3546184"/>
           </a:xfrm>
           <a:prstGeom prst="rect">
             <a:avLst/>
@@ -11988,25 +11567,13 @@
           <a:p>
             <a:pPr/>
             <a:r>
-              <a:t>21. mov t9</a:t>
-            </a:r>
-            <a:r>
-              <a:t>,</a:t>
-            </a:r>
-            <a:r>
-              <a:t> t8</a:t>
-            </a:r>
-          </a:p>
-          <a:p>
-            <a:pPr/>
-            <a:r>
-              <a:t>22. div t10</a:t>
-            </a:r>
-            <a:r>
-              <a:t>,</a:t>
-            </a:r>
-            <a:r>
-              <a:t> t8</a:t>
+              <a:t>21. mov t9, t8</a:t>
+            </a:r>
+          </a:p>
+          <a:p>
+            <a:pPr/>
+            <a:r>
+              <a:t>22. div t10, t8</a:t>
             </a:r>
           </a:p>
           <a:p>
@@ -12018,37 +11585,19 @@
           <a:p>
             <a:pPr/>
             <a:r>
-              <a:t>24. mov (PI)</a:t>
-            </a:r>
-            <a:r>
-              <a:t>,</a:t>
-            </a:r>
-            <a:r>
-              <a:t> t11</a:t>
-            </a:r>
-          </a:p>
-          <a:p>
-            <a:pPr/>
-            <a:r>
-              <a:t>25. mov t8</a:t>
-            </a:r>
-            <a:r>
-              <a:t>,</a:t>
-            </a:r>
-            <a:r>
-              <a:t> t7</a:t>
-            </a:r>
-          </a:p>
-          <a:p>
-            <a:pPr/>
-            <a:r>
-              <a:t>26. mul t11</a:t>
-            </a:r>
-            <a:r>
-              <a:t>,</a:t>
-            </a:r>
-            <a:r>
-              <a:t> t7</a:t>
+              <a:t>24. mov (PI), t11</a:t>
+            </a:r>
+          </a:p>
+          <a:p>
+            <a:pPr/>
+            <a:r>
+              <a:t>25. mov t8, t7</a:t>
+            </a:r>
+          </a:p>
+          <a:p>
+            <a:pPr/>
+            <a:r>
+              <a:t>26. mul t11, t7</a:t>
             </a:r>
           </a:p>
           <a:p>
@@ -12060,64 +11609,31 @@
           <a:p>
             <a:pPr/>
             <a:r>
-              <a:t>28. mov (A2)</a:t>
-            </a:r>
-            <a:r>
-              <a:t>,</a:t>
-            </a:r>
-            <a:r>
-              <a:t> t12</a:t>
-            </a:r>
-          </a:p>
-          <a:p>
-            <a:pPr/>
-            <a:r>
-              <a:t>29. mov t7</a:t>
-            </a:r>
-            <a:r>
-              <a:t>,</a:t>
-            </a:r>
-            <a:r>
-              <a:t> t6</a:t>
-            </a:r>
-          </a:p>
-          <a:p>
-            <a:pPr/>
-            <a:r>
-              <a:t>30. div t12</a:t>
-            </a:r>
-            <a:r>
-              <a:t>,</a:t>
-            </a:r>
-            <a:r>
-              <a:t> t6</a:t>
-            </a:r>
-          </a:p>
-          <a:p>
-            <a:pPr/>
-            <a:r>
-              <a:t>31. mov t1</a:t>
-            </a:r>
-            <a:r>
-              <a:t>,</a:t>
-            </a:r>
-            <a:r>
-              <a:t> t0</a:t>
-            </a:r>
-          </a:p>
-          <a:p>
-            <a:pPr/>
-            <a:r>
-              <a:t>32. add t6</a:t>
-            </a:r>
-            <a:r>
-              <a:t>,</a:t>
-            </a:r>
-            <a:r>
-              <a:t> t</a:t>
-            </a:r>
-            <a:r>
-              <a:t>0</a:t>
+              <a:t>28. mov (A2), t12</a:t>
+            </a:r>
+          </a:p>
+          <a:p>
+            <a:pPr/>
+            <a:r>
+              <a:t>29. mov t7, t6</a:t>
+            </a:r>
+          </a:p>
+          <a:p>
+            <a:pPr/>
+            <a:r>
+              <a:t>30. div t12, t6</a:t>
+            </a:r>
+          </a:p>
+          <a:p>
+            <a:pPr/>
+            <a:r>
+              <a:t>31. mov t1, t0</a:t>
+            </a:r>
+          </a:p>
+          <a:p>
+            <a:pPr/>
+            <a:r>
+              <a:t>32. add t6, t0</a:t>
             </a:r>
           </a:p>
         </p:txBody>
@@ -12131,7 +11647,7 @@
         <p:spPr>
           <a:xfrm>
             <a:off x="5095868" y="3143248"/>
-            <a:ext cx="1500198" cy="697942"/>
+            <a:ext cx="1500198" cy="697943"/>
           </a:xfrm>
           <a:prstGeom prst="rightArrow">
             <a:avLst>
@@ -12198,8 +11714,8 @@
         </p:nvSpPr>
         <p:spPr>
           <a:xfrm>
-            <a:off x="809587" y="-1"/>
-            <a:ext cx="10515601" cy="785820"/>
+            <a:off x="809587" y="-2"/>
+            <a:ext cx="10515601" cy="785822"/>
           </a:xfrm>
           <a:prstGeom prst="rect">
             <a:avLst/>
@@ -12207,14 +11723,13 @@
         </p:spPr>
         <p:txBody>
           <a:bodyPr/>
-          <a:lstStyle/>
-          <a:p>
-            <a:pPr algn="ctr"/>
-            <a:r>
-              <a:t>Пример оптимизации: </a:t>
-            </a:r>
-            <a:r>
-              <a:t>mov t2, t1</a:t>
+          <a:lstStyle>
+            <a:lvl1pPr algn="ctr"/>
+          </a:lstStyle>
+          <a:p>
+            <a:pPr/>
+            <a:r>
+              <a:t>Пример оптимизации: mov t2, t1</a:t>
             </a:r>
           </a:p>
         </p:txBody>
@@ -12228,7 +11743,7 @@
         <p:spPr>
           <a:xfrm>
             <a:off x="7310446" y="1225689"/>
-            <a:ext cx="1590262" cy="5882987"/>
+            <a:ext cx="1590260" cy="5882984"/>
           </a:xfrm>
           <a:prstGeom prst="rect">
             <a:avLst/>
@@ -12274,13 +11789,7 @@
           <a:p>
             <a:pPr/>
             <a:r>
-              <a:t>5.   mov 2</a:t>
-            </a:r>
-            <a:r>
-              <a:t>,</a:t>
-            </a:r>
-            <a:r>
-              <a:t> t3</a:t>
+              <a:t>5.   mov 2, t3</a:t>
             </a:r>
           </a:p>
           <a:p>
@@ -12292,37 +11801,19 @@
           <a:p>
             <a:pPr/>
             <a:r>
-              <a:t>7.   mov (A1)</a:t>
-            </a:r>
-            <a:r>
-              <a:t>,</a:t>
-            </a:r>
-            <a:r>
-              <a:t> t4</a:t>
-            </a:r>
-          </a:p>
-          <a:p>
-            <a:pPr/>
-            <a:r>
-              <a:t>8.   mov t3</a:t>
-            </a:r>
-            <a:r>
-              <a:t>,</a:t>
-            </a:r>
-            <a:r>
-              <a:t> t2</a:t>
-            </a:r>
-          </a:p>
-          <a:p>
-            <a:pPr/>
-            <a:r>
-              <a:t>9.   mul t4</a:t>
-            </a:r>
-            <a:r>
-              <a:t>,</a:t>
-            </a:r>
-            <a:r>
-              <a:t> t2</a:t>
+              <a:t>7.   mov (A1), t4</a:t>
+            </a:r>
+          </a:p>
+          <a:p>
+            <a:pPr/>
+            <a:r>
+              <a:t>8.   mov t3, t2</a:t>
+            </a:r>
+          </a:p>
+          <a:p>
+            <a:pPr/>
+            <a:r>
+              <a:t>9.   mul t4, t2</a:t>
             </a:r>
           </a:p>
           <a:p>
@@ -12334,16 +11825,7 @@
           <a:p>
             <a:pPr/>
             <a:r>
-              <a:t>11. mov (A3)</a:t>
-            </a:r>
-            <a:r>
-              <a:t>,</a:t>
-            </a:r>
-            <a:r>
-              <a:t> t</a:t>
-            </a:r>
-            <a:r>
-              <a:t>3</a:t>
+              <a:t>11. mov (A3), t3</a:t>
             </a:r>
           </a:p>
           <a:p>
@@ -12357,23 +11839,7 @@
                   <a:srgbClr val="00B0F0"/>
                 </a:solidFill>
               </a:rPr>
-              <a:t>mov t2</a:t>
-            </a:r>
-            <a:r>
-              <a:rPr>
-                <a:solidFill>
-                  <a:srgbClr val="00B0F0"/>
-                </a:solidFill>
-              </a:rPr>
-              <a:t>,</a:t>
-            </a:r>
-            <a:r>
-              <a:rPr>
-                <a:solidFill>
-                  <a:srgbClr val="00B0F0"/>
-                </a:solidFill>
-              </a:rPr>
-              <a:t> t1</a:t>
+              <a:t>mov t2, t1</a:t>
             </a:r>
             <a:endParaRPr>
               <a:solidFill>
@@ -12384,13 +11850,7 @@
           <a:p>
             <a:pPr/>
             <a:r>
-              <a:t>13. mul t</a:t>
-            </a:r>
-            <a:r>
-              <a:t>3,</a:t>
-            </a:r>
-            <a:r>
-              <a:t> t1</a:t>
+              <a:t>13. mul t3, t1</a:t>
             </a:r>
           </a:p>
           <a:p>
@@ -12420,13 +11880,7 @@
           <a:p>
             <a:pPr/>
             <a:r>
-              <a:t>18. mov 1</a:t>
-            </a:r>
-            <a:r>
-              <a:t>,</a:t>
-            </a:r>
-            <a:r>
-              <a:t> t9</a:t>
+              <a:t>18. mov 1, t9</a:t>
             </a:r>
           </a:p>
           <a:p>
@@ -12438,13 +11892,7 @@
           <a:p>
             <a:pPr/>
             <a:r>
-              <a:t>20. mov 2</a:t>
-            </a:r>
-            <a:r>
-              <a:t>,</a:t>
-            </a:r>
-            <a:r>
-              <a:t> t10</a:t>
+              <a:t>20. mov 2, t10</a:t>
             </a:r>
           </a:p>
         </p:txBody>
@@ -12457,8 +11905,8 @@
         </p:nvSpPr>
         <p:spPr>
           <a:xfrm>
-            <a:off x="9096395" y="1214422"/>
-            <a:ext cx="1706125" cy="3546187"/>
+            <a:off x="9096395" y="1214421"/>
+            <a:ext cx="1706123" cy="3546185"/>
           </a:xfrm>
           <a:prstGeom prst="rect">
             <a:avLst/>
@@ -12480,25 +11928,13 @@
           <a:p>
             <a:pPr/>
             <a:r>
-              <a:t>21. mov t9</a:t>
-            </a:r>
-            <a:r>
-              <a:t>,</a:t>
-            </a:r>
-            <a:r>
-              <a:t> t8</a:t>
-            </a:r>
-          </a:p>
-          <a:p>
-            <a:pPr/>
-            <a:r>
-              <a:t>22. div t10</a:t>
-            </a:r>
-            <a:r>
-              <a:t>,</a:t>
-            </a:r>
-            <a:r>
-              <a:t> t8</a:t>
+              <a:t>21. mov t9, t8</a:t>
+            </a:r>
+          </a:p>
+          <a:p>
+            <a:pPr/>
+            <a:r>
+              <a:t>22. div t10, t8</a:t>
             </a:r>
           </a:p>
           <a:p>
@@ -12510,37 +11946,19 @@
           <a:p>
             <a:pPr/>
             <a:r>
-              <a:t>24. mov (PI)</a:t>
-            </a:r>
-            <a:r>
-              <a:t>,</a:t>
-            </a:r>
-            <a:r>
-              <a:t> t11</a:t>
-            </a:r>
-          </a:p>
-          <a:p>
-            <a:pPr/>
-            <a:r>
-              <a:t>25. mov t8</a:t>
-            </a:r>
-            <a:r>
-              <a:t>,</a:t>
-            </a:r>
-            <a:r>
-              <a:t> t7</a:t>
-            </a:r>
-          </a:p>
-          <a:p>
-            <a:pPr/>
-            <a:r>
-              <a:t>26. mul t11</a:t>
-            </a:r>
-            <a:r>
-              <a:t>,</a:t>
-            </a:r>
-            <a:r>
-              <a:t> t7</a:t>
+              <a:t>24. mov (PI), t11</a:t>
+            </a:r>
+          </a:p>
+          <a:p>
+            <a:pPr/>
+            <a:r>
+              <a:t>25. mov t8, t7</a:t>
+            </a:r>
+          </a:p>
+          <a:p>
+            <a:pPr/>
+            <a:r>
+              <a:t>26. mul t11, t7</a:t>
             </a:r>
           </a:p>
           <a:p>
@@ -12552,25 +11970,13 @@
           <a:p>
             <a:pPr/>
             <a:r>
-              <a:t>28. mov (A2)</a:t>
-            </a:r>
-            <a:r>
-              <a:t>,</a:t>
-            </a:r>
-            <a:r>
-              <a:t> t12</a:t>
-            </a:r>
-          </a:p>
-          <a:p>
-            <a:pPr/>
-            <a:r>
-              <a:t>29. mov t7</a:t>
-            </a:r>
-            <a:r>
-              <a:t>,</a:t>
-            </a:r>
-            <a:r>
-              <a:t> </a:t>
+              <a:t>28. mov (A2), t12</a:t>
+            </a:r>
+          </a:p>
+          <a:p>
+            <a:pPr/>
+            <a:r>
+              <a:t>29. mov t7, </a:t>
             </a:r>
             <a:r>
               <a:rPr>
@@ -12589,13 +11995,7 @@
           <a:p>
             <a:pPr/>
             <a:r>
-              <a:t>30. div t12</a:t>
-            </a:r>
-            <a:r>
-              <a:t>,</a:t>
-            </a:r>
-            <a:r>
-              <a:t> </a:t>
+              <a:t>30. div t12, </a:t>
             </a:r>
             <a:r>
               <a:rPr>
@@ -12614,13 +12014,7 @@
           <a:p>
             <a:pPr/>
             <a:r>
-              <a:t>31. mov t1</a:t>
-            </a:r>
-            <a:r>
-              <a:t>,</a:t>
-            </a:r>
-            <a:r>
-              <a:t> t0</a:t>
+              <a:t>31. mov t1, t0</a:t>
             </a:r>
           </a:p>
           <a:p>
@@ -12637,13 +12031,7 @@
               <a:t>t2</a:t>
             </a:r>
             <a:r>
-              <a:t>,</a:t>
-            </a:r>
-            <a:r>
-              <a:t> t</a:t>
-            </a:r>
-            <a:r>
-              <a:t>0</a:t>
+              <a:t>, t0</a:t>
             </a:r>
           </a:p>
         </p:txBody>
@@ -12657,7 +12045,7 @@
         <p:spPr>
           <a:xfrm>
             <a:off x="5095868" y="3143248"/>
-            <a:ext cx="1500198" cy="697942"/>
+            <a:ext cx="1500198" cy="697943"/>
           </a:xfrm>
           <a:prstGeom prst="rightArrow">
             <a:avLst>
@@ -12696,8 +12084,8 @@
         </p:nvSpPr>
         <p:spPr>
           <a:xfrm>
-            <a:off x="666712" y="1225689"/>
-            <a:ext cx="1590262" cy="5882987"/>
+            <a:off x="666711" y="1225689"/>
+            <a:ext cx="1590261" cy="5882984"/>
           </a:xfrm>
           <a:prstGeom prst="rect">
             <a:avLst/>
@@ -12743,13 +12131,7 @@
           <a:p>
             <a:pPr/>
             <a:r>
-              <a:t>5.   mov 2</a:t>
-            </a:r>
-            <a:r>
-              <a:t>,</a:t>
-            </a:r>
-            <a:r>
-              <a:t> t3</a:t>
+              <a:t>5.   mov 2, t3</a:t>
             </a:r>
           </a:p>
           <a:p>
@@ -12761,37 +12143,19 @@
           <a:p>
             <a:pPr/>
             <a:r>
-              <a:t>7.   mov (A1)</a:t>
-            </a:r>
-            <a:r>
-              <a:t>,</a:t>
-            </a:r>
-            <a:r>
-              <a:t> t4</a:t>
-            </a:r>
-          </a:p>
-          <a:p>
-            <a:pPr/>
-            <a:r>
-              <a:t>8.   mov t3</a:t>
-            </a:r>
-            <a:r>
-              <a:t>,</a:t>
-            </a:r>
-            <a:r>
-              <a:t> t2</a:t>
-            </a:r>
-          </a:p>
-          <a:p>
-            <a:pPr/>
-            <a:r>
-              <a:t>9.   mul t4</a:t>
-            </a:r>
-            <a:r>
-              <a:t>,</a:t>
-            </a:r>
-            <a:r>
-              <a:t> t2</a:t>
+              <a:t>7.   mov (A1), t4</a:t>
+            </a:r>
+          </a:p>
+          <a:p>
+            <a:pPr/>
+            <a:r>
+              <a:t>8.   mov t3, t2</a:t>
+            </a:r>
+          </a:p>
+          <a:p>
+            <a:pPr/>
+            <a:r>
+              <a:t>9.   mul t4, t2</a:t>
             </a:r>
           </a:p>
           <a:p>
@@ -12803,16 +12167,7 @@
           <a:p>
             <a:pPr/>
             <a:r>
-              <a:t>11. mov (A3)</a:t>
-            </a:r>
-            <a:r>
-              <a:t>,</a:t>
-            </a:r>
-            <a:r>
-              <a:t> t</a:t>
-            </a:r>
-            <a:r>
-              <a:t>3</a:t>
+              <a:t>11. mov (A3), t3</a:t>
             </a:r>
           </a:p>
           <a:p>
@@ -12826,23 +12181,7 @@
                   <a:srgbClr val="00B0F0"/>
                 </a:solidFill>
               </a:rPr>
-              <a:t>mov t2</a:t>
-            </a:r>
-            <a:r>
-              <a:rPr>
-                <a:solidFill>
-                  <a:srgbClr val="00B0F0"/>
-                </a:solidFill>
-              </a:rPr>
-              <a:t>,</a:t>
-            </a:r>
-            <a:r>
-              <a:rPr>
-                <a:solidFill>
-                  <a:srgbClr val="00B0F0"/>
-                </a:solidFill>
-              </a:rPr>
-              <a:t> t1</a:t>
+              <a:t>mov t2, t1</a:t>
             </a:r>
             <a:endParaRPr>
               <a:solidFill>
@@ -12853,13 +12192,7 @@
           <a:p>
             <a:pPr/>
             <a:r>
-              <a:t>13. mul t</a:t>
-            </a:r>
-            <a:r>
-              <a:t>3,</a:t>
-            </a:r>
-            <a:r>
-              <a:t> t1</a:t>
+              <a:t>13. mul t3, t1</a:t>
             </a:r>
           </a:p>
           <a:p>
@@ -12902,13 +12235,7 @@
           <a:p>
             <a:pPr/>
             <a:r>
-              <a:t>18. mov 1</a:t>
-            </a:r>
-            <a:r>
-              <a:t>,</a:t>
-            </a:r>
-            <a:r>
-              <a:t> t9</a:t>
+              <a:t>18. mov 1, t9</a:t>
             </a:r>
           </a:p>
           <a:p>
@@ -12920,13 +12247,7 @@
           <a:p>
             <a:pPr/>
             <a:r>
-              <a:t>20. mov 2</a:t>
-            </a:r>
-            <a:r>
-              <a:t>,</a:t>
-            </a:r>
-            <a:r>
-              <a:t> t10</a:t>
+              <a:t>20. mov 2, t10</a:t>
             </a:r>
           </a:p>
         </p:txBody>
@@ -12939,8 +12260,8 @@
         </p:nvSpPr>
         <p:spPr>
           <a:xfrm>
-            <a:off x="2452661" y="1225689"/>
-            <a:ext cx="1706125" cy="3546187"/>
+            <a:off x="2452660" y="1225689"/>
+            <a:ext cx="1706123" cy="3546184"/>
           </a:xfrm>
           <a:prstGeom prst="rect">
             <a:avLst/>
@@ -12962,25 +12283,13 @@
           <a:p>
             <a:pPr/>
             <a:r>
-              <a:t>21. mov t9</a:t>
-            </a:r>
-            <a:r>
-              <a:t>,</a:t>
-            </a:r>
-            <a:r>
-              <a:t> t8</a:t>
-            </a:r>
-          </a:p>
-          <a:p>
-            <a:pPr/>
-            <a:r>
-              <a:t>22. div t10</a:t>
-            </a:r>
-            <a:r>
-              <a:t>,</a:t>
-            </a:r>
-            <a:r>
-              <a:t> t8</a:t>
+              <a:t>21. mov t9, t8</a:t>
+            </a:r>
+          </a:p>
+          <a:p>
+            <a:pPr/>
+            <a:r>
+              <a:t>22. div t10, t8</a:t>
             </a:r>
           </a:p>
           <a:p>
@@ -12992,37 +12301,19 @@
           <a:p>
             <a:pPr/>
             <a:r>
-              <a:t>24. mov (PI)</a:t>
-            </a:r>
-            <a:r>
-              <a:t>,</a:t>
-            </a:r>
-            <a:r>
-              <a:t> t11</a:t>
-            </a:r>
-          </a:p>
-          <a:p>
-            <a:pPr/>
-            <a:r>
-              <a:t>25. mov t8</a:t>
-            </a:r>
-            <a:r>
-              <a:t>,</a:t>
-            </a:r>
-            <a:r>
-              <a:t> t7</a:t>
-            </a:r>
-          </a:p>
-          <a:p>
-            <a:pPr/>
-            <a:r>
-              <a:t>26. mul t11</a:t>
-            </a:r>
-            <a:r>
-              <a:t>,</a:t>
-            </a:r>
-            <a:r>
-              <a:t> t7</a:t>
+              <a:t>24. mov (PI), t11</a:t>
+            </a:r>
+          </a:p>
+          <a:p>
+            <a:pPr/>
+            <a:r>
+              <a:t>25. mov t8, t7</a:t>
+            </a:r>
+          </a:p>
+          <a:p>
+            <a:pPr/>
+            <a:r>
+              <a:t>26. mul t11, t7</a:t>
             </a:r>
           </a:p>
           <a:p>
@@ -13034,25 +12325,13 @@
           <a:p>
             <a:pPr/>
             <a:r>
-              <a:t>28. mov (A2)</a:t>
-            </a:r>
-            <a:r>
-              <a:t>,</a:t>
-            </a:r>
-            <a:r>
-              <a:t> t12</a:t>
-            </a:r>
-          </a:p>
-          <a:p>
-            <a:pPr/>
-            <a:r>
-              <a:t>29. mov t7</a:t>
-            </a:r>
-            <a:r>
-              <a:t>,</a:t>
-            </a:r>
-            <a:r>
-              <a:t> </a:t>
+              <a:t>28. mov (A2), t12</a:t>
+            </a:r>
+          </a:p>
+          <a:p>
+            <a:pPr/>
+            <a:r>
+              <a:t>29. mov t7, </a:t>
             </a:r>
             <a:r>
               <a:rPr>
@@ -13071,13 +12350,7 @@
           <a:p>
             <a:pPr/>
             <a:r>
-              <a:t>30. div t12</a:t>
-            </a:r>
-            <a:r>
-              <a:t>,</a:t>
-            </a:r>
-            <a:r>
-              <a:t> </a:t>
+              <a:t>30. div t12, </a:t>
             </a:r>
             <a:r>
               <a:rPr>
@@ -13096,13 +12369,7 @@
           <a:p>
             <a:pPr/>
             <a:r>
-              <a:t>31. mov t1</a:t>
-            </a:r>
-            <a:r>
-              <a:t>,</a:t>
-            </a:r>
-            <a:r>
-              <a:t> t0</a:t>
+              <a:t>31. mov t1, t0</a:t>
             </a:r>
           </a:p>
           <a:p>
@@ -13119,13 +12386,7 @@
               <a:t>t6</a:t>
             </a:r>
             <a:r>
-              <a:t>,</a:t>
-            </a:r>
-            <a:r>
-              <a:t> t</a:t>
-            </a:r>
-            <a:r>
-              <a:t>0</a:t>
+              <a:t>, t0</a:t>
             </a:r>
           </a:p>
         </p:txBody>
@@ -13166,8 +12427,8 @@
         </p:nvSpPr>
         <p:spPr>
           <a:xfrm>
-            <a:off x="809587" y="-1"/>
-            <a:ext cx="10515601" cy="785820"/>
+            <a:off x="809587" y="-2"/>
+            <a:ext cx="10515601" cy="785822"/>
           </a:xfrm>
           <a:prstGeom prst="rect">
             <a:avLst/>
@@ -13175,14 +12436,13 @@
         </p:spPr>
         <p:txBody>
           <a:bodyPr/>
-          <a:lstStyle/>
-          <a:p>
-            <a:pPr algn="ctr"/>
-            <a:r>
-              <a:t>Пример оптимизации: </a:t>
-            </a:r>
-            <a:r>
-              <a:t>mov t9, t8</a:t>
+          <a:lstStyle>
+            <a:lvl1pPr algn="ctr"/>
+          </a:lstStyle>
+          <a:p>
+            <a:pPr/>
+            <a:r>
+              <a:t>Пример оптимизации: mov t9, t8</a:t>
             </a:r>
           </a:p>
         </p:txBody>
@@ -13196,7 +12456,7 @@
         <p:spPr>
           <a:xfrm>
             <a:off x="7310446" y="1225689"/>
-            <a:ext cx="1590262" cy="5882987"/>
+            <a:ext cx="1590260" cy="5882984"/>
           </a:xfrm>
           <a:prstGeom prst="rect">
             <a:avLst/>
@@ -13242,13 +12502,7 @@
           <a:p>
             <a:pPr/>
             <a:r>
-              <a:t>5.   mov 2</a:t>
-            </a:r>
-            <a:r>
-              <a:t>,</a:t>
-            </a:r>
-            <a:r>
-              <a:t> t3</a:t>
+              <a:t>5.   mov 2, t3</a:t>
             </a:r>
           </a:p>
           <a:p>
@@ -13260,37 +12514,19 @@
           <a:p>
             <a:pPr/>
             <a:r>
-              <a:t>7.   mov (A1)</a:t>
-            </a:r>
-            <a:r>
-              <a:t>,</a:t>
-            </a:r>
-            <a:r>
-              <a:t> t4</a:t>
-            </a:r>
-          </a:p>
-          <a:p>
-            <a:pPr/>
-            <a:r>
-              <a:t>8.   mov t3</a:t>
-            </a:r>
-            <a:r>
-              <a:t>,</a:t>
-            </a:r>
-            <a:r>
-              <a:t> t2</a:t>
-            </a:r>
-          </a:p>
-          <a:p>
-            <a:pPr/>
-            <a:r>
-              <a:t>9.   mul t4</a:t>
-            </a:r>
-            <a:r>
-              <a:t>,</a:t>
-            </a:r>
-            <a:r>
-              <a:t> t2</a:t>
+              <a:t>7.   mov (A1), t4</a:t>
+            </a:r>
+          </a:p>
+          <a:p>
+            <a:pPr/>
+            <a:r>
+              <a:t>8.   mov t3, t2</a:t>
+            </a:r>
+          </a:p>
+          <a:p>
+            <a:pPr/>
+            <a:r>
+              <a:t>9.   mul t4, t2</a:t>
             </a:r>
           </a:p>
           <a:p>
@@ -13302,40 +12538,19 @@
           <a:p>
             <a:pPr/>
             <a:r>
-              <a:t>11. mov (A3)</a:t>
-            </a:r>
-            <a:r>
-              <a:t>,</a:t>
-            </a:r>
-            <a:r>
-              <a:t> t</a:t>
-            </a:r>
-            <a:r>
-              <a:t>3</a:t>
-            </a:r>
-          </a:p>
-          <a:p>
-            <a:pPr/>
-            <a:r>
-              <a:t>12. mov t2</a:t>
-            </a:r>
-            <a:r>
-              <a:t>,</a:t>
-            </a:r>
-            <a:r>
-              <a:t> t1</a:t>
-            </a:r>
-          </a:p>
-          <a:p>
-            <a:pPr/>
-            <a:r>
-              <a:t>13. mul t</a:t>
-            </a:r>
-            <a:r>
-              <a:t>3,</a:t>
-            </a:r>
-            <a:r>
-              <a:t> t1</a:t>
+              <a:t>11. mov (A3), t3</a:t>
+            </a:r>
+          </a:p>
+          <a:p>
+            <a:pPr/>
+            <a:r>
+              <a:t>12. mov t2, t1</a:t>
+            </a:r>
+          </a:p>
+          <a:p>
+            <a:pPr/>
+            <a:r>
+              <a:t>13. mul t3, t1</a:t>
             </a:r>
           </a:p>
           <a:p>
@@ -13365,13 +12580,7 @@
           <a:p>
             <a:pPr/>
             <a:r>
-              <a:t>18. mov 1</a:t>
-            </a:r>
-            <a:r>
-              <a:t>,</a:t>
-            </a:r>
-            <a:r>
-              <a:t> t9</a:t>
+              <a:t>18. mov 1, t9</a:t>
             </a:r>
           </a:p>
           <a:p>
@@ -13383,13 +12592,7 @@
           <a:p>
             <a:pPr/>
             <a:r>
-              <a:t>20. mov 2</a:t>
-            </a:r>
-            <a:r>
-              <a:t>,</a:t>
-            </a:r>
-            <a:r>
-              <a:t> t10</a:t>
+              <a:t>20. mov 2, t10</a:t>
             </a:r>
           </a:p>
         </p:txBody>
@@ -13402,8 +12605,8 @@
         </p:nvSpPr>
         <p:spPr>
           <a:xfrm>
-            <a:off x="9096395" y="1214422"/>
-            <a:ext cx="1706125" cy="3546187"/>
+            <a:off x="9096395" y="1214421"/>
+            <a:ext cx="1706123" cy="3546185"/>
           </a:xfrm>
           <a:prstGeom prst="rect">
             <a:avLst/>
@@ -13433,23 +12636,7 @@
                   <a:srgbClr val="00B0F0"/>
                 </a:solidFill>
               </a:rPr>
-              <a:t>mov t9</a:t>
-            </a:r>
-            <a:r>
-              <a:rPr>
-                <a:solidFill>
-                  <a:srgbClr val="00B0F0"/>
-                </a:solidFill>
-              </a:rPr>
-              <a:t>,</a:t>
-            </a:r>
-            <a:r>
-              <a:rPr>
-                <a:solidFill>
-                  <a:srgbClr val="00B0F0"/>
-                </a:solidFill>
-              </a:rPr>
-              <a:t> t8</a:t>
+              <a:t>mov t9, t8</a:t>
             </a:r>
             <a:endParaRPr>
               <a:solidFill>
@@ -13460,13 +12647,7 @@
           <a:p>
             <a:pPr/>
             <a:r>
-              <a:t>22. div t10</a:t>
-            </a:r>
-            <a:r>
-              <a:t>,</a:t>
-            </a:r>
-            <a:r>
-              <a:t> t8</a:t>
+              <a:t>22. div t10, t8</a:t>
             </a:r>
           </a:p>
           <a:p>
@@ -13478,13 +12659,7 @@
           <a:p>
             <a:pPr/>
             <a:r>
-              <a:t>24. mov (PI)</a:t>
-            </a:r>
-            <a:r>
-              <a:t>,</a:t>
-            </a:r>
-            <a:r>
-              <a:t> </a:t>
+              <a:t>24. mov (PI), </a:t>
             </a:r>
             <a:r>
               <a:rPr>
@@ -13503,13 +12678,7 @@
           <a:p>
             <a:pPr/>
             <a:r>
-              <a:t>25. mov t8</a:t>
-            </a:r>
-            <a:r>
-              <a:t>,</a:t>
-            </a:r>
-            <a:r>
-              <a:t> t7</a:t>
+              <a:t>25. mov t8, t7</a:t>
             </a:r>
           </a:p>
           <a:p>
@@ -13526,10 +12695,7 @@
               <a:t>t9</a:t>
             </a:r>
             <a:r>
-              <a:t>,</a:t>
-            </a:r>
-            <a:r>
-              <a:t> t7</a:t>
+              <a:t>, t7</a:t>
             </a:r>
           </a:p>
           <a:p>
@@ -13541,70 +12707,31 @@
           <a:p>
             <a:pPr/>
             <a:r>
-              <a:t>28. mov (A2)</a:t>
-            </a:r>
-            <a:r>
-              <a:t>,</a:t>
-            </a:r>
-            <a:r>
-              <a:t> t12</a:t>
-            </a:r>
-          </a:p>
-          <a:p>
-            <a:pPr/>
-            <a:r>
-              <a:t>29. mov t7</a:t>
-            </a:r>
-            <a:r>
-              <a:t>,</a:t>
-            </a:r>
-            <a:r>
-              <a:t> </a:t>
-            </a:r>
-            <a:r>
-              <a:t>t2</a:t>
-            </a:r>
-          </a:p>
-          <a:p>
-            <a:pPr/>
-            <a:r>
-              <a:t>30. div t12</a:t>
-            </a:r>
-            <a:r>
-              <a:t>,</a:t>
-            </a:r>
-            <a:r>
-              <a:t> </a:t>
-            </a:r>
-            <a:r>
-              <a:t>t2</a:t>
-            </a:r>
-          </a:p>
-          <a:p>
-            <a:pPr/>
-            <a:r>
-              <a:t>31. mov t1</a:t>
-            </a:r>
-            <a:r>
-              <a:t>,</a:t>
-            </a:r>
-            <a:r>
-              <a:t> t0</a:t>
-            </a:r>
-          </a:p>
-          <a:p>
-            <a:pPr/>
-            <a:r>
-              <a:t>32. add </a:t>
-            </a:r>
-            <a:r>
-              <a:t>t2,</a:t>
-            </a:r>
-            <a:r>
-              <a:t> t</a:t>
-            </a:r>
-            <a:r>
-              <a:t>0</a:t>
+              <a:t>28. mov (A2), t12</a:t>
+            </a:r>
+          </a:p>
+          <a:p>
+            <a:pPr/>
+            <a:r>
+              <a:t>29. mov t7, t2</a:t>
+            </a:r>
+          </a:p>
+          <a:p>
+            <a:pPr/>
+            <a:r>
+              <a:t>30. div t12, t2</a:t>
+            </a:r>
+          </a:p>
+          <a:p>
+            <a:pPr/>
+            <a:r>
+              <a:t>31. mov t1, t0</a:t>
+            </a:r>
+          </a:p>
+          <a:p>
+            <a:pPr/>
+            <a:r>
+              <a:t>32. add t2, t0</a:t>
             </a:r>
           </a:p>
         </p:txBody>
@@ -13618,7 +12745,7 @@
         <p:spPr>
           <a:xfrm>
             <a:off x="5095868" y="3143248"/>
-            <a:ext cx="1500198" cy="697942"/>
+            <a:ext cx="1500198" cy="697943"/>
           </a:xfrm>
           <a:prstGeom prst="rightArrow">
             <a:avLst>
@@ -13657,8 +12784,8 @@
         </p:nvSpPr>
         <p:spPr>
           <a:xfrm>
-            <a:off x="738149" y="1225689"/>
-            <a:ext cx="1590263" cy="5882987"/>
+            <a:off x="738148" y="1225689"/>
+            <a:ext cx="1590261" cy="5882984"/>
           </a:xfrm>
           <a:prstGeom prst="rect">
             <a:avLst/>
@@ -13704,13 +12831,7 @@
           <a:p>
             <a:pPr/>
             <a:r>
-              <a:t>5.   mov 2</a:t>
-            </a:r>
-            <a:r>
-              <a:t>,</a:t>
-            </a:r>
-            <a:r>
-              <a:t> t3</a:t>
+              <a:t>5.   mov 2, t3</a:t>
             </a:r>
           </a:p>
           <a:p>
@@ -13722,37 +12843,19 @@
           <a:p>
             <a:pPr/>
             <a:r>
-              <a:t>7.   mov (A1)</a:t>
-            </a:r>
-            <a:r>
-              <a:t>,</a:t>
-            </a:r>
-            <a:r>
-              <a:t> t4</a:t>
-            </a:r>
-          </a:p>
-          <a:p>
-            <a:pPr/>
-            <a:r>
-              <a:t>8.   mov t3</a:t>
-            </a:r>
-            <a:r>
-              <a:t>,</a:t>
-            </a:r>
-            <a:r>
-              <a:t> t2</a:t>
-            </a:r>
-          </a:p>
-          <a:p>
-            <a:pPr/>
-            <a:r>
-              <a:t>9.   mul t4</a:t>
-            </a:r>
-            <a:r>
-              <a:t>,</a:t>
-            </a:r>
-            <a:r>
-              <a:t> t2</a:t>
+              <a:t>7.   mov (A1), t4</a:t>
+            </a:r>
+          </a:p>
+          <a:p>
+            <a:pPr/>
+            <a:r>
+              <a:t>8.   mov t3, t2</a:t>
+            </a:r>
+          </a:p>
+          <a:p>
+            <a:pPr/>
+            <a:r>
+              <a:t>9.   mul t4, t2</a:t>
             </a:r>
           </a:p>
           <a:p>
@@ -13764,40 +12867,19 @@
           <a:p>
             <a:pPr/>
             <a:r>
-              <a:t>11. mov (A3)</a:t>
-            </a:r>
-            <a:r>
-              <a:t>,</a:t>
-            </a:r>
-            <a:r>
-              <a:t> t</a:t>
-            </a:r>
-            <a:r>
-              <a:t>3</a:t>
-            </a:r>
-          </a:p>
-          <a:p>
-            <a:pPr/>
-            <a:r>
-              <a:t>12. mov t2</a:t>
-            </a:r>
-            <a:r>
-              <a:t>,</a:t>
-            </a:r>
-            <a:r>
-              <a:t> t1</a:t>
-            </a:r>
-          </a:p>
-          <a:p>
-            <a:pPr/>
-            <a:r>
-              <a:t>13. mul t</a:t>
-            </a:r>
-            <a:r>
-              <a:t>3,</a:t>
-            </a:r>
-            <a:r>
-              <a:t> t1</a:t>
+              <a:t>11. mov (A3), t3</a:t>
+            </a:r>
+          </a:p>
+          <a:p>
+            <a:pPr/>
+            <a:r>
+              <a:t>12. mov t2, t1</a:t>
+            </a:r>
+          </a:p>
+          <a:p>
+            <a:pPr/>
+            <a:r>
+              <a:t>13. mul t3, t1</a:t>
             </a:r>
           </a:p>
           <a:p>
@@ -13827,13 +12909,7 @@
           <a:p>
             <a:pPr/>
             <a:r>
-              <a:t>18. mov 1</a:t>
-            </a:r>
-            <a:r>
-              <a:t>,</a:t>
-            </a:r>
-            <a:r>
-              <a:t> t9</a:t>
+              <a:t>18. mov 1, t9</a:t>
             </a:r>
           </a:p>
           <a:p>
@@ -13845,13 +12921,7 @@
           <a:p>
             <a:pPr/>
             <a:r>
-              <a:t>20. mov 2</a:t>
-            </a:r>
-            <a:r>
-              <a:t>,</a:t>
-            </a:r>
-            <a:r>
-              <a:t> t10</a:t>
+              <a:t>20. mov 2, t10</a:t>
             </a:r>
           </a:p>
         </p:txBody>
@@ -13864,8 +12934,8 @@
         </p:nvSpPr>
         <p:spPr>
           <a:xfrm>
-            <a:off x="2524100" y="1214422"/>
-            <a:ext cx="1706124" cy="3546187"/>
+            <a:off x="2524100" y="1214421"/>
+            <a:ext cx="1706122" cy="3546185"/>
           </a:xfrm>
           <a:prstGeom prst="rect">
             <a:avLst/>
@@ -13895,23 +12965,7 @@
                   <a:srgbClr val="00B0F0"/>
                 </a:solidFill>
               </a:rPr>
-              <a:t>mov t9</a:t>
-            </a:r>
-            <a:r>
-              <a:rPr>
-                <a:solidFill>
-                  <a:srgbClr val="00B0F0"/>
-                </a:solidFill>
-              </a:rPr>
-              <a:t>,</a:t>
-            </a:r>
-            <a:r>
-              <a:rPr>
-                <a:solidFill>
-                  <a:srgbClr val="00B0F0"/>
-                </a:solidFill>
-              </a:rPr>
-              <a:t> t8</a:t>
+              <a:t>mov t9, t8</a:t>
             </a:r>
             <a:endParaRPr>
               <a:solidFill>
@@ -13922,13 +12976,7 @@
           <a:p>
             <a:pPr/>
             <a:r>
-              <a:t>22. div t10</a:t>
-            </a:r>
-            <a:r>
-              <a:t>,</a:t>
-            </a:r>
-            <a:r>
-              <a:t> t8</a:t>
+              <a:t>22. div t10, t8</a:t>
             </a:r>
           </a:p>
           <a:p>
@@ -13953,13 +13001,7 @@
           <a:p>
             <a:pPr/>
             <a:r>
-              <a:t>24. mov (PI)</a:t>
-            </a:r>
-            <a:r>
-              <a:t>,</a:t>
-            </a:r>
-            <a:r>
-              <a:t> </a:t>
+              <a:t>24. mov (PI), </a:t>
             </a:r>
             <a:r>
               <a:rPr>
@@ -13978,13 +13020,7 @@
           <a:p>
             <a:pPr/>
             <a:r>
-              <a:t>25. mov t8</a:t>
-            </a:r>
-            <a:r>
-              <a:t>,</a:t>
-            </a:r>
-            <a:r>
-              <a:t> t7</a:t>
+              <a:t>25. mov t8, t7</a:t>
             </a:r>
           </a:p>
           <a:p>
@@ -14001,10 +13037,7 @@
               <a:t>t11</a:t>
             </a:r>
             <a:r>
-              <a:t>,</a:t>
-            </a:r>
-            <a:r>
-              <a:t> t7</a:t>
+              <a:t>, t7</a:t>
             </a:r>
           </a:p>
           <a:p>
@@ -14016,70 +13049,31 @@
           <a:p>
             <a:pPr/>
             <a:r>
-              <a:t>28. mov (A2)</a:t>
-            </a:r>
-            <a:r>
-              <a:t>,</a:t>
-            </a:r>
-            <a:r>
-              <a:t> t12</a:t>
-            </a:r>
-          </a:p>
-          <a:p>
-            <a:pPr/>
-            <a:r>
-              <a:t>29. mov t7</a:t>
-            </a:r>
-            <a:r>
-              <a:t>,</a:t>
-            </a:r>
-            <a:r>
-              <a:t> </a:t>
-            </a:r>
-            <a:r>
-              <a:t>t2</a:t>
-            </a:r>
-          </a:p>
-          <a:p>
-            <a:pPr/>
-            <a:r>
-              <a:t>30. div t12</a:t>
-            </a:r>
-            <a:r>
-              <a:t>,</a:t>
-            </a:r>
-            <a:r>
-              <a:t> </a:t>
-            </a:r>
-            <a:r>
-              <a:t>t2</a:t>
-            </a:r>
-          </a:p>
-          <a:p>
-            <a:pPr/>
-            <a:r>
-              <a:t>31. mov t1</a:t>
-            </a:r>
-            <a:r>
-              <a:t>,</a:t>
-            </a:r>
-            <a:r>
-              <a:t> t0</a:t>
-            </a:r>
-          </a:p>
-          <a:p>
-            <a:pPr/>
-            <a:r>
-              <a:t>32. add </a:t>
-            </a:r>
-            <a:r>
-              <a:t>t2,</a:t>
-            </a:r>
-            <a:r>
-              <a:t> t</a:t>
-            </a:r>
-            <a:r>
-              <a:t>0</a:t>
+              <a:t>28. mov (A2), t12</a:t>
+            </a:r>
+          </a:p>
+          <a:p>
+            <a:pPr/>
+            <a:r>
+              <a:t>29. mov t7, t2</a:t>
+            </a:r>
+          </a:p>
+          <a:p>
+            <a:pPr/>
+            <a:r>
+              <a:t>30. div t12, t2</a:t>
+            </a:r>
+          </a:p>
+          <a:p>
+            <a:pPr/>
+            <a:r>
+              <a:t>31. mov t1, t0</a:t>
+            </a:r>
+          </a:p>
+          <a:p>
+            <a:pPr/>
+            <a:r>
+              <a:t>32. add t2, t0</a:t>
             </a:r>
           </a:p>
         </p:txBody>
@@ -14120,8 +13114,8 @@
         </p:nvSpPr>
         <p:spPr>
           <a:xfrm>
-            <a:off x="809587" y="-1"/>
-            <a:ext cx="10515601" cy="785820"/>
+            <a:off x="809587" y="-2"/>
+            <a:ext cx="10515601" cy="785822"/>
           </a:xfrm>
           <a:prstGeom prst="rect">
             <a:avLst/>
@@ -14129,23 +13123,13 @@
         </p:spPr>
         <p:txBody>
           <a:bodyPr/>
-          <a:lstStyle/>
-          <a:p>
-            <a:pPr algn="ctr"/>
-            <a:r>
-              <a:t>Пример оптимизации: </a:t>
-            </a:r>
-            <a:r>
-              <a:t>mov t</a:t>
-            </a:r>
-            <a:r>
-              <a:t>8</a:t>
-            </a:r>
-            <a:r>
-              <a:t>, t</a:t>
-            </a:r>
-            <a:r>
-              <a:t>7</a:t>
+          <a:lstStyle>
+            <a:lvl1pPr algn="ctr"/>
+          </a:lstStyle>
+          <a:p>
+            <a:pPr/>
+            <a:r>
+              <a:t>Пример оптимизации: mov t8, t7</a:t>
             </a:r>
           </a:p>
         </p:txBody>
@@ -14159,7 +13143,7 @@
         <p:spPr>
           <a:xfrm>
             <a:off x="7310446" y="1225689"/>
-            <a:ext cx="1590262" cy="5882987"/>
+            <a:ext cx="1590260" cy="5882984"/>
           </a:xfrm>
           <a:prstGeom prst="rect">
             <a:avLst/>
@@ -14205,13 +13189,7 @@
           <a:p>
             <a:pPr/>
             <a:r>
-              <a:t>5.   mov 2</a:t>
-            </a:r>
-            <a:r>
-              <a:t>,</a:t>
-            </a:r>
-            <a:r>
-              <a:t> t3</a:t>
+              <a:t>5.   mov 2, t3</a:t>
             </a:r>
           </a:p>
           <a:p>
@@ -14223,37 +13201,19 @@
           <a:p>
             <a:pPr/>
             <a:r>
-              <a:t>7.   mov (A1)</a:t>
-            </a:r>
-            <a:r>
-              <a:t>,</a:t>
-            </a:r>
-            <a:r>
-              <a:t> t4</a:t>
-            </a:r>
-          </a:p>
-          <a:p>
-            <a:pPr/>
-            <a:r>
-              <a:t>8.   mov t3</a:t>
-            </a:r>
-            <a:r>
-              <a:t>,</a:t>
-            </a:r>
-            <a:r>
-              <a:t> t2</a:t>
-            </a:r>
-          </a:p>
-          <a:p>
-            <a:pPr/>
-            <a:r>
-              <a:t>9.   mul t4</a:t>
-            </a:r>
-            <a:r>
-              <a:t>,</a:t>
-            </a:r>
-            <a:r>
-              <a:t> t2</a:t>
+              <a:t>7.   mov (A1), t4</a:t>
+            </a:r>
+          </a:p>
+          <a:p>
+            <a:pPr/>
+            <a:r>
+              <a:t>8.   mov t3, t2</a:t>
+            </a:r>
+          </a:p>
+          <a:p>
+            <a:pPr/>
+            <a:r>
+              <a:t>9.   mul t4, t2</a:t>
             </a:r>
           </a:p>
           <a:p>
@@ -14265,40 +13225,19 @@
           <a:p>
             <a:pPr/>
             <a:r>
-              <a:t>11. mov (A3)</a:t>
-            </a:r>
-            <a:r>
-              <a:t>,</a:t>
-            </a:r>
-            <a:r>
-              <a:t> t</a:t>
-            </a:r>
-            <a:r>
-              <a:t>3</a:t>
-            </a:r>
-          </a:p>
-          <a:p>
-            <a:pPr/>
-            <a:r>
-              <a:t>12. mov t2</a:t>
-            </a:r>
-            <a:r>
-              <a:t>,</a:t>
-            </a:r>
-            <a:r>
-              <a:t> t1</a:t>
-            </a:r>
-          </a:p>
-          <a:p>
-            <a:pPr/>
-            <a:r>
-              <a:t>13. mul t</a:t>
-            </a:r>
-            <a:r>
-              <a:t>3,</a:t>
-            </a:r>
-            <a:r>
-              <a:t> t1</a:t>
+              <a:t>11. mov (A3), t3</a:t>
+            </a:r>
+          </a:p>
+          <a:p>
+            <a:pPr/>
+            <a:r>
+              <a:t>12. mov t2, t1</a:t>
+            </a:r>
+          </a:p>
+          <a:p>
+            <a:pPr/>
+            <a:r>
+              <a:t>13. mul t3, t1</a:t>
             </a:r>
           </a:p>
           <a:p>
@@ -14328,13 +13267,7 @@
           <a:p>
             <a:pPr/>
             <a:r>
-              <a:t>18. mov 1</a:t>
-            </a:r>
-            <a:r>
-              <a:t>,</a:t>
-            </a:r>
-            <a:r>
-              <a:t> t9</a:t>
+              <a:t>18. mov 1, t9</a:t>
             </a:r>
           </a:p>
           <a:p>
@@ -14346,13 +13279,7 @@
           <a:p>
             <a:pPr/>
             <a:r>
-              <a:t>20. mov 2</a:t>
-            </a:r>
-            <a:r>
-              <a:t>,</a:t>
-            </a:r>
-            <a:r>
-              <a:t> t10</a:t>
+              <a:t>20. mov 2, t10</a:t>
             </a:r>
           </a:p>
         </p:txBody>
@@ -14365,8 +13292,8 @@
         </p:nvSpPr>
         <p:spPr>
           <a:xfrm>
-            <a:off x="9096395" y="1214422"/>
-            <a:ext cx="1590263" cy="3546187"/>
+            <a:off x="9096395" y="1214421"/>
+            <a:ext cx="1590260" cy="3546185"/>
           </a:xfrm>
           <a:prstGeom prst="rect">
             <a:avLst/>
@@ -14388,25 +13315,13 @@
           <a:p>
             <a:pPr/>
             <a:r>
-              <a:t>21. mov t9</a:t>
-            </a:r>
-            <a:r>
-              <a:t>,</a:t>
-            </a:r>
-            <a:r>
-              <a:t> t8</a:t>
-            </a:r>
-          </a:p>
-          <a:p>
-            <a:pPr/>
-            <a:r>
-              <a:t>22. div t10</a:t>
-            </a:r>
-            <a:r>
-              <a:t>,</a:t>
-            </a:r>
-            <a:r>
-              <a:t> t8</a:t>
+              <a:t>21. mov t9, t8</a:t>
+            </a:r>
+          </a:p>
+          <a:p>
+            <a:pPr/>
+            <a:r>
+              <a:t>22. div t10, t8</a:t>
             </a:r>
           </a:p>
           <a:p>
@@ -14418,16 +13333,7 @@
           <a:p>
             <a:pPr/>
             <a:r>
-              <a:t>24. mov (PI)</a:t>
-            </a:r>
-            <a:r>
-              <a:t>,</a:t>
-            </a:r>
-            <a:r>
-              <a:t> </a:t>
-            </a:r>
-            <a:r>
-              <a:t>t9</a:t>
+              <a:t>24. mov (PI), t9</a:t>
             </a:r>
           </a:p>
           <a:p>
@@ -14441,23 +13347,7 @@
                   <a:srgbClr val="00B0F0"/>
                 </a:solidFill>
               </a:rPr>
-              <a:t>mov t8</a:t>
-            </a:r>
-            <a:r>
-              <a:rPr>
-                <a:solidFill>
-                  <a:srgbClr val="00B0F0"/>
-                </a:solidFill>
-              </a:rPr>
-              <a:t>,</a:t>
-            </a:r>
-            <a:r>
-              <a:rPr>
-                <a:solidFill>
-                  <a:srgbClr val="00B0F0"/>
-                </a:solidFill>
-              </a:rPr>
-              <a:t> t7</a:t>
+              <a:t>mov t8, t7</a:t>
             </a:r>
             <a:endParaRPr>
               <a:solidFill>
@@ -14468,13 +13358,7 @@
           <a:p>
             <a:pPr/>
             <a:r>
-              <a:t>26. mul </a:t>
-            </a:r>
-            <a:r>
-              <a:t>t9,</a:t>
-            </a:r>
-            <a:r>
-              <a:t> t7</a:t>
+              <a:t>26. mul t9, t7</a:t>
             </a:r>
           </a:p>
           <a:p>
@@ -14486,13 +13370,7 @@
           <a:p>
             <a:pPr/>
             <a:r>
-              <a:t>28. mov (A2)</a:t>
-            </a:r>
-            <a:r>
-              <a:t>,</a:t>
-            </a:r>
-            <a:r>
-              <a:t> </a:t>
+              <a:t>28. mov (A2), </a:t>
             </a:r>
             <a:r>
               <a:rPr>
@@ -14511,16 +13389,7 @@
           <a:p>
             <a:pPr/>
             <a:r>
-              <a:t>29. mov t7</a:t>
-            </a:r>
-            <a:r>
-              <a:t>,</a:t>
-            </a:r>
-            <a:r>
-              <a:t> </a:t>
-            </a:r>
-            <a:r>
-              <a:t>t2</a:t>
+              <a:t>29. mov t7, t2</a:t>
             </a:r>
           </a:p>
           <a:p>
@@ -14537,40 +13406,19 @@
               <a:t>t8</a:t>
             </a:r>
             <a:r>
-              <a:t>,</a:t>
-            </a:r>
-            <a:r>
-              <a:t> </a:t>
-            </a:r>
-            <a:r>
-              <a:t>t2</a:t>
-            </a:r>
-          </a:p>
-          <a:p>
-            <a:pPr/>
-            <a:r>
-              <a:t>31. mov t1</a:t>
-            </a:r>
-            <a:r>
-              <a:t>,</a:t>
-            </a:r>
-            <a:r>
-              <a:t> t0</a:t>
-            </a:r>
-          </a:p>
-          <a:p>
-            <a:pPr/>
-            <a:r>
-              <a:t>32. add </a:t>
-            </a:r>
-            <a:r>
-              <a:t>t2,</a:t>
-            </a:r>
-            <a:r>
-              <a:t> t</a:t>
-            </a:r>
-            <a:r>
-              <a:t>0</a:t>
+              <a:t>, t2</a:t>
+            </a:r>
+          </a:p>
+          <a:p>
+            <a:pPr/>
+            <a:r>
+              <a:t>31. mov t1, t0</a:t>
+            </a:r>
+          </a:p>
+          <a:p>
+            <a:pPr/>
+            <a:r>
+              <a:t>32. add t2, t0</a:t>
             </a:r>
           </a:p>
         </p:txBody>
@@ -14584,7 +13432,7 @@
         <p:spPr>
           <a:xfrm>
             <a:off x="5095868" y="3143248"/>
-            <a:ext cx="1500198" cy="697942"/>
+            <a:ext cx="1500198" cy="697943"/>
           </a:xfrm>
           <a:prstGeom prst="rightArrow">
             <a:avLst>
@@ -14623,8 +13471,8 @@
         </p:nvSpPr>
         <p:spPr>
           <a:xfrm>
-            <a:off x="738149" y="1225689"/>
-            <a:ext cx="1590263" cy="5882987"/>
+            <a:off x="738148" y="1225689"/>
+            <a:ext cx="1590261" cy="5882984"/>
           </a:xfrm>
           <a:prstGeom prst="rect">
             <a:avLst/>
@@ -14670,13 +13518,7 @@
           <a:p>
             <a:pPr/>
             <a:r>
-              <a:t>5.   mov 2</a:t>
-            </a:r>
-            <a:r>
-              <a:t>,</a:t>
-            </a:r>
-            <a:r>
-              <a:t> t3</a:t>
+              <a:t>5.   mov 2, t3</a:t>
             </a:r>
           </a:p>
           <a:p>
@@ -14688,37 +13530,19 @@
           <a:p>
             <a:pPr/>
             <a:r>
-              <a:t>7.   mov (A1)</a:t>
-            </a:r>
-            <a:r>
-              <a:t>,</a:t>
-            </a:r>
-            <a:r>
-              <a:t> t4</a:t>
-            </a:r>
-          </a:p>
-          <a:p>
-            <a:pPr/>
-            <a:r>
-              <a:t>8.   mov t3</a:t>
-            </a:r>
-            <a:r>
-              <a:t>,</a:t>
-            </a:r>
-            <a:r>
-              <a:t> t2</a:t>
-            </a:r>
-          </a:p>
-          <a:p>
-            <a:pPr/>
-            <a:r>
-              <a:t>9.   mul t4</a:t>
-            </a:r>
-            <a:r>
-              <a:t>,</a:t>
-            </a:r>
-            <a:r>
-              <a:t> t2</a:t>
+              <a:t>7.   mov (A1), t4</a:t>
+            </a:r>
+          </a:p>
+          <a:p>
+            <a:pPr/>
+            <a:r>
+              <a:t>8.   mov t3, t2</a:t>
+            </a:r>
+          </a:p>
+          <a:p>
+            <a:pPr/>
+            <a:r>
+              <a:t>9.   mul t4, t2</a:t>
             </a:r>
           </a:p>
           <a:p>
@@ -14730,40 +13554,19 @@
           <a:p>
             <a:pPr/>
             <a:r>
-              <a:t>11. mov (A3)</a:t>
-            </a:r>
-            <a:r>
-              <a:t>,</a:t>
-            </a:r>
-            <a:r>
-              <a:t> t</a:t>
-            </a:r>
-            <a:r>
-              <a:t>3</a:t>
-            </a:r>
-          </a:p>
-          <a:p>
-            <a:pPr/>
-            <a:r>
-              <a:t>12. mov t2</a:t>
-            </a:r>
-            <a:r>
-              <a:t>,</a:t>
-            </a:r>
-            <a:r>
-              <a:t> t1</a:t>
-            </a:r>
-          </a:p>
-          <a:p>
-            <a:pPr/>
-            <a:r>
-              <a:t>13. mul t</a:t>
-            </a:r>
-            <a:r>
-              <a:t>3,</a:t>
-            </a:r>
-            <a:r>
-              <a:t> t1</a:t>
+              <a:t>11. mov (A3), t3</a:t>
+            </a:r>
+          </a:p>
+          <a:p>
+            <a:pPr/>
+            <a:r>
+              <a:t>12. mov t2, t1</a:t>
+            </a:r>
+          </a:p>
+          <a:p>
+            <a:pPr/>
+            <a:r>
+              <a:t>13. mul t3, t1</a:t>
             </a:r>
           </a:p>
           <a:p>
@@ -14793,13 +13596,7 @@
           <a:p>
             <a:pPr/>
             <a:r>
-              <a:t>18. mov 1</a:t>
-            </a:r>
-            <a:r>
-              <a:t>,</a:t>
-            </a:r>
-            <a:r>
-              <a:t> t9</a:t>
+              <a:t>18. mov 1, t9</a:t>
             </a:r>
           </a:p>
           <a:p>
@@ -14811,13 +13608,7 @@
           <a:p>
             <a:pPr/>
             <a:r>
-              <a:t>20. mov 2</a:t>
-            </a:r>
-            <a:r>
-              <a:t>,</a:t>
-            </a:r>
-            <a:r>
-              <a:t> t10</a:t>
+              <a:t>20. mov 2, t10</a:t>
             </a:r>
           </a:p>
         </p:txBody>
@@ -14830,8 +13621,8 @@
         </p:nvSpPr>
         <p:spPr>
           <a:xfrm>
-            <a:off x="2524100" y="1214422"/>
-            <a:ext cx="1706124" cy="3546187"/>
+            <a:off x="2524100" y="1214421"/>
+            <a:ext cx="1706122" cy="3546185"/>
           </a:xfrm>
           <a:prstGeom prst="rect">
             <a:avLst/>
@@ -14853,25 +13644,13 @@
           <a:p>
             <a:pPr/>
             <a:r>
-              <a:t>21. mov t9</a:t>
-            </a:r>
-            <a:r>
-              <a:t>,</a:t>
-            </a:r>
-            <a:r>
-              <a:t> t8</a:t>
-            </a:r>
-          </a:p>
-          <a:p>
-            <a:pPr/>
-            <a:r>
-              <a:t>22. div t10</a:t>
-            </a:r>
-            <a:r>
-              <a:t>,</a:t>
-            </a:r>
-            <a:r>
-              <a:t> t8</a:t>
+              <a:t>21. mov t9, t8</a:t>
+            </a:r>
+          </a:p>
+          <a:p>
+            <a:pPr/>
+            <a:r>
+              <a:t>22. div t10, t8</a:t>
             </a:r>
           </a:p>
           <a:p>
@@ -14883,16 +13662,7 @@
           <a:p>
             <a:pPr/>
             <a:r>
-              <a:t>24. mov (PI)</a:t>
-            </a:r>
-            <a:r>
-              <a:t>,</a:t>
-            </a:r>
-            <a:r>
-              <a:t> </a:t>
-            </a:r>
-            <a:r>
-              <a:t>t9</a:t>
+              <a:t>24. mov (PI), t9</a:t>
             </a:r>
           </a:p>
           <a:p>
@@ -14906,23 +13676,7 @@
                   <a:srgbClr val="00B0F0"/>
                 </a:solidFill>
               </a:rPr>
-              <a:t>mov t8</a:t>
-            </a:r>
-            <a:r>
-              <a:rPr>
-                <a:solidFill>
-                  <a:srgbClr val="00B0F0"/>
-                </a:solidFill>
-              </a:rPr>
-              <a:t>,</a:t>
-            </a:r>
-            <a:r>
-              <a:rPr>
-                <a:solidFill>
-                  <a:srgbClr val="00B0F0"/>
-                </a:solidFill>
-              </a:rPr>
-              <a:t> t7</a:t>
+              <a:t>mov t8, t7</a:t>
             </a:r>
             <a:endParaRPr>
               <a:solidFill>
@@ -14933,13 +13687,7 @@
           <a:p>
             <a:pPr/>
             <a:r>
-              <a:t>26. mul </a:t>
-            </a:r>
-            <a:r>
-              <a:t>t9,</a:t>
-            </a:r>
-            <a:r>
-              <a:t> t7</a:t>
+              <a:t>26. mul t9, t7</a:t>
             </a:r>
           </a:p>
           <a:p>
@@ -14964,13 +13712,7 @@
           <a:p>
             <a:pPr/>
             <a:r>
-              <a:t>28. mov (A2)</a:t>
-            </a:r>
-            <a:r>
-              <a:t>,</a:t>
-            </a:r>
-            <a:r>
-              <a:t> </a:t>
+              <a:t>28. mov (A2), </a:t>
             </a:r>
             <a:r>
               <a:rPr>
@@ -14989,16 +13731,7 @@
           <a:p>
             <a:pPr/>
             <a:r>
-              <a:t>29. mov t7</a:t>
-            </a:r>
-            <a:r>
-              <a:t>,</a:t>
-            </a:r>
-            <a:r>
-              <a:t> </a:t>
-            </a:r>
-            <a:r>
-              <a:t>t2</a:t>
+              <a:t>29. mov t7, t2</a:t>
             </a:r>
           </a:p>
           <a:p>
@@ -15015,40 +13748,19 @@
               <a:t>t12</a:t>
             </a:r>
             <a:r>
-              <a:t>,</a:t>
-            </a:r>
-            <a:r>
-              <a:t> </a:t>
-            </a:r>
-            <a:r>
-              <a:t>t2</a:t>
-            </a:r>
-          </a:p>
-          <a:p>
-            <a:pPr/>
-            <a:r>
-              <a:t>31. mov t1</a:t>
-            </a:r>
-            <a:r>
-              <a:t>,</a:t>
-            </a:r>
-            <a:r>
-              <a:t> t0</a:t>
-            </a:r>
-          </a:p>
-          <a:p>
-            <a:pPr/>
-            <a:r>
-              <a:t>32. add </a:t>
-            </a:r>
-            <a:r>
-              <a:t>t2,</a:t>
-            </a:r>
-            <a:r>
-              <a:t> t</a:t>
-            </a:r>
-            <a:r>
-              <a:t>0</a:t>
+              <a:t>, t2</a:t>
+            </a:r>
+          </a:p>
+          <a:p>
+            <a:pPr/>
+            <a:r>
+              <a:t>31. mov t1, t0</a:t>
+            </a:r>
+          </a:p>
+          <a:p>
+            <a:pPr/>
+            <a:r>
+              <a:t>32. add t2, t0</a:t>
             </a:r>
           </a:p>
         </p:txBody>
@@ -15089,8 +13801,8 @@
         </p:nvSpPr>
         <p:spPr>
           <a:xfrm>
-            <a:off x="838200" y="355598"/>
-            <a:ext cx="10515600" cy="715535"/>
+            <a:off x="838200" y="355597"/>
+            <a:ext cx="10515600" cy="715536"/>
           </a:xfrm>
           <a:prstGeom prst="rect">
             <a:avLst/>
@@ -15174,8 +13886,8 @@
         </p:nvSpPr>
         <p:spPr>
           <a:xfrm>
-            <a:off x="809587" y="-1"/>
-            <a:ext cx="10515601" cy="785820"/>
+            <a:off x="809587" y="-2"/>
+            <a:ext cx="10515601" cy="785822"/>
           </a:xfrm>
           <a:prstGeom prst="rect">
             <a:avLst/>
@@ -15203,7 +13915,7 @@
         <p:spPr>
           <a:xfrm>
             <a:off x="7453321" y="1225689"/>
-            <a:ext cx="1590263" cy="5882987"/>
+            <a:ext cx="1590260" cy="5882984"/>
           </a:xfrm>
           <a:prstGeom prst="rect">
             <a:avLst/>
@@ -15249,13 +13961,7 @@
           <a:p>
             <a:pPr/>
             <a:r>
-              <a:t>5.   mov 2</a:t>
-            </a:r>
-            <a:r>
-              <a:t>,</a:t>
-            </a:r>
-            <a:r>
-              <a:t> t3</a:t>
+              <a:t>5.   mov 2, t3</a:t>
             </a:r>
           </a:p>
           <a:p>
@@ -15267,37 +13973,19 @@
           <a:p>
             <a:pPr/>
             <a:r>
-              <a:t>7.   mov (A1)</a:t>
-            </a:r>
-            <a:r>
-              <a:t>,</a:t>
-            </a:r>
-            <a:r>
-              <a:t> t4</a:t>
-            </a:r>
-          </a:p>
-          <a:p>
-            <a:pPr/>
-            <a:r>
-              <a:t>8.   mov t3</a:t>
-            </a:r>
-            <a:r>
-              <a:t>,</a:t>
-            </a:r>
-            <a:r>
-              <a:t> t2</a:t>
-            </a:r>
-          </a:p>
-          <a:p>
-            <a:pPr/>
-            <a:r>
-              <a:t>9.   mul t4</a:t>
-            </a:r>
-            <a:r>
-              <a:t>,</a:t>
-            </a:r>
-            <a:r>
-              <a:t> t2</a:t>
+              <a:t>7.   mov (A1), t4</a:t>
+            </a:r>
+          </a:p>
+          <a:p>
+            <a:pPr/>
+            <a:r>
+              <a:t>8.   mov t3, t2</a:t>
+            </a:r>
+          </a:p>
+          <a:p>
+            <a:pPr/>
+            <a:r>
+              <a:t>9.   mul t4, t2</a:t>
             </a:r>
           </a:p>
           <a:p>
@@ -15309,40 +13997,19 @@
           <a:p>
             <a:pPr/>
             <a:r>
-              <a:t>11. mov (A3)</a:t>
-            </a:r>
-            <a:r>
-              <a:t>,</a:t>
-            </a:r>
-            <a:r>
-              <a:t> t</a:t>
-            </a:r>
-            <a:r>
-              <a:t>3</a:t>
-            </a:r>
-          </a:p>
-          <a:p>
-            <a:pPr/>
-            <a:r>
-              <a:t>12. mov t2</a:t>
-            </a:r>
-            <a:r>
-              <a:t>,</a:t>
-            </a:r>
-            <a:r>
-              <a:t> t1</a:t>
-            </a:r>
-          </a:p>
-          <a:p>
-            <a:pPr/>
-            <a:r>
-              <a:t>13. mul t</a:t>
-            </a:r>
-            <a:r>
-              <a:t>3,</a:t>
-            </a:r>
-            <a:r>
-              <a:t> t1</a:t>
+              <a:t>11. mov (A3), t3</a:t>
+            </a:r>
+          </a:p>
+          <a:p>
+            <a:pPr/>
+            <a:r>
+              <a:t>12. mov t2, t1</a:t>
+            </a:r>
+          </a:p>
+          <a:p>
+            <a:pPr/>
+            <a:r>
+              <a:t>13. mul t3, t1</a:t>
             </a:r>
           </a:p>
           <a:p>
@@ -15372,13 +14039,7 @@
           <a:p>
             <a:pPr/>
             <a:r>
-              <a:t>18. mov 1</a:t>
-            </a:r>
-            <a:r>
-              <a:t>,</a:t>
-            </a:r>
-            <a:r>
-              <a:t> t9</a:t>
+              <a:t>18. mov 1, t9</a:t>
             </a:r>
           </a:p>
           <a:p>
@@ -15390,13 +14051,7 @@
           <a:p>
             <a:pPr/>
             <a:r>
-              <a:t>20. mov 2</a:t>
-            </a:r>
-            <a:r>
-              <a:t>,</a:t>
-            </a:r>
-            <a:r>
-              <a:t> t10</a:t>
+              <a:t>20. mov 2, t10</a:t>
             </a:r>
           </a:p>
         </p:txBody>
@@ -15409,8 +14064,8 @@
         </p:nvSpPr>
         <p:spPr>
           <a:xfrm>
-            <a:off x="9239271" y="1214422"/>
-            <a:ext cx="1590262" cy="3546187"/>
+            <a:off x="9239270" y="1214421"/>
+            <a:ext cx="1590261" cy="3546185"/>
           </a:xfrm>
           <a:prstGeom prst="rect">
             <a:avLst/>
@@ -15432,25 +14087,13 @@
           <a:p>
             <a:pPr/>
             <a:r>
-              <a:t>21. mov t9</a:t>
-            </a:r>
-            <a:r>
-              <a:t>,</a:t>
-            </a:r>
-            <a:r>
-              <a:t> t8</a:t>
-            </a:r>
-          </a:p>
-          <a:p>
-            <a:pPr/>
-            <a:r>
-              <a:t>22. div t10</a:t>
-            </a:r>
-            <a:r>
-              <a:t>,</a:t>
-            </a:r>
-            <a:r>
-              <a:t> t8</a:t>
+              <a:t>21. mov t9, t8</a:t>
+            </a:r>
+          </a:p>
+          <a:p>
+            <a:pPr/>
+            <a:r>
+              <a:t>22. div t10, t8</a:t>
             </a:r>
           </a:p>
           <a:p>
@@ -15462,40 +14105,19 @@
           <a:p>
             <a:pPr/>
             <a:r>
-              <a:t>24. mov (PI)</a:t>
-            </a:r>
-            <a:r>
-              <a:t>,</a:t>
-            </a:r>
-            <a:r>
-              <a:t> </a:t>
-            </a:r>
-            <a:r>
-              <a:t>t9</a:t>
-            </a:r>
-          </a:p>
-          <a:p>
-            <a:pPr/>
-            <a:r>
-              <a:t>25. mov t8</a:t>
-            </a:r>
-            <a:r>
-              <a:t>,</a:t>
-            </a:r>
-            <a:r>
-              <a:t> t7</a:t>
-            </a:r>
-          </a:p>
-          <a:p>
-            <a:pPr/>
-            <a:r>
-              <a:t>26. mul </a:t>
-            </a:r>
-            <a:r>
-              <a:t>t9,</a:t>
-            </a:r>
-            <a:r>
-              <a:t> t7</a:t>
+              <a:t>24. mov (PI), t9</a:t>
+            </a:r>
+          </a:p>
+          <a:p>
+            <a:pPr/>
+            <a:r>
+              <a:t>25. mov t8, t7</a:t>
+            </a:r>
+          </a:p>
+          <a:p>
+            <a:pPr/>
+            <a:r>
+              <a:t>26. mul t9, t7</a:t>
             </a:r>
           </a:p>
           <a:p>
@@ -15507,73 +14129,31 @@
           <a:p>
             <a:pPr/>
             <a:r>
-              <a:t>28. mov (A2)</a:t>
-            </a:r>
-            <a:r>
-              <a:t>,</a:t>
-            </a:r>
-            <a:r>
-              <a:t> </a:t>
-            </a:r>
-            <a:r>
-              <a:t>t8</a:t>
-            </a:r>
-          </a:p>
-          <a:p>
-            <a:pPr/>
-            <a:r>
-              <a:t>29. mov t7</a:t>
-            </a:r>
-            <a:r>
-              <a:t>,</a:t>
-            </a:r>
-            <a:r>
-              <a:t> </a:t>
-            </a:r>
-            <a:r>
-              <a:t>t2</a:t>
-            </a:r>
-          </a:p>
-          <a:p>
-            <a:pPr/>
-            <a:r>
-              <a:t>30. div </a:t>
-            </a:r>
-            <a:r>
-              <a:t>t8,</a:t>
-            </a:r>
-            <a:r>
-              <a:t> </a:t>
-            </a:r>
-            <a:r>
-              <a:t>t2</a:t>
-            </a:r>
-          </a:p>
-          <a:p>
-            <a:pPr/>
-            <a:r>
-              <a:t>31. mov t1</a:t>
-            </a:r>
-            <a:r>
-              <a:t>,</a:t>
-            </a:r>
-            <a:r>
-              <a:t> t0</a:t>
-            </a:r>
-          </a:p>
-          <a:p>
-            <a:pPr/>
-            <a:r>
-              <a:t>32. add </a:t>
-            </a:r>
-            <a:r>
-              <a:t>t2,</a:t>
-            </a:r>
-            <a:r>
-              <a:t> t</a:t>
-            </a:r>
-            <a:r>
-              <a:t>0</a:t>
+              <a:t>28. mov (A2), t8</a:t>
+            </a:r>
+          </a:p>
+          <a:p>
+            <a:pPr/>
+            <a:r>
+              <a:t>29. mov t7, t2</a:t>
+            </a:r>
+          </a:p>
+          <a:p>
+            <a:pPr/>
+            <a:r>
+              <a:t>30. div t8, t2</a:t>
+            </a:r>
+          </a:p>
+          <a:p>
+            <a:pPr/>
+            <a:r>
+              <a:t>31. mov t1, t0</a:t>
+            </a:r>
+          </a:p>
+          <a:p>
+            <a:pPr/>
+            <a:r>
+              <a:t>32. add t2, t0</a:t>
             </a:r>
           </a:p>
         </p:txBody>
@@ -15586,8 +14166,8 @@
         </p:nvSpPr>
         <p:spPr>
           <a:xfrm>
-            <a:off x="738149" y="1225689"/>
-            <a:ext cx="1590263" cy="5882987"/>
+            <a:off x="738148" y="1225689"/>
+            <a:ext cx="1590261" cy="5882984"/>
           </a:xfrm>
           <a:prstGeom prst="rect">
             <a:avLst/>
@@ -15633,13 +14213,7 @@
           <a:p>
             <a:pPr/>
             <a:r>
-              <a:t>5.   mov 2</a:t>
-            </a:r>
-            <a:r>
-              <a:t>,</a:t>
-            </a:r>
-            <a:r>
-              <a:t> t3</a:t>
+              <a:t>5.   mov 2, t3</a:t>
             </a:r>
           </a:p>
           <a:p>
@@ -15651,37 +14225,19 @@
           <a:p>
             <a:pPr/>
             <a:r>
-              <a:t>7.   mov (A1)</a:t>
-            </a:r>
-            <a:r>
-              <a:t>,</a:t>
-            </a:r>
-            <a:r>
-              <a:t> t4</a:t>
-            </a:r>
-          </a:p>
-          <a:p>
-            <a:pPr/>
-            <a:r>
-              <a:t>8.   mov t3</a:t>
-            </a:r>
-            <a:r>
-              <a:t>,</a:t>
-            </a:r>
-            <a:r>
-              <a:t> t2</a:t>
-            </a:r>
-          </a:p>
-          <a:p>
-            <a:pPr/>
-            <a:r>
-              <a:t>9.   mul t4</a:t>
-            </a:r>
-            <a:r>
-              <a:t>,</a:t>
-            </a:r>
-            <a:r>
-              <a:t> t2</a:t>
+              <a:t>7.   mov (A1), t4</a:t>
+            </a:r>
+          </a:p>
+          <a:p>
+            <a:pPr/>
+            <a:r>
+              <a:t>8.   mov t3, t2</a:t>
+            </a:r>
+          </a:p>
+          <a:p>
+            <a:pPr/>
+            <a:r>
+              <a:t>9.   mul t4, t2</a:t>
             </a:r>
           </a:p>
           <a:p>
@@ -15693,37 +14249,19 @@
           <a:p>
             <a:pPr/>
             <a:r>
-              <a:t>11. mov (A3)</a:t>
-            </a:r>
-            <a:r>
-              <a:t>,</a:t>
-            </a:r>
-            <a:r>
-              <a:t> t5</a:t>
-            </a:r>
-          </a:p>
-          <a:p>
-            <a:pPr/>
-            <a:r>
-              <a:t>12. mov t2</a:t>
-            </a:r>
-            <a:r>
-              <a:t>,</a:t>
-            </a:r>
-            <a:r>
-              <a:t> t1</a:t>
-            </a:r>
-          </a:p>
-          <a:p>
-            <a:pPr/>
-            <a:r>
-              <a:t>13. mul t5</a:t>
-            </a:r>
-            <a:r>
-              <a:t>,</a:t>
-            </a:r>
-            <a:r>
-              <a:t> t1</a:t>
+              <a:t>11. mov (A3), t5</a:t>
+            </a:r>
+          </a:p>
+          <a:p>
+            <a:pPr/>
+            <a:r>
+              <a:t>12. mov t2, t1</a:t>
+            </a:r>
+          </a:p>
+          <a:p>
+            <a:pPr/>
+            <a:r>
+              <a:t>13. mul t5, t1</a:t>
             </a:r>
           </a:p>
           <a:p>
@@ -15753,13 +14291,7 @@
           <a:p>
             <a:pPr/>
             <a:r>
-              <a:t>18. mov 1</a:t>
-            </a:r>
-            <a:r>
-              <a:t>,</a:t>
-            </a:r>
-            <a:r>
-              <a:t> t9</a:t>
+              <a:t>18. mov 1, t9</a:t>
             </a:r>
           </a:p>
           <a:p>
@@ -15771,13 +14303,7 @@
           <a:p>
             <a:pPr/>
             <a:r>
-              <a:t>20. mov 2</a:t>
-            </a:r>
-            <a:r>
-              <a:t>,</a:t>
-            </a:r>
-            <a:r>
-              <a:t> t10</a:t>
+              <a:t>20. mov 2, t10</a:t>
             </a:r>
           </a:p>
         </p:txBody>
@@ -15790,8 +14316,8 @@
         </p:nvSpPr>
         <p:spPr>
           <a:xfrm>
-            <a:off x="2666975" y="1214422"/>
-            <a:ext cx="1706125" cy="3546187"/>
+            <a:off x="2666975" y="1214421"/>
+            <a:ext cx="1706122" cy="3546185"/>
           </a:xfrm>
           <a:prstGeom prst="rect">
             <a:avLst/>
@@ -15813,25 +14339,13 @@
           <a:p>
             <a:pPr/>
             <a:r>
-              <a:t>21. mov t9</a:t>
-            </a:r>
-            <a:r>
-              <a:t>,</a:t>
-            </a:r>
-            <a:r>
-              <a:t> t8</a:t>
-            </a:r>
-          </a:p>
-          <a:p>
-            <a:pPr/>
-            <a:r>
-              <a:t>22. div t10</a:t>
-            </a:r>
-            <a:r>
-              <a:t>,</a:t>
-            </a:r>
-            <a:r>
-              <a:t> t8</a:t>
+              <a:t>21. mov t9, t8</a:t>
+            </a:r>
+          </a:p>
+          <a:p>
+            <a:pPr/>
+            <a:r>
+              <a:t>22. div t10, t8</a:t>
             </a:r>
           </a:p>
           <a:p>
@@ -15843,37 +14357,19 @@
           <a:p>
             <a:pPr/>
             <a:r>
-              <a:t>24. mov (PI)</a:t>
-            </a:r>
-            <a:r>
-              <a:t>,</a:t>
-            </a:r>
-            <a:r>
-              <a:t> t11</a:t>
-            </a:r>
-          </a:p>
-          <a:p>
-            <a:pPr/>
-            <a:r>
-              <a:t>25. mov t8</a:t>
-            </a:r>
-            <a:r>
-              <a:t>,</a:t>
-            </a:r>
-            <a:r>
-              <a:t> t7</a:t>
-            </a:r>
-          </a:p>
-          <a:p>
-            <a:pPr/>
-            <a:r>
-              <a:t>26. mul t11</a:t>
-            </a:r>
-            <a:r>
-              <a:t>,</a:t>
-            </a:r>
-            <a:r>
-              <a:t> t7</a:t>
+              <a:t>24. mov (PI), t11</a:t>
+            </a:r>
+          </a:p>
+          <a:p>
+            <a:pPr/>
+            <a:r>
+              <a:t>25. mov t8, t7</a:t>
+            </a:r>
+          </a:p>
+          <a:p>
+            <a:pPr/>
+            <a:r>
+              <a:t>26. mul t11, t7</a:t>
             </a:r>
           </a:p>
           <a:p>
@@ -15885,64 +14381,31 @@
           <a:p>
             <a:pPr/>
             <a:r>
-              <a:t>28. mov (A2)</a:t>
-            </a:r>
-            <a:r>
-              <a:t>,</a:t>
-            </a:r>
-            <a:r>
-              <a:t> t12</a:t>
-            </a:r>
-          </a:p>
-          <a:p>
-            <a:pPr/>
-            <a:r>
-              <a:t>29. mov t7</a:t>
-            </a:r>
-            <a:r>
-              <a:t>,</a:t>
-            </a:r>
-            <a:r>
-              <a:t> t6</a:t>
-            </a:r>
-          </a:p>
-          <a:p>
-            <a:pPr/>
-            <a:r>
-              <a:t>30. div t12</a:t>
-            </a:r>
-            <a:r>
-              <a:t>,</a:t>
-            </a:r>
-            <a:r>
-              <a:t> t6</a:t>
-            </a:r>
-          </a:p>
-          <a:p>
-            <a:pPr/>
-            <a:r>
-              <a:t>31. mov t1</a:t>
-            </a:r>
-            <a:r>
-              <a:t>,</a:t>
-            </a:r>
-            <a:r>
-              <a:t> t0</a:t>
-            </a:r>
-          </a:p>
-          <a:p>
-            <a:pPr/>
-            <a:r>
-              <a:t>32. add t6</a:t>
-            </a:r>
-            <a:r>
-              <a:t>,</a:t>
-            </a:r>
-            <a:r>
-              <a:t> t</a:t>
-            </a:r>
-            <a:r>
-              <a:t>0</a:t>
+              <a:t>28. mov (A2), t12</a:t>
+            </a:r>
+          </a:p>
+          <a:p>
+            <a:pPr/>
+            <a:r>
+              <a:t>29. mov t7, t6</a:t>
+            </a:r>
+          </a:p>
+          <a:p>
+            <a:pPr/>
+            <a:r>
+              <a:t>30. div t12, t6</a:t>
+            </a:r>
+          </a:p>
+          <a:p>
+            <a:pPr/>
+            <a:r>
+              <a:t>31. mov t1, t0</a:t>
+            </a:r>
+          </a:p>
+          <a:p>
+            <a:pPr/>
+            <a:r>
+              <a:t>32. add t6, t0</a:t>
             </a:r>
           </a:p>
         </p:txBody>
@@ -15956,9 +14419,9 @@
         <p:grpSpPr>
           <a:xfrm>
             <a:off x="4833885" y="2547721"/>
-            <a:ext cx="2357455" cy="1744858"/>
+            <a:ext cx="2357457" cy="1744860"/>
             <a:chOff x="0" y="0"/>
-            <a:chExt cx="2357453" cy="1744857"/>
+            <a:chExt cx="2357455" cy="1744858"/>
           </a:xfrm>
         </p:grpSpPr>
         <p:sp>
@@ -15970,7 +14433,7 @@
           <p:spPr>
             <a:xfrm>
               <a:off x="0" y="0"/>
-              <a:ext cx="2357454" cy="1744858"/>
+              <a:ext cx="2357456" cy="1744860"/>
             </a:xfrm>
             <a:prstGeom prst="rightArrow">
               <a:avLst>
@@ -16008,8 +14471,8 @@
           </p:nvSpPr>
           <p:spPr>
             <a:xfrm>
-              <a:off x="12699" y="413785"/>
-              <a:ext cx="2022639" cy="917287"/>
+              <a:off x="12698" y="413785"/>
+              <a:ext cx="2022642" cy="917284"/>
             </a:xfrm>
             <a:prstGeom prst="rect">
               <a:avLst/>
@@ -16077,7 +14540,7 @@
         <p:spPr>
           <a:xfrm>
             <a:off x="838200" y="193961"/>
-            <a:ext cx="10515600" cy="748151"/>
+            <a:ext cx="10515600" cy="748152"/>
           </a:xfrm>
           <a:prstGeom prst="rect">
             <a:avLst/>
@@ -16091,7 +14554,7 @@
           <a:p>
             <a:pPr/>
             <a:r>
-              <a:t>Описание информационной таблицы</a:t>
+              <a:t>B. Описание информационной таблицы</a:t>
             </a:r>
           </a:p>
         </p:txBody>
@@ -16106,8 +14569,8 @@
         </p:nvSpPr>
         <p:spPr>
           <a:xfrm>
-            <a:off x="838200" y="1136071"/>
-            <a:ext cx="10515600" cy="5430987"/>
+            <a:off x="838200" y="1136070"/>
+            <a:ext cx="10515600" cy="5430989"/>
           </a:xfrm>
           <a:prstGeom prst="rect">
             <a:avLst/>
@@ -16117,39 +14580,30 @@
           <a:bodyPr/>
           <a:lstStyle/>
           <a:p>
-            <a:pPr marL="0" indent="0">
-              <a:buSzTx/>
-              <a:buNone/>
+            <a:pPr marL="374315" indent="-374315">
+              <a:buFontTx/>
+              <a:buAutoNum type="arabicPeriod" startAt="1"/>
             </a:pPr>
             <a:r>
-              <a:t>1. Лексический анализатор выбирает лексемы из исходного текста программы и заполняет ими информационные таблицы.</a:t>
-            </a:r>
-          </a:p>
-          <a:p>
-            <a:pPr marL="0" indent="0">
-              <a:buSzTx/>
-              <a:buNone/>
+              <a:t>Таблица содержит информацию об имени, типе, и значении операндов.</a:t>
+            </a:r>
+          </a:p>
+          <a:p>
+            <a:pPr marL="374315" indent="-374315">
+              <a:buFontTx/>
+              <a:buAutoNum type="arabicPeriod" startAt="1"/>
             </a:pPr>
             <a:r>
-              <a:t>2. Таблица содержит информацию об имени, типе, и значении лексем.</a:t>
-            </a:r>
-          </a:p>
-          <a:p>
-            <a:pPr marL="0" indent="0">
-              <a:buSzTx/>
-              <a:buNone/>
+              <a:t>По мере обработки текста операнды добавляются в таблицу, если не были добавлены ранее.</a:t>
+            </a:r>
+          </a:p>
+          <a:p>
+            <a:pPr marL="374315" indent="-374315">
+              <a:buFontTx/>
+              <a:buAutoNum type="arabicPeriod" startAt="1"/>
             </a:pPr>
             <a:r>
-              <a:t>3. По мере обработки текста лексемы добавляются в таблицу, если не были добавлены ранее.</a:t>
-            </a:r>
-          </a:p>
-          <a:p>
-            <a:pPr marL="0" indent="0">
-              <a:buSzTx/>
-              <a:buNone/>
-            </a:pPr>
-            <a:r>
-              <a:t>4. Структурированная в таблицах информация упрощает процесс синтаксического анализа, сокращает объем обрабатываемой информации.</a:t>
+              <a:t>Структурированная в таблицах информация упрощает процесс синтаксического анализа, сокращает объем обрабатываемой информации.</a:t>
             </a:r>
           </a:p>
         </p:txBody>
@@ -16191,7 +14645,7 @@
         <p:spPr>
           <a:xfrm>
             <a:off x="838200" y="193961"/>
-            <a:ext cx="10515600" cy="748151"/>
+            <a:ext cx="10515600" cy="748152"/>
           </a:xfrm>
           <a:prstGeom prst="rect">
             <a:avLst/>
@@ -16205,7 +14659,7 @@
           <a:p>
             <a:pPr/>
             <a:r>
-              <a:t>Описание информационной таблицы</a:t>
+              <a:t>B. Описание информационной таблицы</a:t>
             </a:r>
           </a:p>
         </p:txBody>
@@ -16220,8 +14674,8 @@
         </p:nvSpPr>
         <p:spPr>
           <a:xfrm>
-            <a:off x="838200" y="1136071"/>
-            <a:ext cx="10515600" cy="5430987"/>
+            <a:off x="838200" y="1136070"/>
+            <a:ext cx="10515600" cy="5430989"/>
           </a:xfrm>
           <a:prstGeom prst="rect">
             <a:avLst/>
@@ -16239,7 +14693,12 @@
               <a:t>Будем хранить все числовые константы и идентификаторы  в информационной таблице</a:t>
             </a:r>
             <a:r>
-              <a:rPr b="1"/>
+              <a:rPr b="1">
+                <a:latin typeface="+mj-lt"/>
+                <a:ea typeface="+mj-ea"/>
+                <a:cs typeface="+mj-cs"/>
+                <a:sym typeface="Helvetica"/>
+              </a:rPr>
               <a:t> </a:t>
             </a:r>
             <a:r>
@@ -16266,8 +14725,8 @@
         </p:blipFill>
         <p:spPr>
           <a:xfrm>
-            <a:off x="1703511" y="2204864"/>
-            <a:ext cx="8352219" cy="2841477"/>
+            <a:off x="1703510" y="2204864"/>
+            <a:ext cx="8352220" cy="2841478"/>
           </a:xfrm>
           <a:prstGeom prst="rect">
             <a:avLst/>
@@ -16328,7 +14787,7 @@
           <a:p>
             <a:pPr/>
             <a:r>
-              <a:t>Этап лексического анализа</a:t>
+              <a:t>C. Этап лексического анализа</a:t>
             </a:r>
           </a:p>
         </p:txBody>
@@ -16343,8 +14802,8 @@
         </p:nvSpPr>
         <p:spPr>
           <a:xfrm>
-            <a:off x="838200" y="1874431"/>
-            <a:ext cx="10515600" cy="5638802"/>
+            <a:off x="838200" y="1874430"/>
+            <a:ext cx="10515600" cy="5638803"/>
           </a:xfrm>
           <a:prstGeom prst="rect">
             <a:avLst/>
@@ -16367,26 +14826,41 @@
             <a:r>
               <a:t>арифм.операции</a:t>
             </a:r>
-            <a:endParaRPr b="1"/>
+            <a:endParaRPr b="1">
+              <a:latin typeface="+mj-lt"/>
+              <a:ea typeface="+mj-ea"/>
+              <a:cs typeface="+mj-cs"/>
+              <a:sym typeface="Helvetica"/>
+            </a:endParaRPr>
           </a:p>
           <a:p>
             <a:pPr/>
             <a:r>
               <a:t>идентификаторы переменных (ID)</a:t>
             </a:r>
-            <a:endParaRPr b="1"/>
+            <a:endParaRPr b="1">
+              <a:latin typeface="+mj-lt"/>
+              <a:ea typeface="+mj-ea"/>
+              <a:cs typeface="+mj-cs"/>
+              <a:sym typeface="Helvetica"/>
+            </a:endParaRPr>
           </a:p>
           <a:p>
             <a:pPr/>
             <a:r>
               <a:t>числовые константы (NUM)</a:t>
             </a:r>
-            <a:endParaRPr b="1"/>
-          </a:p>
-          <a:p>
-            <a:pPr/>
-            <a:r>
-              <a:t>Отступы (пробелы, табуляция и перенос строки): « »,  «    », \n.</a:t>
+            <a:endParaRPr b="1">
+              <a:latin typeface="+mj-lt"/>
+              <a:ea typeface="+mj-ea"/>
+              <a:cs typeface="+mj-cs"/>
+              <a:sym typeface="Helvetica"/>
+            </a:endParaRPr>
+          </a:p>
+          <a:p>
+            <a:pPr/>
+            <a:r>
+              <a:t>Отступы (пробелы, табуляция и перенос строки): « »,  «    ».</a:t>
             </a:r>
           </a:p>
         </p:txBody>
@@ -16436,19 +14910,15 @@
         </p:spPr>
         <p:txBody>
           <a:bodyPr anchor="ctr"/>
-          <a:lstStyle/>
-          <a:p>
-            <a:pPr>
+          <a:lstStyle>
+            <a:lvl1pPr>
               <a:defRPr sz="4400"/>
-            </a:pPr>
-            <a:r>
-              <a:t>Идентификаторы переменных</a:t>
-            </a:r>
-            <a:r>
-              <a:t>,</a:t>
-            </a:r>
-            <a:r>
-              <a:t>числовые константы</a:t>
+            </a:lvl1pPr>
+          </a:lstStyle>
+          <a:p>
+            <a:pPr/>
+            <a:r>
+              <a:t>Идентификаторы переменных,числовые константы</a:t>
             </a:r>
           </a:p>
         </p:txBody>
@@ -16461,8 +14931,8 @@
         </p:nvSpPr>
         <p:spPr>
           <a:xfrm>
-            <a:off x="881026" y="3357563"/>
-            <a:ext cx="10515601" cy="1364693"/>
+            <a:off x="881026" y="3357562"/>
+            <a:ext cx="10515601" cy="1427477"/>
           </a:xfrm>
           <a:prstGeom prst="rect">
             <a:avLst/>
@@ -16519,8 +14989,8 @@
         </p:nvSpPr>
         <p:spPr>
           <a:xfrm>
-            <a:off x="881025" y="2143117"/>
-            <a:ext cx="7256522" cy="444757"/>
+            <a:off x="881024" y="2143117"/>
+            <a:ext cx="7866492" cy="530355"/>
           </a:xfrm>
           <a:prstGeom prst="rect">
             <a:avLst/>
@@ -16556,7 +15026,12 @@
               <a:t>идентификаторы переменных (ID):</a:t>
             </a:r>
             <a:r>
-              <a:rPr b="1"/>
+              <a:rPr b="1">
+                <a:latin typeface="+mj-lt"/>
+                <a:ea typeface="+mj-ea"/>
+                <a:cs typeface="+mj-cs"/>
+                <a:sym typeface="Helvetica"/>
+              </a:rPr>
               <a:t> A1, A2, res</a:t>
             </a:r>
           </a:p>
@@ -16570,8 +15045,8 @@
         </p:nvSpPr>
         <p:spPr>
           <a:xfrm>
-            <a:off x="881025" y="2714620"/>
-            <a:ext cx="6104641" cy="444757"/>
+            <a:off x="881025" y="2714619"/>
+            <a:ext cx="6595498" cy="530356"/>
           </a:xfrm>
           <a:prstGeom prst="rect">
             <a:avLst/>
@@ -16607,7 +15082,12 @@
               <a:t>числовые константы (NUM):</a:t>
             </a:r>
             <a:r>
-              <a:rPr b="1"/>
+              <a:rPr b="1">
+                <a:latin typeface="+mj-lt"/>
+                <a:ea typeface="+mj-ea"/>
+                <a:cs typeface="+mj-cs"/>
+                <a:sym typeface="Helvetica"/>
+              </a:rPr>
               <a:t> 1, 2.0, 3.5</a:t>
             </a:r>
           </a:p>
@@ -16679,8 +15159,8 @@
         </p:nvSpPr>
         <p:spPr>
           <a:xfrm>
-            <a:off x="465387" y="1745133"/>
-            <a:ext cx="2502848" cy="2015161"/>
+            <a:off x="465386" y="1745133"/>
+            <a:ext cx="2668491" cy="2070097"/>
           </a:xfrm>
           <a:prstGeom prst="rect">
             <a:avLst/>
@@ -16700,7 +15180,7 @@
           </a:bodyPr>
           <a:lstStyle/>
           <a:p>
-            <a:pPr marL="280735" indent="-280735">
+            <a:pPr marL="280734" indent="-280734">
               <a:lnSpc>
                 <a:spcPct val="90000"/>
               </a:lnSpc>
@@ -16716,7 +15196,7 @@
             </a:r>
           </a:p>
           <a:p>
-            <a:pPr marL="280735" indent="-280735">
+            <a:pPr marL="280734" indent="-280734">
               <a:lnSpc>
                 <a:spcPct val="90000"/>
               </a:lnSpc>
@@ -16732,7 +15212,7 @@
             </a:r>
           </a:p>
           <a:p>
-            <a:pPr marL="280735" indent="-280735">
+            <a:pPr marL="280734" indent="-280734">
               <a:lnSpc>
                 <a:spcPct val="90000"/>
               </a:lnSpc>
@@ -16748,7 +15228,7 @@
             </a:r>
           </a:p>
           <a:p>
-            <a:pPr marL="280735" indent="-280735">
+            <a:pPr marL="280734" indent="-280734">
               <a:lnSpc>
                 <a:spcPct val="90000"/>
               </a:lnSpc>
@@ -16773,8 +15253,8 @@
         </p:nvSpPr>
         <p:spPr>
           <a:xfrm>
-            <a:off x="335461" y="4179864"/>
-            <a:ext cx="11363668" cy="1634161"/>
+            <a:off x="335461" y="4179863"/>
+            <a:ext cx="11363668" cy="2077717"/>
           </a:xfrm>
           <a:prstGeom prst="rect">
             <a:avLst/>

--- a/task3.pptx
+++ b/task3.pptx
@@ -102,9 +102,9 @@
         </a:solidFill>
         <a:effectLst/>
         <a:uFillTx/>
-        <a:latin typeface="+mn-lt"/>
-        <a:ea typeface="+mn-ea"/>
-        <a:cs typeface="+mn-cs"/>
+        <a:latin typeface="+mj-lt"/>
+        <a:ea typeface="+mj-ea"/>
+        <a:cs typeface="+mj-cs"/>
         <a:sym typeface="Calibri"/>
       </a:defRPr>
     </a:lvl1pPr>
@@ -132,9 +132,9 @@
         </a:solidFill>
         <a:effectLst/>
         <a:uFillTx/>
-        <a:latin typeface="+mn-lt"/>
-        <a:ea typeface="+mn-ea"/>
-        <a:cs typeface="+mn-cs"/>
+        <a:latin typeface="+mj-lt"/>
+        <a:ea typeface="+mj-ea"/>
+        <a:cs typeface="+mj-cs"/>
         <a:sym typeface="Calibri"/>
       </a:defRPr>
     </a:lvl2pPr>
@@ -162,9 +162,9 @@
         </a:solidFill>
         <a:effectLst/>
         <a:uFillTx/>
-        <a:latin typeface="+mn-lt"/>
-        <a:ea typeface="+mn-ea"/>
-        <a:cs typeface="+mn-cs"/>
+        <a:latin typeface="+mj-lt"/>
+        <a:ea typeface="+mj-ea"/>
+        <a:cs typeface="+mj-cs"/>
         <a:sym typeface="Calibri"/>
       </a:defRPr>
     </a:lvl3pPr>
@@ -192,9 +192,9 @@
         </a:solidFill>
         <a:effectLst/>
         <a:uFillTx/>
-        <a:latin typeface="+mn-lt"/>
-        <a:ea typeface="+mn-ea"/>
-        <a:cs typeface="+mn-cs"/>
+        <a:latin typeface="+mj-lt"/>
+        <a:ea typeface="+mj-ea"/>
+        <a:cs typeface="+mj-cs"/>
         <a:sym typeface="Calibri"/>
       </a:defRPr>
     </a:lvl4pPr>
@@ -222,9 +222,9 @@
         </a:solidFill>
         <a:effectLst/>
         <a:uFillTx/>
-        <a:latin typeface="+mn-lt"/>
-        <a:ea typeface="+mn-ea"/>
-        <a:cs typeface="+mn-cs"/>
+        <a:latin typeface="+mj-lt"/>
+        <a:ea typeface="+mj-ea"/>
+        <a:cs typeface="+mj-cs"/>
         <a:sym typeface="Calibri"/>
       </a:defRPr>
     </a:lvl5pPr>
@@ -252,9 +252,9 @@
         </a:solidFill>
         <a:effectLst/>
         <a:uFillTx/>
-        <a:latin typeface="+mn-lt"/>
-        <a:ea typeface="+mn-ea"/>
-        <a:cs typeface="+mn-cs"/>
+        <a:latin typeface="+mj-lt"/>
+        <a:ea typeface="+mj-ea"/>
+        <a:cs typeface="+mj-cs"/>
         <a:sym typeface="Calibri"/>
       </a:defRPr>
     </a:lvl6pPr>
@@ -282,9 +282,9 @@
         </a:solidFill>
         <a:effectLst/>
         <a:uFillTx/>
-        <a:latin typeface="+mn-lt"/>
-        <a:ea typeface="+mn-ea"/>
-        <a:cs typeface="+mn-cs"/>
+        <a:latin typeface="+mj-lt"/>
+        <a:ea typeface="+mj-ea"/>
+        <a:cs typeface="+mj-cs"/>
         <a:sym typeface="Calibri"/>
       </a:defRPr>
     </a:lvl7pPr>
@@ -312,9 +312,9 @@
         </a:solidFill>
         <a:effectLst/>
         <a:uFillTx/>
-        <a:latin typeface="+mn-lt"/>
-        <a:ea typeface="+mn-ea"/>
-        <a:cs typeface="+mn-cs"/>
+        <a:latin typeface="+mj-lt"/>
+        <a:ea typeface="+mj-ea"/>
+        <a:cs typeface="+mj-cs"/>
         <a:sym typeface="Calibri"/>
       </a:defRPr>
     </a:lvl8pPr>
@@ -342,9 +342,9 @@
         </a:solidFill>
         <a:effectLst/>
         <a:uFillTx/>
-        <a:latin typeface="+mn-lt"/>
-        <a:ea typeface="+mn-ea"/>
-        <a:cs typeface="+mn-cs"/>
+        <a:latin typeface="+mj-lt"/>
+        <a:ea typeface="+mj-ea"/>
+        <a:cs typeface="+mj-cs"/>
         <a:sym typeface="Calibri"/>
       </a:defRPr>
     </a:lvl9pPr>
@@ -429,73 +429,73 @@
   <p:notesStyle>
     <a:lvl1pPr latinLnBrk="0">
       <a:defRPr sz="1200">
-        <a:latin typeface="+mn-lt"/>
-        <a:ea typeface="+mn-ea"/>
-        <a:cs typeface="+mn-cs"/>
+        <a:latin typeface="+mj-lt"/>
+        <a:ea typeface="+mj-ea"/>
+        <a:cs typeface="+mj-cs"/>
         <a:sym typeface="Calibri"/>
       </a:defRPr>
     </a:lvl1pPr>
     <a:lvl2pPr indent="228600" latinLnBrk="0">
       <a:defRPr sz="1200">
-        <a:latin typeface="+mn-lt"/>
-        <a:ea typeface="+mn-ea"/>
-        <a:cs typeface="+mn-cs"/>
+        <a:latin typeface="+mj-lt"/>
+        <a:ea typeface="+mj-ea"/>
+        <a:cs typeface="+mj-cs"/>
         <a:sym typeface="Calibri"/>
       </a:defRPr>
     </a:lvl2pPr>
     <a:lvl3pPr indent="457200" latinLnBrk="0">
       <a:defRPr sz="1200">
-        <a:latin typeface="+mn-lt"/>
-        <a:ea typeface="+mn-ea"/>
-        <a:cs typeface="+mn-cs"/>
+        <a:latin typeface="+mj-lt"/>
+        <a:ea typeface="+mj-ea"/>
+        <a:cs typeface="+mj-cs"/>
         <a:sym typeface="Calibri"/>
       </a:defRPr>
     </a:lvl3pPr>
     <a:lvl4pPr indent="685800" latinLnBrk="0">
       <a:defRPr sz="1200">
-        <a:latin typeface="+mn-lt"/>
-        <a:ea typeface="+mn-ea"/>
-        <a:cs typeface="+mn-cs"/>
+        <a:latin typeface="+mj-lt"/>
+        <a:ea typeface="+mj-ea"/>
+        <a:cs typeface="+mj-cs"/>
         <a:sym typeface="Calibri"/>
       </a:defRPr>
     </a:lvl4pPr>
     <a:lvl5pPr indent="914400" latinLnBrk="0">
       <a:defRPr sz="1200">
-        <a:latin typeface="+mn-lt"/>
-        <a:ea typeface="+mn-ea"/>
-        <a:cs typeface="+mn-cs"/>
+        <a:latin typeface="+mj-lt"/>
+        <a:ea typeface="+mj-ea"/>
+        <a:cs typeface="+mj-cs"/>
         <a:sym typeface="Calibri"/>
       </a:defRPr>
     </a:lvl5pPr>
     <a:lvl6pPr indent="1143000" latinLnBrk="0">
       <a:defRPr sz="1200">
-        <a:latin typeface="+mn-lt"/>
-        <a:ea typeface="+mn-ea"/>
-        <a:cs typeface="+mn-cs"/>
+        <a:latin typeface="+mj-lt"/>
+        <a:ea typeface="+mj-ea"/>
+        <a:cs typeface="+mj-cs"/>
         <a:sym typeface="Calibri"/>
       </a:defRPr>
     </a:lvl6pPr>
     <a:lvl7pPr indent="1371600" latinLnBrk="0">
       <a:defRPr sz="1200">
-        <a:latin typeface="+mn-lt"/>
-        <a:ea typeface="+mn-ea"/>
-        <a:cs typeface="+mn-cs"/>
+        <a:latin typeface="+mj-lt"/>
+        <a:ea typeface="+mj-ea"/>
+        <a:cs typeface="+mj-cs"/>
         <a:sym typeface="Calibri"/>
       </a:defRPr>
     </a:lvl7pPr>
     <a:lvl8pPr indent="1600200" latinLnBrk="0">
       <a:defRPr sz="1200">
-        <a:latin typeface="+mn-lt"/>
-        <a:ea typeface="+mn-ea"/>
-        <a:cs typeface="+mn-cs"/>
+        <a:latin typeface="+mj-lt"/>
+        <a:ea typeface="+mj-ea"/>
+        <a:cs typeface="+mj-cs"/>
         <a:sym typeface="Calibri"/>
       </a:defRPr>
     </a:lvl8pPr>
     <a:lvl9pPr indent="1828800" latinLnBrk="0">
       <a:defRPr sz="1200">
-        <a:latin typeface="+mn-lt"/>
-        <a:ea typeface="+mn-ea"/>
-        <a:cs typeface="+mn-cs"/>
+        <a:latin typeface="+mj-lt"/>
+        <a:ea typeface="+mj-ea"/>
+        <a:cs typeface="+mj-cs"/>
         <a:sym typeface="Calibri"/>
       </a:defRPr>
     </a:lvl9pPr>
@@ -563,7 +563,7 @@
         <p:spPr>
           <a:xfrm>
             <a:off x="1524000" y="3602037"/>
-            <a:ext cx="9144000" cy="1655766"/>
+            <a:ext cx="9144000" cy="1655767"/>
           </a:xfrm>
           <a:prstGeom prst="rect">
             <a:avLst/>
@@ -764,10 +764,6 @@
           </p:nvPr>
         </p:nvSpPr>
         <p:spPr>
-          <a:xfrm>
-            <a:off x="11095181" y="6414762"/>
-            <a:ext cx="258620" cy="248302"/>
-          </a:xfrm>
           <a:prstGeom prst="rect">
             <a:avLst/>
           </a:prstGeom>
@@ -850,7 +846,7 @@
         <p:spPr>
           <a:xfrm>
             <a:off x="1524000" y="3602037"/>
-            <a:ext cx="9144000" cy="1655765"/>
+            <a:ext cx="9144000" cy="1655766"/>
           </a:xfrm>
           <a:prstGeom prst="rect">
             <a:avLst/>
@@ -931,10 +927,6 @@
           </p:nvPr>
         </p:nvSpPr>
         <p:spPr>
-          <a:xfrm>
-            <a:off x="11095181" y="6414762"/>
-            <a:ext cx="258620" cy="248302"/>
-          </a:xfrm>
           <a:prstGeom prst="rect">
             <a:avLst/>
           </a:prstGeom>
@@ -1137,7 +1129,7 @@
         <p:spPr>
           <a:xfrm>
             <a:off x="831850" y="4589462"/>
-            <a:ext cx="10515600" cy="1500191"/>
+            <a:ext cx="10515600" cy="1500192"/>
           </a:xfrm>
           <a:prstGeom prst="rect">
             <a:avLst/>
@@ -1440,7 +1432,7 @@
         <p:spPr>
           <a:xfrm>
             <a:off x="839787" y="1681163"/>
-            <a:ext cx="5157790" cy="823916"/>
+            <a:ext cx="5157790" cy="823917"/>
           </a:xfrm>
           <a:prstGeom prst="rect">
             <a:avLst/>
@@ -1454,9 +1446,9 @@
               <a:buFontTx/>
               <a:buNone/>
               <a:defRPr b="1" sz="2400">
-                <a:latin typeface="+mj-lt"/>
-                <a:ea typeface="+mj-ea"/>
-                <a:cs typeface="+mj-cs"/>
+                <a:latin typeface="+mn-lt"/>
+                <a:ea typeface="+mn-ea"/>
+                <a:cs typeface="+mn-cs"/>
                 <a:sym typeface="Helvetica"/>
               </a:defRPr>
             </a:lvl1pPr>
@@ -1465,9 +1457,9 @@
               <a:buFontTx/>
               <a:buNone/>
               <a:defRPr b="1" sz="2400">
-                <a:latin typeface="+mj-lt"/>
-                <a:ea typeface="+mj-ea"/>
-                <a:cs typeface="+mj-cs"/>
+                <a:latin typeface="+mn-lt"/>
+                <a:ea typeface="+mn-ea"/>
+                <a:cs typeface="+mn-cs"/>
                 <a:sym typeface="Helvetica"/>
               </a:defRPr>
             </a:lvl2pPr>
@@ -1476,9 +1468,9 @@
               <a:buFontTx/>
               <a:buNone/>
               <a:defRPr b="1" sz="2400">
-                <a:latin typeface="+mj-lt"/>
-                <a:ea typeface="+mj-ea"/>
-                <a:cs typeface="+mj-cs"/>
+                <a:latin typeface="+mn-lt"/>
+                <a:ea typeface="+mn-ea"/>
+                <a:cs typeface="+mn-cs"/>
                 <a:sym typeface="Helvetica"/>
               </a:defRPr>
             </a:lvl3pPr>
@@ -1487,9 +1479,9 @@
               <a:buFontTx/>
               <a:buNone/>
               <a:defRPr b="1" sz="2400">
-                <a:latin typeface="+mj-lt"/>
-                <a:ea typeface="+mj-ea"/>
-                <a:cs typeface="+mj-cs"/>
+                <a:latin typeface="+mn-lt"/>
+                <a:ea typeface="+mn-ea"/>
+                <a:cs typeface="+mn-cs"/>
                 <a:sym typeface="Helvetica"/>
               </a:defRPr>
             </a:lvl4pPr>
@@ -1498,9 +1490,9 @@
               <a:buFontTx/>
               <a:buNone/>
               <a:defRPr b="1" sz="2400">
-                <a:latin typeface="+mj-lt"/>
-                <a:ea typeface="+mj-ea"/>
-                <a:cs typeface="+mj-cs"/>
+                <a:latin typeface="+mn-lt"/>
+                <a:ea typeface="+mn-ea"/>
+                <a:cs typeface="+mn-cs"/>
                 <a:sym typeface="Helvetica"/>
               </a:defRPr>
             </a:lvl5pPr>
@@ -1542,7 +1534,7 @@
           <p:cNvPr id="49" name="Текст 4"/>
           <p:cNvSpPr/>
           <p:nvPr>
-            <p:ph type="body" sz="quarter" idx="13"/>
+            <p:ph type="body" sz="quarter" idx="21"/>
           </p:nvPr>
         </p:nvSpPr>
         <p:spPr>
@@ -1835,13 +1827,13 @@
           <p:cNvPr id="74" name="Текст 3"/>
           <p:cNvSpPr/>
           <p:nvPr>
-            <p:ph type="body" sz="quarter" idx="13"/>
+            <p:ph type="body" sz="quarter" idx="21"/>
           </p:nvPr>
         </p:nvSpPr>
         <p:spPr>
           <a:xfrm>
-            <a:off x="839785" y="2057400"/>
-            <a:ext cx="3932244" cy="3811588"/>
+            <a:off x="839784" y="2057400"/>
+            <a:ext cx="3932246" cy="3811588"/>
           </a:xfrm>
           <a:prstGeom prst="rect">
             <a:avLst/>
@@ -1940,7 +1932,7 @@
           <p:cNvPr id="83" name="Рисунок 2"/>
           <p:cNvSpPr/>
           <p:nvPr>
-            <p:ph type="pic" sz="half" idx="13"/>
+            <p:ph type="pic" sz="half" idx="21"/>
           </p:nvPr>
         </p:nvSpPr>
         <p:spPr>
@@ -2514,9 +2506,9 @@
             <a:srgbClr val="000000"/>
           </a:solidFill>
           <a:uFillTx/>
-          <a:latin typeface="+mn-lt"/>
-          <a:ea typeface="+mn-ea"/>
-          <a:cs typeface="+mn-cs"/>
+          <a:latin typeface="+mj-lt"/>
+          <a:ea typeface="+mj-ea"/>
+          <a:cs typeface="+mj-cs"/>
           <a:sym typeface="Calibri"/>
         </a:defRPr>
       </a:lvl1pPr>
@@ -2540,9 +2532,9 @@
             <a:srgbClr val="000000"/>
           </a:solidFill>
           <a:uFillTx/>
-          <a:latin typeface="+mn-lt"/>
-          <a:ea typeface="+mn-ea"/>
-          <a:cs typeface="+mn-cs"/>
+          <a:latin typeface="+mj-lt"/>
+          <a:ea typeface="+mj-ea"/>
+          <a:cs typeface="+mj-cs"/>
           <a:sym typeface="Calibri"/>
         </a:defRPr>
       </a:lvl2pPr>
@@ -2566,9 +2558,9 @@
             <a:srgbClr val="000000"/>
           </a:solidFill>
           <a:uFillTx/>
-          <a:latin typeface="+mn-lt"/>
-          <a:ea typeface="+mn-ea"/>
-          <a:cs typeface="+mn-cs"/>
+          <a:latin typeface="+mj-lt"/>
+          <a:ea typeface="+mj-ea"/>
+          <a:cs typeface="+mj-cs"/>
           <a:sym typeface="Calibri"/>
         </a:defRPr>
       </a:lvl3pPr>
@@ -2592,9 +2584,9 @@
             <a:srgbClr val="000000"/>
           </a:solidFill>
           <a:uFillTx/>
-          <a:latin typeface="+mn-lt"/>
-          <a:ea typeface="+mn-ea"/>
-          <a:cs typeface="+mn-cs"/>
+          <a:latin typeface="+mj-lt"/>
+          <a:ea typeface="+mj-ea"/>
+          <a:cs typeface="+mj-cs"/>
           <a:sym typeface="Calibri"/>
         </a:defRPr>
       </a:lvl4pPr>
@@ -2618,9 +2610,9 @@
             <a:srgbClr val="000000"/>
           </a:solidFill>
           <a:uFillTx/>
-          <a:latin typeface="+mn-lt"/>
-          <a:ea typeface="+mn-ea"/>
-          <a:cs typeface="+mn-cs"/>
+          <a:latin typeface="+mj-lt"/>
+          <a:ea typeface="+mj-ea"/>
+          <a:cs typeface="+mj-cs"/>
           <a:sym typeface="Calibri"/>
         </a:defRPr>
       </a:lvl5pPr>
@@ -2644,9 +2636,9 @@
             <a:srgbClr val="000000"/>
           </a:solidFill>
           <a:uFillTx/>
-          <a:latin typeface="+mn-lt"/>
-          <a:ea typeface="+mn-ea"/>
-          <a:cs typeface="+mn-cs"/>
+          <a:latin typeface="+mj-lt"/>
+          <a:ea typeface="+mj-ea"/>
+          <a:cs typeface="+mj-cs"/>
           <a:sym typeface="Calibri"/>
         </a:defRPr>
       </a:lvl6pPr>
@@ -2670,9 +2662,9 @@
             <a:srgbClr val="000000"/>
           </a:solidFill>
           <a:uFillTx/>
-          <a:latin typeface="+mn-lt"/>
-          <a:ea typeface="+mn-ea"/>
-          <a:cs typeface="+mn-cs"/>
+          <a:latin typeface="+mj-lt"/>
+          <a:ea typeface="+mj-ea"/>
+          <a:cs typeface="+mj-cs"/>
           <a:sym typeface="Calibri"/>
         </a:defRPr>
       </a:lvl7pPr>
@@ -2696,9 +2688,9 @@
             <a:srgbClr val="000000"/>
           </a:solidFill>
           <a:uFillTx/>
-          <a:latin typeface="+mn-lt"/>
-          <a:ea typeface="+mn-ea"/>
-          <a:cs typeface="+mn-cs"/>
+          <a:latin typeface="+mj-lt"/>
+          <a:ea typeface="+mj-ea"/>
+          <a:cs typeface="+mj-cs"/>
           <a:sym typeface="Calibri"/>
         </a:defRPr>
       </a:lvl8pPr>
@@ -2722,9 +2714,9 @@
             <a:srgbClr val="000000"/>
           </a:solidFill>
           <a:uFillTx/>
-          <a:latin typeface="+mn-lt"/>
-          <a:ea typeface="+mn-ea"/>
-          <a:cs typeface="+mn-cs"/>
+          <a:latin typeface="+mj-lt"/>
+          <a:ea typeface="+mj-ea"/>
+          <a:cs typeface="+mj-cs"/>
           <a:sym typeface="Calibri"/>
         </a:defRPr>
       </a:lvl9pPr>
@@ -3044,9 +3036,9 @@
                 <a:spcPts val="700"/>
               </a:spcBef>
               <a:defRPr i="1" sz="1300">
-                <a:latin typeface="+mj-lt"/>
-                <a:ea typeface="+mj-ea"/>
-                <a:cs typeface="+mj-cs"/>
+                <a:latin typeface="+mn-lt"/>
+                <a:ea typeface="+mn-ea"/>
+                <a:cs typeface="+mn-cs"/>
                 <a:sym typeface="Helvetica"/>
               </a:defRPr>
             </a:pPr>
@@ -3057,9 +3049,9 @@
                 <a:spcPts val="700"/>
               </a:spcBef>
               <a:defRPr i="1" sz="1300">
-                <a:latin typeface="+mj-lt"/>
-                <a:ea typeface="+mj-ea"/>
-                <a:cs typeface="+mj-cs"/>
+                <a:latin typeface="+mn-lt"/>
+                <a:ea typeface="+mn-ea"/>
+                <a:cs typeface="+mn-cs"/>
                 <a:sym typeface="Helvetica"/>
               </a:defRPr>
             </a:pPr>
@@ -3073,9 +3065,9 @@
                 <a:spcPts val="700"/>
               </a:spcBef>
               <a:defRPr i="1" sz="1300">
-                <a:latin typeface="+mj-lt"/>
-                <a:ea typeface="+mj-ea"/>
-                <a:cs typeface="+mj-cs"/>
+                <a:latin typeface="+mn-lt"/>
+                <a:ea typeface="+mn-ea"/>
+                <a:cs typeface="+mn-cs"/>
                 <a:sym typeface="Helvetica"/>
               </a:defRPr>
             </a:pPr>
@@ -3089,9 +3081,9 @@
                 <a:spcPts val="700"/>
               </a:spcBef>
               <a:defRPr i="1" sz="1300">
-                <a:latin typeface="+mj-lt"/>
-                <a:ea typeface="+mj-ea"/>
-                <a:cs typeface="+mj-cs"/>
+                <a:latin typeface="+mn-lt"/>
+                <a:ea typeface="+mn-ea"/>
+                <a:cs typeface="+mn-cs"/>
                 <a:sym typeface="Helvetica"/>
               </a:defRPr>
             </a:pPr>
@@ -3105,9 +3097,9 @@
                 <a:spcPts val="700"/>
               </a:spcBef>
               <a:defRPr i="1" sz="1300">
-                <a:latin typeface="+mj-lt"/>
-                <a:ea typeface="+mj-ea"/>
-                <a:cs typeface="+mj-cs"/>
+                <a:latin typeface="+mn-lt"/>
+                <a:ea typeface="+mn-ea"/>
+                <a:cs typeface="+mn-cs"/>
                 <a:sym typeface="Helvetica"/>
               </a:defRPr>
             </a:pPr>
@@ -3121,9 +3113,9 @@
                 <a:spcPts val="700"/>
               </a:spcBef>
               <a:defRPr i="1" sz="1300">
-                <a:latin typeface="+mj-lt"/>
-                <a:ea typeface="+mj-ea"/>
-                <a:cs typeface="+mj-cs"/>
+                <a:latin typeface="+mn-lt"/>
+                <a:ea typeface="+mn-ea"/>
+                <a:cs typeface="+mn-cs"/>
                 <a:sym typeface="Helvetica"/>
               </a:defRPr>
             </a:pPr>
@@ -3137,9 +3129,9 @@
                 <a:spcPts val="700"/>
               </a:spcBef>
               <a:defRPr i="1" sz="1300">
-                <a:latin typeface="+mj-lt"/>
-                <a:ea typeface="+mj-ea"/>
-                <a:cs typeface="+mj-cs"/>
+                <a:latin typeface="+mn-lt"/>
+                <a:ea typeface="+mn-ea"/>
+                <a:cs typeface="+mn-cs"/>
                 <a:sym typeface="Helvetica"/>
               </a:defRPr>
             </a:pPr>
@@ -3153,9 +3145,9 @@
                 <a:spcPts val="700"/>
               </a:spcBef>
               <a:defRPr i="1" sz="1300">
-                <a:latin typeface="+mj-lt"/>
-                <a:ea typeface="+mj-ea"/>
-                <a:cs typeface="+mj-cs"/>
+                <a:latin typeface="+mn-lt"/>
+                <a:ea typeface="+mn-ea"/>
+                <a:cs typeface="+mn-cs"/>
                 <a:sym typeface="Helvetica"/>
               </a:defRPr>
             </a:pPr>
@@ -3169,9 +3161,9 @@
                 <a:spcPts val="700"/>
               </a:spcBef>
               <a:defRPr i="1" sz="1300">
-                <a:latin typeface="+mj-lt"/>
-                <a:ea typeface="+mj-ea"/>
-                <a:cs typeface="+mj-cs"/>
+                <a:latin typeface="+mn-lt"/>
+                <a:ea typeface="+mn-ea"/>
+                <a:cs typeface="+mn-cs"/>
                 <a:sym typeface="Helvetica"/>
               </a:defRPr>
             </a:pPr>
@@ -3303,7 +3295,7 @@
       </p:grpSpPr>
       <p:sp>
         <p:nvSpPr>
-          <p:cNvPr id="145" name="Отступы"/>
+          <p:cNvPr id="159" name="Отступы"/>
           <p:cNvSpPr txBox="1"/>
           <p:nvPr>
             <p:ph type="title"/>
@@ -3328,21 +3320,21 @@
           <a:p>
             <a:pPr/>
             <a:r>
-              <a:t>Отступы</a:t>
-            </a:r>
-          </a:p>
-        </p:txBody>
-      </p:sp>
-      <p:sp>
-        <p:nvSpPr>
-          <p:cNvPr id="146" name="Пробелы: « »;…"/>
+              <a:t>С. Отступы</a:t>
+            </a:r>
+          </a:p>
+        </p:txBody>
+      </p:sp>
+      <p:sp>
+        <p:nvSpPr>
+          <p:cNvPr id="160" name="Пробелы: « »;…"/>
           <p:cNvSpPr txBox="1"/>
           <p:nvPr/>
         </p:nvSpPr>
         <p:spPr>
           <a:xfrm>
-            <a:off x="293622" y="2059233"/>
-            <a:ext cx="3221987" cy="1038857"/>
+            <a:off x="293621" y="2059233"/>
+            <a:ext cx="2847288" cy="968223"/>
           </a:xfrm>
           <a:prstGeom prst="rect">
             <a:avLst/>
@@ -3400,14 +3392,14 @@
       </p:sp>
       <p:sp>
         <p:nvSpPr>
-          <p:cNvPr id="147" name="Лексический анализатор не вносит лексему символов отступа в таблицу и они не попадают в цепочку."/>
+          <p:cNvPr id="161" name="Лексический анализатор не вносит лексему символов отступа в таблицу и они не попадают в цепочку."/>
           <p:cNvSpPr txBox="1"/>
           <p:nvPr/>
         </p:nvSpPr>
         <p:spPr>
           <a:xfrm>
             <a:off x="458418" y="3921878"/>
-            <a:ext cx="10515601" cy="911857"/>
+            <a:ext cx="10515601" cy="841223"/>
           </a:xfrm>
           <a:prstGeom prst="rect">
             <a:avLst/>
@@ -3472,7 +3464,7 @@
       </p:grpSpPr>
       <p:sp>
         <p:nvSpPr>
-          <p:cNvPr id="149" name="Заголовок 1"/>
+          <p:cNvPr id="163" name="Заголовок 1"/>
           <p:cNvSpPr txBox="1"/>
           <p:nvPr>
             <p:ph type="title"/>
@@ -3490,19 +3482,21 @@
         <p:txBody>
           <a:bodyPr/>
           <a:lstStyle>
-            <a:lvl1pPr algn="ctr"/>
+            <a:lvl1pPr algn="ctr" defTabSz="886968">
+              <a:defRPr sz="4268"/>
+            </a:lvl1pPr>
           </a:lstStyle>
           <a:p>
             <a:pPr/>
             <a:r>
-              <a:t>Пример работы лексического анализатора</a:t>
-            </a:r>
-          </a:p>
-        </p:txBody>
-      </p:sp>
-      <p:sp>
-        <p:nvSpPr>
-          <p:cNvPr id="150" name="Объект 2"/>
+              <a:t>C. Пример работы лексического анализатора</a:t>
+            </a:r>
+          </a:p>
+        </p:txBody>
+      </p:sp>
+      <p:sp>
+        <p:nvSpPr>
+          <p:cNvPr id="164" name="Объект 2"/>
           <p:cNvSpPr txBox="1"/>
           <p:nvPr>
             <p:ph type="body" idx="1"/>
@@ -3511,7 +3505,7 @@
         <p:spPr>
           <a:xfrm>
             <a:off x="838199" y="1311561"/>
-            <a:ext cx="10790385" cy="5246262"/>
+            <a:ext cx="10790385" cy="5246263"/>
           </a:xfrm>
           <a:prstGeom prst="rect">
             <a:avLst/>
@@ -3526,7 +3520,7 @@
               <a:buNone/>
             </a:pPr>
             <a:r>
-              <a:t>Пусть лексич.анализатор уже записал в таблицу переменные: A1, A2, A3, A4, PI и сейчас обработает выражение: </a:t>
+              <a:t>Пусть лексический анализатор уже записал в таблицу переменные: A1, A2, A3, A4, PI и сейчас обработает выражение: </a:t>
             </a:r>
           </a:p>
           <a:p>
@@ -3534,9 +3528,9 @@
               <a:buSzTx/>
               <a:buNone/>
               <a:defRPr b="1">
-                <a:latin typeface="+mj-lt"/>
-                <a:ea typeface="+mj-ea"/>
-                <a:cs typeface="+mj-cs"/>
+                <a:latin typeface="+mn-lt"/>
+                <a:ea typeface="+mn-ea"/>
+                <a:cs typeface="+mn-cs"/>
                 <a:sym typeface="Helvetica"/>
               </a:defRPr>
             </a:pPr>
@@ -3558,9 +3552,9 @@
               <a:buSzTx/>
               <a:buNone/>
               <a:defRPr b="1">
-                <a:latin typeface="+mj-lt"/>
-                <a:ea typeface="+mj-ea"/>
-                <a:cs typeface="+mj-cs"/>
+                <a:latin typeface="+mn-lt"/>
+                <a:ea typeface="+mn-ea"/>
+                <a:cs typeface="+mn-cs"/>
                 <a:sym typeface="Helvetica"/>
               </a:defRPr>
             </a:pPr>
@@ -3570,9 +3564,9 @@
               <a:buSzTx/>
               <a:buNone/>
               <a:defRPr b="1">
-                <a:latin typeface="+mj-lt"/>
-                <a:ea typeface="+mj-ea"/>
-                <a:cs typeface="+mj-cs"/>
+                <a:latin typeface="+mn-lt"/>
+                <a:ea typeface="+mn-ea"/>
+                <a:cs typeface="+mn-cs"/>
                 <a:sym typeface="Helvetica"/>
               </a:defRPr>
             </a:pPr>
@@ -3582,9 +3576,9 @@
               <a:buSzTx/>
               <a:buNone/>
               <a:defRPr b="1">
-                <a:latin typeface="+mj-lt"/>
-                <a:ea typeface="+mj-ea"/>
-                <a:cs typeface="+mj-cs"/>
+                <a:latin typeface="+mn-lt"/>
+                <a:ea typeface="+mn-ea"/>
+                <a:cs typeface="+mn-cs"/>
                 <a:sym typeface="Helvetica"/>
               </a:defRPr>
             </a:pPr>
@@ -3594,9 +3588,9 @@
               <a:buSzTx/>
               <a:buNone/>
               <a:defRPr b="1">
-                <a:latin typeface="+mj-lt"/>
-                <a:ea typeface="+mj-ea"/>
-                <a:cs typeface="+mj-cs"/>
+                <a:latin typeface="+mn-lt"/>
+                <a:ea typeface="+mn-ea"/>
+                <a:cs typeface="+mn-cs"/>
                 <a:sym typeface="Helvetica"/>
               </a:defRPr>
             </a:pPr>
@@ -3614,7 +3608,7 @@
       </p:sp>
       <p:pic>
         <p:nvPicPr>
-          <p:cNvPr id="151" name="Рисунок 4" descr="Рисунок 4"/>
+          <p:cNvPr id="165" name="Рисунок 4" descr="Рисунок 4"/>
           <p:cNvPicPr>
             <a:picLocks noChangeAspect="1"/>
           </p:cNvPicPr>
@@ -3631,7 +3625,7 @@
         <p:spPr>
           <a:xfrm>
             <a:off x="1055830" y="5799030"/>
-            <a:ext cx="9563104" cy="666754"/>
+            <a:ext cx="9563104" cy="666755"/>
           </a:xfrm>
           <a:prstGeom prst="rect">
             <a:avLst/>
@@ -3643,7 +3637,7 @@
       </p:pic>
       <p:pic>
         <p:nvPicPr>
-          <p:cNvPr id="152" name="Рисунок 10" descr="Рисунок 10"/>
+          <p:cNvPr id="166" name="Рисунок 10" descr="Рисунок 10"/>
           <p:cNvPicPr>
             <a:picLocks noChangeAspect="1"/>
           </p:cNvPicPr>
@@ -3698,7 +3692,7 @@
       </p:grpSpPr>
       <p:sp>
         <p:nvSpPr>
-          <p:cNvPr id="154" name="Объект 2"/>
+          <p:cNvPr id="168" name="Объект 2"/>
           <p:cNvSpPr txBox="1"/>
           <p:nvPr>
             <p:ph type="body" idx="1"/>
@@ -3706,8 +3700,8 @@
         </p:nvSpPr>
         <p:spPr>
           <a:xfrm>
-            <a:off x="838200" y="145327"/>
-            <a:ext cx="10515600" cy="6384063"/>
+            <a:off x="838200" y="145326"/>
+            <a:ext cx="10515600" cy="6384065"/>
           </a:xfrm>
           <a:prstGeom prst="rect">
             <a:avLst/>
@@ -3771,7 +3765,7 @@
       </p:sp>
       <p:pic>
         <p:nvPicPr>
-          <p:cNvPr id="155" name="Рисунок 7" descr="Рисунок 7"/>
+          <p:cNvPr id="169" name="Рисунок 7" descr="Рисунок 7"/>
           <p:cNvPicPr>
             <a:picLocks noChangeAspect="1"/>
           </p:cNvPicPr>
@@ -3800,7 +3794,7 @@
       </p:pic>
       <p:pic>
         <p:nvPicPr>
-          <p:cNvPr id="156" name="Рисунок 9" descr="Рисунок 9"/>
+          <p:cNvPr id="170" name="Рисунок 9" descr="Рисунок 9"/>
           <p:cNvPicPr>
             <a:picLocks noChangeAspect="1"/>
           </p:cNvPicPr>
@@ -3855,7 +3849,7 @@
       </p:grpSpPr>
       <p:sp>
         <p:nvSpPr>
-          <p:cNvPr id="158" name="Заголовок 1"/>
+          <p:cNvPr id="172" name="Заголовок 1"/>
           <p:cNvSpPr txBox="1"/>
           <p:nvPr>
             <p:ph type="title"/>
@@ -3864,7 +3858,7 @@
         <p:spPr>
           <a:xfrm>
             <a:off x="838200" y="193961"/>
-            <a:ext cx="10515600" cy="748152"/>
+            <a:ext cx="10515600" cy="748153"/>
           </a:xfrm>
           <a:prstGeom prst="rect">
             <a:avLst/>
@@ -3878,14 +3872,14 @@
           <a:p>
             <a:pPr/>
             <a:r>
-              <a:t>Описание информационной таблицы</a:t>
+              <a:t>C. Описание информационной таблицы</a:t>
             </a:r>
           </a:p>
         </p:txBody>
       </p:sp>
       <p:pic>
         <p:nvPicPr>
-          <p:cNvPr id="159" name="Рисунок 1" descr="Рисунок 1"/>
+          <p:cNvPr id="173" name="Рисунок 1" descr="Рисунок 1"/>
           <p:cNvPicPr>
             <a:picLocks noChangeAspect="1"/>
           </p:cNvPicPr>
@@ -3901,7 +3895,7 @@
         </p:blipFill>
         <p:spPr>
           <a:xfrm>
-            <a:off x="3071664" y="942111"/>
+            <a:off x="3248024" y="942111"/>
             <a:ext cx="5695952" cy="5781677"/>
           </a:xfrm>
           <a:prstGeom prst="rect">
@@ -3940,7 +3934,7 @@
       </p:grpSpPr>
       <p:sp>
         <p:nvSpPr>
-          <p:cNvPr id="161" name="Заголовок 1"/>
+          <p:cNvPr id="175" name="Заголовок 1"/>
           <p:cNvSpPr txBox="1"/>
           <p:nvPr>
             <p:ph type="title"/>
@@ -3948,8 +3942,8 @@
         </p:nvSpPr>
         <p:spPr>
           <a:xfrm>
-            <a:off x="838200" y="217340"/>
-            <a:ext cx="10515600" cy="724773"/>
+            <a:off x="838200" y="217339"/>
+            <a:ext cx="10515600" cy="724775"/>
           </a:xfrm>
           <a:prstGeom prst="rect">
             <a:avLst/>
@@ -3970,7 +3964,7 @@
       </p:sp>
       <p:sp>
         <p:nvSpPr>
-          <p:cNvPr id="162" name="Объект 2"/>
+          <p:cNvPr id="176" name="Объект 2"/>
           <p:cNvSpPr txBox="1"/>
           <p:nvPr>
             <p:ph type="body" idx="1"/>
@@ -3978,8 +3972,8 @@
         </p:nvSpPr>
         <p:spPr>
           <a:xfrm>
-            <a:off x="180105" y="1163780"/>
-            <a:ext cx="11831789" cy="5338622"/>
+            <a:off x="180104" y="1163780"/>
+            <a:ext cx="11831791" cy="5338622"/>
           </a:xfrm>
           <a:prstGeom prst="rect">
             <a:avLst/>
@@ -4027,15 +4021,15 @@
             </a:r>
             <a:r>
               <a:rPr b="1">
-                <a:latin typeface="+mj-lt"/>
-                <a:ea typeface="+mj-ea"/>
-                <a:cs typeface="+mj-cs"/>
+                <a:latin typeface="+mn-lt"/>
+                <a:ea typeface="+mn-ea"/>
+                <a:cs typeface="+mn-cs"/>
                 <a:sym typeface="Helvetica"/>
               </a:rPr>
               <a:t> </a:t>
             </a:r>
             <a:r>
-              <a:t> ID			</a:t>
+              <a:t> ID		         </a:t>
             </a:r>
             <a:r>
               <a:rPr>
@@ -4057,7 +4051,7 @@
               </a:defRPr>
             </a:pPr>
             <a:r>
-              <a:t>	| NUM			</a:t>
+              <a:t>	| NUM		        </a:t>
             </a:r>
             <a:r>
               <a:rPr>
@@ -4079,7 +4073,7 @@
               </a:defRPr>
             </a:pPr>
             <a:r>
-              <a:t>	| (&lt;expr&gt;)			</a:t>
+              <a:t>	| (&lt;expr&gt;)		        </a:t>
             </a:r>
             <a:r>
               <a:rPr>
@@ -4101,7 +4095,7 @@
               </a:defRPr>
             </a:pPr>
             <a:r>
-              <a:t>	| &lt;expr&gt; &lt;op&gt; &lt;expr&gt;	</a:t>
+              <a:t>	| ID &lt;op&gt; &lt;expr&gt;	        </a:t>
             </a:r>
             <a:r>
               <a:rPr>
@@ -4109,7 +4103,47 @@
                   <a:srgbClr val="808080"/>
                 </a:solidFill>
               </a:rPr>
-              <a:t>// операция между двумя выражениями</a:t>
+              <a:t>// имя переменной и операция с выражением  </a:t>
+            </a:r>
+            <a:endParaRPr>
+              <a:solidFill>
+                <a:srgbClr val="808080"/>
+              </a:solidFill>
+            </a:endParaRPr>
+          </a:p>
+          <a:p>
+            <a:pPr marL="0" indent="0">
+              <a:buSzTx/>
+              <a:buNone/>
+              <a:defRPr>
+                <a:solidFill>
+                  <a:srgbClr val="333333"/>
+                </a:solidFill>
+              </a:defRPr>
+            </a:pPr>
+            <a:r>
+              <a:rPr>
+                <a:solidFill>
+                  <a:srgbClr val="808080"/>
+                </a:solidFill>
+              </a:rPr>
+              <a:t>	</a:t>
+            </a:r>
+            <a:r>
+              <a:rPr>
+                <a:solidFill>
+                  <a:srgbClr val="000000"/>
+                </a:solidFill>
+              </a:rPr>
+              <a:t>| NUM &lt;op&gt; &lt;expr&gt;      </a:t>
+            </a:r>
+            <a:r>
+              <a:rPr>
+                <a:solidFill>
+                  <a:srgbClr val="808080"/>
+                </a:solidFill>
+              </a:rPr>
+              <a:t>// числовая константа и операция с выражением  </a:t>
             </a:r>
           </a:p>
           <a:p>
@@ -4147,15 +4181,15 @@
             </a:r>
             <a:r>
               <a:rPr b="1">
-                <a:latin typeface="+mj-lt"/>
-                <a:ea typeface="+mj-ea"/>
-                <a:cs typeface="+mj-cs"/>
+                <a:latin typeface="+mn-lt"/>
+                <a:ea typeface="+mn-ea"/>
+                <a:cs typeface="+mn-cs"/>
                 <a:sym typeface="Helvetica"/>
               </a:rPr>
               <a:t> </a:t>
             </a:r>
             <a:r>
-              <a:t>+ | - | * | / | ^		</a:t>
+              <a:t>+ | - | * | / | ^	       </a:t>
             </a:r>
             <a:r>
               <a:rPr>
@@ -4196,7 +4230,7 @@
       </p:grpSpPr>
       <p:sp>
         <p:nvSpPr>
-          <p:cNvPr id="164" name="Заголовок 1"/>
+          <p:cNvPr id="178" name="Заголовок 1"/>
           <p:cNvSpPr txBox="1"/>
           <p:nvPr>
             <p:ph type="title"/>
@@ -4219,14 +4253,14 @@
           <a:p>
             <a:pPr/>
             <a:r>
-              <a:t>Принцип построения дерева</a:t>
-            </a:r>
-          </a:p>
-        </p:txBody>
-      </p:sp>
-      <p:sp>
-        <p:nvSpPr>
-          <p:cNvPr id="165" name="Текст 2"/>
+              <a:t>D. Принцип построения дерева</a:t>
+            </a:r>
+          </a:p>
+        </p:txBody>
+      </p:sp>
+      <p:sp>
+        <p:nvSpPr>
+          <p:cNvPr id="179" name="Текст 2"/>
           <p:cNvSpPr txBox="1"/>
           <p:nvPr>
             <p:ph type="body" idx="1"/>
@@ -4280,7 +4314,7 @@
       </p:grpSpPr>
       <p:sp>
         <p:nvSpPr>
-          <p:cNvPr id="167" name="Заголовок 1"/>
+          <p:cNvPr id="181" name="Заголовок 1"/>
           <p:cNvSpPr txBox="1"/>
           <p:nvPr>
             <p:ph type="title"/>
@@ -4303,14 +4337,14 @@
           <a:p>
             <a:pPr/>
             <a:r>
-              <a:t>Построение дерева поэтапно</a:t>
+              <a:t>D. Построение дерева поэтапно</a:t>
             </a:r>
           </a:p>
         </p:txBody>
       </p:sp>
       <p:pic>
         <p:nvPicPr>
-          <p:cNvPr id="168" name="Объект 3" descr="Объект 3"/>
+          <p:cNvPr id="182" name="Объект 3" descr="Объект 3"/>
           <p:cNvPicPr>
             <a:picLocks noChangeAspect="1"/>
           </p:cNvPicPr>
@@ -4339,14 +4373,14 @@
       </p:pic>
       <p:sp>
         <p:nvSpPr>
-          <p:cNvPr id="169" name="Прямая со стрелкой 5"/>
+          <p:cNvPr id="183" name="Прямая со стрелкой 5"/>
           <p:cNvSpPr/>
           <p:nvPr/>
         </p:nvSpPr>
         <p:spPr>
           <a:xfrm flipH="1">
-            <a:off x="439946" y="759121"/>
-            <a:ext cx="4" cy="690119"/>
+            <a:off x="439946" y="759120"/>
+            <a:ext cx="5" cy="690121"/>
           </a:xfrm>
           <a:prstGeom prst="line">
             <a:avLst/>
@@ -4369,7 +4403,7 @@
       </p:sp>
       <p:pic>
         <p:nvPicPr>
-          <p:cNvPr id="170" name="Рисунок 9" descr="Рисунок 9"/>
+          <p:cNvPr id="184" name="Рисунок 9" descr="Рисунок 9"/>
           <p:cNvPicPr>
             <a:picLocks noChangeAspect="1"/>
           </p:cNvPicPr>
@@ -4387,6 +4421,87 @@
           <a:xfrm>
             <a:off x="4649825" y="2863968"/>
             <a:ext cx="2191826" cy="3062379"/>
+          </a:xfrm>
+          <a:prstGeom prst="rect">
+            <a:avLst/>
+          </a:prstGeom>
+          <a:ln w="12700">
+            <a:miter lim="400000"/>
+          </a:ln>
+        </p:spPr>
+      </p:pic>
+      <p:sp>
+        <p:nvSpPr>
+          <p:cNvPr id="185" name="2*A1*A3 + 1/2*PI/A2"/>
+          <p:cNvSpPr txBox="1"/>
+          <p:nvPr/>
+        </p:nvSpPr>
+        <p:spPr>
+          <a:xfrm>
+            <a:off x="8684555" y="1554482"/>
+            <a:ext cx="2823890" cy="447037"/>
+          </a:xfrm>
+          <a:prstGeom prst="rect">
+            <a:avLst/>
+          </a:prstGeom>
+          <a:ln w="12700">
+            <a:miter lim="400000"/>
+          </a:ln>
+          <a:extLst>
+            <a:ext uri="{C572A759-6A51-4108-AA02-DFA0A04FC94B}">
+              <ma14:wrappingTextBoxFlag xmlns:ma14="http://schemas.microsoft.com/office/mac/drawingml/2011/main" val="1"/>
+            </a:ext>
+          </a:extLst>
+        </p:spPr>
+        <p:txBody>
+          <a:bodyPr wrap="none" lIns="45718" tIns="45718" rIns="45718" bIns="45718">
+            <a:spAutoFit/>
+          </a:bodyPr>
+          <a:lstStyle>
+            <a:lvl1pPr>
+              <a:lnSpc>
+                <a:spcPct val="81000"/>
+              </a:lnSpc>
+              <a:spcBef>
+                <a:spcPts val="1000"/>
+              </a:spcBef>
+              <a:buFont typeface="Arial"/>
+              <a:defRPr b="1" sz="2300">
+                <a:latin typeface="+mn-lt"/>
+                <a:ea typeface="+mn-ea"/>
+                <a:cs typeface="+mn-cs"/>
+                <a:sym typeface="Helvetica"/>
+              </a:defRPr>
+            </a:lvl1pPr>
+          </a:lstStyle>
+          <a:p>
+            <a:pPr/>
+            <a:r>
+              <a:t>2*A1*A3 + 1/2*PI/A2</a:t>
+            </a:r>
+          </a:p>
+        </p:txBody>
+      </p:sp>
+      <p:pic>
+        <p:nvPicPr>
+          <p:cNvPr id="186" name="Рисунок 1" descr="Рисунок 1"/>
+          <p:cNvPicPr>
+            <a:picLocks noChangeAspect="1"/>
+          </p:cNvPicPr>
+          <p:nvPr/>
+        </p:nvPicPr>
+        <p:blipFill>
+          <a:blip r:embed="rId4">
+            <a:extLst/>
+          </a:blip>
+          <a:stretch>
+            <a:fillRect/>
+          </a:stretch>
+        </p:blipFill>
+        <p:spPr>
+          <a:xfrm>
+            <a:off x="8543924" y="2056868"/>
+            <a:ext cx="2955696" cy="3000179"/>
           </a:xfrm>
           <a:prstGeom prst="rect">
             <a:avLst/>
@@ -4424,7 +4539,7 @@
       </p:grpSpPr>
       <p:sp>
         <p:nvSpPr>
-          <p:cNvPr id="172" name="Заголовок 1"/>
+          <p:cNvPr id="188" name="Заголовок 1"/>
           <p:cNvSpPr txBox="1"/>
           <p:nvPr>
             <p:ph type="title"/>
@@ -4447,14 +4562,14 @@
           <a:p>
             <a:pPr/>
             <a:r>
-              <a:t>Построение дерева поэтапно</a:t>
+              <a:t>D. Построение дерева поэтапно</a:t>
             </a:r>
           </a:p>
         </p:txBody>
       </p:sp>
       <p:pic>
         <p:nvPicPr>
-          <p:cNvPr id="173" name="Объект 3" descr="Объект 3"/>
+          <p:cNvPr id="189" name="Объект 3" descr="Объект 3"/>
           <p:cNvPicPr>
             <a:picLocks noChangeAspect="1"/>
           </p:cNvPicPr>
@@ -4483,14 +4598,14 @@
       </p:pic>
       <p:sp>
         <p:nvSpPr>
-          <p:cNvPr id="174" name="Прямая со стрелкой 5"/>
+          <p:cNvPr id="190" name="Прямая со стрелкой 5"/>
           <p:cNvSpPr/>
           <p:nvPr/>
         </p:nvSpPr>
         <p:spPr>
           <a:xfrm flipH="1">
             <a:off x="974784" y="750497"/>
-            <a:ext cx="4" cy="690118"/>
+            <a:ext cx="5" cy="690119"/>
           </a:xfrm>
           <a:prstGeom prst="line">
             <a:avLst/>
@@ -4513,7 +4628,7 @@
       </p:sp>
       <p:pic>
         <p:nvPicPr>
-          <p:cNvPr id="175" name="Рисунок 8" descr="Рисунок 8"/>
+          <p:cNvPr id="191" name="Рисунок 8" descr="Рисунок 8"/>
           <p:cNvPicPr>
             <a:picLocks noChangeAspect="1"/>
           </p:cNvPicPr>
@@ -4531,6 +4646,87 @@
           <a:xfrm>
             <a:off x="3266897" y="2380888"/>
             <a:ext cx="3605849" cy="4241849"/>
+          </a:xfrm>
+          <a:prstGeom prst="rect">
+            <a:avLst/>
+          </a:prstGeom>
+          <a:ln w="12700">
+            <a:miter lim="400000"/>
+          </a:ln>
+        </p:spPr>
+      </p:pic>
+      <p:sp>
+        <p:nvSpPr>
+          <p:cNvPr id="192" name="2*A1*A3 + 1/2*PI/A2"/>
+          <p:cNvSpPr txBox="1"/>
+          <p:nvPr/>
+        </p:nvSpPr>
+        <p:spPr>
+          <a:xfrm>
+            <a:off x="8684555" y="1554482"/>
+            <a:ext cx="2823890" cy="447037"/>
+          </a:xfrm>
+          <a:prstGeom prst="rect">
+            <a:avLst/>
+          </a:prstGeom>
+          <a:ln w="12700">
+            <a:miter lim="400000"/>
+          </a:ln>
+          <a:extLst>
+            <a:ext uri="{C572A759-6A51-4108-AA02-DFA0A04FC94B}">
+              <ma14:wrappingTextBoxFlag xmlns:ma14="http://schemas.microsoft.com/office/mac/drawingml/2011/main" val="1"/>
+            </a:ext>
+          </a:extLst>
+        </p:spPr>
+        <p:txBody>
+          <a:bodyPr wrap="none" lIns="45718" tIns="45718" rIns="45718" bIns="45718">
+            <a:spAutoFit/>
+          </a:bodyPr>
+          <a:lstStyle>
+            <a:lvl1pPr>
+              <a:lnSpc>
+                <a:spcPct val="81000"/>
+              </a:lnSpc>
+              <a:spcBef>
+                <a:spcPts val="1000"/>
+              </a:spcBef>
+              <a:buFont typeface="Arial"/>
+              <a:defRPr b="1" sz="2300">
+                <a:latin typeface="+mn-lt"/>
+                <a:ea typeface="+mn-ea"/>
+                <a:cs typeface="+mn-cs"/>
+                <a:sym typeface="Helvetica"/>
+              </a:defRPr>
+            </a:lvl1pPr>
+          </a:lstStyle>
+          <a:p>
+            <a:pPr/>
+            <a:r>
+              <a:t>2*A1*A3 + 1/2*PI/A2</a:t>
+            </a:r>
+          </a:p>
+        </p:txBody>
+      </p:sp>
+      <p:pic>
+        <p:nvPicPr>
+          <p:cNvPr id="193" name="Рисунок 1" descr="Рисунок 1"/>
+          <p:cNvPicPr>
+            <a:picLocks noChangeAspect="1"/>
+          </p:cNvPicPr>
+          <p:nvPr/>
+        </p:nvPicPr>
+        <p:blipFill>
+          <a:blip r:embed="rId4">
+            <a:extLst/>
+          </a:blip>
+          <a:stretch>
+            <a:fillRect/>
+          </a:stretch>
+        </p:blipFill>
+        <p:spPr>
+          <a:xfrm>
+            <a:off x="8543924" y="2056868"/>
+            <a:ext cx="2955696" cy="3000179"/>
           </a:xfrm>
           <a:prstGeom prst="rect">
             <a:avLst/>
@@ -4568,7 +4764,7 @@
       </p:grpSpPr>
       <p:sp>
         <p:nvSpPr>
-          <p:cNvPr id="177" name="Заголовок 1"/>
+          <p:cNvPr id="195" name="Заголовок 1"/>
           <p:cNvSpPr txBox="1"/>
           <p:nvPr>
             <p:ph type="title"/>
@@ -4598,7 +4794,7 @@
       </p:sp>
       <p:pic>
         <p:nvPicPr>
-          <p:cNvPr id="178" name="Объект 3" descr="Объект 3"/>
+          <p:cNvPr id="196" name="Объект 3" descr="Объект 3"/>
           <p:cNvPicPr>
             <a:picLocks noChangeAspect="1"/>
           </p:cNvPicPr>
@@ -4627,14 +4823,14 @@
       </p:pic>
       <p:sp>
         <p:nvSpPr>
-          <p:cNvPr id="179" name="Прямая со стрелкой 5"/>
+          <p:cNvPr id="197" name="Прямая со стрелкой 5"/>
           <p:cNvSpPr/>
           <p:nvPr/>
         </p:nvSpPr>
         <p:spPr>
           <a:xfrm flipH="1">
-            <a:off x="1362973" y="741868"/>
-            <a:ext cx="4" cy="690119"/>
+            <a:off x="1362973" y="741867"/>
+            <a:ext cx="5" cy="690120"/>
           </a:xfrm>
           <a:prstGeom prst="line">
             <a:avLst/>
@@ -4657,7 +4853,7 @@
       </p:sp>
       <p:pic>
         <p:nvPicPr>
-          <p:cNvPr id="180" name="Рисунок 7" descr="Рисунок 7"/>
+          <p:cNvPr id="198" name="Рисунок 7" descr="Рисунок 7"/>
           <p:cNvPicPr>
             <a:picLocks noChangeAspect="1"/>
           </p:cNvPicPr>
@@ -4675,6 +4871,87 @@
           <a:xfrm>
             <a:off x="2796027" y="2230438"/>
             <a:ext cx="5999778" cy="4627563"/>
+          </a:xfrm>
+          <a:prstGeom prst="rect">
+            <a:avLst/>
+          </a:prstGeom>
+          <a:ln w="12700">
+            <a:miter lim="400000"/>
+          </a:ln>
+        </p:spPr>
+      </p:pic>
+      <p:sp>
+        <p:nvSpPr>
+          <p:cNvPr id="199" name="2*A1*A3 + 1/2*PI/A2"/>
+          <p:cNvSpPr txBox="1"/>
+          <p:nvPr/>
+        </p:nvSpPr>
+        <p:spPr>
+          <a:xfrm>
+            <a:off x="9230655" y="1465582"/>
+            <a:ext cx="2823890" cy="447037"/>
+          </a:xfrm>
+          <a:prstGeom prst="rect">
+            <a:avLst/>
+          </a:prstGeom>
+          <a:ln w="12700">
+            <a:miter lim="400000"/>
+          </a:ln>
+          <a:extLst>
+            <a:ext uri="{C572A759-6A51-4108-AA02-DFA0A04FC94B}">
+              <ma14:wrappingTextBoxFlag xmlns:ma14="http://schemas.microsoft.com/office/mac/drawingml/2011/main" val="1"/>
+            </a:ext>
+          </a:extLst>
+        </p:spPr>
+        <p:txBody>
+          <a:bodyPr wrap="none" lIns="45718" tIns="45718" rIns="45718" bIns="45718">
+            <a:spAutoFit/>
+          </a:bodyPr>
+          <a:lstStyle>
+            <a:lvl1pPr>
+              <a:lnSpc>
+                <a:spcPct val="81000"/>
+              </a:lnSpc>
+              <a:spcBef>
+                <a:spcPts val="1000"/>
+              </a:spcBef>
+              <a:buFont typeface="Arial"/>
+              <a:defRPr b="1" sz="2300">
+                <a:latin typeface="+mn-lt"/>
+                <a:ea typeface="+mn-ea"/>
+                <a:cs typeface="+mn-cs"/>
+                <a:sym typeface="Helvetica"/>
+              </a:defRPr>
+            </a:lvl1pPr>
+          </a:lstStyle>
+          <a:p>
+            <a:pPr/>
+            <a:r>
+              <a:t>2*A1*A3 + 1/2*PI/A2</a:t>
+            </a:r>
+          </a:p>
+        </p:txBody>
+      </p:sp>
+      <p:pic>
+        <p:nvPicPr>
+          <p:cNvPr id="200" name="Рисунок 9" descr="Рисунок 9"/>
+          <p:cNvPicPr>
+            <a:picLocks noChangeAspect="1"/>
+          </p:cNvPicPr>
+          <p:nvPr/>
+        </p:nvPicPr>
+        <p:blipFill>
+          <a:blip r:embed="rId4">
+            <a:extLst/>
+          </a:blip>
+          <a:stretch>
+            <a:fillRect/>
+          </a:stretch>
+        </p:blipFill>
+        <p:spPr>
+          <a:xfrm>
+            <a:off x="8916241" y="2141536"/>
+            <a:ext cx="3148759" cy="4183352"/>
           </a:xfrm>
           <a:prstGeom prst="rect">
             <a:avLst/>
@@ -4712,7 +4989,7 @@
       </p:grpSpPr>
       <p:sp>
         <p:nvSpPr>
-          <p:cNvPr id="182" name="Заголовок 1"/>
+          <p:cNvPr id="202" name="Заголовок 1"/>
           <p:cNvSpPr txBox="1"/>
           <p:nvPr>
             <p:ph type="title"/>
@@ -4742,7 +5019,7 @@
       </p:sp>
       <p:pic>
         <p:nvPicPr>
-          <p:cNvPr id="183" name="Объект 3" descr="Объект 3"/>
+          <p:cNvPr id="203" name="Объект 3" descr="Объект 3"/>
           <p:cNvPicPr>
             <a:picLocks noChangeAspect="1"/>
           </p:cNvPicPr>
@@ -4771,14 +5048,14 @@
       </p:pic>
       <p:sp>
         <p:nvSpPr>
-          <p:cNvPr id="184" name="Прямая со стрелкой 5"/>
+          <p:cNvPr id="204" name="Прямая со стрелкой 5"/>
           <p:cNvSpPr/>
           <p:nvPr/>
         </p:nvSpPr>
         <p:spPr>
           <a:xfrm>
-            <a:off x="1854680" y="741868"/>
-            <a:ext cx="4" cy="690119"/>
+            <a:off x="1854680" y="741867"/>
+            <a:ext cx="5" cy="690120"/>
           </a:xfrm>
           <a:prstGeom prst="line">
             <a:avLst/>
@@ -4801,7 +5078,7 @@
       </p:sp>
       <p:pic>
         <p:nvPicPr>
-          <p:cNvPr id="185" name="Рисунок 6" descr="Рисунок 6"/>
+          <p:cNvPr id="205" name="Рисунок 6" descr="Рисунок 6"/>
           <p:cNvPicPr>
             <a:picLocks noChangeAspect="1"/>
           </p:cNvPicPr>
@@ -4819,6 +5096,87 @@
           <a:xfrm>
             <a:off x="2398553" y="2230438"/>
             <a:ext cx="5514346" cy="4569522"/>
+          </a:xfrm>
+          <a:prstGeom prst="rect">
+            <a:avLst/>
+          </a:prstGeom>
+          <a:ln w="12700">
+            <a:miter lim="400000"/>
+          </a:ln>
+        </p:spPr>
+      </p:pic>
+      <p:sp>
+        <p:nvSpPr>
+          <p:cNvPr id="206" name="2*A1*A3 + 1/2*PI/A2"/>
+          <p:cNvSpPr txBox="1"/>
+          <p:nvPr/>
+        </p:nvSpPr>
+        <p:spPr>
+          <a:xfrm>
+            <a:off x="8684555" y="1554482"/>
+            <a:ext cx="2823890" cy="447037"/>
+          </a:xfrm>
+          <a:prstGeom prst="rect">
+            <a:avLst/>
+          </a:prstGeom>
+          <a:ln w="12700">
+            <a:miter lim="400000"/>
+          </a:ln>
+          <a:extLst>
+            <a:ext uri="{C572A759-6A51-4108-AA02-DFA0A04FC94B}">
+              <ma14:wrappingTextBoxFlag xmlns:ma14="http://schemas.microsoft.com/office/mac/drawingml/2011/main" val="1"/>
+            </a:ext>
+          </a:extLst>
+        </p:spPr>
+        <p:txBody>
+          <a:bodyPr wrap="none" lIns="45718" tIns="45718" rIns="45718" bIns="45718">
+            <a:spAutoFit/>
+          </a:bodyPr>
+          <a:lstStyle>
+            <a:lvl1pPr>
+              <a:lnSpc>
+                <a:spcPct val="81000"/>
+              </a:lnSpc>
+              <a:spcBef>
+                <a:spcPts val="1000"/>
+              </a:spcBef>
+              <a:buFont typeface="Arial"/>
+              <a:defRPr b="1" sz="2300">
+                <a:latin typeface="+mn-lt"/>
+                <a:ea typeface="+mn-ea"/>
+                <a:cs typeface="+mn-cs"/>
+                <a:sym typeface="Helvetica"/>
+              </a:defRPr>
+            </a:lvl1pPr>
+          </a:lstStyle>
+          <a:p>
+            <a:pPr/>
+            <a:r>
+              <a:t>2*A1*A3 + 1/2*PI/A2</a:t>
+            </a:r>
+          </a:p>
+        </p:txBody>
+      </p:sp>
+      <p:pic>
+        <p:nvPicPr>
+          <p:cNvPr id="207" name="Рисунок 9" descr="Рисунок 9"/>
+          <p:cNvPicPr>
+            <a:picLocks noChangeAspect="1"/>
+          </p:cNvPicPr>
+          <p:nvPr/>
+        </p:nvPicPr>
+        <p:blipFill>
+          <a:blip r:embed="rId4">
+            <a:extLst/>
+          </a:blip>
+          <a:stretch>
+            <a:fillRect/>
+          </a:stretch>
+        </p:blipFill>
+        <p:spPr>
+          <a:xfrm>
+            <a:off x="8370141" y="2230436"/>
+            <a:ext cx="3148759" cy="4183352"/>
           </a:xfrm>
           <a:prstGeom prst="rect">
             <a:avLst/>
@@ -4912,9 +5270,9 @@
               <a:buSzTx/>
               <a:buNone/>
               <a:defRPr b="1" sz="2300">
-                <a:latin typeface="+mj-lt"/>
-                <a:ea typeface="+mj-ea"/>
-                <a:cs typeface="+mj-cs"/>
+                <a:latin typeface="+mn-lt"/>
+                <a:ea typeface="+mn-ea"/>
+                <a:cs typeface="+mn-cs"/>
                 <a:sym typeface="Helvetica"/>
               </a:defRPr>
             </a:pPr>
@@ -4932,11 +5290,11 @@
               <a:defRPr sz="2300"/>
             </a:pPr>
             <a:r>
-              <a:t>Разобрать задачу трансляции арифм. выражений в псевдо-машинный код.</a:t>
-            </a:r>
-          </a:p>
-          <a:p>
-            <a:pPr marL="384342" indent="-384342">
+              <a:t>Разобрать задачу трансляции арифметических выражений в псевдо-машинный код.</a:t>
+            </a:r>
+          </a:p>
+          <a:p>
+            <a:pPr marL="384341" indent="-384341">
               <a:lnSpc>
                 <a:spcPct val="81000"/>
               </a:lnSpc>
@@ -4949,7 +5307,7 @@
             </a:r>
           </a:p>
           <a:p>
-            <a:pPr marL="384342" indent="-384342">
+            <a:pPr marL="384341" indent="-384341">
               <a:lnSpc>
                 <a:spcPct val="81000"/>
               </a:lnSpc>
@@ -4962,7 +5320,7 @@
             </a:r>
           </a:p>
           <a:p>
-            <a:pPr marL="384342" indent="-384342">
+            <a:pPr marL="384341" indent="-384341">
               <a:lnSpc>
                 <a:spcPct val="81000"/>
               </a:lnSpc>
@@ -4975,7 +5333,7 @@
             </a:r>
           </a:p>
           <a:p>
-            <a:pPr marL="384342" indent="-384342">
+            <a:pPr marL="384341" indent="-384341">
               <a:lnSpc>
                 <a:spcPct val="81000"/>
               </a:lnSpc>
@@ -4988,7 +5346,7 @@
             </a:r>
           </a:p>
           <a:p>
-            <a:pPr marL="384342" indent="-384342">
+            <a:pPr marL="384341" indent="-384341">
               <a:lnSpc>
                 <a:spcPct val="81000"/>
               </a:lnSpc>
@@ -5001,7 +5359,7 @@
             </a:r>
           </a:p>
           <a:p>
-            <a:pPr marL="384342" indent="-384342">
+            <a:pPr marL="384341" indent="-384341">
               <a:lnSpc>
                 <a:spcPct val="81000"/>
               </a:lnSpc>
@@ -5043,7 +5401,7 @@
       </p:grpSpPr>
       <p:sp>
         <p:nvSpPr>
-          <p:cNvPr id="187" name="Заголовок 1"/>
+          <p:cNvPr id="209" name="Заголовок 1"/>
           <p:cNvSpPr txBox="1"/>
           <p:nvPr>
             <p:ph type="title"/>
@@ -5073,7 +5431,7 @@
       </p:sp>
       <p:pic>
         <p:nvPicPr>
-          <p:cNvPr id="188" name="Объект 3" descr="Объект 3"/>
+          <p:cNvPr id="210" name="Объект 3" descr="Объект 3"/>
           <p:cNvPicPr>
             <a:picLocks noChangeAspect="1"/>
           </p:cNvPicPr>
@@ -5102,14 +5460,14 @@
       </p:pic>
       <p:sp>
         <p:nvSpPr>
-          <p:cNvPr id="189" name="Прямая со стрелкой 5"/>
+          <p:cNvPr id="211" name="Прямая со стрелкой 5"/>
           <p:cNvSpPr/>
           <p:nvPr/>
         </p:nvSpPr>
         <p:spPr>
           <a:xfrm>
-            <a:off x="2294626" y="741868"/>
-            <a:ext cx="4" cy="690119"/>
+            <a:off x="2294626" y="741867"/>
+            <a:ext cx="5" cy="690120"/>
           </a:xfrm>
           <a:prstGeom prst="line">
             <a:avLst/>
@@ -5132,7 +5490,7 @@
       </p:sp>
       <p:pic>
         <p:nvPicPr>
-          <p:cNvPr id="190" name="Рисунок 6" descr="Рисунок 6"/>
+          <p:cNvPr id="212" name="Рисунок 6" descr="Рисунок 6"/>
           <p:cNvPicPr>
             <a:picLocks noChangeAspect="1"/>
           </p:cNvPicPr>
@@ -5150,6 +5508,87 @@
           <a:xfrm>
             <a:off x="2330573" y="2230438"/>
             <a:ext cx="6875251" cy="4381849"/>
+          </a:xfrm>
+          <a:prstGeom prst="rect">
+            <a:avLst/>
+          </a:prstGeom>
+          <a:ln w="12700">
+            <a:miter lim="400000"/>
+          </a:ln>
+        </p:spPr>
+      </p:pic>
+      <p:sp>
+        <p:nvSpPr>
+          <p:cNvPr id="213" name="2*A1*A3 + 1/2*PI/A2"/>
+          <p:cNvSpPr txBox="1"/>
+          <p:nvPr/>
+        </p:nvSpPr>
+        <p:spPr>
+          <a:xfrm>
+            <a:off x="9408455" y="1465582"/>
+            <a:ext cx="2823890" cy="447037"/>
+          </a:xfrm>
+          <a:prstGeom prst="rect">
+            <a:avLst/>
+          </a:prstGeom>
+          <a:ln w="12700">
+            <a:miter lim="400000"/>
+          </a:ln>
+          <a:extLst>
+            <a:ext uri="{C572A759-6A51-4108-AA02-DFA0A04FC94B}">
+              <ma14:wrappingTextBoxFlag xmlns:ma14="http://schemas.microsoft.com/office/mac/drawingml/2011/main" val="1"/>
+            </a:ext>
+          </a:extLst>
+        </p:spPr>
+        <p:txBody>
+          <a:bodyPr wrap="none" lIns="45718" tIns="45718" rIns="45718" bIns="45718">
+            <a:spAutoFit/>
+          </a:bodyPr>
+          <a:lstStyle>
+            <a:lvl1pPr>
+              <a:lnSpc>
+                <a:spcPct val="81000"/>
+              </a:lnSpc>
+              <a:spcBef>
+                <a:spcPts val="1000"/>
+              </a:spcBef>
+              <a:buFont typeface="Arial"/>
+              <a:defRPr b="1" sz="2300">
+                <a:latin typeface="+mn-lt"/>
+                <a:ea typeface="+mn-ea"/>
+                <a:cs typeface="+mn-cs"/>
+                <a:sym typeface="Helvetica"/>
+              </a:defRPr>
+            </a:lvl1pPr>
+          </a:lstStyle>
+          <a:p>
+            <a:pPr/>
+            <a:r>
+              <a:t>2*A1*A3 + 1/2*PI/A2</a:t>
+            </a:r>
+          </a:p>
+        </p:txBody>
+      </p:sp>
+      <p:pic>
+        <p:nvPicPr>
+          <p:cNvPr id="214" name="Рисунок 9" descr="Рисунок 9"/>
+          <p:cNvPicPr>
+            <a:picLocks noChangeAspect="1"/>
+          </p:cNvPicPr>
+          <p:nvPr/>
+        </p:nvPicPr>
+        <p:blipFill>
+          <a:blip r:embed="rId4">
+            <a:extLst/>
+          </a:blip>
+          <a:stretch>
+            <a:fillRect/>
+          </a:stretch>
+        </p:blipFill>
+        <p:spPr>
+          <a:xfrm>
+            <a:off x="9094041" y="2141536"/>
+            <a:ext cx="3148759" cy="4183352"/>
           </a:xfrm>
           <a:prstGeom prst="rect">
             <a:avLst/>
@@ -5187,7 +5626,7 @@
       </p:grpSpPr>
       <p:sp>
         <p:nvSpPr>
-          <p:cNvPr id="192" name="Заголовок 1"/>
+          <p:cNvPr id="216" name="Заголовок 1"/>
           <p:cNvSpPr txBox="1"/>
           <p:nvPr>
             <p:ph type="title"/>
@@ -5217,7 +5656,7 @@
       </p:sp>
       <p:pic>
         <p:nvPicPr>
-          <p:cNvPr id="193" name="Объект 3" descr="Объект 3"/>
+          <p:cNvPr id="217" name="Объект 3" descr="Объект 3"/>
           <p:cNvPicPr>
             <a:picLocks noChangeAspect="1"/>
           </p:cNvPicPr>
@@ -5246,7 +5685,7 @@
       </p:pic>
       <p:sp>
         <p:nvSpPr>
-          <p:cNvPr id="194" name="Прямая со стрелкой 5"/>
+          <p:cNvPr id="218" name="Прямая со стрелкой 5"/>
           <p:cNvSpPr/>
           <p:nvPr/>
         </p:nvSpPr>
@@ -5276,7 +5715,7 @@
       </p:sp>
       <p:pic>
         <p:nvPicPr>
-          <p:cNvPr id="195" name="Рисунок 7" descr="Рисунок 7"/>
+          <p:cNvPr id="219" name="Рисунок 7" descr="Рисунок 7"/>
           <p:cNvPicPr>
             <a:picLocks noChangeAspect="1"/>
           </p:cNvPicPr>
@@ -5294,6 +5733,87 @@
           <a:xfrm>
             <a:off x="1595665" y="2230438"/>
             <a:ext cx="5274067" cy="4514599"/>
+          </a:xfrm>
+          <a:prstGeom prst="rect">
+            <a:avLst/>
+          </a:prstGeom>
+          <a:ln w="12700">
+            <a:miter lim="400000"/>
+          </a:ln>
+        </p:spPr>
+      </p:pic>
+      <p:sp>
+        <p:nvSpPr>
+          <p:cNvPr id="220" name="2*A1*A3 + 1/2*PI/A2"/>
+          <p:cNvSpPr txBox="1"/>
+          <p:nvPr/>
+        </p:nvSpPr>
+        <p:spPr>
+          <a:xfrm>
+            <a:off x="8684555" y="1554482"/>
+            <a:ext cx="2823890" cy="447037"/>
+          </a:xfrm>
+          <a:prstGeom prst="rect">
+            <a:avLst/>
+          </a:prstGeom>
+          <a:ln w="12700">
+            <a:miter lim="400000"/>
+          </a:ln>
+          <a:extLst>
+            <a:ext uri="{C572A759-6A51-4108-AA02-DFA0A04FC94B}">
+              <ma14:wrappingTextBoxFlag xmlns:ma14="http://schemas.microsoft.com/office/mac/drawingml/2011/main" val="1"/>
+            </a:ext>
+          </a:extLst>
+        </p:spPr>
+        <p:txBody>
+          <a:bodyPr wrap="none" lIns="45718" tIns="45718" rIns="45718" bIns="45718">
+            <a:spAutoFit/>
+          </a:bodyPr>
+          <a:lstStyle>
+            <a:lvl1pPr>
+              <a:lnSpc>
+                <a:spcPct val="81000"/>
+              </a:lnSpc>
+              <a:spcBef>
+                <a:spcPts val="1000"/>
+              </a:spcBef>
+              <a:buFont typeface="Arial"/>
+              <a:defRPr b="1" sz="2300">
+                <a:latin typeface="+mn-lt"/>
+                <a:ea typeface="+mn-ea"/>
+                <a:cs typeface="+mn-cs"/>
+                <a:sym typeface="Helvetica"/>
+              </a:defRPr>
+            </a:lvl1pPr>
+          </a:lstStyle>
+          <a:p>
+            <a:pPr/>
+            <a:r>
+              <a:t>2*A1*A3 + 1/2*PI/A2</a:t>
+            </a:r>
+          </a:p>
+        </p:txBody>
+      </p:sp>
+      <p:pic>
+        <p:nvPicPr>
+          <p:cNvPr id="221" name="Рисунок 9" descr="Рисунок 9"/>
+          <p:cNvPicPr>
+            <a:picLocks noChangeAspect="1"/>
+          </p:cNvPicPr>
+          <p:nvPr/>
+        </p:nvPicPr>
+        <p:blipFill>
+          <a:blip r:embed="rId4">
+            <a:extLst/>
+          </a:blip>
+          <a:stretch>
+            <a:fillRect/>
+          </a:stretch>
+        </p:blipFill>
+        <p:spPr>
+          <a:xfrm>
+            <a:off x="8370141" y="2230436"/>
+            <a:ext cx="3148759" cy="4183352"/>
           </a:xfrm>
           <a:prstGeom prst="rect">
             <a:avLst/>
@@ -5331,7 +5851,7 @@
       </p:grpSpPr>
       <p:sp>
         <p:nvSpPr>
-          <p:cNvPr id="197" name="Заголовок 1"/>
+          <p:cNvPr id="223" name="Заголовок 1"/>
           <p:cNvSpPr txBox="1"/>
           <p:nvPr>
             <p:ph type="title"/>
@@ -5361,7 +5881,7 @@
       </p:sp>
       <p:pic>
         <p:nvPicPr>
-          <p:cNvPr id="198" name="Объект 3" descr="Объект 3"/>
+          <p:cNvPr id="224" name="Объект 3" descr="Объект 3"/>
           <p:cNvPicPr>
             <a:picLocks noChangeAspect="1"/>
           </p:cNvPicPr>
@@ -5390,14 +5910,14 @@
       </p:pic>
       <p:sp>
         <p:nvSpPr>
-          <p:cNvPr id="199" name="Прямая со стрелкой 5"/>
+          <p:cNvPr id="225" name="Прямая со стрелкой 5"/>
           <p:cNvSpPr/>
           <p:nvPr/>
         </p:nvSpPr>
         <p:spPr>
           <a:xfrm flipH="1">
             <a:off x="3191777" y="879893"/>
-            <a:ext cx="8628" cy="552092"/>
+            <a:ext cx="8629" cy="552092"/>
           </a:xfrm>
           <a:prstGeom prst="line">
             <a:avLst/>
@@ -5420,7 +5940,7 @@
       </p:sp>
       <p:pic>
         <p:nvPicPr>
-          <p:cNvPr id="200" name="Рисунок 2" descr="Рисунок 2"/>
+          <p:cNvPr id="226" name="Рисунок 2" descr="Рисунок 2"/>
           <p:cNvPicPr>
             <a:picLocks noChangeAspect="1"/>
           </p:cNvPicPr>
@@ -5449,7 +5969,7 @@
       </p:pic>
       <p:pic>
         <p:nvPicPr>
-          <p:cNvPr id="201" name="Рисунок 4" descr="Рисунок 4"/>
+          <p:cNvPr id="227" name="Рисунок 4" descr="Рисунок 4"/>
           <p:cNvPicPr>
             <a:picLocks noChangeAspect="1"/>
           </p:cNvPicPr>
@@ -5466,7 +5986,88 @@
         <p:spPr>
           <a:xfrm>
             <a:off x="7462566" y="5460520"/>
-            <a:ext cx="744473" cy="1252067"/>
+            <a:ext cx="744474" cy="1252068"/>
+          </a:xfrm>
+          <a:prstGeom prst="rect">
+            <a:avLst/>
+          </a:prstGeom>
+          <a:ln w="12700">
+            <a:miter lim="400000"/>
+          </a:ln>
+        </p:spPr>
+      </p:pic>
+      <p:sp>
+        <p:nvSpPr>
+          <p:cNvPr id="228" name="2*A1*A3 + 1/2*PI/A2"/>
+          <p:cNvSpPr txBox="1"/>
+          <p:nvPr/>
+        </p:nvSpPr>
+        <p:spPr>
+          <a:xfrm>
+            <a:off x="8684555" y="1554482"/>
+            <a:ext cx="2823890" cy="447037"/>
+          </a:xfrm>
+          <a:prstGeom prst="rect">
+            <a:avLst/>
+          </a:prstGeom>
+          <a:ln w="12700">
+            <a:miter lim="400000"/>
+          </a:ln>
+          <a:extLst>
+            <a:ext uri="{C572A759-6A51-4108-AA02-DFA0A04FC94B}">
+              <ma14:wrappingTextBoxFlag xmlns:ma14="http://schemas.microsoft.com/office/mac/drawingml/2011/main" val="1"/>
+            </a:ext>
+          </a:extLst>
+        </p:spPr>
+        <p:txBody>
+          <a:bodyPr wrap="none" lIns="45718" tIns="45718" rIns="45718" bIns="45718">
+            <a:spAutoFit/>
+          </a:bodyPr>
+          <a:lstStyle>
+            <a:lvl1pPr>
+              <a:lnSpc>
+                <a:spcPct val="81000"/>
+              </a:lnSpc>
+              <a:spcBef>
+                <a:spcPts val="1000"/>
+              </a:spcBef>
+              <a:buFont typeface="Arial"/>
+              <a:defRPr b="1" sz="2300">
+                <a:latin typeface="+mn-lt"/>
+                <a:ea typeface="+mn-ea"/>
+                <a:cs typeface="+mn-cs"/>
+                <a:sym typeface="Helvetica"/>
+              </a:defRPr>
+            </a:lvl1pPr>
+          </a:lstStyle>
+          <a:p>
+            <a:pPr/>
+            <a:r>
+              <a:t>2*A1*A3 + 1/2*PI/A2</a:t>
+            </a:r>
+          </a:p>
+        </p:txBody>
+      </p:sp>
+      <p:pic>
+        <p:nvPicPr>
+          <p:cNvPr id="229" name="Рисунок 9" descr="Рисунок 9"/>
+          <p:cNvPicPr>
+            <a:picLocks noChangeAspect="1"/>
+          </p:cNvPicPr>
+          <p:nvPr/>
+        </p:nvPicPr>
+        <p:blipFill>
+          <a:blip r:embed="rId5">
+            <a:extLst/>
+          </a:blip>
+          <a:stretch>
+            <a:fillRect/>
+          </a:stretch>
+        </p:blipFill>
+        <p:spPr>
+          <a:xfrm>
+            <a:off x="8370141" y="2230436"/>
+            <a:ext cx="3148759" cy="4183352"/>
           </a:xfrm>
           <a:prstGeom prst="rect">
             <a:avLst/>
@@ -5504,7 +6105,7 @@
       </p:grpSpPr>
       <p:sp>
         <p:nvSpPr>
-          <p:cNvPr id="203" name="Заголовок 1"/>
+          <p:cNvPr id="231" name="Заголовок 1"/>
           <p:cNvSpPr txBox="1"/>
           <p:nvPr>
             <p:ph type="title"/>
@@ -5534,7 +6135,7 @@
       </p:sp>
       <p:pic>
         <p:nvPicPr>
-          <p:cNvPr id="204" name="Объект 3" descr="Объект 3"/>
+          <p:cNvPr id="232" name="Объект 3" descr="Объект 3"/>
           <p:cNvPicPr>
             <a:picLocks noChangeAspect="1"/>
           </p:cNvPicPr>
@@ -5563,14 +6164,14 @@
       </p:pic>
       <p:sp>
         <p:nvSpPr>
-          <p:cNvPr id="205" name="Прямая со стрелкой 5"/>
+          <p:cNvPr id="233" name="Прямая со стрелкой 5"/>
           <p:cNvSpPr/>
           <p:nvPr/>
         </p:nvSpPr>
         <p:spPr>
           <a:xfrm flipH="1">
             <a:off x="3640349" y="891336"/>
-            <a:ext cx="8628" cy="552092"/>
+            <a:ext cx="8629" cy="552092"/>
           </a:xfrm>
           <a:prstGeom prst="line">
             <a:avLst/>
@@ -5593,7 +6194,7 @@
       </p:sp>
       <p:pic>
         <p:nvPicPr>
-          <p:cNvPr id="206" name="Рисунок 2" descr="Рисунок 2"/>
+          <p:cNvPr id="234" name="Рисунок 2" descr="Рисунок 2"/>
           <p:cNvPicPr>
             <a:picLocks noChangeAspect="1"/>
           </p:cNvPicPr>
@@ -5622,7 +6223,7 @@
       </p:pic>
       <p:pic>
         <p:nvPicPr>
-          <p:cNvPr id="207" name="Рисунок 6" descr="Рисунок 6"/>
+          <p:cNvPr id="235" name="Рисунок 6" descr="Рисунок 6"/>
           <p:cNvPicPr>
             <a:picLocks noChangeAspect="1"/>
           </p:cNvPicPr>
@@ -5639,7 +6240,88 @@
         <p:spPr>
           <a:xfrm>
             <a:off x="6912984" y="4369072"/>
-            <a:ext cx="2247904" cy="2438403"/>
+            <a:ext cx="2247905" cy="2438403"/>
+          </a:xfrm>
+          <a:prstGeom prst="rect">
+            <a:avLst/>
+          </a:prstGeom>
+          <a:ln w="12700">
+            <a:miter lim="400000"/>
+          </a:ln>
+        </p:spPr>
+      </p:pic>
+      <p:sp>
+        <p:nvSpPr>
+          <p:cNvPr id="236" name="2*A1*A3 + 1/2*PI/A2"/>
+          <p:cNvSpPr txBox="1"/>
+          <p:nvPr/>
+        </p:nvSpPr>
+        <p:spPr>
+          <a:xfrm>
+            <a:off x="9408455" y="1173482"/>
+            <a:ext cx="2823890" cy="447037"/>
+          </a:xfrm>
+          <a:prstGeom prst="rect">
+            <a:avLst/>
+          </a:prstGeom>
+          <a:ln w="12700">
+            <a:miter lim="400000"/>
+          </a:ln>
+          <a:extLst>
+            <a:ext uri="{C572A759-6A51-4108-AA02-DFA0A04FC94B}">
+              <ma14:wrappingTextBoxFlag xmlns:ma14="http://schemas.microsoft.com/office/mac/drawingml/2011/main" val="1"/>
+            </a:ext>
+          </a:extLst>
+        </p:spPr>
+        <p:txBody>
+          <a:bodyPr wrap="none" lIns="45718" tIns="45718" rIns="45718" bIns="45718">
+            <a:spAutoFit/>
+          </a:bodyPr>
+          <a:lstStyle>
+            <a:lvl1pPr>
+              <a:lnSpc>
+                <a:spcPct val="81000"/>
+              </a:lnSpc>
+              <a:spcBef>
+                <a:spcPts val="1000"/>
+              </a:spcBef>
+              <a:buFont typeface="Arial"/>
+              <a:defRPr b="1" sz="2300">
+                <a:latin typeface="+mn-lt"/>
+                <a:ea typeface="+mn-ea"/>
+                <a:cs typeface="+mn-cs"/>
+                <a:sym typeface="Helvetica"/>
+              </a:defRPr>
+            </a:lvl1pPr>
+          </a:lstStyle>
+          <a:p>
+            <a:pPr/>
+            <a:r>
+              <a:t>2*A1*A3 + 1/2*PI/A2</a:t>
+            </a:r>
+          </a:p>
+        </p:txBody>
+      </p:sp>
+      <p:pic>
+        <p:nvPicPr>
+          <p:cNvPr id="237" name="Рисунок 9" descr="Рисунок 9"/>
+          <p:cNvPicPr>
+            <a:picLocks noChangeAspect="1"/>
+          </p:cNvPicPr>
+          <p:nvPr/>
+        </p:nvPicPr>
+        <p:blipFill>
+          <a:blip r:embed="rId5">
+            <a:extLst/>
+          </a:blip>
+          <a:stretch>
+            <a:fillRect/>
+          </a:stretch>
+        </p:blipFill>
+        <p:spPr>
+          <a:xfrm>
+            <a:off x="9094041" y="1849436"/>
+            <a:ext cx="3148759" cy="4183352"/>
           </a:xfrm>
           <a:prstGeom prst="rect">
             <a:avLst/>
@@ -5677,7 +6359,7 @@
       </p:grpSpPr>
       <p:sp>
         <p:nvSpPr>
-          <p:cNvPr id="209" name="Заголовок 1"/>
+          <p:cNvPr id="239" name="Заголовок 1"/>
           <p:cNvSpPr txBox="1"/>
           <p:nvPr>
             <p:ph type="title"/>
@@ -5707,7 +6389,7 @@
       </p:sp>
       <p:pic>
         <p:nvPicPr>
-          <p:cNvPr id="210" name="Объект 3" descr="Объект 3"/>
+          <p:cNvPr id="240" name="Объект 3" descr="Объект 3"/>
           <p:cNvPicPr>
             <a:picLocks noChangeAspect="1"/>
           </p:cNvPicPr>
@@ -5736,14 +6418,14 @@
       </p:pic>
       <p:sp>
         <p:nvSpPr>
-          <p:cNvPr id="211" name="Прямая со стрелкой 5"/>
+          <p:cNvPr id="241" name="Прямая со стрелкой 5"/>
           <p:cNvSpPr/>
           <p:nvPr/>
         </p:nvSpPr>
         <p:spPr>
           <a:xfrm flipH="1">
             <a:off x="4157936" y="891336"/>
-            <a:ext cx="8628" cy="552092"/>
+            <a:ext cx="8629" cy="552092"/>
           </a:xfrm>
           <a:prstGeom prst="line">
             <a:avLst/>
@@ -5766,7 +6448,7 @@
       </p:sp>
       <p:pic>
         <p:nvPicPr>
-          <p:cNvPr id="212" name="Рисунок 2" descr="Рисунок 2"/>
+          <p:cNvPr id="242" name="Рисунок 2" descr="Рисунок 2"/>
           <p:cNvPicPr>
             <a:picLocks noChangeAspect="1"/>
           </p:cNvPicPr>
@@ -5795,7 +6477,7 @@
       </p:pic>
       <p:pic>
         <p:nvPicPr>
-          <p:cNvPr id="213" name="Рисунок 7" descr="Рисунок 7"/>
+          <p:cNvPr id="243" name="Рисунок 7" descr="Рисунок 7"/>
           <p:cNvPicPr>
             <a:picLocks noChangeAspect="1"/>
           </p:cNvPicPr>
@@ -5812,7 +6494,88 @@
         <p:spPr>
           <a:xfrm>
             <a:off x="6775150" y="4675516"/>
-            <a:ext cx="2635875" cy="2131960"/>
+            <a:ext cx="2635875" cy="2131961"/>
+          </a:xfrm>
+          <a:prstGeom prst="rect">
+            <a:avLst/>
+          </a:prstGeom>
+          <a:ln w="12700">
+            <a:miter lim="400000"/>
+          </a:ln>
+        </p:spPr>
+      </p:pic>
+      <p:sp>
+        <p:nvSpPr>
+          <p:cNvPr id="244" name="2*A1*A3 + 1/2*PI/A2"/>
+          <p:cNvSpPr txBox="1"/>
+          <p:nvPr/>
+        </p:nvSpPr>
+        <p:spPr>
+          <a:xfrm>
+            <a:off x="9421155" y="678182"/>
+            <a:ext cx="2823890" cy="447037"/>
+          </a:xfrm>
+          <a:prstGeom prst="rect">
+            <a:avLst/>
+          </a:prstGeom>
+          <a:ln w="12700">
+            <a:miter lim="400000"/>
+          </a:ln>
+          <a:extLst>
+            <a:ext uri="{C572A759-6A51-4108-AA02-DFA0A04FC94B}">
+              <ma14:wrappingTextBoxFlag xmlns:ma14="http://schemas.microsoft.com/office/mac/drawingml/2011/main" val="1"/>
+            </a:ext>
+          </a:extLst>
+        </p:spPr>
+        <p:txBody>
+          <a:bodyPr wrap="none" lIns="45718" tIns="45718" rIns="45718" bIns="45718">
+            <a:spAutoFit/>
+          </a:bodyPr>
+          <a:lstStyle>
+            <a:lvl1pPr>
+              <a:lnSpc>
+                <a:spcPct val="81000"/>
+              </a:lnSpc>
+              <a:spcBef>
+                <a:spcPts val="1000"/>
+              </a:spcBef>
+              <a:buFont typeface="Arial"/>
+              <a:defRPr b="1" sz="2300">
+                <a:latin typeface="+mn-lt"/>
+                <a:ea typeface="+mn-ea"/>
+                <a:cs typeface="+mn-cs"/>
+                <a:sym typeface="Helvetica"/>
+              </a:defRPr>
+            </a:lvl1pPr>
+          </a:lstStyle>
+          <a:p>
+            <a:pPr/>
+            <a:r>
+              <a:t>2*A1*A3 + 1/2*PI/A2</a:t>
+            </a:r>
+          </a:p>
+        </p:txBody>
+      </p:sp>
+      <p:pic>
+        <p:nvPicPr>
+          <p:cNvPr id="245" name="Рисунок 9" descr="Рисунок 9"/>
+          <p:cNvPicPr>
+            <a:picLocks noChangeAspect="1"/>
+          </p:cNvPicPr>
+          <p:nvPr/>
+        </p:nvPicPr>
+        <p:blipFill>
+          <a:blip r:embed="rId5">
+            <a:extLst/>
+          </a:blip>
+          <a:stretch>
+            <a:fillRect/>
+          </a:stretch>
+        </p:blipFill>
+        <p:spPr>
+          <a:xfrm>
+            <a:off x="9106741" y="1354136"/>
+            <a:ext cx="3148759" cy="4183352"/>
           </a:xfrm>
           <a:prstGeom prst="rect">
             <a:avLst/>
@@ -5850,7 +6613,7 @@
       </p:grpSpPr>
       <p:sp>
         <p:nvSpPr>
-          <p:cNvPr id="215" name="Заголовок 1"/>
+          <p:cNvPr id="247" name="Заголовок 1"/>
           <p:cNvSpPr txBox="1"/>
           <p:nvPr>
             <p:ph type="title"/>
@@ -5880,7 +6643,7 @@
       </p:sp>
       <p:pic>
         <p:nvPicPr>
-          <p:cNvPr id="216" name="Объект 3" descr="Объект 3"/>
+          <p:cNvPr id="248" name="Объект 3" descr="Объект 3"/>
           <p:cNvPicPr>
             <a:picLocks noChangeAspect="1"/>
           </p:cNvPicPr>
@@ -5909,14 +6672,14 @@
       </p:pic>
       <p:sp>
         <p:nvSpPr>
-          <p:cNvPr id="217" name="Прямая со стрелкой 5"/>
+          <p:cNvPr id="249" name="Прямая со стрелкой 5"/>
           <p:cNvSpPr/>
           <p:nvPr/>
         </p:nvSpPr>
         <p:spPr>
           <a:xfrm flipH="1">
             <a:off x="4701399" y="854913"/>
-            <a:ext cx="8628" cy="552092"/>
+            <a:ext cx="8629" cy="552092"/>
           </a:xfrm>
           <a:prstGeom prst="line">
             <a:avLst/>
@@ -5939,7 +6702,7 @@
       </p:sp>
       <p:pic>
         <p:nvPicPr>
-          <p:cNvPr id="218" name="Рисунок 2" descr="Рисунок 2"/>
+          <p:cNvPr id="250" name="Рисунок 2" descr="Рисунок 2"/>
           <p:cNvPicPr>
             <a:picLocks noChangeAspect="1"/>
           </p:cNvPicPr>
@@ -5955,8 +6718,8 @@
         </p:blipFill>
         <p:spPr>
           <a:xfrm>
-            <a:off x="1311209" y="2311879"/>
-            <a:ext cx="5244864" cy="4495594"/>
+            <a:off x="739473" y="2290215"/>
+            <a:ext cx="5244865" cy="4495595"/>
           </a:xfrm>
           <a:prstGeom prst="rect">
             <a:avLst/>
@@ -5968,7 +6731,7 @@
       </p:pic>
       <p:pic>
         <p:nvPicPr>
-          <p:cNvPr id="219" name="Рисунок 4" descr="Рисунок 4"/>
+          <p:cNvPr id="251" name="Рисунок 4" descr="Рисунок 4"/>
           <p:cNvPicPr>
             <a:picLocks noChangeAspect="1"/>
           </p:cNvPicPr>
@@ -5984,8 +6747,89 @@
         </p:blipFill>
         <p:spPr>
           <a:xfrm>
-            <a:off x="6556071" y="3743862"/>
-            <a:ext cx="2681207" cy="2954359"/>
+            <a:off x="5984335" y="3722198"/>
+            <a:ext cx="2681209" cy="2954360"/>
+          </a:xfrm>
+          <a:prstGeom prst="rect">
+            <a:avLst/>
+          </a:prstGeom>
+          <a:ln w="12700">
+            <a:miter lim="400000"/>
+          </a:ln>
+        </p:spPr>
+      </p:pic>
+      <p:sp>
+        <p:nvSpPr>
+          <p:cNvPr id="252" name="2*A1*A3 + 1/2*PI/A2"/>
+          <p:cNvSpPr txBox="1"/>
+          <p:nvPr/>
+        </p:nvSpPr>
+        <p:spPr>
+          <a:xfrm>
+            <a:off x="9217955" y="1592582"/>
+            <a:ext cx="2823890" cy="447037"/>
+          </a:xfrm>
+          <a:prstGeom prst="rect">
+            <a:avLst/>
+          </a:prstGeom>
+          <a:ln w="12700">
+            <a:miter lim="400000"/>
+          </a:ln>
+          <a:extLst>
+            <a:ext uri="{C572A759-6A51-4108-AA02-DFA0A04FC94B}">
+              <ma14:wrappingTextBoxFlag xmlns:ma14="http://schemas.microsoft.com/office/mac/drawingml/2011/main" val="1"/>
+            </a:ext>
+          </a:extLst>
+        </p:spPr>
+        <p:txBody>
+          <a:bodyPr wrap="none" lIns="45718" tIns="45718" rIns="45718" bIns="45718">
+            <a:spAutoFit/>
+          </a:bodyPr>
+          <a:lstStyle>
+            <a:lvl1pPr>
+              <a:lnSpc>
+                <a:spcPct val="81000"/>
+              </a:lnSpc>
+              <a:spcBef>
+                <a:spcPts val="1000"/>
+              </a:spcBef>
+              <a:buFont typeface="Arial"/>
+              <a:defRPr b="1" sz="2300">
+                <a:latin typeface="+mn-lt"/>
+                <a:ea typeface="+mn-ea"/>
+                <a:cs typeface="+mn-cs"/>
+                <a:sym typeface="Helvetica"/>
+              </a:defRPr>
+            </a:lvl1pPr>
+          </a:lstStyle>
+          <a:p>
+            <a:pPr/>
+            <a:r>
+              <a:t>2*A1*A3 + 1/2*PI/A2</a:t>
+            </a:r>
+          </a:p>
+        </p:txBody>
+      </p:sp>
+      <p:pic>
+        <p:nvPicPr>
+          <p:cNvPr id="253" name="Рисунок 9" descr="Рисунок 9"/>
+          <p:cNvPicPr>
+            <a:picLocks noChangeAspect="1"/>
+          </p:cNvPicPr>
+          <p:nvPr/>
+        </p:nvPicPr>
+        <p:blipFill>
+          <a:blip r:embed="rId5">
+            <a:extLst/>
+          </a:blip>
+          <a:stretch>
+            <a:fillRect/>
+          </a:stretch>
+        </p:blipFill>
+        <p:spPr>
+          <a:xfrm>
+            <a:off x="8903541" y="2268536"/>
+            <a:ext cx="3148759" cy="4183352"/>
           </a:xfrm>
           <a:prstGeom prst="rect">
             <a:avLst/>
@@ -6023,7 +6867,7 @@
       </p:grpSpPr>
       <p:sp>
         <p:nvSpPr>
-          <p:cNvPr id="221" name="Заголовок 1"/>
+          <p:cNvPr id="255" name="Заголовок 1"/>
           <p:cNvSpPr txBox="1"/>
           <p:nvPr>
             <p:ph type="title"/>
@@ -6053,7 +6897,7 @@
       </p:sp>
       <p:pic>
         <p:nvPicPr>
-          <p:cNvPr id="222" name="Объект 3" descr="Объект 3"/>
+          <p:cNvPr id="256" name="Объект 3" descr="Объект 3"/>
           <p:cNvPicPr>
             <a:picLocks noChangeAspect="1"/>
           </p:cNvPicPr>
@@ -6082,14 +6926,14 @@
       </p:pic>
       <p:sp>
         <p:nvSpPr>
-          <p:cNvPr id="223" name="Прямая со стрелкой 5"/>
+          <p:cNvPr id="257" name="Прямая со стрелкой 5"/>
           <p:cNvSpPr/>
           <p:nvPr/>
         </p:nvSpPr>
         <p:spPr>
           <a:xfrm flipH="1">
             <a:off x="5132720" y="854913"/>
-            <a:ext cx="8628" cy="552092"/>
+            <a:ext cx="8629" cy="552092"/>
           </a:xfrm>
           <a:prstGeom prst="line">
             <a:avLst/>
@@ -6112,7 +6956,7 @@
       </p:sp>
       <p:pic>
         <p:nvPicPr>
-          <p:cNvPr id="224" name="Рисунок 2" descr="Рисунок 2"/>
+          <p:cNvPr id="258" name="Рисунок 2" descr="Рисунок 2"/>
           <p:cNvPicPr>
             <a:picLocks noChangeAspect="1"/>
           </p:cNvPicPr>
@@ -6128,8 +6972,8 @@
         </p:blipFill>
         <p:spPr>
           <a:xfrm>
-            <a:off x="1000652" y="2311879"/>
-            <a:ext cx="5244864" cy="4495594"/>
+            <a:off x="-69817" y="2349979"/>
+            <a:ext cx="5244865" cy="4495594"/>
           </a:xfrm>
           <a:prstGeom prst="rect">
             <a:avLst/>
@@ -6141,7 +6985,7 @@
       </p:pic>
       <p:pic>
         <p:nvPicPr>
-          <p:cNvPr id="225" name="Рисунок 7" descr="Рисунок 7"/>
+          <p:cNvPr id="259" name="Рисунок 7" descr="Рисунок 7"/>
           <p:cNvPicPr>
             <a:picLocks noChangeAspect="1"/>
           </p:cNvPicPr>
@@ -6157,8 +7001,8 @@
         </p:blipFill>
         <p:spPr>
           <a:xfrm>
-            <a:off x="6459196" y="3642919"/>
-            <a:ext cx="4237548" cy="3164558"/>
+            <a:off x="5388727" y="3681019"/>
+            <a:ext cx="4237549" cy="3164559"/>
           </a:xfrm>
           <a:prstGeom prst="rect">
             <a:avLst/>
@@ -6196,7 +7040,7 @@
       </p:grpSpPr>
       <p:sp>
         <p:nvSpPr>
-          <p:cNvPr id="227" name="Заголовок 1"/>
+          <p:cNvPr id="261" name="Заголовок 1"/>
           <p:cNvSpPr txBox="1"/>
           <p:nvPr>
             <p:ph type="title"/>
@@ -6226,7 +7070,7 @@
       </p:sp>
       <p:pic>
         <p:nvPicPr>
-          <p:cNvPr id="228" name="Объект 3" descr="Объект 3"/>
+          <p:cNvPr id="262" name="Объект 3" descr="Объект 3"/>
           <p:cNvPicPr>
             <a:picLocks noChangeAspect="1"/>
           </p:cNvPicPr>
@@ -6255,14 +7099,14 @@
       </p:pic>
       <p:sp>
         <p:nvSpPr>
-          <p:cNvPr id="229" name="Прямая со стрелкой 5"/>
+          <p:cNvPr id="263" name="Прямая со стрелкой 5"/>
           <p:cNvSpPr/>
           <p:nvPr/>
         </p:nvSpPr>
         <p:spPr>
           <a:xfrm flipH="1">
             <a:off x="5589918" y="854913"/>
-            <a:ext cx="8628" cy="552092"/>
+            <a:ext cx="8629" cy="552092"/>
           </a:xfrm>
           <a:prstGeom prst="line">
             <a:avLst/>
@@ -6285,7 +7129,7 @@
       </p:sp>
       <p:pic>
         <p:nvPicPr>
-          <p:cNvPr id="230" name="Рисунок 2" descr="Рисунок 2"/>
+          <p:cNvPr id="264" name="Рисунок 2" descr="Рисунок 2"/>
           <p:cNvPicPr>
             <a:picLocks noChangeAspect="1"/>
           </p:cNvPicPr>
@@ -6314,7 +7158,7 @@
       </p:pic>
       <p:pic>
         <p:nvPicPr>
-          <p:cNvPr id="231" name="Рисунок 4" descr="Рисунок 4"/>
+          <p:cNvPr id="265" name="Рисунок 4" descr="Рисунок 4"/>
           <p:cNvPicPr>
             <a:picLocks noChangeAspect="1"/>
           </p:cNvPicPr>
@@ -6331,7 +7175,7 @@
         <p:spPr>
           <a:xfrm>
             <a:off x="6487062" y="3191773"/>
-            <a:ext cx="3645974" cy="3666227"/>
+            <a:ext cx="3645975" cy="3666227"/>
           </a:xfrm>
           <a:prstGeom prst="rect">
             <a:avLst/>
@@ -6369,7 +7213,7 @@
       </p:grpSpPr>
       <p:sp>
         <p:nvSpPr>
-          <p:cNvPr id="233" name="Заголовок 1"/>
+          <p:cNvPr id="267" name="Заголовок 1"/>
           <p:cNvSpPr txBox="1"/>
           <p:nvPr>
             <p:ph type="title"/>
@@ -6399,7 +7243,7 @@
       </p:sp>
       <p:pic>
         <p:nvPicPr>
-          <p:cNvPr id="234" name="Объект 3" descr="Объект 3"/>
+          <p:cNvPr id="268" name="Объект 3" descr="Объект 3"/>
           <p:cNvPicPr>
             <a:picLocks noChangeAspect="1"/>
           </p:cNvPicPr>
@@ -6428,14 +7272,14 @@
       </p:pic>
       <p:sp>
         <p:nvSpPr>
-          <p:cNvPr id="235" name="Прямая со стрелкой 5"/>
+          <p:cNvPr id="269" name="Прямая со стрелкой 5"/>
           <p:cNvSpPr/>
           <p:nvPr/>
         </p:nvSpPr>
         <p:spPr>
           <a:xfrm flipH="1">
             <a:off x="6061495" y="814191"/>
-            <a:ext cx="8628" cy="552092"/>
+            <a:ext cx="8629" cy="552092"/>
           </a:xfrm>
           <a:prstGeom prst="line">
             <a:avLst/>
@@ -6458,7 +7302,7 @@
       </p:sp>
       <p:pic>
         <p:nvPicPr>
-          <p:cNvPr id="236" name="Рисунок 7" descr="Рисунок 7"/>
+          <p:cNvPr id="270" name="Рисунок 7" descr="Рисунок 7"/>
           <p:cNvPicPr>
             <a:picLocks noChangeAspect="1"/>
           </p:cNvPicPr>
@@ -6487,7 +7331,7 @@
       </p:pic>
       <p:sp>
         <p:nvSpPr>
-          <p:cNvPr id="237" name="Прямоугольник"/>
+          <p:cNvPr id="271" name="Прямоугольник"/>
           <p:cNvSpPr/>
           <p:nvPr/>
         </p:nvSpPr>
@@ -6519,7 +7363,7 @@
       </p:sp>
       <p:sp>
         <p:nvSpPr>
-          <p:cNvPr id="238" name="&lt;id&gt;"/>
+          <p:cNvPr id="272" name="&lt;id&gt;"/>
           <p:cNvSpPr txBox="1"/>
           <p:nvPr/>
         </p:nvSpPr>
@@ -6585,7 +7429,7 @@
       </p:grpSpPr>
       <p:sp>
         <p:nvSpPr>
-          <p:cNvPr id="240" name="Заголовок 1"/>
+          <p:cNvPr id="274" name="Заголовок 1"/>
           <p:cNvSpPr txBox="1"/>
           <p:nvPr>
             <p:ph type="title"/>
@@ -6593,8 +7437,8 @@
         </p:nvSpPr>
         <p:spPr>
           <a:xfrm>
-            <a:off x="838200" y="57868"/>
-            <a:ext cx="10515600" cy="623173"/>
+            <a:off x="838200" y="57867"/>
+            <a:ext cx="10515600" cy="623175"/>
           </a:xfrm>
           <a:prstGeom prst="rect">
             <a:avLst/>
@@ -6610,14 +7454,14 @@
           <a:p>
             <a:pPr/>
             <a:r>
-              <a:t>Синтаксическое дерево разбора</a:t>
+              <a:t>D. Синтаксическое дерево разбора</a:t>
             </a:r>
           </a:p>
         </p:txBody>
       </p:sp>
       <p:pic>
         <p:nvPicPr>
-          <p:cNvPr id="241" name="Рисунок 12" descr="Рисунок 12"/>
+          <p:cNvPr id="275" name="Рисунок 12" descr="Рисунок 12"/>
           <p:cNvPicPr>
             <a:picLocks noChangeAspect="1"/>
           </p:cNvPicPr>
@@ -6646,7 +7490,7 @@
       </p:pic>
       <p:pic>
         <p:nvPicPr>
-          <p:cNvPr id="242" name="Рисунок 13" descr="Рисунок 13"/>
+          <p:cNvPr id="276" name="Рисунок 13" descr="Рисунок 13"/>
           <p:cNvPicPr>
             <a:picLocks noChangeAspect="1"/>
           </p:cNvPicPr>
@@ -6675,7 +7519,7 @@
       </p:pic>
       <p:sp>
         <p:nvSpPr>
-          <p:cNvPr id="243" name="Прямоугольник"/>
+          <p:cNvPr id="277" name="Прямоугольник"/>
           <p:cNvSpPr/>
           <p:nvPr/>
         </p:nvSpPr>
@@ -6707,7 +7551,7 @@
       </p:sp>
       <p:sp>
         <p:nvSpPr>
-          <p:cNvPr id="244" name="&lt;id&gt;"/>
+          <p:cNvPr id="278" name="&lt;id&gt;"/>
           <p:cNvSpPr txBox="1"/>
           <p:nvPr/>
         </p:nvSpPr>
@@ -6781,8 +7625,8 @@
         </p:nvSpPr>
         <p:spPr>
           <a:xfrm>
-            <a:off x="838200" y="355597"/>
-            <a:ext cx="10515600" cy="715536"/>
+            <a:off x="838200" y="355596"/>
+            <a:ext cx="10515600" cy="715538"/>
           </a:xfrm>
           <a:prstGeom prst="rect">
             <a:avLst/>
@@ -6811,8 +7655,8 @@
         </p:nvSpPr>
         <p:spPr>
           <a:xfrm>
-            <a:off x="0" y="1200724"/>
-            <a:ext cx="12192004" cy="5657277"/>
+            <a:off x="0" y="1200723"/>
+            <a:ext cx="12192004" cy="5657279"/>
           </a:xfrm>
           <a:prstGeom prst="rect">
             <a:avLst/>
@@ -6822,172 +7666,219 @@
           <a:bodyPr/>
           <a:lstStyle/>
           <a:p>
-            <a:pPr marL="0" indent="0" defTabSz="886967">
+            <a:pPr marL="0" indent="0" defTabSz="869227">
               <a:spcBef>
-                <a:spcPts val="900"/>
+                <a:spcPts val="800"/>
               </a:spcBef>
               <a:buSzTx/>
               <a:buNone/>
-              <a:defRPr sz="2700"/>
+              <a:defRPr sz="2646"/>
             </a:pPr>
             <a:r>
-              <a:t>Для хранения значений будем использовать регистры t1, t2,...,tn. Команды псевдо-машинного кода для вычисления арифметических выражений, в который будет транслироваться исходный код:</a:t>
-            </a:r>
-          </a:p>
-          <a:p>
-            <a:pPr marL="0" indent="0" defTabSz="886967">
+              <a:t>Для хранения значений будем использовать переменные t1, t2,…,tn типа </a:t>
+            </a:r>
+            <a:r>
+              <a:rPr b="1" i="1"/>
+              <a:t>double</a:t>
+            </a:r>
+            <a:r>
+              <a:t>. Команды псевдо-машинного кода для вычисления арифметических выражений, в который будет транслироваться исходный код:</a:t>
+            </a:r>
+          </a:p>
+          <a:p>
+            <a:pPr marL="0" indent="0" defTabSz="869227">
               <a:spcBef>
-                <a:spcPts val="900"/>
+                <a:spcPts val="800"/>
               </a:spcBef>
-              <a:defRPr sz="2700"/>
+              <a:defRPr sz="2646"/>
             </a:pPr>
             <a:r>
               <a:t> </a:t>
             </a:r>
             <a:r>
               <a:rPr b="1">
+                <a:latin typeface="+mn-lt"/>
+                <a:ea typeface="+mn-ea"/>
+                <a:cs typeface="+mn-cs"/>
+                <a:sym typeface="Helvetica"/>
+              </a:rPr>
+              <a:t>decl </a:t>
+            </a:r>
+            <a:r>
+              <a:t>ti		// объявление переменной ti;</a:t>
+            </a:r>
+          </a:p>
+          <a:p>
+            <a:pPr marL="0" indent="0" defTabSz="869227">
+              <a:spcBef>
+                <a:spcPts val="800"/>
+              </a:spcBef>
+              <a:defRPr b="1" sz="2646">
+                <a:latin typeface="+mn-lt"/>
+                <a:ea typeface="+mn-ea"/>
+                <a:cs typeface="+mn-cs"/>
+                <a:sym typeface="Helvetica"/>
+              </a:defRPr>
+            </a:pPr>
+            <a:r>
+              <a:t> mov</a:t>
+            </a:r>
+            <a:r>
+              <a:rPr b="0">
                 <a:latin typeface="+mj-lt"/>
                 <a:ea typeface="+mj-ea"/>
                 <a:cs typeface="+mj-cs"/>
+                <a:sym typeface="Calibri"/>
+              </a:rPr>
+              <a:t> n, ti 	// запись n в ti, где n - числовая константа;</a:t>
+            </a:r>
+            <a:endParaRPr b="0">
+              <a:latin typeface="+mj-lt"/>
+              <a:ea typeface="+mj-ea"/>
+              <a:cs typeface="+mj-cs"/>
+              <a:sym typeface="Calibri"/>
+            </a:endParaRPr>
+          </a:p>
+          <a:p>
+            <a:pPr marL="0" indent="0" defTabSz="869227">
+              <a:spcBef>
+                <a:spcPts val="800"/>
+              </a:spcBef>
+              <a:defRPr b="1" sz="2646">
+                <a:latin typeface="+mn-lt"/>
+                <a:ea typeface="+mn-ea"/>
+                <a:cs typeface="+mn-cs"/>
                 <a:sym typeface="Helvetica"/>
-              </a:rPr>
-              <a:t>decl </a:t>
-            </a:r>
-            <a:r>
-              <a:t>ti		// объявление регистра ti – дает понять транслятору в машинный код, что далее будет использоваться этот регистр;</a:t>
-            </a:r>
-          </a:p>
-          <a:p>
-            <a:pPr marL="0" indent="0" defTabSz="886967">
-              <a:spcBef>
-                <a:spcPts val="900"/>
-              </a:spcBef>
-              <a:defRPr b="1" sz="2700">
+              </a:defRPr>
+            </a:pPr>
+            <a:r>
+              <a:rPr b="0">
                 <a:latin typeface="+mj-lt"/>
                 <a:ea typeface="+mj-ea"/>
                 <a:cs typeface="+mj-cs"/>
+                <a:sym typeface="Calibri"/>
+              </a:rPr>
+              <a:t> </a:t>
+            </a:r>
+            <a:r>
+              <a:t>mov</a:t>
+            </a:r>
+            <a:r>
+              <a:rPr b="0">
+                <a:latin typeface="+mj-lt"/>
+                <a:ea typeface="+mj-ea"/>
+                <a:cs typeface="+mj-cs"/>
+                <a:sym typeface="Calibri"/>
+              </a:rPr>
+              <a:t> (val), ti // запись значения по адресу val в ti, где val - переменная или регистр</a:t>
+            </a:r>
+          </a:p>
+          <a:p>
+            <a:pPr marL="0" indent="0" defTabSz="869227">
+              <a:spcBef>
+                <a:spcPts val="800"/>
+              </a:spcBef>
+              <a:defRPr sz="2646"/>
+            </a:pPr>
+            <a:r>
+              <a:t> </a:t>
+            </a:r>
+            <a:r>
+              <a:rPr b="1">
+                <a:latin typeface="+mn-lt"/>
+                <a:ea typeface="+mn-ea"/>
+                <a:cs typeface="+mn-cs"/>
+                <a:sym typeface="Helvetica"/>
+              </a:rPr>
+              <a:t>add </a:t>
+            </a:r>
+            <a:r>
+              <a:t>tj, ti 		// добавление значения tj к ti;</a:t>
+            </a:r>
+          </a:p>
+          <a:p>
+            <a:pPr marL="217306" indent="-217306" defTabSz="869227">
+              <a:spcBef>
+                <a:spcPts val="800"/>
+              </a:spcBef>
+              <a:defRPr b="1" sz="2646">
+                <a:latin typeface="+mn-lt"/>
+                <a:ea typeface="+mn-ea"/>
+                <a:cs typeface="+mn-cs"/>
                 <a:sym typeface="Helvetica"/>
               </a:defRPr>
             </a:pPr>
             <a:r>
-              <a:t> mov</a:t>
+              <a:t>sub</a:t>
             </a:r>
             <a:r>
               <a:rPr b="0">
+                <a:latin typeface="+mj-lt"/>
+                <a:ea typeface="+mj-ea"/>
+                <a:cs typeface="+mj-cs"/>
+                <a:sym typeface="Calibri"/>
+              </a:rPr>
+              <a:t> tj, ti 		// вычитание значения tj из ti;</a:t>
+            </a:r>
+          </a:p>
+          <a:p>
+            <a:pPr marL="217306" indent="-217306" defTabSz="869227">
+              <a:spcBef>
+                <a:spcPts val="800"/>
+              </a:spcBef>
+              <a:defRPr b="1" sz="2646">
                 <a:latin typeface="+mn-lt"/>
                 <a:ea typeface="+mn-ea"/>
                 <a:cs typeface="+mn-cs"/>
-                <a:sym typeface="Calibri"/>
-              </a:rPr>
-              <a:t> &lt;val&gt;, ti 	// запись значения &lt;val&gt; в ti, где &lt;val&gt; - числовая константа или другой регистр;</a:t>
-            </a:r>
-          </a:p>
-          <a:p>
-            <a:pPr marL="0" indent="0" defTabSz="886967">
-              <a:spcBef>
-                <a:spcPts val="900"/>
-              </a:spcBef>
-              <a:defRPr sz="2700"/>
+                <a:sym typeface="Helvetica"/>
+              </a:defRPr>
             </a:pPr>
             <a:r>
-              <a:t> </a:t>
-            </a:r>
-            <a:r>
-              <a:rPr b="1">
+              <a:t>mul</a:t>
+            </a:r>
+            <a:r>
+              <a:rPr b="0">
                 <a:latin typeface="+mj-lt"/>
                 <a:ea typeface="+mj-ea"/>
                 <a:cs typeface="+mj-cs"/>
+                <a:sym typeface="Calibri"/>
+              </a:rPr>
+              <a:t> tj, ti 		// умножение значения tj на ti;</a:t>
+            </a:r>
+          </a:p>
+          <a:p>
+            <a:pPr marL="217306" indent="-217306" defTabSz="869227">
+              <a:spcBef>
+                <a:spcPts val="800"/>
+              </a:spcBef>
+              <a:defRPr b="1" sz="2646">
+                <a:latin typeface="+mn-lt"/>
+                <a:ea typeface="+mn-ea"/>
+                <a:cs typeface="+mn-cs"/>
                 <a:sym typeface="Helvetica"/>
-              </a:rPr>
-              <a:t>add </a:t>
-            </a:r>
-            <a:r>
-              <a:t>tj, ti 		// добавление значения tj к ti;</a:t>
-            </a:r>
-          </a:p>
-          <a:p>
-            <a:pPr marL="221741" indent="-221741" defTabSz="886967">
-              <a:spcBef>
-                <a:spcPts val="900"/>
-              </a:spcBef>
-              <a:defRPr b="1" sz="2700">
+              </a:defRPr>
+            </a:pPr>
+            <a:r>
+              <a:t>div</a:t>
+            </a:r>
+            <a:r>
+              <a:rPr b="0">
                 <a:latin typeface="+mj-lt"/>
                 <a:ea typeface="+mj-ea"/>
                 <a:cs typeface="+mj-cs"/>
-                <a:sym typeface="Helvetica"/>
-              </a:defRPr>
-            </a:pPr>
-            <a:r>
-              <a:t>sub</a:t>
-            </a:r>
-            <a:r>
-              <a:rPr b="0">
-                <a:latin typeface="+mn-lt"/>
-                <a:ea typeface="+mn-ea"/>
-                <a:cs typeface="+mn-cs"/>
                 <a:sym typeface="Calibri"/>
               </a:rPr>
-              <a:t> tj, ti 		// вычитание значения tj из ti;</a:t>
-            </a:r>
-          </a:p>
-          <a:p>
-            <a:pPr marL="221741" indent="-221741" defTabSz="886967">
+              <a:t> tj, ti 		// деление ti на значение tj.</a:t>
+            </a:r>
+          </a:p>
+          <a:p>
+            <a:pPr marL="0" indent="0" defTabSz="869227">
               <a:spcBef>
-                <a:spcPts val="900"/>
-              </a:spcBef>
-              <a:defRPr b="1" sz="2700">
-                <a:latin typeface="+mj-lt"/>
-                <a:ea typeface="+mj-ea"/>
-                <a:cs typeface="+mj-cs"/>
-                <a:sym typeface="Helvetica"/>
-              </a:defRPr>
-            </a:pPr>
-            <a:r>
-              <a:t>mul</a:t>
-            </a:r>
-            <a:r>
-              <a:rPr b="0">
-                <a:latin typeface="+mn-lt"/>
-                <a:ea typeface="+mn-ea"/>
-                <a:cs typeface="+mn-cs"/>
-                <a:sym typeface="Calibri"/>
-              </a:rPr>
-              <a:t> tj, ti 		// умножение значения tj на ti;</a:t>
-            </a:r>
-          </a:p>
-          <a:p>
-            <a:pPr marL="221741" indent="-221741" defTabSz="886967">
-              <a:spcBef>
-                <a:spcPts val="900"/>
-              </a:spcBef>
-              <a:defRPr b="1" sz="2700">
-                <a:latin typeface="+mj-lt"/>
-                <a:ea typeface="+mj-ea"/>
-                <a:cs typeface="+mj-cs"/>
-                <a:sym typeface="Helvetica"/>
-              </a:defRPr>
-            </a:pPr>
-            <a:r>
-              <a:t>div</a:t>
-            </a:r>
-            <a:r>
-              <a:rPr b="0">
-                <a:latin typeface="+mn-lt"/>
-                <a:ea typeface="+mn-ea"/>
-                <a:cs typeface="+mn-cs"/>
-                <a:sym typeface="Calibri"/>
-              </a:rPr>
-              <a:t> tj, ti 		// деление ri на значение tj.</a:t>
-            </a:r>
-          </a:p>
-          <a:p>
-            <a:pPr marL="0" indent="0" defTabSz="886967">
-              <a:spcBef>
-                <a:spcPts val="900"/>
+                <a:spcPts val="800"/>
               </a:spcBef>
               <a:buSzTx/>
               <a:buNone/>
-              <a:defRPr sz="2700"/>
+              <a:defRPr sz="2646"/>
             </a:pPr>
             <a:r>
               <a:t>Результат каждой команды записывается в ti.</a:t>
@@ -7023,7 +7914,7 @@
       </p:grpSpPr>
       <p:sp>
         <p:nvSpPr>
-          <p:cNvPr id="246" name="Семантический анализ"/>
+          <p:cNvPr id="280" name="Семантический анализ"/>
           <p:cNvSpPr txBox="1"/>
           <p:nvPr>
             <p:ph type="title" idx="4294967295"/>
@@ -7053,7 +7944,7 @@
       </p:sp>
       <p:sp>
         <p:nvSpPr>
-          <p:cNvPr id="247" name="Метод обхода дерева:…"/>
+          <p:cNvPr id="281" name="Метод обхода дерева:…"/>
           <p:cNvSpPr txBox="1"/>
           <p:nvPr>
             <p:ph type="body" idx="4294967295"/>
@@ -7079,20 +7970,20 @@
               <a:buSzTx/>
               <a:buNone/>
               <a:defRPr b="1" sz="2100">
+                <a:latin typeface="+mn-lt"/>
+                <a:ea typeface="+mn-ea"/>
+                <a:cs typeface="+mn-cs"/>
+                <a:sym typeface="Helvetica"/>
+              </a:defRPr>
+            </a:pPr>
+            <a:r>
+              <a:t>Метод обхода дерева:</a:t>
+            </a:r>
+            <a:r>
+              <a:rPr b="0">
                 <a:latin typeface="+mj-lt"/>
                 <a:ea typeface="+mj-ea"/>
                 <a:cs typeface="+mj-cs"/>
-                <a:sym typeface="Helvetica"/>
-              </a:defRPr>
-            </a:pPr>
-            <a:r>
-              <a:t>Метод обхода дерева:</a:t>
-            </a:r>
-            <a:r>
-              <a:rPr b="0">
-                <a:latin typeface="+mn-lt"/>
-                <a:ea typeface="+mn-ea"/>
-                <a:cs typeface="+mn-cs"/>
                 <a:sym typeface="Calibri"/>
               </a:rPr>
               <a:t> </a:t>
@@ -7119,9 +8010,9 @@
               <a:buSzTx/>
               <a:buNone/>
               <a:defRPr b="1" sz="2100">
-                <a:latin typeface="+mj-lt"/>
-                <a:ea typeface="+mj-ea"/>
-                <a:cs typeface="+mj-cs"/>
+                <a:latin typeface="+mn-lt"/>
+                <a:ea typeface="+mn-ea"/>
+                <a:cs typeface="+mn-cs"/>
                 <a:sym typeface="Helvetica"/>
               </a:defRPr>
             </a:pPr>
@@ -7138,21 +8029,21 @@
               <a:defRPr sz="2100"/>
             </a:pPr>
             <a:r>
-              <a:t>Для каждой новой вершины &lt;expr&gt; объявляется регистр ti -&gt; </a:t>
+              <a:t>Для каждой новой вершины &lt;expr&gt; объявляется переменная ti -&gt; </a:t>
             </a:r>
             <a:r>
               <a:rPr b="1" i="1">
-                <a:latin typeface="+mj-lt"/>
-                <a:ea typeface="+mj-ea"/>
-                <a:cs typeface="+mj-cs"/>
+                <a:latin typeface="+mn-lt"/>
+                <a:ea typeface="+mn-ea"/>
+                <a:cs typeface="+mn-cs"/>
                 <a:sym typeface="Helvetica"/>
               </a:rPr>
               <a:t>decl ti</a:t>
             </a:r>
             <a:endParaRPr b="1" i="1">
-              <a:latin typeface="+mj-lt"/>
-              <a:ea typeface="+mj-ea"/>
-              <a:cs typeface="+mj-cs"/>
+              <a:latin typeface="+mn-lt"/>
+              <a:ea typeface="+mn-ea"/>
+              <a:cs typeface="+mn-cs"/>
               <a:sym typeface="Helvetica"/>
             </a:endParaRPr>
           </a:p>
@@ -7169,18 +8060,18 @@
             </a:r>
             <a:r>
               <a:rPr b="1" i="1">
-                <a:latin typeface="+mj-lt"/>
-                <a:ea typeface="+mj-ea"/>
-                <a:cs typeface="+mj-cs"/>
+                <a:latin typeface="+mn-lt"/>
+                <a:ea typeface="+mn-ea"/>
+                <a:cs typeface="+mn-cs"/>
                 <a:sym typeface="Helvetica"/>
               </a:rPr>
               <a:t>mov &lt;const&gt; t</a:t>
             </a:r>
             <a:r>
               <a:rPr b="1" i="1" sz="1400">
-                <a:latin typeface="+mj-lt"/>
-                <a:ea typeface="+mj-ea"/>
-                <a:cs typeface="+mj-cs"/>
+                <a:latin typeface="+mn-lt"/>
+                <a:ea typeface="+mn-ea"/>
+                <a:cs typeface="+mn-cs"/>
                 <a:sym typeface="Helvetica"/>
               </a:rPr>
               <a:t>i</a:t>
@@ -7200,17 +8091,17 @@
             </a:r>
             <a:r>
               <a:rPr b="1" i="1">
-                <a:latin typeface="+mj-lt"/>
-                <a:ea typeface="+mj-ea"/>
-                <a:cs typeface="+mj-cs"/>
+                <a:latin typeface="+mn-lt"/>
+                <a:ea typeface="+mn-ea"/>
+                <a:cs typeface="+mn-cs"/>
                 <a:sym typeface="Helvetica"/>
               </a:rPr>
               <a:t>mov (&lt;var&gt;) ti</a:t>
             </a:r>
             <a:endParaRPr b="1" i="1">
-              <a:latin typeface="+mj-lt"/>
-              <a:ea typeface="+mj-ea"/>
-              <a:cs typeface="+mj-cs"/>
+              <a:latin typeface="+mn-lt"/>
+              <a:ea typeface="+mn-ea"/>
+              <a:cs typeface="+mn-cs"/>
               <a:sym typeface="Helvetica"/>
             </a:endParaRPr>
           </a:p>
@@ -7282,7 +8173,7 @@
       </p:grpSpPr>
       <p:pic>
         <p:nvPicPr>
-          <p:cNvPr id="249" name="Рисунок 7" descr="Рисунок 7"/>
+          <p:cNvPr id="283" name="Рисунок 7" descr="Рисунок 7"/>
           <p:cNvPicPr>
             <a:picLocks noChangeAspect="1"/>
           </p:cNvPicPr>
@@ -7311,7 +8202,7 @@
       </p:pic>
       <p:sp>
         <p:nvSpPr>
-          <p:cNvPr id="250" name="Трансляция в псевдо-машинный код"/>
+          <p:cNvPr id="284" name="Трансляция в псевдо-машинный код"/>
           <p:cNvSpPr txBox="1"/>
           <p:nvPr>
             <p:ph type="title" idx="4294967295"/>
@@ -7334,21 +8225,21 @@
           <a:p>
             <a:pPr/>
             <a:r>
-              <a:t>Трансляция в псевдо-машинный код</a:t>
-            </a:r>
-          </a:p>
-        </p:txBody>
-      </p:sp>
-      <p:sp>
-        <p:nvSpPr>
-          <p:cNvPr id="251" name="Линия"/>
+              <a:t>E. Трансляция в псевдо-машинный код</a:t>
+            </a:r>
+          </a:p>
+        </p:txBody>
+      </p:sp>
+      <p:sp>
+        <p:nvSpPr>
+          <p:cNvPr id="285" name="Линия"/>
           <p:cNvSpPr/>
           <p:nvPr/>
         </p:nvSpPr>
         <p:spPr>
           <a:xfrm flipH="1">
             <a:off x="2706091" y="1900251"/>
-            <a:ext cx="1389215" cy="695116"/>
+            <a:ext cx="1389216" cy="695117"/>
           </a:xfrm>
           <a:prstGeom prst="line">
             <a:avLst/>
@@ -7371,14 +8262,14 @@
       </p:sp>
       <p:sp>
         <p:nvSpPr>
-          <p:cNvPr id="252" name="Линия"/>
+          <p:cNvPr id="286" name="Линия"/>
           <p:cNvSpPr/>
           <p:nvPr/>
         </p:nvSpPr>
         <p:spPr>
           <a:xfrm>
-            <a:off x="4483067" y="1182618"/>
-            <a:ext cx="3" cy="448523"/>
+            <a:off x="4483067" y="1195318"/>
+            <a:ext cx="4" cy="435824"/>
           </a:xfrm>
           <a:prstGeom prst="line">
             <a:avLst/>
@@ -7402,14 +8293,14 @@
       </p:sp>
       <p:sp>
         <p:nvSpPr>
-          <p:cNvPr id="253" name="Линия"/>
+          <p:cNvPr id="287" name="Линия"/>
           <p:cNvSpPr/>
           <p:nvPr/>
         </p:nvSpPr>
         <p:spPr>
           <a:xfrm flipH="1">
             <a:off x="1741157" y="2960965"/>
-            <a:ext cx="693641" cy="377631"/>
+            <a:ext cx="693642" cy="377632"/>
           </a:xfrm>
           <a:prstGeom prst="line">
             <a:avLst/>
@@ -7432,14 +8323,14 @@
       </p:sp>
       <p:sp>
         <p:nvSpPr>
-          <p:cNvPr id="254" name="Линия"/>
+          <p:cNvPr id="288" name="Линия"/>
           <p:cNvSpPr/>
           <p:nvPr/>
         </p:nvSpPr>
         <p:spPr>
           <a:xfrm flipH="1">
             <a:off x="965166" y="3633868"/>
-            <a:ext cx="562771" cy="321373"/>
+            <a:ext cx="562771" cy="321374"/>
           </a:xfrm>
           <a:prstGeom prst="line">
             <a:avLst/>
@@ -7462,14 +8353,14 @@
       </p:sp>
       <p:sp>
         <p:nvSpPr>
-          <p:cNvPr id="255" name="Линия"/>
+          <p:cNvPr id="289" name="Линия"/>
           <p:cNvSpPr/>
           <p:nvPr/>
         </p:nvSpPr>
         <p:spPr>
           <a:xfrm flipV="1">
-            <a:off x="1068721" y="3746979"/>
-            <a:ext cx="725025" cy="266880"/>
+            <a:off x="1068720" y="3746979"/>
+            <a:ext cx="725027" cy="266881"/>
           </a:xfrm>
           <a:prstGeom prst="line">
             <a:avLst/>
@@ -7491,14 +8382,14 @@
       </p:sp>
       <p:sp>
         <p:nvSpPr>
-          <p:cNvPr id="256" name="Линия"/>
+          <p:cNvPr id="290" name="Линия"/>
           <p:cNvSpPr/>
           <p:nvPr/>
         </p:nvSpPr>
         <p:spPr>
           <a:xfrm>
             <a:off x="1785271" y="3725247"/>
-            <a:ext cx="477382" cy="297436"/>
+            <a:ext cx="477383" cy="297437"/>
           </a:xfrm>
           <a:prstGeom prst="line">
             <a:avLst/>
@@ -7521,14 +8412,14 @@
       </p:sp>
       <p:sp>
         <p:nvSpPr>
-          <p:cNvPr id="257" name="Линия"/>
+          <p:cNvPr id="291" name="Линия"/>
           <p:cNvSpPr/>
           <p:nvPr/>
         </p:nvSpPr>
         <p:spPr>
           <a:xfrm flipH="1">
             <a:off x="774667" y="4157321"/>
-            <a:ext cx="85860" cy="508420"/>
+            <a:ext cx="85861" cy="508420"/>
           </a:xfrm>
           <a:prstGeom prst="line">
             <a:avLst/>
@@ -7551,14 +8442,14 @@
       </p:sp>
       <p:sp>
         <p:nvSpPr>
-          <p:cNvPr id="258" name="Линия"/>
+          <p:cNvPr id="292" name="Линия"/>
           <p:cNvSpPr/>
           <p:nvPr/>
         </p:nvSpPr>
         <p:spPr>
           <a:xfrm flipH="1">
             <a:off x="1039363" y="4001411"/>
-            <a:ext cx="59473" cy="625403"/>
+            <a:ext cx="59474" cy="625404"/>
           </a:xfrm>
           <a:prstGeom prst="line">
             <a:avLst/>
@@ -7580,14 +8471,14 @@
       </p:sp>
       <p:sp>
         <p:nvSpPr>
-          <p:cNvPr id="259" name="Линия"/>
+          <p:cNvPr id="293" name="Линия"/>
           <p:cNvSpPr/>
           <p:nvPr/>
         </p:nvSpPr>
         <p:spPr>
           <a:xfrm>
-            <a:off x="2288246" y="4057324"/>
-            <a:ext cx="3" cy="513574"/>
+            <a:off x="2288245" y="4057324"/>
+            <a:ext cx="4" cy="513574"/>
           </a:xfrm>
           <a:prstGeom prst="line">
             <a:avLst/>
@@ -7610,14 +8501,14 @@
       </p:sp>
       <p:sp>
         <p:nvSpPr>
-          <p:cNvPr id="260" name="1. decl t0"/>
+          <p:cNvPr id="294" name="1. decl t0"/>
           <p:cNvSpPr txBox="1"/>
           <p:nvPr/>
         </p:nvSpPr>
         <p:spPr>
           <a:xfrm>
             <a:off x="3790646" y="1484081"/>
-            <a:ext cx="656593" cy="225705"/>
+            <a:ext cx="656593" cy="225704"/>
           </a:xfrm>
           <a:prstGeom prst="rect">
             <a:avLst/>
@@ -7650,13 +8541,13 @@
       </p:sp>
       <p:sp>
         <p:nvSpPr>
-          <p:cNvPr id="261" name="2. decl t1"/>
+          <p:cNvPr id="295" name="2. decl t1"/>
           <p:cNvSpPr txBox="1"/>
           <p:nvPr/>
         </p:nvSpPr>
         <p:spPr>
           <a:xfrm>
-            <a:off x="2088845" y="2538180"/>
+            <a:off x="2088844" y="2538179"/>
             <a:ext cx="656594" cy="225705"/>
           </a:xfrm>
           <a:prstGeom prst="rect">
@@ -7690,13 +8581,13 @@
       </p:sp>
       <p:sp>
         <p:nvSpPr>
-          <p:cNvPr id="262" name="3. decl t2"/>
+          <p:cNvPr id="296" name="3. decl t2"/>
           <p:cNvSpPr txBox="1"/>
           <p:nvPr/>
         </p:nvSpPr>
         <p:spPr>
           <a:xfrm>
-            <a:off x="1102934" y="3249380"/>
+            <a:off x="1102934" y="3249379"/>
             <a:ext cx="625010" cy="225705"/>
           </a:xfrm>
           <a:prstGeom prst="rect">
@@ -7730,14 +8621,14 @@
       </p:sp>
       <p:sp>
         <p:nvSpPr>
-          <p:cNvPr id="263" name="4. decl t3"/>
+          <p:cNvPr id="297" name="4. decl t3"/>
           <p:cNvSpPr txBox="1"/>
           <p:nvPr/>
         </p:nvSpPr>
         <p:spPr>
           <a:xfrm>
             <a:off x="340934" y="3885265"/>
-            <a:ext cx="625010" cy="225705"/>
+            <a:ext cx="625010" cy="225704"/>
           </a:xfrm>
           <a:prstGeom prst="rect">
             <a:avLst/>
@@ -7770,14 +8661,14 @@
       </p:sp>
       <p:sp>
         <p:nvSpPr>
-          <p:cNvPr id="264" name="5. mov 2 t3"/>
+          <p:cNvPr id="298" name="5. mov 2 t3"/>
           <p:cNvSpPr txBox="1"/>
           <p:nvPr/>
         </p:nvSpPr>
         <p:spPr>
           <a:xfrm>
-            <a:off x="-14667" y="4450019"/>
-            <a:ext cx="775966" cy="225705"/>
+            <a:off x="-14668" y="4450019"/>
+            <a:ext cx="775966" cy="225704"/>
           </a:xfrm>
           <a:prstGeom prst="rect">
             <a:avLst/>
@@ -7810,14 +8701,14 @@
       </p:sp>
       <p:sp>
         <p:nvSpPr>
-          <p:cNvPr id="265" name="6. decl t4"/>
+          <p:cNvPr id="299" name="6. decl t4"/>
           <p:cNvSpPr txBox="1"/>
           <p:nvPr/>
         </p:nvSpPr>
         <p:spPr>
           <a:xfrm>
             <a:off x="2219343" y="3796365"/>
-            <a:ext cx="625010" cy="225705"/>
+            <a:ext cx="625010" cy="225704"/>
           </a:xfrm>
           <a:prstGeom prst="rect">
             <a:avLst/>
@@ -7850,14 +8741,14 @@
       </p:sp>
       <p:sp>
         <p:nvSpPr>
-          <p:cNvPr id="266" name="7. mov (A1) t4"/>
+          <p:cNvPr id="300" name="7. mov (A1) t4"/>
           <p:cNvSpPr txBox="1"/>
           <p:nvPr/>
         </p:nvSpPr>
         <p:spPr>
           <a:xfrm>
             <a:off x="2207834" y="5066365"/>
-            <a:ext cx="941518" cy="225705"/>
+            <a:ext cx="941518" cy="225704"/>
           </a:xfrm>
           <a:prstGeom prst="rect">
             <a:avLst/>
@@ -7890,14 +8781,14 @@
       </p:sp>
       <p:sp>
         <p:nvSpPr>
-          <p:cNvPr id="267" name="Линия"/>
+          <p:cNvPr id="301" name="Линия"/>
           <p:cNvSpPr/>
           <p:nvPr/>
         </p:nvSpPr>
         <p:spPr>
           <a:xfrm>
             <a:off x="2830064" y="3777965"/>
-            <a:ext cx="3" cy="727855"/>
+            <a:ext cx="4" cy="727856"/>
           </a:xfrm>
           <a:prstGeom prst="line">
             <a:avLst/>
@@ -7919,14 +8810,14 @@
       </p:sp>
       <p:sp>
         <p:nvSpPr>
-          <p:cNvPr id="268" name="Линия"/>
+          <p:cNvPr id="302" name="Линия"/>
           <p:cNvSpPr/>
           <p:nvPr/>
         </p:nvSpPr>
         <p:spPr>
           <a:xfrm flipH="1" flipV="1">
             <a:off x="2102629" y="3619379"/>
-            <a:ext cx="717354" cy="178483"/>
+            <a:ext cx="717355" cy="178484"/>
           </a:xfrm>
           <a:prstGeom prst="line">
             <a:avLst/>
@@ -7949,14 +8840,14 @@
       </p:sp>
       <p:sp>
         <p:nvSpPr>
-          <p:cNvPr id="269" name="8. mov t3 t2…"/>
+          <p:cNvPr id="303" name="8. mov t3 t2…"/>
           <p:cNvSpPr txBox="1"/>
           <p:nvPr/>
         </p:nvSpPr>
         <p:spPr>
           <a:xfrm>
             <a:off x="2226797" y="3288407"/>
-            <a:ext cx="822759" cy="390805"/>
+            <a:ext cx="822759" cy="390804"/>
           </a:xfrm>
           <a:prstGeom prst="rect">
             <a:avLst/>
@@ -7995,7 +8886,7 @@
       </p:sp>
       <p:sp>
         <p:nvSpPr>
-          <p:cNvPr id="270" name="Прямоугольник"/>
+          <p:cNvPr id="304" name="Прямоугольник"/>
           <p:cNvSpPr/>
           <p:nvPr/>
         </p:nvSpPr>
@@ -8027,7 +8918,7 @@
       </p:sp>
       <p:sp>
         <p:nvSpPr>
-          <p:cNvPr id="271" name="&lt;id&gt;"/>
+          <p:cNvPr id="305" name="&lt;id&gt;"/>
           <p:cNvSpPr txBox="1"/>
           <p:nvPr/>
         </p:nvSpPr>
@@ -8067,14 +8958,14 @@
       </p:sp>
       <p:sp>
         <p:nvSpPr>
-          <p:cNvPr id="272" name="1.   decl t0…"/>
+          <p:cNvPr id="306" name="1.   decl t0…"/>
           <p:cNvSpPr txBox="1"/>
           <p:nvPr/>
         </p:nvSpPr>
         <p:spPr>
           <a:xfrm>
-            <a:off x="9123047" y="643876"/>
-            <a:ext cx="1577758" cy="2669885"/>
+            <a:off x="9123046" y="643875"/>
+            <a:ext cx="1577759" cy="2669885"/>
           </a:xfrm>
           <a:prstGeom prst="rect">
             <a:avLst/>
@@ -8177,7 +9068,7 @@
       </p:grpSpPr>
       <p:sp>
         <p:nvSpPr>
-          <p:cNvPr id="274" name="Трансляция в псевдо-машинный код"/>
+          <p:cNvPr id="308" name="Трансляция в псевдо-машинный код"/>
           <p:cNvSpPr txBox="1"/>
           <p:nvPr>
             <p:ph type="title" idx="4294967295"/>
@@ -8200,14 +9091,14 @@
           <a:p>
             <a:pPr/>
             <a:r>
-              <a:t>Трансляция в псевдо-машинный код</a:t>
+              <a:t>E. Трансляция в псевдо-машинный код</a:t>
             </a:r>
           </a:p>
         </p:txBody>
       </p:sp>
       <p:pic>
         <p:nvPicPr>
-          <p:cNvPr id="275" name="Рисунок 7" descr="Рисунок 7"/>
+          <p:cNvPr id="309" name="Рисунок 7" descr="Рисунок 7"/>
           <p:cNvPicPr>
             <a:picLocks noChangeAspect="1"/>
           </p:cNvPicPr>
@@ -8236,14 +9127,14 @@
       </p:pic>
       <p:sp>
         <p:nvSpPr>
-          <p:cNvPr id="276" name="Линия"/>
+          <p:cNvPr id="310" name="Линия"/>
           <p:cNvSpPr/>
           <p:nvPr/>
         </p:nvSpPr>
         <p:spPr>
           <a:xfrm flipV="1">
-            <a:off x="2097024" y="3079799"/>
-            <a:ext cx="761421" cy="352176"/>
+            <a:off x="2108550" y="3079799"/>
+            <a:ext cx="749895" cy="346845"/>
           </a:xfrm>
           <a:prstGeom prst="line">
             <a:avLst/>
@@ -8266,14 +9157,14 @@
       </p:sp>
       <p:sp>
         <p:nvSpPr>
-          <p:cNvPr id="277" name="Линия"/>
+          <p:cNvPr id="311" name="Линия"/>
           <p:cNvSpPr/>
           <p:nvPr/>
         </p:nvSpPr>
         <p:spPr>
           <a:xfrm>
             <a:off x="2832298" y="3076249"/>
-            <a:ext cx="1074443" cy="721854"/>
+            <a:ext cx="1074444" cy="721855"/>
           </a:xfrm>
           <a:prstGeom prst="line">
             <a:avLst/>
@@ -8296,14 +9187,14 @@
       </p:sp>
       <p:sp>
         <p:nvSpPr>
-          <p:cNvPr id="278" name="10. decl t5"/>
+          <p:cNvPr id="312" name="10. decl t5"/>
           <p:cNvSpPr txBox="1"/>
           <p:nvPr/>
         </p:nvSpPr>
         <p:spPr>
           <a:xfrm>
             <a:off x="3930346" y="3592281"/>
-            <a:ext cx="695815" cy="225705"/>
+            <a:ext cx="695815" cy="225704"/>
           </a:xfrm>
           <a:prstGeom prst="rect">
             <a:avLst/>
@@ -8336,14 +9227,14 @@
       </p:sp>
       <p:sp>
         <p:nvSpPr>
-          <p:cNvPr id="279" name="Линия"/>
+          <p:cNvPr id="313" name="Линия"/>
           <p:cNvSpPr/>
           <p:nvPr/>
         </p:nvSpPr>
         <p:spPr>
           <a:xfrm flipH="1">
             <a:off x="3813373" y="3870147"/>
-            <a:ext cx="2979" cy="966081"/>
+            <a:ext cx="2980" cy="966081"/>
           </a:xfrm>
           <a:prstGeom prst="line">
             <a:avLst/>
@@ -8366,14 +9257,14 @@
       </p:sp>
       <p:sp>
         <p:nvSpPr>
-          <p:cNvPr id="280" name="11. mov (A3) t5"/>
+          <p:cNvPr id="314" name="11. mov (A3) t5"/>
           <p:cNvSpPr txBox="1"/>
           <p:nvPr/>
         </p:nvSpPr>
         <p:spPr>
           <a:xfrm>
             <a:off x="3828746" y="4773381"/>
-            <a:ext cx="1043906" cy="225705"/>
+            <a:ext cx="1043906" cy="225704"/>
           </a:xfrm>
           <a:prstGeom prst="rect">
             <a:avLst/>
@@ -8406,14 +9297,14 @@
       </p:sp>
       <p:sp>
         <p:nvSpPr>
-          <p:cNvPr id="281" name="Линия"/>
+          <p:cNvPr id="315" name="Линия"/>
           <p:cNvSpPr/>
           <p:nvPr/>
         </p:nvSpPr>
         <p:spPr>
           <a:xfrm flipH="1" flipV="1">
             <a:off x="4631580" y="3655471"/>
-            <a:ext cx="167187" cy="1213910"/>
+            <a:ext cx="167188" cy="1213911"/>
           </a:xfrm>
           <a:prstGeom prst="line">
             <a:avLst/>
@@ -8435,14 +9326,14 @@
       </p:sp>
       <p:sp>
         <p:nvSpPr>
-          <p:cNvPr id="282" name="Линия"/>
+          <p:cNvPr id="316" name="Линия"/>
           <p:cNvSpPr/>
           <p:nvPr/>
         </p:nvSpPr>
         <p:spPr>
           <a:xfrm flipH="1" flipV="1">
             <a:off x="3040805" y="2976964"/>
-            <a:ext cx="1592862" cy="698617"/>
+            <a:ext cx="1592863" cy="698618"/>
           </a:xfrm>
           <a:prstGeom prst="line">
             <a:avLst/>
@@ -8465,14 +9356,14 @@
       </p:sp>
       <p:sp>
         <p:nvSpPr>
-          <p:cNvPr id="283" name="12. mov t2 t1…"/>
+          <p:cNvPr id="317" name="12. mov t2 t1…"/>
           <p:cNvSpPr txBox="1"/>
           <p:nvPr/>
         </p:nvSpPr>
         <p:spPr>
           <a:xfrm>
-            <a:off x="3037676" y="2561502"/>
-            <a:ext cx="894452" cy="390805"/>
+            <a:off x="3037676" y="2561501"/>
+            <a:ext cx="894451" cy="390805"/>
           </a:xfrm>
           <a:prstGeom prst="rect">
             <a:avLst/>
@@ -8511,14 +9402,14 @@
       </p:sp>
       <p:sp>
         <p:nvSpPr>
-          <p:cNvPr id="284" name="Линия"/>
+          <p:cNvPr id="318" name="Линия"/>
           <p:cNvSpPr/>
           <p:nvPr/>
         </p:nvSpPr>
         <p:spPr>
           <a:xfrm flipV="1">
-            <a:off x="2792164" y="1981949"/>
-            <a:ext cx="1676153" cy="652232"/>
+            <a:off x="2792164" y="1981948"/>
+            <a:ext cx="1676153" cy="652233"/>
           </a:xfrm>
           <a:prstGeom prst="line">
             <a:avLst/>
@@ -8540,14 +9431,14 @@
       </p:sp>
       <p:sp>
         <p:nvSpPr>
-          <p:cNvPr id="285" name="Линия"/>
+          <p:cNvPr id="319" name="Линия"/>
           <p:cNvSpPr/>
           <p:nvPr/>
         </p:nvSpPr>
         <p:spPr>
           <a:xfrm>
             <a:off x="4456955" y="1981816"/>
-            <a:ext cx="2424611" cy="822510"/>
+            <a:ext cx="2424612" cy="822510"/>
           </a:xfrm>
           <a:prstGeom prst="line">
             <a:avLst/>
@@ -8570,13 +9461,13 @@
       </p:sp>
       <p:sp>
         <p:nvSpPr>
-          <p:cNvPr id="286" name="14. decl t6"/>
+          <p:cNvPr id="320" name="14. decl t6"/>
           <p:cNvSpPr txBox="1"/>
           <p:nvPr/>
         </p:nvSpPr>
         <p:spPr>
           <a:xfrm>
-            <a:off x="6292546" y="2855680"/>
+            <a:off x="6292546" y="2855679"/>
             <a:ext cx="695815" cy="225705"/>
           </a:xfrm>
           <a:prstGeom prst="rect">
@@ -8610,14 +9501,14 @@
       </p:sp>
       <p:sp>
         <p:nvSpPr>
-          <p:cNvPr id="287" name="Линия"/>
+          <p:cNvPr id="321" name="Линия"/>
           <p:cNvSpPr/>
           <p:nvPr/>
         </p:nvSpPr>
         <p:spPr>
           <a:xfrm flipH="1">
-            <a:off x="6318561" y="3117644"/>
-            <a:ext cx="628207" cy="505699"/>
+            <a:off x="6318560" y="3117644"/>
+            <a:ext cx="628208" cy="505699"/>
           </a:xfrm>
           <a:prstGeom prst="line">
             <a:avLst/>
@@ -8640,14 +9531,14 @@
       </p:sp>
       <p:sp>
         <p:nvSpPr>
-          <p:cNvPr id="288" name="15. decl t7"/>
+          <p:cNvPr id="322" name="15. decl t7"/>
           <p:cNvSpPr txBox="1"/>
           <p:nvPr/>
         </p:nvSpPr>
         <p:spPr>
           <a:xfrm>
             <a:off x="5644846" y="3490681"/>
-            <a:ext cx="695815" cy="225705"/>
+            <a:ext cx="695815" cy="225704"/>
           </a:xfrm>
           <a:prstGeom prst="rect">
             <a:avLst/>
@@ -8680,14 +9571,14 @@
       </p:sp>
       <p:sp>
         <p:nvSpPr>
-          <p:cNvPr id="289" name="Линия"/>
+          <p:cNvPr id="323" name="Линия"/>
           <p:cNvSpPr/>
           <p:nvPr/>
         </p:nvSpPr>
         <p:spPr>
           <a:xfrm flipH="1">
             <a:off x="5555636" y="4014523"/>
-            <a:ext cx="628207" cy="505699"/>
+            <a:ext cx="628208" cy="505699"/>
           </a:xfrm>
           <a:prstGeom prst="line">
             <a:avLst/>
@@ -8710,14 +9601,14 @@
       </p:sp>
       <p:sp>
         <p:nvSpPr>
-          <p:cNvPr id="290" name="16. decl t8"/>
+          <p:cNvPr id="324" name="16. decl t8"/>
           <p:cNvSpPr txBox="1"/>
           <p:nvPr/>
         </p:nvSpPr>
         <p:spPr>
           <a:xfrm>
             <a:off x="4835580" y="4392381"/>
-            <a:ext cx="695815" cy="225705"/>
+            <a:ext cx="695815" cy="225704"/>
           </a:xfrm>
           <a:prstGeom prst="rect">
             <a:avLst/>
@@ -8750,14 +9641,14 @@
       </p:sp>
       <p:sp>
         <p:nvSpPr>
-          <p:cNvPr id="291" name="Линия"/>
+          <p:cNvPr id="325" name="Линия"/>
           <p:cNvSpPr/>
           <p:nvPr/>
         </p:nvSpPr>
         <p:spPr>
           <a:xfrm flipH="1">
             <a:off x="4640095" y="4892759"/>
-            <a:ext cx="737496" cy="358758"/>
+            <a:ext cx="737497" cy="358759"/>
           </a:xfrm>
           <a:prstGeom prst="line">
             <a:avLst/>
@@ -8780,14 +9671,14 @@
       </p:sp>
       <p:sp>
         <p:nvSpPr>
-          <p:cNvPr id="292" name="17. decl t9"/>
+          <p:cNvPr id="326" name="17. decl t9"/>
           <p:cNvSpPr txBox="1"/>
           <p:nvPr/>
         </p:nvSpPr>
         <p:spPr>
           <a:xfrm>
             <a:off x="3730680" y="5332181"/>
-            <a:ext cx="695815" cy="225705"/>
+            <a:ext cx="695815" cy="225704"/>
           </a:xfrm>
           <a:prstGeom prst="rect">
             <a:avLst/>
@@ -8820,14 +9711,14 @@
       </p:sp>
       <p:sp>
         <p:nvSpPr>
-          <p:cNvPr id="293" name="Линия"/>
+          <p:cNvPr id="327" name="Линия"/>
           <p:cNvSpPr/>
           <p:nvPr/>
         </p:nvSpPr>
         <p:spPr>
           <a:xfrm flipH="1">
             <a:off x="4401684" y="5540607"/>
-            <a:ext cx="14141" cy="389069"/>
+            <a:ext cx="14142" cy="389070"/>
           </a:xfrm>
           <a:prstGeom prst="line">
             <a:avLst/>
@@ -8850,14 +9741,14 @@
       </p:sp>
       <p:sp>
         <p:nvSpPr>
-          <p:cNvPr id="294" name="18. mov 1 t9"/>
+          <p:cNvPr id="328" name="18. mov 1 t9"/>
           <p:cNvSpPr txBox="1"/>
           <p:nvPr/>
         </p:nvSpPr>
         <p:spPr>
           <a:xfrm>
             <a:off x="3672632" y="5951027"/>
-            <a:ext cx="846770" cy="225705"/>
+            <a:ext cx="846770" cy="225704"/>
           </a:xfrm>
           <a:prstGeom prst="rect">
             <a:avLst/>
@@ -8890,14 +9781,14 @@
       </p:sp>
       <p:sp>
         <p:nvSpPr>
-          <p:cNvPr id="295" name="Линия"/>
+          <p:cNvPr id="329" name="Линия"/>
           <p:cNvSpPr/>
           <p:nvPr/>
         </p:nvSpPr>
         <p:spPr>
           <a:xfrm flipV="1">
             <a:off x="4913064" y="4866735"/>
-            <a:ext cx="683769" cy="1158347"/>
+            <a:ext cx="683770" cy="1158348"/>
           </a:xfrm>
           <a:prstGeom prst="line">
             <a:avLst/>
@@ -8919,7 +9810,7 @@
       </p:sp>
       <p:sp>
         <p:nvSpPr>
-          <p:cNvPr id="296" name="Линия"/>
+          <p:cNvPr id="330" name="Линия"/>
           <p:cNvSpPr/>
           <p:nvPr/>
         </p:nvSpPr>
@@ -8949,14 +9840,14 @@
       </p:sp>
       <p:sp>
         <p:nvSpPr>
-          <p:cNvPr id="297" name="19. decl t10"/>
+          <p:cNvPr id="331" name="19. decl t10"/>
           <p:cNvSpPr txBox="1"/>
           <p:nvPr/>
         </p:nvSpPr>
         <p:spPr>
           <a:xfrm>
             <a:off x="6257144" y="5125527"/>
-            <a:ext cx="766620" cy="225705"/>
+            <a:ext cx="766620" cy="225704"/>
           </a:xfrm>
           <a:prstGeom prst="rect">
             <a:avLst/>
@@ -8989,14 +9880,14 @@
       </p:sp>
       <p:sp>
         <p:nvSpPr>
-          <p:cNvPr id="298" name="Линия"/>
+          <p:cNvPr id="332" name="Линия"/>
           <p:cNvSpPr/>
           <p:nvPr/>
         </p:nvSpPr>
         <p:spPr>
           <a:xfrm>
             <a:off x="5992755" y="5381764"/>
-            <a:ext cx="3" cy="893324"/>
+            <a:ext cx="4" cy="893324"/>
           </a:xfrm>
           <a:prstGeom prst="line">
             <a:avLst/>
@@ -9019,14 +9910,14 @@
       </p:sp>
       <p:sp>
         <p:nvSpPr>
-          <p:cNvPr id="299" name="20. mov 2 t10"/>
+          <p:cNvPr id="333" name="20. mov 2 t10"/>
           <p:cNvSpPr txBox="1"/>
           <p:nvPr/>
         </p:nvSpPr>
         <p:spPr>
           <a:xfrm>
             <a:off x="5914244" y="6368460"/>
-            <a:ext cx="917575" cy="225705"/>
+            <a:ext cx="917575" cy="225704"/>
           </a:xfrm>
           <a:prstGeom prst="rect">
             <a:avLst/>
@@ -9059,7 +9950,7 @@
       </p:sp>
       <p:sp>
         <p:nvSpPr>
-          <p:cNvPr id="300" name="Прямоугольник"/>
+          <p:cNvPr id="334" name="Прямоугольник"/>
           <p:cNvSpPr/>
           <p:nvPr/>
         </p:nvSpPr>
@@ -9091,7 +9982,7 @@
       </p:sp>
       <p:sp>
         <p:nvSpPr>
-          <p:cNvPr id="301" name="&lt;id&gt;"/>
+          <p:cNvPr id="335" name="&lt;id&gt;"/>
           <p:cNvSpPr txBox="1"/>
           <p:nvPr/>
         </p:nvSpPr>
@@ -9131,14 +10022,14 @@
       </p:sp>
       <p:sp>
         <p:nvSpPr>
-          <p:cNvPr id="302" name="1.   decl t0…"/>
+          <p:cNvPr id="336" name="1.   decl t0…"/>
           <p:cNvSpPr txBox="1"/>
           <p:nvPr/>
         </p:nvSpPr>
         <p:spPr>
           <a:xfrm>
-            <a:off x="9123046" y="643875"/>
-            <a:ext cx="1590261" cy="5882985"/>
+            <a:off x="9123046" y="643874"/>
+            <a:ext cx="1590260" cy="5882985"/>
           </a:xfrm>
           <a:prstGeom prst="rect">
             <a:avLst/>
@@ -9307,7 +10198,7 @@
       </p:grpSpPr>
       <p:pic>
         <p:nvPicPr>
-          <p:cNvPr id="304" name="Рисунок 7" descr="Рисунок 7"/>
+          <p:cNvPr id="338" name="Рисунок 7" descr="Рисунок 7"/>
           <p:cNvPicPr>
             <a:picLocks noChangeAspect="1"/>
           </p:cNvPicPr>
@@ -9336,7 +10227,7 @@
       </p:pic>
       <p:sp>
         <p:nvSpPr>
-          <p:cNvPr id="305" name="Трансляция в псевдо-машинный код"/>
+          <p:cNvPr id="339" name="Трансляция в псевдо-машинный код"/>
           <p:cNvSpPr txBox="1"/>
           <p:nvPr>
             <p:ph type="title" idx="4294967295"/>
@@ -9359,21 +10250,21 @@
           <a:p>
             <a:pPr/>
             <a:r>
-              <a:t>Трансляция в псевдо-машинный код</a:t>
-            </a:r>
-          </a:p>
-        </p:txBody>
-      </p:sp>
-      <p:sp>
-        <p:nvSpPr>
-          <p:cNvPr id="306" name="Линия"/>
+              <a:t>E. Трансляция в псевдо-машинный код</a:t>
+            </a:r>
+          </a:p>
+        </p:txBody>
+      </p:sp>
+      <p:sp>
+        <p:nvSpPr>
+          <p:cNvPr id="340" name="Линия"/>
           <p:cNvSpPr/>
           <p:nvPr/>
         </p:nvSpPr>
         <p:spPr>
           <a:xfrm flipV="1">
             <a:off x="6225587" y="5202740"/>
-            <a:ext cx="3" cy="797467"/>
+            <a:ext cx="4" cy="784768"/>
           </a:xfrm>
           <a:prstGeom prst="line">
             <a:avLst/>
@@ -9396,14 +10287,14 @@
       </p:sp>
       <p:sp>
         <p:nvSpPr>
-          <p:cNvPr id="307" name="Линия"/>
+          <p:cNvPr id="341" name="Линия"/>
           <p:cNvSpPr/>
           <p:nvPr/>
         </p:nvSpPr>
         <p:spPr>
           <a:xfrm flipH="1" flipV="1">
             <a:off x="5233106" y="4356538"/>
-            <a:ext cx="995957" cy="844617"/>
+            <a:ext cx="995958" cy="844617"/>
           </a:xfrm>
           <a:prstGeom prst="line">
             <a:avLst/>
@@ -9426,14 +10317,14 @@
       </p:sp>
       <p:sp>
         <p:nvSpPr>
-          <p:cNvPr id="308" name="21. mov t9 t8…"/>
+          <p:cNvPr id="342" name="21. mov t9 t8…"/>
           <p:cNvSpPr txBox="1"/>
           <p:nvPr/>
         </p:nvSpPr>
         <p:spPr>
           <a:xfrm>
             <a:off x="4310050" y="4143380"/>
-            <a:ext cx="893564" cy="390805"/>
+            <a:ext cx="893564" cy="390804"/>
           </a:xfrm>
           <a:prstGeom prst="rect">
             <a:avLst/>
@@ -9472,14 +10363,14 @@
       </p:sp>
       <p:sp>
         <p:nvSpPr>
-          <p:cNvPr id="309" name="Линия"/>
+          <p:cNvPr id="343" name="Линия"/>
           <p:cNvSpPr/>
           <p:nvPr/>
         </p:nvSpPr>
         <p:spPr>
           <a:xfrm flipV="1">
             <a:off x="5327641" y="3804187"/>
-            <a:ext cx="815100" cy="539519"/>
+            <a:ext cx="815100" cy="539520"/>
           </a:xfrm>
           <a:prstGeom prst="line">
             <a:avLst/>
@@ -9501,7 +10392,7 @@
       </p:sp>
       <p:sp>
         <p:nvSpPr>
-          <p:cNvPr id="310" name="Линия"/>
+          <p:cNvPr id="344" name="Линия"/>
           <p:cNvSpPr/>
           <p:nvPr/>
         </p:nvSpPr>
@@ -9531,14 +10422,14 @@
       </p:sp>
       <p:sp>
         <p:nvSpPr>
-          <p:cNvPr id="311" name="23. decl t11"/>
+          <p:cNvPr id="345" name="23. decl t11"/>
           <p:cNvSpPr txBox="1"/>
           <p:nvPr/>
         </p:nvSpPr>
         <p:spPr>
           <a:xfrm>
             <a:off x="6442840" y="3772539"/>
-            <a:ext cx="766620" cy="225705"/>
+            <a:ext cx="766620" cy="225704"/>
           </a:xfrm>
           <a:prstGeom prst="rect">
             <a:avLst/>
@@ -9571,14 +10462,14 @@
       </p:sp>
       <p:sp>
         <p:nvSpPr>
-          <p:cNvPr id="312" name="Линия"/>
+          <p:cNvPr id="346" name="Линия"/>
           <p:cNvSpPr/>
           <p:nvPr/>
         </p:nvSpPr>
         <p:spPr>
           <a:xfrm>
             <a:off x="6646354" y="4305951"/>
-            <a:ext cx="203994" cy="812244"/>
+            <a:ext cx="203994" cy="812245"/>
           </a:xfrm>
           <a:prstGeom prst="line">
             <a:avLst/>
@@ -9601,14 +10492,14 @@
       </p:sp>
       <p:sp>
         <p:nvSpPr>
-          <p:cNvPr id="313" name="24. mov (PI) t11"/>
+          <p:cNvPr id="347" name="24. mov (PI) t11"/>
           <p:cNvSpPr txBox="1"/>
           <p:nvPr/>
         </p:nvSpPr>
         <p:spPr>
           <a:xfrm>
             <a:off x="6861940" y="5004439"/>
-            <a:ext cx="1038859" cy="225705"/>
+            <a:ext cx="1038858" cy="225704"/>
           </a:xfrm>
           <a:prstGeom prst="rect">
             <a:avLst/>
@@ -9641,7 +10532,7 @@
       </p:sp>
       <p:sp>
         <p:nvSpPr>
-          <p:cNvPr id="314" name="Прямоугольник"/>
+          <p:cNvPr id="348" name="Прямоугольник"/>
           <p:cNvSpPr/>
           <p:nvPr/>
         </p:nvSpPr>
@@ -9673,7 +10564,7 @@
       </p:sp>
       <p:sp>
         <p:nvSpPr>
-          <p:cNvPr id="315" name="&lt;id&gt;"/>
+          <p:cNvPr id="349" name="&lt;id&gt;"/>
           <p:cNvSpPr txBox="1"/>
           <p:nvPr/>
         </p:nvSpPr>
@@ -9713,14 +10604,14 @@
       </p:sp>
       <p:sp>
         <p:nvSpPr>
-          <p:cNvPr id="316" name="Линия"/>
+          <p:cNvPr id="350" name="Линия"/>
           <p:cNvSpPr/>
           <p:nvPr/>
         </p:nvSpPr>
         <p:spPr>
           <a:xfrm flipH="1" flipV="1">
             <a:off x="7174513" y="3726896"/>
-            <a:ext cx="197696" cy="1169460"/>
+            <a:ext cx="197697" cy="1169461"/>
           </a:xfrm>
           <a:prstGeom prst="line">
             <a:avLst/>
@@ -9742,14 +10633,14 @@
       </p:sp>
       <p:sp>
         <p:nvSpPr>
-          <p:cNvPr id="317" name="Линия"/>
+          <p:cNvPr id="351" name="Линия"/>
           <p:cNvSpPr/>
           <p:nvPr/>
         </p:nvSpPr>
         <p:spPr>
           <a:xfrm flipH="1" flipV="1">
-            <a:off x="6345295" y="3705516"/>
-            <a:ext cx="848968" cy="47840"/>
+            <a:off x="6345294" y="3705516"/>
+            <a:ext cx="848969" cy="47841"/>
           </a:xfrm>
           <a:prstGeom prst="line">
             <a:avLst/>
@@ -9772,14 +10663,14 @@
       </p:sp>
       <p:sp>
         <p:nvSpPr>
-          <p:cNvPr id="318" name="25. mov t8 t7…"/>
+          <p:cNvPr id="352" name="25. mov t8 t7…"/>
           <p:cNvSpPr txBox="1"/>
           <p:nvPr/>
         </p:nvSpPr>
         <p:spPr>
           <a:xfrm>
             <a:off x="4881552" y="3500437"/>
-            <a:ext cx="933674" cy="390805"/>
+            <a:ext cx="933673" cy="390804"/>
           </a:xfrm>
           <a:prstGeom prst="rect">
             <a:avLst/>
@@ -9818,14 +10709,14 @@
       </p:sp>
       <p:sp>
         <p:nvSpPr>
-          <p:cNvPr id="319" name="Линия"/>
+          <p:cNvPr id="353" name="Линия"/>
           <p:cNvSpPr/>
           <p:nvPr/>
         </p:nvSpPr>
         <p:spPr>
           <a:xfrm flipV="1">
             <a:off x="6292855" y="3013167"/>
-            <a:ext cx="642990" cy="517046"/>
+            <a:ext cx="642991" cy="517047"/>
           </a:xfrm>
           <a:prstGeom prst="line">
             <a:avLst/>
@@ -9847,14 +10738,14 @@
       </p:sp>
       <p:sp>
         <p:nvSpPr>
-          <p:cNvPr id="320" name="Линия"/>
+          <p:cNvPr id="354" name="Линия"/>
           <p:cNvSpPr/>
           <p:nvPr/>
         </p:nvSpPr>
         <p:spPr>
           <a:xfrm>
             <a:off x="6931824" y="3005689"/>
-            <a:ext cx="1011340" cy="331876"/>
+            <a:ext cx="1011341" cy="331877"/>
           </a:xfrm>
           <a:prstGeom prst="line">
             <a:avLst/>
@@ -9877,14 +10768,14 @@
       </p:sp>
       <p:sp>
         <p:nvSpPr>
-          <p:cNvPr id="321" name="27. decl t12"/>
+          <p:cNvPr id="355" name="27. decl t12"/>
           <p:cNvSpPr txBox="1"/>
           <p:nvPr/>
         </p:nvSpPr>
         <p:spPr>
           <a:xfrm>
             <a:off x="7700140" y="3062694"/>
-            <a:ext cx="766621" cy="225704"/>
+            <a:ext cx="766620" cy="225704"/>
           </a:xfrm>
           <a:prstGeom prst="rect">
             <a:avLst/>
@@ -9917,14 +10808,14 @@
       </p:sp>
       <p:sp>
         <p:nvSpPr>
-          <p:cNvPr id="322" name="28. mov (A2)  t12"/>
+          <p:cNvPr id="356" name="28. mov (A2)  t12"/>
           <p:cNvSpPr txBox="1"/>
           <p:nvPr/>
         </p:nvSpPr>
         <p:spPr>
           <a:xfrm>
             <a:off x="7666945" y="4413315"/>
-            <a:ext cx="1114711" cy="225705"/>
+            <a:ext cx="1114711" cy="225704"/>
           </a:xfrm>
           <a:prstGeom prst="rect">
             <a:avLst/>
@@ -9957,14 +10848,14 @@
       </p:sp>
       <p:sp>
         <p:nvSpPr>
-          <p:cNvPr id="323" name="Линия"/>
+          <p:cNvPr id="357" name="Линия"/>
           <p:cNvSpPr/>
           <p:nvPr/>
         </p:nvSpPr>
         <p:spPr>
           <a:xfrm>
             <a:off x="7983956" y="3628630"/>
-            <a:ext cx="189374" cy="647046"/>
+            <a:ext cx="189375" cy="647047"/>
           </a:xfrm>
           <a:prstGeom prst="line">
             <a:avLst/>
@@ -9987,14 +10878,14 @@
       </p:sp>
       <p:sp>
         <p:nvSpPr>
-          <p:cNvPr id="324" name="Линия"/>
+          <p:cNvPr id="358" name="Линия"/>
           <p:cNvSpPr/>
           <p:nvPr/>
         </p:nvSpPr>
         <p:spPr>
           <a:xfrm flipV="1">
             <a:off x="8655212" y="3057488"/>
-            <a:ext cx="3" cy="860966"/>
+            <a:ext cx="4" cy="860966"/>
           </a:xfrm>
           <a:prstGeom prst="line">
             <a:avLst/>
@@ -10016,14 +10907,14 @@
       </p:sp>
       <p:sp>
         <p:nvSpPr>
-          <p:cNvPr id="325" name="Линия"/>
+          <p:cNvPr id="359" name="Линия"/>
           <p:cNvSpPr/>
           <p:nvPr/>
         </p:nvSpPr>
         <p:spPr>
           <a:xfrm flipH="1" flipV="1">
             <a:off x="7150851" y="2835020"/>
-            <a:ext cx="1503911" cy="232534"/>
+            <a:ext cx="1503912" cy="232534"/>
           </a:xfrm>
           <a:prstGeom prst="line">
             <a:avLst/>
@@ -10046,7 +10937,7 @@
       </p:sp>
       <p:sp>
         <p:nvSpPr>
-          <p:cNvPr id="326" name="29. mov t7 t6…"/>
+          <p:cNvPr id="360" name="29. mov t7 t6…"/>
           <p:cNvSpPr txBox="1"/>
           <p:nvPr/>
         </p:nvSpPr>
@@ -10092,14 +10983,14 @@
       </p:sp>
       <p:sp>
         <p:nvSpPr>
-          <p:cNvPr id="327" name="Линия"/>
+          <p:cNvPr id="361" name="Линия"/>
           <p:cNvSpPr/>
           <p:nvPr/>
         </p:nvSpPr>
         <p:spPr>
           <a:xfrm flipH="1" flipV="1">
             <a:off x="4397681" y="1797092"/>
-            <a:ext cx="2669583" cy="876764"/>
+            <a:ext cx="2669584" cy="876765"/>
           </a:xfrm>
           <a:prstGeom prst="line">
             <a:avLst/>
@@ -10122,13 +11013,13 @@
       </p:sp>
       <p:sp>
         <p:nvSpPr>
-          <p:cNvPr id="328" name="31. mov t1 t0…"/>
+          <p:cNvPr id="362" name="31. mov t1 t0…"/>
           <p:cNvSpPr txBox="1"/>
           <p:nvPr/>
         </p:nvSpPr>
         <p:spPr>
           <a:xfrm>
-            <a:off x="4423540" y="1354462"/>
+            <a:off x="4423540" y="1354461"/>
             <a:ext cx="893564" cy="390805"/>
           </a:xfrm>
           <a:prstGeom prst="rect">
@@ -10168,13 +11059,13 @@
       </p:sp>
       <p:sp>
         <p:nvSpPr>
-          <p:cNvPr id="329" name="1.   decl t0…"/>
+          <p:cNvPr id="363" name="1.   decl t0…"/>
           <p:cNvSpPr txBox="1"/>
           <p:nvPr/>
         </p:nvSpPr>
         <p:spPr>
           <a:xfrm>
-            <a:off x="8882081" y="682911"/>
+            <a:off x="8882081" y="682910"/>
             <a:ext cx="1590260" cy="5882985"/>
           </a:xfrm>
           <a:prstGeom prst="rect">
@@ -10318,13 +11209,13 @@
       </p:sp>
       <p:sp>
         <p:nvSpPr>
-          <p:cNvPr id="330" name="21. mov t9 t8…"/>
+          <p:cNvPr id="364" name="21. mov t9 t8…"/>
           <p:cNvSpPr txBox="1"/>
           <p:nvPr/>
         </p:nvSpPr>
         <p:spPr>
           <a:xfrm>
-            <a:off x="10453716" y="1357297"/>
+            <a:off x="10453716" y="1357296"/>
             <a:ext cx="1706123" cy="3546185"/>
           </a:xfrm>
           <a:prstGeom prst="rect">
@@ -10446,7 +11337,7 @@
       </p:grpSpPr>
       <p:sp>
         <p:nvSpPr>
-          <p:cNvPr id="332" name="Заголовок 2"/>
+          <p:cNvPr id="366" name="Заголовок 2"/>
           <p:cNvSpPr txBox="1"/>
           <p:nvPr>
             <p:ph type="title"/>
@@ -10478,7 +11369,7 @@
       </p:sp>
       <p:sp>
         <p:nvSpPr>
-          <p:cNvPr id="333" name="Текст 3"/>
+          <p:cNvPr id="367" name="Текст 3"/>
           <p:cNvSpPr txBox="1"/>
           <p:nvPr>
             <p:ph type="body" idx="1"/>
@@ -10486,8 +11377,8 @@
         </p:nvSpPr>
         <p:spPr>
           <a:xfrm>
-            <a:off x="523835" y="1571611"/>
-            <a:ext cx="11287206" cy="5072101"/>
+            <a:off x="523835" y="1571610"/>
+            <a:ext cx="11287206" cy="5072103"/>
           </a:xfrm>
           <a:prstGeom prst="rect">
             <a:avLst/>
@@ -10497,50 +11388,59 @@
           <a:bodyPr/>
           <a:lstStyle/>
           <a:p>
-            <a:pPr marL="0" indent="358330" defTabSz="905255">
+            <a:pPr marL="0" indent="358329" defTabSz="905255">
               <a:spcBef>
                 <a:spcPts val="900"/>
               </a:spcBef>
               <a:buSzTx/>
               <a:buNone/>
-              <a:defRPr sz="2772"/>
+              <a:defRPr sz="2700"/>
             </a:pPr>
             <a:r>
               <a:t>Рассмотрим инструкцию вида </a:t>
             </a:r>
             <a:r>
               <a:rPr b="1">
-                <a:latin typeface="+mj-lt"/>
-                <a:ea typeface="+mj-ea"/>
-                <a:cs typeface="+mj-cs"/>
+                <a:latin typeface="+mn-lt"/>
+                <a:ea typeface="+mn-ea"/>
+                <a:cs typeface="+mn-cs"/>
                 <a:sym typeface="Helvetica"/>
               </a:rPr>
               <a:t>mov ti, tj, где i &gt; j:</a:t>
             </a:r>
             <a:endParaRPr b="1">
-              <a:latin typeface="+mj-lt"/>
-              <a:ea typeface="+mj-ea"/>
-              <a:cs typeface="+mj-cs"/>
+              <a:latin typeface="+mn-lt"/>
+              <a:ea typeface="+mn-ea"/>
+              <a:cs typeface="+mn-cs"/>
               <a:sym typeface="Helvetica"/>
             </a:endParaRPr>
           </a:p>
           <a:p>
-            <a:pPr marL="0" indent="358330" defTabSz="905255">
+            <a:pPr marL="0" indent="358329" defTabSz="905255">
               <a:spcBef>
                 <a:spcPts val="900"/>
               </a:spcBef>
               <a:buSzTx/>
               <a:buNone/>
-              <a:defRPr sz="2772"/>
+              <a:defRPr sz="2700"/>
             </a:pPr>
             <a:r>
-              <a:t>Регистр </a:t>
+              <a:rPr>
+                <a:latin typeface="+mn-lt"/>
+                <a:ea typeface="+mn-ea"/>
+                <a:cs typeface="+mn-cs"/>
+                <a:sym typeface="Helvetica"/>
+              </a:rPr>
+              <a:t>П</a:t>
+            </a:r>
+            <a:r>
+              <a:t>еременная </a:t>
             </a:r>
             <a:r>
               <a:rPr b="1">
-                <a:latin typeface="+mj-lt"/>
-                <a:ea typeface="+mj-ea"/>
-                <a:cs typeface="+mj-cs"/>
+                <a:latin typeface="+mn-lt"/>
+                <a:ea typeface="+mn-ea"/>
+                <a:cs typeface="+mn-cs"/>
                 <a:sym typeface="Helvetica"/>
               </a:rPr>
               <a:t>tj</a:t>
@@ -10550,21 +11450,21 @@
             </a:r>
             <a:r>
               <a:rPr b="1">
-                <a:latin typeface="+mj-lt"/>
-                <a:ea typeface="+mj-ea"/>
-                <a:cs typeface="+mj-cs"/>
+                <a:latin typeface="+mn-lt"/>
+                <a:ea typeface="+mn-ea"/>
+                <a:cs typeface="+mn-cs"/>
                 <a:sym typeface="Helvetica"/>
               </a:rPr>
               <a:t>ti</a:t>
             </a:r>
             <a:r>
-              <a:t> – левой дочерней вершине. Инструкция выполняется, когда алгоритм обхода выходит из родительской вершины, значит регистр </a:t>
+              <a:t> – левой дочерней вершине. Инструкция выполняется, когда алгоритм обхода выходит из родительской вершины, значит переменная </a:t>
             </a:r>
             <a:r>
               <a:rPr b="1">
-                <a:latin typeface="+mj-lt"/>
-                <a:ea typeface="+mj-ea"/>
-                <a:cs typeface="+mj-cs"/>
+                <a:latin typeface="+mn-lt"/>
+                <a:ea typeface="+mn-ea"/>
+                <a:cs typeface="+mn-cs"/>
                 <a:sym typeface="Helvetica"/>
               </a:rPr>
               <a:t>ti </a:t>
@@ -10574,35 +11474,35 @@
             </a:r>
           </a:p>
           <a:p>
-            <a:pPr marL="0" indent="358330" defTabSz="905255">
+            <a:pPr marL="0" indent="358329" defTabSz="905255">
               <a:spcBef>
                 <a:spcPts val="900"/>
               </a:spcBef>
               <a:buSzTx/>
               <a:buNone/>
-              <a:defRPr sz="2772"/>
+              <a:defRPr sz="2700"/>
             </a:pPr>
             <a:r>
               <a:t>Принцип работы:</a:t>
             </a:r>
           </a:p>
           <a:p>
-            <a:pPr marL="358330" indent="-358330" defTabSz="905255">
+            <a:pPr marL="358329" indent="-358329" defTabSz="905255">
               <a:spcBef>
                 <a:spcPts val="900"/>
               </a:spcBef>
               <a:buFontTx/>
               <a:buAutoNum type="arabicParenR" startAt="1"/>
-              <a:defRPr sz="2772"/>
+              <a:defRPr sz="2700"/>
             </a:pPr>
             <a:r>
               <a:t>Ищем строку вида: </a:t>
             </a:r>
             <a:r>
               <a:rPr b="1">
-                <a:latin typeface="+mj-lt"/>
-                <a:ea typeface="+mj-ea"/>
-                <a:cs typeface="+mj-cs"/>
+                <a:latin typeface="+mn-lt"/>
+                <a:ea typeface="+mn-ea"/>
+                <a:cs typeface="+mn-cs"/>
                 <a:sym typeface="Helvetica"/>
               </a:rPr>
               <a:t>mov ti, tj, где i &gt; j</a:t>
@@ -10612,78 +11512,78 @@
             </a:r>
           </a:p>
           <a:p>
-            <a:pPr marL="358330" indent="-358330" defTabSz="905255">
+            <a:pPr marL="358329" indent="-358329" defTabSz="905255">
               <a:spcBef>
                 <a:spcPts val="900"/>
               </a:spcBef>
               <a:buFontTx/>
               <a:buAutoNum type="arabicParenR" startAt="1"/>
-              <a:defRPr sz="2772"/>
+              <a:defRPr sz="2700"/>
             </a:pPr>
             <a:r>
               <a:t>Ниже этой строки ищем первую строку вида: </a:t>
             </a:r>
             <a:r>
               <a:rPr b="1">
-                <a:latin typeface="+mj-lt"/>
-                <a:ea typeface="+mj-ea"/>
-                <a:cs typeface="+mj-cs"/>
+                <a:latin typeface="+mn-lt"/>
+                <a:ea typeface="+mn-ea"/>
+                <a:cs typeface="+mn-cs"/>
                 <a:sym typeface="Helvetica"/>
               </a:rPr>
               <a:t>decl tk;</a:t>
             </a:r>
             <a:endParaRPr b="1">
-              <a:latin typeface="+mj-lt"/>
-              <a:ea typeface="+mj-ea"/>
-              <a:cs typeface="+mj-cs"/>
+              <a:latin typeface="+mn-lt"/>
+              <a:ea typeface="+mn-ea"/>
+              <a:cs typeface="+mn-cs"/>
               <a:sym typeface="Helvetica"/>
             </a:endParaRPr>
           </a:p>
           <a:p>
-            <a:pPr marL="358330" indent="-358330" defTabSz="905255">
+            <a:pPr marL="358329" indent="-358329" defTabSz="905255">
               <a:spcBef>
                 <a:spcPts val="900"/>
               </a:spcBef>
               <a:buFontTx/>
               <a:buAutoNum type="arabicParenR" startAt="1"/>
-              <a:defRPr sz="2772"/>
+              <a:defRPr sz="2700"/>
             </a:pPr>
             <a:r>
               <a:t>Удаляем строку </a:t>
             </a:r>
             <a:r>
               <a:rPr b="1">
-                <a:latin typeface="+mj-lt"/>
-                <a:ea typeface="+mj-ea"/>
-                <a:cs typeface="+mj-cs"/>
+                <a:latin typeface="+mn-lt"/>
+                <a:ea typeface="+mn-ea"/>
+                <a:cs typeface="+mn-cs"/>
                 <a:sym typeface="Helvetica"/>
               </a:rPr>
               <a:t>decl tk;</a:t>
             </a:r>
             <a:endParaRPr b="1">
-              <a:latin typeface="+mj-lt"/>
-              <a:ea typeface="+mj-ea"/>
-              <a:cs typeface="+mj-cs"/>
+              <a:latin typeface="+mn-lt"/>
+              <a:ea typeface="+mn-ea"/>
+              <a:cs typeface="+mn-cs"/>
               <a:sym typeface="Helvetica"/>
             </a:endParaRPr>
           </a:p>
           <a:p>
-            <a:pPr marL="358330" indent="-358330" defTabSz="905255">
+            <a:pPr marL="358329" indent="-358329" defTabSz="905255">
               <a:spcBef>
                 <a:spcPts val="900"/>
               </a:spcBef>
               <a:buFontTx/>
               <a:buAutoNum type="arabicParenR" startAt="1"/>
-              <a:defRPr sz="2772"/>
+              <a:defRPr sz="2700"/>
             </a:pPr>
             <a:r>
               <a:t>Заменяем все </a:t>
             </a:r>
             <a:r>
               <a:rPr b="1">
-                <a:latin typeface="+mj-lt"/>
-                <a:ea typeface="+mj-ea"/>
-                <a:cs typeface="+mj-cs"/>
+                <a:latin typeface="+mn-lt"/>
+                <a:ea typeface="+mn-ea"/>
+                <a:cs typeface="+mn-cs"/>
                 <a:sym typeface="Helvetica"/>
               </a:rPr>
               <a:t>tk</a:t>
@@ -10693,9 +11593,9 @@
             </a:r>
             <a:r>
               <a:rPr b="1">
-                <a:latin typeface="+mj-lt"/>
-                <a:ea typeface="+mj-ea"/>
-                <a:cs typeface="+mj-cs"/>
+                <a:latin typeface="+mn-lt"/>
+                <a:ea typeface="+mn-ea"/>
+                <a:cs typeface="+mn-cs"/>
                 <a:sym typeface="Helvetica"/>
               </a:rPr>
               <a:t>ti </a:t>
@@ -10734,7 +11634,7 @@
       </p:grpSpPr>
       <p:sp>
         <p:nvSpPr>
-          <p:cNvPr id="335" name="Заголовок 2"/>
+          <p:cNvPr id="369" name="Заголовок 2"/>
           <p:cNvSpPr txBox="1"/>
           <p:nvPr>
             <p:ph type="title"/>
@@ -10743,7 +11643,7 @@
         <p:spPr>
           <a:xfrm>
             <a:off x="809587" y="500040"/>
-            <a:ext cx="10515601" cy="785821"/>
+            <a:ext cx="10515601" cy="785822"/>
           </a:xfrm>
           <a:prstGeom prst="rect">
             <a:avLst/>
@@ -10757,14 +11657,14 @@
           <a:p>
             <a:pPr/>
             <a:r>
-              <a:t>Безопасное изменение кода</a:t>
-            </a:r>
-          </a:p>
-        </p:txBody>
-      </p:sp>
-      <p:sp>
-        <p:nvSpPr>
-          <p:cNvPr id="336" name="Текст 3"/>
+              <a:t>F. Безопасное изменение кода</a:t>
+            </a:r>
+          </a:p>
+        </p:txBody>
+      </p:sp>
+      <p:sp>
+        <p:nvSpPr>
+          <p:cNvPr id="370" name="Текст 3"/>
           <p:cNvSpPr txBox="1"/>
           <p:nvPr>
             <p:ph type="body" idx="1"/>
@@ -10773,7 +11673,7 @@
         <p:spPr>
           <a:xfrm>
             <a:off x="523835" y="1785926"/>
-            <a:ext cx="11287206" cy="4857786"/>
+            <a:ext cx="11287206" cy="4857787"/>
           </a:xfrm>
           <a:prstGeom prst="rect">
             <a:avLst/>
@@ -10792,9 +11692,9 @@
             </a:r>
             <a:r>
               <a:rPr b="1">
-                <a:latin typeface="+mj-lt"/>
-                <a:ea typeface="+mj-ea"/>
-                <a:cs typeface="+mj-cs"/>
+                <a:latin typeface="+mn-lt"/>
+                <a:ea typeface="+mn-ea"/>
+                <a:cs typeface="+mn-cs"/>
                 <a:sym typeface="Helvetica"/>
               </a:rPr>
               <a:t>decl tk </a:t>
@@ -10804,9 +11704,9 @@
             </a:r>
             <a:r>
               <a:rPr b="1">
-                <a:latin typeface="+mj-lt"/>
-                <a:ea typeface="+mj-ea"/>
-                <a:cs typeface="+mj-cs"/>
+                <a:latin typeface="+mn-lt"/>
+                <a:ea typeface="+mn-ea"/>
+                <a:cs typeface="+mn-cs"/>
                 <a:sym typeface="Helvetica"/>
               </a:rPr>
               <a:t>tk</a:t>
@@ -10816,9 +11716,9 @@
             </a:r>
             <a:r>
               <a:rPr b="1">
-                <a:latin typeface="+mj-lt"/>
-                <a:ea typeface="+mj-ea"/>
-                <a:cs typeface="+mj-cs"/>
+                <a:latin typeface="+mn-lt"/>
+                <a:ea typeface="+mn-ea"/>
+                <a:cs typeface="+mn-cs"/>
                 <a:sym typeface="Helvetica"/>
               </a:rPr>
               <a:t>ti</a:t>
@@ -10837,21 +11737,21 @@
             </a:r>
             <a:r>
               <a:rPr b="1">
-                <a:latin typeface="+mj-lt"/>
-                <a:ea typeface="+mj-ea"/>
-                <a:cs typeface="+mj-cs"/>
+                <a:latin typeface="+mn-lt"/>
+                <a:ea typeface="+mn-ea"/>
+                <a:cs typeface="+mn-cs"/>
                 <a:sym typeface="Helvetica"/>
               </a:rPr>
               <a:t>decl tk </a:t>
             </a:r>
             <a:r>
-              <a:t>существует в коде, то регистру </a:t>
+              <a:t>существует в коде, то переменная </a:t>
             </a:r>
             <a:r>
               <a:rPr b="1">
-                <a:latin typeface="+mj-lt"/>
-                <a:ea typeface="+mj-ea"/>
-                <a:cs typeface="+mj-cs"/>
+                <a:latin typeface="+mn-lt"/>
+                <a:ea typeface="+mn-ea"/>
+                <a:cs typeface="+mn-cs"/>
                 <a:sym typeface="Helvetica"/>
               </a:rPr>
               <a:t>tk</a:t>
@@ -10861,9 +11761,9 @@
             </a:r>
             <a:r>
               <a:rPr b="1">
-                <a:latin typeface="+mj-lt"/>
-                <a:ea typeface="+mj-ea"/>
-                <a:cs typeface="+mj-cs"/>
+                <a:latin typeface="+mn-lt"/>
+                <a:ea typeface="+mn-ea"/>
+                <a:cs typeface="+mn-cs"/>
                 <a:sym typeface="Helvetica"/>
               </a:rPr>
               <a:t>S </a:t>
@@ -10873,9 +11773,9 @@
             </a:r>
             <a:r>
               <a:rPr b="1">
-                <a:latin typeface="+mj-lt"/>
-                <a:ea typeface="+mj-ea"/>
-                <a:cs typeface="+mj-cs"/>
+                <a:latin typeface="+mn-lt"/>
+                <a:ea typeface="+mn-ea"/>
+                <a:cs typeface="+mn-cs"/>
                 <a:sym typeface="Helvetica"/>
               </a:rPr>
               <a:t>mov &lt;val&gt;, tk</a:t>
@@ -10885,15 +11785,15 @@
             </a:r>
             <a:r>
               <a:rPr b="1">
-                <a:latin typeface="+mj-lt"/>
-                <a:ea typeface="+mj-ea"/>
-                <a:cs typeface="+mj-cs"/>
+                <a:latin typeface="+mn-lt"/>
+                <a:ea typeface="+mn-ea"/>
+                <a:cs typeface="+mn-cs"/>
                 <a:sym typeface="Helvetica"/>
               </a:rPr>
               <a:t>&lt;val&gt; </a:t>
             </a:r>
             <a:r>
-              <a:t>- число или регистр.</a:t>
+              <a:t>- число или переменная.</a:t>
             </a:r>
           </a:p>
           <a:p>
@@ -10906,9 +11806,9 @@
             </a:r>
             <a:r>
               <a:rPr b="1">
-                <a:latin typeface="+mj-lt"/>
-                <a:ea typeface="+mj-ea"/>
-                <a:cs typeface="+mj-cs"/>
+                <a:latin typeface="+mn-lt"/>
+                <a:ea typeface="+mn-ea"/>
+                <a:cs typeface="+mn-cs"/>
                 <a:sym typeface="Helvetica"/>
               </a:rPr>
               <a:t>decl tk </a:t>
@@ -10918,9 +11818,9 @@
             </a:r>
             <a:r>
               <a:rPr b="1">
-                <a:latin typeface="+mj-lt"/>
-                <a:ea typeface="+mj-ea"/>
-                <a:cs typeface="+mj-cs"/>
+                <a:latin typeface="+mn-lt"/>
+                <a:ea typeface="+mn-ea"/>
+                <a:cs typeface="+mn-cs"/>
                 <a:sym typeface="Helvetica"/>
               </a:rPr>
               <a:t>tk</a:t>
@@ -10930,9 +11830,9 @@
             </a:r>
             <a:r>
               <a:rPr b="1">
-                <a:latin typeface="+mj-lt"/>
-                <a:ea typeface="+mj-ea"/>
-                <a:cs typeface="+mj-cs"/>
+                <a:latin typeface="+mn-lt"/>
+                <a:ea typeface="+mn-ea"/>
+                <a:cs typeface="+mn-cs"/>
                 <a:sym typeface="Helvetica"/>
               </a:rPr>
               <a:t>ti</a:t>
@@ -10942,9 +11842,9 @@
             </a:r>
             <a:r>
               <a:rPr b="1">
-                <a:latin typeface="+mj-lt"/>
-                <a:ea typeface="+mj-ea"/>
-                <a:cs typeface="+mj-cs"/>
+                <a:latin typeface="+mn-lt"/>
+                <a:ea typeface="+mn-ea"/>
+                <a:cs typeface="+mn-cs"/>
                 <a:sym typeface="Helvetica"/>
               </a:rPr>
               <a:t>S</a:t>
@@ -10954,33 +11854,33 @@
             </a:r>
             <a:r>
               <a:rPr b="1">
-                <a:latin typeface="+mj-lt"/>
-                <a:ea typeface="+mj-ea"/>
-                <a:cs typeface="+mj-cs"/>
+                <a:latin typeface="+mn-lt"/>
+                <a:ea typeface="+mn-ea"/>
+                <a:cs typeface="+mn-cs"/>
                 <a:sym typeface="Helvetica"/>
               </a:rPr>
               <a:t>mov &lt;val&gt;, ti</a:t>
             </a:r>
             <a:r>
-              <a:t>. Теперь регистр </a:t>
+              <a:t>. Теперь переменная </a:t>
             </a:r>
             <a:r>
               <a:rPr b="1">
-                <a:latin typeface="+mj-lt"/>
-                <a:ea typeface="+mj-ea"/>
-                <a:cs typeface="+mj-cs"/>
+                <a:latin typeface="+mn-lt"/>
+                <a:ea typeface="+mn-ea"/>
+                <a:cs typeface="+mn-cs"/>
                 <a:sym typeface="Helvetica"/>
               </a:rPr>
               <a:t>ti</a:t>
             </a:r>
             <a:r>
-              <a:t> полностью заменяет регистр </a:t>
+              <a:t> полностью заменяет переменная </a:t>
             </a:r>
             <a:r>
               <a:rPr b="1">
-                <a:latin typeface="+mj-lt"/>
-                <a:ea typeface="+mj-ea"/>
-                <a:cs typeface="+mj-cs"/>
+                <a:latin typeface="+mn-lt"/>
+                <a:ea typeface="+mn-ea"/>
+                <a:cs typeface="+mn-cs"/>
                 <a:sym typeface="Helvetica"/>
               </a:rPr>
               <a:t>tk</a:t>
@@ -11019,7 +11919,7 @@
       </p:grpSpPr>
       <p:sp>
         <p:nvSpPr>
-          <p:cNvPr id="338" name="Заголовок 2"/>
+          <p:cNvPr id="372" name="Заголовок 2"/>
           <p:cNvSpPr txBox="1"/>
           <p:nvPr>
             <p:ph type="title"/>
@@ -11042,20 +11942,20 @@
           <a:p>
             <a:pPr/>
             <a:r>
-              <a:t>Пример оптимизации: mov t3, t2</a:t>
-            </a:r>
-          </a:p>
-        </p:txBody>
-      </p:sp>
-      <p:sp>
-        <p:nvSpPr>
-          <p:cNvPr id="339" name="1.   decl t0…"/>
+              <a:t>F. Пример оптимизации: mov t3, t2</a:t>
+            </a:r>
+          </a:p>
+        </p:txBody>
+      </p:sp>
+      <p:sp>
+        <p:nvSpPr>
+          <p:cNvPr id="373" name="1.   decl t0…"/>
           <p:cNvSpPr txBox="1"/>
           <p:nvPr/>
         </p:nvSpPr>
         <p:spPr>
           <a:xfrm>
-            <a:off x="666711" y="1071546"/>
+            <a:off x="666710" y="1071546"/>
             <a:ext cx="1590261" cy="5882984"/>
           </a:xfrm>
           <a:prstGeom prst="rect">
@@ -11249,13 +12149,13 @@
       </p:sp>
       <p:sp>
         <p:nvSpPr>
-          <p:cNvPr id="340" name="21. mov t9 t8…"/>
+          <p:cNvPr id="374" name="21. mov t9 t8…"/>
           <p:cNvSpPr txBox="1"/>
           <p:nvPr/>
         </p:nvSpPr>
         <p:spPr>
           <a:xfrm>
-            <a:off x="2595538" y="1142983"/>
+            <a:off x="2595538" y="1142982"/>
             <a:ext cx="1706123" cy="3546185"/>
           </a:xfrm>
           <a:prstGeom prst="rect">
@@ -11351,7 +12251,7 @@
       </p:sp>
       <p:sp>
         <p:nvSpPr>
-          <p:cNvPr id="341" name="1.   decl t0…"/>
+          <p:cNvPr id="375" name="1.   decl t0…"/>
           <p:cNvSpPr txBox="1"/>
           <p:nvPr/>
         </p:nvSpPr>
@@ -11538,7 +12438,7 @@
       </p:sp>
       <p:sp>
         <p:nvSpPr>
-          <p:cNvPr id="342" name="21. mov t9 t8…"/>
+          <p:cNvPr id="376" name="21. mov t9 t8…"/>
           <p:cNvSpPr txBox="1"/>
           <p:nvPr/>
         </p:nvSpPr>
@@ -11640,14 +12540,14 @@
       </p:sp>
       <p:sp>
         <p:nvSpPr>
-          <p:cNvPr id="343" name="Стрелка вправо 8"/>
+          <p:cNvPr id="377" name="Стрелка вправо 8"/>
           <p:cNvSpPr/>
           <p:nvPr/>
         </p:nvSpPr>
         <p:spPr>
           <a:xfrm>
             <a:off x="5095868" y="3143248"/>
-            <a:ext cx="1500198" cy="697943"/>
+            <a:ext cx="1500198" cy="697944"/>
           </a:xfrm>
           <a:prstGeom prst="rightArrow">
             <a:avLst>
@@ -11706,7 +12606,7 @@
       </p:grpSpPr>
       <p:sp>
         <p:nvSpPr>
-          <p:cNvPr id="345" name="Заголовок 2"/>
+          <p:cNvPr id="379" name="Заголовок 2"/>
           <p:cNvSpPr txBox="1"/>
           <p:nvPr>
             <p:ph type="title"/>
@@ -11729,20 +12629,20 @@
           <a:p>
             <a:pPr/>
             <a:r>
-              <a:t>Пример оптимизации: mov t2, t1</a:t>
-            </a:r>
-          </a:p>
-        </p:txBody>
-      </p:sp>
-      <p:sp>
-        <p:nvSpPr>
-          <p:cNvPr id="346" name="1.   decl t0…"/>
+              <a:t>F. Пример оптимизации: mov t2, t1</a:t>
+            </a:r>
+          </a:p>
+        </p:txBody>
+      </p:sp>
+      <p:sp>
+        <p:nvSpPr>
+          <p:cNvPr id="380" name="1.   decl t0…"/>
           <p:cNvSpPr txBox="1"/>
           <p:nvPr/>
         </p:nvSpPr>
         <p:spPr>
           <a:xfrm>
-            <a:off x="7310446" y="1225689"/>
+            <a:off x="7310446" y="1057357"/>
             <a:ext cx="1590260" cy="5882984"/>
           </a:xfrm>
           <a:prstGeom prst="rect">
@@ -11899,13 +12799,13 @@
       </p:sp>
       <p:sp>
         <p:nvSpPr>
-          <p:cNvPr id="347" name="21. mov t9 t8…"/>
+          <p:cNvPr id="381" name="21. mov t9 t8…"/>
           <p:cNvSpPr txBox="1"/>
           <p:nvPr/>
         </p:nvSpPr>
         <p:spPr>
           <a:xfrm>
-            <a:off x="9096395" y="1214421"/>
+            <a:off x="9096395" y="1214420"/>
             <a:ext cx="1706123" cy="3546185"/>
           </a:xfrm>
           <a:prstGeom prst="rect">
@@ -12038,14 +12938,14 @@
       </p:sp>
       <p:sp>
         <p:nvSpPr>
-          <p:cNvPr id="348" name="Стрелка вправо 8"/>
+          <p:cNvPr id="382" name="Стрелка вправо 8"/>
           <p:cNvSpPr/>
           <p:nvPr/>
         </p:nvSpPr>
         <p:spPr>
           <a:xfrm>
             <a:off x="5095868" y="3143248"/>
-            <a:ext cx="1500198" cy="697943"/>
+            <a:ext cx="1500198" cy="697944"/>
           </a:xfrm>
           <a:prstGeom prst="rightArrow">
             <a:avLst>
@@ -12078,13 +12978,13 @@
       </p:sp>
       <p:sp>
         <p:nvSpPr>
-          <p:cNvPr id="349" name="1.   decl t0…"/>
+          <p:cNvPr id="383" name="1.   decl t0…"/>
           <p:cNvSpPr txBox="1"/>
           <p:nvPr/>
         </p:nvSpPr>
         <p:spPr>
           <a:xfrm>
-            <a:off x="666711" y="1225689"/>
+            <a:off x="666710" y="1057357"/>
             <a:ext cx="1590261" cy="5882984"/>
           </a:xfrm>
           <a:prstGeom prst="rect">
@@ -12254,13 +13154,13 @@
       </p:sp>
       <p:sp>
         <p:nvSpPr>
-          <p:cNvPr id="350" name="21. mov t9 t8…"/>
+          <p:cNvPr id="384" name="21. mov t9 t8…"/>
           <p:cNvSpPr txBox="1"/>
           <p:nvPr/>
         </p:nvSpPr>
         <p:spPr>
           <a:xfrm>
-            <a:off x="2452660" y="1225689"/>
+            <a:off x="2452659" y="1225689"/>
             <a:ext cx="1706123" cy="3546184"/>
           </a:xfrm>
           <a:prstGeom prst="rect">
@@ -12419,7 +13319,7 @@
       </p:grpSpPr>
       <p:sp>
         <p:nvSpPr>
-          <p:cNvPr id="352" name="Заголовок 2"/>
+          <p:cNvPr id="386" name="Заголовок 2"/>
           <p:cNvSpPr txBox="1"/>
           <p:nvPr>
             <p:ph type="title"/>
@@ -12442,20 +13342,20 @@
           <a:p>
             <a:pPr/>
             <a:r>
-              <a:t>Пример оптимизации: mov t9, t8</a:t>
-            </a:r>
-          </a:p>
-        </p:txBody>
-      </p:sp>
-      <p:sp>
-        <p:nvSpPr>
-          <p:cNvPr id="353" name="1.   decl t0…"/>
+              <a:t>F. Пример оптимизации: mov t9, t8</a:t>
+            </a:r>
+          </a:p>
+        </p:txBody>
+      </p:sp>
+      <p:sp>
+        <p:nvSpPr>
+          <p:cNvPr id="387" name="1.   decl t0…"/>
           <p:cNvSpPr txBox="1"/>
           <p:nvPr/>
         </p:nvSpPr>
         <p:spPr>
           <a:xfrm>
-            <a:off x="7310446" y="1225689"/>
+            <a:off x="7310446" y="1033310"/>
             <a:ext cx="1590260" cy="5882984"/>
           </a:xfrm>
           <a:prstGeom prst="rect">
@@ -12599,13 +13499,13 @@
       </p:sp>
       <p:sp>
         <p:nvSpPr>
-          <p:cNvPr id="354" name="21. mov t9 t8…"/>
+          <p:cNvPr id="388" name="21. mov t9 t8…"/>
           <p:cNvSpPr txBox="1"/>
           <p:nvPr/>
         </p:nvSpPr>
         <p:spPr>
           <a:xfrm>
-            <a:off x="9096395" y="1214421"/>
+            <a:off x="9096395" y="1214420"/>
             <a:ext cx="1706123" cy="3546185"/>
           </a:xfrm>
           <a:prstGeom prst="rect">
@@ -12738,14 +13638,14 @@
       </p:sp>
       <p:sp>
         <p:nvSpPr>
-          <p:cNvPr id="355" name="Стрелка вправо 8"/>
+          <p:cNvPr id="389" name="Стрелка вправо 8"/>
           <p:cNvSpPr/>
           <p:nvPr/>
         </p:nvSpPr>
         <p:spPr>
           <a:xfrm>
             <a:off x="5095868" y="3143248"/>
-            <a:ext cx="1500198" cy="697943"/>
+            <a:ext cx="1500198" cy="697944"/>
           </a:xfrm>
           <a:prstGeom prst="rightArrow">
             <a:avLst>
@@ -12778,13 +13678,13 @@
       </p:sp>
       <p:sp>
         <p:nvSpPr>
-          <p:cNvPr id="356" name="1.   decl t0…"/>
+          <p:cNvPr id="390" name="1.   decl t0…"/>
           <p:cNvSpPr txBox="1"/>
           <p:nvPr/>
         </p:nvSpPr>
         <p:spPr>
           <a:xfrm>
-            <a:off x="738148" y="1225689"/>
+            <a:off x="738147" y="1033310"/>
             <a:ext cx="1590261" cy="5882984"/>
           </a:xfrm>
           <a:prstGeom prst="rect">
@@ -12928,14 +13828,14 @@
       </p:sp>
       <p:sp>
         <p:nvSpPr>
-          <p:cNvPr id="357" name="21. mov t9 t8…"/>
+          <p:cNvPr id="391" name="21. mov t9 t8…"/>
           <p:cNvSpPr txBox="1"/>
           <p:nvPr/>
         </p:nvSpPr>
         <p:spPr>
           <a:xfrm>
-            <a:off x="2524100" y="1214421"/>
-            <a:ext cx="1706122" cy="3546185"/>
+            <a:off x="2524099" y="1214420"/>
+            <a:ext cx="1706123" cy="3546185"/>
           </a:xfrm>
           <a:prstGeom prst="rect">
             <a:avLst/>
@@ -13106,7 +14006,7 @@
       </p:grpSpPr>
       <p:sp>
         <p:nvSpPr>
-          <p:cNvPr id="359" name="Заголовок 2"/>
+          <p:cNvPr id="393" name="Заголовок 2"/>
           <p:cNvSpPr txBox="1"/>
           <p:nvPr>
             <p:ph type="title"/>
@@ -13129,20 +14029,20 @@
           <a:p>
             <a:pPr/>
             <a:r>
-              <a:t>Пример оптимизации: mov t8, t7</a:t>
-            </a:r>
-          </a:p>
-        </p:txBody>
-      </p:sp>
-      <p:sp>
-        <p:nvSpPr>
-          <p:cNvPr id="360" name="1.   decl t0…"/>
+              <a:t>F. Пример оптимизации: mov t8, t7</a:t>
+            </a:r>
+          </a:p>
+        </p:txBody>
+      </p:sp>
+      <p:sp>
+        <p:nvSpPr>
+          <p:cNvPr id="394" name="1.   decl t0…"/>
           <p:cNvSpPr txBox="1"/>
           <p:nvPr/>
         </p:nvSpPr>
         <p:spPr>
           <a:xfrm>
-            <a:off x="7310446" y="1225689"/>
+            <a:off x="7310446" y="1021286"/>
             <a:ext cx="1590260" cy="5882984"/>
           </a:xfrm>
           <a:prstGeom prst="rect">
@@ -13286,13 +14186,13 @@
       </p:sp>
       <p:sp>
         <p:nvSpPr>
-          <p:cNvPr id="361" name="21. mov t9 t8…"/>
+          <p:cNvPr id="395" name="21. mov t9 t8…"/>
           <p:cNvSpPr txBox="1"/>
           <p:nvPr/>
         </p:nvSpPr>
         <p:spPr>
           <a:xfrm>
-            <a:off x="9096395" y="1214421"/>
+            <a:off x="9096395" y="1214420"/>
             <a:ext cx="1590260" cy="3546185"/>
           </a:xfrm>
           <a:prstGeom prst="rect">
@@ -13425,14 +14325,14 @@
       </p:sp>
       <p:sp>
         <p:nvSpPr>
-          <p:cNvPr id="362" name="Стрелка вправо 8"/>
+          <p:cNvPr id="396" name="Стрелка вправо 8"/>
           <p:cNvSpPr/>
           <p:nvPr/>
         </p:nvSpPr>
         <p:spPr>
           <a:xfrm>
             <a:off x="5095868" y="3143248"/>
-            <a:ext cx="1500198" cy="697943"/>
+            <a:ext cx="1500198" cy="697944"/>
           </a:xfrm>
           <a:prstGeom prst="rightArrow">
             <a:avLst>
@@ -13465,14 +14365,14 @@
       </p:sp>
       <p:sp>
         <p:nvSpPr>
-          <p:cNvPr id="363" name="1.   decl t0…"/>
+          <p:cNvPr id="397" name="1.   decl t0…"/>
           <p:cNvSpPr txBox="1"/>
           <p:nvPr/>
         </p:nvSpPr>
         <p:spPr>
           <a:xfrm>
-            <a:off x="738148" y="1225689"/>
-            <a:ext cx="1590261" cy="5882984"/>
+            <a:off x="750171" y="1021286"/>
+            <a:ext cx="1590260" cy="5882984"/>
           </a:xfrm>
           <a:prstGeom prst="rect">
             <a:avLst/>
@@ -13615,14 +14515,14 @@
       </p:sp>
       <p:sp>
         <p:nvSpPr>
-          <p:cNvPr id="364" name="21. mov t9 t8…"/>
+          <p:cNvPr id="398" name="21. mov t9 t8…"/>
           <p:cNvSpPr txBox="1"/>
           <p:nvPr/>
         </p:nvSpPr>
         <p:spPr>
           <a:xfrm>
-            <a:off x="2524100" y="1214421"/>
-            <a:ext cx="1706122" cy="3546185"/>
+            <a:off x="2524099" y="1214420"/>
+            <a:ext cx="1706123" cy="3546185"/>
           </a:xfrm>
           <a:prstGeom prst="rect">
             <a:avLst/>
@@ -13801,8 +14701,8 @@
         </p:nvSpPr>
         <p:spPr>
           <a:xfrm>
-            <a:off x="838200" y="355597"/>
-            <a:ext cx="10515600" cy="715536"/>
+            <a:off x="838200" y="355596"/>
+            <a:ext cx="10515600" cy="715538"/>
           </a:xfrm>
           <a:prstGeom prst="rect">
             <a:avLst/>
@@ -13816,31 +14716,410 @@
           <a:p>
             <a:pPr/>
             <a:r>
-              <a:t>Псевдо-машинный код</a:t>
-            </a:r>
-          </a:p>
-        </p:txBody>
-      </p:sp>
-      <p:pic>
-        <p:nvPicPr>
-          <p:cNvPr id="124" name="Picture 2" descr="Picture 2"/>
-          <p:cNvPicPr>
-            <a:picLocks noChangeAspect="1"/>
-          </p:cNvPicPr>
-          <p:nvPr/>
-        </p:nvPicPr>
-        <p:blipFill>
-          <a:blip r:embed="rId2">
-            <a:extLst/>
-          </a:blip>
-          <a:stretch>
-            <a:fillRect/>
-          </a:stretch>
-        </p:blipFill>
-        <p:spPr>
-          <a:xfrm>
-            <a:off x="1095340" y="1118606"/>
-            <a:ext cx="10001320" cy="5739394"/>
+              <a:t>А. Псевдо-машинный код</a:t>
+            </a:r>
+          </a:p>
+        </p:txBody>
+      </p:sp>
+      <p:grpSp>
+        <p:nvGrpSpPr>
+          <p:cNvPr id="132" name="Группа"/>
+          <p:cNvGrpSpPr/>
+          <p:nvPr/>
+        </p:nvGrpSpPr>
+        <p:grpSpPr>
+          <a:xfrm>
+            <a:off x="2332873" y="1779049"/>
+            <a:ext cx="7526254" cy="4319044"/>
+            <a:chOff x="0" y="0"/>
+            <a:chExt cx="7526253" cy="4319042"/>
+          </a:xfrm>
+        </p:grpSpPr>
+        <p:pic>
+          <p:nvPicPr>
+            <p:cNvPr id="124" name="Picture 2" descr="Picture 2"/>
+            <p:cNvPicPr>
+              <a:picLocks noChangeAspect="1"/>
+            </p:cNvPicPr>
+            <p:nvPr/>
+          </p:nvPicPr>
+          <p:blipFill>
+            <a:blip r:embed="rId2">
+              <a:extLst/>
+            </a:blip>
+            <a:stretch>
+              <a:fillRect/>
+            </a:stretch>
+          </p:blipFill>
+          <p:spPr>
+            <a:xfrm>
+              <a:off x="0" y="0"/>
+              <a:ext cx="7526254" cy="4319043"/>
+            </a:xfrm>
+            <a:prstGeom prst="rect">
+              <a:avLst/>
+            </a:prstGeom>
+            <a:ln w="12700" cap="flat">
+              <a:noFill/>
+              <a:miter lim="400000"/>
+            </a:ln>
+            <a:effectLst/>
+          </p:spPr>
+        </p:pic>
+        <p:sp>
+          <p:nvSpPr>
+            <p:cNvPr id="125" name="переменную"/>
+            <p:cNvSpPr txBox="1"/>
+            <p:nvPr/>
+          </p:nvSpPr>
+          <p:spPr>
+            <a:xfrm>
+              <a:off x="3385220" y="17272"/>
+              <a:ext cx="755813" cy="194301"/>
+            </a:xfrm>
+            <a:prstGeom prst="rect">
+              <a:avLst/>
+            </a:prstGeom>
+            <a:solidFill>
+              <a:srgbClr val="000000"/>
+            </a:solidFill>
+            <a:ln w="12700" cap="flat">
+              <a:noFill/>
+              <a:miter lim="400000"/>
+            </a:ln>
+            <a:effectLst/>
+            <a:extLst>
+              <a:ext uri="{C572A759-6A51-4108-AA02-DFA0A04FC94B}">
+                <ma14:wrappingTextBoxFlag xmlns:ma14="http://schemas.microsoft.com/office/mac/drawingml/2011/main" val="1"/>
+              </a:ext>
+            </a:extLst>
+          </p:spPr>
+          <p:txBody>
+            <a:bodyPr wrap="square" lIns="45718" tIns="45718" rIns="45718" bIns="45718" numCol="1" anchor="t">
+              <a:noAutofit/>
+            </a:bodyPr>
+            <a:lstStyle>
+              <a:lvl1pPr>
+                <a:defRPr sz="1300">
+                  <a:solidFill>
+                    <a:srgbClr val="535353"/>
+                  </a:solidFill>
+                </a:defRPr>
+              </a:lvl1pPr>
+            </a:lstStyle>
+            <a:p>
+              <a:pPr/>
+              <a:r>
+                <a:t>переменную</a:t>
+              </a:r>
+            </a:p>
+          </p:txBody>
+        </p:sp>
+        <p:sp>
+          <p:nvSpPr>
+            <p:cNvPr id="126" name="переменную"/>
+            <p:cNvSpPr txBox="1"/>
+            <p:nvPr/>
+          </p:nvSpPr>
+          <p:spPr>
+            <a:xfrm>
+              <a:off x="2630211" y="418669"/>
+              <a:ext cx="755813" cy="194302"/>
+            </a:xfrm>
+            <a:prstGeom prst="rect">
+              <a:avLst/>
+            </a:prstGeom>
+            <a:solidFill>
+              <a:srgbClr val="000000"/>
+            </a:solidFill>
+            <a:ln w="12700" cap="flat">
+              <a:noFill/>
+              <a:miter lim="400000"/>
+            </a:ln>
+            <a:effectLst/>
+            <a:extLst>
+              <a:ext uri="{C572A759-6A51-4108-AA02-DFA0A04FC94B}">
+                <ma14:wrappingTextBoxFlag xmlns:ma14="http://schemas.microsoft.com/office/mac/drawingml/2011/main" val="1"/>
+              </a:ext>
+            </a:extLst>
+          </p:spPr>
+          <p:txBody>
+            <a:bodyPr wrap="square" lIns="45718" tIns="45718" rIns="45718" bIns="45718" numCol="1" anchor="t">
+              <a:noAutofit/>
+            </a:bodyPr>
+            <a:lstStyle>
+              <a:lvl1pPr>
+                <a:defRPr sz="1300">
+                  <a:solidFill>
+                    <a:srgbClr val="535353"/>
+                  </a:solidFill>
+                </a:defRPr>
+              </a:lvl1pPr>
+            </a:lstStyle>
+            <a:p>
+              <a:pPr/>
+              <a:r>
+                <a:t>переменную</a:t>
+              </a:r>
+            </a:p>
+          </p:txBody>
+        </p:sp>
+        <p:sp>
+          <p:nvSpPr>
+            <p:cNvPr id="127" name="переменную"/>
+            <p:cNvSpPr txBox="1"/>
+            <p:nvPr/>
+          </p:nvSpPr>
+          <p:spPr>
+            <a:xfrm>
+              <a:off x="2630211" y="667153"/>
+              <a:ext cx="755813" cy="194302"/>
+            </a:xfrm>
+            <a:prstGeom prst="rect">
+              <a:avLst/>
+            </a:prstGeom>
+            <a:solidFill>
+              <a:srgbClr val="000000"/>
+            </a:solidFill>
+            <a:ln w="12700" cap="flat">
+              <a:noFill/>
+              <a:miter lim="400000"/>
+            </a:ln>
+            <a:effectLst/>
+            <a:extLst>
+              <a:ext uri="{C572A759-6A51-4108-AA02-DFA0A04FC94B}">
+                <ma14:wrappingTextBoxFlag xmlns:ma14="http://schemas.microsoft.com/office/mac/drawingml/2011/main" val="1"/>
+              </a:ext>
+            </a:extLst>
+          </p:spPr>
+          <p:txBody>
+            <a:bodyPr wrap="square" lIns="45718" tIns="45718" rIns="45718" bIns="45718" numCol="1" anchor="t">
+              <a:noAutofit/>
+            </a:bodyPr>
+            <a:lstStyle>
+              <a:lvl1pPr>
+                <a:defRPr sz="1300">
+                  <a:solidFill>
+                    <a:srgbClr val="535353"/>
+                  </a:solidFill>
+                </a:defRPr>
+              </a:lvl1pPr>
+            </a:lstStyle>
+            <a:p>
+              <a:pPr/>
+              <a:r>
+                <a:t>переменную</a:t>
+              </a:r>
+            </a:p>
+          </p:txBody>
+        </p:sp>
+        <p:sp>
+          <p:nvSpPr>
+            <p:cNvPr id="128" name="переменную"/>
+            <p:cNvSpPr txBox="1"/>
+            <p:nvPr/>
+          </p:nvSpPr>
+          <p:spPr>
+            <a:xfrm>
+              <a:off x="3385220" y="1718432"/>
+              <a:ext cx="755813" cy="194301"/>
+            </a:xfrm>
+            <a:prstGeom prst="rect">
+              <a:avLst/>
+            </a:prstGeom>
+            <a:solidFill>
+              <a:srgbClr val="000000"/>
+            </a:solidFill>
+            <a:ln w="12700" cap="flat">
+              <a:noFill/>
+              <a:miter lim="400000"/>
+            </a:ln>
+            <a:effectLst/>
+            <a:extLst>
+              <a:ext uri="{C572A759-6A51-4108-AA02-DFA0A04FC94B}">
+                <ma14:wrappingTextBoxFlag xmlns:ma14="http://schemas.microsoft.com/office/mac/drawingml/2011/main" val="1"/>
+              </a:ext>
+            </a:extLst>
+          </p:spPr>
+          <p:txBody>
+            <a:bodyPr wrap="square" lIns="45718" tIns="45718" rIns="45718" bIns="45718" numCol="1" anchor="t">
+              <a:noAutofit/>
+            </a:bodyPr>
+            <a:lstStyle>
+              <a:lvl1pPr>
+                <a:defRPr sz="1300">
+                  <a:solidFill>
+                    <a:srgbClr val="535353"/>
+                  </a:solidFill>
+                </a:defRPr>
+              </a:lvl1pPr>
+            </a:lstStyle>
+            <a:p>
+              <a:pPr/>
+              <a:r>
+                <a:t>переменную</a:t>
+              </a:r>
+            </a:p>
+          </p:txBody>
+        </p:sp>
+        <p:sp>
+          <p:nvSpPr>
+            <p:cNvPr id="129" name="переменную"/>
+            <p:cNvSpPr txBox="1"/>
+            <p:nvPr/>
+          </p:nvSpPr>
+          <p:spPr>
+            <a:xfrm>
+              <a:off x="3385220" y="2588126"/>
+              <a:ext cx="755813" cy="194302"/>
+            </a:xfrm>
+            <a:prstGeom prst="rect">
+              <a:avLst/>
+            </a:prstGeom>
+            <a:solidFill>
+              <a:srgbClr val="000000"/>
+            </a:solidFill>
+            <a:ln w="12700" cap="flat">
+              <a:noFill/>
+              <a:miter lim="400000"/>
+            </a:ln>
+            <a:effectLst/>
+            <a:extLst>
+              <a:ext uri="{C572A759-6A51-4108-AA02-DFA0A04FC94B}">
+                <ma14:wrappingTextBoxFlag xmlns:ma14="http://schemas.microsoft.com/office/mac/drawingml/2011/main" val="1"/>
+              </a:ext>
+            </a:extLst>
+          </p:spPr>
+          <p:txBody>
+            <a:bodyPr wrap="square" lIns="45718" tIns="45718" rIns="45718" bIns="45718" numCol="1" anchor="t">
+              <a:noAutofit/>
+            </a:bodyPr>
+            <a:lstStyle>
+              <a:lvl1pPr>
+                <a:defRPr sz="1300">
+                  <a:solidFill>
+                    <a:srgbClr val="535353"/>
+                  </a:solidFill>
+                </a:defRPr>
+              </a:lvl1pPr>
+            </a:lstStyle>
+            <a:p>
+              <a:pPr/>
+              <a:r>
+                <a:t>переменную</a:t>
+              </a:r>
+            </a:p>
+          </p:txBody>
+        </p:sp>
+        <p:sp>
+          <p:nvSpPr>
+            <p:cNvPr id="130" name="переменную"/>
+            <p:cNvSpPr txBox="1"/>
+            <p:nvPr/>
+          </p:nvSpPr>
+          <p:spPr>
+            <a:xfrm>
+              <a:off x="2630211" y="2779268"/>
+              <a:ext cx="755813" cy="194301"/>
+            </a:xfrm>
+            <a:prstGeom prst="rect">
+              <a:avLst/>
+            </a:prstGeom>
+            <a:solidFill>
+              <a:srgbClr val="000000"/>
+            </a:solidFill>
+            <a:ln w="12700" cap="flat">
+              <a:noFill/>
+              <a:miter lim="400000"/>
+            </a:ln>
+            <a:effectLst/>
+            <a:extLst>
+              <a:ext uri="{C572A759-6A51-4108-AA02-DFA0A04FC94B}">
+                <ma14:wrappingTextBoxFlag xmlns:ma14="http://schemas.microsoft.com/office/mac/drawingml/2011/main" val="1"/>
+              </a:ext>
+            </a:extLst>
+          </p:spPr>
+          <p:txBody>
+            <a:bodyPr wrap="square" lIns="45718" tIns="45718" rIns="45718" bIns="45718" numCol="1" anchor="t">
+              <a:noAutofit/>
+            </a:bodyPr>
+            <a:lstStyle>
+              <a:lvl1pPr>
+                <a:defRPr sz="1300">
+                  <a:solidFill>
+                    <a:srgbClr val="535353"/>
+                  </a:solidFill>
+                </a:defRPr>
+              </a:lvl1pPr>
+            </a:lstStyle>
+            <a:p>
+              <a:pPr/>
+              <a:r>
+                <a:t>переменную</a:t>
+              </a:r>
+            </a:p>
+          </p:txBody>
+        </p:sp>
+        <p:sp>
+          <p:nvSpPr>
+            <p:cNvPr id="131" name="переменную"/>
+            <p:cNvSpPr txBox="1"/>
+            <p:nvPr/>
+          </p:nvSpPr>
+          <p:spPr>
+            <a:xfrm>
+              <a:off x="2630211" y="3438706"/>
+              <a:ext cx="755813" cy="194302"/>
+            </a:xfrm>
+            <a:prstGeom prst="rect">
+              <a:avLst/>
+            </a:prstGeom>
+            <a:solidFill>
+              <a:srgbClr val="000000"/>
+            </a:solidFill>
+            <a:ln w="12700" cap="flat">
+              <a:noFill/>
+              <a:miter lim="400000"/>
+            </a:ln>
+            <a:effectLst/>
+            <a:extLst>
+              <a:ext uri="{C572A759-6A51-4108-AA02-DFA0A04FC94B}">
+                <ma14:wrappingTextBoxFlag xmlns:ma14="http://schemas.microsoft.com/office/mac/drawingml/2011/main" val="1"/>
+              </a:ext>
+            </a:extLst>
+          </p:spPr>
+          <p:txBody>
+            <a:bodyPr wrap="square" lIns="45718" tIns="45718" rIns="45718" bIns="45718" numCol="1" anchor="t">
+              <a:noAutofit/>
+            </a:bodyPr>
+            <a:lstStyle>
+              <a:lvl1pPr>
+                <a:defRPr sz="1300">
+                  <a:solidFill>
+                    <a:srgbClr val="535353"/>
+                  </a:solidFill>
+                </a:defRPr>
+              </a:lvl1pPr>
+            </a:lstStyle>
+            <a:p>
+              <a:pPr/>
+              <a:r>
+                <a:t>переменную</a:t>
+              </a:r>
+            </a:p>
+          </p:txBody>
+        </p:sp>
+      </p:grpSp>
+      <p:sp>
+        <p:nvSpPr>
+          <p:cNvPr id="133" name="2*A1*A3 + 1/2*PI/A2"/>
+          <p:cNvSpPr txBox="1"/>
+          <p:nvPr/>
+        </p:nvSpPr>
+        <p:spPr>
+          <a:xfrm>
+            <a:off x="4684055" y="1201573"/>
+            <a:ext cx="2823890" cy="447037"/>
           </a:xfrm>
           <a:prstGeom prst="rect">
             <a:avLst/>
@@ -13848,8 +15127,77 @@
           <a:ln w="12700">
             <a:miter lim="400000"/>
           </a:ln>
-        </p:spPr>
-      </p:pic>
+          <a:extLst>
+            <a:ext uri="{C572A759-6A51-4108-AA02-DFA0A04FC94B}">
+              <ma14:wrappingTextBoxFlag xmlns:ma14="http://schemas.microsoft.com/office/mac/drawingml/2011/main" val="1"/>
+            </a:ext>
+          </a:extLst>
+        </p:spPr>
+        <p:txBody>
+          <a:bodyPr wrap="none" lIns="45718" tIns="45718" rIns="45718" bIns="45718">
+            <a:spAutoFit/>
+          </a:bodyPr>
+          <a:lstStyle>
+            <a:lvl1pPr>
+              <a:lnSpc>
+                <a:spcPct val="81000"/>
+              </a:lnSpc>
+              <a:spcBef>
+                <a:spcPts val="1000"/>
+              </a:spcBef>
+              <a:buFont typeface="Arial"/>
+              <a:defRPr b="1" sz="2300">
+                <a:latin typeface="+mn-lt"/>
+                <a:ea typeface="+mn-ea"/>
+                <a:cs typeface="+mn-cs"/>
+                <a:sym typeface="Helvetica"/>
+              </a:defRPr>
+            </a:lvl1pPr>
+          </a:lstStyle>
+          <a:p>
+            <a:pPr/>
+            <a:r>
+              <a:t>2*A1*A3 + 1/2*PI/A2</a:t>
+            </a:r>
+          </a:p>
+        </p:txBody>
+      </p:sp>
+      <p:sp>
+        <p:nvSpPr>
+          <p:cNvPr id="134" name="Результат вычисления сохраняется в переменной t0"/>
+          <p:cNvSpPr txBox="1"/>
+          <p:nvPr/>
+        </p:nvSpPr>
+        <p:spPr>
+          <a:xfrm>
+            <a:off x="3516328" y="6228533"/>
+            <a:ext cx="5159344" cy="333084"/>
+          </a:xfrm>
+          <a:prstGeom prst="rect">
+            <a:avLst/>
+          </a:prstGeom>
+          <a:ln w="12700">
+            <a:miter lim="400000"/>
+          </a:ln>
+          <a:extLst>
+            <a:ext uri="{C572A759-6A51-4108-AA02-DFA0A04FC94B}">
+              <ma14:wrappingTextBoxFlag xmlns:ma14="http://schemas.microsoft.com/office/mac/drawingml/2011/main" val="1"/>
+            </a:ext>
+          </a:extLst>
+        </p:spPr>
+        <p:txBody>
+          <a:bodyPr wrap="none" lIns="45718" tIns="45718" rIns="45718" bIns="45718">
+            <a:spAutoFit/>
+          </a:bodyPr>
+          <a:lstStyle/>
+          <a:p>
+            <a:pPr/>
+            <a:r>
+              <a:t>Результат вычисления сохраняется в переменной t0</a:t>
+            </a:r>
+          </a:p>
+        </p:txBody>
+      </p:sp>
     </p:spTree>
   </p:cSld>
   <p:clrMapOvr>
@@ -13878,7 +15226,7 @@
       </p:grpSpPr>
       <p:sp>
         <p:nvSpPr>
-          <p:cNvPr id="366" name="Заголовок 2"/>
+          <p:cNvPr id="400" name="Заголовок 2"/>
           <p:cNvSpPr txBox="1"/>
           <p:nvPr>
             <p:ph type="title"/>
@@ -13901,20 +15249,20 @@
           <a:p>
             <a:pPr/>
             <a:r>
-              <a:t>Результат оптимизации</a:t>
-            </a:r>
-          </a:p>
-        </p:txBody>
-      </p:sp>
-      <p:sp>
-        <p:nvSpPr>
-          <p:cNvPr id="367" name="1.   decl t0…"/>
+              <a:t>F. Результат оптимизации</a:t>
+            </a:r>
+          </a:p>
+        </p:txBody>
+      </p:sp>
+      <p:sp>
+        <p:nvSpPr>
+          <p:cNvPr id="401" name="1.   decl t0…"/>
           <p:cNvSpPr txBox="1"/>
           <p:nvPr/>
         </p:nvSpPr>
         <p:spPr>
           <a:xfrm>
-            <a:off x="7453321" y="1225689"/>
+            <a:off x="7420176" y="1021286"/>
             <a:ext cx="1590260" cy="5882984"/>
           </a:xfrm>
           <a:prstGeom prst="rect">
@@ -14058,14 +15406,14 @@
       </p:sp>
       <p:sp>
         <p:nvSpPr>
-          <p:cNvPr id="368" name="21. mov t9 t8…"/>
+          <p:cNvPr id="402" name="21. mov t9 t8…"/>
           <p:cNvSpPr txBox="1"/>
           <p:nvPr/>
         </p:nvSpPr>
         <p:spPr>
           <a:xfrm>
-            <a:off x="9239270" y="1214421"/>
-            <a:ext cx="1590261" cy="3546185"/>
+            <a:off x="9239270" y="1214420"/>
+            <a:ext cx="1590260" cy="3546185"/>
           </a:xfrm>
           <a:prstGeom prst="rect">
             <a:avLst/>
@@ -14160,13 +15508,13 @@
       </p:sp>
       <p:sp>
         <p:nvSpPr>
-          <p:cNvPr id="369" name="1.   decl t0…"/>
+          <p:cNvPr id="403" name="1.   decl t0…"/>
           <p:cNvSpPr txBox="1"/>
           <p:nvPr/>
         </p:nvSpPr>
         <p:spPr>
           <a:xfrm>
-            <a:off x="738148" y="1225689"/>
+            <a:off x="738147" y="1021286"/>
             <a:ext cx="1590261" cy="5882984"/>
           </a:xfrm>
           <a:prstGeom prst="rect">
@@ -14310,14 +15658,14 @@
       </p:sp>
       <p:sp>
         <p:nvSpPr>
-          <p:cNvPr id="370" name="21. mov t9 t8…"/>
+          <p:cNvPr id="404" name="21. mov t9 t8…"/>
           <p:cNvSpPr txBox="1"/>
           <p:nvPr/>
         </p:nvSpPr>
         <p:spPr>
           <a:xfrm>
-            <a:off x="2666975" y="1214421"/>
-            <a:ext cx="1706122" cy="3546185"/>
+            <a:off x="2666974" y="1214420"/>
+            <a:ext cx="1706123" cy="3546185"/>
           </a:xfrm>
           <a:prstGeom prst="rect">
             <a:avLst/>
@@ -14412,28 +15760,28 @@
       </p:sp>
       <p:grpSp>
         <p:nvGrpSpPr>
-          <p:cNvPr id="373" name="Стрелка вправо 13"/>
+          <p:cNvPr id="407" name="Стрелка вправо 13"/>
           <p:cNvGrpSpPr/>
           <p:nvPr/>
         </p:nvGrpSpPr>
         <p:grpSpPr>
           <a:xfrm>
             <a:off x="4833885" y="2547721"/>
-            <a:ext cx="2357457" cy="1744860"/>
+            <a:ext cx="2357459" cy="1744862"/>
             <a:chOff x="0" y="0"/>
-            <a:chExt cx="2357455" cy="1744858"/>
+            <a:chExt cx="2357458" cy="1744861"/>
           </a:xfrm>
         </p:grpSpPr>
         <p:sp>
           <p:nvSpPr>
-            <p:cNvPr id="371" name="Стрелка"/>
+            <p:cNvPr id="405" name="Стрелка"/>
             <p:cNvSpPr/>
             <p:nvPr/>
           </p:nvSpPr>
           <p:spPr>
             <a:xfrm>
               <a:off x="0" y="0"/>
-              <a:ext cx="2357456" cy="1744860"/>
+              <a:ext cx="2357459" cy="1744862"/>
             </a:xfrm>
             <a:prstGeom prst="rightArrow">
               <a:avLst>
@@ -14465,14 +15813,14 @@
         </p:sp>
         <p:sp>
           <p:nvSpPr>
-            <p:cNvPr id="372" name="Кол-во строк кода и переменных уменьшилось на 4"/>
+            <p:cNvPr id="406" name="Кол-во строк кода и переменных уменьшилось на 4"/>
             <p:cNvSpPr txBox="1"/>
             <p:nvPr/>
           </p:nvSpPr>
           <p:spPr>
             <a:xfrm>
               <a:off x="12698" y="413785"/>
-              <a:ext cx="2022642" cy="917284"/>
+              <a:ext cx="2022644" cy="917284"/>
             </a:xfrm>
             <a:prstGeom prst="rect">
               <a:avLst/>
@@ -14531,7 +15879,7 @@
       </p:grpSpPr>
       <p:sp>
         <p:nvSpPr>
-          <p:cNvPr id="126" name="Заголовок 1"/>
+          <p:cNvPr id="136" name="Заголовок 1"/>
           <p:cNvSpPr txBox="1"/>
           <p:nvPr>
             <p:ph type="title"/>
@@ -14540,7 +15888,7 @@
         <p:spPr>
           <a:xfrm>
             <a:off x="838200" y="193961"/>
-            <a:ext cx="10515600" cy="748152"/>
+            <a:ext cx="10515600" cy="748153"/>
           </a:xfrm>
           <a:prstGeom prst="rect">
             <a:avLst/>
@@ -14561,7 +15909,7 @@
       </p:sp>
       <p:sp>
         <p:nvSpPr>
-          <p:cNvPr id="127" name="Объект 2"/>
+          <p:cNvPr id="137" name="Объект 2"/>
           <p:cNvSpPr txBox="1"/>
           <p:nvPr>
             <p:ph type="body" idx="1"/>
@@ -14569,8 +15917,8 @@
         </p:nvSpPr>
         <p:spPr>
           <a:xfrm>
-            <a:off x="838200" y="1136070"/>
-            <a:ext cx="10515600" cy="5430989"/>
+            <a:off x="838200" y="1136069"/>
+            <a:ext cx="10515600" cy="5430991"/>
           </a:xfrm>
           <a:prstGeom prst="rect">
             <a:avLst/>
@@ -14580,7 +15928,7 @@
           <a:bodyPr/>
           <a:lstStyle/>
           <a:p>
-            <a:pPr marL="374315" indent="-374315">
+            <a:pPr marL="374314" indent="-374314">
               <a:buFontTx/>
               <a:buAutoNum type="arabicPeriod" startAt="1"/>
             </a:pPr>
@@ -14589,7 +15937,7 @@
             </a:r>
           </a:p>
           <a:p>
-            <a:pPr marL="374315" indent="-374315">
+            <a:pPr marL="374314" indent="-374314">
               <a:buFontTx/>
               <a:buAutoNum type="arabicPeriod" startAt="1"/>
             </a:pPr>
@@ -14598,7 +15946,7 @@
             </a:r>
           </a:p>
           <a:p>
-            <a:pPr marL="374315" indent="-374315">
+            <a:pPr marL="374314" indent="-374314">
               <a:buFontTx/>
               <a:buAutoNum type="arabicPeriod" startAt="1"/>
             </a:pPr>
@@ -14636,7 +15984,7 @@
       </p:grpSpPr>
       <p:sp>
         <p:nvSpPr>
-          <p:cNvPr id="129" name="Заголовок 1"/>
+          <p:cNvPr id="139" name="Заголовок 1"/>
           <p:cNvSpPr txBox="1"/>
           <p:nvPr>
             <p:ph type="title"/>
@@ -14645,7 +15993,7 @@
         <p:spPr>
           <a:xfrm>
             <a:off x="838200" y="193961"/>
-            <a:ext cx="10515600" cy="748152"/>
+            <a:ext cx="10515600" cy="748153"/>
           </a:xfrm>
           <a:prstGeom prst="rect">
             <a:avLst/>
@@ -14666,7 +16014,7 @@
       </p:sp>
       <p:sp>
         <p:nvSpPr>
-          <p:cNvPr id="130" name="Объект 2"/>
+          <p:cNvPr id="140" name="Объект 2"/>
           <p:cNvSpPr txBox="1"/>
           <p:nvPr>
             <p:ph type="body" idx="1"/>
@@ -14674,8 +16022,8 @@
         </p:nvSpPr>
         <p:spPr>
           <a:xfrm>
-            <a:off x="838200" y="1136070"/>
-            <a:ext cx="10515600" cy="5430989"/>
+            <a:off x="838200" y="1136069"/>
+            <a:ext cx="10515600" cy="5430991"/>
           </a:xfrm>
           <a:prstGeom prst="rect">
             <a:avLst/>
@@ -14694,9 +16042,9 @@
             </a:r>
             <a:r>
               <a:rPr b="1">
-                <a:latin typeface="+mj-lt"/>
-                <a:ea typeface="+mj-ea"/>
-                <a:cs typeface="+mj-cs"/>
+                <a:latin typeface="+mn-lt"/>
+                <a:ea typeface="+mn-ea"/>
+                <a:cs typeface="+mn-cs"/>
                 <a:sym typeface="Helvetica"/>
               </a:rPr>
               <a:t> </a:t>
@@ -14707,35 +16055,158 @@
           </a:p>
         </p:txBody>
       </p:sp>
-      <p:pic>
-        <p:nvPicPr>
-          <p:cNvPr id="131" name="Рисунок 1" descr="Рисунок 1"/>
-          <p:cNvPicPr>
-            <a:picLocks noChangeAspect="1"/>
-          </p:cNvPicPr>
-          <p:nvPr/>
-        </p:nvPicPr>
-        <p:blipFill>
-          <a:blip r:embed="rId2">
-            <a:extLst/>
-          </a:blip>
-          <a:stretch>
-            <a:fillRect/>
-          </a:stretch>
-        </p:blipFill>
-        <p:spPr>
-          <a:xfrm>
-            <a:off x="1703510" y="2204864"/>
-            <a:ext cx="8352220" cy="2841478"/>
-          </a:xfrm>
-          <a:prstGeom prst="rect">
-            <a:avLst/>
-          </a:prstGeom>
+      <p:sp>
+        <p:nvSpPr>
+          <p:cNvPr id="141" name="Квадрат"/>
+          <p:cNvSpPr/>
+          <p:nvPr/>
+        </p:nvSpPr>
+        <p:spPr>
+          <a:xfrm>
+            <a:off x="3748641" y="4343644"/>
+            <a:ext cx="99526" cy="96294"/>
+          </a:xfrm>
+          <a:prstGeom prst="rect">
+            <a:avLst/>
+          </a:prstGeom>
+          <a:solidFill>
+            <a:srgbClr val="FFFFFF"/>
+          </a:solidFill>
           <a:ln w="12700">
             <a:miter lim="400000"/>
           </a:ln>
         </p:spPr>
-      </p:pic>
+        <p:txBody>
+          <a:bodyPr lIns="45718" tIns="45718" rIns="45718" bIns="45718" anchor="ctr"/>
+          <a:lstStyle/>
+          <a:p>
+            <a:pPr/>
+          </a:p>
+        </p:txBody>
+      </p:sp>
+      <p:grpSp>
+        <p:nvGrpSpPr>
+          <p:cNvPr id="145" name="Группа"/>
+          <p:cNvGrpSpPr/>
+          <p:nvPr/>
+        </p:nvGrpSpPr>
+        <p:grpSpPr>
+          <a:xfrm>
+            <a:off x="1821884" y="2686868"/>
+            <a:ext cx="8352220" cy="2841479"/>
+            <a:chOff x="0" y="0"/>
+            <a:chExt cx="8352219" cy="2841477"/>
+          </a:xfrm>
+        </p:grpSpPr>
+        <p:pic>
+          <p:nvPicPr>
+            <p:cNvPr id="142" name="Рисунок 1" descr="Рисунок 1"/>
+            <p:cNvPicPr>
+              <a:picLocks noChangeAspect="1"/>
+            </p:cNvPicPr>
+            <p:nvPr/>
+          </p:nvPicPr>
+          <p:blipFill>
+            <a:blip r:embed="rId2">
+              <a:extLst/>
+            </a:blip>
+            <a:srcRect l="0" t="0" r="0" b="0"/>
+            <a:stretch>
+              <a:fillRect/>
+            </a:stretch>
+          </p:blipFill>
+          <p:spPr>
+            <a:xfrm>
+              <a:off x="0" y="0"/>
+              <a:ext cx="8352220" cy="2841478"/>
+            </a:xfrm>
+            <a:prstGeom prst="rect">
+              <a:avLst/>
+            </a:prstGeom>
+            <a:ln w="12700" cap="flat">
+              <a:noFill/>
+              <a:miter lim="400000"/>
+            </a:ln>
+            <a:effectLst/>
+          </p:spPr>
+        </p:pic>
+        <p:sp>
+          <p:nvSpPr>
+            <p:cNvPr id="143" name="Прямоугольник"/>
+            <p:cNvSpPr/>
+            <p:nvPr/>
+          </p:nvSpPr>
+          <p:spPr>
+            <a:xfrm>
+              <a:off x="5810681" y="1710155"/>
+              <a:ext cx="2173291" cy="259216"/>
+            </a:xfrm>
+            <a:prstGeom prst="rect">
+              <a:avLst/>
+            </a:prstGeom>
+            <a:solidFill>
+              <a:srgbClr val="FFFFFF"/>
+            </a:solidFill>
+            <a:ln w="12700" cap="flat">
+              <a:noFill/>
+              <a:miter lim="400000"/>
+            </a:ln>
+            <a:effectLst/>
+          </p:spPr>
+          <p:txBody>
+            <a:bodyPr wrap="square" lIns="45718" tIns="45718" rIns="45718" bIns="45718" numCol="1" anchor="ctr">
+              <a:noAutofit/>
+            </a:bodyPr>
+            <a:lstStyle/>
+            <a:p>
+              <a:pPr/>
+            </a:p>
+          </p:txBody>
+        </p:sp>
+        <p:sp>
+          <p:nvSpPr>
+            <p:cNvPr id="144" name="Адрес"/>
+            <p:cNvSpPr txBox="1"/>
+            <p:nvPr/>
+          </p:nvSpPr>
+          <p:spPr>
+            <a:xfrm>
+              <a:off x="6582874" y="1689468"/>
+              <a:ext cx="628905" cy="300590"/>
+            </a:xfrm>
+            <a:prstGeom prst="rect">
+              <a:avLst/>
+            </a:prstGeom>
+            <a:noFill/>
+            <a:ln w="12700" cap="flat">
+              <a:noFill/>
+              <a:miter lim="400000"/>
+            </a:ln>
+            <a:effectLst/>
+            <a:extLst>
+              <a:ext uri="{C572A759-6A51-4108-AA02-DFA0A04FC94B}">
+                <ma14:wrappingTextBoxFlag xmlns:ma14="http://schemas.microsoft.com/office/mac/drawingml/2011/main" val="1"/>
+              </a:ext>
+            </a:extLst>
+          </p:spPr>
+          <p:txBody>
+            <a:bodyPr wrap="none" lIns="45718" tIns="45718" rIns="45718" bIns="45718" numCol="1" anchor="t">
+              <a:spAutoFit/>
+            </a:bodyPr>
+            <a:lstStyle>
+              <a:lvl1pPr>
+                <a:defRPr sz="1600"/>
+              </a:lvl1pPr>
+            </a:lstStyle>
+            <a:p>
+              <a:pPr/>
+              <a:r>
+                <a:t>Адрес</a:t>
+              </a:r>
+            </a:p>
+          </p:txBody>
+        </p:sp>
+      </p:grpSp>
     </p:spTree>
   </p:cSld>
   <p:clrMapOvr>
@@ -14764,7 +16235,7 @@
       </p:grpSpPr>
       <p:sp>
         <p:nvSpPr>
-          <p:cNvPr id="133" name="Заголовок 1"/>
+          <p:cNvPr id="147" name="Заголовок 1"/>
           <p:cNvSpPr txBox="1"/>
           <p:nvPr>
             <p:ph type="title"/>
@@ -14794,7 +16265,7 @@
       </p:sp>
       <p:sp>
         <p:nvSpPr>
-          <p:cNvPr id="134" name="Объект 2"/>
+          <p:cNvPr id="148" name="Объект 2"/>
           <p:cNvSpPr txBox="1"/>
           <p:nvPr>
             <p:ph type="body" idx="1"/>
@@ -14802,8 +16273,8 @@
         </p:nvSpPr>
         <p:spPr>
           <a:xfrm>
-            <a:off x="838200" y="1874430"/>
-            <a:ext cx="10515600" cy="5638803"/>
+            <a:off x="838200" y="1874429"/>
+            <a:ext cx="10515600" cy="5638805"/>
           </a:xfrm>
           <a:prstGeom prst="rect">
             <a:avLst/>
@@ -14818,18 +16289,27 @@
               <a:buNone/>
             </a:pPr>
             <a:r>
+              <a:t>Задача лексического анализатора - находить лексемы.</a:t>
+            </a:r>
+          </a:p>
+          <a:p>
+            <a:pPr marL="0" indent="0">
+              <a:buSzTx/>
+              <a:buNone/>
+            </a:pPr>
+            <a:r>
               <a:t>В арифметических выражениях могут встречаться следующие лексемы:</a:t>
             </a:r>
           </a:p>
           <a:p>
             <a:pPr/>
             <a:r>
-              <a:t>арифм.операции</a:t>
+              <a:t>арифметические операции</a:t>
             </a:r>
             <a:endParaRPr b="1">
-              <a:latin typeface="+mj-lt"/>
-              <a:ea typeface="+mj-ea"/>
-              <a:cs typeface="+mj-cs"/>
+              <a:latin typeface="+mn-lt"/>
+              <a:ea typeface="+mn-ea"/>
+              <a:cs typeface="+mn-cs"/>
               <a:sym typeface="Helvetica"/>
             </a:endParaRPr>
           </a:p>
@@ -14839,9 +16319,9 @@
               <a:t>идентификаторы переменных (ID)</a:t>
             </a:r>
             <a:endParaRPr b="1">
-              <a:latin typeface="+mj-lt"/>
-              <a:ea typeface="+mj-ea"/>
-              <a:cs typeface="+mj-cs"/>
+              <a:latin typeface="+mn-lt"/>
+              <a:ea typeface="+mn-ea"/>
+              <a:cs typeface="+mn-cs"/>
               <a:sym typeface="Helvetica"/>
             </a:endParaRPr>
           </a:p>
@@ -14851,9 +16331,9 @@
               <a:t>числовые константы (NUM)</a:t>
             </a:r>
             <a:endParaRPr b="1">
-              <a:latin typeface="+mj-lt"/>
-              <a:ea typeface="+mj-ea"/>
-              <a:cs typeface="+mj-cs"/>
+              <a:latin typeface="+mn-lt"/>
+              <a:ea typeface="+mn-ea"/>
+              <a:cs typeface="+mn-cs"/>
               <a:sym typeface="Helvetica"/>
             </a:endParaRPr>
           </a:p>
@@ -14893,7 +16373,7 @@
       </p:grpSpPr>
       <p:sp>
         <p:nvSpPr>
-          <p:cNvPr id="136" name="Идентификаторы переменных числовые константы"/>
+          <p:cNvPr id="150" name="Идентификаторы переменных числовые константы"/>
           <p:cNvSpPr txBox="1"/>
           <p:nvPr>
             <p:ph type="title"/>
@@ -14918,21 +16398,21 @@
           <a:p>
             <a:pPr/>
             <a:r>
-              <a:t>Идентификаторы переменных,числовые константы</a:t>
-            </a:r>
-          </a:p>
-        </p:txBody>
-      </p:sp>
-      <p:sp>
-        <p:nvSpPr>
-          <p:cNvPr id="137" name="Идентификаторы отображаются в токены вида: [ID, N], где N – строка в таблице идентификаторов.…"/>
+              <a:t>С. Идентификаторы переменных, числовые константы</a:t>
+            </a:r>
+          </a:p>
+        </p:txBody>
+      </p:sp>
+      <p:sp>
+        <p:nvSpPr>
+          <p:cNvPr id="151" name="Идентификаторы отображаются в токены вида: [ID, N], где N – строка в таблице идентификаторов.…"/>
           <p:cNvSpPr txBox="1"/>
           <p:nvPr/>
         </p:nvSpPr>
         <p:spPr>
           <a:xfrm>
             <a:off x="881026" y="3357562"/>
-            <a:ext cx="10515601" cy="1427477"/>
+            <a:ext cx="10515601" cy="841223"/>
           </a:xfrm>
           <a:prstGeom prst="rect">
             <a:avLst/>
@@ -14950,9 +16430,8 @@
           <a:bodyPr lIns="45718" tIns="45718" rIns="45718" bIns="45718">
             <a:spAutoFit/>
           </a:bodyPr>
-          <a:lstStyle/>
-          <a:p>
-            <a:pPr>
+          <a:lstStyle>
+            <a:lvl1pPr>
               <a:lnSpc>
                 <a:spcPct val="90000"/>
               </a:lnSpc>
@@ -14960,37 +16439,26 @@
                 <a:spcPts val="1000"/>
               </a:spcBef>
               <a:defRPr sz="2800"/>
-            </a:pPr>
-            <a:r>
-              <a:t>Идентификаторы отображаются в токены вида: [ID, N], где N – строка в информационной таблице.</a:t>
-            </a:r>
-          </a:p>
-          <a:p>
-            <a:pPr>
-              <a:lnSpc>
-                <a:spcPct val="90000"/>
-              </a:lnSpc>
-              <a:spcBef>
-                <a:spcPts val="1000"/>
-              </a:spcBef>
-              <a:defRPr sz="2800"/>
-            </a:pPr>
-            <a:r>
-              <a:t>Числовые константы отображаются в токены вида: [NUM, N].</a:t>
-            </a:r>
-          </a:p>
-        </p:txBody>
-      </p:sp>
-      <p:sp>
-        <p:nvSpPr>
-          <p:cNvPr id="138" name="идентификаторы переменных (ID): A1, A2, res"/>
+            </a:lvl1pPr>
+          </a:lstStyle>
+          <a:p>
+            <a:pPr/>
+            <a:r>
+              <a:t>Идентификаторы и числовые константы отображаются в номер соответствующей записи в информационной таблице.</a:t>
+            </a:r>
+          </a:p>
+        </p:txBody>
+      </p:sp>
+      <p:sp>
+        <p:nvSpPr>
+          <p:cNvPr id="152" name="идентификаторы переменных (ID): A1, A2, res"/>
           <p:cNvSpPr txBox="1"/>
           <p:nvPr/>
         </p:nvSpPr>
         <p:spPr>
           <a:xfrm>
             <a:off x="881024" y="2143117"/>
-            <a:ext cx="7866492" cy="530355"/>
+            <a:ext cx="7508286" cy="530356"/>
           </a:xfrm>
           <a:prstGeom prst="rect">
             <a:avLst/>
@@ -15027,9 +16495,9 @@
             </a:r>
             <a:r>
               <a:rPr b="1">
-                <a:latin typeface="+mj-lt"/>
-                <a:ea typeface="+mj-ea"/>
-                <a:cs typeface="+mj-cs"/>
+                <a:latin typeface="+mn-lt"/>
+                <a:ea typeface="+mn-ea"/>
+                <a:cs typeface="+mn-cs"/>
                 <a:sym typeface="Helvetica"/>
               </a:rPr>
               <a:t> A1, A2, res</a:t>
@@ -15039,14 +16507,14 @@
       </p:sp>
       <p:sp>
         <p:nvSpPr>
-          <p:cNvPr id="139" name="числовые константы (NUM): 1, 2.0, 3.5"/>
+          <p:cNvPr id="153" name="числовые константы (NUM): 1, 2.0, 3.5"/>
           <p:cNvSpPr txBox="1"/>
           <p:nvPr/>
         </p:nvSpPr>
         <p:spPr>
           <a:xfrm>
-            <a:off x="881025" y="2714619"/>
-            <a:ext cx="6595498" cy="530356"/>
+            <a:off x="881024" y="2714618"/>
+            <a:ext cx="6269417" cy="530356"/>
           </a:xfrm>
           <a:prstGeom prst="rect">
             <a:avLst/>
@@ -15083,9 +16551,9 @@
             </a:r>
             <a:r>
               <a:rPr b="1">
-                <a:latin typeface="+mj-lt"/>
-                <a:ea typeface="+mj-ea"/>
-                <a:cs typeface="+mj-cs"/>
+                <a:latin typeface="+mn-lt"/>
+                <a:ea typeface="+mn-ea"/>
+                <a:cs typeface="+mn-cs"/>
                 <a:sym typeface="Helvetica"/>
               </a:rPr>
               <a:t> 1, 2.0, 3.5</a:t>
@@ -15121,7 +16589,7 @@
       </p:grpSpPr>
       <p:sp>
         <p:nvSpPr>
-          <p:cNvPr id="141" name="Арифметические операции"/>
+          <p:cNvPr id="155" name="Арифметические операции"/>
           <p:cNvSpPr txBox="1"/>
           <p:nvPr>
             <p:ph type="title"/>
@@ -15146,21 +16614,21 @@
           <a:p>
             <a:pPr/>
             <a:r>
-              <a:t>Арифметические операции</a:t>
-            </a:r>
-          </a:p>
-        </p:txBody>
-      </p:sp>
-      <p:sp>
-        <p:nvSpPr>
-          <p:cNvPr id="142" name="Сложение: +…"/>
+              <a:t>С. Арифметические операции</a:t>
+            </a:r>
+          </a:p>
+        </p:txBody>
+      </p:sp>
+      <p:sp>
+        <p:nvSpPr>
+          <p:cNvPr id="156" name="Сложение: +…"/>
           <p:cNvSpPr txBox="1"/>
           <p:nvPr/>
         </p:nvSpPr>
         <p:spPr>
           <a:xfrm>
-            <a:off x="465386" y="1745133"/>
-            <a:ext cx="2668491" cy="2070097"/>
+            <a:off x="465385" y="1745132"/>
+            <a:ext cx="2502845" cy="2015160"/>
           </a:xfrm>
           <a:prstGeom prst="rect">
             <a:avLst/>
@@ -15247,14 +16715,14 @@
       </p:sp>
       <p:sp>
         <p:nvSpPr>
-          <p:cNvPr id="143" name="Лексический анализатор не вносит лексему арифметическое операции в информационную таблицу, но оставляет ее в цепочке лексем для синтаксического анализатора. Когда лексический анализатор встречает эти лексемы, он определяет их как &quot;операция&quot;."/>
+          <p:cNvPr id="157" name="Лексический анализатор не вносит лексему арифметическое операции в информационную таблицу, но оставляет ее в цепочке лексем для синтаксического анализатора. Когда лексический анализатор встречает эти лексемы, он определяет их как &quot;операция&quot;."/>
           <p:cNvSpPr txBox="1"/>
           <p:nvPr/>
         </p:nvSpPr>
         <p:spPr>
           <a:xfrm>
             <a:off x="335461" y="4179863"/>
-            <a:ext cx="11363668" cy="2077717"/>
+            <a:ext cx="11363668" cy="1634159"/>
           </a:xfrm>
           <a:prstGeom prst="rect">
             <a:avLst/>
@@ -15286,7 +16754,7 @@
           <a:p>
             <a:pPr/>
             <a:r>
-              <a:t>Лексический анализатор не вносит лексему арифметическое операции в информационную таблицу, но оставляет ее в цепочке лексем для синтаксического анализатора. Когда лексический анализатор встречает эти лексемы, он определяет их как "операция".</a:t>
+              <a:t>Лексический анализатор не вносит лексему арифметической операции в информационную таблицу, но оставляет ее в цепочке лексем для синтаксического анализатора. Когда лексический анализатор встречает эти лексемы, он определяет их как "операция".</a:t>
             </a:r>
           </a:p>
         </p:txBody>
@@ -15343,14 +16811,14 @@
     </a:clrScheme>
     <a:fontScheme name="Тема Office">
       <a:majorFont>
+        <a:latin typeface="Calibri"/>
+        <a:ea typeface="Calibri"/>
+        <a:cs typeface="Calibri"/>
+      </a:majorFont>
+      <a:minorFont>
         <a:latin typeface="Helvetica"/>
         <a:ea typeface="Helvetica"/>
         <a:cs typeface="Helvetica"/>
-      </a:majorFont>
-      <a:minorFont>
-        <a:latin typeface="Calibri"/>
-        <a:ea typeface="Calibri"/>
-        <a:cs typeface="Calibri"/>
       </a:minorFont>
     </a:fontScheme>
     <a:fmtScheme name="Тема Office">
@@ -15531,9 +16999,9 @@
             </a:solidFill>
             <a:effectLst/>
             <a:uFillTx/>
-            <a:latin typeface="+mn-lt"/>
-            <a:ea typeface="+mn-ea"/>
-            <a:cs typeface="+mn-cs"/>
+            <a:latin typeface="+mj-lt"/>
+            <a:ea typeface="+mj-ea"/>
+            <a:cs typeface="+mj-cs"/>
             <a:sym typeface="Calibri"/>
           </a:defRPr>
         </a:defPPr>
@@ -16102,9 +17570,9 @@
             </a:solidFill>
             <a:effectLst/>
             <a:uFillTx/>
-            <a:latin typeface="+mn-lt"/>
-            <a:ea typeface="+mn-ea"/>
-            <a:cs typeface="+mn-cs"/>
+            <a:latin typeface="+mj-lt"/>
+            <a:ea typeface="+mj-ea"/>
+            <a:cs typeface="+mj-cs"/>
             <a:sym typeface="Calibri"/>
           </a:defRPr>
         </a:defPPr>
@@ -16397,14 +17865,14 @@
     </a:clrScheme>
     <a:fontScheme name="Тема Office">
       <a:majorFont>
+        <a:latin typeface="Calibri"/>
+        <a:ea typeface="Calibri"/>
+        <a:cs typeface="Calibri"/>
+      </a:majorFont>
+      <a:minorFont>
         <a:latin typeface="Helvetica"/>
         <a:ea typeface="Helvetica"/>
         <a:cs typeface="Helvetica"/>
-      </a:majorFont>
-      <a:minorFont>
-        <a:latin typeface="Calibri"/>
-        <a:ea typeface="Calibri"/>
-        <a:cs typeface="Calibri"/>
       </a:minorFont>
     </a:fontScheme>
     <a:fmtScheme name="Тема Office">
@@ -16585,9 +18053,9 @@
             </a:solidFill>
             <a:effectLst/>
             <a:uFillTx/>
-            <a:latin typeface="+mn-lt"/>
-            <a:ea typeface="+mn-ea"/>
-            <a:cs typeface="+mn-cs"/>
+            <a:latin typeface="+mj-lt"/>
+            <a:ea typeface="+mj-ea"/>
+            <a:cs typeface="+mj-cs"/>
             <a:sym typeface="Calibri"/>
           </a:defRPr>
         </a:defPPr>
@@ -17156,9 +18624,9 @@
             </a:solidFill>
             <a:effectLst/>
             <a:uFillTx/>
-            <a:latin typeface="+mn-lt"/>
-            <a:ea typeface="+mn-ea"/>
-            <a:cs typeface="+mn-cs"/>
+            <a:latin typeface="+mj-lt"/>
+            <a:ea typeface="+mj-ea"/>
+            <a:cs typeface="+mj-cs"/>
             <a:sym typeface="Calibri"/>
           </a:defRPr>
         </a:defPPr>

--- a/task3.pptx
+++ b/task3.pptx
@@ -2200,7 +2200,7 @@
           </a:ln>
           <a:extLst>
             <a:ext uri="{C572A759-6A51-4108-AA02-DFA0A04FC94B}">
-              <ma14:wrappingTextBoxFlag xmlns:ma14="http://schemas.microsoft.com/office/mac/drawingml/2011/main" xmlns:a14="http://schemas.microsoft.com/office/drawing/2010/main" xmlns:m="http://schemas.openxmlformats.org/officeDocument/2006/math" xmlns="" val="1"/>
+              <ma14:wrappingTextBoxFlag xmlns="" xmlns:m="http://schemas.openxmlformats.org/officeDocument/2006/math" xmlns:a14="http://schemas.microsoft.com/office/drawing/2010/main" xmlns:ma14="http://schemas.microsoft.com/office/mac/drawingml/2011/main" val="1"/>
             </a:ext>
           </a:extLst>
         </p:spPr>
@@ -2239,7 +2239,7 @@
           </a:ln>
           <a:extLst>
             <a:ext uri="{C572A759-6A51-4108-AA02-DFA0A04FC94B}">
-              <ma14:wrappingTextBoxFlag xmlns:ma14="http://schemas.microsoft.com/office/mac/drawingml/2011/main" xmlns:a14="http://schemas.microsoft.com/office/drawing/2010/main" xmlns:m="http://schemas.openxmlformats.org/officeDocument/2006/math" xmlns="" val="1"/>
+              <ma14:wrappingTextBoxFlag xmlns="" xmlns:m="http://schemas.openxmlformats.org/officeDocument/2006/math" xmlns:a14="http://schemas.microsoft.com/office/drawing/2010/main" xmlns:ma14="http://schemas.microsoft.com/office/mac/drawingml/2011/main" val="1"/>
             </a:ext>
           </a:extLst>
         </p:spPr>
@@ -3291,7 +3291,7 @@
           </a:ln>
           <a:extLst>
             <a:ext uri="{C572A759-6A51-4108-AA02-DFA0A04FC94B}">
-              <ma14:wrappingTextBoxFlag xmlns:ma14="http://schemas.microsoft.com/office/mac/drawingml/2011/main" xmlns:a14="http://schemas.microsoft.com/office/drawing/2010/main" xmlns:m="http://schemas.openxmlformats.org/officeDocument/2006/math" xmlns="" val="1"/>
+              <ma14:wrappingTextBoxFlag xmlns="" xmlns:m="http://schemas.openxmlformats.org/officeDocument/2006/math" xmlns:a14="http://schemas.microsoft.com/office/drawing/2010/main" xmlns:ma14="http://schemas.microsoft.com/office/mac/drawingml/2011/main" val="1"/>
             </a:ext>
           </a:extLst>
         </p:spPr>
@@ -3347,7 +3347,7 @@
           </a:ln>
           <a:extLst>
             <a:ext uri="{C572A759-6A51-4108-AA02-DFA0A04FC94B}">
-              <ma14:wrappingTextBoxFlag xmlns:ma14="http://schemas.microsoft.com/office/mac/drawingml/2011/main" xmlns:a14="http://schemas.microsoft.com/office/drawing/2010/main" xmlns:m="http://schemas.openxmlformats.org/officeDocument/2006/math" xmlns="" val="1"/>
+              <ma14:wrappingTextBoxFlag xmlns="" xmlns:m="http://schemas.openxmlformats.org/officeDocument/2006/math" xmlns:a14="http://schemas.microsoft.com/office/drawing/2010/main" xmlns:ma14="http://schemas.microsoft.com/office/mac/drawingml/2011/main" val="1"/>
             </a:ext>
           </a:extLst>
         </p:spPr>
@@ -3453,7 +3453,7 @@
           </a:ln>
           <a:extLst>
             <a:ext uri="{C572A759-6A51-4108-AA02-DFA0A04FC94B}">
-              <ma14:wrappingTextBoxFlag xmlns:ma14="http://schemas.microsoft.com/office/mac/drawingml/2011/main" xmlns:a14="http://schemas.microsoft.com/office/drawing/2010/main" xmlns:m="http://schemas.openxmlformats.org/officeDocument/2006/math" xmlns="" val="1"/>
+              <ma14:wrappingTextBoxFlag xmlns="" xmlns:m="http://schemas.openxmlformats.org/officeDocument/2006/math" xmlns:a14="http://schemas.microsoft.com/office/drawing/2010/main" xmlns:ma14="http://schemas.microsoft.com/office/mac/drawingml/2011/main" val="1"/>
             </a:ext>
           </a:extLst>
         </p:spPr>
@@ -3528,7 +3528,7 @@
           </a:ln>
           <a:extLst>
             <a:ext uri="{C572A759-6A51-4108-AA02-DFA0A04FC94B}">
-              <ma14:wrappingTextBoxFlag xmlns:ma14="http://schemas.microsoft.com/office/mac/drawingml/2011/main" xmlns:a14="http://schemas.microsoft.com/office/drawing/2010/main" xmlns:m="http://schemas.openxmlformats.org/officeDocument/2006/math" xmlns="" val="1"/>
+              <ma14:wrappingTextBoxFlag xmlns="" xmlns:m="http://schemas.openxmlformats.org/officeDocument/2006/math" xmlns:a14="http://schemas.microsoft.com/office/drawing/2010/main" xmlns:ma14="http://schemas.microsoft.com/office/mac/drawingml/2011/main" val="1"/>
             </a:ext>
           </a:extLst>
         </p:spPr>
@@ -3637,7 +3637,7 @@
           </a:ln>
           <a:extLst>
             <a:ext uri="{C572A759-6A51-4108-AA02-DFA0A04FC94B}">
-              <ma14:wrappingTextBoxFlag xmlns:ma14="http://schemas.microsoft.com/office/mac/drawingml/2011/main" xmlns:a14="http://schemas.microsoft.com/office/drawing/2010/main" xmlns:m="http://schemas.openxmlformats.org/officeDocument/2006/math" xmlns="" val="1"/>
+              <ma14:wrappingTextBoxFlag xmlns="" xmlns:m="http://schemas.openxmlformats.org/officeDocument/2006/math" xmlns:a14="http://schemas.microsoft.com/office/drawing/2010/main" xmlns:ma14="http://schemas.microsoft.com/office/mac/drawingml/2011/main" val="1"/>
             </a:ext>
           </a:extLst>
         </p:spPr>
@@ -3682,7 +3682,7 @@
           </a:ln>
           <a:extLst>
             <a:ext uri="{C572A759-6A51-4108-AA02-DFA0A04FC94B}">
-              <ma14:wrappingTextBoxFlag xmlns:ma14="http://schemas.microsoft.com/office/mac/drawingml/2011/main" xmlns:a14="http://schemas.microsoft.com/office/drawing/2010/main" xmlns:m="http://schemas.openxmlformats.org/officeDocument/2006/math" xmlns="" val="1"/>
+              <ma14:wrappingTextBoxFlag xmlns="" xmlns:m="http://schemas.openxmlformats.org/officeDocument/2006/math" xmlns:a14="http://schemas.microsoft.com/office/drawing/2010/main" xmlns:ma14="http://schemas.microsoft.com/office/mac/drawingml/2011/main" val="1"/>
             </a:ext>
           </a:extLst>
         </p:spPr>
@@ -3717,7 +3717,7 @@
           </a:ln>
           <a:extLst>
             <a:ext uri="{C572A759-6A51-4108-AA02-DFA0A04FC94B}">
-              <ma14:wrappingTextBoxFlag xmlns:ma14="http://schemas.microsoft.com/office/mac/drawingml/2011/main" xmlns:a14="http://schemas.microsoft.com/office/drawing/2010/main" xmlns:m="http://schemas.openxmlformats.org/officeDocument/2006/math" xmlns="" val="1"/>
+              <ma14:wrappingTextBoxFlag xmlns="" xmlns:m="http://schemas.openxmlformats.org/officeDocument/2006/math" xmlns:a14="http://schemas.microsoft.com/office/drawing/2010/main" xmlns:ma14="http://schemas.microsoft.com/office/mac/drawingml/2011/main" val="1"/>
             </a:ext>
           </a:extLst>
         </p:spPr>
@@ -4165,7 +4165,7 @@
           </a:ln>
           <a:extLst>
             <a:ext uri="{C572A759-6A51-4108-AA02-DFA0A04FC94B}">
-              <ma14:wrappingTextBoxFlag xmlns:ma14="http://schemas.microsoft.com/office/mac/drawingml/2011/main" xmlns:a14="http://schemas.microsoft.com/office/drawing/2010/main" xmlns:m="http://schemas.openxmlformats.org/officeDocument/2006/math" xmlns="" val="1"/>
+              <ma14:wrappingTextBoxFlag xmlns="" xmlns:m="http://schemas.openxmlformats.org/officeDocument/2006/math" xmlns:a14="http://schemas.microsoft.com/office/drawing/2010/main" xmlns:ma14="http://schemas.microsoft.com/office/mac/drawingml/2011/main" val="1"/>
             </a:ext>
           </a:extLst>
         </p:spPr>
@@ -4200,7 +4200,7 @@
           </a:ln>
           <a:extLst>
             <a:ext uri="{C572A759-6A51-4108-AA02-DFA0A04FC94B}">
-              <ma14:wrappingTextBoxFlag xmlns:ma14="http://schemas.microsoft.com/office/mac/drawingml/2011/main" xmlns:a14="http://schemas.microsoft.com/office/drawing/2010/main" xmlns:m="http://schemas.openxmlformats.org/officeDocument/2006/math" xmlns="" val="1"/>
+              <ma14:wrappingTextBoxFlag xmlns="" xmlns:m="http://schemas.openxmlformats.org/officeDocument/2006/math" xmlns:a14="http://schemas.microsoft.com/office/drawing/2010/main" xmlns:ma14="http://schemas.microsoft.com/office/mac/drawingml/2011/main" val="1"/>
             </a:ext>
           </a:extLst>
         </p:spPr>
@@ -4235,7 +4235,7 @@
           </a:ln>
           <a:extLst>
             <a:ext uri="{C572A759-6A51-4108-AA02-DFA0A04FC94B}">
-              <ma14:wrappingTextBoxFlag xmlns:ma14="http://schemas.microsoft.com/office/mac/drawingml/2011/main" xmlns:a14="http://schemas.microsoft.com/office/drawing/2010/main" xmlns:m="http://schemas.openxmlformats.org/officeDocument/2006/math" xmlns="" val="1"/>
+              <ma14:wrappingTextBoxFlag xmlns="" xmlns:m="http://schemas.openxmlformats.org/officeDocument/2006/math" xmlns:a14="http://schemas.microsoft.com/office/drawing/2010/main" xmlns:ma14="http://schemas.microsoft.com/office/mac/drawingml/2011/main" val="1"/>
             </a:ext>
           </a:extLst>
         </p:spPr>
@@ -4270,7 +4270,7 @@
           </a:ln>
           <a:extLst>
             <a:ext uri="{C572A759-6A51-4108-AA02-DFA0A04FC94B}">
-              <ma14:wrappingTextBoxFlag xmlns:ma14="http://schemas.microsoft.com/office/mac/drawingml/2011/main" xmlns:a14="http://schemas.microsoft.com/office/drawing/2010/main" xmlns:m="http://schemas.openxmlformats.org/officeDocument/2006/math" xmlns="" val="1"/>
+              <ma14:wrappingTextBoxFlag xmlns="" xmlns:m="http://schemas.openxmlformats.org/officeDocument/2006/math" xmlns:a14="http://schemas.microsoft.com/office/drawing/2010/main" xmlns:ma14="http://schemas.microsoft.com/office/mac/drawingml/2011/main" val="1"/>
             </a:ext>
           </a:extLst>
         </p:spPr>
@@ -4364,7 +4364,7 @@
           </a:ln>
           <a:extLst>
             <a:ext uri="{C572A759-6A51-4108-AA02-DFA0A04FC94B}">
-              <ma14:wrappingTextBoxFlag xmlns:ma14="http://schemas.microsoft.com/office/mac/drawingml/2011/main" xmlns:a14="http://schemas.microsoft.com/office/drawing/2010/main" xmlns:m="http://schemas.openxmlformats.org/officeDocument/2006/math" xmlns="" val="1"/>
+              <ma14:wrappingTextBoxFlag xmlns="" xmlns:m="http://schemas.openxmlformats.org/officeDocument/2006/math" xmlns:a14="http://schemas.microsoft.com/office/drawing/2010/main" xmlns:ma14="http://schemas.microsoft.com/office/mac/drawingml/2011/main" val="1"/>
             </a:ext>
           </a:extLst>
         </p:spPr>
@@ -4817,7 +4817,7 @@
           </a:ln>
           <a:extLst>
             <a:ext uri="{C572A759-6A51-4108-AA02-DFA0A04FC94B}">
-              <ma14:wrappingTextBoxFlag xmlns:ma14="http://schemas.microsoft.com/office/mac/drawingml/2011/main" xmlns:a14="http://schemas.microsoft.com/office/drawing/2010/main" xmlns:m="http://schemas.openxmlformats.org/officeDocument/2006/math" xmlns="" val="1"/>
+              <ma14:wrappingTextBoxFlag xmlns="" xmlns:m="http://schemas.openxmlformats.org/officeDocument/2006/math" xmlns:a14="http://schemas.microsoft.com/office/drawing/2010/main" xmlns:ma14="http://schemas.microsoft.com/office/mac/drawingml/2011/main" val="1"/>
             </a:ext>
           </a:extLst>
         </p:spPr>
@@ -4852,7 +4852,7 @@
           </a:ln>
           <a:extLst>
             <a:ext uri="{C572A759-6A51-4108-AA02-DFA0A04FC94B}">
-              <ma14:wrappingTextBoxFlag xmlns:ma14="http://schemas.microsoft.com/office/mac/drawingml/2011/main" xmlns:a14="http://schemas.microsoft.com/office/drawing/2010/main" xmlns:m="http://schemas.openxmlformats.org/officeDocument/2006/math" xmlns="" val="1"/>
+              <ma14:wrappingTextBoxFlag xmlns="" xmlns:m="http://schemas.openxmlformats.org/officeDocument/2006/math" xmlns:a14="http://schemas.microsoft.com/office/drawing/2010/main" xmlns:ma14="http://schemas.microsoft.com/office/mac/drawingml/2011/main" val="1"/>
             </a:ext>
           </a:extLst>
         </p:spPr>
@@ -4887,7 +4887,7 @@
           </a:ln>
           <a:extLst>
             <a:ext uri="{C572A759-6A51-4108-AA02-DFA0A04FC94B}">
-              <ma14:wrappingTextBoxFlag xmlns:ma14="http://schemas.microsoft.com/office/mac/drawingml/2011/main" xmlns:a14="http://schemas.microsoft.com/office/drawing/2010/main" xmlns:m="http://schemas.openxmlformats.org/officeDocument/2006/math" xmlns="" val="1"/>
+              <ma14:wrappingTextBoxFlag xmlns="" xmlns:m="http://schemas.openxmlformats.org/officeDocument/2006/math" xmlns:a14="http://schemas.microsoft.com/office/drawing/2010/main" xmlns:ma14="http://schemas.microsoft.com/office/mac/drawingml/2011/main" val="1"/>
             </a:ext>
           </a:extLst>
         </p:spPr>
@@ -4922,7 +4922,7 @@
           </a:ln>
           <a:extLst>
             <a:ext uri="{C572A759-6A51-4108-AA02-DFA0A04FC94B}">
-              <ma14:wrappingTextBoxFlag xmlns:ma14="http://schemas.microsoft.com/office/mac/drawingml/2011/main" xmlns:a14="http://schemas.microsoft.com/office/drawing/2010/main" xmlns:m="http://schemas.openxmlformats.org/officeDocument/2006/math" xmlns="" val="1"/>
+              <ma14:wrappingTextBoxFlag xmlns="" xmlns:m="http://schemas.openxmlformats.org/officeDocument/2006/math" xmlns:a14="http://schemas.microsoft.com/office/drawing/2010/main" xmlns:ma14="http://schemas.microsoft.com/office/mac/drawingml/2011/main" val="1"/>
             </a:ext>
           </a:extLst>
         </p:spPr>
@@ -4957,7 +4957,7 @@
           </a:ln>
           <a:extLst>
             <a:ext uri="{C572A759-6A51-4108-AA02-DFA0A04FC94B}">
-              <ma14:wrappingTextBoxFlag xmlns:ma14="http://schemas.microsoft.com/office/mac/drawingml/2011/main" xmlns:a14="http://schemas.microsoft.com/office/drawing/2010/main" xmlns:m="http://schemas.openxmlformats.org/officeDocument/2006/math" xmlns="" val="1"/>
+              <ma14:wrappingTextBoxFlag xmlns="" xmlns:m="http://schemas.openxmlformats.org/officeDocument/2006/math" xmlns:a14="http://schemas.microsoft.com/office/drawing/2010/main" xmlns:ma14="http://schemas.microsoft.com/office/mac/drawingml/2011/main" val="1"/>
             </a:ext>
           </a:extLst>
         </p:spPr>
@@ -4996,7 +4996,7 @@
           </a:ln>
           <a:extLst>
             <a:ext uri="{C572A759-6A51-4108-AA02-DFA0A04FC94B}">
-              <ma14:wrappingTextBoxFlag xmlns:ma14="http://schemas.microsoft.com/office/mac/drawingml/2011/main" xmlns:a14="http://schemas.microsoft.com/office/drawing/2010/main" xmlns:m="http://schemas.openxmlformats.org/officeDocument/2006/math" xmlns="" val="1"/>
+              <ma14:wrappingTextBoxFlag xmlns="" xmlns:m="http://schemas.openxmlformats.org/officeDocument/2006/math" xmlns:a14="http://schemas.microsoft.com/office/drawing/2010/main" xmlns:ma14="http://schemas.microsoft.com/office/mac/drawingml/2011/main" val="1"/>
             </a:ext>
           </a:extLst>
         </p:spPr>
@@ -5035,7 +5035,7 @@
           </a:ln>
           <a:extLst>
             <a:ext uri="{C572A759-6A51-4108-AA02-DFA0A04FC94B}">
-              <ma14:wrappingTextBoxFlag xmlns:ma14="http://schemas.microsoft.com/office/mac/drawingml/2011/main" xmlns:a14="http://schemas.microsoft.com/office/drawing/2010/main" xmlns:m="http://schemas.openxmlformats.org/officeDocument/2006/math" xmlns="" val="1"/>
+              <ma14:wrappingTextBoxFlag xmlns="" xmlns:m="http://schemas.openxmlformats.org/officeDocument/2006/math" xmlns:a14="http://schemas.microsoft.com/office/drawing/2010/main" xmlns:ma14="http://schemas.microsoft.com/office/mac/drawingml/2011/main" val="1"/>
             </a:ext>
           </a:extLst>
         </p:spPr>
@@ -5074,7 +5074,7 @@
           </a:ln>
           <a:extLst>
             <a:ext uri="{C572A759-6A51-4108-AA02-DFA0A04FC94B}">
-              <ma14:wrappingTextBoxFlag xmlns:ma14="http://schemas.microsoft.com/office/mac/drawingml/2011/main" xmlns:a14="http://schemas.microsoft.com/office/drawing/2010/main" xmlns:m="http://schemas.openxmlformats.org/officeDocument/2006/math" xmlns="" val="1"/>
+              <ma14:wrappingTextBoxFlag xmlns="" xmlns:m="http://schemas.openxmlformats.org/officeDocument/2006/math" xmlns:a14="http://schemas.microsoft.com/office/drawing/2010/main" xmlns:ma14="http://schemas.microsoft.com/office/mac/drawingml/2011/main" val="1"/>
             </a:ext>
           </a:extLst>
         </p:spPr>
@@ -5290,7 +5290,7 @@
           </a:ln>
           <a:extLst>
             <a:ext uri="{C572A759-6A51-4108-AA02-DFA0A04FC94B}">
-              <ma14:wrappingTextBoxFlag xmlns:ma14="http://schemas.microsoft.com/office/mac/drawingml/2011/main" xmlns:a14="http://schemas.microsoft.com/office/drawing/2010/main" xmlns:m="http://schemas.openxmlformats.org/officeDocument/2006/math" xmlns="" val="1"/>
+              <ma14:wrappingTextBoxFlag xmlns="" xmlns:m="http://schemas.openxmlformats.org/officeDocument/2006/math" xmlns:a14="http://schemas.microsoft.com/office/drawing/2010/main" xmlns:ma14="http://schemas.microsoft.com/office/mac/drawingml/2011/main" val="1"/>
             </a:ext>
           </a:extLst>
         </p:spPr>
@@ -5442,7 +5442,7 @@
           </a:ln>
           <a:extLst>
             <a:ext uri="{C572A759-6A51-4108-AA02-DFA0A04FC94B}">
-              <ma14:wrappingTextBoxFlag xmlns:ma14="http://schemas.microsoft.com/office/mac/drawingml/2011/main" xmlns:a14="http://schemas.microsoft.com/office/drawing/2010/main" xmlns:m="http://schemas.openxmlformats.org/officeDocument/2006/math" xmlns="" val="1"/>
+              <ma14:wrappingTextBoxFlag xmlns="" xmlns:m="http://schemas.openxmlformats.org/officeDocument/2006/math" xmlns:a14="http://schemas.microsoft.com/office/drawing/2010/main" xmlns:ma14="http://schemas.microsoft.com/office/mac/drawingml/2011/main" val="1"/>
             </a:ext>
           </a:extLst>
         </p:spPr>
@@ -5598,7 +5598,7 @@
           </a:ln>
           <a:extLst>
             <a:ext uri="{C572A759-6A51-4108-AA02-DFA0A04FC94B}">
-              <ma14:wrappingTextBoxFlag xmlns:ma14="http://schemas.microsoft.com/office/mac/drawingml/2011/main" xmlns:a14="http://schemas.microsoft.com/office/drawing/2010/main" xmlns:m="http://schemas.openxmlformats.org/officeDocument/2006/math" xmlns="" val="1"/>
+              <ma14:wrappingTextBoxFlag xmlns="" xmlns:m="http://schemas.openxmlformats.org/officeDocument/2006/math" xmlns:a14="http://schemas.microsoft.com/office/drawing/2010/main" xmlns:ma14="http://schemas.microsoft.com/office/mac/drawingml/2011/main" val="1"/>
             </a:ext>
           </a:extLst>
         </p:spPr>
@@ -6051,7 +6051,7 @@
           </a:ln>
           <a:extLst>
             <a:ext uri="{C572A759-6A51-4108-AA02-DFA0A04FC94B}">
-              <ma14:wrappingTextBoxFlag xmlns:ma14="http://schemas.microsoft.com/office/mac/drawingml/2011/main" xmlns:a14="http://schemas.microsoft.com/office/drawing/2010/main" xmlns:m="http://schemas.openxmlformats.org/officeDocument/2006/math" xmlns="" val="1"/>
+              <ma14:wrappingTextBoxFlag xmlns="" xmlns:m="http://schemas.openxmlformats.org/officeDocument/2006/math" xmlns:a14="http://schemas.microsoft.com/office/drawing/2010/main" xmlns:ma14="http://schemas.microsoft.com/office/mac/drawingml/2011/main" val="1"/>
             </a:ext>
           </a:extLst>
         </p:spPr>
@@ -6206,7 +6206,7 @@
           </a:ln>
           <a:extLst>
             <a:ext uri="{C572A759-6A51-4108-AA02-DFA0A04FC94B}">
-              <ma14:wrappingTextBoxFlag xmlns:ma14="http://schemas.microsoft.com/office/mac/drawingml/2011/main" xmlns:a14="http://schemas.microsoft.com/office/drawing/2010/main" xmlns:m="http://schemas.openxmlformats.org/officeDocument/2006/math" xmlns="" val="1"/>
+              <ma14:wrappingTextBoxFlag xmlns="" xmlns:m="http://schemas.openxmlformats.org/officeDocument/2006/math" xmlns:a14="http://schemas.microsoft.com/office/drawing/2010/main" xmlns:ma14="http://schemas.microsoft.com/office/mac/drawingml/2011/main" val="1"/>
             </a:ext>
           </a:extLst>
         </p:spPr>
@@ -6245,7 +6245,7 @@
           </a:ln>
           <a:extLst>
             <a:ext uri="{C572A759-6A51-4108-AA02-DFA0A04FC94B}">
-              <ma14:wrappingTextBoxFlag xmlns:ma14="http://schemas.microsoft.com/office/mac/drawingml/2011/main" xmlns:a14="http://schemas.microsoft.com/office/drawing/2010/main" xmlns:m="http://schemas.openxmlformats.org/officeDocument/2006/math" xmlns="" val="1"/>
+              <ma14:wrappingTextBoxFlag xmlns="" xmlns:m="http://schemas.openxmlformats.org/officeDocument/2006/math" xmlns:a14="http://schemas.microsoft.com/office/drawing/2010/main" xmlns:ma14="http://schemas.microsoft.com/office/mac/drawingml/2011/main" val="1"/>
             </a:ext>
           </a:extLst>
         </p:spPr>
@@ -6280,7 +6280,7 @@
           </a:ln>
           <a:extLst>
             <a:ext uri="{C572A759-6A51-4108-AA02-DFA0A04FC94B}">
-              <ma14:wrappingTextBoxFlag xmlns:ma14="http://schemas.microsoft.com/office/mac/drawingml/2011/main" xmlns:a14="http://schemas.microsoft.com/office/drawing/2010/main" xmlns:m="http://schemas.openxmlformats.org/officeDocument/2006/math" xmlns="" val="1"/>
+              <ma14:wrappingTextBoxFlag xmlns="" xmlns:m="http://schemas.openxmlformats.org/officeDocument/2006/math" xmlns:a14="http://schemas.microsoft.com/office/drawing/2010/main" xmlns:ma14="http://schemas.microsoft.com/office/mac/drawingml/2011/main" val="1"/>
             </a:ext>
           </a:extLst>
         </p:spPr>
@@ -6484,7 +6484,7 @@
           </a:ln>
           <a:extLst>
             <a:ext uri="{C572A759-6A51-4108-AA02-DFA0A04FC94B}">
-              <ma14:wrappingTextBoxFlag xmlns:ma14="http://schemas.microsoft.com/office/mac/drawingml/2011/main" xmlns:a14="http://schemas.microsoft.com/office/drawing/2010/main" xmlns:m="http://schemas.openxmlformats.org/officeDocument/2006/math" xmlns="" val="1"/>
+              <ma14:wrappingTextBoxFlag xmlns="" xmlns:m="http://schemas.openxmlformats.org/officeDocument/2006/math" xmlns:a14="http://schemas.microsoft.com/office/drawing/2010/main" xmlns:ma14="http://schemas.microsoft.com/office/mac/drawingml/2011/main" val="1"/>
             </a:ext>
           </a:extLst>
         </p:spPr>
@@ -6610,7 +6610,7 @@
           </a:ln>
           <a:extLst>
             <a:ext uri="{C572A759-6A51-4108-AA02-DFA0A04FC94B}">
-              <ma14:wrappingTextBoxFlag xmlns:ma14="http://schemas.microsoft.com/office/mac/drawingml/2011/main" xmlns:a14="http://schemas.microsoft.com/office/drawing/2010/main" xmlns:m="http://schemas.openxmlformats.org/officeDocument/2006/math" xmlns="" val="1"/>
+              <ma14:wrappingTextBoxFlag xmlns="" xmlns:m="http://schemas.openxmlformats.org/officeDocument/2006/math" xmlns:a14="http://schemas.microsoft.com/office/drawing/2010/main" xmlns:ma14="http://schemas.microsoft.com/office/mac/drawingml/2011/main" val="1"/>
             </a:ext>
           </a:extLst>
         </p:spPr>
@@ -6645,7 +6645,7 @@
           </a:ln>
           <a:extLst>
             <a:ext uri="{C572A759-6A51-4108-AA02-DFA0A04FC94B}">
-              <ma14:wrappingTextBoxFlag xmlns:ma14="http://schemas.microsoft.com/office/mac/drawingml/2011/main" xmlns:a14="http://schemas.microsoft.com/office/drawing/2010/main" xmlns:m="http://schemas.openxmlformats.org/officeDocument/2006/math" xmlns="" val="1"/>
+              <ma14:wrappingTextBoxFlag xmlns="" xmlns:m="http://schemas.openxmlformats.org/officeDocument/2006/math" xmlns:a14="http://schemas.microsoft.com/office/drawing/2010/main" xmlns:ma14="http://schemas.microsoft.com/office/mac/drawingml/2011/main" val="1"/>
             </a:ext>
           </a:extLst>
         </p:spPr>
@@ -6680,7 +6680,7 @@
           </a:ln>
           <a:extLst>
             <a:ext uri="{C572A759-6A51-4108-AA02-DFA0A04FC94B}">
-              <ma14:wrappingTextBoxFlag xmlns:ma14="http://schemas.microsoft.com/office/mac/drawingml/2011/main" xmlns:a14="http://schemas.microsoft.com/office/drawing/2010/main" xmlns:m="http://schemas.openxmlformats.org/officeDocument/2006/math" xmlns="" val="1"/>
+              <ma14:wrappingTextBoxFlag xmlns="" xmlns:m="http://schemas.openxmlformats.org/officeDocument/2006/math" xmlns:a14="http://schemas.microsoft.com/office/drawing/2010/main" xmlns:ma14="http://schemas.microsoft.com/office/mac/drawingml/2011/main" val="1"/>
             </a:ext>
           </a:extLst>
         </p:spPr>
@@ -6715,7 +6715,7 @@
           </a:ln>
           <a:extLst>
             <a:ext uri="{C572A759-6A51-4108-AA02-DFA0A04FC94B}">
-              <ma14:wrappingTextBoxFlag xmlns:ma14="http://schemas.microsoft.com/office/mac/drawingml/2011/main" xmlns:a14="http://schemas.microsoft.com/office/drawing/2010/main" xmlns:m="http://schemas.openxmlformats.org/officeDocument/2006/math" xmlns="" val="1"/>
+              <ma14:wrappingTextBoxFlag xmlns="" xmlns:m="http://schemas.openxmlformats.org/officeDocument/2006/math" xmlns:a14="http://schemas.microsoft.com/office/drawing/2010/main" xmlns:ma14="http://schemas.microsoft.com/office/mac/drawingml/2011/main" val="1"/>
             </a:ext>
           </a:extLst>
         </p:spPr>
@@ -6750,7 +6750,7 @@
           </a:ln>
           <a:extLst>
             <a:ext uri="{C572A759-6A51-4108-AA02-DFA0A04FC94B}">
-              <ma14:wrappingTextBoxFlag xmlns:ma14="http://schemas.microsoft.com/office/mac/drawingml/2011/main" xmlns:a14="http://schemas.microsoft.com/office/drawing/2010/main" xmlns:m="http://schemas.openxmlformats.org/officeDocument/2006/math" xmlns="" val="1"/>
+              <ma14:wrappingTextBoxFlag xmlns="" xmlns:m="http://schemas.openxmlformats.org/officeDocument/2006/math" xmlns:a14="http://schemas.microsoft.com/office/drawing/2010/main" xmlns:ma14="http://schemas.microsoft.com/office/mac/drawingml/2011/main" val="1"/>
             </a:ext>
           </a:extLst>
         </p:spPr>
@@ -6844,7 +6844,7 @@
           </a:ln>
           <a:extLst>
             <a:ext uri="{C572A759-6A51-4108-AA02-DFA0A04FC94B}">
-              <ma14:wrappingTextBoxFlag xmlns:ma14="http://schemas.microsoft.com/office/mac/drawingml/2011/main" xmlns:a14="http://schemas.microsoft.com/office/drawing/2010/main" xmlns:m="http://schemas.openxmlformats.org/officeDocument/2006/math" xmlns="" val="1"/>
+              <ma14:wrappingTextBoxFlag xmlns="" xmlns:m="http://schemas.openxmlformats.org/officeDocument/2006/math" xmlns:a14="http://schemas.microsoft.com/office/drawing/2010/main" xmlns:ma14="http://schemas.microsoft.com/office/mac/drawingml/2011/main" val="1"/>
             </a:ext>
           </a:extLst>
         </p:spPr>
@@ -7297,7 +7297,7 @@
           </a:ln>
           <a:extLst>
             <a:ext uri="{C572A759-6A51-4108-AA02-DFA0A04FC94B}">
-              <ma14:wrappingTextBoxFlag xmlns:ma14="http://schemas.microsoft.com/office/mac/drawingml/2011/main" xmlns:a14="http://schemas.microsoft.com/office/drawing/2010/main" xmlns:m="http://schemas.openxmlformats.org/officeDocument/2006/math" xmlns="" val="1"/>
+              <ma14:wrappingTextBoxFlag xmlns="" xmlns:m="http://schemas.openxmlformats.org/officeDocument/2006/math" xmlns:a14="http://schemas.microsoft.com/office/drawing/2010/main" xmlns:ma14="http://schemas.microsoft.com/office/mac/drawingml/2011/main" val="1"/>
             </a:ext>
           </a:extLst>
         </p:spPr>
@@ -7452,7 +7452,7 @@
           </a:ln>
           <a:extLst>
             <a:ext uri="{C572A759-6A51-4108-AA02-DFA0A04FC94B}">
-              <ma14:wrappingTextBoxFlag xmlns:ma14="http://schemas.microsoft.com/office/mac/drawingml/2011/main" xmlns:a14="http://schemas.microsoft.com/office/drawing/2010/main" xmlns:m="http://schemas.openxmlformats.org/officeDocument/2006/math" xmlns="" val="1"/>
+              <ma14:wrappingTextBoxFlag xmlns="" xmlns:m="http://schemas.openxmlformats.org/officeDocument/2006/math" xmlns:a14="http://schemas.microsoft.com/office/drawing/2010/main" xmlns:ma14="http://schemas.microsoft.com/office/mac/drawingml/2011/main" val="1"/>
             </a:ext>
           </a:extLst>
         </p:spPr>
@@ -7491,7 +7491,7 @@
           </a:ln>
           <a:extLst>
             <a:ext uri="{C572A759-6A51-4108-AA02-DFA0A04FC94B}">
-              <ma14:wrappingTextBoxFlag xmlns:ma14="http://schemas.microsoft.com/office/mac/drawingml/2011/main" xmlns:a14="http://schemas.microsoft.com/office/drawing/2010/main" xmlns:m="http://schemas.openxmlformats.org/officeDocument/2006/math" xmlns="" val="1"/>
+              <ma14:wrappingTextBoxFlag xmlns="" xmlns:m="http://schemas.openxmlformats.org/officeDocument/2006/math" xmlns:a14="http://schemas.microsoft.com/office/drawing/2010/main" xmlns:ma14="http://schemas.microsoft.com/office/mac/drawingml/2011/main" val="1"/>
             </a:ext>
           </a:extLst>
         </p:spPr>
@@ -7746,7 +7746,7 @@
           </a:ln>
           <a:extLst>
             <a:ext uri="{C572A759-6A51-4108-AA02-DFA0A04FC94B}">
-              <ma14:wrappingTextBoxFlag xmlns:ma14="http://schemas.microsoft.com/office/mac/drawingml/2011/main" xmlns:a14="http://schemas.microsoft.com/office/drawing/2010/main" xmlns:m="http://schemas.openxmlformats.org/officeDocument/2006/math" xmlns="" val="1"/>
+              <ma14:wrappingTextBoxFlag xmlns="" xmlns:m="http://schemas.openxmlformats.org/officeDocument/2006/math" xmlns:a14="http://schemas.microsoft.com/office/drawing/2010/main" xmlns:ma14="http://schemas.microsoft.com/office/mac/drawingml/2011/main" val="1"/>
             </a:ext>
           </a:extLst>
         </p:spPr>
@@ -7901,7 +7901,7 @@
           </a:ln>
           <a:extLst>
             <a:ext uri="{C572A759-6A51-4108-AA02-DFA0A04FC94B}">
-              <ma14:wrappingTextBoxFlag xmlns:ma14="http://schemas.microsoft.com/office/mac/drawingml/2011/main" xmlns:a14="http://schemas.microsoft.com/office/drawing/2010/main" xmlns:m="http://schemas.openxmlformats.org/officeDocument/2006/math" xmlns="" val="1"/>
+              <ma14:wrappingTextBoxFlag xmlns="" xmlns:m="http://schemas.openxmlformats.org/officeDocument/2006/math" xmlns:a14="http://schemas.microsoft.com/office/drawing/2010/main" xmlns:ma14="http://schemas.microsoft.com/office/mac/drawingml/2011/main" val="1"/>
             </a:ext>
           </a:extLst>
         </p:spPr>
@@ -7936,7 +7936,7 @@
           </a:ln>
           <a:extLst>
             <a:ext uri="{C572A759-6A51-4108-AA02-DFA0A04FC94B}">
-              <ma14:wrappingTextBoxFlag xmlns:ma14="http://schemas.microsoft.com/office/mac/drawingml/2011/main" xmlns:a14="http://schemas.microsoft.com/office/drawing/2010/main" xmlns:m="http://schemas.openxmlformats.org/officeDocument/2006/math" xmlns="" val="1"/>
+              <ma14:wrappingTextBoxFlag xmlns="" xmlns:m="http://schemas.openxmlformats.org/officeDocument/2006/math" xmlns:a14="http://schemas.microsoft.com/office/drawing/2010/main" xmlns:ma14="http://schemas.microsoft.com/office/mac/drawingml/2011/main" val="1"/>
             </a:ext>
           </a:extLst>
         </p:spPr>
@@ -7971,7 +7971,7 @@
           </a:ln>
           <a:extLst>
             <a:ext uri="{C572A759-6A51-4108-AA02-DFA0A04FC94B}">
-              <ma14:wrappingTextBoxFlag xmlns:ma14="http://schemas.microsoft.com/office/mac/drawingml/2011/main" xmlns:a14="http://schemas.microsoft.com/office/drawing/2010/main" xmlns:m="http://schemas.openxmlformats.org/officeDocument/2006/math" xmlns="" val="1"/>
+              <ma14:wrappingTextBoxFlag xmlns="" xmlns:m="http://schemas.openxmlformats.org/officeDocument/2006/math" xmlns:a14="http://schemas.microsoft.com/office/drawing/2010/main" xmlns:ma14="http://schemas.microsoft.com/office/mac/drawingml/2011/main" val="1"/>
             </a:ext>
           </a:extLst>
         </p:spPr>
@@ -8006,7 +8006,7 @@
           </a:ln>
           <a:extLst>
             <a:ext uri="{C572A759-6A51-4108-AA02-DFA0A04FC94B}">
-              <ma14:wrappingTextBoxFlag xmlns:ma14="http://schemas.microsoft.com/office/mac/drawingml/2011/main" xmlns:a14="http://schemas.microsoft.com/office/drawing/2010/main" xmlns:m="http://schemas.openxmlformats.org/officeDocument/2006/math" xmlns="" val="1"/>
+              <ma14:wrappingTextBoxFlag xmlns="" xmlns:m="http://schemas.openxmlformats.org/officeDocument/2006/math" xmlns:a14="http://schemas.microsoft.com/office/drawing/2010/main" xmlns:ma14="http://schemas.microsoft.com/office/mac/drawingml/2011/main" val="1"/>
             </a:ext>
           </a:extLst>
         </p:spPr>
@@ -8041,7 +8041,7 @@
           </a:ln>
           <a:extLst>
             <a:ext uri="{C572A759-6A51-4108-AA02-DFA0A04FC94B}">
-              <ma14:wrappingTextBoxFlag xmlns:ma14="http://schemas.microsoft.com/office/mac/drawingml/2011/main" xmlns:a14="http://schemas.microsoft.com/office/drawing/2010/main" xmlns:m="http://schemas.openxmlformats.org/officeDocument/2006/math" xmlns="" val="1"/>
+              <ma14:wrappingTextBoxFlag xmlns="" xmlns:m="http://schemas.openxmlformats.org/officeDocument/2006/math" xmlns:a14="http://schemas.microsoft.com/office/drawing/2010/main" xmlns:ma14="http://schemas.microsoft.com/office/mac/drawingml/2011/main" val="1"/>
             </a:ext>
           </a:extLst>
         </p:spPr>
@@ -8076,7 +8076,7 @@
           </a:ln>
           <a:extLst>
             <a:ext uri="{C572A759-6A51-4108-AA02-DFA0A04FC94B}">
-              <ma14:wrappingTextBoxFlag xmlns:ma14="http://schemas.microsoft.com/office/mac/drawingml/2011/main" xmlns:a14="http://schemas.microsoft.com/office/drawing/2010/main" xmlns:m="http://schemas.openxmlformats.org/officeDocument/2006/math" xmlns="" val="1"/>
+              <ma14:wrappingTextBoxFlag xmlns="" xmlns:m="http://schemas.openxmlformats.org/officeDocument/2006/math" xmlns:a14="http://schemas.microsoft.com/office/drawing/2010/main" xmlns:ma14="http://schemas.microsoft.com/office/mac/drawingml/2011/main" val="1"/>
             </a:ext>
           </a:extLst>
         </p:spPr>
@@ -8170,7 +8170,7 @@
           </a:ln>
           <a:extLst>
             <a:ext uri="{C572A759-6A51-4108-AA02-DFA0A04FC94B}">
-              <ma14:wrappingTextBoxFlag xmlns:ma14="http://schemas.microsoft.com/office/mac/drawingml/2011/main" xmlns:a14="http://schemas.microsoft.com/office/drawing/2010/main" xmlns:m="http://schemas.openxmlformats.org/officeDocument/2006/math" xmlns="" val="1"/>
+              <ma14:wrappingTextBoxFlag xmlns="" xmlns:m="http://schemas.openxmlformats.org/officeDocument/2006/math" xmlns:a14="http://schemas.microsoft.com/office/drawing/2010/main" xmlns:ma14="http://schemas.microsoft.com/office/mac/drawingml/2011/main" val="1"/>
             </a:ext>
           </a:extLst>
         </p:spPr>
@@ -8623,7 +8623,7 @@
           </a:ln>
           <a:extLst>
             <a:ext uri="{C572A759-6A51-4108-AA02-DFA0A04FC94B}">
-              <ma14:wrappingTextBoxFlag xmlns:ma14="http://schemas.microsoft.com/office/mac/drawingml/2011/main" xmlns:a14="http://schemas.microsoft.com/office/drawing/2010/main" xmlns:m="http://schemas.openxmlformats.org/officeDocument/2006/math" xmlns="" val="1"/>
+              <ma14:wrappingTextBoxFlag xmlns="" xmlns:m="http://schemas.openxmlformats.org/officeDocument/2006/math" xmlns:a14="http://schemas.microsoft.com/office/drawing/2010/main" xmlns:ma14="http://schemas.microsoft.com/office/mac/drawingml/2011/main" val="1"/>
             </a:ext>
           </a:extLst>
         </p:spPr>
@@ -8851,7 +8851,7 @@
           </a:ln>
           <a:extLst>
             <a:ext uri="{C572A759-6A51-4108-AA02-DFA0A04FC94B}">
-              <ma14:wrappingTextBoxFlag xmlns:ma14="http://schemas.microsoft.com/office/mac/drawingml/2011/main" xmlns:a14="http://schemas.microsoft.com/office/drawing/2010/main" xmlns:m="http://schemas.openxmlformats.org/officeDocument/2006/math" xmlns="" val="1"/>
+              <ma14:wrappingTextBoxFlag xmlns="" xmlns:m="http://schemas.openxmlformats.org/officeDocument/2006/math" xmlns:a14="http://schemas.microsoft.com/office/drawing/2010/main" xmlns:ma14="http://schemas.microsoft.com/office/mac/drawingml/2011/main" val="1"/>
             </a:ext>
           </a:extLst>
         </p:spPr>
@@ -8886,7 +8886,7 @@
           </a:ln>
           <a:extLst>
             <a:ext uri="{C572A759-6A51-4108-AA02-DFA0A04FC94B}">
-              <ma14:wrappingTextBoxFlag xmlns:ma14="http://schemas.microsoft.com/office/mac/drawingml/2011/main" xmlns:a14="http://schemas.microsoft.com/office/drawing/2010/main" xmlns:m="http://schemas.openxmlformats.org/officeDocument/2006/math" xmlns="" val="1"/>
+              <ma14:wrappingTextBoxFlag xmlns="" xmlns:m="http://schemas.openxmlformats.org/officeDocument/2006/math" xmlns:a14="http://schemas.microsoft.com/office/drawing/2010/main" xmlns:ma14="http://schemas.microsoft.com/office/mac/drawingml/2011/main" val="1"/>
             </a:ext>
           </a:extLst>
         </p:spPr>
@@ -9636,7 +9636,7 @@
           </a:ln>
           <a:extLst>
             <a:ext uri="{C572A759-6A51-4108-AA02-DFA0A04FC94B}">
-              <ma14:wrappingTextBoxFlag xmlns:ma14="http://schemas.microsoft.com/office/mac/drawingml/2011/main" xmlns:a14="http://schemas.microsoft.com/office/drawing/2010/main" xmlns:m="http://schemas.openxmlformats.org/officeDocument/2006/math" xmlns="" val="1"/>
+              <ma14:wrappingTextBoxFlag xmlns="" xmlns:m="http://schemas.openxmlformats.org/officeDocument/2006/math" xmlns:a14="http://schemas.microsoft.com/office/drawing/2010/main" xmlns:ma14="http://schemas.microsoft.com/office/mac/drawingml/2011/main" val="1"/>
             </a:ext>
           </a:extLst>
         </p:spPr>
@@ -10081,7 +10081,7 @@
           </a:ln>
           <a:extLst>
             <a:ext uri="{C572A759-6A51-4108-AA02-DFA0A04FC94B}">
-              <ma14:wrappingTextBoxFlag xmlns:ma14="http://schemas.microsoft.com/office/mac/drawingml/2011/main" xmlns:a14="http://schemas.microsoft.com/office/drawing/2010/main" xmlns:m="http://schemas.openxmlformats.org/officeDocument/2006/math" xmlns="" val="1"/>
+              <ma14:wrappingTextBoxFlag xmlns="" xmlns:m="http://schemas.openxmlformats.org/officeDocument/2006/math" xmlns:a14="http://schemas.microsoft.com/office/drawing/2010/main" xmlns:ma14="http://schemas.microsoft.com/office/mac/drawingml/2011/main" val="1"/>
             </a:ext>
           </a:extLst>
         </p:spPr>
@@ -10116,7 +10116,7 @@
           </a:ln>
           <a:extLst>
             <a:ext uri="{C572A759-6A51-4108-AA02-DFA0A04FC94B}">
-              <ma14:wrappingTextBoxFlag xmlns:ma14="http://schemas.microsoft.com/office/mac/drawingml/2011/main" xmlns:a14="http://schemas.microsoft.com/office/drawing/2010/main" xmlns:m="http://schemas.openxmlformats.org/officeDocument/2006/math" xmlns="" val="1"/>
+              <ma14:wrappingTextBoxFlag xmlns="" xmlns:m="http://schemas.openxmlformats.org/officeDocument/2006/math" xmlns:a14="http://schemas.microsoft.com/office/drawing/2010/main" xmlns:ma14="http://schemas.microsoft.com/office/mac/drawingml/2011/main" val="1"/>
             </a:ext>
           </a:extLst>
         </p:spPr>
@@ -10151,7 +10151,7 @@
           </a:ln>
           <a:extLst>
             <a:ext uri="{C572A759-6A51-4108-AA02-DFA0A04FC94B}">
-              <ma14:wrappingTextBoxFlag xmlns:ma14="http://schemas.microsoft.com/office/mac/drawingml/2011/main" xmlns:a14="http://schemas.microsoft.com/office/drawing/2010/main" xmlns:m="http://schemas.openxmlformats.org/officeDocument/2006/math" xmlns="" val="1"/>
+              <ma14:wrappingTextBoxFlag xmlns="" xmlns:m="http://schemas.openxmlformats.org/officeDocument/2006/math" xmlns:a14="http://schemas.microsoft.com/office/drawing/2010/main" xmlns:ma14="http://schemas.microsoft.com/office/mac/drawingml/2011/main" val="1"/>
             </a:ext>
           </a:extLst>
         </p:spPr>
@@ -10186,7 +10186,7 @@
           </a:ln>
           <a:extLst>
             <a:ext uri="{C572A759-6A51-4108-AA02-DFA0A04FC94B}">
-              <ma14:wrappingTextBoxFlag xmlns:ma14="http://schemas.microsoft.com/office/mac/drawingml/2011/main" xmlns:a14="http://schemas.microsoft.com/office/drawing/2010/main" xmlns:m="http://schemas.openxmlformats.org/officeDocument/2006/math" xmlns="" val="1"/>
+              <ma14:wrappingTextBoxFlag xmlns="" xmlns:m="http://schemas.openxmlformats.org/officeDocument/2006/math" xmlns:a14="http://schemas.microsoft.com/office/drawing/2010/main" xmlns:ma14="http://schemas.microsoft.com/office/mac/drawingml/2011/main" val="1"/>
             </a:ext>
           </a:extLst>
         </p:spPr>
@@ -10221,7 +10221,7 @@
           </a:ln>
           <a:extLst>
             <a:ext uri="{C572A759-6A51-4108-AA02-DFA0A04FC94B}">
-              <ma14:wrappingTextBoxFlag xmlns:ma14="http://schemas.microsoft.com/office/mac/drawingml/2011/main" xmlns:a14="http://schemas.microsoft.com/office/drawing/2010/main" xmlns:m="http://schemas.openxmlformats.org/officeDocument/2006/math" xmlns="" val="1"/>
+              <ma14:wrappingTextBoxFlag xmlns="" xmlns:m="http://schemas.openxmlformats.org/officeDocument/2006/math" xmlns:a14="http://schemas.microsoft.com/office/drawing/2010/main" xmlns:ma14="http://schemas.microsoft.com/office/mac/drawingml/2011/main" val="1"/>
             </a:ext>
           </a:extLst>
         </p:spPr>
@@ -10256,7 +10256,7 @@
           </a:ln>
           <a:extLst>
             <a:ext uri="{C572A759-6A51-4108-AA02-DFA0A04FC94B}">
-              <ma14:wrappingTextBoxFlag xmlns:ma14="http://schemas.microsoft.com/office/mac/drawingml/2011/main" xmlns:a14="http://schemas.microsoft.com/office/drawing/2010/main" xmlns:m="http://schemas.openxmlformats.org/officeDocument/2006/math" xmlns="" val="1"/>
+              <ma14:wrappingTextBoxFlag xmlns="" xmlns:m="http://schemas.openxmlformats.org/officeDocument/2006/math" xmlns:a14="http://schemas.microsoft.com/office/drawing/2010/main" xmlns:ma14="http://schemas.microsoft.com/office/mac/drawingml/2011/main" val="1"/>
             </a:ext>
           </a:extLst>
         </p:spPr>
@@ -10813,7 +10813,7 @@
           </a:ln>
           <a:extLst>
             <a:ext uri="{C572A759-6A51-4108-AA02-DFA0A04FC94B}">
-              <ma14:wrappingTextBoxFlag xmlns:ma14="http://schemas.microsoft.com/office/mac/drawingml/2011/main" xmlns:a14="http://schemas.microsoft.com/office/drawing/2010/main" xmlns:m="http://schemas.openxmlformats.org/officeDocument/2006/math" xmlns="" val="1"/>
+              <ma14:wrappingTextBoxFlag xmlns="" xmlns:m="http://schemas.openxmlformats.org/officeDocument/2006/math" xmlns:a14="http://schemas.microsoft.com/office/drawing/2010/main" xmlns:ma14="http://schemas.microsoft.com/office/mac/drawingml/2011/main" val="1"/>
             </a:ext>
           </a:extLst>
         </p:spPr>
@@ -11295,7 +11295,7 @@
           </a:ln>
           <a:extLst>
             <a:ext uri="{C572A759-6A51-4108-AA02-DFA0A04FC94B}">
-              <ma14:wrappingTextBoxFlag xmlns:ma14="http://schemas.microsoft.com/office/mac/drawingml/2011/main" xmlns:a14="http://schemas.microsoft.com/office/drawing/2010/main" xmlns:m="http://schemas.openxmlformats.org/officeDocument/2006/math" xmlns="" val="1"/>
+              <ma14:wrappingTextBoxFlag xmlns="" xmlns:m="http://schemas.openxmlformats.org/officeDocument/2006/math" xmlns:a14="http://schemas.microsoft.com/office/drawing/2010/main" xmlns:ma14="http://schemas.microsoft.com/office/mac/drawingml/2011/main" val="1"/>
             </a:ext>
           </a:extLst>
         </p:spPr>
@@ -11523,7 +11523,7 @@
           </a:ln>
           <a:extLst>
             <a:ext uri="{C572A759-6A51-4108-AA02-DFA0A04FC94B}">
-              <ma14:wrappingTextBoxFlag xmlns:ma14="http://schemas.microsoft.com/office/mac/drawingml/2011/main" xmlns:a14="http://schemas.microsoft.com/office/drawing/2010/main" xmlns:m="http://schemas.openxmlformats.org/officeDocument/2006/math" xmlns="" val="1"/>
+              <ma14:wrappingTextBoxFlag xmlns="" xmlns:m="http://schemas.openxmlformats.org/officeDocument/2006/math" xmlns:a14="http://schemas.microsoft.com/office/drawing/2010/main" xmlns:ma14="http://schemas.microsoft.com/office/mac/drawingml/2011/main" val="1"/>
             </a:ext>
           </a:extLst>
         </p:spPr>
@@ -11558,7 +11558,7 @@
           </a:ln>
           <a:extLst>
             <a:ext uri="{C572A759-6A51-4108-AA02-DFA0A04FC94B}">
-              <ma14:wrappingTextBoxFlag xmlns:ma14="http://schemas.microsoft.com/office/mac/drawingml/2011/main" xmlns:a14="http://schemas.microsoft.com/office/drawing/2010/main" xmlns:m="http://schemas.openxmlformats.org/officeDocument/2006/math" xmlns="" val="1"/>
+              <ma14:wrappingTextBoxFlag xmlns="" xmlns:m="http://schemas.openxmlformats.org/officeDocument/2006/math" xmlns:a14="http://schemas.microsoft.com/office/drawing/2010/main" xmlns:ma14="http://schemas.microsoft.com/office/mac/drawingml/2011/main" val="1"/>
             </a:ext>
           </a:extLst>
         </p:spPr>
@@ -11593,7 +11593,7 @@
           </a:ln>
           <a:extLst>
             <a:ext uri="{C572A759-6A51-4108-AA02-DFA0A04FC94B}">
-              <ma14:wrappingTextBoxFlag xmlns:ma14="http://schemas.microsoft.com/office/mac/drawingml/2011/main" xmlns:a14="http://schemas.microsoft.com/office/drawing/2010/main" xmlns:m="http://schemas.openxmlformats.org/officeDocument/2006/math" xmlns="" val="1"/>
+              <ma14:wrappingTextBoxFlag xmlns="" xmlns:m="http://schemas.openxmlformats.org/officeDocument/2006/math" xmlns:a14="http://schemas.microsoft.com/office/drawing/2010/main" xmlns:ma14="http://schemas.microsoft.com/office/mac/drawingml/2011/main" val="1"/>
             </a:ext>
           </a:extLst>
         </p:spPr>
@@ -11628,7 +11628,7 @@
           </a:ln>
           <a:extLst>
             <a:ext uri="{C572A759-6A51-4108-AA02-DFA0A04FC94B}">
-              <ma14:wrappingTextBoxFlag xmlns:ma14="http://schemas.microsoft.com/office/mac/drawingml/2011/main" xmlns:a14="http://schemas.microsoft.com/office/drawing/2010/main" xmlns:m="http://schemas.openxmlformats.org/officeDocument/2006/math" xmlns="" val="1"/>
+              <ma14:wrappingTextBoxFlag xmlns="" xmlns:m="http://schemas.openxmlformats.org/officeDocument/2006/math" xmlns:a14="http://schemas.microsoft.com/office/drawing/2010/main" xmlns:ma14="http://schemas.microsoft.com/office/mac/drawingml/2011/main" val="1"/>
             </a:ext>
           </a:extLst>
         </p:spPr>
@@ -11663,7 +11663,7 @@
           </a:ln>
           <a:extLst>
             <a:ext uri="{C572A759-6A51-4108-AA02-DFA0A04FC94B}">
-              <ma14:wrappingTextBoxFlag xmlns:ma14="http://schemas.microsoft.com/office/mac/drawingml/2011/main" xmlns:a14="http://schemas.microsoft.com/office/drawing/2010/main" xmlns:m="http://schemas.openxmlformats.org/officeDocument/2006/math" xmlns="" val="1"/>
+              <ma14:wrappingTextBoxFlag xmlns="" xmlns:m="http://schemas.openxmlformats.org/officeDocument/2006/math" xmlns:a14="http://schemas.microsoft.com/office/drawing/2010/main" xmlns:ma14="http://schemas.microsoft.com/office/mac/drawingml/2011/main" val="1"/>
             </a:ext>
           </a:extLst>
         </p:spPr>
@@ -11698,7 +11698,7 @@
           </a:ln>
           <a:extLst>
             <a:ext uri="{C572A759-6A51-4108-AA02-DFA0A04FC94B}">
-              <ma14:wrappingTextBoxFlag xmlns:ma14="http://schemas.microsoft.com/office/mac/drawingml/2011/main" xmlns:a14="http://schemas.microsoft.com/office/drawing/2010/main" xmlns:m="http://schemas.openxmlformats.org/officeDocument/2006/math" xmlns="" val="1"/>
+              <ma14:wrappingTextBoxFlag xmlns="" xmlns:m="http://schemas.openxmlformats.org/officeDocument/2006/math" xmlns:a14="http://schemas.microsoft.com/office/drawing/2010/main" xmlns:ma14="http://schemas.microsoft.com/office/mac/drawingml/2011/main" val="1"/>
             </a:ext>
           </a:extLst>
         </p:spPr>
@@ -11903,7 +11903,7 @@
           </a:ln>
           <a:extLst>
             <a:ext uri="{C572A759-6A51-4108-AA02-DFA0A04FC94B}">
-              <ma14:wrappingTextBoxFlag xmlns:ma14="http://schemas.microsoft.com/office/mac/drawingml/2011/main" xmlns:a14="http://schemas.microsoft.com/office/drawing/2010/main" xmlns:m="http://schemas.openxmlformats.org/officeDocument/2006/math" xmlns="" val="1"/>
+              <ma14:wrappingTextBoxFlag xmlns="" xmlns:m="http://schemas.openxmlformats.org/officeDocument/2006/math" xmlns:a14="http://schemas.microsoft.com/office/drawing/2010/main" xmlns:ma14="http://schemas.microsoft.com/office/mac/drawingml/2011/main" val="1"/>
             </a:ext>
           </a:extLst>
         </p:spPr>
@@ -12356,7 +12356,7 @@
           </a:ln>
           <a:extLst>
             <a:ext uri="{C572A759-6A51-4108-AA02-DFA0A04FC94B}">
-              <ma14:wrappingTextBoxFlag xmlns:ma14="http://schemas.microsoft.com/office/mac/drawingml/2011/main" xmlns:a14="http://schemas.microsoft.com/office/drawing/2010/main" xmlns:m="http://schemas.openxmlformats.org/officeDocument/2006/math" xmlns="" val="1"/>
+              <ma14:wrappingTextBoxFlag xmlns="" xmlns:m="http://schemas.openxmlformats.org/officeDocument/2006/math" xmlns:a14="http://schemas.microsoft.com/office/drawing/2010/main" xmlns:ma14="http://schemas.microsoft.com/office/mac/drawingml/2011/main" val="1"/>
             </a:ext>
           </a:extLst>
         </p:spPr>
@@ -12584,7 +12584,7 @@
           </a:ln>
           <a:extLst>
             <a:ext uri="{C572A759-6A51-4108-AA02-DFA0A04FC94B}">
-              <ma14:wrappingTextBoxFlag xmlns:ma14="http://schemas.microsoft.com/office/mac/drawingml/2011/main" xmlns:a14="http://schemas.microsoft.com/office/drawing/2010/main" xmlns:m="http://schemas.openxmlformats.org/officeDocument/2006/math" xmlns="" val="1"/>
+              <ma14:wrappingTextBoxFlag xmlns="" xmlns:m="http://schemas.openxmlformats.org/officeDocument/2006/math" xmlns:a14="http://schemas.microsoft.com/office/drawing/2010/main" xmlns:ma14="http://schemas.microsoft.com/office/mac/drawingml/2011/main" val="1"/>
             </a:ext>
           </a:extLst>
         </p:spPr>
@@ -12619,7 +12619,7 @@
           </a:ln>
           <a:extLst>
             <a:ext uri="{C572A759-6A51-4108-AA02-DFA0A04FC94B}">
-              <ma14:wrappingTextBoxFlag xmlns:ma14="http://schemas.microsoft.com/office/mac/drawingml/2011/main" xmlns:a14="http://schemas.microsoft.com/office/drawing/2010/main" xmlns:m="http://schemas.openxmlformats.org/officeDocument/2006/math" xmlns="" val="1"/>
+              <ma14:wrappingTextBoxFlag xmlns="" xmlns:m="http://schemas.openxmlformats.org/officeDocument/2006/math" xmlns:a14="http://schemas.microsoft.com/office/drawing/2010/main" xmlns:ma14="http://schemas.microsoft.com/office/mac/drawingml/2011/main" val="1"/>
             </a:ext>
           </a:extLst>
         </p:spPr>
@@ -12654,7 +12654,7 @@
           </a:ln>
           <a:extLst>
             <a:ext uri="{C572A759-6A51-4108-AA02-DFA0A04FC94B}">
-              <ma14:wrappingTextBoxFlag xmlns:ma14="http://schemas.microsoft.com/office/mac/drawingml/2011/main" xmlns:a14="http://schemas.microsoft.com/office/drawing/2010/main" xmlns:m="http://schemas.openxmlformats.org/officeDocument/2006/math" xmlns="" val="1"/>
+              <ma14:wrappingTextBoxFlag xmlns="" xmlns:m="http://schemas.openxmlformats.org/officeDocument/2006/math" xmlns:a14="http://schemas.microsoft.com/office/drawing/2010/main" xmlns:ma14="http://schemas.microsoft.com/office/mac/drawingml/2011/main" val="1"/>
             </a:ext>
           </a:extLst>
         </p:spPr>
@@ -12689,7 +12689,7 @@
           </a:ln>
           <a:extLst>
             <a:ext uri="{C572A759-6A51-4108-AA02-DFA0A04FC94B}">
-              <ma14:wrappingTextBoxFlag xmlns:ma14="http://schemas.microsoft.com/office/mac/drawingml/2011/main" xmlns:a14="http://schemas.microsoft.com/office/drawing/2010/main" xmlns:m="http://schemas.openxmlformats.org/officeDocument/2006/math" xmlns="" val="1"/>
+              <ma14:wrappingTextBoxFlag xmlns="" xmlns:m="http://schemas.openxmlformats.org/officeDocument/2006/math" xmlns:a14="http://schemas.microsoft.com/office/drawing/2010/main" xmlns:ma14="http://schemas.microsoft.com/office/mac/drawingml/2011/main" val="1"/>
             </a:ext>
           </a:extLst>
         </p:spPr>
@@ -12724,7 +12724,7 @@
           </a:ln>
           <a:extLst>
             <a:ext uri="{C572A759-6A51-4108-AA02-DFA0A04FC94B}">
-              <ma14:wrappingTextBoxFlag xmlns:ma14="http://schemas.microsoft.com/office/mac/drawingml/2011/main" xmlns:a14="http://schemas.microsoft.com/office/drawing/2010/main" xmlns:m="http://schemas.openxmlformats.org/officeDocument/2006/math" xmlns="" val="1"/>
+              <ma14:wrappingTextBoxFlag xmlns="" xmlns:m="http://schemas.openxmlformats.org/officeDocument/2006/math" xmlns:a14="http://schemas.microsoft.com/office/drawing/2010/main" xmlns:ma14="http://schemas.microsoft.com/office/mac/drawingml/2011/main" val="1"/>
             </a:ext>
           </a:extLst>
         </p:spPr>
@@ -12759,7 +12759,7 @@
           </a:ln>
           <a:extLst>
             <a:ext uri="{C572A759-6A51-4108-AA02-DFA0A04FC94B}">
-              <ma14:wrappingTextBoxFlag xmlns:ma14="http://schemas.microsoft.com/office/mac/drawingml/2011/main" xmlns:a14="http://schemas.microsoft.com/office/drawing/2010/main" xmlns:m="http://schemas.openxmlformats.org/officeDocument/2006/math" xmlns="" val="1"/>
+              <ma14:wrappingTextBoxFlag xmlns="" xmlns:m="http://schemas.openxmlformats.org/officeDocument/2006/math" xmlns:a14="http://schemas.microsoft.com/office/drawing/2010/main" xmlns:ma14="http://schemas.microsoft.com/office/mac/drawingml/2011/main" val="1"/>
             </a:ext>
           </a:extLst>
         </p:spPr>
@@ -13154,7 +13154,7 @@
           </a:ln>
           <a:extLst>
             <a:ext uri="{C572A759-6A51-4108-AA02-DFA0A04FC94B}">
-              <ma14:wrappingTextBoxFlag xmlns:ma14="http://schemas.microsoft.com/office/mac/drawingml/2011/main" xmlns:a14="http://schemas.microsoft.com/office/drawing/2010/main" xmlns:m="http://schemas.openxmlformats.org/officeDocument/2006/math" xmlns="" val="1"/>
+              <ma14:wrappingTextBoxFlag xmlns="" xmlns:m="http://schemas.openxmlformats.org/officeDocument/2006/math" xmlns:a14="http://schemas.microsoft.com/office/drawing/2010/main" xmlns:ma14="http://schemas.microsoft.com/office/mac/drawingml/2011/main" val="1"/>
             </a:ext>
           </a:extLst>
         </p:spPr>
@@ -13607,7 +13607,7 @@
           </a:ln>
           <a:extLst>
             <a:ext uri="{C572A759-6A51-4108-AA02-DFA0A04FC94B}">
-              <ma14:wrappingTextBoxFlag xmlns:ma14="http://schemas.microsoft.com/office/mac/drawingml/2011/main" xmlns:a14="http://schemas.microsoft.com/office/drawing/2010/main" xmlns:m="http://schemas.openxmlformats.org/officeDocument/2006/math" xmlns="" val="1"/>
+              <ma14:wrappingTextBoxFlag xmlns="" xmlns:m="http://schemas.openxmlformats.org/officeDocument/2006/math" xmlns:a14="http://schemas.microsoft.com/office/drawing/2010/main" xmlns:ma14="http://schemas.microsoft.com/office/mac/drawingml/2011/main" val="1"/>
             </a:ext>
           </a:extLst>
         </p:spPr>
@@ -13835,7 +13835,7 @@
           </a:ln>
           <a:extLst>
             <a:ext uri="{C572A759-6A51-4108-AA02-DFA0A04FC94B}">
-              <ma14:wrappingTextBoxFlag xmlns:ma14="http://schemas.microsoft.com/office/mac/drawingml/2011/main" xmlns:a14="http://schemas.microsoft.com/office/drawing/2010/main" xmlns:m="http://schemas.openxmlformats.org/officeDocument/2006/math" xmlns="" val="1"/>
+              <ma14:wrappingTextBoxFlag xmlns="" xmlns:m="http://schemas.openxmlformats.org/officeDocument/2006/math" xmlns:a14="http://schemas.microsoft.com/office/drawing/2010/main" xmlns:ma14="http://schemas.microsoft.com/office/mac/drawingml/2011/main" val="1"/>
             </a:ext>
           </a:extLst>
         </p:spPr>
@@ -13870,7 +13870,7 @@
           </a:ln>
           <a:extLst>
             <a:ext uri="{C572A759-6A51-4108-AA02-DFA0A04FC94B}">
-              <ma14:wrappingTextBoxFlag xmlns:ma14="http://schemas.microsoft.com/office/mac/drawingml/2011/main" xmlns:a14="http://schemas.microsoft.com/office/drawing/2010/main" xmlns:m="http://schemas.openxmlformats.org/officeDocument/2006/math" xmlns="" val="1"/>
+              <ma14:wrappingTextBoxFlag xmlns="" xmlns:m="http://schemas.openxmlformats.org/officeDocument/2006/math" xmlns:a14="http://schemas.microsoft.com/office/drawing/2010/main" xmlns:ma14="http://schemas.microsoft.com/office/mac/drawingml/2011/main" val="1"/>
             </a:ext>
           </a:extLst>
         </p:spPr>
@@ -13905,7 +13905,7 @@
           </a:ln>
           <a:extLst>
             <a:ext uri="{C572A759-6A51-4108-AA02-DFA0A04FC94B}">
-              <ma14:wrappingTextBoxFlag xmlns:ma14="http://schemas.microsoft.com/office/mac/drawingml/2011/main" xmlns:a14="http://schemas.microsoft.com/office/drawing/2010/main" xmlns:m="http://schemas.openxmlformats.org/officeDocument/2006/math" xmlns="" val="1"/>
+              <ma14:wrappingTextBoxFlag xmlns="" xmlns:m="http://schemas.openxmlformats.org/officeDocument/2006/math" xmlns:a14="http://schemas.microsoft.com/office/drawing/2010/main" xmlns:ma14="http://schemas.microsoft.com/office/mac/drawingml/2011/main" val="1"/>
             </a:ext>
           </a:extLst>
         </p:spPr>
@@ -13940,7 +13940,7 @@
           </a:ln>
           <a:extLst>
             <a:ext uri="{C572A759-6A51-4108-AA02-DFA0A04FC94B}">
-              <ma14:wrappingTextBoxFlag xmlns:ma14="http://schemas.microsoft.com/office/mac/drawingml/2011/main" xmlns:a14="http://schemas.microsoft.com/office/drawing/2010/main" xmlns:m="http://schemas.openxmlformats.org/officeDocument/2006/math" xmlns="" val="1"/>
+              <ma14:wrappingTextBoxFlag xmlns="" xmlns:m="http://schemas.openxmlformats.org/officeDocument/2006/math" xmlns:a14="http://schemas.microsoft.com/office/drawing/2010/main" xmlns:ma14="http://schemas.microsoft.com/office/mac/drawingml/2011/main" val="1"/>
             </a:ext>
           </a:extLst>
         </p:spPr>
@@ -13975,7 +13975,7 @@
           </a:ln>
           <a:extLst>
             <a:ext uri="{C572A759-6A51-4108-AA02-DFA0A04FC94B}">
-              <ma14:wrappingTextBoxFlag xmlns:ma14="http://schemas.microsoft.com/office/mac/drawingml/2011/main" xmlns:a14="http://schemas.microsoft.com/office/drawing/2010/main" xmlns:m="http://schemas.openxmlformats.org/officeDocument/2006/math" xmlns="" val="1"/>
+              <ma14:wrappingTextBoxFlag xmlns="" xmlns:m="http://schemas.openxmlformats.org/officeDocument/2006/math" xmlns:a14="http://schemas.microsoft.com/office/drawing/2010/main" xmlns:ma14="http://schemas.microsoft.com/office/mac/drawingml/2011/main" val="1"/>
             </a:ext>
           </a:extLst>
         </p:spPr>
@@ -14010,7 +14010,7 @@
           </a:ln>
           <a:extLst>
             <a:ext uri="{C572A759-6A51-4108-AA02-DFA0A04FC94B}">
-              <ma14:wrappingTextBoxFlag xmlns:ma14="http://schemas.microsoft.com/office/mac/drawingml/2011/main" xmlns:a14="http://schemas.microsoft.com/office/drawing/2010/main" xmlns:m="http://schemas.openxmlformats.org/officeDocument/2006/math" xmlns="" val="1"/>
+              <ma14:wrappingTextBoxFlag xmlns="" xmlns:m="http://schemas.openxmlformats.org/officeDocument/2006/math" xmlns:a14="http://schemas.microsoft.com/office/drawing/2010/main" xmlns:ma14="http://schemas.microsoft.com/office/mac/drawingml/2011/main" val="1"/>
             </a:ext>
           </a:extLst>
         </p:spPr>
@@ -14215,7 +14215,7 @@
           </a:ln>
           <a:extLst>
             <a:ext uri="{C572A759-6A51-4108-AA02-DFA0A04FC94B}">
-              <ma14:wrappingTextBoxFlag xmlns:ma14="http://schemas.microsoft.com/office/mac/drawingml/2011/main" xmlns:a14="http://schemas.microsoft.com/office/drawing/2010/main" xmlns:m="http://schemas.openxmlformats.org/officeDocument/2006/math" xmlns="" val="1"/>
+              <ma14:wrappingTextBoxFlag xmlns="" xmlns:m="http://schemas.openxmlformats.org/officeDocument/2006/math" xmlns:a14="http://schemas.microsoft.com/office/drawing/2010/main" xmlns:ma14="http://schemas.microsoft.com/office/mac/drawingml/2011/main" val="1"/>
             </a:ext>
           </a:extLst>
         </p:spPr>
@@ -14668,7 +14668,7 @@
           </a:ln>
           <a:extLst>
             <a:ext uri="{C572A759-6A51-4108-AA02-DFA0A04FC94B}">
-              <ma14:wrappingTextBoxFlag xmlns:ma14="http://schemas.microsoft.com/office/mac/drawingml/2011/main" xmlns:a14="http://schemas.microsoft.com/office/drawing/2010/main" xmlns:m="http://schemas.openxmlformats.org/officeDocument/2006/math" xmlns="" val="1"/>
+              <ma14:wrappingTextBoxFlag xmlns="" xmlns:m="http://schemas.openxmlformats.org/officeDocument/2006/math" xmlns:a14="http://schemas.microsoft.com/office/drawing/2010/main" xmlns:ma14="http://schemas.microsoft.com/office/mac/drawingml/2011/main" val="1"/>
             </a:ext>
           </a:extLst>
         </p:spPr>
@@ -14896,7 +14896,7 @@
           </a:ln>
           <a:extLst>
             <a:ext uri="{C572A759-6A51-4108-AA02-DFA0A04FC94B}">
-              <ma14:wrappingTextBoxFlag xmlns:ma14="http://schemas.microsoft.com/office/mac/drawingml/2011/main" xmlns:a14="http://schemas.microsoft.com/office/drawing/2010/main" xmlns:m="http://schemas.openxmlformats.org/officeDocument/2006/math" xmlns="" val="1"/>
+              <ma14:wrappingTextBoxFlag xmlns="" xmlns:m="http://schemas.openxmlformats.org/officeDocument/2006/math" xmlns:a14="http://schemas.microsoft.com/office/drawing/2010/main" xmlns:ma14="http://schemas.microsoft.com/office/mac/drawingml/2011/main" val="1"/>
             </a:ext>
           </a:extLst>
         </p:spPr>
@@ -14931,7 +14931,7 @@
           </a:ln>
           <a:extLst>
             <a:ext uri="{C572A759-6A51-4108-AA02-DFA0A04FC94B}">
-              <ma14:wrappingTextBoxFlag xmlns:ma14="http://schemas.microsoft.com/office/mac/drawingml/2011/main" xmlns:a14="http://schemas.microsoft.com/office/drawing/2010/main" xmlns:m="http://schemas.openxmlformats.org/officeDocument/2006/math" xmlns="" val="1"/>
+              <ma14:wrappingTextBoxFlag xmlns="" xmlns:m="http://schemas.openxmlformats.org/officeDocument/2006/math" xmlns:a14="http://schemas.microsoft.com/office/drawing/2010/main" xmlns:ma14="http://schemas.microsoft.com/office/mac/drawingml/2011/main" val="1"/>
             </a:ext>
           </a:extLst>
         </p:spPr>
@@ -14966,7 +14966,7 @@
           </a:ln>
           <a:extLst>
             <a:ext uri="{C572A759-6A51-4108-AA02-DFA0A04FC94B}">
-              <ma14:wrappingTextBoxFlag xmlns:ma14="http://schemas.microsoft.com/office/mac/drawingml/2011/main" xmlns:a14="http://schemas.microsoft.com/office/drawing/2010/main" xmlns:m="http://schemas.openxmlformats.org/officeDocument/2006/math" xmlns="" val="1"/>
+              <ma14:wrappingTextBoxFlag xmlns="" xmlns:m="http://schemas.openxmlformats.org/officeDocument/2006/math" xmlns:a14="http://schemas.microsoft.com/office/drawing/2010/main" xmlns:ma14="http://schemas.microsoft.com/office/mac/drawingml/2011/main" val="1"/>
             </a:ext>
           </a:extLst>
         </p:spPr>
@@ -15001,7 +15001,7 @@
           </a:ln>
           <a:extLst>
             <a:ext uri="{C572A759-6A51-4108-AA02-DFA0A04FC94B}">
-              <ma14:wrappingTextBoxFlag xmlns:ma14="http://schemas.microsoft.com/office/mac/drawingml/2011/main" xmlns:a14="http://schemas.microsoft.com/office/drawing/2010/main" xmlns:m="http://schemas.openxmlformats.org/officeDocument/2006/math" xmlns="" val="1"/>
+              <ma14:wrappingTextBoxFlag xmlns="" xmlns:m="http://schemas.openxmlformats.org/officeDocument/2006/math" xmlns:a14="http://schemas.microsoft.com/office/drawing/2010/main" xmlns:ma14="http://schemas.microsoft.com/office/mac/drawingml/2011/main" val="1"/>
             </a:ext>
           </a:extLst>
         </p:spPr>
@@ -15036,7 +15036,7 @@
           </a:ln>
           <a:extLst>
             <a:ext uri="{C572A759-6A51-4108-AA02-DFA0A04FC94B}">
-              <ma14:wrappingTextBoxFlag xmlns:ma14="http://schemas.microsoft.com/office/mac/drawingml/2011/main" xmlns:a14="http://schemas.microsoft.com/office/drawing/2010/main" xmlns:m="http://schemas.openxmlformats.org/officeDocument/2006/math" xmlns="" val="1"/>
+              <ma14:wrappingTextBoxFlag xmlns="" xmlns:m="http://schemas.openxmlformats.org/officeDocument/2006/math" xmlns:a14="http://schemas.microsoft.com/office/drawing/2010/main" xmlns:ma14="http://schemas.microsoft.com/office/mac/drawingml/2011/main" val="1"/>
             </a:ext>
           </a:extLst>
         </p:spPr>
@@ -15071,7 +15071,7 @@
           </a:ln>
           <a:extLst>
             <a:ext uri="{C572A759-6A51-4108-AA02-DFA0A04FC94B}">
-              <ma14:wrappingTextBoxFlag xmlns:ma14="http://schemas.microsoft.com/office/mac/drawingml/2011/main" xmlns:a14="http://schemas.microsoft.com/office/drawing/2010/main" xmlns:m="http://schemas.openxmlformats.org/officeDocument/2006/math" xmlns="" val="1"/>
+              <ma14:wrappingTextBoxFlag xmlns="" xmlns:m="http://schemas.openxmlformats.org/officeDocument/2006/math" xmlns:a14="http://schemas.microsoft.com/office/drawing/2010/main" xmlns:ma14="http://schemas.microsoft.com/office/mac/drawingml/2011/main" val="1"/>
             </a:ext>
           </a:extLst>
         </p:spPr>
@@ -15276,7 +15276,7 @@
           </a:ln>
           <a:extLst>
             <a:ext uri="{C572A759-6A51-4108-AA02-DFA0A04FC94B}">
-              <ma14:wrappingTextBoxFlag xmlns:ma14="http://schemas.microsoft.com/office/mac/drawingml/2011/main" xmlns:a14="http://schemas.microsoft.com/office/drawing/2010/main" xmlns:m="http://schemas.openxmlformats.org/officeDocument/2006/math" xmlns="" val="1"/>
+              <ma14:wrappingTextBoxFlag xmlns="" xmlns:m="http://schemas.openxmlformats.org/officeDocument/2006/math" xmlns:a14="http://schemas.microsoft.com/office/drawing/2010/main" xmlns:ma14="http://schemas.microsoft.com/office/mac/drawingml/2011/main" val="1"/>
             </a:ext>
           </a:extLst>
         </p:spPr>
@@ -15729,7 +15729,7 @@
           </a:ln>
           <a:extLst>
             <a:ext uri="{C572A759-6A51-4108-AA02-DFA0A04FC94B}">
-              <ma14:wrappingTextBoxFlag xmlns:ma14="http://schemas.microsoft.com/office/mac/drawingml/2011/main" xmlns:a14="http://schemas.microsoft.com/office/drawing/2010/main" xmlns:m="http://schemas.openxmlformats.org/officeDocument/2006/math" xmlns="" val="1"/>
+              <ma14:wrappingTextBoxFlag xmlns="" xmlns:m="http://schemas.openxmlformats.org/officeDocument/2006/math" xmlns:a14="http://schemas.microsoft.com/office/drawing/2010/main" xmlns:ma14="http://schemas.microsoft.com/office/mac/drawingml/2011/main" val="1"/>
             </a:ext>
           </a:extLst>
         </p:spPr>
@@ -15957,7 +15957,7 @@
           </a:ln>
           <a:extLst>
             <a:ext uri="{C572A759-6A51-4108-AA02-DFA0A04FC94B}">
-              <ma14:wrappingTextBoxFlag xmlns:ma14="http://schemas.microsoft.com/office/mac/drawingml/2011/main" xmlns:a14="http://schemas.microsoft.com/office/drawing/2010/main" xmlns:m="http://schemas.openxmlformats.org/officeDocument/2006/math" xmlns="" val="1"/>
+              <ma14:wrappingTextBoxFlag xmlns="" xmlns:m="http://schemas.openxmlformats.org/officeDocument/2006/math" xmlns:a14="http://schemas.microsoft.com/office/drawing/2010/main" xmlns:ma14="http://schemas.microsoft.com/office/mac/drawingml/2011/main" val="1"/>
             </a:ext>
           </a:extLst>
         </p:spPr>
@@ -15992,7 +15992,7 @@
           </a:ln>
           <a:extLst>
             <a:ext uri="{C572A759-6A51-4108-AA02-DFA0A04FC94B}">
-              <ma14:wrappingTextBoxFlag xmlns:ma14="http://schemas.microsoft.com/office/mac/drawingml/2011/main" xmlns:a14="http://schemas.microsoft.com/office/drawing/2010/main" xmlns:m="http://schemas.openxmlformats.org/officeDocument/2006/math" xmlns="" val="1"/>
+              <ma14:wrappingTextBoxFlag xmlns="" xmlns:m="http://schemas.openxmlformats.org/officeDocument/2006/math" xmlns:a14="http://schemas.microsoft.com/office/drawing/2010/main" xmlns:ma14="http://schemas.microsoft.com/office/mac/drawingml/2011/main" val="1"/>
             </a:ext>
           </a:extLst>
         </p:spPr>
@@ -16027,7 +16027,7 @@
           </a:ln>
           <a:extLst>
             <a:ext uri="{C572A759-6A51-4108-AA02-DFA0A04FC94B}">
-              <ma14:wrappingTextBoxFlag xmlns:ma14="http://schemas.microsoft.com/office/mac/drawingml/2011/main" xmlns:a14="http://schemas.microsoft.com/office/drawing/2010/main" xmlns:m="http://schemas.openxmlformats.org/officeDocument/2006/math" xmlns="" val="1"/>
+              <ma14:wrappingTextBoxFlag xmlns="" xmlns:m="http://schemas.openxmlformats.org/officeDocument/2006/math" xmlns:a14="http://schemas.microsoft.com/office/drawing/2010/main" xmlns:ma14="http://schemas.microsoft.com/office/mac/drawingml/2011/main" val="1"/>
             </a:ext>
           </a:extLst>
         </p:spPr>
@@ -16062,7 +16062,7 @@
           </a:ln>
           <a:extLst>
             <a:ext uri="{C572A759-6A51-4108-AA02-DFA0A04FC94B}">
-              <ma14:wrappingTextBoxFlag xmlns:ma14="http://schemas.microsoft.com/office/mac/drawingml/2011/main" xmlns:a14="http://schemas.microsoft.com/office/drawing/2010/main" xmlns:m="http://schemas.openxmlformats.org/officeDocument/2006/math" xmlns="" val="1"/>
+              <ma14:wrappingTextBoxFlag xmlns="" xmlns:m="http://schemas.openxmlformats.org/officeDocument/2006/math" xmlns:a14="http://schemas.microsoft.com/office/drawing/2010/main" xmlns:ma14="http://schemas.microsoft.com/office/mac/drawingml/2011/main" val="1"/>
             </a:ext>
           </a:extLst>
         </p:spPr>
@@ -16097,7 +16097,7 @@
           </a:ln>
           <a:extLst>
             <a:ext uri="{C572A759-6A51-4108-AA02-DFA0A04FC94B}">
-              <ma14:wrappingTextBoxFlag xmlns:ma14="http://schemas.microsoft.com/office/mac/drawingml/2011/main" xmlns:a14="http://schemas.microsoft.com/office/drawing/2010/main" xmlns:m="http://schemas.openxmlformats.org/officeDocument/2006/math" xmlns="" val="1"/>
+              <ma14:wrappingTextBoxFlag xmlns="" xmlns:m="http://schemas.openxmlformats.org/officeDocument/2006/math" xmlns:a14="http://schemas.microsoft.com/office/drawing/2010/main" xmlns:ma14="http://schemas.microsoft.com/office/mac/drawingml/2011/main" val="1"/>
             </a:ext>
           </a:extLst>
         </p:spPr>
@@ -16132,7 +16132,7 @@
           </a:ln>
           <a:extLst>
             <a:ext uri="{C572A759-6A51-4108-AA02-DFA0A04FC94B}">
-              <ma14:wrappingTextBoxFlag xmlns:ma14="http://schemas.microsoft.com/office/mac/drawingml/2011/main" xmlns:a14="http://schemas.microsoft.com/office/drawing/2010/main" xmlns:m="http://schemas.openxmlformats.org/officeDocument/2006/math" xmlns="" val="1"/>
+              <ma14:wrappingTextBoxFlag xmlns="" xmlns:m="http://schemas.openxmlformats.org/officeDocument/2006/math" xmlns:a14="http://schemas.microsoft.com/office/drawing/2010/main" xmlns:ma14="http://schemas.microsoft.com/office/mac/drawingml/2011/main" val="1"/>
             </a:ext>
           </a:extLst>
         </p:spPr>
@@ -16337,7 +16337,7 @@
           </a:ln>
           <a:extLst>
             <a:ext uri="{C572A759-6A51-4108-AA02-DFA0A04FC94B}">
-              <ma14:wrappingTextBoxFlag xmlns:ma14="http://schemas.microsoft.com/office/mac/drawingml/2011/main" xmlns:a14="http://schemas.microsoft.com/office/drawing/2010/main" xmlns:m="http://schemas.openxmlformats.org/officeDocument/2006/math" xmlns="" val="1"/>
+              <ma14:wrappingTextBoxFlag xmlns="" xmlns:m="http://schemas.openxmlformats.org/officeDocument/2006/math" xmlns:a14="http://schemas.microsoft.com/office/drawing/2010/main" xmlns:ma14="http://schemas.microsoft.com/office/mac/drawingml/2011/main" val="1"/>
             </a:ext>
           </a:extLst>
         </p:spPr>
@@ -16790,7 +16790,7 @@
           </a:ln>
           <a:extLst>
             <a:ext uri="{C572A759-6A51-4108-AA02-DFA0A04FC94B}">
-              <ma14:wrappingTextBoxFlag xmlns:ma14="http://schemas.microsoft.com/office/mac/drawingml/2011/main" xmlns:a14="http://schemas.microsoft.com/office/drawing/2010/main" xmlns:m="http://schemas.openxmlformats.org/officeDocument/2006/math" xmlns="" val="1"/>
+              <ma14:wrappingTextBoxFlag xmlns="" xmlns:m="http://schemas.openxmlformats.org/officeDocument/2006/math" xmlns:a14="http://schemas.microsoft.com/office/drawing/2010/main" xmlns:ma14="http://schemas.microsoft.com/office/mac/drawingml/2011/main" val="1"/>
             </a:ext>
           </a:extLst>
         </p:spPr>
@@ -17018,7 +17018,7 @@
           </a:ln>
           <a:extLst>
             <a:ext uri="{C572A759-6A51-4108-AA02-DFA0A04FC94B}">
-              <ma14:wrappingTextBoxFlag xmlns:ma14="http://schemas.microsoft.com/office/mac/drawingml/2011/main" xmlns:a14="http://schemas.microsoft.com/office/drawing/2010/main" xmlns:m="http://schemas.openxmlformats.org/officeDocument/2006/math" xmlns="" val="1"/>
+              <ma14:wrappingTextBoxFlag xmlns="" xmlns:m="http://schemas.openxmlformats.org/officeDocument/2006/math" xmlns:a14="http://schemas.microsoft.com/office/drawing/2010/main" xmlns:ma14="http://schemas.microsoft.com/office/mac/drawingml/2011/main" val="1"/>
             </a:ext>
           </a:extLst>
         </p:spPr>
@@ -17053,7 +17053,7 @@
           </a:ln>
           <a:extLst>
             <a:ext uri="{C572A759-6A51-4108-AA02-DFA0A04FC94B}">
-              <ma14:wrappingTextBoxFlag xmlns:ma14="http://schemas.microsoft.com/office/mac/drawingml/2011/main" xmlns:a14="http://schemas.microsoft.com/office/drawing/2010/main" xmlns:m="http://schemas.openxmlformats.org/officeDocument/2006/math" xmlns="" val="1"/>
+              <ma14:wrappingTextBoxFlag xmlns="" xmlns:m="http://schemas.openxmlformats.org/officeDocument/2006/math" xmlns:a14="http://schemas.microsoft.com/office/drawing/2010/main" xmlns:ma14="http://schemas.microsoft.com/office/mac/drawingml/2011/main" val="1"/>
             </a:ext>
           </a:extLst>
         </p:spPr>
@@ -17088,7 +17088,7 @@
           </a:ln>
           <a:extLst>
             <a:ext uri="{C572A759-6A51-4108-AA02-DFA0A04FC94B}">
-              <ma14:wrappingTextBoxFlag xmlns:ma14="http://schemas.microsoft.com/office/mac/drawingml/2011/main" xmlns:a14="http://schemas.microsoft.com/office/drawing/2010/main" xmlns:m="http://schemas.openxmlformats.org/officeDocument/2006/math" xmlns="" val="1"/>
+              <ma14:wrappingTextBoxFlag xmlns="" xmlns:m="http://schemas.openxmlformats.org/officeDocument/2006/math" xmlns:a14="http://schemas.microsoft.com/office/drawing/2010/main" xmlns:ma14="http://schemas.microsoft.com/office/mac/drawingml/2011/main" val="1"/>
             </a:ext>
           </a:extLst>
         </p:spPr>
@@ -17123,7 +17123,7 @@
           </a:ln>
           <a:extLst>
             <a:ext uri="{C572A759-6A51-4108-AA02-DFA0A04FC94B}">
-              <ma14:wrappingTextBoxFlag xmlns:ma14="http://schemas.microsoft.com/office/mac/drawingml/2011/main" xmlns:a14="http://schemas.microsoft.com/office/drawing/2010/main" xmlns:m="http://schemas.openxmlformats.org/officeDocument/2006/math" xmlns="" val="1"/>
+              <ma14:wrappingTextBoxFlag xmlns="" xmlns:m="http://schemas.openxmlformats.org/officeDocument/2006/math" xmlns:a14="http://schemas.microsoft.com/office/drawing/2010/main" xmlns:ma14="http://schemas.microsoft.com/office/mac/drawingml/2011/main" val="1"/>
             </a:ext>
           </a:extLst>
         </p:spPr>
@@ -17158,7 +17158,7 @@
           </a:ln>
           <a:extLst>
             <a:ext uri="{C572A759-6A51-4108-AA02-DFA0A04FC94B}">
-              <ma14:wrappingTextBoxFlag xmlns:ma14="http://schemas.microsoft.com/office/mac/drawingml/2011/main" xmlns:a14="http://schemas.microsoft.com/office/drawing/2010/main" xmlns:m="http://schemas.openxmlformats.org/officeDocument/2006/math" xmlns="" val="1"/>
+              <ma14:wrappingTextBoxFlag xmlns="" xmlns:m="http://schemas.openxmlformats.org/officeDocument/2006/math" xmlns:a14="http://schemas.microsoft.com/office/drawing/2010/main" xmlns:ma14="http://schemas.microsoft.com/office/mac/drawingml/2011/main" val="1"/>
             </a:ext>
           </a:extLst>
         </p:spPr>
@@ -17193,7 +17193,7 @@
           </a:ln>
           <a:extLst>
             <a:ext uri="{C572A759-6A51-4108-AA02-DFA0A04FC94B}">
-              <ma14:wrappingTextBoxFlag xmlns:ma14="http://schemas.microsoft.com/office/mac/drawingml/2011/main" xmlns:a14="http://schemas.microsoft.com/office/drawing/2010/main" xmlns:m="http://schemas.openxmlformats.org/officeDocument/2006/math" xmlns="" val="1"/>
+              <ma14:wrappingTextBoxFlag xmlns="" xmlns:m="http://schemas.openxmlformats.org/officeDocument/2006/math" xmlns:a14="http://schemas.microsoft.com/office/drawing/2010/main" xmlns:ma14="http://schemas.microsoft.com/office/mac/drawingml/2011/main" val="1"/>
             </a:ext>
           </a:extLst>
         </p:spPr>
@@ -17425,7 +17425,7 @@
           </a:ln>
           <a:extLst>
             <a:ext uri="{C572A759-6A51-4108-AA02-DFA0A04FC94B}">
-              <ma14:wrappingTextBoxFlag xmlns:ma14="http://schemas.microsoft.com/office/mac/drawingml/2011/main" xmlns:a14="http://schemas.microsoft.com/office/drawing/2010/main" xmlns:m="http://schemas.openxmlformats.org/officeDocument/2006/math" xmlns="" val="1"/>
+              <ma14:wrappingTextBoxFlag xmlns="" xmlns:m="http://schemas.openxmlformats.org/officeDocument/2006/math" xmlns:a14="http://schemas.microsoft.com/office/drawing/2010/main" xmlns:ma14="http://schemas.microsoft.com/office/mac/drawingml/2011/main" val="1"/>
             </a:ext>
           </a:extLst>
         </p:spPr>
@@ -17878,7 +17878,7 @@
           </a:ln>
           <a:extLst>
             <a:ext uri="{C572A759-6A51-4108-AA02-DFA0A04FC94B}">
-              <ma14:wrappingTextBoxFlag xmlns:ma14="http://schemas.microsoft.com/office/mac/drawingml/2011/main" xmlns:a14="http://schemas.microsoft.com/office/drawing/2010/main" xmlns:m="http://schemas.openxmlformats.org/officeDocument/2006/math" xmlns="" val="1"/>
+              <ma14:wrappingTextBoxFlag xmlns="" xmlns:m="http://schemas.openxmlformats.org/officeDocument/2006/math" xmlns:a14="http://schemas.microsoft.com/office/drawing/2010/main" xmlns:ma14="http://schemas.microsoft.com/office/mac/drawingml/2011/main" val="1"/>
             </a:ext>
           </a:extLst>
         </p:spPr>
@@ -18106,7 +18106,7 @@
           </a:ln>
           <a:extLst>
             <a:ext uri="{C572A759-6A51-4108-AA02-DFA0A04FC94B}">
-              <ma14:wrappingTextBoxFlag xmlns:ma14="http://schemas.microsoft.com/office/mac/drawingml/2011/main" xmlns:a14="http://schemas.microsoft.com/office/drawing/2010/main" xmlns:m="http://schemas.openxmlformats.org/officeDocument/2006/math" xmlns="" val="1"/>
+              <ma14:wrappingTextBoxFlag xmlns="" xmlns:m="http://schemas.openxmlformats.org/officeDocument/2006/math" xmlns:a14="http://schemas.microsoft.com/office/drawing/2010/main" xmlns:ma14="http://schemas.microsoft.com/office/mac/drawingml/2011/main" val="1"/>
             </a:ext>
           </a:extLst>
         </p:spPr>
@@ -18141,7 +18141,7 @@
           </a:ln>
           <a:extLst>
             <a:ext uri="{C572A759-6A51-4108-AA02-DFA0A04FC94B}">
-              <ma14:wrappingTextBoxFlag xmlns:ma14="http://schemas.microsoft.com/office/mac/drawingml/2011/main" xmlns:a14="http://schemas.microsoft.com/office/drawing/2010/main" xmlns:m="http://schemas.openxmlformats.org/officeDocument/2006/math" xmlns="" val="1"/>
+              <ma14:wrappingTextBoxFlag xmlns="" xmlns:m="http://schemas.openxmlformats.org/officeDocument/2006/math" xmlns:a14="http://schemas.microsoft.com/office/drawing/2010/main" xmlns:ma14="http://schemas.microsoft.com/office/mac/drawingml/2011/main" val="1"/>
             </a:ext>
           </a:extLst>
         </p:spPr>
@@ -18176,7 +18176,7 @@
           </a:ln>
           <a:extLst>
             <a:ext uri="{C572A759-6A51-4108-AA02-DFA0A04FC94B}">
-              <ma14:wrappingTextBoxFlag xmlns:ma14="http://schemas.microsoft.com/office/mac/drawingml/2011/main" xmlns:a14="http://schemas.microsoft.com/office/drawing/2010/main" xmlns:m="http://schemas.openxmlformats.org/officeDocument/2006/math" xmlns="" val="1"/>
+              <ma14:wrappingTextBoxFlag xmlns="" xmlns:m="http://schemas.openxmlformats.org/officeDocument/2006/math" xmlns:a14="http://schemas.microsoft.com/office/drawing/2010/main" xmlns:ma14="http://schemas.microsoft.com/office/mac/drawingml/2011/main" val="1"/>
             </a:ext>
           </a:extLst>
         </p:spPr>
@@ -18211,7 +18211,7 @@
           </a:ln>
           <a:extLst>
             <a:ext uri="{C572A759-6A51-4108-AA02-DFA0A04FC94B}">
-              <ma14:wrappingTextBoxFlag xmlns:ma14="http://schemas.microsoft.com/office/mac/drawingml/2011/main" xmlns:a14="http://schemas.microsoft.com/office/drawing/2010/main" xmlns:m="http://schemas.openxmlformats.org/officeDocument/2006/math" xmlns="" val="1"/>
+              <ma14:wrappingTextBoxFlag xmlns="" xmlns:m="http://schemas.openxmlformats.org/officeDocument/2006/math" xmlns:a14="http://schemas.microsoft.com/office/drawing/2010/main" xmlns:ma14="http://schemas.microsoft.com/office/mac/drawingml/2011/main" val="1"/>
             </a:ext>
           </a:extLst>
         </p:spPr>
@@ -18246,7 +18246,7 @@
           </a:ln>
           <a:extLst>
             <a:ext uri="{C572A759-6A51-4108-AA02-DFA0A04FC94B}">
-              <ma14:wrappingTextBoxFlag xmlns:ma14="http://schemas.microsoft.com/office/mac/drawingml/2011/main" xmlns:a14="http://schemas.microsoft.com/office/drawing/2010/main" xmlns:m="http://schemas.openxmlformats.org/officeDocument/2006/math" xmlns="" val="1"/>
+              <ma14:wrappingTextBoxFlag xmlns="" xmlns:m="http://schemas.openxmlformats.org/officeDocument/2006/math" xmlns:a14="http://schemas.microsoft.com/office/drawing/2010/main" xmlns:ma14="http://schemas.microsoft.com/office/mac/drawingml/2011/main" val="1"/>
             </a:ext>
           </a:extLst>
         </p:spPr>
@@ -18281,7 +18281,7 @@
           </a:ln>
           <a:extLst>
             <a:ext uri="{C572A759-6A51-4108-AA02-DFA0A04FC94B}">
-              <ma14:wrappingTextBoxFlag xmlns:ma14="http://schemas.microsoft.com/office/mac/drawingml/2011/main" xmlns:a14="http://schemas.microsoft.com/office/drawing/2010/main" xmlns:m="http://schemas.openxmlformats.org/officeDocument/2006/math" xmlns="" val="1"/>
+              <ma14:wrappingTextBoxFlag xmlns="" xmlns:m="http://schemas.openxmlformats.org/officeDocument/2006/math" xmlns:a14="http://schemas.microsoft.com/office/drawing/2010/main" xmlns:ma14="http://schemas.microsoft.com/office/mac/drawingml/2011/main" val="1"/>
             </a:ext>
           </a:extLst>
         </p:spPr>
@@ -18513,7 +18513,7 @@
           </a:ln>
           <a:extLst>
             <a:ext uri="{C572A759-6A51-4108-AA02-DFA0A04FC94B}">
-              <ma14:wrappingTextBoxFlag xmlns:ma14="http://schemas.microsoft.com/office/mac/drawingml/2011/main" xmlns:a14="http://schemas.microsoft.com/office/drawing/2010/main" xmlns:m="http://schemas.openxmlformats.org/officeDocument/2006/math" xmlns="" val="1"/>
+              <ma14:wrappingTextBoxFlag xmlns="" xmlns:m="http://schemas.openxmlformats.org/officeDocument/2006/math" xmlns:a14="http://schemas.microsoft.com/office/drawing/2010/main" xmlns:ma14="http://schemas.microsoft.com/office/mac/drawingml/2011/main" val="1"/>
             </a:ext>
           </a:extLst>
         </p:spPr>
@@ -18966,7 +18966,7 @@
           </a:ln>
           <a:extLst>
             <a:ext uri="{C572A759-6A51-4108-AA02-DFA0A04FC94B}">
-              <ma14:wrappingTextBoxFlag xmlns:ma14="http://schemas.microsoft.com/office/mac/drawingml/2011/main" xmlns:a14="http://schemas.microsoft.com/office/drawing/2010/main" xmlns:m="http://schemas.openxmlformats.org/officeDocument/2006/math" xmlns="" val="1"/>
+              <ma14:wrappingTextBoxFlag xmlns="" xmlns:m="http://schemas.openxmlformats.org/officeDocument/2006/math" xmlns:a14="http://schemas.microsoft.com/office/drawing/2010/main" xmlns:ma14="http://schemas.microsoft.com/office/mac/drawingml/2011/main" val="1"/>
             </a:ext>
           </a:extLst>
         </p:spPr>
@@ -19194,7 +19194,7 @@
           </a:ln>
           <a:extLst>
             <a:ext uri="{C572A759-6A51-4108-AA02-DFA0A04FC94B}">
-              <ma14:wrappingTextBoxFlag xmlns:ma14="http://schemas.microsoft.com/office/mac/drawingml/2011/main" xmlns:a14="http://schemas.microsoft.com/office/drawing/2010/main" xmlns:m="http://schemas.openxmlformats.org/officeDocument/2006/math" xmlns="" val="1"/>
+              <ma14:wrappingTextBoxFlag xmlns="" xmlns:m="http://schemas.openxmlformats.org/officeDocument/2006/math" xmlns:a14="http://schemas.microsoft.com/office/drawing/2010/main" xmlns:ma14="http://schemas.microsoft.com/office/mac/drawingml/2011/main" val="1"/>
             </a:ext>
           </a:extLst>
         </p:spPr>
@@ -19229,7 +19229,7 @@
           </a:ln>
           <a:extLst>
             <a:ext uri="{C572A759-6A51-4108-AA02-DFA0A04FC94B}">
-              <ma14:wrappingTextBoxFlag xmlns:ma14="http://schemas.microsoft.com/office/mac/drawingml/2011/main" xmlns:a14="http://schemas.microsoft.com/office/drawing/2010/main" xmlns:m="http://schemas.openxmlformats.org/officeDocument/2006/math" xmlns="" val="1"/>
+              <ma14:wrappingTextBoxFlag xmlns="" xmlns:m="http://schemas.openxmlformats.org/officeDocument/2006/math" xmlns:a14="http://schemas.microsoft.com/office/drawing/2010/main" xmlns:ma14="http://schemas.microsoft.com/office/mac/drawingml/2011/main" val="1"/>
             </a:ext>
           </a:extLst>
         </p:spPr>
@@ -19264,7 +19264,7 @@
           </a:ln>
           <a:extLst>
             <a:ext uri="{C572A759-6A51-4108-AA02-DFA0A04FC94B}">
-              <ma14:wrappingTextBoxFlag xmlns:ma14="http://schemas.microsoft.com/office/mac/drawingml/2011/main" xmlns:a14="http://schemas.microsoft.com/office/drawing/2010/main" xmlns:m="http://schemas.openxmlformats.org/officeDocument/2006/math" xmlns="" val="1"/>
+              <ma14:wrappingTextBoxFlag xmlns="" xmlns:m="http://schemas.openxmlformats.org/officeDocument/2006/math" xmlns:a14="http://schemas.microsoft.com/office/drawing/2010/main" xmlns:ma14="http://schemas.microsoft.com/office/mac/drawingml/2011/main" val="1"/>
             </a:ext>
           </a:extLst>
         </p:spPr>
@@ -19299,7 +19299,7 @@
           </a:ln>
           <a:extLst>
             <a:ext uri="{C572A759-6A51-4108-AA02-DFA0A04FC94B}">
-              <ma14:wrappingTextBoxFlag xmlns:ma14="http://schemas.microsoft.com/office/mac/drawingml/2011/main" xmlns:a14="http://schemas.microsoft.com/office/drawing/2010/main" xmlns:m="http://schemas.openxmlformats.org/officeDocument/2006/math" xmlns="" val="1"/>
+              <ma14:wrappingTextBoxFlag xmlns="" xmlns:m="http://schemas.openxmlformats.org/officeDocument/2006/math" xmlns:a14="http://schemas.microsoft.com/office/drawing/2010/main" xmlns:ma14="http://schemas.microsoft.com/office/mac/drawingml/2011/main" val="1"/>
             </a:ext>
           </a:extLst>
         </p:spPr>
@@ -19334,7 +19334,7 @@
           </a:ln>
           <a:extLst>
             <a:ext uri="{C572A759-6A51-4108-AA02-DFA0A04FC94B}">
-              <ma14:wrappingTextBoxFlag xmlns:ma14="http://schemas.microsoft.com/office/mac/drawingml/2011/main" xmlns:a14="http://schemas.microsoft.com/office/drawing/2010/main" xmlns:m="http://schemas.openxmlformats.org/officeDocument/2006/math" xmlns="" val="1"/>
+              <ma14:wrappingTextBoxFlag xmlns="" xmlns:m="http://schemas.openxmlformats.org/officeDocument/2006/math" xmlns:a14="http://schemas.microsoft.com/office/drawing/2010/main" xmlns:ma14="http://schemas.microsoft.com/office/mac/drawingml/2011/main" val="1"/>
             </a:ext>
           </a:extLst>
         </p:spPr>
@@ -19369,7 +19369,7 @@
           </a:ln>
           <a:extLst>
             <a:ext uri="{C572A759-6A51-4108-AA02-DFA0A04FC94B}">
-              <ma14:wrappingTextBoxFlag xmlns:ma14="http://schemas.microsoft.com/office/mac/drawingml/2011/main" xmlns:a14="http://schemas.microsoft.com/office/drawing/2010/main" xmlns:m="http://schemas.openxmlformats.org/officeDocument/2006/math" xmlns="" val="1"/>
+              <ma14:wrappingTextBoxFlag xmlns="" xmlns:m="http://schemas.openxmlformats.org/officeDocument/2006/math" xmlns:a14="http://schemas.microsoft.com/office/drawing/2010/main" xmlns:ma14="http://schemas.microsoft.com/office/mac/drawingml/2011/main" val="1"/>
             </a:ext>
           </a:extLst>
         </p:spPr>
@@ -19601,7 +19601,7 @@
           </a:ln>
           <a:extLst>
             <a:ext uri="{C572A759-6A51-4108-AA02-DFA0A04FC94B}">
-              <ma14:wrappingTextBoxFlag xmlns:ma14="http://schemas.microsoft.com/office/mac/drawingml/2011/main" xmlns:a14="http://schemas.microsoft.com/office/drawing/2010/main" xmlns:m="http://schemas.openxmlformats.org/officeDocument/2006/math" xmlns="" val="1"/>
+              <ma14:wrappingTextBoxFlag xmlns="" xmlns:m="http://schemas.openxmlformats.org/officeDocument/2006/math" xmlns:a14="http://schemas.microsoft.com/office/drawing/2010/main" xmlns:ma14="http://schemas.microsoft.com/office/mac/drawingml/2011/main" val="1"/>
             </a:ext>
           </a:extLst>
         </p:spPr>
@@ -20054,7 +20054,7 @@
           </a:ln>
           <a:extLst>
             <a:ext uri="{C572A759-6A51-4108-AA02-DFA0A04FC94B}">
-              <ma14:wrappingTextBoxFlag xmlns:ma14="http://schemas.microsoft.com/office/mac/drawingml/2011/main" xmlns:a14="http://schemas.microsoft.com/office/drawing/2010/main" xmlns:m="http://schemas.openxmlformats.org/officeDocument/2006/math" xmlns="" val="1"/>
+              <ma14:wrappingTextBoxFlag xmlns="" xmlns:m="http://schemas.openxmlformats.org/officeDocument/2006/math" xmlns:a14="http://schemas.microsoft.com/office/drawing/2010/main" xmlns:ma14="http://schemas.microsoft.com/office/mac/drawingml/2011/main" val="1"/>
             </a:ext>
           </a:extLst>
         </p:spPr>
@@ -20282,7 +20282,7 @@
           </a:ln>
           <a:extLst>
             <a:ext uri="{C572A759-6A51-4108-AA02-DFA0A04FC94B}">
-              <ma14:wrappingTextBoxFlag xmlns:ma14="http://schemas.microsoft.com/office/mac/drawingml/2011/main" xmlns:a14="http://schemas.microsoft.com/office/drawing/2010/main" xmlns:m="http://schemas.openxmlformats.org/officeDocument/2006/math" xmlns="" val="1"/>
+              <ma14:wrappingTextBoxFlag xmlns="" xmlns:m="http://schemas.openxmlformats.org/officeDocument/2006/math" xmlns:a14="http://schemas.microsoft.com/office/drawing/2010/main" xmlns:ma14="http://schemas.microsoft.com/office/mac/drawingml/2011/main" val="1"/>
             </a:ext>
           </a:extLst>
         </p:spPr>
@@ -20317,7 +20317,7 @@
           </a:ln>
           <a:extLst>
             <a:ext uri="{C572A759-6A51-4108-AA02-DFA0A04FC94B}">
-              <ma14:wrappingTextBoxFlag xmlns:ma14="http://schemas.microsoft.com/office/mac/drawingml/2011/main" xmlns:a14="http://schemas.microsoft.com/office/drawing/2010/main" xmlns:m="http://schemas.openxmlformats.org/officeDocument/2006/math" xmlns="" val="1"/>
+              <ma14:wrappingTextBoxFlag xmlns="" xmlns:m="http://schemas.openxmlformats.org/officeDocument/2006/math" xmlns:a14="http://schemas.microsoft.com/office/drawing/2010/main" xmlns:ma14="http://schemas.microsoft.com/office/mac/drawingml/2011/main" val="1"/>
             </a:ext>
           </a:extLst>
         </p:spPr>
@@ -20352,7 +20352,7 @@
           </a:ln>
           <a:extLst>
             <a:ext uri="{C572A759-6A51-4108-AA02-DFA0A04FC94B}">
-              <ma14:wrappingTextBoxFlag xmlns:ma14="http://schemas.microsoft.com/office/mac/drawingml/2011/main" xmlns:a14="http://schemas.microsoft.com/office/drawing/2010/main" xmlns:m="http://schemas.openxmlformats.org/officeDocument/2006/math" xmlns="" val="1"/>
+              <ma14:wrappingTextBoxFlag xmlns="" xmlns:m="http://schemas.openxmlformats.org/officeDocument/2006/math" xmlns:a14="http://schemas.microsoft.com/office/drawing/2010/main" xmlns:ma14="http://schemas.microsoft.com/office/mac/drawingml/2011/main" val="1"/>
             </a:ext>
           </a:extLst>
         </p:spPr>
@@ -20387,7 +20387,7 @@
           </a:ln>
           <a:extLst>
             <a:ext uri="{C572A759-6A51-4108-AA02-DFA0A04FC94B}">
-              <ma14:wrappingTextBoxFlag xmlns:ma14="http://schemas.microsoft.com/office/mac/drawingml/2011/main" xmlns:a14="http://schemas.microsoft.com/office/drawing/2010/main" xmlns:m="http://schemas.openxmlformats.org/officeDocument/2006/math" xmlns="" val="1"/>
+              <ma14:wrappingTextBoxFlag xmlns="" xmlns:m="http://schemas.openxmlformats.org/officeDocument/2006/math" xmlns:a14="http://schemas.microsoft.com/office/drawing/2010/main" xmlns:ma14="http://schemas.microsoft.com/office/mac/drawingml/2011/main" val="1"/>
             </a:ext>
           </a:extLst>
         </p:spPr>
@@ -20422,7 +20422,7 @@
           </a:ln>
           <a:extLst>
             <a:ext uri="{C572A759-6A51-4108-AA02-DFA0A04FC94B}">
-              <ma14:wrappingTextBoxFlag xmlns:ma14="http://schemas.microsoft.com/office/mac/drawingml/2011/main" xmlns:a14="http://schemas.microsoft.com/office/drawing/2010/main" xmlns:m="http://schemas.openxmlformats.org/officeDocument/2006/math" xmlns="" val="1"/>
+              <ma14:wrappingTextBoxFlag xmlns="" xmlns:m="http://schemas.openxmlformats.org/officeDocument/2006/math" xmlns:a14="http://schemas.microsoft.com/office/drawing/2010/main" xmlns:ma14="http://schemas.microsoft.com/office/mac/drawingml/2011/main" val="1"/>
             </a:ext>
           </a:extLst>
         </p:spPr>
@@ -20457,7 +20457,7 @@
           </a:ln>
           <a:extLst>
             <a:ext uri="{C572A759-6A51-4108-AA02-DFA0A04FC94B}">
-              <ma14:wrappingTextBoxFlag xmlns:ma14="http://schemas.microsoft.com/office/mac/drawingml/2011/main" xmlns:a14="http://schemas.microsoft.com/office/drawing/2010/main" xmlns:m="http://schemas.openxmlformats.org/officeDocument/2006/math" xmlns="" val="1"/>
+              <ma14:wrappingTextBoxFlag xmlns="" xmlns:m="http://schemas.openxmlformats.org/officeDocument/2006/math" xmlns:a14="http://schemas.microsoft.com/office/drawing/2010/main" xmlns:ma14="http://schemas.microsoft.com/office/mac/drawingml/2011/main" val="1"/>
             </a:ext>
           </a:extLst>
         </p:spPr>
@@ -20689,7 +20689,7 @@
           </a:ln>
           <a:extLst>
             <a:ext uri="{C572A759-6A51-4108-AA02-DFA0A04FC94B}">
-              <ma14:wrappingTextBoxFlag xmlns:ma14="http://schemas.microsoft.com/office/mac/drawingml/2011/main" xmlns:a14="http://schemas.microsoft.com/office/drawing/2010/main" xmlns:m="http://schemas.openxmlformats.org/officeDocument/2006/math" xmlns="" val="1"/>
+              <ma14:wrappingTextBoxFlag xmlns="" xmlns:m="http://schemas.openxmlformats.org/officeDocument/2006/math" xmlns:a14="http://schemas.microsoft.com/office/drawing/2010/main" xmlns:ma14="http://schemas.microsoft.com/office/mac/drawingml/2011/main" val="1"/>
             </a:ext>
           </a:extLst>
         </p:spPr>
@@ -21142,7 +21142,7 @@
           </a:ln>
           <a:extLst>
             <a:ext uri="{C572A759-6A51-4108-AA02-DFA0A04FC94B}">
-              <ma14:wrappingTextBoxFlag xmlns:ma14="http://schemas.microsoft.com/office/mac/drawingml/2011/main" xmlns:a14="http://schemas.microsoft.com/office/drawing/2010/main" xmlns:m="http://schemas.openxmlformats.org/officeDocument/2006/math" xmlns="" val="1"/>
+              <ma14:wrappingTextBoxFlag xmlns="" xmlns:m="http://schemas.openxmlformats.org/officeDocument/2006/math" xmlns:a14="http://schemas.microsoft.com/office/drawing/2010/main" xmlns:ma14="http://schemas.microsoft.com/office/mac/drawingml/2011/main" val="1"/>
             </a:ext>
           </a:extLst>
         </p:spPr>
@@ -21370,7 +21370,7 @@
           </a:ln>
           <a:extLst>
             <a:ext uri="{C572A759-6A51-4108-AA02-DFA0A04FC94B}">
-              <ma14:wrappingTextBoxFlag xmlns:ma14="http://schemas.microsoft.com/office/mac/drawingml/2011/main" xmlns:a14="http://schemas.microsoft.com/office/drawing/2010/main" xmlns:m="http://schemas.openxmlformats.org/officeDocument/2006/math" xmlns="" val="1"/>
+              <ma14:wrappingTextBoxFlag xmlns="" xmlns:m="http://schemas.openxmlformats.org/officeDocument/2006/math" xmlns:a14="http://schemas.microsoft.com/office/drawing/2010/main" xmlns:ma14="http://schemas.microsoft.com/office/mac/drawingml/2011/main" val="1"/>
             </a:ext>
           </a:extLst>
         </p:spPr>
@@ -21405,7 +21405,7 @@
           </a:ln>
           <a:extLst>
             <a:ext uri="{C572A759-6A51-4108-AA02-DFA0A04FC94B}">
-              <ma14:wrappingTextBoxFlag xmlns:ma14="http://schemas.microsoft.com/office/mac/drawingml/2011/main" xmlns:a14="http://schemas.microsoft.com/office/drawing/2010/main" xmlns:m="http://schemas.openxmlformats.org/officeDocument/2006/math" xmlns="" val="1"/>
+              <ma14:wrappingTextBoxFlag xmlns="" xmlns:m="http://schemas.openxmlformats.org/officeDocument/2006/math" xmlns:a14="http://schemas.microsoft.com/office/drawing/2010/main" xmlns:ma14="http://schemas.microsoft.com/office/mac/drawingml/2011/main" val="1"/>
             </a:ext>
           </a:extLst>
         </p:spPr>
@@ -21440,7 +21440,7 @@
           </a:ln>
           <a:extLst>
             <a:ext uri="{C572A759-6A51-4108-AA02-DFA0A04FC94B}">
-              <ma14:wrappingTextBoxFlag xmlns:ma14="http://schemas.microsoft.com/office/mac/drawingml/2011/main" xmlns:a14="http://schemas.microsoft.com/office/drawing/2010/main" xmlns:m="http://schemas.openxmlformats.org/officeDocument/2006/math" xmlns="" val="1"/>
+              <ma14:wrappingTextBoxFlag xmlns="" xmlns:m="http://schemas.openxmlformats.org/officeDocument/2006/math" xmlns:a14="http://schemas.microsoft.com/office/drawing/2010/main" xmlns:ma14="http://schemas.microsoft.com/office/mac/drawingml/2011/main" val="1"/>
             </a:ext>
           </a:extLst>
         </p:spPr>
@@ -21475,7 +21475,7 @@
           </a:ln>
           <a:extLst>
             <a:ext uri="{C572A759-6A51-4108-AA02-DFA0A04FC94B}">
-              <ma14:wrappingTextBoxFlag xmlns:ma14="http://schemas.microsoft.com/office/mac/drawingml/2011/main" xmlns:a14="http://schemas.microsoft.com/office/drawing/2010/main" xmlns:m="http://schemas.openxmlformats.org/officeDocument/2006/math" xmlns="" val="1"/>
+              <ma14:wrappingTextBoxFlag xmlns="" xmlns:m="http://schemas.openxmlformats.org/officeDocument/2006/math" xmlns:a14="http://schemas.microsoft.com/office/drawing/2010/main" xmlns:ma14="http://schemas.microsoft.com/office/mac/drawingml/2011/main" val="1"/>
             </a:ext>
           </a:extLst>
         </p:spPr>
@@ -21510,7 +21510,7 @@
           </a:ln>
           <a:extLst>
             <a:ext uri="{C572A759-6A51-4108-AA02-DFA0A04FC94B}">
-              <ma14:wrappingTextBoxFlag xmlns:ma14="http://schemas.microsoft.com/office/mac/drawingml/2011/main" xmlns:a14="http://schemas.microsoft.com/office/drawing/2010/main" xmlns:m="http://schemas.openxmlformats.org/officeDocument/2006/math" xmlns="" val="1"/>
+              <ma14:wrappingTextBoxFlag xmlns="" xmlns:m="http://schemas.openxmlformats.org/officeDocument/2006/math" xmlns:a14="http://schemas.microsoft.com/office/drawing/2010/main" xmlns:ma14="http://schemas.microsoft.com/office/mac/drawingml/2011/main" val="1"/>
             </a:ext>
           </a:extLst>
         </p:spPr>
@@ -21545,7 +21545,7 @@
           </a:ln>
           <a:extLst>
             <a:ext uri="{C572A759-6A51-4108-AA02-DFA0A04FC94B}">
-              <ma14:wrappingTextBoxFlag xmlns:ma14="http://schemas.microsoft.com/office/mac/drawingml/2011/main" xmlns:a14="http://schemas.microsoft.com/office/drawing/2010/main" xmlns:m="http://schemas.openxmlformats.org/officeDocument/2006/math" xmlns="" val="1"/>
+              <ma14:wrappingTextBoxFlag xmlns="" xmlns:m="http://schemas.openxmlformats.org/officeDocument/2006/math" xmlns:a14="http://schemas.microsoft.com/office/drawing/2010/main" xmlns:ma14="http://schemas.microsoft.com/office/mac/drawingml/2011/main" val="1"/>
             </a:ext>
           </a:extLst>
         </p:spPr>
@@ -21777,7 +21777,7 @@
           </a:ln>
           <a:extLst>
             <a:ext uri="{C572A759-6A51-4108-AA02-DFA0A04FC94B}">
-              <ma14:wrappingTextBoxFlag xmlns:ma14="http://schemas.microsoft.com/office/mac/drawingml/2011/main" xmlns:a14="http://schemas.microsoft.com/office/drawing/2010/main" xmlns:m="http://schemas.openxmlformats.org/officeDocument/2006/math" xmlns="" val="1"/>
+              <ma14:wrappingTextBoxFlag xmlns="" xmlns:m="http://schemas.openxmlformats.org/officeDocument/2006/math" xmlns:a14="http://schemas.microsoft.com/office/drawing/2010/main" xmlns:ma14="http://schemas.microsoft.com/office/mac/drawingml/2011/main" val="1"/>
             </a:ext>
           </a:extLst>
         </p:spPr>
@@ -22230,7 +22230,7 @@
           </a:ln>
           <a:extLst>
             <a:ext uri="{C572A759-6A51-4108-AA02-DFA0A04FC94B}">
-              <ma14:wrappingTextBoxFlag xmlns:ma14="http://schemas.microsoft.com/office/mac/drawingml/2011/main" xmlns:a14="http://schemas.microsoft.com/office/drawing/2010/main" xmlns:m="http://schemas.openxmlformats.org/officeDocument/2006/math" xmlns="" val="1"/>
+              <ma14:wrappingTextBoxFlag xmlns="" xmlns:m="http://schemas.openxmlformats.org/officeDocument/2006/math" xmlns:a14="http://schemas.microsoft.com/office/drawing/2010/main" xmlns:ma14="http://schemas.microsoft.com/office/mac/drawingml/2011/main" val="1"/>
             </a:ext>
           </a:extLst>
         </p:spPr>
@@ -22458,7 +22458,7 @@
           </a:ln>
           <a:extLst>
             <a:ext uri="{C572A759-6A51-4108-AA02-DFA0A04FC94B}">
-              <ma14:wrappingTextBoxFlag xmlns:ma14="http://schemas.microsoft.com/office/mac/drawingml/2011/main" xmlns:a14="http://schemas.microsoft.com/office/drawing/2010/main" xmlns:m="http://schemas.openxmlformats.org/officeDocument/2006/math" xmlns="" val="1"/>
+              <ma14:wrappingTextBoxFlag xmlns="" xmlns:m="http://schemas.openxmlformats.org/officeDocument/2006/math" xmlns:a14="http://schemas.microsoft.com/office/drawing/2010/main" xmlns:ma14="http://schemas.microsoft.com/office/mac/drawingml/2011/main" val="1"/>
             </a:ext>
           </a:extLst>
         </p:spPr>
@@ -22493,7 +22493,7 @@
           </a:ln>
           <a:extLst>
             <a:ext uri="{C572A759-6A51-4108-AA02-DFA0A04FC94B}">
-              <ma14:wrappingTextBoxFlag xmlns:ma14="http://schemas.microsoft.com/office/mac/drawingml/2011/main" xmlns:a14="http://schemas.microsoft.com/office/drawing/2010/main" xmlns:m="http://schemas.openxmlformats.org/officeDocument/2006/math" xmlns="" val="1"/>
+              <ma14:wrappingTextBoxFlag xmlns="" xmlns:m="http://schemas.openxmlformats.org/officeDocument/2006/math" xmlns:a14="http://schemas.microsoft.com/office/drawing/2010/main" xmlns:ma14="http://schemas.microsoft.com/office/mac/drawingml/2011/main" val="1"/>
             </a:ext>
           </a:extLst>
         </p:spPr>
@@ -22528,7 +22528,7 @@
           </a:ln>
           <a:extLst>
             <a:ext uri="{C572A759-6A51-4108-AA02-DFA0A04FC94B}">
-              <ma14:wrappingTextBoxFlag xmlns:ma14="http://schemas.microsoft.com/office/mac/drawingml/2011/main" xmlns:a14="http://schemas.microsoft.com/office/drawing/2010/main" xmlns:m="http://schemas.openxmlformats.org/officeDocument/2006/math" xmlns="" val="1"/>
+              <ma14:wrappingTextBoxFlag xmlns="" xmlns:m="http://schemas.openxmlformats.org/officeDocument/2006/math" xmlns:a14="http://schemas.microsoft.com/office/drawing/2010/main" xmlns:ma14="http://schemas.microsoft.com/office/mac/drawingml/2011/main" val="1"/>
             </a:ext>
           </a:extLst>
         </p:spPr>
@@ -22563,7 +22563,7 @@
           </a:ln>
           <a:extLst>
             <a:ext uri="{C572A759-6A51-4108-AA02-DFA0A04FC94B}">
-              <ma14:wrappingTextBoxFlag xmlns:ma14="http://schemas.microsoft.com/office/mac/drawingml/2011/main" xmlns:a14="http://schemas.microsoft.com/office/drawing/2010/main" xmlns:m="http://schemas.openxmlformats.org/officeDocument/2006/math" xmlns="" val="1"/>
+              <ma14:wrappingTextBoxFlag xmlns="" xmlns:m="http://schemas.openxmlformats.org/officeDocument/2006/math" xmlns:a14="http://schemas.microsoft.com/office/drawing/2010/main" xmlns:ma14="http://schemas.microsoft.com/office/mac/drawingml/2011/main" val="1"/>
             </a:ext>
           </a:extLst>
         </p:spPr>
@@ -22598,7 +22598,7 @@
           </a:ln>
           <a:extLst>
             <a:ext uri="{C572A759-6A51-4108-AA02-DFA0A04FC94B}">
-              <ma14:wrappingTextBoxFlag xmlns:ma14="http://schemas.microsoft.com/office/mac/drawingml/2011/main" xmlns:a14="http://schemas.microsoft.com/office/drawing/2010/main" xmlns:m="http://schemas.openxmlformats.org/officeDocument/2006/math" xmlns="" val="1"/>
+              <ma14:wrappingTextBoxFlag xmlns="" xmlns:m="http://schemas.openxmlformats.org/officeDocument/2006/math" xmlns:a14="http://schemas.microsoft.com/office/drawing/2010/main" xmlns:ma14="http://schemas.microsoft.com/office/mac/drawingml/2011/main" val="1"/>
             </a:ext>
           </a:extLst>
         </p:spPr>
@@ -22633,7 +22633,7 @@
           </a:ln>
           <a:extLst>
             <a:ext uri="{C572A759-6A51-4108-AA02-DFA0A04FC94B}">
-              <ma14:wrappingTextBoxFlag xmlns:ma14="http://schemas.microsoft.com/office/mac/drawingml/2011/main" xmlns:a14="http://schemas.microsoft.com/office/drawing/2010/main" xmlns:m="http://schemas.openxmlformats.org/officeDocument/2006/math" xmlns="" val="1"/>
+              <ma14:wrappingTextBoxFlag xmlns="" xmlns:m="http://schemas.openxmlformats.org/officeDocument/2006/math" xmlns:a14="http://schemas.microsoft.com/office/drawing/2010/main" xmlns:ma14="http://schemas.microsoft.com/office/mac/drawingml/2011/main" val="1"/>
             </a:ext>
           </a:extLst>
         </p:spPr>
@@ -22865,7 +22865,7 @@
           </a:ln>
           <a:extLst>
             <a:ext uri="{C572A759-6A51-4108-AA02-DFA0A04FC94B}">
-              <ma14:wrappingTextBoxFlag xmlns:ma14="http://schemas.microsoft.com/office/mac/drawingml/2011/main" xmlns:a14="http://schemas.microsoft.com/office/drawing/2010/main" xmlns:m="http://schemas.openxmlformats.org/officeDocument/2006/math" xmlns="" val="1"/>
+              <ma14:wrappingTextBoxFlag xmlns="" xmlns:m="http://schemas.openxmlformats.org/officeDocument/2006/math" xmlns:a14="http://schemas.microsoft.com/office/drawing/2010/main" xmlns:ma14="http://schemas.microsoft.com/office/mac/drawingml/2011/main" val="1"/>
             </a:ext>
           </a:extLst>
         </p:spPr>
@@ -23318,7 +23318,7 @@
           </a:ln>
           <a:extLst>
             <a:ext uri="{C572A759-6A51-4108-AA02-DFA0A04FC94B}">
-              <ma14:wrappingTextBoxFlag xmlns:ma14="http://schemas.microsoft.com/office/mac/drawingml/2011/main" xmlns:a14="http://schemas.microsoft.com/office/drawing/2010/main" xmlns:m="http://schemas.openxmlformats.org/officeDocument/2006/math" xmlns="" val="1"/>
+              <ma14:wrappingTextBoxFlag xmlns="" xmlns:m="http://schemas.openxmlformats.org/officeDocument/2006/math" xmlns:a14="http://schemas.microsoft.com/office/drawing/2010/main" xmlns:ma14="http://schemas.microsoft.com/office/mac/drawingml/2011/main" val="1"/>
             </a:ext>
           </a:extLst>
         </p:spPr>
@@ -23546,7 +23546,7 @@
           </a:ln>
           <a:extLst>
             <a:ext uri="{C572A759-6A51-4108-AA02-DFA0A04FC94B}">
-              <ma14:wrappingTextBoxFlag xmlns:ma14="http://schemas.microsoft.com/office/mac/drawingml/2011/main" xmlns:a14="http://schemas.microsoft.com/office/drawing/2010/main" xmlns:m="http://schemas.openxmlformats.org/officeDocument/2006/math" xmlns="" val="1"/>
+              <ma14:wrappingTextBoxFlag xmlns="" xmlns:m="http://schemas.openxmlformats.org/officeDocument/2006/math" xmlns:a14="http://schemas.microsoft.com/office/drawing/2010/main" xmlns:ma14="http://schemas.microsoft.com/office/mac/drawingml/2011/main" val="1"/>
             </a:ext>
           </a:extLst>
         </p:spPr>
@@ -23581,7 +23581,7 @@
           </a:ln>
           <a:extLst>
             <a:ext uri="{C572A759-6A51-4108-AA02-DFA0A04FC94B}">
-              <ma14:wrappingTextBoxFlag xmlns:ma14="http://schemas.microsoft.com/office/mac/drawingml/2011/main" xmlns:a14="http://schemas.microsoft.com/office/drawing/2010/main" xmlns:m="http://schemas.openxmlformats.org/officeDocument/2006/math" xmlns="" val="1"/>
+              <ma14:wrappingTextBoxFlag xmlns="" xmlns:m="http://schemas.openxmlformats.org/officeDocument/2006/math" xmlns:a14="http://schemas.microsoft.com/office/drawing/2010/main" xmlns:ma14="http://schemas.microsoft.com/office/mac/drawingml/2011/main" val="1"/>
             </a:ext>
           </a:extLst>
         </p:spPr>
@@ -23616,7 +23616,7 @@
           </a:ln>
           <a:extLst>
             <a:ext uri="{C572A759-6A51-4108-AA02-DFA0A04FC94B}">
-              <ma14:wrappingTextBoxFlag xmlns:ma14="http://schemas.microsoft.com/office/mac/drawingml/2011/main" xmlns:a14="http://schemas.microsoft.com/office/drawing/2010/main" xmlns:m="http://schemas.openxmlformats.org/officeDocument/2006/math" xmlns="" val="1"/>
+              <ma14:wrappingTextBoxFlag xmlns="" xmlns:m="http://schemas.openxmlformats.org/officeDocument/2006/math" xmlns:a14="http://schemas.microsoft.com/office/drawing/2010/main" xmlns:ma14="http://schemas.microsoft.com/office/mac/drawingml/2011/main" val="1"/>
             </a:ext>
           </a:extLst>
         </p:spPr>
@@ -23651,7 +23651,7 @@
           </a:ln>
           <a:extLst>
             <a:ext uri="{C572A759-6A51-4108-AA02-DFA0A04FC94B}">
-              <ma14:wrappingTextBoxFlag xmlns:ma14="http://schemas.microsoft.com/office/mac/drawingml/2011/main" xmlns:a14="http://schemas.microsoft.com/office/drawing/2010/main" xmlns:m="http://schemas.openxmlformats.org/officeDocument/2006/math" xmlns="" val="1"/>
+              <ma14:wrappingTextBoxFlag xmlns="" xmlns:m="http://schemas.openxmlformats.org/officeDocument/2006/math" xmlns:a14="http://schemas.microsoft.com/office/drawing/2010/main" xmlns:ma14="http://schemas.microsoft.com/office/mac/drawingml/2011/main" val="1"/>
             </a:ext>
           </a:extLst>
         </p:spPr>
@@ -23686,7 +23686,7 @@
           </a:ln>
           <a:extLst>
             <a:ext uri="{C572A759-6A51-4108-AA02-DFA0A04FC94B}">
-              <ma14:wrappingTextBoxFlag xmlns:ma14="http://schemas.microsoft.com/office/mac/drawingml/2011/main" xmlns:a14="http://schemas.microsoft.com/office/drawing/2010/main" xmlns:m="http://schemas.openxmlformats.org/officeDocument/2006/math" xmlns="" val="1"/>
+              <ma14:wrappingTextBoxFlag xmlns="" xmlns:m="http://schemas.openxmlformats.org/officeDocument/2006/math" xmlns:a14="http://schemas.microsoft.com/office/drawing/2010/main" xmlns:ma14="http://schemas.microsoft.com/office/mac/drawingml/2011/main" val="1"/>
             </a:ext>
           </a:extLst>
         </p:spPr>
@@ -23721,7 +23721,7 @@
           </a:ln>
           <a:extLst>
             <a:ext uri="{C572A759-6A51-4108-AA02-DFA0A04FC94B}">
-              <ma14:wrappingTextBoxFlag xmlns:ma14="http://schemas.microsoft.com/office/mac/drawingml/2011/main" xmlns:a14="http://schemas.microsoft.com/office/drawing/2010/main" xmlns:m="http://schemas.openxmlformats.org/officeDocument/2006/math" xmlns="" val="1"/>
+              <ma14:wrappingTextBoxFlag xmlns="" xmlns:m="http://schemas.openxmlformats.org/officeDocument/2006/math" xmlns:a14="http://schemas.microsoft.com/office/drawing/2010/main" xmlns:ma14="http://schemas.microsoft.com/office/mac/drawingml/2011/main" val="1"/>
             </a:ext>
           </a:extLst>
         </p:spPr>
@@ -23826,14 +23826,172 @@
               <a:defRPr sz="2600"/>
             </a:pPr>
             <a:r>
-              <a:t>Для хранения значений будем использовать переменные t1, t2,…,tn типа </a:t>
-            </a:r>
-            <a:r>
-              <a:rPr b="1" i="1"/>
+              <a:rPr dirty="0" err="1"/>
+              <a:t>Для</a:t>
+            </a:r>
+            <a:r>
+              <a:rPr dirty="0"/>
+              <a:t> </a:t>
+            </a:r>
+            <a:r>
+              <a:rPr dirty="0" err="1"/>
+              <a:t>хранения</a:t>
+            </a:r>
+            <a:r>
+              <a:rPr dirty="0"/>
+              <a:t> </a:t>
+            </a:r>
+            <a:r>
+              <a:rPr dirty="0" err="1"/>
+              <a:t>значений</a:t>
+            </a:r>
+            <a:r>
+              <a:rPr dirty="0"/>
+              <a:t> </a:t>
+            </a:r>
+            <a:r>
+              <a:rPr dirty="0" err="1"/>
+              <a:t>будем</a:t>
+            </a:r>
+            <a:r>
+              <a:rPr dirty="0"/>
+              <a:t> </a:t>
+            </a:r>
+            <a:r>
+              <a:rPr dirty="0" err="1"/>
+              <a:t>использовать</a:t>
+            </a:r>
+            <a:r>
+              <a:rPr dirty="0"/>
+              <a:t> </a:t>
+            </a:r>
+            <a:r>
+              <a:rPr dirty="0" err="1"/>
+              <a:t>переменные</a:t>
+            </a:r>
+            <a:r>
+              <a:rPr dirty="0"/>
+              <a:t> t1, t2,…,</a:t>
+            </a:r>
+            <a:r>
+              <a:rPr dirty="0" err="1"/>
+              <a:t>tn</a:t>
+            </a:r>
+            <a:r>
+              <a:rPr dirty="0"/>
+              <a:t> </a:t>
+            </a:r>
+            <a:r>
+              <a:rPr dirty="0" err="1"/>
+              <a:t>типа</a:t>
+            </a:r>
+            <a:r>
+              <a:rPr dirty="0"/>
+              <a:t> </a:t>
+            </a:r>
+            <a:r>
+              <a:rPr b="1" i="1" dirty="0"/>
               <a:t>double</a:t>
             </a:r>
             <a:r>
-              <a:t>. Команды псевдо-машинного кода для вычисления арифметических выражений, в который будет транслироваться исходный код:</a:t>
+              <a:rPr dirty="0"/>
+              <a:t>. </a:t>
+            </a:r>
+            <a:r>
+              <a:rPr dirty="0" err="1"/>
+              <a:t>Команды</a:t>
+            </a:r>
+            <a:r>
+              <a:rPr dirty="0"/>
+              <a:t> </a:t>
+            </a:r>
+            <a:r>
+              <a:rPr dirty="0" err="1"/>
+              <a:t>псевдо-машинного</a:t>
+            </a:r>
+            <a:r>
+              <a:rPr dirty="0"/>
+              <a:t> </a:t>
+            </a:r>
+            <a:r>
+              <a:rPr dirty="0" err="1"/>
+              <a:t>кода</a:t>
+            </a:r>
+            <a:r>
+              <a:rPr dirty="0"/>
+              <a:t> </a:t>
+            </a:r>
+            <a:r>
+              <a:rPr dirty="0" err="1"/>
+              <a:t>для</a:t>
+            </a:r>
+            <a:r>
+              <a:rPr dirty="0"/>
+              <a:t> </a:t>
+            </a:r>
+            <a:r>
+              <a:rPr dirty="0" err="1"/>
+              <a:t>вычисления</a:t>
+            </a:r>
+            <a:r>
+              <a:rPr dirty="0"/>
+              <a:t> </a:t>
+            </a:r>
+            <a:r>
+              <a:rPr dirty="0" err="1"/>
+              <a:t>арифметических</a:t>
+            </a:r>
+            <a:r>
+              <a:rPr dirty="0"/>
+              <a:t> </a:t>
+            </a:r>
+            <a:r>
+              <a:rPr dirty="0" err="1"/>
+              <a:t>выражений</a:t>
+            </a:r>
+            <a:r>
+              <a:rPr dirty="0"/>
+              <a:t>, в </a:t>
+            </a:r>
+            <a:r>
+              <a:rPr dirty="0" err="1"/>
+              <a:t>который</a:t>
+            </a:r>
+            <a:r>
+              <a:rPr dirty="0"/>
+              <a:t> </a:t>
+            </a:r>
+            <a:r>
+              <a:rPr dirty="0" err="1"/>
+              <a:t>будет</a:t>
+            </a:r>
+            <a:r>
+              <a:rPr dirty="0"/>
+              <a:t> </a:t>
+            </a:r>
+            <a:r>
+              <a:rPr dirty="0" err="1"/>
+              <a:t>транслироваться</a:t>
+            </a:r>
+            <a:r>
+              <a:rPr dirty="0"/>
+              <a:t> </a:t>
+            </a:r>
+            <a:r>
+              <a:rPr dirty="0" err="1"/>
+              <a:t>исходный</a:t>
+            </a:r>
+            <a:r>
+              <a:rPr dirty="0"/>
+              <a:t> </a:t>
+            </a:r>
+            <a:r>
+              <a:rPr dirty="0" err="1"/>
+              <a:t>код</a:t>
+            </a:r>
+            <a:r>
+              <a:rPr dirty="0"/>
+              <a:t>:</a:t>
             </a:r>
           </a:p>
           <a:p>
@@ -23844,19 +24002,58 @@
               <a:defRPr sz="2600"/>
             </a:pPr>
             <a:r>
+              <a:rPr dirty="0"/>
               <a:t> </a:t>
             </a:r>
             <a:r>
-              <a:rPr b="1">
+              <a:rPr b="1" dirty="0" err="1">
                 <a:latin typeface="+mj-lt"/>
                 <a:ea typeface="+mj-ea"/>
                 <a:cs typeface="+mj-cs"/>
                 <a:sym typeface="Helvetica"/>
               </a:rPr>
-              <a:t>decl </a:t>
-            </a:r>
-            <a:r>
-              <a:t>ti		// объявление переменной ti;</a:t>
+              <a:t>decl</a:t>
+            </a:r>
+            <a:r>
+              <a:rPr b="1" dirty="0">
+                <a:latin typeface="+mj-lt"/>
+                <a:ea typeface="+mj-ea"/>
+                <a:cs typeface="+mj-cs"/>
+                <a:sym typeface="Helvetica"/>
+              </a:rPr>
+              <a:t> </a:t>
+            </a:r>
+            <a:r>
+              <a:rPr dirty="0" err="1"/>
+              <a:t>ti</a:t>
+            </a:r>
+            <a:r>
+              <a:rPr dirty="0"/>
+              <a:t>		// </a:t>
+            </a:r>
+            <a:r>
+              <a:rPr dirty="0" err="1"/>
+              <a:t>объявление</a:t>
+            </a:r>
+            <a:r>
+              <a:rPr dirty="0"/>
+              <a:t> </a:t>
+            </a:r>
+            <a:r>
+              <a:rPr dirty="0" err="1"/>
+              <a:t>переменной</a:t>
+            </a:r>
+            <a:r>
+              <a:rPr dirty="0"/>
+              <a:t> </a:t>
+            </a:r>
+            <a:r>
+              <a:rPr dirty="0" err="1"/>
+              <a:t>ti</a:t>
+            </a:r>
+            <a:r>
+              <a:rPr dirty="0"/>
+              <a:t>;</a:t>
             </a:r>
           </a:p>
           <a:p>
@@ -23872,16 +24069,143 @@
               </a:defRPr>
             </a:pPr>
             <a:r>
+              <a:rPr dirty="0"/>
               <a:t> mov</a:t>
             </a:r>
             <a:r>
-              <a:rPr b="0">
+              <a:rPr b="0" dirty="0">
                 <a:latin typeface="+mn-lt"/>
                 <a:ea typeface="+mn-ea"/>
                 <a:cs typeface="+mn-cs"/>
                 <a:sym typeface="Calibri"/>
               </a:rPr>
-              <a:t> n, ti 	// запись n в ti, где n - числовая константа;</a:t>
+              <a:t> n, </a:t>
+            </a:r>
+            <a:r>
+              <a:rPr b="0" dirty="0" err="1">
+                <a:latin typeface="+mn-lt"/>
+                <a:ea typeface="+mn-ea"/>
+                <a:cs typeface="+mn-cs"/>
+                <a:sym typeface="Calibri"/>
+              </a:rPr>
+              <a:t>ti</a:t>
+            </a:r>
+            <a:r>
+              <a:rPr b="0" dirty="0">
+                <a:latin typeface="+mn-lt"/>
+                <a:ea typeface="+mn-ea"/>
+                <a:cs typeface="+mn-cs"/>
+                <a:sym typeface="Calibri"/>
+              </a:rPr>
+              <a:t> 	</a:t>
+            </a:r>
+            <a:r>
+              <a:rPr lang="ru-RU" b="0" dirty="0">
+                <a:latin typeface="+mn-lt"/>
+                <a:ea typeface="+mn-ea"/>
+                <a:cs typeface="+mn-cs"/>
+                <a:sym typeface="Calibri"/>
+              </a:rPr>
+              <a:t>	</a:t>
+            </a:r>
+            <a:r>
+              <a:rPr b="0" dirty="0">
+                <a:latin typeface="+mn-lt"/>
+                <a:ea typeface="+mn-ea"/>
+                <a:cs typeface="+mn-cs"/>
+                <a:sym typeface="Calibri"/>
+              </a:rPr>
+              <a:t>// </a:t>
+            </a:r>
+            <a:r>
+              <a:rPr b="0" dirty="0" err="1">
+                <a:latin typeface="+mn-lt"/>
+                <a:ea typeface="+mn-ea"/>
+                <a:cs typeface="+mn-cs"/>
+                <a:sym typeface="Calibri"/>
+              </a:rPr>
+              <a:t>запись</a:t>
+            </a:r>
+            <a:r>
+              <a:rPr b="0" dirty="0">
+                <a:latin typeface="+mn-lt"/>
+                <a:ea typeface="+mn-ea"/>
+                <a:cs typeface="+mn-cs"/>
+                <a:sym typeface="Calibri"/>
+              </a:rPr>
+              <a:t> n в </a:t>
+            </a:r>
+            <a:r>
+              <a:rPr b="0" dirty="0" err="1">
+                <a:latin typeface="+mn-lt"/>
+                <a:ea typeface="+mn-ea"/>
+                <a:cs typeface="+mn-cs"/>
+                <a:sym typeface="Calibri"/>
+              </a:rPr>
+              <a:t>ti</a:t>
+            </a:r>
+            <a:r>
+              <a:rPr b="0" dirty="0">
+                <a:latin typeface="+mn-lt"/>
+                <a:ea typeface="+mn-ea"/>
+                <a:cs typeface="+mn-cs"/>
+                <a:sym typeface="Calibri"/>
+              </a:rPr>
+              <a:t>, </a:t>
+            </a:r>
+            <a:r>
+              <a:rPr b="0" dirty="0" err="1">
+                <a:latin typeface="+mn-lt"/>
+                <a:ea typeface="+mn-ea"/>
+                <a:cs typeface="+mn-cs"/>
+                <a:sym typeface="Calibri"/>
+              </a:rPr>
+              <a:t>где</a:t>
+            </a:r>
+            <a:r>
+              <a:rPr b="0" dirty="0">
+                <a:latin typeface="+mn-lt"/>
+                <a:ea typeface="+mn-ea"/>
+                <a:cs typeface="+mn-cs"/>
+                <a:sym typeface="Calibri"/>
+              </a:rPr>
+              <a:t> n - </a:t>
+            </a:r>
+            <a:r>
+              <a:rPr b="0" dirty="0" err="1">
+                <a:latin typeface="+mn-lt"/>
+                <a:ea typeface="+mn-ea"/>
+                <a:cs typeface="+mn-cs"/>
+                <a:sym typeface="Calibri"/>
+              </a:rPr>
+              <a:t>числовая</a:t>
+            </a:r>
+            <a:r>
+              <a:rPr b="0" dirty="0">
+                <a:latin typeface="+mn-lt"/>
+                <a:ea typeface="+mn-ea"/>
+                <a:cs typeface="+mn-cs"/>
+                <a:sym typeface="Calibri"/>
+              </a:rPr>
+              <a:t> </a:t>
+            </a:r>
+            <a:r>
+              <a:rPr b="0" dirty="0" err="1">
+                <a:latin typeface="+mn-lt"/>
+                <a:ea typeface="+mn-ea"/>
+                <a:cs typeface="+mn-cs"/>
+                <a:sym typeface="Calibri"/>
+              </a:rPr>
+              <a:t>константа</a:t>
+            </a:r>
+            <a:r>
+              <a:rPr b="0" dirty="0">
+                <a:latin typeface="+mn-lt"/>
+                <a:ea typeface="+mn-ea"/>
+                <a:cs typeface="+mn-cs"/>
+                <a:sym typeface="Calibri"/>
+              </a:rPr>
+              <a:t>;</a:t>
             </a:r>
           </a:p>
           <a:p>
@@ -23892,10 +24216,11 @@
               <a:defRPr sz="2600"/>
             </a:pPr>
             <a:r>
+              <a:rPr dirty="0"/>
               <a:t> </a:t>
             </a:r>
             <a:r>
-              <a:rPr b="1">
+              <a:rPr b="1" dirty="0">
                 <a:latin typeface="+mj-lt"/>
                 <a:ea typeface="+mj-ea"/>
                 <a:cs typeface="+mj-cs"/>
@@ -23904,9 +24229,118 @@
               <a:t>mov</a:t>
             </a:r>
             <a:r>
-              <a:t> (val), ti // запись значения по адресу val в ti, где val - переменная или регистр</a:t>
-            </a:r>
-            <a:endParaRPr b="1">
+              <a:rPr dirty="0"/>
+              <a:t> (</a:t>
+            </a:r>
+            <a:r>
+              <a:rPr dirty="0" err="1"/>
+              <a:t>val</a:t>
+            </a:r>
+            <a:r>
+              <a:rPr dirty="0"/>
+              <a:t>), </a:t>
+            </a:r>
+            <a:r>
+              <a:rPr dirty="0" err="1"/>
+              <a:t>ti</a:t>
+            </a:r>
+            <a:r>
+              <a:rPr dirty="0"/>
+              <a:t> </a:t>
+            </a:r>
+            <a:r>
+              <a:rPr lang="ru-RU" dirty="0"/>
+              <a:t>	</a:t>
+            </a:r>
+            <a:r>
+              <a:rPr dirty="0"/>
+              <a:t>// </a:t>
+            </a:r>
+            <a:r>
+              <a:rPr dirty="0" err="1"/>
+              <a:t>запись</a:t>
+            </a:r>
+            <a:r>
+              <a:rPr dirty="0"/>
+              <a:t> </a:t>
+            </a:r>
+            <a:r>
+              <a:rPr dirty="0" err="1"/>
+              <a:t>значения</a:t>
+            </a:r>
+            <a:r>
+              <a:rPr dirty="0"/>
+              <a:t> </a:t>
+            </a:r>
+            <a:r>
+              <a:rPr dirty="0" err="1"/>
+              <a:t>по</a:t>
+            </a:r>
+            <a:r>
+              <a:rPr dirty="0"/>
+              <a:t> </a:t>
+            </a:r>
+            <a:r>
+              <a:rPr dirty="0" err="1"/>
+              <a:t>адресу</a:t>
+            </a:r>
+            <a:r>
+              <a:rPr dirty="0"/>
+              <a:t> </a:t>
+            </a:r>
+            <a:r>
+              <a:rPr dirty="0" err="1"/>
+              <a:t>val</a:t>
+            </a:r>
+            <a:r>
+              <a:rPr dirty="0"/>
+              <a:t> в </a:t>
+            </a:r>
+            <a:r>
+              <a:rPr dirty="0" err="1"/>
+              <a:t>ti</a:t>
+            </a:r>
+            <a:r>
+              <a:rPr dirty="0"/>
+              <a:t>, </a:t>
+            </a:r>
+            <a:r>
+              <a:rPr dirty="0" err="1"/>
+              <a:t>где</a:t>
+            </a:r>
+            <a:r>
+              <a:rPr dirty="0"/>
+              <a:t> </a:t>
+            </a:r>
+            <a:r>
+              <a:rPr dirty="0" err="1"/>
+              <a:t>val</a:t>
+            </a:r>
+            <a:r>
+              <a:rPr dirty="0"/>
+              <a:t> - </a:t>
+            </a:r>
+            <a:r>
+              <a:rPr dirty="0" err="1"/>
+              <a:t>переменная</a:t>
+            </a:r>
+            <a:r>
+              <a:rPr dirty="0"/>
+              <a:t> </a:t>
+            </a:r>
+            <a:r>
+              <a:rPr dirty="0" err="1"/>
+              <a:t>или</a:t>
+            </a:r>
+            <a:r>
+              <a:rPr dirty="0"/>
+              <a:t> </a:t>
+            </a:r>
+            <a:r>
+              <a:rPr dirty="0" err="1"/>
+              <a:t>регистр</a:t>
+            </a:r>
+            <a:endParaRPr b="1" dirty="0">
               <a:latin typeface="+mj-lt"/>
               <a:ea typeface="+mj-ea"/>
               <a:cs typeface="+mj-cs"/>
@@ -23921,10 +24355,11 @@
               <a:defRPr sz="2600"/>
             </a:pPr>
             <a:r>
+              <a:rPr dirty="0"/>
               <a:t> </a:t>
             </a:r>
             <a:r>
-              <a:rPr b="1">
+              <a:rPr b="1" dirty="0">
                 <a:latin typeface="+mj-lt"/>
                 <a:ea typeface="+mj-ea"/>
                 <a:cs typeface="+mj-cs"/>
@@ -23933,7 +24368,52 @@
               <a:t>add </a:t>
             </a:r>
             <a:r>
-              <a:t>tj, ti 		// добавление значения tj к ti;</a:t>
+              <a:rPr dirty="0" err="1"/>
+              <a:t>tj</a:t>
+            </a:r>
+            <a:r>
+              <a:rPr dirty="0"/>
+              <a:t>, </a:t>
+            </a:r>
+            <a:r>
+              <a:rPr dirty="0" err="1"/>
+              <a:t>ti</a:t>
+            </a:r>
+            <a:r>
+              <a:rPr dirty="0"/>
+              <a:t> 		// </a:t>
+            </a:r>
+            <a:r>
+              <a:rPr dirty="0" err="1"/>
+              <a:t>добавление</a:t>
+            </a:r>
+            <a:r>
+              <a:rPr dirty="0"/>
+              <a:t> </a:t>
+            </a:r>
+            <a:r>
+              <a:rPr dirty="0" err="1"/>
+              <a:t>значения</a:t>
+            </a:r>
+            <a:r>
+              <a:rPr dirty="0"/>
+              <a:t> </a:t>
+            </a:r>
+            <a:r>
+              <a:rPr dirty="0" err="1"/>
+              <a:t>tj</a:t>
+            </a:r>
+            <a:r>
+              <a:rPr dirty="0"/>
+              <a:t> к </a:t>
+            </a:r>
+            <a:r>
+              <a:rPr dirty="0" err="1"/>
+              <a:t>ti</a:t>
+            </a:r>
+            <a:r>
+              <a:rPr dirty="0"/>
+              <a:t>;</a:t>
             </a:r>
           </a:p>
           <a:p>
@@ -23949,16 +24429,143 @@
               </a:defRPr>
             </a:pPr>
             <a:r>
+              <a:rPr dirty="0"/>
               <a:t>sub</a:t>
             </a:r>
             <a:r>
-              <a:rPr b="0">
+              <a:rPr b="0" dirty="0">
                 <a:latin typeface="+mn-lt"/>
                 <a:ea typeface="+mn-ea"/>
                 <a:cs typeface="+mn-cs"/>
                 <a:sym typeface="Calibri"/>
               </a:rPr>
-              <a:t> tj, ti 		// вычитание значения tj из ti;</a:t>
+              <a:t> </a:t>
+            </a:r>
+            <a:r>
+              <a:rPr b="0" dirty="0" err="1">
+                <a:latin typeface="+mn-lt"/>
+                <a:ea typeface="+mn-ea"/>
+                <a:cs typeface="+mn-cs"/>
+                <a:sym typeface="Calibri"/>
+              </a:rPr>
+              <a:t>tj</a:t>
+            </a:r>
+            <a:r>
+              <a:rPr b="0" dirty="0">
+                <a:latin typeface="+mn-lt"/>
+                <a:ea typeface="+mn-ea"/>
+                <a:cs typeface="+mn-cs"/>
+                <a:sym typeface="Calibri"/>
+              </a:rPr>
+              <a:t>, </a:t>
+            </a:r>
+            <a:r>
+              <a:rPr b="0" dirty="0" err="1">
+                <a:latin typeface="+mn-lt"/>
+                <a:ea typeface="+mn-ea"/>
+                <a:cs typeface="+mn-cs"/>
+                <a:sym typeface="Calibri"/>
+              </a:rPr>
+              <a:t>ti</a:t>
+            </a:r>
+            <a:r>
+              <a:rPr b="0" dirty="0">
+                <a:latin typeface="+mn-lt"/>
+                <a:ea typeface="+mn-ea"/>
+                <a:cs typeface="+mn-cs"/>
+                <a:sym typeface="Calibri"/>
+              </a:rPr>
+              <a:t> 		// </a:t>
+            </a:r>
+            <a:r>
+              <a:rPr b="0" dirty="0" err="1">
+                <a:latin typeface="+mn-lt"/>
+                <a:ea typeface="+mn-ea"/>
+                <a:cs typeface="+mn-cs"/>
+                <a:sym typeface="Calibri"/>
+              </a:rPr>
+              <a:t>вычитание</a:t>
+            </a:r>
+            <a:r>
+              <a:rPr b="0" dirty="0">
+                <a:latin typeface="+mn-lt"/>
+                <a:ea typeface="+mn-ea"/>
+                <a:cs typeface="+mn-cs"/>
+                <a:sym typeface="Calibri"/>
+              </a:rPr>
+              <a:t> </a:t>
+            </a:r>
+            <a:r>
+              <a:rPr b="0" dirty="0" err="1">
+                <a:latin typeface="+mn-lt"/>
+                <a:ea typeface="+mn-ea"/>
+                <a:cs typeface="+mn-cs"/>
+                <a:sym typeface="Calibri"/>
+              </a:rPr>
+              <a:t>значения</a:t>
+            </a:r>
+            <a:r>
+              <a:rPr b="0" dirty="0">
+                <a:latin typeface="+mn-lt"/>
+                <a:ea typeface="+mn-ea"/>
+                <a:cs typeface="+mn-cs"/>
+                <a:sym typeface="Calibri"/>
+              </a:rPr>
+              <a:t> </a:t>
+            </a:r>
+            <a:r>
+              <a:rPr b="0" dirty="0" err="1">
+                <a:latin typeface="+mn-lt"/>
+                <a:ea typeface="+mn-ea"/>
+                <a:cs typeface="+mn-cs"/>
+                <a:sym typeface="Calibri"/>
+              </a:rPr>
+              <a:t>tj</a:t>
+            </a:r>
+            <a:r>
+              <a:rPr b="0" dirty="0">
+                <a:latin typeface="+mn-lt"/>
+                <a:ea typeface="+mn-ea"/>
+                <a:cs typeface="+mn-cs"/>
+                <a:sym typeface="Calibri"/>
+              </a:rPr>
+              <a:t> </a:t>
+            </a:r>
+            <a:r>
+              <a:rPr b="0" dirty="0" err="1">
+                <a:latin typeface="+mn-lt"/>
+                <a:ea typeface="+mn-ea"/>
+                <a:cs typeface="+mn-cs"/>
+                <a:sym typeface="Calibri"/>
+              </a:rPr>
+              <a:t>из</a:t>
+            </a:r>
+            <a:r>
+              <a:rPr b="0" dirty="0">
+                <a:latin typeface="+mn-lt"/>
+                <a:ea typeface="+mn-ea"/>
+                <a:cs typeface="+mn-cs"/>
+                <a:sym typeface="Calibri"/>
+              </a:rPr>
+              <a:t> </a:t>
+            </a:r>
+            <a:r>
+              <a:rPr b="0" dirty="0" err="1">
+                <a:latin typeface="+mn-lt"/>
+                <a:ea typeface="+mn-ea"/>
+                <a:cs typeface="+mn-cs"/>
+                <a:sym typeface="Calibri"/>
+              </a:rPr>
+              <a:t>ti</a:t>
+            </a:r>
+            <a:r>
+              <a:rPr b="0" dirty="0">
+                <a:latin typeface="+mn-lt"/>
+                <a:ea typeface="+mn-ea"/>
+                <a:cs typeface="+mn-cs"/>
+                <a:sym typeface="Calibri"/>
+              </a:rPr>
+              <a:t>;</a:t>
             </a:r>
           </a:p>
           <a:p>
@@ -23974,16 +24581,143 @@
               </a:defRPr>
             </a:pPr>
             <a:r>
+              <a:rPr dirty="0" err="1"/>
               <a:t>mul</a:t>
             </a:r>
             <a:r>
-              <a:rPr b="0">
+              <a:rPr b="0" dirty="0">
                 <a:latin typeface="+mn-lt"/>
                 <a:ea typeface="+mn-ea"/>
                 <a:cs typeface="+mn-cs"/>
                 <a:sym typeface="Calibri"/>
               </a:rPr>
-              <a:t> tj, ti 		// умножение значения tj на ti;</a:t>
+              <a:t> </a:t>
+            </a:r>
+            <a:r>
+              <a:rPr b="0" dirty="0" err="1">
+                <a:latin typeface="+mn-lt"/>
+                <a:ea typeface="+mn-ea"/>
+                <a:cs typeface="+mn-cs"/>
+                <a:sym typeface="Calibri"/>
+              </a:rPr>
+              <a:t>tj</a:t>
+            </a:r>
+            <a:r>
+              <a:rPr b="0" dirty="0">
+                <a:latin typeface="+mn-lt"/>
+                <a:ea typeface="+mn-ea"/>
+                <a:cs typeface="+mn-cs"/>
+                <a:sym typeface="Calibri"/>
+              </a:rPr>
+              <a:t>, </a:t>
+            </a:r>
+            <a:r>
+              <a:rPr b="0" dirty="0" err="1">
+                <a:latin typeface="+mn-lt"/>
+                <a:ea typeface="+mn-ea"/>
+                <a:cs typeface="+mn-cs"/>
+                <a:sym typeface="Calibri"/>
+              </a:rPr>
+              <a:t>ti</a:t>
+            </a:r>
+            <a:r>
+              <a:rPr b="0" dirty="0">
+                <a:latin typeface="+mn-lt"/>
+                <a:ea typeface="+mn-ea"/>
+                <a:cs typeface="+mn-cs"/>
+                <a:sym typeface="Calibri"/>
+              </a:rPr>
+              <a:t> 		// </a:t>
+            </a:r>
+            <a:r>
+              <a:rPr b="0" dirty="0" err="1">
+                <a:latin typeface="+mn-lt"/>
+                <a:ea typeface="+mn-ea"/>
+                <a:cs typeface="+mn-cs"/>
+                <a:sym typeface="Calibri"/>
+              </a:rPr>
+              <a:t>умножение</a:t>
+            </a:r>
+            <a:r>
+              <a:rPr b="0" dirty="0">
+                <a:latin typeface="+mn-lt"/>
+                <a:ea typeface="+mn-ea"/>
+                <a:cs typeface="+mn-cs"/>
+                <a:sym typeface="Calibri"/>
+              </a:rPr>
+              <a:t> </a:t>
+            </a:r>
+            <a:r>
+              <a:rPr b="0" dirty="0" err="1">
+                <a:latin typeface="+mn-lt"/>
+                <a:ea typeface="+mn-ea"/>
+                <a:cs typeface="+mn-cs"/>
+                <a:sym typeface="Calibri"/>
+              </a:rPr>
+              <a:t>значения</a:t>
+            </a:r>
+            <a:r>
+              <a:rPr b="0" dirty="0">
+                <a:latin typeface="+mn-lt"/>
+                <a:ea typeface="+mn-ea"/>
+                <a:cs typeface="+mn-cs"/>
+                <a:sym typeface="Calibri"/>
+              </a:rPr>
+              <a:t> </a:t>
+            </a:r>
+            <a:r>
+              <a:rPr b="0" dirty="0" err="1">
+                <a:latin typeface="+mn-lt"/>
+                <a:ea typeface="+mn-ea"/>
+                <a:cs typeface="+mn-cs"/>
+                <a:sym typeface="Calibri"/>
+              </a:rPr>
+              <a:t>tj</a:t>
+            </a:r>
+            <a:r>
+              <a:rPr b="0" dirty="0">
+                <a:latin typeface="+mn-lt"/>
+                <a:ea typeface="+mn-ea"/>
+                <a:cs typeface="+mn-cs"/>
+                <a:sym typeface="Calibri"/>
+              </a:rPr>
+              <a:t> </a:t>
+            </a:r>
+            <a:r>
+              <a:rPr b="0" dirty="0" err="1">
+                <a:latin typeface="+mn-lt"/>
+                <a:ea typeface="+mn-ea"/>
+                <a:cs typeface="+mn-cs"/>
+                <a:sym typeface="Calibri"/>
+              </a:rPr>
+              <a:t>на</a:t>
+            </a:r>
+            <a:r>
+              <a:rPr b="0" dirty="0">
+                <a:latin typeface="+mn-lt"/>
+                <a:ea typeface="+mn-ea"/>
+                <a:cs typeface="+mn-cs"/>
+                <a:sym typeface="Calibri"/>
+              </a:rPr>
+              <a:t> </a:t>
+            </a:r>
+            <a:r>
+              <a:rPr b="0" dirty="0" err="1">
+                <a:latin typeface="+mn-lt"/>
+                <a:ea typeface="+mn-ea"/>
+                <a:cs typeface="+mn-cs"/>
+                <a:sym typeface="Calibri"/>
+              </a:rPr>
+              <a:t>ti</a:t>
+            </a:r>
+            <a:r>
+              <a:rPr b="0" dirty="0">
+                <a:latin typeface="+mn-lt"/>
+                <a:ea typeface="+mn-ea"/>
+                <a:cs typeface="+mn-cs"/>
+                <a:sym typeface="Calibri"/>
+              </a:rPr>
+              <a:t>;</a:t>
             </a:r>
           </a:p>
           <a:p>
@@ -23999,16 +24733,143 @@
               </a:defRPr>
             </a:pPr>
             <a:r>
+              <a:rPr dirty="0"/>
               <a:t>div</a:t>
             </a:r>
             <a:r>
-              <a:rPr b="0">
+              <a:rPr b="0" dirty="0">
                 <a:latin typeface="+mn-lt"/>
                 <a:ea typeface="+mn-ea"/>
                 <a:cs typeface="+mn-cs"/>
                 <a:sym typeface="Calibri"/>
               </a:rPr>
-              <a:t> tj, ti 		// деление ti на значение tj.</a:t>
+              <a:t> </a:t>
+            </a:r>
+            <a:r>
+              <a:rPr b="0" dirty="0" err="1">
+                <a:latin typeface="+mn-lt"/>
+                <a:ea typeface="+mn-ea"/>
+                <a:cs typeface="+mn-cs"/>
+                <a:sym typeface="Calibri"/>
+              </a:rPr>
+              <a:t>tj</a:t>
+            </a:r>
+            <a:r>
+              <a:rPr b="0" dirty="0">
+                <a:latin typeface="+mn-lt"/>
+                <a:ea typeface="+mn-ea"/>
+                <a:cs typeface="+mn-cs"/>
+                <a:sym typeface="Calibri"/>
+              </a:rPr>
+              <a:t>, </a:t>
+            </a:r>
+            <a:r>
+              <a:rPr b="0" dirty="0" err="1">
+                <a:latin typeface="+mn-lt"/>
+                <a:ea typeface="+mn-ea"/>
+                <a:cs typeface="+mn-cs"/>
+                <a:sym typeface="Calibri"/>
+              </a:rPr>
+              <a:t>ti</a:t>
+            </a:r>
+            <a:r>
+              <a:rPr b="0" dirty="0">
+                <a:latin typeface="+mn-lt"/>
+                <a:ea typeface="+mn-ea"/>
+                <a:cs typeface="+mn-cs"/>
+                <a:sym typeface="Calibri"/>
+              </a:rPr>
+              <a:t> 		// </a:t>
+            </a:r>
+            <a:r>
+              <a:rPr b="0" dirty="0" err="1">
+                <a:latin typeface="+mn-lt"/>
+                <a:ea typeface="+mn-ea"/>
+                <a:cs typeface="+mn-cs"/>
+                <a:sym typeface="Calibri"/>
+              </a:rPr>
+              <a:t>деление</a:t>
+            </a:r>
+            <a:r>
+              <a:rPr b="0" dirty="0">
+                <a:latin typeface="+mn-lt"/>
+                <a:ea typeface="+mn-ea"/>
+                <a:cs typeface="+mn-cs"/>
+                <a:sym typeface="Calibri"/>
+              </a:rPr>
+              <a:t> </a:t>
+            </a:r>
+            <a:r>
+              <a:rPr b="0" dirty="0" err="1">
+                <a:latin typeface="+mn-lt"/>
+                <a:ea typeface="+mn-ea"/>
+                <a:cs typeface="+mn-cs"/>
+                <a:sym typeface="Calibri"/>
+              </a:rPr>
+              <a:t>ti</a:t>
+            </a:r>
+            <a:r>
+              <a:rPr b="0" dirty="0">
+                <a:latin typeface="+mn-lt"/>
+                <a:ea typeface="+mn-ea"/>
+                <a:cs typeface="+mn-cs"/>
+                <a:sym typeface="Calibri"/>
+              </a:rPr>
+              <a:t> </a:t>
+            </a:r>
+            <a:r>
+              <a:rPr b="0" dirty="0" err="1">
+                <a:latin typeface="+mn-lt"/>
+                <a:ea typeface="+mn-ea"/>
+                <a:cs typeface="+mn-cs"/>
+                <a:sym typeface="Calibri"/>
+              </a:rPr>
+              <a:t>на</a:t>
+            </a:r>
+            <a:r>
+              <a:rPr b="0" dirty="0">
+                <a:latin typeface="+mn-lt"/>
+                <a:ea typeface="+mn-ea"/>
+                <a:cs typeface="+mn-cs"/>
+                <a:sym typeface="Calibri"/>
+              </a:rPr>
+              <a:t> </a:t>
+            </a:r>
+            <a:r>
+              <a:rPr b="0" dirty="0" err="1">
+                <a:latin typeface="+mn-lt"/>
+                <a:ea typeface="+mn-ea"/>
+                <a:cs typeface="+mn-cs"/>
+                <a:sym typeface="Calibri"/>
+              </a:rPr>
+              <a:t>значение</a:t>
+            </a:r>
+            <a:r>
+              <a:rPr b="0" dirty="0">
+                <a:latin typeface="+mn-lt"/>
+                <a:ea typeface="+mn-ea"/>
+                <a:cs typeface="+mn-cs"/>
+                <a:sym typeface="Calibri"/>
+              </a:rPr>
+              <a:t> </a:t>
+            </a:r>
+            <a:r>
+              <a:rPr b="0" dirty="0" err="1">
+                <a:latin typeface="+mn-lt"/>
+                <a:ea typeface="+mn-ea"/>
+                <a:cs typeface="+mn-cs"/>
+                <a:sym typeface="Calibri"/>
+              </a:rPr>
+              <a:t>tj</a:t>
+            </a:r>
+            <a:r>
+              <a:rPr b="0" dirty="0">
+                <a:latin typeface="+mn-lt"/>
+                <a:ea typeface="+mn-ea"/>
+                <a:cs typeface="+mn-cs"/>
+                <a:sym typeface="Calibri"/>
+              </a:rPr>
+              <a:t>.</a:t>
             </a:r>
           </a:p>
           <a:p>
@@ -24021,7 +24882,44 @@
               <a:defRPr sz="2600"/>
             </a:pPr>
             <a:r>
-              <a:t>Результат каждой команды записывается в ti.</a:t>
+              <a:rPr dirty="0" err="1"/>
+              <a:t>Результат</a:t>
+            </a:r>
+            <a:r>
+              <a:rPr dirty="0"/>
+              <a:t> </a:t>
+            </a:r>
+            <a:r>
+              <a:rPr dirty="0" err="1"/>
+              <a:t>каждой</a:t>
+            </a:r>
+            <a:r>
+              <a:rPr dirty="0"/>
+              <a:t> </a:t>
+            </a:r>
+            <a:r>
+              <a:rPr dirty="0" err="1"/>
+              <a:t>команды</a:t>
+            </a:r>
+            <a:r>
+              <a:rPr dirty="0"/>
+              <a:t> </a:t>
+            </a:r>
+            <a:r>
+              <a:rPr dirty="0" err="1"/>
+              <a:t>записывается</a:t>
+            </a:r>
+            <a:r>
+              <a:rPr dirty="0"/>
+              <a:t> в </a:t>
+            </a:r>
+            <a:r>
+              <a:rPr dirty="0" err="1"/>
+              <a:t>ti</a:t>
+            </a:r>
+            <a:r>
+              <a:rPr dirty="0"/>
+              <a:t>.</a:t>
             </a:r>
           </a:p>
         </p:txBody>
@@ -24195,7 +25093,7 @@
           </a:ln>
           <a:extLst>
             <a:ext uri="{C572A759-6A51-4108-AA02-DFA0A04FC94B}">
-              <ma14:wrappingTextBoxFlag xmlns:ma14="http://schemas.microsoft.com/office/mac/drawingml/2011/main" xmlns:a14="http://schemas.microsoft.com/office/drawing/2010/main" xmlns:m="http://schemas.openxmlformats.org/officeDocument/2006/math" xmlns="" val="1"/>
+              <ma14:wrappingTextBoxFlag xmlns="" xmlns:m="http://schemas.openxmlformats.org/officeDocument/2006/math" xmlns:a14="http://schemas.microsoft.com/office/drawing/2010/main" xmlns:ma14="http://schemas.microsoft.com/office/mac/drawingml/2011/main" val="1"/>
             </a:ext>
           </a:extLst>
         </p:spPr>
@@ -24299,7 +25197,7 @@
           </a:ln>
           <a:extLst>
             <a:ext uri="{C572A759-6A51-4108-AA02-DFA0A04FC94B}">
-              <ma14:wrappingTextBoxFlag xmlns:ma14="http://schemas.microsoft.com/office/mac/drawingml/2011/main" xmlns:a14="http://schemas.microsoft.com/office/drawing/2010/main" xmlns:m="http://schemas.openxmlformats.org/officeDocument/2006/math" xmlns="" val="1"/>
+              <ma14:wrappingTextBoxFlag xmlns="" xmlns:m="http://schemas.openxmlformats.org/officeDocument/2006/math" xmlns:a14="http://schemas.microsoft.com/office/drawing/2010/main" xmlns:ma14="http://schemas.microsoft.com/office/mac/drawingml/2011/main" val="1"/>
             </a:ext>
           </a:extLst>
         </p:spPr>
@@ -24752,7 +25650,7 @@
           </a:ln>
           <a:extLst>
             <a:ext uri="{C572A759-6A51-4108-AA02-DFA0A04FC94B}">
-              <ma14:wrappingTextBoxFlag xmlns:ma14="http://schemas.microsoft.com/office/mac/drawingml/2011/main" xmlns:a14="http://schemas.microsoft.com/office/drawing/2010/main" xmlns:m="http://schemas.openxmlformats.org/officeDocument/2006/math" xmlns="" val="1"/>
+              <ma14:wrappingTextBoxFlag xmlns="" xmlns:m="http://schemas.openxmlformats.org/officeDocument/2006/math" xmlns:a14="http://schemas.microsoft.com/office/drawing/2010/main" xmlns:ma14="http://schemas.microsoft.com/office/mac/drawingml/2011/main" val="1"/>
             </a:ext>
           </a:extLst>
         </p:spPr>
@@ -24980,7 +25878,7 @@
           </a:ln>
           <a:extLst>
             <a:ext uri="{C572A759-6A51-4108-AA02-DFA0A04FC94B}">
-              <ma14:wrappingTextBoxFlag xmlns:ma14="http://schemas.microsoft.com/office/mac/drawingml/2011/main" xmlns:a14="http://schemas.microsoft.com/office/drawing/2010/main" xmlns:m="http://schemas.openxmlformats.org/officeDocument/2006/math" xmlns="" val="1"/>
+              <ma14:wrappingTextBoxFlag xmlns="" xmlns:m="http://schemas.openxmlformats.org/officeDocument/2006/math" xmlns:a14="http://schemas.microsoft.com/office/drawing/2010/main" xmlns:ma14="http://schemas.microsoft.com/office/mac/drawingml/2011/main" val="1"/>
             </a:ext>
           </a:extLst>
         </p:spPr>
@@ -25015,7 +25913,7 @@
           </a:ln>
           <a:extLst>
             <a:ext uri="{C572A759-6A51-4108-AA02-DFA0A04FC94B}">
-              <ma14:wrappingTextBoxFlag xmlns:ma14="http://schemas.microsoft.com/office/mac/drawingml/2011/main" xmlns:a14="http://schemas.microsoft.com/office/drawing/2010/main" xmlns:m="http://schemas.openxmlformats.org/officeDocument/2006/math" xmlns="" val="1"/>
+              <ma14:wrappingTextBoxFlag xmlns="" xmlns:m="http://schemas.openxmlformats.org/officeDocument/2006/math" xmlns:a14="http://schemas.microsoft.com/office/drawing/2010/main" xmlns:ma14="http://schemas.microsoft.com/office/mac/drawingml/2011/main" val="1"/>
             </a:ext>
           </a:extLst>
         </p:spPr>
@@ -25050,7 +25948,7 @@
           </a:ln>
           <a:extLst>
             <a:ext uri="{C572A759-6A51-4108-AA02-DFA0A04FC94B}">
-              <ma14:wrappingTextBoxFlag xmlns:ma14="http://schemas.microsoft.com/office/mac/drawingml/2011/main" xmlns:a14="http://schemas.microsoft.com/office/drawing/2010/main" xmlns:m="http://schemas.openxmlformats.org/officeDocument/2006/math" xmlns="" val="1"/>
+              <ma14:wrappingTextBoxFlag xmlns="" xmlns:m="http://schemas.openxmlformats.org/officeDocument/2006/math" xmlns:a14="http://schemas.microsoft.com/office/drawing/2010/main" xmlns:ma14="http://schemas.microsoft.com/office/mac/drawingml/2011/main" val="1"/>
             </a:ext>
           </a:extLst>
         </p:spPr>
@@ -25085,7 +25983,7 @@
           </a:ln>
           <a:extLst>
             <a:ext uri="{C572A759-6A51-4108-AA02-DFA0A04FC94B}">
-              <ma14:wrappingTextBoxFlag xmlns:ma14="http://schemas.microsoft.com/office/mac/drawingml/2011/main" xmlns:a14="http://schemas.microsoft.com/office/drawing/2010/main" xmlns:m="http://schemas.openxmlformats.org/officeDocument/2006/math" xmlns="" val="1"/>
+              <ma14:wrappingTextBoxFlag xmlns="" xmlns:m="http://schemas.openxmlformats.org/officeDocument/2006/math" xmlns:a14="http://schemas.microsoft.com/office/drawing/2010/main" xmlns:ma14="http://schemas.microsoft.com/office/mac/drawingml/2011/main" val="1"/>
             </a:ext>
           </a:extLst>
         </p:spPr>
@@ -25120,7 +26018,7 @@
           </a:ln>
           <a:extLst>
             <a:ext uri="{C572A759-6A51-4108-AA02-DFA0A04FC94B}">
-              <ma14:wrappingTextBoxFlag xmlns:ma14="http://schemas.microsoft.com/office/mac/drawingml/2011/main" xmlns:a14="http://schemas.microsoft.com/office/drawing/2010/main" xmlns:m="http://schemas.openxmlformats.org/officeDocument/2006/math" xmlns="" val="1"/>
+              <ma14:wrappingTextBoxFlag xmlns="" xmlns:m="http://schemas.openxmlformats.org/officeDocument/2006/math" xmlns:a14="http://schemas.microsoft.com/office/drawing/2010/main" xmlns:ma14="http://schemas.microsoft.com/office/mac/drawingml/2011/main" val="1"/>
             </a:ext>
           </a:extLst>
         </p:spPr>
@@ -25155,7 +26053,7 @@
           </a:ln>
           <a:extLst>
             <a:ext uri="{C572A759-6A51-4108-AA02-DFA0A04FC94B}">
-              <ma14:wrappingTextBoxFlag xmlns:ma14="http://schemas.microsoft.com/office/mac/drawingml/2011/main" xmlns:a14="http://schemas.microsoft.com/office/drawing/2010/main" xmlns:m="http://schemas.openxmlformats.org/officeDocument/2006/math" xmlns="" val="1"/>
+              <ma14:wrappingTextBoxFlag xmlns="" xmlns:m="http://schemas.openxmlformats.org/officeDocument/2006/math" xmlns:a14="http://schemas.microsoft.com/office/drawing/2010/main" xmlns:ma14="http://schemas.microsoft.com/office/mac/drawingml/2011/main" val="1"/>
             </a:ext>
           </a:extLst>
         </p:spPr>
@@ -25316,7 +26214,7 @@
           </a:ln>
           <a:extLst>
             <a:ext uri="{C572A759-6A51-4108-AA02-DFA0A04FC94B}">
-              <ma14:wrappingTextBoxFlag xmlns:ma14="http://schemas.microsoft.com/office/mac/drawingml/2011/main" xmlns:a14="http://schemas.microsoft.com/office/drawing/2010/main" xmlns:m="http://schemas.openxmlformats.org/officeDocument/2006/math" xmlns="" val="1"/>
+              <ma14:wrappingTextBoxFlag xmlns="" xmlns:m="http://schemas.openxmlformats.org/officeDocument/2006/math" xmlns:a14="http://schemas.microsoft.com/office/drawing/2010/main" xmlns:ma14="http://schemas.microsoft.com/office/mac/drawingml/2011/main" val="1"/>
             </a:ext>
           </a:extLst>
         </p:spPr>
@@ -25360,7 +26258,7 @@
           </a:ln>
           <a:extLst>
             <a:ext uri="{C572A759-6A51-4108-AA02-DFA0A04FC94B}">
-              <ma14:wrappingTextBoxFlag xmlns:ma14="http://schemas.microsoft.com/office/mac/drawingml/2011/main" xmlns:a14="http://schemas.microsoft.com/office/drawing/2010/main" xmlns:m="http://schemas.openxmlformats.org/officeDocument/2006/math" xmlns="" val="1"/>
+              <ma14:wrappingTextBoxFlag xmlns="" xmlns:m="http://schemas.openxmlformats.org/officeDocument/2006/math" xmlns:a14="http://schemas.microsoft.com/office/drawing/2010/main" xmlns:ma14="http://schemas.microsoft.com/office/mac/drawingml/2011/main" val="1"/>
             </a:ext>
           </a:extLst>
         </p:spPr>
@@ -25813,7 +26711,7 @@
           </a:ln>
           <a:extLst>
             <a:ext uri="{C572A759-6A51-4108-AA02-DFA0A04FC94B}">
-              <ma14:wrappingTextBoxFlag xmlns:ma14="http://schemas.microsoft.com/office/mac/drawingml/2011/main" xmlns:a14="http://schemas.microsoft.com/office/drawing/2010/main" xmlns:m="http://schemas.openxmlformats.org/officeDocument/2006/math" xmlns="" val="1"/>
+              <ma14:wrappingTextBoxFlag xmlns="" xmlns:m="http://schemas.openxmlformats.org/officeDocument/2006/math" xmlns:a14="http://schemas.microsoft.com/office/drawing/2010/main" xmlns:ma14="http://schemas.microsoft.com/office/mac/drawingml/2011/main" val="1"/>
             </a:ext>
           </a:extLst>
         </p:spPr>
@@ -26041,7 +26939,7 @@
           </a:ln>
           <a:extLst>
             <a:ext uri="{C572A759-6A51-4108-AA02-DFA0A04FC94B}">
-              <ma14:wrappingTextBoxFlag xmlns:ma14="http://schemas.microsoft.com/office/mac/drawingml/2011/main" xmlns:a14="http://schemas.microsoft.com/office/drawing/2010/main" xmlns:m="http://schemas.openxmlformats.org/officeDocument/2006/math" xmlns="" val="1"/>
+              <ma14:wrappingTextBoxFlag xmlns="" xmlns:m="http://schemas.openxmlformats.org/officeDocument/2006/math" xmlns:a14="http://schemas.microsoft.com/office/drawing/2010/main" xmlns:ma14="http://schemas.microsoft.com/office/mac/drawingml/2011/main" val="1"/>
             </a:ext>
           </a:extLst>
         </p:spPr>
@@ -26076,7 +26974,7 @@
           </a:ln>
           <a:extLst>
             <a:ext uri="{C572A759-6A51-4108-AA02-DFA0A04FC94B}">
-              <ma14:wrappingTextBoxFlag xmlns:ma14="http://schemas.microsoft.com/office/mac/drawingml/2011/main" xmlns:a14="http://schemas.microsoft.com/office/drawing/2010/main" xmlns:m="http://schemas.openxmlformats.org/officeDocument/2006/math" xmlns="" val="1"/>
+              <ma14:wrappingTextBoxFlag xmlns="" xmlns:m="http://schemas.openxmlformats.org/officeDocument/2006/math" xmlns:a14="http://schemas.microsoft.com/office/drawing/2010/main" xmlns:ma14="http://schemas.microsoft.com/office/mac/drawingml/2011/main" val="1"/>
             </a:ext>
           </a:extLst>
         </p:spPr>
@@ -26111,7 +27009,7 @@
           </a:ln>
           <a:extLst>
             <a:ext uri="{C572A759-6A51-4108-AA02-DFA0A04FC94B}">
-              <ma14:wrappingTextBoxFlag xmlns:ma14="http://schemas.microsoft.com/office/mac/drawingml/2011/main" xmlns:a14="http://schemas.microsoft.com/office/drawing/2010/main" xmlns:m="http://schemas.openxmlformats.org/officeDocument/2006/math" xmlns="" val="1"/>
+              <ma14:wrappingTextBoxFlag xmlns="" xmlns:m="http://schemas.openxmlformats.org/officeDocument/2006/math" xmlns:a14="http://schemas.microsoft.com/office/drawing/2010/main" xmlns:ma14="http://schemas.microsoft.com/office/mac/drawingml/2011/main" val="1"/>
             </a:ext>
           </a:extLst>
         </p:spPr>
@@ -26146,7 +27044,7 @@
           </a:ln>
           <a:extLst>
             <a:ext uri="{C572A759-6A51-4108-AA02-DFA0A04FC94B}">
-              <ma14:wrappingTextBoxFlag xmlns:ma14="http://schemas.microsoft.com/office/mac/drawingml/2011/main" xmlns:a14="http://schemas.microsoft.com/office/drawing/2010/main" xmlns:m="http://schemas.openxmlformats.org/officeDocument/2006/math" xmlns="" val="1"/>
+              <ma14:wrappingTextBoxFlag xmlns="" xmlns:m="http://schemas.openxmlformats.org/officeDocument/2006/math" xmlns:a14="http://schemas.microsoft.com/office/drawing/2010/main" xmlns:ma14="http://schemas.microsoft.com/office/mac/drawingml/2011/main" val="1"/>
             </a:ext>
           </a:extLst>
         </p:spPr>
@@ -26181,7 +27079,7 @@
           </a:ln>
           <a:extLst>
             <a:ext uri="{C572A759-6A51-4108-AA02-DFA0A04FC94B}">
-              <ma14:wrappingTextBoxFlag xmlns:ma14="http://schemas.microsoft.com/office/mac/drawingml/2011/main" xmlns:a14="http://schemas.microsoft.com/office/drawing/2010/main" xmlns:m="http://schemas.openxmlformats.org/officeDocument/2006/math" xmlns="" val="1"/>
+              <ma14:wrappingTextBoxFlag xmlns="" xmlns:m="http://schemas.openxmlformats.org/officeDocument/2006/math" xmlns:a14="http://schemas.microsoft.com/office/drawing/2010/main" xmlns:ma14="http://schemas.microsoft.com/office/mac/drawingml/2011/main" val="1"/>
             </a:ext>
           </a:extLst>
         </p:spPr>
@@ -26216,7 +27114,7 @@
           </a:ln>
           <a:extLst>
             <a:ext uri="{C572A759-6A51-4108-AA02-DFA0A04FC94B}">
-              <ma14:wrappingTextBoxFlag xmlns:ma14="http://schemas.microsoft.com/office/mac/drawingml/2011/main" xmlns:a14="http://schemas.microsoft.com/office/drawing/2010/main" xmlns:m="http://schemas.openxmlformats.org/officeDocument/2006/math" xmlns="" val="1"/>
+              <ma14:wrappingTextBoxFlag xmlns="" xmlns:m="http://schemas.openxmlformats.org/officeDocument/2006/math" xmlns:a14="http://schemas.microsoft.com/office/drawing/2010/main" xmlns:ma14="http://schemas.microsoft.com/office/mac/drawingml/2011/main" val="1"/>
             </a:ext>
           </a:extLst>
         </p:spPr>
@@ -26854,7 +27752,7 @@
           </a:ln>
           <a:extLst>
             <a:ext uri="{C572A759-6A51-4108-AA02-DFA0A04FC94B}">
-              <ma14:wrappingTextBoxFlag xmlns:ma14="http://schemas.microsoft.com/office/mac/drawingml/2011/main" xmlns:a14="http://schemas.microsoft.com/office/drawing/2010/main" xmlns:m="http://schemas.openxmlformats.org/officeDocument/2006/math" xmlns="" val="1"/>
+              <ma14:wrappingTextBoxFlag xmlns="" xmlns:m="http://schemas.openxmlformats.org/officeDocument/2006/math" xmlns:a14="http://schemas.microsoft.com/office/drawing/2010/main" xmlns:ma14="http://schemas.microsoft.com/office/mac/drawingml/2011/main" val="1"/>
             </a:ext>
           </a:extLst>
         </p:spPr>
@@ -26898,7 +27796,7 @@
           </a:ln>
           <a:extLst>
             <a:ext uri="{C572A759-6A51-4108-AA02-DFA0A04FC94B}">
-              <ma14:wrappingTextBoxFlag xmlns:ma14="http://schemas.microsoft.com/office/mac/drawingml/2011/main" xmlns:a14="http://schemas.microsoft.com/office/drawing/2010/main" xmlns:m="http://schemas.openxmlformats.org/officeDocument/2006/math" xmlns="" val="1"/>
+              <ma14:wrappingTextBoxFlag xmlns="" xmlns:m="http://schemas.openxmlformats.org/officeDocument/2006/math" xmlns:a14="http://schemas.microsoft.com/office/drawing/2010/main" xmlns:ma14="http://schemas.microsoft.com/office/mac/drawingml/2011/main" val="1"/>
             </a:ext>
           </a:extLst>
         </p:spPr>
@@ -26942,7 +27840,7 @@
           </a:ln>
           <a:extLst>
             <a:ext uri="{C572A759-6A51-4108-AA02-DFA0A04FC94B}">
-              <ma14:wrappingTextBoxFlag xmlns:ma14="http://schemas.microsoft.com/office/mac/drawingml/2011/main" xmlns:a14="http://schemas.microsoft.com/office/drawing/2010/main" xmlns:m="http://schemas.openxmlformats.org/officeDocument/2006/math" xmlns="" val="1"/>
+              <ma14:wrappingTextBoxFlag xmlns="" xmlns:m="http://schemas.openxmlformats.org/officeDocument/2006/math" xmlns:a14="http://schemas.microsoft.com/office/drawing/2010/main" xmlns:ma14="http://schemas.microsoft.com/office/mac/drawingml/2011/main" val="1"/>
             </a:ext>
           </a:extLst>
         </p:spPr>
@@ -26986,7 +27884,7 @@
           </a:ln>
           <a:extLst>
             <a:ext uri="{C572A759-6A51-4108-AA02-DFA0A04FC94B}">
-              <ma14:wrappingTextBoxFlag xmlns:ma14="http://schemas.microsoft.com/office/mac/drawingml/2011/main" xmlns:a14="http://schemas.microsoft.com/office/drawing/2010/main" xmlns:m="http://schemas.openxmlformats.org/officeDocument/2006/math" xmlns="" val="1"/>
+              <ma14:wrappingTextBoxFlag xmlns="" xmlns:m="http://schemas.openxmlformats.org/officeDocument/2006/math" xmlns:a14="http://schemas.microsoft.com/office/drawing/2010/main" xmlns:ma14="http://schemas.microsoft.com/office/mac/drawingml/2011/main" val="1"/>
             </a:ext>
           </a:extLst>
         </p:spPr>
@@ -27030,7 +27928,7 @@
           </a:ln>
           <a:extLst>
             <a:ext uri="{C572A759-6A51-4108-AA02-DFA0A04FC94B}">
-              <ma14:wrappingTextBoxFlag xmlns:ma14="http://schemas.microsoft.com/office/mac/drawingml/2011/main" xmlns:a14="http://schemas.microsoft.com/office/drawing/2010/main" xmlns:m="http://schemas.openxmlformats.org/officeDocument/2006/math" xmlns="" val="1"/>
+              <ma14:wrappingTextBoxFlag xmlns="" xmlns:m="http://schemas.openxmlformats.org/officeDocument/2006/math" xmlns:a14="http://schemas.microsoft.com/office/drawing/2010/main" xmlns:ma14="http://schemas.microsoft.com/office/mac/drawingml/2011/main" val="1"/>
             </a:ext>
           </a:extLst>
         </p:spPr>
@@ -27074,7 +27972,7 @@
           </a:ln>
           <a:extLst>
             <a:ext uri="{C572A759-6A51-4108-AA02-DFA0A04FC94B}">
-              <ma14:wrappingTextBoxFlag xmlns:ma14="http://schemas.microsoft.com/office/mac/drawingml/2011/main" xmlns:a14="http://schemas.microsoft.com/office/drawing/2010/main" xmlns:m="http://schemas.openxmlformats.org/officeDocument/2006/math" xmlns="" val="1"/>
+              <ma14:wrappingTextBoxFlag xmlns="" xmlns:m="http://schemas.openxmlformats.org/officeDocument/2006/math" xmlns:a14="http://schemas.microsoft.com/office/drawing/2010/main" xmlns:ma14="http://schemas.microsoft.com/office/mac/drawingml/2011/main" val="1"/>
             </a:ext>
           </a:extLst>
         </p:spPr>
@@ -27118,7 +28016,7 @@
           </a:ln>
           <a:extLst>
             <a:ext uri="{C572A759-6A51-4108-AA02-DFA0A04FC94B}">
-              <ma14:wrappingTextBoxFlag xmlns:ma14="http://schemas.microsoft.com/office/mac/drawingml/2011/main" xmlns:a14="http://schemas.microsoft.com/office/drawing/2010/main" xmlns:m="http://schemas.openxmlformats.org/officeDocument/2006/math" xmlns="" val="1"/>
+              <ma14:wrappingTextBoxFlag xmlns="" xmlns:m="http://schemas.openxmlformats.org/officeDocument/2006/math" xmlns:a14="http://schemas.microsoft.com/office/drawing/2010/main" xmlns:ma14="http://schemas.microsoft.com/office/mac/drawingml/2011/main" val="1"/>
             </a:ext>
           </a:extLst>
         </p:spPr>
@@ -27221,7 +28119,7 @@
           </a:ln>
           <a:extLst>
             <a:ext uri="{C572A759-6A51-4108-AA02-DFA0A04FC94B}">
-              <ma14:wrappingTextBoxFlag xmlns:ma14="http://schemas.microsoft.com/office/mac/drawingml/2011/main" xmlns:a14="http://schemas.microsoft.com/office/drawing/2010/main" xmlns:m="http://schemas.openxmlformats.org/officeDocument/2006/math" xmlns="" val="1"/>
+              <ma14:wrappingTextBoxFlag xmlns="" xmlns:m="http://schemas.openxmlformats.org/officeDocument/2006/math" xmlns:a14="http://schemas.microsoft.com/office/drawing/2010/main" xmlns:ma14="http://schemas.microsoft.com/office/mac/drawingml/2011/main" val="1"/>
             </a:ext>
           </a:extLst>
         </p:spPr>
@@ -27317,7 +28215,7 @@
           </a:ln>
           <a:extLst>
             <a:ext uri="{C572A759-6A51-4108-AA02-DFA0A04FC94B}">
-              <ma14:wrappingTextBoxFlag xmlns:ma14="http://schemas.microsoft.com/office/mac/drawingml/2011/main" xmlns:a14="http://schemas.microsoft.com/office/drawing/2010/main" xmlns:m="http://schemas.openxmlformats.org/officeDocument/2006/math" xmlns="" val="1"/>
+              <ma14:wrappingTextBoxFlag xmlns="" xmlns:m="http://schemas.openxmlformats.org/officeDocument/2006/math" xmlns:a14="http://schemas.microsoft.com/office/drawing/2010/main" xmlns:ma14="http://schemas.microsoft.com/office/mac/drawingml/2011/main" val="1"/>
             </a:ext>
           </a:extLst>
         </p:spPr>
@@ -27361,7 +28259,7 @@
           </a:ln>
           <a:extLst>
             <a:ext uri="{C572A759-6A51-4108-AA02-DFA0A04FC94B}">
-              <ma14:wrappingTextBoxFlag xmlns:ma14="http://schemas.microsoft.com/office/mac/drawingml/2011/main" xmlns:a14="http://schemas.microsoft.com/office/drawing/2010/main" xmlns:m="http://schemas.openxmlformats.org/officeDocument/2006/math" xmlns="" val="1"/>
+              <ma14:wrappingTextBoxFlag xmlns="" xmlns:m="http://schemas.openxmlformats.org/officeDocument/2006/math" xmlns:a14="http://schemas.microsoft.com/office/drawing/2010/main" xmlns:ma14="http://schemas.microsoft.com/office/mac/drawingml/2011/main" val="1"/>
             </a:ext>
           </a:extLst>
         </p:spPr>
@@ -27652,7 +28550,7 @@
           </a:ln>
           <a:extLst>
             <a:ext uri="{C572A759-6A51-4108-AA02-DFA0A04FC94B}">
-              <ma14:wrappingTextBoxFlag xmlns:ma14="http://schemas.microsoft.com/office/mac/drawingml/2011/main" xmlns:a14="http://schemas.microsoft.com/office/drawing/2010/main" xmlns:m="http://schemas.openxmlformats.org/officeDocument/2006/math" xmlns="" val="1"/>
+              <ma14:wrappingTextBoxFlag xmlns="" xmlns:m="http://schemas.openxmlformats.org/officeDocument/2006/math" xmlns:a14="http://schemas.microsoft.com/office/drawing/2010/main" xmlns:ma14="http://schemas.microsoft.com/office/mac/drawingml/2011/main" val="1"/>
             </a:ext>
           </a:extLst>
         </p:spPr>
@@ -27726,7 +28624,7 @@
           </a:ln>
           <a:extLst>
             <a:ext uri="{C572A759-6A51-4108-AA02-DFA0A04FC94B}">
-              <ma14:wrappingTextBoxFlag xmlns:ma14="http://schemas.microsoft.com/office/mac/drawingml/2011/main" xmlns:a14="http://schemas.microsoft.com/office/drawing/2010/main" xmlns:m="http://schemas.openxmlformats.org/officeDocument/2006/math" xmlns="" val="1"/>
+              <ma14:wrappingTextBoxFlag xmlns="" xmlns:m="http://schemas.openxmlformats.org/officeDocument/2006/math" xmlns:a14="http://schemas.microsoft.com/office/drawing/2010/main" xmlns:ma14="http://schemas.microsoft.com/office/mac/drawingml/2011/main" val="1"/>
             </a:ext>
           </a:extLst>
         </p:spPr>
@@ -27829,7 +28727,7 @@
           </a:ln>
           <a:extLst>
             <a:ext uri="{C572A759-6A51-4108-AA02-DFA0A04FC94B}">
-              <ma14:wrappingTextBoxFlag xmlns:ma14="http://schemas.microsoft.com/office/mac/drawingml/2011/main" xmlns:a14="http://schemas.microsoft.com/office/drawing/2010/main" xmlns:m="http://schemas.openxmlformats.org/officeDocument/2006/math" xmlns="" val="1"/>
+              <ma14:wrappingTextBoxFlag xmlns="" xmlns:m="http://schemas.openxmlformats.org/officeDocument/2006/math" xmlns:a14="http://schemas.microsoft.com/office/drawing/2010/main" xmlns:ma14="http://schemas.microsoft.com/office/mac/drawingml/2011/main" val="1"/>
             </a:ext>
           </a:extLst>
         </p:spPr>
@@ -27944,7 +28842,7 @@
           </a:ln>
           <a:extLst>
             <a:ext uri="{C572A759-6A51-4108-AA02-DFA0A04FC94B}">
-              <ma14:wrappingTextBoxFlag xmlns:ma14="http://schemas.microsoft.com/office/mac/drawingml/2011/main" xmlns:a14="http://schemas.microsoft.com/office/drawing/2010/main" xmlns:m="http://schemas.openxmlformats.org/officeDocument/2006/math" xmlns="" val="1"/>
+              <ma14:wrappingTextBoxFlag xmlns="" xmlns:m="http://schemas.openxmlformats.org/officeDocument/2006/math" xmlns:a14="http://schemas.microsoft.com/office/drawing/2010/main" xmlns:ma14="http://schemas.microsoft.com/office/mac/drawingml/2011/main" val="1"/>
             </a:ext>
           </a:extLst>
         </p:spPr>
@@ -28018,7 +28916,7 @@
           </a:ln>
           <a:extLst>
             <a:ext uri="{C572A759-6A51-4108-AA02-DFA0A04FC94B}">
-              <ma14:wrappingTextBoxFlag xmlns:ma14="http://schemas.microsoft.com/office/mac/drawingml/2011/main" xmlns:a14="http://schemas.microsoft.com/office/drawing/2010/main" xmlns:m="http://schemas.openxmlformats.org/officeDocument/2006/math" xmlns="" val="1"/>
+              <ma14:wrappingTextBoxFlag xmlns="" xmlns:m="http://schemas.openxmlformats.org/officeDocument/2006/math" xmlns:a14="http://schemas.microsoft.com/office/drawing/2010/main" xmlns:ma14="http://schemas.microsoft.com/office/mac/drawingml/2011/main" val="1"/>
             </a:ext>
           </a:extLst>
         </p:spPr>
@@ -28092,7 +28990,7 @@
           </a:ln>
           <a:extLst>
             <a:ext uri="{C572A759-6A51-4108-AA02-DFA0A04FC94B}">
-              <ma14:wrappingTextBoxFlag xmlns:ma14="http://schemas.microsoft.com/office/mac/drawingml/2011/main" xmlns:a14="http://schemas.microsoft.com/office/drawing/2010/main" xmlns:m="http://schemas.openxmlformats.org/officeDocument/2006/math" xmlns="" val="1"/>
+              <ma14:wrappingTextBoxFlag xmlns="" xmlns:m="http://schemas.openxmlformats.org/officeDocument/2006/math" xmlns:a14="http://schemas.microsoft.com/office/drawing/2010/main" xmlns:ma14="http://schemas.microsoft.com/office/mac/drawingml/2011/main" val="1"/>
             </a:ext>
           </a:extLst>
         </p:spPr>
@@ -28166,7 +29064,7 @@
           </a:ln>
           <a:extLst>
             <a:ext uri="{C572A759-6A51-4108-AA02-DFA0A04FC94B}">
-              <ma14:wrappingTextBoxFlag xmlns:ma14="http://schemas.microsoft.com/office/mac/drawingml/2011/main" xmlns:a14="http://schemas.microsoft.com/office/drawing/2010/main" xmlns:m="http://schemas.openxmlformats.org/officeDocument/2006/math" xmlns="" val="1"/>
+              <ma14:wrappingTextBoxFlag xmlns="" xmlns:m="http://schemas.openxmlformats.org/officeDocument/2006/math" xmlns:a14="http://schemas.microsoft.com/office/drawing/2010/main" xmlns:ma14="http://schemas.microsoft.com/office/mac/drawingml/2011/main" val="1"/>
             </a:ext>
           </a:extLst>
         </p:spPr>
@@ -28240,7 +29138,7 @@
           </a:ln>
           <a:extLst>
             <a:ext uri="{C572A759-6A51-4108-AA02-DFA0A04FC94B}">
-              <ma14:wrappingTextBoxFlag xmlns:ma14="http://schemas.microsoft.com/office/mac/drawingml/2011/main" xmlns:a14="http://schemas.microsoft.com/office/drawing/2010/main" xmlns:m="http://schemas.openxmlformats.org/officeDocument/2006/math" xmlns="" val="1"/>
+              <ma14:wrappingTextBoxFlag xmlns="" xmlns:m="http://schemas.openxmlformats.org/officeDocument/2006/math" xmlns:a14="http://schemas.microsoft.com/office/drawing/2010/main" xmlns:ma14="http://schemas.microsoft.com/office/mac/drawingml/2011/main" val="1"/>
             </a:ext>
           </a:extLst>
         </p:spPr>
@@ -28343,7 +29241,7 @@
           </a:ln>
           <a:extLst>
             <a:ext uri="{C572A759-6A51-4108-AA02-DFA0A04FC94B}">
-              <ma14:wrappingTextBoxFlag xmlns:ma14="http://schemas.microsoft.com/office/mac/drawingml/2011/main" xmlns:a14="http://schemas.microsoft.com/office/drawing/2010/main" xmlns:m="http://schemas.openxmlformats.org/officeDocument/2006/math" xmlns="" val="1"/>
+              <ma14:wrappingTextBoxFlag xmlns="" xmlns:m="http://schemas.openxmlformats.org/officeDocument/2006/math" xmlns:a14="http://schemas.microsoft.com/office/drawing/2010/main" xmlns:ma14="http://schemas.microsoft.com/office/mac/drawingml/2011/main" val="1"/>
             </a:ext>
           </a:extLst>
         </p:spPr>
@@ -28417,7 +29315,7 @@
           </a:ln>
           <a:extLst>
             <a:ext uri="{C572A759-6A51-4108-AA02-DFA0A04FC94B}">
-              <ma14:wrappingTextBoxFlag xmlns:ma14="http://schemas.microsoft.com/office/mac/drawingml/2011/main" xmlns:a14="http://schemas.microsoft.com/office/drawing/2010/main" xmlns:m="http://schemas.openxmlformats.org/officeDocument/2006/math" xmlns="" val="1"/>
+              <ma14:wrappingTextBoxFlag xmlns="" xmlns:m="http://schemas.openxmlformats.org/officeDocument/2006/math" xmlns:a14="http://schemas.microsoft.com/office/drawing/2010/main" xmlns:ma14="http://schemas.microsoft.com/office/mac/drawingml/2011/main" val="1"/>
             </a:ext>
           </a:extLst>
         </p:spPr>
@@ -28501,7 +29399,7 @@
           </a:ln>
           <a:extLst>
             <a:ext uri="{C572A759-6A51-4108-AA02-DFA0A04FC94B}">
-              <ma14:wrappingTextBoxFlag xmlns:ma14="http://schemas.microsoft.com/office/mac/drawingml/2011/main" xmlns:a14="http://schemas.microsoft.com/office/drawing/2010/main" xmlns:m="http://schemas.openxmlformats.org/officeDocument/2006/math" xmlns="" val="1"/>
+              <ma14:wrappingTextBoxFlag xmlns="" xmlns:m="http://schemas.openxmlformats.org/officeDocument/2006/math" xmlns:a14="http://schemas.microsoft.com/office/drawing/2010/main" xmlns:ma14="http://schemas.microsoft.com/office/mac/drawingml/2011/main" val="1"/>
             </a:ext>
           </a:extLst>
         </p:spPr>
@@ -28545,7 +29443,7 @@
           </a:ln>
           <a:extLst>
             <a:ext uri="{C572A759-6A51-4108-AA02-DFA0A04FC94B}">
-              <ma14:wrappingTextBoxFlag xmlns:ma14="http://schemas.microsoft.com/office/mac/drawingml/2011/main" xmlns:a14="http://schemas.microsoft.com/office/drawing/2010/main" xmlns:m="http://schemas.openxmlformats.org/officeDocument/2006/math" xmlns="" val="1"/>
+              <ma14:wrappingTextBoxFlag xmlns="" xmlns:m="http://schemas.openxmlformats.org/officeDocument/2006/math" xmlns:a14="http://schemas.microsoft.com/office/drawing/2010/main" xmlns:ma14="http://schemas.microsoft.com/office/mac/drawingml/2011/main" val="1"/>
             </a:ext>
           </a:extLst>
         </p:spPr>
@@ -28564,7 +29462,16 @@
               </a:defRPr>
             </a:pPr>
             <a:r>
-              <a:t>1.   decl t0</a:t>
+              <a:rPr dirty="0"/>
+              <a:t>1.   </a:t>
+            </a:r>
+            <a:r>
+              <a:rPr dirty="0" err="1"/>
+              <a:t>decl</a:t>
+            </a:r>
+            <a:r>
+              <a:rPr dirty="0"/>
+              <a:t> t0</a:t>
             </a:r>
           </a:p>
           <a:p>
@@ -28577,7 +29484,16 @@
               </a:defRPr>
             </a:pPr>
             <a:r>
-              <a:t>2.   decl t1</a:t>
+              <a:rPr dirty="0"/>
+              <a:t>2.   </a:t>
+            </a:r>
+            <a:r>
+              <a:rPr dirty="0" err="1"/>
+              <a:t>decl</a:t>
+            </a:r>
+            <a:r>
+              <a:rPr dirty="0"/>
+              <a:t> t1</a:t>
             </a:r>
           </a:p>
           <a:p>
@@ -28590,7 +29506,16 @@
               </a:defRPr>
             </a:pPr>
             <a:r>
-              <a:t>3.   decl t2</a:t>
+              <a:rPr dirty="0"/>
+              <a:t>3.   </a:t>
+            </a:r>
+            <a:r>
+              <a:rPr dirty="0" err="1"/>
+              <a:t>decl</a:t>
+            </a:r>
+            <a:r>
+              <a:rPr dirty="0"/>
+              <a:t> t2</a:t>
             </a:r>
           </a:p>
           <a:p>
@@ -28603,7 +29528,16 @@
               </a:defRPr>
             </a:pPr>
             <a:r>
-              <a:t>4.   decl t3</a:t>
+              <a:rPr dirty="0"/>
+              <a:t>4.   </a:t>
+            </a:r>
+            <a:r>
+              <a:rPr dirty="0" err="1"/>
+              <a:t>decl</a:t>
+            </a:r>
+            <a:r>
+              <a:rPr dirty="0"/>
+              <a:t> t3</a:t>
             </a:r>
           </a:p>
           <a:p>
@@ -28616,6 +29550,7 @@
               </a:defRPr>
             </a:pPr>
             <a:r>
+              <a:rPr dirty="0"/>
               <a:t>5.   mov 2, t3</a:t>
             </a:r>
           </a:p>
@@ -28629,7 +29564,16 @@
               </a:defRPr>
             </a:pPr>
             <a:r>
-              <a:t>6.   decl t4</a:t>
+              <a:rPr dirty="0"/>
+              <a:t>6.   </a:t>
+            </a:r>
+            <a:r>
+              <a:rPr dirty="0" err="1"/>
+              <a:t>decl</a:t>
+            </a:r>
+            <a:r>
+              <a:rPr dirty="0"/>
+              <a:t> t4</a:t>
             </a:r>
           </a:p>
           <a:p>
@@ -28642,6 +29586,7 @@
               </a:defRPr>
             </a:pPr>
             <a:r>
+              <a:rPr dirty="0"/>
               <a:t>7.   mov (A1), t4</a:t>
             </a:r>
           </a:p>
@@ -28655,6 +29600,7 @@
               </a:defRPr>
             </a:pPr>
             <a:r>
+              <a:rPr dirty="0"/>
               <a:t>8.   mov t3, t2</a:t>
             </a:r>
           </a:p>
@@ -28668,7 +29614,16 @@
               </a:defRPr>
             </a:pPr>
             <a:r>
-              <a:t>9.   mul t4, t2</a:t>
+              <a:rPr dirty="0"/>
+              <a:t>9.   </a:t>
+            </a:r>
+            <a:r>
+              <a:rPr dirty="0" err="1"/>
+              <a:t>mul</a:t>
+            </a:r>
+            <a:r>
+              <a:rPr dirty="0"/>
+              <a:t> t4, t2</a:t>
             </a:r>
           </a:p>
           <a:p>
@@ -28681,7 +29636,16 @@
               </a:defRPr>
             </a:pPr>
             <a:r>
-              <a:t>10. decl t5</a:t>
+              <a:rPr dirty="0"/>
+              <a:t>10. </a:t>
+            </a:r>
+            <a:r>
+              <a:rPr dirty="0" err="1"/>
+              <a:t>decl</a:t>
+            </a:r>
+            <a:r>
+              <a:rPr dirty="0"/>
+              <a:t> t5</a:t>
             </a:r>
           </a:p>
           <a:p>
@@ -28694,6 +29658,7 @@
               </a:defRPr>
             </a:pPr>
             <a:r>
+              <a:rPr dirty="0"/>
               <a:t>11. mov (A3), t5</a:t>
             </a:r>
           </a:p>
@@ -28707,6 +29672,7 @@
               </a:defRPr>
             </a:pPr>
             <a:r>
+              <a:rPr dirty="0"/>
               <a:t>12. mov t2, t1</a:t>
             </a:r>
           </a:p>
@@ -28720,7 +29686,16 @@
               </a:defRPr>
             </a:pPr>
             <a:r>
-              <a:t>13. mul t5, t1</a:t>
+              <a:rPr dirty="0"/>
+              <a:t>13. </a:t>
+            </a:r>
+            <a:r>
+              <a:rPr dirty="0" err="1"/>
+              <a:t>mul</a:t>
+            </a:r>
+            <a:r>
+              <a:rPr dirty="0"/>
+              <a:t> t5, t1</a:t>
             </a:r>
           </a:p>
           <a:p>
@@ -28733,7 +29708,16 @@
               </a:defRPr>
             </a:pPr>
             <a:r>
-              <a:t>14. decl t6</a:t>
+              <a:rPr dirty="0"/>
+              <a:t>14. </a:t>
+            </a:r>
+            <a:r>
+              <a:rPr dirty="0" err="1"/>
+              <a:t>decl</a:t>
+            </a:r>
+            <a:r>
+              <a:rPr dirty="0"/>
+              <a:t> t6</a:t>
             </a:r>
           </a:p>
           <a:p>
@@ -28746,7 +29730,16 @@
               </a:defRPr>
             </a:pPr>
             <a:r>
-              <a:t>15. decl t7</a:t>
+              <a:rPr dirty="0"/>
+              <a:t>15. </a:t>
+            </a:r>
+            <a:r>
+              <a:rPr dirty="0" err="1"/>
+              <a:t>decl</a:t>
+            </a:r>
+            <a:r>
+              <a:rPr dirty="0"/>
+              <a:t> t7</a:t>
             </a:r>
           </a:p>
           <a:p>
@@ -28759,7 +29752,16 @@
               </a:defRPr>
             </a:pPr>
             <a:r>
-              <a:t>16. decl t8</a:t>
+              <a:rPr dirty="0"/>
+              <a:t>16. </a:t>
+            </a:r>
+            <a:r>
+              <a:rPr dirty="0" err="1"/>
+              <a:t>decl</a:t>
+            </a:r>
+            <a:r>
+              <a:rPr dirty="0"/>
+              <a:t> t8</a:t>
             </a:r>
           </a:p>
           <a:p>
@@ -28772,7 +29774,16 @@
               </a:defRPr>
             </a:pPr>
             <a:r>
-              <a:t>17. decl t9</a:t>
+              <a:rPr dirty="0"/>
+              <a:t>17. </a:t>
+            </a:r>
+            <a:r>
+              <a:rPr dirty="0" err="1"/>
+              <a:t>decl</a:t>
+            </a:r>
+            <a:r>
+              <a:rPr dirty="0"/>
+              <a:t> t9</a:t>
             </a:r>
           </a:p>
           <a:p>
@@ -28785,6 +29796,7 @@
               </a:defRPr>
             </a:pPr>
             <a:r>
+              <a:rPr dirty="0"/>
               <a:t>18. mov 1, t9</a:t>
             </a:r>
           </a:p>
@@ -28798,7 +29810,16 @@
               </a:defRPr>
             </a:pPr>
             <a:r>
-              <a:t>19. decl t10</a:t>
+              <a:rPr dirty="0"/>
+              <a:t>19. </a:t>
+            </a:r>
+            <a:r>
+              <a:rPr dirty="0" err="1"/>
+              <a:t>decl</a:t>
+            </a:r>
+            <a:r>
+              <a:rPr dirty="0"/>
+              <a:t> t10</a:t>
             </a:r>
           </a:p>
           <a:p>
@@ -28811,6 +29832,7 @@
               </a:defRPr>
             </a:pPr>
             <a:r>
+              <a:rPr dirty="0"/>
               <a:t>20. mov 2, t10</a:t>
             </a:r>
           </a:p>
@@ -28979,7 +30001,7 @@
           </a:ln>
           <a:extLst>
             <a:ext uri="{C572A759-6A51-4108-AA02-DFA0A04FC94B}">
-              <ma14:wrappingTextBoxFlag xmlns:ma14="http://schemas.microsoft.com/office/mac/drawingml/2011/main" xmlns:a14="http://schemas.microsoft.com/office/drawing/2010/main" xmlns:m="http://schemas.openxmlformats.org/officeDocument/2006/math" xmlns="" val="1"/>
+              <ma14:wrappingTextBoxFlag xmlns="" xmlns:m="http://schemas.openxmlformats.org/officeDocument/2006/math" xmlns:a14="http://schemas.microsoft.com/office/drawing/2010/main" xmlns:ma14="http://schemas.microsoft.com/office/mac/drawingml/2011/main" val="1"/>
             </a:ext>
           </a:extLst>
         </p:spPr>
@@ -29094,7 +30116,7 @@
           </a:ln>
           <a:extLst>
             <a:ext uri="{C572A759-6A51-4108-AA02-DFA0A04FC94B}">
-              <ma14:wrappingTextBoxFlag xmlns:ma14="http://schemas.microsoft.com/office/mac/drawingml/2011/main" xmlns:a14="http://schemas.microsoft.com/office/drawing/2010/main" xmlns:m="http://schemas.openxmlformats.org/officeDocument/2006/math" xmlns="" val="1"/>
+              <ma14:wrappingTextBoxFlag xmlns="" xmlns:m="http://schemas.openxmlformats.org/officeDocument/2006/math" xmlns:a14="http://schemas.microsoft.com/office/drawing/2010/main" xmlns:ma14="http://schemas.microsoft.com/office/mac/drawingml/2011/main" val="1"/>
             </a:ext>
           </a:extLst>
         </p:spPr>
@@ -29168,7 +30190,7 @@
           </a:ln>
           <a:extLst>
             <a:ext uri="{C572A759-6A51-4108-AA02-DFA0A04FC94B}">
-              <ma14:wrappingTextBoxFlag xmlns:ma14="http://schemas.microsoft.com/office/mac/drawingml/2011/main" xmlns:a14="http://schemas.microsoft.com/office/drawing/2010/main" xmlns:m="http://schemas.openxmlformats.org/officeDocument/2006/math" xmlns="" val="1"/>
+              <ma14:wrappingTextBoxFlag xmlns="" xmlns:m="http://schemas.openxmlformats.org/officeDocument/2006/math" xmlns:a14="http://schemas.microsoft.com/office/drawing/2010/main" xmlns:ma14="http://schemas.microsoft.com/office/mac/drawingml/2011/main" val="1"/>
             </a:ext>
           </a:extLst>
         </p:spPr>
@@ -29252,7 +30274,7 @@
           </a:ln>
           <a:extLst>
             <a:ext uri="{C572A759-6A51-4108-AA02-DFA0A04FC94B}">
-              <ma14:wrappingTextBoxFlag xmlns:ma14="http://schemas.microsoft.com/office/mac/drawingml/2011/main" xmlns:a14="http://schemas.microsoft.com/office/drawing/2010/main" xmlns:m="http://schemas.openxmlformats.org/officeDocument/2006/math" xmlns="" val="1"/>
+              <ma14:wrappingTextBoxFlag xmlns="" xmlns:m="http://schemas.openxmlformats.org/officeDocument/2006/math" xmlns:a14="http://schemas.microsoft.com/office/drawing/2010/main" xmlns:ma14="http://schemas.microsoft.com/office/mac/drawingml/2011/main" val="1"/>
             </a:ext>
           </a:extLst>
         </p:spPr>
@@ -29355,7 +30377,7 @@
           </a:ln>
           <a:extLst>
             <a:ext uri="{C572A759-6A51-4108-AA02-DFA0A04FC94B}">
-              <ma14:wrappingTextBoxFlag xmlns:ma14="http://schemas.microsoft.com/office/mac/drawingml/2011/main" xmlns:a14="http://schemas.microsoft.com/office/drawing/2010/main" xmlns:m="http://schemas.openxmlformats.org/officeDocument/2006/math" xmlns="" val="1"/>
+              <ma14:wrappingTextBoxFlag xmlns="" xmlns:m="http://schemas.openxmlformats.org/officeDocument/2006/math" xmlns:a14="http://schemas.microsoft.com/office/drawing/2010/main" xmlns:ma14="http://schemas.microsoft.com/office/mac/drawingml/2011/main" val="1"/>
             </a:ext>
           </a:extLst>
         </p:spPr>
@@ -29470,7 +30492,7 @@
           </a:ln>
           <a:extLst>
             <a:ext uri="{C572A759-6A51-4108-AA02-DFA0A04FC94B}">
-              <ma14:wrappingTextBoxFlag xmlns:ma14="http://schemas.microsoft.com/office/mac/drawingml/2011/main" xmlns:a14="http://schemas.microsoft.com/office/drawing/2010/main" xmlns:m="http://schemas.openxmlformats.org/officeDocument/2006/math" xmlns="" val="1"/>
+              <ma14:wrappingTextBoxFlag xmlns="" xmlns:m="http://schemas.openxmlformats.org/officeDocument/2006/math" xmlns:a14="http://schemas.microsoft.com/office/drawing/2010/main" xmlns:ma14="http://schemas.microsoft.com/office/mac/drawingml/2011/main" val="1"/>
             </a:ext>
           </a:extLst>
         </p:spPr>
@@ -29514,7 +30536,7 @@
           </a:ln>
           <a:extLst>
             <a:ext uri="{C572A759-6A51-4108-AA02-DFA0A04FC94B}">
-              <ma14:wrappingTextBoxFlag xmlns:ma14="http://schemas.microsoft.com/office/mac/drawingml/2011/main" xmlns:a14="http://schemas.microsoft.com/office/drawing/2010/main" xmlns:m="http://schemas.openxmlformats.org/officeDocument/2006/math" xmlns="" val="1"/>
+              <ma14:wrappingTextBoxFlag xmlns="" xmlns:m="http://schemas.openxmlformats.org/officeDocument/2006/math" xmlns:a14="http://schemas.microsoft.com/office/drawing/2010/main" xmlns:ma14="http://schemas.microsoft.com/office/mac/drawingml/2011/main" val="1"/>
             </a:ext>
           </a:extLst>
         </p:spPr>
@@ -29647,7 +30669,7 @@
           </a:ln>
           <a:extLst>
             <a:ext uri="{C572A759-6A51-4108-AA02-DFA0A04FC94B}">
-              <ma14:wrappingTextBoxFlag xmlns:ma14="http://schemas.microsoft.com/office/mac/drawingml/2011/main" xmlns:a14="http://schemas.microsoft.com/office/drawing/2010/main" xmlns:m="http://schemas.openxmlformats.org/officeDocument/2006/math" xmlns="" val="1"/>
+              <ma14:wrappingTextBoxFlag xmlns="" xmlns:m="http://schemas.openxmlformats.org/officeDocument/2006/math" xmlns:a14="http://schemas.microsoft.com/office/drawing/2010/main" xmlns:ma14="http://schemas.microsoft.com/office/mac/drawingml/2011/main" val="1"/>
             </a:ext>
           </a:extLst>
         </p:spPr>
@@ -29733,7 +30755,7 @@
           </a:ln>
           <a:extLst>
             <a:ext uri="{C572A759-6A51-4108-AA02-DFA0A04FC94B}">
-              <ma14:wrappingTextBoxFlag xmlns:ma14="http://schemas.microsoft.com/office/mac/drawingml/2011/main" xmlns:a14="http://schemas.microsoft.com/office/drawing/2010/main" xmlns:m="http://schemas.openxmlformats.org/officeDocument/2006/math" xmlns="" val="1"/>
+              <ma14:wrappingTextBoxFlag xmlns="" xmlns:m="http://schemas.openxmlformats.org/officeDocument/2006/math" xmlns:a14="http://schemas.microsoft.com/office/drawing/2010/main" xmlns:ma14="http://schemas.microsoft.com/office/mac/drawingml/2011/main" val="1"/>
             </a:ext>
           </a:extLst>
         </p:spPr>
@@ -29789,7 +30811,7 @@
           </a:ln>
           <a:extLst>
             <a:ext uri="{C572A759-6A51-4108-AA02-DFA0A04FC94B}">
-              <ma14:wrappingTextBoxFlag xmlns:ma14="http://schemas.microsoft.com/office/mac/drawingml/2011/main" xmlns:a14="http://schemas.microsoft.com/office/drawing/2010/main" xmlns:m="http://schemas.openxmlformats.org/officeDocument/2006/math" xmlns="" val="1"/>
+              <ma14:wrappingTextBoxFlag xmlns="" xmlns:m="http://schemas.openxmlformats.org/officeDocument/2006/math" xmlns:a14="http://schemas.microsoft.com/office/drawing/2010/main" xmlns:ma14="http://schemas.microsoft.com/office/mac/drawingml/2011/main" val="1"/>
             </a:ext>
           </a:extLst>
         </p:spPr>
@@ -30079,7 +31101,7 @@
           </a:ln>
           <a:extLst>
             <a:ext uri="{C572A759-6A51-4108-AA02-DFA0A04FC94B}">
-              <ma14:wrappingTextBoxFlag xmlns:ma14="http://schemas.microsoft.com/office/mac/drawingml/2011/main" xmlns:a14="http://schemas.microsoft.com/office/drawing/2010/main" xmlns:m="http://schemas.openxmlformats.org/officeDocument/2006/math" xmlns="" val="1"/>
+              <ma14:wrappingTextBoxFlag xmlns="" xmlns:m="http://schemas.openxmlformats.org/officeDocument/2006/math" xmlns:a14="http://schemas.microsoft.com/office/drawing/2010/main" xmlns:ma14="http://schemas.microsoft.com/office/mac/drawingml/2011/main" val="1"/>
             </a:ext>
           </a:extLst>
         </p:spPr>
@@ -30891,16 +31913,16 @@
                 <a:cs typeface="+mn-cs"/>
                 <a:sym typeface="Calibri"/>
               </a:rPr>
-              <a:t>, и </a:t>
-            </a:r>
-            <a:r>
-              <a:rPr dirty="0" err="1">
+              <a:t>, и е</a:t>
+            </a:r>
+            <a:r>
+              <a:rPr lang="ru-RU" dirty="0">
                 <a:latin typeface="+mn-lt"/>
                 <a:ea typeface="+mn-ea"/>
                 <a:cs typeface="+mn-cs"/>
                 <a:sym typeface="Calibri"/>
               </a:rPr>
-              <a:t>его</a:t>
+              <a:t>е</a:t>
             </a:r>
             <a:r>
               <a:rPr dirty="0">
@@ -30930,22 +31952,13 @@
               <a:t> </a:t>
             </a:r>
             <a:r>
-              <a:rPr dirty="0" err="1">
+              <a:rPr lang="ru-RU" dirty="0">
                 <a:latin typeface="+mn-lt"/>
                 <a:ea typeface="+mn-ea"/>
                 <a:cs typeface="+mn-cs"/>
                 <a:sym typeface="Calibri"/>
               </a:rPr>
-              <a:t>применять</a:t>
-            </a:r>
-            <a:r>
-              <a:rPr dirty="0">
-                <a:latin typeface="+mn-lt"/>
-                <a:ea typeface="+mn-ea"/>
-                <a:cs typeface="+mn-cs"/>
-                <a:sym typeface="Calibri"/>
-              </a:rPr>
-              <a:t> </a:t>
+              <a:t>использовать </a:t>
             </a:r>
             <a:r>
               <a:rPr dirty="0" err="1">
@@ -31478,22 +32491,57 @@
               <a:buNone/>
             </a:pPr>
             <a:r>
-              <a:t>Покажем, что удаление строки </a:t>
-            </a:r>
-            <a:r>
-              <a:rPr b="1">
+              <a:rPr dirty="0" err="1"/>
+              <a:t>Покажем</a:t>
+            </a:r>
+            <a:r>
+              <a:rPr dirty="0"/>
+              <a:t>, </a:t>
+            </a:r>
+            <a:r>
+              <a:rPr dirty="0" err="1"/>
+              <a:t>что</a:t>
+            </a:r>
+            <a:r>
+              <a:rPr dirty="0"/>
+              <a:t> </a:t>
+            </a:r>
+            <a:r>
+              <a:rPr dirty="0" err="1"/>
+              <a:t>удаление</a:t>
+            </a:r>
+            <a:r>
+              <a:rPr dirty="0"/>
+              <a:t> </a:t>
+            </a:r>
+            <a:r>
+              <a:rPr dirty="0" err="1"/>
+              <a:t>строки</a:t>
+            </a:r>
+            <a:r>
+              <a:rPr dirty="0"/>
+              <a:t> </a:t>
+            </a:r>
+            <a:r>
+              <a:rPr b="1" dirty="0" err="1">
                 <a:latin typeface="+mj-lt"/>
                 <a:ea typeface="+mj-ea"/>
                 <a:cs typeface="+mj-cs"/>
                 <a:sym typeface="Helvetica"/>
               </a:rPr>
-              <a:t>decl tk </a:t>
-            </a:r>
-            <a:r>
-              <a:t>и замена всех </a:t>
-            </a:r>
-            <a:r>
-              <a:rPr b="1">
+              <a:t>decl</a:t>
+            </a:r>
+            <a:r>
+              <a:rPr b="1" dirty="0">
+                <a:latin typeface="+mj-lt"/>
+                <a:ea typeface="+mj-ea"/>
+                <a:cs typeface="+mj-cs"/>
+                <a:sym typeface="Helvetica"/>
+              </a:rPr>
+              <a:t> </a:t>
+            </a:r>
+            <a:r>
+              <a:rPr b="1" dirty="0" err="1">
                 <a:latin typeface="+mj-lt"/>
                 <a:ea typeface="+mj-ea"/>
                 <a:cs typeface="+mj-cs"/>
@@ -31502,10 +32550,57 @@
               <a:t>tk</a:t>
             </a:r>
             <a:r>
-              <a:t> на </a:t>
-            </a:r>
-            <a:r>
-              <a:rPr b="1">
+              <a:rPr b="1" dirty="0">
+                <a:latin typeface="+mj-lt"/>
+                <a:ea typeface="+mj-ea"/>
+                <a:cs typeface="+mj-cs"/>
+                <a:sym typeface="Helvetica"/>
+              </a:rPr>
+              <a:t> </a:t>
+            </a:r>
+            <a:r>
+              <a:rPr dirty="0"/>
+              <a:t>и </a:t>
+            </a:r>
+            <a:r>
+              <a:rPr dirty="0" err="1"/>
+              <a:t>замена</a:t>
+            </a:r>
+            <a:r>
+              <a:rPr dirty="0"/>
+              <a:t> </a:t>
+            </a:r>
+            <a:r>
+              <a:rPr dirty="0" err="1"/>
+              <a:t>всех</a:t>
+            </a:r>
+            <a:r>
+              <a:rPr dirty="0"/>
+              <a:t> </a:t>
+            </a:r>
+            <a:r>
+              <a:rPr b="1" dirty="0" err="1">
+                <a:latin typeface="+mj-lt"/>
+                <a:ea typeface="+mj-ea"/>
+                <a:cs typeface="+mj-cs"/>
+                <a:sym typeface="Helvetica"/>
+              </a:rPr>
+              <a:t>tk</a:t>
+            </a:r>
+            <a:r>
+              <a:rPr dirty="0"/>
+              <a:t> </a:t>
+            </a:r>
+            <a:r>
+              <a:rPr dirty="0" err="1"/>
+              <a:t>на</a:t>
+            </a:r>
+            <a:r>
+              <a:rPr dirty="0"/>
+              <a:t> </a:t>
+            </a:r>
+            <a:r>
+              <a:rPr b="1" dirty="0" err="1">
                 <a:latin typeface="+mj-lt"/>
                 <a:ea typeface="+mj-ea"/>
                 <a:cs typeface="+mj-cs"/>
@@ -31514,7 +32609,36 @@
               <a:t>ti</a:t>
             </a:r>
             <a:r>
-              <a:t> не приведет к искажению результата:</a:t>
+              <a:rPr dirty="0"/>
+              <a:t> </a:t>
+            </a:r>
+            <a:r>
+              <a:rPr dirty="0" err="1"/>
+              <a:t>не</a:t>
+            </a:r>
+            <a:r>
+              <a:rPr dirty="0"/>
+              <a:t> </a:t>
+            </a:r>
+            <a:r>
+              <a:rPr dirty="0" err="1"/>
+              <a:t>приведет</a:t>
+            </a:r>
+            <a:r>
+              <a:rPr dirty="0"/>
+              <a:t> к </a:t>
+            </a:r>
+            <a:r>
+              <a:rPr lang="ru-RU" dirty="0"/>
+              <a:t>искажению </a:t>
+            </a:r>
+            <a:r>
+              <a:rPr dirty="0" err="1"/>
+              <a:t>результата</a:t>
+            </a:r>
+            <a:r>
+              <a:rPr dirty="0"/>
+              <a:t>:</a:t>
             </a:r>
           </a:p>
           <a:p>
@@ -31523,22 +32647,49 @@
               <a:buAutoNum type="arabicParenR"/>
             </a:pPr>
             <a:r>
-              <a:t>Если строка вида </a:t>
-            </a:r>
-            <a:r>
-              <a:rPr b="1">
+              <a:rPr dirty="0" err="1"/>
+              <a:t>Если</a:t>
+            </a:r>
+            <a:r>
+              <a:rPr dirty="0"/>
+              <a:t> </a:t>
+            </a:r>
+            <a:r>
+              <a:rPr dirty="0" err="1"/>
+              <a:t>строка</a:t>
+            </a:r>
+            <a:r>
+              <a:rPr dirty="0"/>
+              <a:t> </a:t>
+            </a:r>
+            <a:r>
+              <a:rPr dirty="0" err="1"/>
+              <a:t>вида</a:t>
+            </a:r>
+            <a:r>
+              <a:rPr dirty="0"/>
+              <a:t> </a:t>
+            </a:r>
+            <a:r>
+              <a:rPr b="1" dirty="0" err="1">
                 <a:latin typeface="+mj-lt"/>
                 <a:ea typeface="+mj-ea"/>
                 <a:cs typeface="+mj-cs"/>
                 <a:sym typeface="Helvetica"/>
               </a:rPr>
-              <a:t>decl tk </a:t>
-            </a:r>
-            <a:r>
-              <a:t>существует в коде, то переменная </a:t>
-            </a:r>
-            <a:r>
-              <a:rPr b="1">
+              <a:t>decl</a:t>
+            </a:r>
+            <a:r>
+              <a:rPr b="1" dirty="0">
+                <a:latin typeface="+mj-lt"/>
+                <a:ea typeface="+mj-ea"/>
+                <a:cs typeface="+mj-cs"/>
+                <a:sym typeface="Helvetica"/>
+              </a:rPr>
+              <a:t> </a:t>
+            </a:r>
+            <a:r>
+              <a:rPr b="1" dirty="0" err="1">
                 <a:latin typeface="+mj-lt"/>
                 <a:ea typeface="+mj-ea"/>
                 <a:cs typeface="+mj-cs"/>
@@ -31547,10 +32698,153 @@
               <a:t>tk</a:t>
             </a:r>
             <a:r>
-              <a:t> рано или поздно будет присвоено значение, значит в коде также существует строка </a:t>
-            </a:r>
-            <a:r>
-              <a:rPr b="1">
+              <a:rPr b="1" dirty="0">
+                <a:latin typeface="+mj-lt"/>
+                <a:ea typeface="+mj-ea"/>
+                <a:cs typeface="+mj-cs"/>
+                <a:sym typeface="Helvetica"/>
+              </a:rPr>
+              <a:t> </a:t>
+            </a:r>
+            <a:r>
+              <a:rPr dirty="0" err="1"/>
+              <a:t>существует</a:t>
+            </a:r>
+            <a:r>
+              <a:rPr dirty="0"/>
+              <a:t> в </a:t>
+            </a:r>
+            <a:r>
+              <a:rPr dirty="0" err="1"/>
+              <a:t>коде</a:t>
+            </a:r>
+            <a:r>
+              <a:rPr dirty="0"/>
+              <a:t>, </a:t>
+            </a:r>
+            <a:r>
+              <a:rPr dirty="0" err="1"/>
+              <a:t>то</a:t>
+            </a:r>
+            <a:r>
+              <a:rPr dirty="0"/>
+              <a:t> </a:t>
+            </a:r>
+            <a:r>
+              <a:rPr dirty="0" err="1"/>
+              <a:t>переменн</a:t>
+            </a:r>
+            <a:r>
+              <a:rPr lang="ru-RU" dirty="0"/>
+              <a:t>ой</a:t>
+            </a:r>
+            <a:r>
+              <a:rPr dirty="0"/>
+              <a:t> </a:t>
+            </a:r>
+            <a:r>
+              <a:rPr b="1" dirty="0" err="1">
+                <a:latin typeface="+mj-lt"/>
+                <a:ea typeface="+mj-ea"/>
+                <a:cs typeface="+mj-cs"/>
+                <a:sym typeface="Helvetica"/>
+              </a:rPr>
+              <a:t>tk</a:t>
+            </a:r>
+            <a:r>
+              <a:rPr dirty="0"/>
+              <a:t> </a:t>
+            </a:r>
+            <a:r>
+              <a:rPr dirty="0" err="1"/>
+              <a:t>рано</a:t>
+            </a:r>
+            <a:r>
+              <a:rPr dirty="0"/>
+              <a:t> </a:t>
+            </a:r>
+            <a:r>
+              <a:rPr dirty="0" err="1"/>
+              <a:t>или</a:t>
+            </a:r>
+            <a:r>
+              <a:rPr dirty="0"/>
+              <a:t> </a:t>
+            </a:r>
+            <a:r>
+              <a:rPr dirty="0" err="1"/>
+              <a:t>поздно</a:t>
+            </a:r>
+            <a:r>
+              <a:rPr dirty="0"/>
+              <a:t> </a:t>
+            </a:r>
+            <a:r>
+              <a:rPr dirty="0" err="1"/>
+              <a:t>будет</a:t>
+            </a:r>
+            <a:r>
+              <a:rPr dirty="0"/>
+              <a:t> </a:t>
+            </a:r>
+            <a:r>
+              <a:rPr dirty="0" err="1"/>
+              <a:t>присвоено</a:t>
+            </a:r>
+            <a:r>
+              <a:rPr dirty="0"/>
+              <a:t> </a:t>
+            </a:r>
+            <a:r>
+              <a:rPr dirty="0" err="1"/>
+              <a:t>значение</a:t>
+            </a:r>
+            <a:r>
+              <a:rPr dirty="0"/>
+              <a:t>, </a:t>
+            </a:r>
+            <a:r>
+              <a:rPr dirty="0" err="1"/>
+              <a:t>значит</a:t>
+            </a:r>
+            <a:r>
+              <a:rPr dirty="0"/>
+              <a:t> в </a:t>
+            </a:r>
+            <a:r>
+              <a:rPr dirty="0" err="1"/>
+              <a:t>коде</a:t>
+            </a:r>
+            <a:r>
+              <a:rPr dirty="0"/>
+              <a:t> </a:t>
+            </a:r>
+            <a:r>
+              <a:rPr dirty="0" err="1"/>
+              <a:t>также</a:t>
+            </a:r>
+            <a:r>
+              <a:rPr dirty="0"/>
+              <a:t> </a:t>
+            </a:r>
+            <a:r>
+              <a:rPr dirty="0" err="1"/>
+              <a:t>существует</a:t>
+            </a:r>
+            <a:r>
+              <a:rPr dirty="0"/>
+              <a:t> </a:t>
+            </a:r>
+            <a:r>
+              <a:rPr dirty="0" err="1"/>
+              <a:t>строка</a:t>
+            </a:r>
+            <a:r>
+              <a:rPr dirty="0"/>
+              <a:t> </a:t>
+            </a:r>
+            <a:r>
+              <a:rPr b="1" dirty="0">
                 <a:latin typeface="+mj-lt"/>
                 <a:ea typeface="+mj-ea"/>
                 <a:cs typeface="+mj-cs"/>
@@ -31559,55 +32853,42 @@
               <a:t>S </a:t>
             </a:r>
             <a:r>
-              <a:t>вида: </a:t>
-            </a:r>
-            <a:r>
-              <a:rPr b="1">
+              <a:rPr dirty="0" err="1"/>
+              <a:t>вида</a:t>
+            </a:r>
+            <a:r>
+              <a:rPr dirty="0"/>
+              <a:t>: </a:t>
+            </a:r>
+            <a:r>
+              <a:rPr b="1" dirty="0">
                 <a:latin typeface="+mj-lt"/>
                 <a:ea typeface="+mj-ea"/>
                 <a:cs typeface="+mj-cs"/>
                 <a:sym typeface="Helvetica"/>
               </a:rPr>
-              <a:t>mov &lt;val&gt;, tk</a:t>
-            </a:r>
-            <a:r>
-              <a:t>, где </a:t>
-            </a:r>
-            <a:r>
-              <a:rPr b="1">
+              <a:t>mov &lt;</a:t>
+            </a:r>
+            <a:r>
+              <a:rPr b="1" dirty="0" err="1">
                 <a:latin typeface="+mj-lt"/>
                 <a:ea typeface="+mj-ea"/>
                 <a:cs typeface="+mj-cs"/>
                 <a:sym typeface="Helvetica"/>
               </a:rPr>
-              <a:t>&lt;val&gt; </a:t>
-            </a:r>
-            <a:r>
-              <a:t>- число или переменная.</a:t>
-            </a:r>
-          </a:p>
-          <a:p>
-            <a:pPr marL="361950" indent="-361950">
-              <a:buFontTx/>
-              <a:buAutoNum type="arabicParenR"/>
-            </a:pPr>
-            <a:r>
-              <a:t>После удаления строки </a:t>
-            </a:r>
-            <a:r>
-              <a:rPr b="1">
+              <a:t>val</a:t>
+            </a:r>
+            <a:r>
+              <a:rPr b="1" dirty="0">
                 <a:latin typeface="+mj-lt"/>
                 <a:ea typeface="+mj-ea"/>
                 <a:cs typeface="+mj-cs"/>
                 <a:sym typeface="Helvetica"/>
               </a:rPr>
-              <a:t>decl tk </a:t>
-            </a:r>
-            <a:r>
-              <a:t>и замены </a:t>
-            </a:r>
-            <a:r>
-              <a:rPr b="1">
+              <a:t>&gt;, </a:t>
+            </a:r>
+            <a:r>
+              <a:rPr b="1" dirty="0" err="1">
                 <a:latin typeface="+mj-lt"/>
                 <a:ea typeface="+mj-ea"/>
                 <a:cs typeface="+mj-cs"/>
@@ -31616,10 +32897,173 @@
               <a:t>tk</a:t>
             </a:r>
             <a:r>
-              <a:t> на </a:t>
-            </a:r>
-            <a:r>
-              <a:rPr b="1">
+              <a:rPr dirty="0"/>
+              <a:t>, </a:t>
+            </a:r>
+            <a:r>
+              <a:rPr dirty="0" err="1"/>
+              <a:t>где</a:t>
+            </a:r>
+            <a:r>
+              <a:rPr dirty="0"/>
+              <a:t> </a:t>
+            </a:r>
+            <a:r>
+              <a:rPr b="1" dirty="0">
+                <a:latin typeface="+mj-lt"/>
+                <a:ea typeface="+mj-ea"/>
+                <a:cs typeface="+mj-cs"/>
+                <a:sym typeface="Helvetica"/>
+              </a:rPr>
+              <a:t>&lt;</a:t>
+            </a:r>
+            <a:r>
+              <a:rPr b="1" dirty="0" err="1">
+                <a:latin typeface="+mj-lt"/>
+                <a:ea typeface="+mj-ea"/>
+                <a:cs typeface="+mj-cs"/>
+                <a:sym typeface="Helvetica"/>
+              </a:rPr>
+              <a:t>val</a:t>
+            </a:r>
+            <a:r>
+              <a:rPr b="1" dirty="0">
+                <a:latin typeface="+mj-lt"/>
+                <a:ea typeface="+mj-ea"/>
+                <a:cs typeface="+mj-cs"/>
+                <a:sym typeface="Helvetica"/>
+              </a:rPr>
+              <a:t>&gt; </a:t>
+            </a:r>
+            <a:r>
+              <a:rPr dirty="0"/>
+              <a:t>- </a:t>
+            </a:r>
+            <a:r>
+              <a:rPr lang="ru-RU" dirty="0"/>
+              <a:t>числовая константа</a:t>
+            </a:r>
+            <a:r>
+              <a:rPr dirty="0"/>
+              <a:t> </a:t>
+            </a:r>
+            <a:r>
+              <a:rPr dirty="0" err="1"/>
+              <a:t>или</a:t>
+            </a:r>
+            <a:r>
+              <a:rPr dirty="0"/>
+              <a:t> </a:t>
+            </a:r>
+            <a:r>
+              <a:rPr dirty="0" err="1"/>
+              <a:t>переменная</a:t>
+            </a:r>
+            <a:r>
+              <a:rPr dirty="0"/>
+              <a:t>.</a:t>
+            </a:r>
+          </a:p>
+          <a:p>
+            <a:pPr marL="361950" indent="-361950">
+              <a:buFontTx/>
+              <a:buAutoNum type="arabicParenR"/>
+            </a:pPr>
+            <a:r>
+              <a:rPr dirty="0" err="1"/>
+              <a:t>После</a:t>
+            </a:r>
+            <a:r>
+              <a:rPr dirty="0"/>
+              <a:t> </a:t>
+            </a:r>
+            <a:r>
+              <a:rPr dirty="0" err="1"/>
+              <a:t>удаления</a:t>
+            </a:r>
+            <a:r>
+              <a:rPr dirty="0"/>
+              <a:t> </a:t>
+            </a:r>
+            <a:r>
+              <a:rPr dirty="0" err="1"/>
+              <a:t>строки</a:t>
+            </a:r>
+            <a:r>
+              <a:rPr dirty="0"/>
+              <a:t> </a:t>
+            </a:r>
+            <a:r>
+              <a:rPr b="1" dirty="0" err="1">
+                <a:latin typeface="+mj-lt"/>
+                <a:ea typeface="+mj-ea"/>
+                <a:cs typeface="+mj-cs"/>
+                <a:sym typeface="Helvetica"/>
+              </a:rPr>
+              <a:t>decl</a:t>
+            </a:r>
+            <a:r>
+              <a:rPr b="1" dirty="0">
+                <a:latin typeface="+mj-lt"/>
+                <a:ea typeface="+mj-ea"/>
+                <a:cs typeface="+mj-cs"/>
+                <a:sym typeface="Helvetica"/>
+              </a:rPr>
+              <a:t> </a:t>
+            </a:r>
+            <a:r>
+              <a:rPr b="1" dirty="0" err="1">
+                <a:latin typeface="+mj-lt"/>
+                <a:ea typeface="+mj-ea"/>
+                <a:cs typeface="+mj-cs"/>
+                <a:sym typeface="Helvetica"/>
+              </a:rPr>
+              <a:t>tk</a:t>
+            </a:r>
+            <a:r>
+              <a:rPr b="1" dirty="0">
+                <a:latin typeface="+mj-lt"/>
+                <a:ea typeface="+mj-ea"/>
+                <a:cs typeface="+mj-cs"/>
+                <a:sym typeface="Helvetica"/>
+              </a:rPr>
+              <a:t> </a:t>
+            </a:r>
+            <a:r>
+              <a:rPr dirty="0"/>
+              <a:t>и </a:t>
+            </a:r>
+            <a:r>
+              <a:rPr dirty="0" err="1"/>
+              <a:t>замены</a:t>
+            </a:r>
+            <a:r>
+              <a:rPr dirty="0"/>
+              <a:t> </a:t>
+            </a:r>
+            <a:r>
+              <a:rPr b="1" dirty="0" err="1">
+                <a:latin typeface="+mj-lt"/>
+                <a:ea typeface="+mj-ea"/>
+                <a:cs typeface="+mj-cs"/>
+                <a:sym typeface="Helvetica"/>
+              </a:rPr>
+              <a:t>tk</a:t>
+            </a:r>
+            <a:r>
+              <a:rPr dirty="0"/>
+              <a:t> </a:t>
+            </a:r>
+            <a:r>
+              <a:rPr dirty="0" err="1"/>
+              <a:t>на</a:t>
+            </a:r>
+            <a:r>
+              <a:rPr dirty="0"/>
+              <a:t> </a:t>
+            </a:r>
+            <a:r>
+              <a:rPr b="1" dirty="0" err="1">
                 <a:latin typeface="+mj-lt"/>
                 <a:ea typeface="+mj-ea"/>
                 <a:cs typeface="+mj-cs"/>
@@ -31628,10 +33072,19 @@
               <a:t>ti</a:t>
             </a:r>
             <a:r>
-              <a:t>, строка </a:t>
-            </a:r>
-            <a:r>
-              <a:rPr b="1">
+              <a:rPr dirty="0"/>
+              <a:t>, </a:t>
+            </a:r>
+            <a:r>
+              <a:rPr dirty="0" err="1"/>
+              <a:t>строка</a:t>
+            </a:r>
+            <a:r>
+              <a:rPr dirty="0"/>
+              <a:t> </a:t>
+            </a:r>
+            <a:r>
+              <a:rPr b="1" dirty="0">
                 <a:latin typeface="+mj-lt"/>
                 <a:ea typeface="+mj-ea"/>
                 <a:cs typeface="+mj-cs"/>
@@ -31640,22 +33093,54 @@
               <a:t>S</a:t>
             </a:r>
             <a:r>
-              <a:t> примет вид: </a:t>
-            </a:r>
-            <a:r>
-              <a:rPr b="1">
+              <a:rPr dirty="0"/>
+              <a:t> </a:t>
+            </a:r>
+            <a:r>
+              <a:rPr dirty="0" err="1"/>
+              <a:t>примет</a:t>
+            </a:r>
+            <a:r>
+              <a:rPr dirty="0"/>
+              <a:t> </a:t>
+            </a:r>
+            <a:r>
+              <a:rPr dirty="0" err="1"/>
+              <a:t>вид</a:t>
+            </a:r>
+            <a:r>
+              <a:rPr dirty="0"/>
+              <a:t>: </a:t>
+            </a:r>
+            <a:r>
+              <a:rPr b="1" dirty="0">
                 <a:latin typeface="+mj-lt"/>
                 <a:ea typeface="+mj-ea"/>
                 <a:cs typeface="+mj-cs"/>
                 <a:sym typeface="Helvetica"/>
               </a:rPr>
-              <a:t>mov &lt;val&gt;, ti</a:t>
-            </a:r>
-            <a:r>
-              <a:t>. Теперь переменная </a:t>
-            </a:r>
-            <a:r>
-              <a:rPr b="1">
+              <a:t>mov &lt;</a:t>
+            </a:r>
+            <a:r>
+              <a:rPr b="1" dirty="0" err="1">
+                <a:latin typeface="+mj-lt"/>
+                <a:ea typeface="+mj-ea"/>
+                <a:cs typeface="+mj-cs"/>
+                <a:sym typeface="Helvetica"/>
+              </a:rPr>
+              <a:t>val</a:t>
+            </a:r>
+            <a:r>
+              <a:rPr b="1" dirty="0">
+                <a:latin typeface="+mj-lt"/>
+                <a:ea typeface="+mj-ea"/>
+                <a:cs typeface="+mj-cs"/>
+                <a:sym typeface="Helvetica"/>
+              </a:rPr>
+              <a:t>&gt;, </a:t>
+            </a:r>
+            <a:r>
+              <a:rPr b="1" dirty="0" err="1">
                 <a:latin typeface="+mj-lt"/>
                 <a:ea typeface="+mj-ea"/>
                 <a:cs typeface="+mj-cs"/>
@@ -31664,10 +33149,64 @@
               <a:t>ti</a:t>
             </a:r>
             <a:r>
-              <a:t> полностью заменяет переменная </a:t>
-            </a:r>
-            <a:r>
-              <a:rPr b="1">
+              <a:rPr dirty="0"/>
+              <a:t>. </a:t>
+            </a:r>
+            <a:r>
+              <a:rPr dirty="0" err="1"/>
+              <a:t>Теперь</a:t>
+            </a:r>
+            <a:r>
+              <a:rPr dirty="0"/>
+              <a:t> </a:t>
+            </a:r>
+            <a:r>
+              <a:rPr dirty="0" err="1"/>
+              <a:t>переменная</a:t>
+            </a:r>
+            <a:r>
+              <a:rPr dirty="0"/>
+              <a:t> </a:t>
+            </a:r>
+            <a:r>
+              <a:rPr b="1" dirty="0" err="1">
+                <a:latin typeface="+mj-lt"/>
+                <a:ea typeface="+mj-ea"/>
+                <a:cs typeface="+mj-cs"/>
+                <a:sym typeface="Helvetica"/>
+              </a:rPr>
+              <a:t>ti</a:t>
+            </a:r>
+            <a:r>
+              <a:rPr dirty="0"/>
+              <a:t> </a:t>
+            </a:r>
+            <a:r>
+              <a:rPr dirty="0" err="1"/>
+              <a:t>полностью</a:t>
+            </a:r>
+            <a:r>
+              <a:rPr dirty="0"/>
+              <a:t> </a:t>
+            </a:r>
+            <a:r>
+              <a:rPr dirty="0" err="1"/>
+              <a:t>заменяет</a:t>
+            </a:r>
+            <a:r>
+              <a:rPr dirty="0"/>
+              <a:t> </a:t>
+            </a:r>
+            <a:r>
+              <a:rPr dirty="0" err="1"/>
+              <a:t>переменная</a:t>
+            </a:r>
+            <a:r>
+              <a:rPr dirty="0"/>
+              <a:t> </a:t>
+            </a:r>
+            <a:r>
+              <a:rPr b="1" dirty="0">
                 <a:latin typeface="+mj-lt"/>
                 <a:ea typeface="+mj-ea"/>
                 <a:cs typeface="+mj-cs"/>
@@ -31676,6 +33215,7 @@
               <a:t>tk</a:t>
             </a:r>
             <a:r>
+              <a:rPr dirty="0"/>
               <a:t>. </a:t>
             </a:r>
           </a:p>
@@ -31757,7 +33297,7 @@
           </a:ln>
           <a:extLst>
             <a:ext uri="{C572A759-6A51-4108-AA02-DFA0A04FC94B}">
-              <ma14:wrappingTextBoxFlag xmlns:ma14="http://schemas.microsoft.com/office/mac/drawingml/2011/main" xmlns:a14="http://schemas.microsoft.com/office/drawing/2010/main" xmlns:m="http://schemas.openxmlformats.org/officeDocument/2006/math" xmlns="" val="1"/>
+              <ma14:wrappingTextBoxFlag xmlns="" xmlns:m="http://schemas.openxmlformats.org/officeDocument/2006/math" xmlns:a14="http://schemas.microsoft.com/office/drawing/2010/main" xmlns:ma14="http://schemas.microsoft.com/office/mac/drawingml/2011/main" val="1"/>
             </a:ext>
           </a:extLst>
         </p:spPr>
@@ -32082,7 +33622,7 @@
           </a:ln>
           <a:extLst>
             <a:ext uri="{C572A759-6A51-4108-AA02-DFA0A04FC94B}">
-              <ma14:wrappingTextBoxFlag xmlns:ma14="http://schemas.microsoft.com/office/mac/drawingml/2011/main" xmlns:a14="http://schemas.microsoft.com/office/drawing/2010/main" xmlns:m="http://schemas.openxmlformats.org/officeDocument/2006/math" xmlns="" val="1"/>
+              <ma14:wrappingTextBoxFlag xmlns="" xmlns:m="http://schemas.openxmlformats.org/officeDocument/2006/math" xmlns:a14="http://schemas.microsoft.com/office/drawing/2010/main" xmlns:ma14="http://schemas.microsoft.com/office/mac/drawingml/2011/main" val="1"/>
             </a:ext>
           </a:extLst>
         </p:spPr>
@@ -32268,7 +33808,7 @@
           </a:ln>
           <a:extLst>
             <a:ext uri="{C572A759-6A51-4108-AA02-DFA0A04FC94B}">
-              <ma14:wrappingTextBoxFlag xmlns:ma14="http://schemas.microsoft.com/office/mac/drawingml/2011/main" xmlns:a14="http://schemas.microsoft.com/office/drawing/2010/main" xmlns:m="http://schemas.openxmlformats.org/officeDocument/2006/math" xmlns="" val="1"/>
+              <ma14:wrappingTextBoxFlag xmlns="" xmlns:m="http://schemas.openxmlformats.org/officeDocument/2006/math" xmlns:a14="http://schemas.microsoft.com/office/drawing/2010/main" xmlns:ma14="http://schemas.microsoft.com/office/mac/drawingml/2011/main" val="1"/>
             </a:ext>
           </a:extLst>
         </p:spPr>
@@ -32585,7 +34125,7 @@
           </a:ln>
           <a:extLst>
             <a:ext uri="{C572A759-6A51-4108-AA02-DFA0A04FC94B}">
-              <ma14:wrappingTextBoxFlag xmlns:ma14="http://schemas.microsoft.com/office/mac/drawingml/2011/main" xmlns:a14="http://schemas.microsoft.com/office/drawing/2010/main" xmlns:m="http://schemas.openxmlformats.org/officeDocument/2006/math" xmlns="" val="1"/>
+              <ma14:wrappingTextBoxFlag xmlns="" xmlns:m="http://schemas.openxmlformats.org/officeDocument/2006/math" xmlns:a14="http://schemas.microsoft.com/office/drawing/2010/main" xmlns:ma14="http://schemas.microsoft.com/office/mac/drawingml/2011/main" val="1"/>
             </a:ext>
           </a:extLst>
         </p:spPr>
@@ -32873,7 +34413,7 @@
           </a:ln>
           <a:extLst>
             <a:ext uri="{C572A759-6A51-4108-AA02-DFA0A04FC94B}">
-              <ma14:wrappingTextBoxFlag xmlns:ma14="http://schemas.microsoft.com/office/mac/drawingml/2011/main" xmlns:a14="http://schemas.microsoft.com/office/drawing/2010/main" xmlns:m="http://schemas.openxmlformats.org/officeDocument/2006/math" xmlns="" val="1"/>
+              <ma14:wrappingTextBoxFlag xmlns="" xmlns:m="http://schemas.openxmlformats.org/officeDocument/2006/math" xmlns:a14="http://schemas.microsoft.com/office/drawing/2010/main" xmlns:ma14="http://schemas.microsoft.com/office/mac/drawingml/2011/main" val="1"/>
             </a:ext>
           </a:extLst>
         </p:spPr>
@@ -33171,7 +34711,7 @@
           </a:ln>
           <a:extLst>
             <a:ext uri="{C572A759-6A51-4108-AA02-DFA0A04FC94B}">
-              <ma14:wrappingTextBoxFlag xmlns:ma14="http://schemas.microsoft.com/office/mac/drawingml/2011/main" xmlns:a14="http://schemas.microsoft.com/office/drawing/2010/main" xmlns:m="http://schemas.openxmlformats.org/officeDocument/2006/math" xmlns="" val="1"/>
+              <ma14:wrappingTextBoxFlag xmlns="" xmlns:m="http://schemas.openxmlformats.org/officeDocument/2006/math" xmlns:a14="http://schemas.microsoft.com/office/drawing/2010/main" xmlns:ma14="http://schemas.microsoft.com/office/mac/drawingml/2011/main" val="1"/>
             </a:ext>
           </a:extLst>
         </p:spPr>
@@ -33429,7 +34969,7 @@
           </a:ln>
           <a:extLst>
             <a:ext uri="{C572A759-6A51-4108-AA02-DFA0A04FC94B}">
-              <ma14:wrappingTextBoxFlag xmlns:ma14="http://schemas.microsoft.com/office/mac/drawingml/2011/main" xmlns:a14="http://schemas.microsoft.com/office/drawing/2010/main" xmlns:m="http://schemas.openxmlformats.org/officeDocument/2006/math" xmlns="" val="1"/>
+              <ma14:wrappingTextBoxFlag xmlns="" xmlns:m="http://schemas.openxmlformats.org/officeDocument/2006/math" xmlns:a14="http://schemas.microsoft.com/office/drawing/2010/main" xmlns:ma14="http://schemas.microsoft.com/office/mac/drawingml/2011/main" val="1"/>
             </a:ext>
           </a:extLst>
         </p:spPr>
@@ -33735,7 +35275,7 @@
           </a:ln>
           <a:extLst>
             <a:ext uri="{C572A759-6A51-4108-AA02-DFA0A04FC94B}">
-              <ma14:wrappingTextBoxFlag xmlns:ma14="http://schemas.microsoft.com/office/mac/drawingml/2011/main" xmlns:a14="http://schemas.microsoft.com/office/drawing/2010/main" xmlns:m="http://schemas.openxmlformats.org/officeDocument/2006/math" xmlns="" val="1"/>
+              <ma14:wrappingTextBoxFlag xmlns="" xmlns:m="http://schemas.openxmlformats.org/officeDocument/2006/math" xmlns:a14="http://schemas.microsoft.com/office/drawing/2010/main" xmlns:ma14="http://schemas.microsoft.com/office/mac/drawingml/2011/main" val="1"/>
             </a:ext>
           </a:extLst>
         </p:spPr>
@@ -33994,10 +35534,10 @@
         </p:nvGrpSpPr>
         <p:grpSpPr>
           <a:xfrm>
-            <a:off x="2332873" y="1779049"/>
-            <a:ext cx="7526255" cy="4319045"/>
-            <a:chOff x="0" y="0"/>
-            <a:chExt cx="7526254" cy="4319044"/>
+            <a:off x="2332872" y="1652832"/>
+            <a:ext cx="7526256" cy="4319047"/>
+            <a:chOff x="-1" y="-126217"/>
+            <a:chExt cx="7526255" cy="4319046"/>
           </a:xfrm>
         </p:grpSpPr>
         <p:pic>
@@ -34016,7 +35556,7 @@
           </p:blipFill>
           <p:spPr>
             <a:xfrm>
-              <a:off x="0" y="0"/>
+              <a:off x="-1" y="-126217"/>
               <a:ext cx="7526255" cy="4319046"/>
             </a:xfrm>
             <a:prstGeom prst="rect">
@@ -34029,769 +35569,409 @@
             <a:effectLst/>
           </p:spPr>
         </p:pic>
-        <p:grpSp>
-          <p:nvGrpSpPr>
-            <p:cNvPr id="127" name="переменную"/>
-            <p:cNvGrpSpPr/>
+        <p:sp>
+          <p:nvSpPr>
+            <p:cNvPr id="126" name="переменную"/>
+            <p:cNvSpPr txBox="1"/>
             <p:nvPr/>
-          </p:nvGrpSpPr>
-          <p:grpSpPr>
+          </p:nvSpPr>
+          <p:spPr>
             <a:xfrm>
-              <a:off x="3385220" y="17272"/>
-              <a:ext cx="755814" cy="461398"/>
-              <a:chOff x="0" y="0"/>
-              <a:chExt cx="755813" cy="461397"/>
+              <a:off x="3385220" y="-104615"/>
+              <a:ext cx="755814" cy="230828"/>
             </a:xfrm>
-          </p:grpSpPr>
-          <p:sp>
-            <p:nvSpPr>
-              <p:cNvPr id="125" name="Прямоугольник"/>
-              <p:cNvSpPr/>
-              <p:nvPr/>
-            </p:nvSpPr>
-            <p:spPr>
-              <a:xfrm>
-                <a:off x="0" y="0"/>
-                <a:ext cx="755814" cy="194302"/>
-              </a:xfrm>
-              <a:prstGeom prst="rect">
-                <a:avLst/>
-              </a:prstGeom>
-              <a:solidFill>
-                <a:srgbClr val="000000"/>
-              </a:solidFill>
-              <a:ln w="12700" cap="flat">
-                <a:noFill/>
-                <a:miter lim="400000"/>
-              </a:ln>
-              <a:effectLst/>
-            </p:spPr>
-            <p:txBody>
-              <a:bodyPr wrap="square" lIns="45718" tIns="45718" rIns="45718" bIns="45718" numCol="1" anchor="t">
-                <a:noAutofit/>
-              </a:bodyPr>
-              <a:lstStyle/>
-              <a:p>
-                <a:pPr>
-                  <a:defRPr sz="1300">
-                    <a:solidFill>
-                      <a:srgbClr val="535353"/>
-                    </a:solidFill>
-                    <a:latin typeface="+mn-lt"/>
-                    <a:ea typeface="+mn-ea"/>
-                    <a:cs typeface="+mn-cs"/>
-                    <a:sym typeface="Calibri"/>
-                  </a:defRPr>
-                </a:pPr>
-                <a:endParaRPr/>
-              </a:p>
-            </p:txBody>
-          </p:sp>
-          <p:sp>
-            <p:nvSpPr>
-              <p:cNvPr id="126" name="переменную"/>
-              <p:cNvSpPr txBox="1"/>
-              <p:nvPr/>
-            </p:nvSpPr>
-            <p:spPr>
-              <a:xfrm>
-                <a:off x="0" y="0"/>
-                <a:ext cx="755814" cy="461398"/>
-              </a:xfrm>
-              <a:prstGeom prst="rect">
-                <a:avLst/>
-              </a:prstGeom>
+            <a:prstGeom prst="rect">
+              <a:avLst/>
+            </a:prstGeom>
+            <a:solidFill>
+              <a:schemeClr val="tx1">
+                <a:lumMod val="95000"/>
+                <a:lumOff val="5000"/>
+              </a:schemeClr>
+            </a:solidFill>
+            <a:ln w="12700" cap="flat">
               <a:noFill/>
-              <a:ln w="12700" cap="flat">
-                <a:noFill/>
-                <a:miter lim="400000"/>
-              </a:ln>
-              <a:effectLst/>
-              <a:extLst>
-                <a:ext uri="{C572A759-6A51-4108-AA02-DFA0A04FC94B}">
-                  <ma14:wrappingTextBoxFlag xmlns:ma14="http://schemas.microsoft.com/office/mac/drawingml/2011/main" xmlns:a14="http://schemas.microsoft.com/office/drawing/2010/main" xmlns:m="http://schemas.openxmlformats.org/officeDocument/2006/math" xmlns="" val="1"/>
-                </a:ext>
-              </a:extLst>
-            </p:spPr>
-            <p:txBody>
-              <a:bodyPr wrap="square" lIns="45718" tIns="45718" rIns="45718" bIns="45718" numCol="1" anchor="t">
-                <a:spAutoFit/>
-              </a:bodyPr>
-              <a:lstStyle>
-                <a:lvl1pPr>
-                  <a:defRPr sz="1300">
-                    <a:solidFill>
-                      <a:srgbClr val="535353"/>
-                    </a:solidFill>
-                    <a:latin typeface="+mn-lt"/>
-                    <a:ea typeface="+mn-ea"/>
-                    <a:cs typeface="+mn-cs"/>
-                    <a:sym typeface="Calibri"/>
-                  </a:defRPr>
-                </a:lvl1pPr>
-              </a:lstStyle>
-              <a:p>
-                <a:r>
-                  <a:t>переменную</a:t>
-                </a:r>
-              </a:p>
-            </p:txBody>
-          </p:sp>
-        </p:grpSp>
-        <p:grpSp>
-          <p:nvGrpSpPr>
-            <p:cNvPr id="130" name="переменную"/>
-            <p:cNvGrpSpPr/>
+              <a:miter lim="400000"/>
+            </a:ln>
+            <a:effectLst/>
+            <a:extLst>
+              <a:ext uri="{C572A759-6A51-4108-AA02-DFA0A04FC94B}">
+                <ma14:wrappingTextBoxFlag xmlns="" xmlns:m="http://schemas.openxmlformats.org/officeDocument/2006/math" xmlns:a14="http://schemas.microsoft.com/office/drawing/2010/main" xmlns:ma14="http://schemas.microsoft.com/office/mac/drawingml/2011/main" val="1"/>
+              </a:ext>
+            </a:extLst>
+          </p:spPr>
+          <p:txBody>
+            <a:bodyPr wrap="square" lIns="45718" tIns="45718" rIns="45718" bIns="45718" numCol="1" anchor="t">
+              <a:spAutoFit/>
+            </a:bodyPr>
+            <a:lstStyle>
+              <a:lvl1pPr>
+                <a:defRPr sz="1300">
+                  <a:solidFill>
+                    <a:srgbClr val="535353"/>
+                  </a:solidFill>
+                  <a:latin typeface="+mn-lt"/>
+                  <a:ea typeface="+mn-ea"/>
+                  <a:cs typeface="+mn-cs"/>
+                  <a:sym typeface="Calibri"/>
+                </a:defRPr>
+              </a:lvl1pPr>
+            </a:lstStyle>
+            <a:p>
+              <a:r>
+                <a:rPr sz="900" dirty="0" err="1"/>
+                <a:t>переменную</a:t>
+              </a:r>
+              <a:endParaRPr sz="900" dirty="0"/>
+            </a:p>
+          </p:txBody>
+        </p:sp>
+        <p:sp>
+          <p:nvSpPr>
+            <p:cNvPr id="129" name="переменную"/>
+            <p:cNvSpPr txBox="1"/>
             <p:nvPr/>
-          </p:nvGrpSpPr>
-          <p:grpSpPr>
+          </p:nvSpPr>
+          <p:spPr>
             <a:xfrm>
-              <a:off x="2630211" y="418669"/>
-              <a:ext cx="755814" cy="461399"/>
-              <a:chOff x="0" y="0"/>
-              <a:chExt cx="755813" cy="461397"/>
+              <a:off x="2630212" y="299805"/>
+              <a:ext cx="755814" cy="230828"/>
             </a:xfrm>
-          </p:grpSpPr>
-          <p:sp>
-            <p:nvSpPr>
-              <p:cNvPr id="128" name="Прямоугольник"/>
-              <p:cNvSpPr/>
-              <p:nvPr/>
-            </p:nvSpPr>
-            <p:spPr>
-              <a:xfrm>
-                <a:off x="0" y="0"/>
-                <a:ext cx="755814" cy="194303"/>
-              </a:xfrm>
-              <a:prstGeom prst="rect">
-                <a:avLst/>
-              </a:prstGeom>
-              <a:solidFill>
-                <a:srgbClr val="000000"/>
-              </a:solidFill>
-              <a:ln w="12700" cap="flat">
-                <a:noFill/>
-                <a:miter lim="400000"/>
-              </a:ln>
-              <a:effectLst/>
-            </p:spPr>
-            <p:txBody>
-              <a:bodyPr wrap="square" lIns="45718" tIns="45718" rIns="45718" bIns="45718" numCol="1" anchor="t">
-                <a:noAutofit/>
-              </a:bodyPr>
-              <a:lstStyle/>
-              <a:p>
-                <a:pPr>
-                  <a:defRPr sz="1300">
-                    <a:solidFill>
-                      <a:srgbClr val="535353"/>
-                    </a:solidFill>
-                    <a:latin typeface="+mn-lt"/>
-                    <a:ea typeface="+mn-ea"/>
-                    <a:cs typeface="+mn-cs"/>
-                    <a:sym typeface="Calibri"/>
-                  </a:defRPr>
-                </a:pPr>
-                <a:endParaRPr/>
-              </a:p>
-            </p:txBody>
-          </p:sp>
-          <p:sp>
-            <p:nvSpPr>
-              <p:cNvPr id="129" name="переменную"/>
-              <p:cNvSpPr txBox="1"/>
-              <p:nvPr/>
-            </p:nvSpPr>
-            <p:spPr>
-              <a:xfrm>
-                <a:off x="0" y="0"/>
-                <a:ext cx="755814" cy="461398"/>
-              </a:xfrm>
-              <a:prstGeom prst="rect">
-                <a:avLst/>
-              </a:prstGeom>
+            <a:prstGeom prst="rect">
+              <a:avLst/>
+            </a:prstGeom>
+            <a:solidFill>
+              <a:schemeClr val="tx1">
+                <a:lumMod val="95000"/>
+                <a:lumOff val="5000"/>
+              </a:schemeClr>
+            </a:solidFill>
+            <a:ln w="12700" cap="flat">
               <a:noFill/>
-              <a:ln w="12700" cap="flat">
-                <a:noFill/>
-                <a:miter lim="400000"/>
-              </a:ln>
-              <a:effectLst/>
-              <a:extLst>
-                <a:ext uri="{C572A759-6A51-4108-AA02-DFA0A04FC94B}">
-                  <ma14:wrappingTextBoxFlag xmlns:ma14="http://schemas.microsoft.com/office/mac/drawingml/2011/main" xmlns:a14="http://schemas.microsoft.com/office/drawing/2010/main" xmlns:m="http://schemas.openxmlformats.org/officeDocument/2006/math" xmlns="" val="1"/>
-                </a:ext>
-              </a:extLst>
-            </p:spPr>
-            <p:txBody>
-              <a:bodyPr wrap="square" lIns="45718" tIns="45718" rIns="45718" bIns="45718" numCol="1" anchor="t">
-                <a:spAutoFit/>
-              </a:bodyPr>
-              <a:lstStyle>
-                <a:lvl1pPr>
-                  <a:defRPr sz="1300">
-                    <a:solidFill>
-                      <a:srgbClr val="535353"/>
-                    </a:solidFill>
-                    <a:latin typeface="+mn-lt"/>
-                    <a:ea typeface="+mn-ea"/>
-                    <a:cs typeface="+mn-cs"/>
-                    <a:sym typeface="Calibri"/>
-                  </a:defRPr>
-                </a:lvl1pPr>
-              </a:lstStyle>
-              <a:p>
-                <a:r>
-                  <a:t>переменную</a:t>
-                </a:r>
-              </a:p>
-            </p:txBody>
-          </p:sp>
-        </p:grpSp>
-        <p:grpSp>
-          <p:nvGrpSpPr>
-            <p:cNvPr id="133" name="переменную"/>
-            <p:cNvGrpSpPr/>
+              <a:miter lim="400000"/>
+            </a:ln>
+            <a:effectLst/>
+            <a:extLst>
+              <a:ext uri="{C572A759-6A51-4108-AA02-DFA0A04FC94B}">
+                <ma14:wrappingTextBoxFlag xmlns="" xmlns:m="http://schemas.openxmlformats.org/officeDocument/2006/math" xmlns:a14="http://schemas.microsoft.com/office/drawing/2010/main" xmlns:ma14="http://schemas.microsoft.com/office/mac/drawingml/2011/main" val="1"/>
+              </a:ext>
+            </a:extLst>
+          </p:spPr>
+          <p:txBody>
+            <a:bodyPr wrap="square" lIns="45718" tIns="45718" rIns="45718" bIns="45718" numCol="1" anchor="t">
+              <a:spAutoFit/>
+            </a:bodyPr>
+            <a:lstStyle>
+              <a:lvl1pPr>
+                <a:defRPr sz="1300">
+                  <a:solidFill>
+                    <a:srgbClr val="535353"/>
+                  </a:solidFill>
+                  <a:latin typeface="+mn-lt"/>
+                  <a:ea typeface="+mn-ea"/>
+                  <a:cs typeface="+mn-cs"/>
+                  <a:sym typeface="Calibri"/>
+                </a:defRPr>
+              </a:lvl1pPr>
+            </a:lstStyle>
+            <a:p>
+              <a:r>
+                <a:rPr sz="900" dirty="0" err="1"/>
+                <a:t>переменную</a:t>
+              </a:r>
+              <a:endParaRPr sz="900" dirty="0"/>
+            </a:p>
+          </p:txBody>
+        </p:sp>
+        <p:sp>
+          <p:nvSpPr>
+            <p:cNvPr id="132" name="переменную"/>
+            <p:cNvSpPr txBox="1"/>
             <p:nvPr/>
-          </p:nvGrpSpPr>
-          <p:grpSpPr>
+          </p:nvSpPr>
+          <p:spPr>
             <a:xfrm>
-              <a:off x="2630211" y="667153"/>
-              <a:ext cx="755814" cy="461399"/>
-              <a:chOff x="0" y="0"/>
-              <a:chExt cx="755813" cy="461397"/>
+              <a:off x="2630212" y="548289"/>
+              <a:ext cx="755814" cy="230828"/>
             </a:xfrm>
-          </p:grpSpPr>
-          <p:sp>
-            <p:nvSpPr>
-              <p:cNvPr id="131" name="Прямоугольник"/>
-              <p:cNvSpPr/>
-              <p:nvPr/>
-            </p:nvSpPr>
-            <p:spPr>
-              <a:xfrm>
-                <a:off x="0" y="0"/>
-                <a:ext cx="755814" cy="194303"/>
-              </a:xfrm>
-              <a:prstGeom prst="rect">
-                <a:avLst/>
-              </a:prstGeom>
-              <a:solidFill>
-                <a:srgbClr val="000000"/>
-              </a:solidFill>
-              <a:ln w="12700" cap="flat">
-                <a:noFill/>
-                <a:miter lim="400000"/>
-              </a:ln>
-              <a:effectLst/>
-            </p:spPr>
-            <p:txBody>
-              <a:bodyPr wrap="square" lIns="45718" tIns="45718" rIns="45718" bIns="45718" numCol="1" anchor="t">
-                <a:noAutofit/>
-              </a:bodyPr>
-              <a:lstStyle/>
-              <a:p>
-                <a:pPr>
-                  <a:defRPr sz="1300">
-                    <a:solidFill>
-                      <a:srgbClr val="535353"/>
-                    </a:solidFill>
-                    <a:latin typeface="+mn-lt"/>
-                    <a:ea typeface="+mn-ea"/>
-                    <a:cs typeface="+mn-cs"/>
-                    <a:sym typeface="Calibri"/>
-                  </a:defRPr>
-                </a:pPr>
-                <a:endParaRPr/>
-              </a:p>
-            </p:txBody>
-          </p:sp>
-          <p:sp>
-            <p:nvSpPr>
-              <p:cNvPr id="132" name="переменную"/>
-              <p:cNvSpPr txBox="1"/>
-              <p:nvPr/>
-            </p:nvSpPr>
-            <p:spPr>
-              <a:xfrm>
-                <a:off x="0" y="0"/>
-                <a:ext cx="755814" cy="461398"/>
-              </a:xfrm>
-              <a:prstGeom prst="rect">
-                <a:avLst/>
-              </a:prstGeom>
+            <a:prstGeom prst="rect">
+              <a:avLst/>
+            </a:prstGeom>
+            <a:solidFill>
+              <a:schemeClr val="tx1">
+                <a:lumMod val="95000"/>
+                <a:lumOff val="5000"/>
+              </a:schemeClr>
+            </a:solidFill>
+            <a:ln w="12700" cap="flat">
               <a:noFill/>
-              <a:ln w="12700" cap="flat">
-                <a:noFill/>
-                <a:miter lim="400000"/>
-              </a:ln>
-              <a:effectLst/>
-              <a:extLst>
-                <a:ext uri="{C572A759-6A51-4108-AA02-DFA0A04FC94B}">
-                  <ma14:wrappingTextBoxFlag xmlns:ma14="http://schemas.microsoft.com/office/mac/drawingml/2011/main" xmlns:a14="http://schemas.microsoft.com/office/drawing/2010/main" xmlns:m="http://schemas.openxmlformats.org/officeDocument/2006/math" xmlns="" val="1"/>
-                </a:ext>
-              </a:extLst>
-            </p:spPr>
-            <p:txBody>
-              <a:bodyPr wrap="square" lIns="45718" tIns="45718" rIns="45718" bIns="45718" numCol="1" anchor="t">
-                <a:spAutoFit/>
-              </a:bodyPr>
-              <a:lstStyle>
-                <a:lvl1pPr>
-                  <a:defRPr sz="1300">
-                    <a:solidFill>
-                      <a:srgbClr val="535353"/>
-                    </a:solidFill>
-                    <a:latin typeface="+mn-lt"/>
-                    <a:ea typeface="+mn-ea"/>
-                    <a:cs typeface="+mn-cs"/>
-                    <a:sym typeface="Calibri"/>
-                  </a:defRPr>
-                </a:lvl1pPr>
-              </a:lstStyle>
-              <a:p>
-                <a:r>
-                  <a:t>переменную</a:t>
-                </a:r>
-              </a:p>
-            </p:txBody>
-          </p:sp>
-        </p:grpSp>
-        <p:grpSp>
-          <p:nvGrpSpPr>
-            <p:cNvPr id="136" name="переменную"/>
-            <p:cNvGrpSpPr/>
+              <a:miter lim="400000"/>
+            </a:ln>
+            <a:effectLst/>
+            <a:extLst>
+              <a:ext uri="{C572A759-6A51-4108-AA02-DFA0A04FC94B}">
+                <ma14:wrappingTextBoxFlag xmlns="" xmlns:m="http://schemas.openxmlformats.org/officeDocument/2006/math" xmlns:a14="http://schemas.microsoft.com/office/drawing/2010/main" xmlns:ma14="http://schemas.microsoft.com/office/mac/drawingml/2011/main" val="1"/>
+              </a:ext>
+            </a:extLst>
+          </p:spPr>
+          <p:txBody>
+            <a:bodyPr wrap="square" lIns="45718" tIns="45718" rIns="45718" bIns="45718" numCol="1" anchor="t">
+              <a:spAutoFit/>
+            </a:bodyPr>
+            <a:lstStyle>
+              <a:lvl1pPr>
+                <a:defRPr sz="1300">
+                  <a:solidFill>
+                    <a:srgbClr val="535353"/>
+                  </a:solidFill>
+                  <a:latin typeface="+mn-lt"/>
+                  <a:ea typeface="+mn-ea"/>
+                  <a:cs typeface="+mn-cs"/>
+                  <a:sym typeface="Calibri"/>
+                </a:defRPr>
+              </a:lvl1pPr>
+            </a:lstStyle>
+            <a:p>
+              <a:r>
+                <a:rPr sz="900"/>
+                <a:t>переменную</a:t>
+              </a:r>
+            </a:p>
+          </p:txBody>
+        </p:sp>
+        <p:sp>
+          <p:nvSpPr>
+            <p:cNvPr id="135" name="переменную"/>
+            <p:cNvSpPr txBox="1"/>
             <p:nvPr/>
-          </p:nvGrpSpPr>
-          <p:grpSpPr>
+          </p:nvSpPr>
+          <p:spPr>
             <a:xfrm>
-              <a:off x="3385220" y="1718432"/>
-              <a:ext cx="755814" cy="461399"/>
-              <a:chOff x="0" y="0"/>
-              <a:chExt cx="755813" cy="461397"/>
+              <a:off x="3385221" y="1599568"/>
+              <a:ext cx="755814" cy="230828"/>
             </a:xfrm>
-          </p:grpSpPr>
-          <p:sp>
-            <p:nvSpPr>
-              <p:cNvPr id="134" name="Прямоугольник"/>
-              <p:cNvSpPr/>
-              <p:nvPr/>
-            </p:nvSpPr>
-            <p:spPr>
-              <a:xfrm>
-                <a:off x="0" y="0"/>
-                <a:ext cx="755814" cy="194302"/>
-              </a:xfrm>
-              <a:prstGeom prst="rect">
-                <a:avLst/>
-              </a:prstGeom>
-              <a:solidFill>
-                <a:srgbClr val="000000"/>
-              </a:solidFill>
-              <a:ln w="12700" cap="flat">
-                <a:noFill/>
-                <a:miter lim="400000"/>
-              </a:ln>
-              <a:effectLst/>
-            </p:spPr>
-            <p:txBody>
-              <a:bodyPr wrap="square" lIns="45718" tIns="45718" rIns="45718" bIns="45718" numCol="1" anchor="t">
-                <a:noAutofit/>
-              </a:bodyPr>
-              <a:lstStyle/>
-              <a:p>
-                <a:pPr>
-                  <a:defRPr sz="1300">
-                    <a:solidFill>
-                      <a:srgbClr val="535353"/>
-                    </a:solidFill>
-                    <a:latin typeface="+mn-lt"/>
-                    <a:ea typeface="+mn-ea"/>
-                    <a:cs typeface="+mn-cs"/>
-                    <a:sym typeface="Calibri"/>
-                  </a:defRPr>
-                </a:pPr>
-                <a:endParaRPr/>
-              </a:p>
-            </p:txBody>
-          </p:sp>
-          <p:sp>
-            <p:nvSpPr>
-              <p:cNvPr id="135" name="переменную"/>
-              <p:cNvSpPr txBox="1"/>
-              <p:nvPr/>
-            </p:nvSpPr>
-            <p:spPr>
-              <a:xfrm>
-                <a:off x="0" y="0"/>
-                <a:ext cx="755814" cy="461398"/>
-              </a:xfrm>
-              <a:prstGeom prst="rect">
-                <a:avLst/>
-              </a:prstGeom>
+            <a:prstGeom prst="rect">
+              <a:avLst/>
+            </a:prstGeom>
+            <a:solidFill>
+              <a:schemeClr val="tx1">
+                <a:lumMod val="95000"/>
+                <a:lumOff val="5000"/>
+              </a:schemeClr>
+            </a:solidFill>
+            <a:ln w="12700" cap="flat">
               <a:noFill/>
-              <a:ln w="12700" cap="flat">
-                <a:noFill/>
-                <a:miter lim="400000"/>
-              </a:ln>
-              <a:effectLst/>
-              <a:extLst>
-                <a:ext uri="{C572A759-6A51-4108-AA02-DFA0A04FC94B}">
-                  <ma14:wrappingTextBoxFlag xmlns:ma14="http://schemas.microsoft.com/office/mac/drawingml/2011/main" xmlns:a14="http://schemas.microsoft.com/office/drawing/2010/main" xmlns:m="http://schemas.openxmlformats.org/officeDocument/2006/math" xmlns="" val="1"/>
-                </a:ext>
-              </a:extLst>
-            </p:spPr>
-            <p:txBody>
-              <a:bodyPr wrap="square" lIns="45718" tIns="45718" rIns="45718" bIns="45718" numCol="1" anchor="t">
-                <a:spAutoFit/>
-              </a:bodyPr>
-              <a:lstStyle>
-                <a:lvl1pPr>
-                  <a:defRPr sz="1300">
-                    <a:solidFill>
-                      <a:srgbClr val="535353"/>
-                    </a:solidFill>
-                    <a:latin typeface="+mn-lt"/>
-                    <a:ea typeface="+mn-ea"/>
-                    <a:cs typeface="+mn-cs"/>
-                    <a:sym typeface="Calibri"/>
-                  </a:defRPr>
-                </a:lvl1pPr>
-              </a:lstStyle>
-              <a:p>
-                <a:r>
-                  <a:t>переменную</a:t>
-                </a:r>
-              </a:p>
-            </p:txBody>
-          </p:sp>
-        </p:grpSp>
-        <p:grpSp>
-          <p:nvGrpSpPr>
-            <p:cNvPr id="139" name="переменную"/>
-            <p:cNvGrpSpPr/>
+              <a:miter lim="400000"/>
+            </a:ln>
+            <a:effectLst/>
+            <a:extLst>
+              <a:ext uri="{C572A759-6A51-4108-AA02-DFA0A04FC94B}">
+                <ma14:wrappingTextBoxFlag xmlns="" xmlns:m="http://schemas.openxmlformats.org/officeDocument/2006/math" xmlns:a14="http://schemas.microsoft.com/office/drawing/2010/main" xmlns:ma14="http://schemas.microsoft.com/office/mac/drawingml/2011/main" val="1"/>
+              </a:ext>
+            </a:extLst>
+          </p:spPr>
+          <p:txBody>
+            <a:bodyPr wrap="square" lIns="45718" tIns="45718" rIns="45718" bIns="45718" numCol="1" anchor="t">
+              <a:spAutoFit/>
+            </a:bodyPr>
+            <a:lstStyle>
+              <a:lvl1pPr>
+                <a:defRPr sz="1300">
+                  <a:solidFill>
+                    <a:srgbClr val="535353"/>
+                  </a:solidFill>
+                  <a:latin typeface="+mn-lt"/>
+                  <a:ea typeface="+mn-ea"/>
+                  <a:cs typeface="+mn-cs"/>
+                  <a:sym typeface="Calibri"/>
+                </a:defRPr>
+              </a:lvl1pPr>
+            </a:lstStyle>
+            <a:p>
+              <a:r>
+                <a:rPr sz="900"/>
+                <a:t>переменную</a:t>
+              </a:r>
+            </a:p>
+          </p:txBody>
+        </p:sp>
+        <p:sp>
+          <p:nvSpPr>
+            <p:cNvPr id="138" name="переменную"/>
+            <p:cNvSpPr txBox="1"/>
             <p:nvPr/>
-          </p:nvGrpSpPr>
-          <p:grpSpPr>
+          </p:nvSpPr>
+          <p:spPr>
             <a:xfrm>
-              <a:off x="3385220" y="2588127"/>
-              <a:ext cx="755814" cy="461399"/>
-              <a:chOff x="0" y="0"/>
-              <a:chExt cx="755813" cy="461397"/>
+              <a:off x="3385221" y="2469263"/>
+              <a:ext cx="755814" cy="230828"/>
             </a:xfrm>
-          </p:grpSpPr>
-          <p:sp>
-            <p:nvSpPr>
-              <p:cNvPr id="137" name="Прямоугольник"/>
-              <p:cNvSpPr/>
-              <p:nvPr/>
-            </p:nvSpPr>
-            <p:spPr>
-              <a:xfrm>
-                <a:off x="0" y="0"/>
-                <a:ext cx="755814" cy="194303"/>
-              </a:xfrm>
-              <a:prstGeom prst="rect">
-                <a:avLst/>
-              </a:prstGeom>
-              <a:solidFill>
-                <a:srgbClr val="000000"/>
-              </a:solidFill>
-              <a:ln w="12700" cap="flat">
-                <a:noFill/>
-                <a:miter lim="400000"/>
-              </a:ln>
-              <a:effectLst/>
-            </p:spPr>
-            <p:txBody>
-              <a:bodyPr wrap="square" lIns="45718" tIns="45718" rIns="45718" bIns="45718" numCol="1" anchor="t">
-                <a:noAutofit/>
-              </a:bodyPr>
-              <a:lstStyle/>
-              <a:p>
-                <a:pPr>
-                  <a:defRPr sz="1300">
-                    <a:solidFill>
-                      <a:srgbClr val="535353"/>
-                    </a:solidFill>
-                    <a:latin typeface="+mn-lt"/>
-                    <a:ea typeface="+mn-ea"/>
-                    <a:cs typeface="+mn-cs"/>
-                    <a:sym typeface="Calibri"/>
-                  </a:defRPr>
-                </a:pPr>
-                <a:endParaRPr/>
-              </a:p>
-            </p:txBody>
-          </p:sp>
-          <p:sp>
-            <p:nvSpPr>
-              <p:cNvPr id="138" name="переменную"/>
-              <p:cNvSpPr txBox="1"/>
-              <p:nvPr/>
-            </p:nvSpPr>
-            <p:spPr>
-              <a:xfrm>
-                <a:off x="0" y="0"/>
-                <a:ext cx="755814" cy="461398"/>
-              </a:xfrm>
-              <a:prstGeom prst="rect">
-                <a:avLst/>
-              </a:prstGeom>
+            <a:prstGeom prst="rect">
+              <a:avLst/>
+            </a:prstGeom>
+            <a:solidFill>
+              <a:schemeClr val="tx1">
+                <a:lumMod val="95000"/>
+                <a:lumOff val="5000"/>
+              </a:schemeClr>
+            </a:solidFill>
+            <a:ln w="12700" cap="flat">
               <a:noFill/>
-              <a:ln w="12700" cap="flat">
-                <a:noFill/>
-                <a:miter lim="400000"/>
-              </a:ln>
-              <a:effectLst/>
-              <a:extLst>
-                <a:ext uri="{C572A759-6A51-4108-AA02-DFA0A04FC94B}">
-                  <ma14:wrappingTextBoxFlag xmlns:ma14="http://schemas.microsoft.com/office/mac/drawingml/2011/main" xmlns:a14="http://schemas.microsoft.com/office/drawing/2010/main" xmlns:m="http://schemas.openxmlformats.org/officeDocument/2006/math" xmlns="" val="1"/>
-                </a:ext>
-              </a:extLst>
-            </p:spPr>
-            <p:txBody>
-              <a:bodyPr wrap="square" lIns="45718" tIns="45718" rIns="45718" bIns="45718" numCol="1" anchor="t">
-                <a:spAutoFit/>
-              </a:bodyPr>
-              <a:lstStyle>
-                <a:lvl1pPr>
-                  <a:defRPr sz="1300">
-                    <a:solidFill>
-                      <a:srgbClr val="535353"/>
-                    </a:solidFill>
-                    <a:latin typeface="+mn-lt"/>
-                    <a:ea typeface="+mn-ea"/>
-                    <a:cs typeface="+mn-cs"/>
-                    <a:sym typeface="Calibri"/>
-                  </a:defRPr>
-                </a:lvl1pPr>
-              </a:lstStyle>
-              <a:p>
-                <a:r>
-                  <a:t>переменную</a:t>
-                </a:r>
-              </a:p>
-            </p:txBody>
-          </p:sp>
-        </p:grpSp>
-        <p:grpSp>
-          <p:nvGrpSpPr>
-            <p:cNvPr id="142" name="переменную"/>
-            <p:cNvGrpSpPr/>
+              <a:miter lim="400000"/>
+            </a:ln>
+            <a:effectLst/>
+            <a:extLst>
+              <a:ext uri="{C572A759-6A51-4108-AA02-DFA0A04FC94B}">
+                <ma14:wrappingTextBoxFlag xmlns="" xmlns:m="http://schemas.openxmlformats.org/officeDocument/2006/math" xmlns:a14="http://schemas.microsoft.com/office/drawing/2010/main" xmlns:ma14="http://schemas.microsoft.com/office/mac/drawingml/2011/main" val="1"/>
+              </a:ext>
+            </a:extLst>
+          </p:spPr>
+          <p:txBody>
+            <a:bodyPr wrap="square" lIns="45718" tIns="45718" rIns="45718" bIns="45718" numCol="1" anchor="t">
+              <a:spAutoFit/>
+            </a:bodyPr>
+            <a:lstStyle>
+              <a:lvl1pPr>
+                <a:defRPr sz="1300">
+                  <a:solidFill>
+                    <a:srgbClr val="535353"/>
+                  </a:solidFill>
+                  <a:latin typeface="+mn-lt"/>
+                  <a:ea typeface="+mn-ea"/>
+                  <a:cs typeface="+mn-cs"/>
+                  <a:sym typeface="Calibri"/>
+                </a:defRPr>
+              </a:lvl1pPr>
+            </a:lstStyle>
+            <a:p>
+              <a:r>
+                <a:rPr sz="900"/>
+                <a:t>переменную</a:t>
+              </a:r>
+            </a:p>
+          </p:txBody>
+        </p:sp>
+        <p:sp>
+          <p:nvSpPr>
+            <p:cNvPr id="141" name="переменную"/>
+            <p:cNvSpPr txBox="1"/>
             <p:nvPr/>
-          </p:nvGrpSpPr>
-          <p:grpSpPr>
+          </p:nvSpPr>
+          <p:spPr>
             <a:xfrm>
-              <a:off x="2630211" y="2779269"/>
-              <a:ext cx="755814" cy="461399"/>
-              <a:chOff x="0" y="0"/>
-              <a:chExt cx="755813" cy="461397"/>
+              <a:off x="2630212" y="2660405"/>
+              <a:ext cx="755814" cy="230828"/>
             </a:xfrm>
-          </p:grpSpPr>
-          <p:sp>
-            <p:nvSpPr>
-              <p:cNvPr id="140" name="Прямоугольник"/>
-              <p:cNvSpPr/>
-              <p:nvPr/>
-            </p:nvSpPr>
-            <p:spPr>
-              <a:xfrm>
-                <a:off x="0" y="0"/>
-                <a:ext cx="755814" cy="194302"/>
-              </a:xfrm>
-              <a:prstGeom prst="rect">
-                <a:avLst/>
-              </a:prstGeom>
-              <a:solidFill>
-                <a:srgbClr val="000000"/>
-              </a:solidFill>
-              <a:ln w="12700" cap="flat">
-                <a:noFill/>
-                <a:miter lim="400000"/>
-              </a:ln>
-              <a:effectLst/>
-            </p:spPr>
-            <p:txBody>
-              <a:bodyPr wrap="square" lIns="45718" tIns="45718" rIns="45718" bIns="45718" numCol="1" anchor="t">
-                <a:noAutofit/>
-              </a:bodyPr>
-              <a:lstStyle/>
-              <a:p>
-                <a:pPr>
-                  <a:defRPr sz="1300">
-                    <a:solidFill>
-                      <a:srgbClr val="535353"/>
-                    </a:solidFill>
-                    <a:latin typeface="+mn-lt"/>
-                    <a:ea typeface="+mn-ea"/>
-                    <a:cs typeface="+mn-cs"/>
-                    <a:sym typeface="Calibri"/>
-                  </a:defRPr>
-                </a:pPr>
-                <a:endParaRPr/>
-              </a:p>
-            </p:txBody>
-          </p:sp>
-          <p:sp>
-            <p:nvSpPr>
-              <p:cNvPr id="141" name="переменную"/>
-              <p:cNvSpPr txBox="1"/>
-              <p:nvPr/>
-            </p:nvSpPr>
-            <p:spPr>
-              <a:xfrm>
-                <a:off x="0" y="0"/>
-                <a:ext cx="755814" cy="461398"/>
-              </a:xfrm>
-              <a:prstGeom prst="rect">
-                <a:avLst/>
-              </a:prstGeom>
+            <a:prstGeom prst="rect">
+              <a:avLst/>
+            </a:prstGeom>
+            <a:solidFill>
+              <a:schemeClr val="tx1">
+                <a:lumMod val="95000"/>
+                <a:lumOff val="5000"/>
+              </a:schemeClr>
+            </a:solidFill>
+            <a:ln w="12700" cap="flat">
               <a:noFill/>
-              <a:ln w="12700" cap="flat">
-                <a:noFill/>
-                <a:miter lim="400000"/>
-              </a:ln>
-              <a:effectLst/>
-              <a:extLst>
-                <a:ext uri="{C572A759-6A51-4108-AA02-DFA0A04FC94B}">
-                  <ma14:wrappingTextBoxFlag xmlns:ma14="http://schemas.microsoft.com/office/mac/drawingml/2011/main" xmlns:a14="http://schemas.microsoft.com/office/drawing/2010/main" xmlns:m="http://schemas.openxmlformats.org/officeDocument/2006/math" xmlns="" val="1"/>
-                </a:ext>
-              </a:extLst>
-            </p:spPr>
-            <p:txBody>
-              <a:bodyPr wrap="square" lIns="45718" tIns="45718" rIns="45718" bIns="45718" numCol="1" anchor="t">
-                <a:spAutoFit/>
-              </a:bodyPr>
-              <a:lstStyle>
-                <a:lvl1pPr>
-                  <a:defRPr sz="1300">
-                    <a:solidFill>
-                      <a:srgbClr val="535353"/>
-                    </a:solidFill>
-                    <a:latin typeface="+mn-lt"/>
-                    <a:ea typeface="+mn-ea"/>
-                    <a:cs typeface="+mn-cs"/>
-                    <a:sym typeface="Calibri"/>
-                  </a:defRPr>
-                </a:lvl1pPr>
-              </a:lstStyle>
-              <a:p>
-                <a:r>
-                  <a:t>переменную</a:t>
-                </a:r>
-              </a:p>
-            </p:txBody>
-          </p:sp>
-        </p:grpSp>
-        <p:grpSp>
-          <p:nvGrpSpPr>
-            <p:cNvPr id="145" name="переменную"/>
-            <p:cNvGrpSpPr/>
+              <a:miter lim="400000"/>
+            </a:ln>
+            <a:effectLst/>
+            <a:extLst>
+              <a:ext uri="{C572A759-6A51-4108-AA02-DFA0A04FC94B}">
+                <ma14:wrappingTextBoxFlag xmlns="" xmlns:m="http://schemas.openxmlformats.org/officeDocument/2006/math" xmlns:a14="http://schemas.microsoft.com/office/drawing/2010/main" xmlns:ma14="http://schemas.microsoft.com/office/mac/drawingml/2011/main" val="1"/>
+              </a:ext>
+            </a:extLst>
+          </p:spPr>
+          <p:txBody>
+            <a:bodyPr wrap="square" lIns="45718" tIns="45718" rIns="45718" bIns="45718" numCol="1" anchor="t">
+              <a:spAutoFit/>
+            </a:bodyPr>
+            <a:lstStyle>
+              <a:lvl1pPr>
+                <a:defRPr sz="1300">
+                  <a:solidFill>
+                    <a:srgbClr val="535353"/>
+                  </a:solidFill>
+                  <a:latin typeface="+mn-lt"/>
+                  <a:ea typeface="+mn-ea"/>
+                  <a:cs typeface="+mn-cs"/>
+                  <a:sym typeface="Calibri"/>
+                </a:defRPr>
+              </a:lvl1pPr>
+            </a:lstStyle>
+            <a:p>
+              <a:r>
+                <a:rPr sz="900"/>
+                <a:t>переменную</a:t>
+              </a:r>
+            </a:p>
+          </p:txBody>
+        </p:sp>
+        <p:sp>
+          <p:nvSpPr>
+            <p:cNvPr id="144" name="переменную"/>
+            <p:cNvSpPr txBox="1"/>
             <p:nvPr/>
-          </p:nvGrpSpPr>
-          <p:grpSpPr>
+          </p:nvSpPr>
+          <p:spPr>
             <a:xfrm>
-              <a:off x="2630211" y="3438707"/>
-              <a:ext cx="755814" cy="461399"/>
-              <a:chOff x="0" y="0"/>
-              <a:chExt cx="755813" cy="461397"/>
+              <a:off x="2630212" y="3319843"/>
+              <a:ext cx="755814" cy="230828"/>
             </a:xfrm>
-          </p:grpSpPr>
-          <p:sp>
-            <p:nvSpPr>
-              <p:cNvPr id="143" name="Прямоугольник"/>
-              <p:cNvSpPr/>
-              <p:nvPr/>
-            </p:nvSpPr>
-            <p:spPr>
-              <a:xfrm>
-                <a:off x="0" y="0"/>
-                <a:ext cx="755814" cy="194303"/>
-              </a:xfrm>
-              <a:prstGeom prst="rect">
-                <a:avLst/>
-              </a:prstGeom>
-              <a:solidFill>
-                <a:srgbClr val="000000"/>
-              </a:solidFill>
-              <a:ln w="12700" cap="flat">
-                <a:noFill/>
-                <a:miter lim="400000"/>
-              </a:ln>
-              <a:effectLst/>
-            </p:spPr>
-            <p:txBody>
-              <a:bodyPr wrap="square" lIns="45718" tIns="45718" rIns="45718" bIns="45718" numCol="1" anchor="t">
-                <a:noAutofit/>
-              </a:bodyPr>
-              <a:lstStyle/>
-              <a:p>
-                <a:pPr>
-                  <a:defRPr sz="1300">
-                    <a:solidFill>
-                      <a:srgbClr val="535353"/>
-                    </a:solidFill>
-                    <a:latin typeface="+mn-lt"/>
-                    <a:ea typeface="+mn-ea"/>
-                    <a:cs typeface="+mn-cs"/>
-                    <a:sym typeface="Calibri"/>
-                  </a:defRPr>
-                </a:pPr>
-                <a:endParaRPr/>
-              </a:p>
-            </p:txBody>
-          </p:sp>
-          <p:sp>
-            <p:nvSpPr>
-              <p:cNvPr id="144" name="переменную"/>
-              <p:cNvSpPr txBox="1"/>
-              <p:nvPr/>
-            </p:nvSpPr>
-            <p:spPr>
-              <a:xfrm>
-                <a:off x="0" y="0"/>
-                <a:ext cx="755814" cy="461398"/>
-              </a:xfrm>
-              <a:prstGeom prst="rect">
-                <a:avLst/>
-              </a:prstGeom>
+            <a:prstGeom prst="rect">
+              <a:avLst/>
+            </a:prstGeom>
+            <a:solidFill>
+              <a:schemeClr val="tx1">
+                <a:lumMod val="95000"/>
+                <a:lumOff val="5000"/>
+              </a:schemeClr>
+            </a:solidFill>
+            <a:ln w="12700" cap="flat">
               <a:noFill/>
-              <a:ln w="12700" cap="flat">
-                <a:noFill/>
-                <a:miter lim="400000"/>
-              </a:ln>
-              <a:effectLst/>
-              <a:extLst>
-                <a:ext uri="{C572A759-6A51-4108-AA02-DFA0A04FC94B}">
-                  <ma14:wrappingTextBoxFlag xmlns:ma14="http://schemas.microsoft.com/office/mac/drawingml/2011/main" xmlns:a14="http://schemas.microsoft.com/office/drawing/2010/main" xmlns:m="http://schemas.openxmlformats.org/officeDocument/2006/math" xmlns="" val="1"/>
-                </a:ext>
-              </a:extLst>
-            </p:spPr>
-            <p:txBody>
-              <a:bodyPr wrap="square" lIns="45718" tIns="45718" rIns="45718" bIns="45718" numCol="1" anchor="t">
-                <a:spAutoFit/>
-              </a:bodyPr>
-              <a:lstStyle>
-                <a:lvl1pPr>
-                  <a:defRPr sz="1300">
-                    <a:solidFill>
-                      <a:srgbClr val="535353"/>
-                    </a:solidFill>
-                    <a:latin typeface="+mn-lt"/>
-                    <a:ea typeface="+mn-ea"/>
-                    <a:cs typeface="+mn-cs"/>
-                    <a:sym typeface="Calibri"/>
-                  </a:defRPr>
-                </a:lvl1pPr>
-              </a:lstStyle>
-              <a:p>
-                <a:r>
-                  <a:t>переменную</a:t>
-                </a:r>
-              </a:p>
-            </p:txBody>
-          </p:sp>
-        </p:grpSp>
+              <a:miter lim="400000"/>
+            </a:ln>
+            <a:effectLst/>
+            <a:extLst>
+              <a:ext uri="{C572A759-6A51-4108-AA02-DFA0A04FC94B}">
+                <ma14:wrappingTextBoxFlag xmlns="" xmlns:m="http://schemas.openxmlformats.org/officeDocument/2006/math" xmlns:a14="http://schemas.microsoft.com/office/drawing/2010/main" xmlns:ma14="http://schemas.microsoft.com/office/mac/drawingml/2011/main" val="1"/>
+              </a:ext>
+            </a:extLst>
+          </p:spPr>
+          <p:txBody>
+            <a:bodyPr wrap="square" lIns="45718" tIns="45718" rIns="45718" bIns="45718" numCol="1" anchor="t">
+              <a:spAutoFit/>
+            </a:bodyPr>
+            <a:lstStyle>
+              <a:lvl1pPr>
+                <a:defRPr sz="1300">
+                  <a:solidFill>
+                    <a:srgbClr val="535353"/>
+                  </a:solidFill>
+                  <a:latin typeface="+mn-lt"/>
+                  <a:ea typeface="+mn-ea"/>
+                  <a:cs typeface="+mn-cs"/>
+                  <a:sym typeface="Calibri"/>
+                </a:defRPr>
+              </a:lvl1pPr>
+            </a:lstStyle>
+            <a:p>
+              <a:r>
+                <a:rPr lang="ru-RU" sz="900" dirty="0"/>
+                <a:t>п</a:t>
+              </a:r>
+              <a:r>
+                <a:rPr sz="900" dirty="0" err="1"/>
+                <a:t>еременну</a:t>
+              </a:r>
+              <a:r>
+                <a:rPr lang="ru-RU" sz="900" dirty="0"/>
+                <a:t>ю</a:t>
+              </a:r>
+              <a:endParaRPr sz="900" dirty="0"/>
+            </a:p>
+          </p:txBody>
+        </p:sp>
       </p:grpSp>
       <p:sp>
         <p:nvSpPr>
@@ -34812,7 +35992,7 @@
           </a:ln>
           <a:extLst>
             <a:ext uri="{C572A759-6A51-4108-AA02-DFA0A04FC94B}">
-              <ma14:wrappingTextBoxFlag xmlns:ma14="http://schemas.microsoft.com/office/mac/drawingml/2011/main" xmlns:a14="http://schemas.microsoft.com/office/drawing/2010/main" xmlns:m="http://schemas.openxmlformats.org/officeDocument/2006/math" xmlns="" val="1"/>
+              <ma14:wrappingTextBoxFlag xmlns="" xmlns:m="http://schemas.openxmlformats.org/officeDocument/2006/math" xmlns:a14="http://schemas.microsoft.com/office/drawing/2010/main" xmlns:ma14="http://schemas.microsoft.com/office/mac/drawingml/2011/main" val="1"/>
             </a:ext>
           </a:extLst>
         </p:spPr>
@@ -34857,7 +36037,7 @@
           </a:ln>
           <a:extLst>
             <a:ext uri="{C572A759-6A51-4108-AA02-DFA0A04FC94B}">
-              <ma14:wrappingTextBoxFlag xmlns:ma14="http://schemas.microsoft.com/office/mac/drawingml/2011/main" xmlns:a14="http://schemas.microsoft.com/office/drawing/2010/main" xmlns:m="http://schemas.openxmlformats.org/officeDocument/2006/math" xmlns="" val="1"/>
+              <ma14:wrappingTextBoxFlag xmlns="" xmlns:m="http://schemas.openxmlformats.org/officeDocument/2006/math" xmlns:a14="http://schemas.microsoft.com/office/drawing/2010/main" xmlns:ma14="http://schemas.microsoft.com/office/mac/drawingml/2011/main" val="1"/>
             </a:ext>
           </a:extLst>
         </p:spPr>
@@ -34958,7 +36138,7 @@
           </a:ln>
           <a:extLst>
             <a:ext uri="{C572A759-6A51-4108-AA02-DFA0A04FC94B}">
-              <ma14:wrappingTextBoxFlag xmlns:ma14="http://schemas.microsoft.com/office/mac/drawingml/2011/main" xmlns:a14="http://schemas.microsoft.com/office/drawing/2010/main" xmlns:m="http://schemas.openxmlformats.org/officeDocument/2006/math" xmlns="" val="1"/>
+              <ma14:wrappingTextBoxFlag xmlns="" xmlns:m="http://schemas.openxmlformats.org/officeDocument/2006/math" xmlns:a14="http://schemas.microsoft.com/office/drawing/2010/main" xmlns:ma14="http://schemas.microsoft.com/office/mac/drawingml/2011/main" val="1"/>
             </a:ext>
           </a:extLst>
         </p:spPr>
@@ -35248,7 +36428,7 @@
           </a:ln>
           <a:extLst>
             <a:ext uri="{C572A759-6A51-4108-AA02-DFA0A04FC94B}">
-              <ma14:wrappingTextBoxFlag xmlns:ma14="http://schemas.microsoft.com/office/mac/drawingml/2011/main" xmlns:a14="http://schemas.microsoft.com/office/drawing/2010/main" xmlns:m="http://schemas.openxmlformats.org/officeDocument/2006/math" xmlns="" val="1"/>
+              <ma14:wrappingTextBoxFlag xmlns="" xmlns:m="http://schemas.openxmlformats.org/officeDocument/2006/math" xmlns:a14="http://schemas.microsoft.com/office/drawing/2010/main" xmlns:ma14="http://schemas.microsoft.com/office/mac/drawingml/2011/main" val="1"/>
             </a:ext>
           </a:extLst>
         </p:spPr>
@@ -35506,7 +36686,7 @@
           </a:ln>
           <a:extLst>
             <a:ext uri="{C572A759-6A51-4108-AA02-DFA0A04FC94B}">
-              <ma14:wrappingTextBoxFlag xmlns:ma14="http://schemas.microsoft.com/office/mac/drawingml/2011/main" xmlns:a14="http://schemas.microsoft.com/office/drawing/2010/main" xmlns:m="http://schemas.openxmlformats.org/officeDocument/2006/math" xmlns="" val="1"/>
+              <ma14:wrappingTextBoxFlag xmlns="" xmlns:m="http://schemas.openxmlformats.org/officeDocument/2006/math" xmlns:a14="http://schemas.microsoft.com/office/drawing/2010/main" xmlns:ma14="http://schemas.microsoft.com/office/mac/drawingml/2011/main" val="1"/>
             </a:ext>
           </a:extLst>
         </p:spPr>
@@ -35796,7 +36976,7 @@
           </a:ln>
           <a:extLst>
             <a:ext uri="{C572A759-6A51-4108-AA02-DFA0A04FC94B}">
-              <ma14:wrappingTextBoxFlag xmlns:ma14="http://schemas.microsoft.com/office/mac/drawingml/2011/main" xmlns:a14="http://schemas.microsoft.com/office/drawing/2010/main" xmlns:m="http://schemas.openxmlformats.org/officeDocument/2006/math" xmlns="" val="1"/>
+              <ma14:wrappingTextBoxFlag xmlns="" xmlns:m="http://schemas.openxmlformats.org/officeDocument/2006/math" xmlns:a14="http://schemas.microsoft.com/office/drawing/2010/main" xmlns:ma14="http://schemas.microsoft.com/office/mac/drawingml/2011/main" val="1"/>
             </a:ext>
           </a:extLst>
         </p:spPr>
@@ -36074,7 +37254,7 @@
           </a:ln>
           <a:extLst>
             <a:ext uri="{C572A759-6A51-4108-AA02-DFA0A04FC94B}">
-              <ma14:wrappingTextBoxFlag xmlns:ma14="http://schemas.microsoft.com/office/mac/drawingml/2011/main" xmlns:a14="http://schemas.microsoft.com/office/drawing/2010/main" xmlns:m="http://schemas.openxmlformats.org/officeDocument/2006/math" xmlns="" val="1"/>
+              <ma14:wrappingTextBoxFlag xmlns="" xmlns:m="http://schemas.openxmlformats.org/officeDocument/2006/math" xmlns:a14="http://schemas.microsoft.com/office/drawing/2010/main" xmlns:ma14="http://schemas.microsoft.com/office/mac/drawingml/2011/main" val="1"/>
             </a:ext>
           </a:extLst>
         </p:spPr>
@@ -36364,7 +37544,7 @@
           </a:ln>
           <a:extLst>
             <a:ext uri="{C572A759-6A51-4108-AA02-DFA0A04FC94B}">
-              <ma14:wrappingTextBoxFlag xmlns:ma14="http://schemas.microsoft.com/office/mac/drawingml/2011/main" xmlns:a14="http://schemas.microsoft.com/office/drawing/2010/main" xmlns:m="http://schemas.openxmlformats.org/officeDocument/2006/math" xmlns="" val="1"/>
+              <ma14:wrappingTextBoxFlag xmlns="" xmlns:m="http://schemas.openxmlformats.org/officeDocument/2006/math" xmlns:a14="http://schemas.microsoft.com/office/drawing/2010/main" xmlns:ma14="http://schemas.microsoft.com/office/mac/drawingml/2011/main" val="1"/>
             </a:ext>
           </a:extLst>
         </p:spPr>
@@ -36622,7 +37802,7 @@
           </a:ln>
           <a:extLst>
             <a:ext uri="{C572A759-6A51-4108-AA02-DFA0A04FC94B}">
-              <ma14:wrappingTextBoxFlag xmlns:ma14="http://schemas.microsoft.com/office/mac/drawingml/2011/main" xmlns:a14="http://schemas.microsoft.com/office/drawing/2010/main" xmlns:m="http://schemas.openxmlformats.org/officeDocument/2006/math" xmlns="" val="1"/>
+              <ma14:wrappingTextBoxFlag xmlns="" xmlns:m="http://schemas.openxmlformats.org/officeDocument/2006/math" xmlns:a14="http://schemas.microsoft.com/office/drawing/2010/main" xmlns:ma14="http://schemas.microsoft.com/office/mac/drawingml/2011/main" val="1"/>
             </a:ext>
           </a:extLst>
         </p:spPr>
@@ -36912,7 +38092,7 @@
           </a:ln>
           <a:extLst>
             <a:ext uri="{C572A759-6A51-4108-AA02-DFA0A04FC94B}">
-              <ma14:wrappingTextBoxFlag xmlns:ma14="http://schemas.microsoft.com/office/mac/drawingml/2011/main" xmlns:a14="http://schemas.microsoft.com/office/drawing/2010/main" xmlns:m="http://schemas.openxmlformats.org/officeDocument/2006/math" xmlns="" val="1"/>
+              <ma14:wrappingTextBoxFlag xmlns="" xmlns:m="http://schemas.openxmlformats.org/officeDocument/2006/math" xmlns:a14="http://schemas.microsoft.com/office/drawing/2010/main" xmlns:ma14="http://schemas.microsoft.com/office/mac/drawingml/2011/main" val="1"/>
             </a:ext>
           </a:extLst>
         </p:spPr>
@@ -37190,7 +38370,7 @@
           </a:ln>
           <a:extLst>
             <a:ext uri="{C572A759-6A51-4108-AA02-DFA0A04FC94B}">
-              <ma14:wrappingTextBoxFlag xmlns:ma14="http://schemas.microsoft.com/office/mac/drawingml/2011/main" xmlns:a14="http://schemas.microsoft.com/office/drawing/2010/main" xmlns:m="http://schemas.openxmlformats.org/officeDocument/2006/math" xmlns="" val="1"/>
+              <ma14:wrappingTextBoxFlag xmlns="" xmlns:m="http://schemas.openxmlformats.org/officeDocument/2006/math" xmlns:a14="http://schemas.microsoft.com/office/drawing/2010/main" xmlns:ma14="http://schemas.microsoft.com/office/mac/drawingml/2011/main" val="1"/>
             </a:ext>
           </a:extLst>
         </p:spPr>
@@ -37480,7 +38660,7 @@
           </a:ln>
           <a:extLst>
             <a:ext uri="{C572A759-6A51-4108-AA02-DFA0A04FC94B}">
-              <ma14:wrappingTextBoxFlag xmlns:ma14="http://schemas.microsoft.com/office/mac/drawingml/2011/main" xmlns:a14="http://schemas.microsoft.com/office/drawing/2010/main" xmlns:m="http://schemas.openxmlformats.org/officeDocument/2006/math" xmlns="" val="1"/>
+              <ma14:wrappingTextBoxFlag xmlns="" xmlns:m="http://schemas.openxmlformats.org/officeDocument/2006/math" xmlns:a14="http://schemas.microsoft.com/office/drawing/2010/main" xmlns:ma14="http://schemas.microsoft.com/office/mac/drawingml/2011/main" val="1"/>
             </a:ext>
           </a:extLst>
         </p:spPr>
@@ -37666,7 +38846,7 @@
           </a:ln>
           <a:extLst>
             <a:ext uri="{C572A759-6A51-4108-AA02-DFA0A04FC94B}">
-              <ma14:wrappingTextBoxFlag xmlns:ma14="http://schemas.microsoft.com/office/mac/drawingml/2011/main" xmlns:a14="http://schemas.microsoft.com/office/drawing/2010/main" xmlns:m="http://schemas.openxmlformats.org/officeDocument/2006/math" xmlns="" val="1"/>
+              <ma14:wrappingTextBoxFlag xmlns="" xmlns:m="http://schemas.openxmlformats.org/officeDocument/2006/math" xmlns:a14="http://schemas.microsoft.com/office/drawing/2010/main" xmlns:ma14="http://schemas.microsoft.com/office/mac/drawingml/2011/main" val="1"/>
             </a:ext>
           </a:extLst>
         </p:spPr>
@@ -37956,7 +39136,7 @@
           </a:ln>
           <a:extLst>
             <a:ext uri="{C572A759-6A51-4108-AA02-DFA0A04FC94B}">
-              <ma14:wrappingTextBoxFlag xmlns:ma14="http://schemas.microsoft.com/office/mac/drawingml/2011/main" xmlns:a14="http://schemas.microsoft.com/office/drawing/2010/main" xmlns:m="http://schemas.openxmlformats.org/officeDocument/2006/math" xmlns="" val="1"/>
+              <ma14:wrappingTextBoxFlag xmlns="" xmlns:m="http://schemas.openxmlformats.org/officeDocument/2006/math" xmlns:a14="http://schemas.microsoft.com/office/drawing/2010/main" xmlns:ma14="http://schemas.microsoft.com/office/mac/drawingml/2011/main" val="1"/>
             </a:ext>
           </a:extLst>
         </p:spPr>
@@ -38206,7 +39386,7 @@
             <a:effectLst/>
             <a:extLst>
               <a:ext uri="{C572A759-6A51-4108-AA02-DFA0A04FC94B}">
-                <ma14:wrappingTextBoxFlag xmlns:ma14="http://schemas.microsoft.com/office/mac/drawingml/2011/main" xmlns:a14="http://schemas.microsoft.com/office/drawing/2010/main" xmlns:m="http://schemas.openxmlformats.org/officeDocument/2006/math" xmlns="" val="1"/>
+                <ma14:wrappingTextBoxFlag xmlns="" xmlns:m="http://schemas.openxmlformats.org/officeDocument/2006/math" xmlns:a14="http://schemas.microsoft.com/office/drawing/2010/main" xmlns:ma14="http://schemas.microsoft.com/office/mac/drawingml/2011/main" val="1"/>
               </a:ext>
             </a:extLst>
           </p:spPr>
@@ -38585,7 +39765,7 @@
             <a:effectLst/>
             <a:extLst>
               <a:ext uri="{C572A759-6A51-4108-AA02-DFA0A04FC94B}">
-                <ma14:wrappingTextBoxFlag xmlns:ma14="http://schemas.microsoft.com/office/mac/drawingml/2011/main" xmlns:a14="http://schemas.microsoft.com/office/drawing/2010/main" xmlns:m="http://schemas.openxmlformats.org/officeDocument/2006/math" xmlns="" val="1"/>
+                <ma14:wrappingTextBoxFlag xmlns="" xmlns:m="http://schemas.openxmlformats.org/officeDocument/2006/math" xmlns:a14="http://schemas.microsoft.com/office/drawing/2010/main" xmlns:ma14="http://schemas.microsoft.com/office/mac/drawingml/2011/main" val="1"/>
               </a:ext>
             </a:extLst>
           </p:spPr>
@@ -38826,7 +40006,7 @@
           </a:ln>
           <a:extLst>
             <a:ext uri="{C572A759-6A51-4108-AA02-DFA0A04FC94B}">
-              <ma14:wrappingTextBoxFlag xmlns:ma14="http://schemas.microsoft.com/office/mac/drawingml/2011/main" xmlns:a14="http://schemas.microsoft.com/office/drawing/2010/main" xmlns:m="http://schemas.openxmlformats.org/officeDocument/2006/math" xmlns="" val="1"/>
+              <ma14:wrappingTextBoxFlag xmlns="" xmlns:m="http://schemas.openxmlformats.org/officeDocument/2006/math" xmlns:a14="http://schemas.microsoft.com/office/drawing/2010/main" xmlns:ma14="http://schemas.microsoft.com/office/mac/drawingml/2011/main" val="1"/>
             </a:ext>
           </a:extLst>
         </p:spPr>
@@ -38876,7 +40056,7 @@
           </a:ln>
           <a:extLst>
             <a:ext uri="{C572A759-6A51-4108-AA02-DFA0A04FC94B}">
-              <ma14:wrappingTextBoxFlag xmlns:ma14="http://schemas.microsoft.com/office/mac/drawingml/2011/main" xmlns:a14="http://schemas.microsoft.com/office/drawing/2010/main" xmlns:m="http://schemas.openxmlformats.org/officeDocument/2006/math" xmlns="" val="1"/>
+              <ma14:wrappingTextBoxFlag xmlns="" xmlns:m="http://schemas.openxmlformats.org/officeDocument/2006/math" xmlns:a14="http://schemas.microsoft.com/office/drawing/2010/main" xmlns:ma14="http://schemas.microsoft.com/office/mac/drawingml/2011/main" val="1"/>
             </a:ext>
           </a:extLst>
         </p:spPr>
@@ -38937,7 +40117,7 @@
           </a:ln>
           <a:extLst>
             <a:ext uri="{C572A759-6A51-4108-AA02-DFA0A04FC94B}">
-              <ma14:wrappingTextBoxFlag xmlns:ma14="http://schemas.microsoft.com/office/mac/drawingml/2011/main" xmlns:a14="http://schemas.microsoft.com/office/drawing/2010/main" xmlns:m="http://schemas.openxmlformats.org/officeDocument/2006/math" xmlns="" val="1"/>
+              <ma14:wrappingTextBoxFlag xmlns="" xmlns:m="http://schemas.openxmlformats.org/officeDocument/2006/math" xmlns:a14="http://schemas.microsoft.com/office/drawing/2010/main" xmlns:ma14="http://schemas.microsoft.com/office/mac/drawingml/2011/main" val="1"/>
             </a:ext>
           </a:extLst>
         </p:spPr>
@@ -38998,7 +40178,7 @@
           </a:ln>
           <a:extLst>
             <a:ext uri="{C572A759-6A51-4108-AA02-DFA0A04FC94B}">
-              <ma14:wrappingTextBoxFlag xmlns:ma14="http://schemas.microsoft.com/office/mac/drawingml/2011/main" xmlns:a14="http://schemas.microsoft.com/office/drawing/2010/main" xmlns:m="http://schemas.openxmlformats.org/officeDocument/2006/math" xmlns="" val="1"/>
+              <ma14:wrappingTextBoxFlag xmlns="" xmlns:m="http://schemas.openxmlformats.org/officeDocument/2006/math" xmlns:a14="http://schemas.microsoft.com/office/drawing/2010/main" xmlns:ma14="http://schemas.microsoft.com/office/mac/drawingml/2011/main" val="1"/>
             </a:ext>
           </a:extLst>
         </p:spPr>
@@ -39107,7 +40287,7 @@
           </a:ln>
           <a:extLst>
             <a:ext uri="{C572A759-6A51-4108-AA02-DFA0A04FC94B}">
-              <ma14:wrappingTextBoxFlag xmlns:ma14="http://schemas.microsoft.com/office/mac/drawingml/2011/main" xmlns:a14="http://schemas.microsoft.com/office/drawing/2010/main" xmlns:m="http://schemas.openxmlformats.org/officeDocument/2006/math" xmlns="" val="1"/>
+              <ma14:wrappingTextBoxFlag xmlns="" xmlns:m="http://schemas.openxmlformats.org/officeDocument/2006/math" xmlns:a14="http://schemas.microsoft.com/office/drawing/2010/main" xmlns:ma14="http://schemas.microsoft.com/office/mac/drawingml/2011/main" val="1"/>
             </a:ext>
           </a:extLst>
         </p:spPr>
@@ -39221,7 +40401,7 @@
           </a:ln>
           <a:extLst>
             <a:ext uri="{C572A759-6A51-4108-AA02-DFA0A04FC94B}">
-              <ma14:wrappingTextBoxFlag xmlns:ma14="http://schemas.microsoft.com/office/mac/drawingml/2011/main" xmlns:a14="http://schemas.microsoft.com/office/drawing/2010/main" xmlns:m="http://schemas.openxmlformats.org/officeDocument/2006/math" xmlns="" val="1"/>
+              <ma14:wrappingTextBoxFlag xmlns="" xmlns:m="http://schemas.openxmlformats.org/officeDocument/2006/math" xmlns:a14="http://schemas.microsoft.com/office/drawing/2010/main" xmlns:ma14="http://schemas.microsoft.com/office/mac/drawingml/2011/main" val="1"/>
             </a:ext>
           </a:extLst>
         </p:spPr>

--- a/task3.pptx
+++ b/task3.pptx
@@ -5,7 +5,7 @@
     <p:sldMasterId id="2147483648" r:id="rId1"/>
   </p:sldMasterIdLst>
   <p:notesMasterIdLst>
-    <p:notesMasterId r:id="rId44"/>
+    <p:notesMasterId r:id="rId43"/>
   </p:notesMasterIdLst>
   <p:sldIdLst>
     <p:sldId id="256" r:id="rId2"/>
@@ -13,43 +13,42 @@
     <p:sldId id="258" r:id="rId4"/>
     <p:sldId id="259" r:id="rId5"/>
     <p:sldId id="260" r:id="rId6"/>
-    <p:sldId id="261" r:id="rId7"/>
-    <p:sldId id="262" r:id="rId8"/>
-    <p:sldId id="263" r:id="rId9"/>
-    <p:sldId id="264" r:id="rId10"/>
-    <p:sldId id="265" r:id="rId11"/>
-    <p:sldId id="266" r:id="rId12"/>
-    <p:sldId id="267" r:id="rId13"/>
-    <p:sldId id="268" r:id="rId14"/>
-    <p:sldId id="269" r:id="rId15"/>
-    <p:sldId id="270" r:id="rId16"/>
-    <p:sldId id="271" r:id="rId17"/>
-    <p:sldId id="272" r:id="rId18"/>
-    <p:sldId id="273" r:id="rId19"/>
-    <p:sldId id="274" r:id="rId20"/>
-    <p:sldId id="275" r:id="rId21"/>
-    <p:sldId id="276" r:id="rId22"/>
-    <p:sldId id="277" r:id="rId23"/>
-    <p:sldId id="278" r:id="rId24"/>
-    <p:sldId id="279" r:id="rId25"/>
-    <p:sldId id="280" r:id="rId26"/>
-    <p:sldId id="281" r:id="rId27"/>
-    <p:sldId id="282" r:id="rId28"/>
-    <p:sldId id="283" r:id="rId29"/>
-    <p:sldId id="284" r:id="rId30"/>
-    <p:sldId id="285" r:id="rId31"/>
-    <p:sldId id="286" r:id="rId32"/>
-    <p:sldId id="287" r:id="rId33"/>
-    <p:sldId id="288" r:id="rId34"/>
-    <p:sldId id="289" r:id="rId35"/>
-    <p:sldId id="290" r:id="rId36"/>
-    <p:sldId id="291" r:id="rId37"/>
-    <p:sldId id="292" r:id="rId38"/>
-    <p:sldId id="293" r:id="rId39"/>
-    <p:sldId id="294" r:id="rId40"/>
-    <p:sldId id="295" r:id="rId41"/>
-    <p:sldId id="296" r:id="rId42"/>
-    <p:sldId id="297" r:id="rId43"/>
+    <p:sldId id="262" r:id="rId7"/>
+    <p:sldId id="263" r:id="rId8"/>
+    <p:sldId id="264" r:id="rId9"/>
+    <p:sldId id="265" r:id="rId10"/>
+    <p:sldId id="266" r:id="rId11"/>
+    <p:sldId id="267" r:id="rId12"/>
+    <p:sldId id="268" r:id="rId13"/>
+    <p:sldId id="269" r:id="rId14"/>
+    <p:sldId id="270" r:id="rId15"/>
+    <p:sldId id="271" r:id="rId16"/>
+    <p:sldId id="272" r:id="rId17"/>
+    <p:sldId id="273" r:id="rId18"/>
+    <p:sldId id="274" r:id="rId19"/>
+    <p:sldId id="275" r:id="rId20"/>
+    <p:sldId id="276" r:id="rId21"/>
+    <p:sldId id="277" r:id="rId22"/>
+    <p:sldId id="278" r:id="rId23"/>
+    <p:sldId id="279" r:id="rId24"/>
+    <p:sldId id="280" r:id="rId25"/>
+    <p:sldId id="281" r:id="rId26"/>
+    <p:sldId id="282" r:id="rId27"/>
+    <p:sldId id="283" r:id="rId28"/>
+    <p:sldId id="284" r:id="rId29"/>
+    <p:sldId id="285" r:id="rId30"/>
+    <p:sldId id="286" r:id="rId31"/>
+    <p:sldId id="287" r:id="rId32"/>
+    <p:sldId id="288" r:id="rId33"/>
+    <p:sldId id="289" r:id="rId34"/>
+    <p:sldId id="290" r:id="rId35"/>
+    <p:sldId id="291" r:id="rId36"/>
+    <p:sldId id="292" r:id="rId37"/>
+    <p:sldId id="293" r:id="rId38"/>
+    <p:sldId id="294" r:id="rId39"/>
+    <p:sldId id="295" r:id="rId40"/>
+    <p:sldId id="296" r:id="rId41"/>
+    <p:sldId id="297" r:id="rId42"/>
   </p:sldIdLst>
   <p:sldSz cx="12192000" cy="6858000"/>
   <p:notesSz cx="6858000" cy="9144000"/>
@@ -351,6 +350,11 @@
       </a:defRPr>
     </a:lvl9pPr>
   </p:defaultTextStyle>
+  <p:extLst>
+    <p:ext uri="{EFAFB233-063F-42B5-8137-9DF3F51BA10A}">
+      <p15:sldGuideLst xmlns:p15="http://schemas.microsoft.com/office/powerpoint/2012/main"/>
+    </p:ext>
+  </p:extLst>
 </p:presentation>
 </file>
 
@@ -3280,8 +3284,8 @@
         </p:nvSpPr>
         <p:spPr>
           <a:xfrm>
-            <a:off x="4276671" y="6270816"/>
-            <a:ext cx="4169625" cy="554590"/>
+            <a:off x="4239430" y="6270816"/>
+            <a:ext cx="4244108" cy="584771"/>
           </a:xfrm>
           <a:prstGeom prst="rect">
             <a:avLst/>
@@ -3310,8 +3314,30 @@
               </a:defRPr>
             </a:pPr>
             <a:r>
-              <a:t>03.11.2020</a:t>
-            </a:r>
+              <a:rPr lang="ru-RU" dirty="0"/>
+              <a:t>2</a:t>
+            </a:r>
+            <a:r>
+              <a:rPr lang="en-US" dirty="0"/>
+              <a:t>5</a:t>
+            </a:r>
+            <a:r>
+              <a:rPr dirty="0"/>
+              <a:t>.</a:t>
+            </a:r>
+            <a:r>
+              <a:rPr lang="ru-RU" dirty="0"/>
+              <a:t>0</a:t>
+            </a:r>
+            <a:r>
+              <a:rPr dirty="0"/>
+              <a:t>1.202</a:t>
+            </a:r>
+            <a:r>
+              <a:rPr lang="ru-RU" dirty="0"/>
+              <a:t>1</a:t>
+            </a:r>
+            <a:endParaRPr dirty="0"/>
           </a:p>
           <a:p>
             <a:pPr algn="ctr">
@@ -3323,8 +3349,26 @@
               </a:defRPr>
             </a:pPr>
             <a:r>
-              <a:t>Петрозаводский Государственный Университет</a:t>
-            </a:r>
+              <a:rPr dirty="0" err="1"/>
+              <a:t>Петрозаводский</a:t>
+            </a:r>
+            <a:r>
+              <a:rPr dirty="0"/>
+              <a:t> </a:t>
+            </a:r>
+            <a:r>
+              <a:rPr dirty="0" err="1"/>
+              <a:t>Государственный</a:t>
+            </a:r>
+            <a:r>
+              <a:rPr dirty="0"/>
+              <a:t> </a:t>
+            </a:r>
+            <a:r>
+              <a:rPr dirty="0" err="1"/>
+              <a:t>Университет</a:t>
+            </a:r>
+            <a:endParaRPr dirty="0"/>
           </a:p>
         </p:txBody>
       </p:sp>
@@ -3385,190 +3429,6 @@
 </file>
 
 <file path=ppt/slides/slide10.xml><?xml version="1.0" encoding="utf-8"?>
-<p:sld xmlns:a="http://schemas.openxmlformats.org/drawingml/2006/main" xmlns:r="http://schemas.openxmlformats.org/officeDocument/2006/relationships" xmlns:p="http://schemas.openxmlformats.org/presentationml/2006/main">
-  <p:cSld>
-    <p:spTree>
-      <p:nvGrpSpPr>
-        <p:cNvPr id="1" name=""/>
-        <p:cNvGrpSpPr/>
-        <p:nvPr/>
-      </p:nvGrpSpPr>
-      <p:grpSpPr>
-        <a:xfrm>
-          <a:off x="0" y="0"/>
-          <a:ext cx="0" cy="0"/>
-          <a:chOff x="0" y="0"/>
-          <a:chExt cx="0" cy="0"/>
-        </a:xfrm>
-      </p:grpSpPr>
-      <p:sp>
-        <p:nvSpPr>
-          <p:cNvPr id="174" name="Отступы"/>
-          <p:cNvSpPr txBox="1">
-            <a:spLocks noGrp="1"/>
-          </p:cNvSpPr>
-          <p:nvPr>
-            <p:ph type="title"/>
-          </p:nvPr>
-        </p:nvSpPr>
-        <p:spPr>
-          <a:xfrm>
-            <a:off x="838200" y="362717"/>
-            <a:ext cx="10515600" cy="1325564"/>
-          </a:xfrm>
-          <a:prstGeom prst="rect">
-            <a:avLst/>
-          </a:prstGeom>
-        </p:spPr>
-        <p:txBody>
-          <a:bodyPr anchor="ctr"/>
-          <a:lstStyle>
-            <a:lvl1pPr>
-              <a:defRPr sz="4400"/>
-            </a:lvl1pPr>
-          </a:lstStyle>
-          <a:p>
-            <a:r>
-              <a:t>С. Отступы</a:t>
-            </a:r>
-          </a:p>
-        </p:txBody>
-      </p:sp>
-      <p:sp>
-        <p:nvSpPr>
-          <p:cNvPr id="175" name="Пробелы: « »;…"/>
-          <p:cNvSpPr txBox="1"/>
-          <p:nvPr/>
-        </p:nvSpPr>
-        <p:spPr>
-          <a:xfrm>
-            <a:off x="293620" y="2059233"/>
-            <a:ext cx="2847288" cy="968223"/>
-          </a:xfrm>
-          <a:prstGeom prst="rect">
-            <a:avLst/>
-          </a:prstGeom>
-          <a:ln w="12700">
-            <a:miter lim="400000"/>
-          </a:ln>
-          <a:extLst>
-            <a:ext uri="{C572A759-6A51-4108-AA02-DFA0A04FC94B}">
-              <ma14:wrappingTextBoxFlag xmlns="" xmlns:m="http://schemas.openxmlformats.org/officeDocument/2006/math" xmlns:a14="http://schemas.microsoft.com/office/drawing/2010/main" xmlns:ma14="http://schemas.microsoft.com/office/mac/drawingml/2011/main" val="1"/>
-            </a:ext>
-          </a:extLst>
-        </p:spPr>
-        <p:txBody>
-          <a:bodyPr wrap="none" lIns="45718" tIns="45718" rIns="45718" bIns="45718">
-            <a:spAutoFit/>
-          </a:bodyPr>
-          <a:lstStyle/>
-          <a:p>
-            <a:pPr marL="228600" indent="-228600">
-              <a:lnSpc>
-                <a:spcPct val="90000"/>
-              </a:lnSpc>
-              <a:spcBef>
-                <a:spcPts val="1000"/>
-              </a:spcBef>
-              <a:buSzPct val="100000"/>
-              <a:buFont typeface="Arial"/>
-              <a:buChar char="•"/>
-              <a:defRPr sz="2800">
-                <a:latin typeface="+mn-lt"/>
-                <a:ea typeface="+mn-ea"/>
-                <a:cs typeface="+mn-cs"/>
-                <a:sym typeface="Calibri"/>
-              </a:defRPr>
-            </a:pPr>
-            <a:r>
-              <a:t>Пробелы: « »;</a:t>
-            </a:r>
-            <a:endParaRPr sz="3200"/>
-          </a:p>
-          <a:p>
-            <a:pPr marL="228600" indent="-228600">
-              <a:lnSpc>
-                <a:spcPct val="90000"/>
-              </a:lnSpc>
-              <a:spcBef>
-                <a:spcPts val="1000"/>
-              </a:spcBef>
-              <a:buSzPct val="100000"/>
-              <a:buFont typeface="Arial"/>
-              <a:buChar char="•"/>
-              <a:defRPr sz="2800">
-                <a:latin typeface="+mn-lt"/>
-                <a:ea typeface="+mn-ea"/>
-                <a:cs typeface="+mn-cs"/>
-                <a:sym typeface="Calibri"/>
-              </a:defRPr>
-            </a:pPr>
-            <a:r>
-              <a:t>Табуляция: «    »;</a:t>
-            </a:r>
-          </a:p>
-        </p:txBody>
-      </p:sp>
-      <p:sp>
-        <p:nvSpPr>
-          <p:cNvPr id="176" name="Лексический анализатор не вносит лексему символов отступа в таблицу и они не попадают в цепочку."/>
-          <p:cNvSpPr txBox="1"/>
-          <p:nvPr/>
-        </p:nvSpPr>
-        <p:spPr>
-          <a:xfrm>
-            <a:off x="458418" y="3921878"/>
-            <a:ext cx="10515601" cy="841223"/>
-          </a:xfrm>
-          <a:prstGeom prst="rect">
-            <a:avLst/>
-          </a:prstGeom>
-          <a:ln w="12700">
-            <a:miter lim="400000"/>
-          </a:ln>
-          <a:extLst>
-            <a:ext uri="{C572A759-6A51-4108-AA02-DFA0A04FC94B}">
-              <ma14:wrappingTextBoxFlag xmlns="" xmlns:m="http://schemas.openxmlformats.org/officeDocument/2006/math" xmlns:a14="http://schemas.microsoft.com/office/drawing/2010/main" xmlns:ma14="http://schemas.microsoft.com/office/mac/drawingml/2011/main" val="1"/>
-            </a:ext>
-          </a:extLst>
-        </p:spPr>
-        <p:txBody>
-          <a:bodyPr lIns="45718" tIns="45718" rIns="45718" bIns="45718">
-            <a:spAutoFit/>
-          </a:bodyPr>
-          <a:lstStyle>
-            <a:lvl1pPr>
-              <a:lnSpc>
-                <a:spcPct val="90000"/>
-              </a:lnSpc>
-              <a:spcBef>
-                <a:spcPts val="1000"/>
-              </a:spcBef>
-              <a:defRPr sz="2800">
-                <a:latin typeface="+mn-lt"/>
-                <a:ea typeface="+mn-ea"/>
-                <a:cs typeface="+mn-cs"/>
-                <a:sym typeface="Calibri"/>
-              </a:defRPr>
-            </a:lvl1pPr>
-          </a:lstStyle>
-          <a:p>
-            <a:r>
-              <a:t>Лексический анализатор не вносит лексему символов отступа в таблицу и они не попадают в цепочку.</a:t>
-            </a:r>
-          </a:p>
-        </p:txBody>
-      </p:sp>
-    </p:spTree>
-  </p:cSld>
-  <p:clrMapOvr>
-    <a:masterClrMapping/>
-  </p:clrMapOvr>
-  <p:transition spd="med"/>
-</p:sld>
-</file>
-
-<file path=ppt/slides/slide11.xml><?xml version="1.0" encoding="utf-8"?>
 <p:sld xmlns:a="http://schemas.openxmlformats.org/drawingml/2006/main" xmlns:r="http://schemas.openxmlformats.org/officeDocument/2006/relationships" xmlns:p="http://schemas.openxmlformats.org/presentationml/2006/main">
   <p:cSld>
     <p:spTree>
@@ -3626,7 +3486,7 @@
         </p:nvSpPr>
         <p:spPr>
           <a:xfrm>
-            <a:off x="2961288" y="1554481"/>
+            <a:off x="3020011" y="1561574"/>
             <a:ext cx="2823891" cy="447037"/>
           </a:xfrm>
           <a:prstGeom prst="rect">
@@ -3658,6 +3518,7 @@
           </a:lstStyle>
           <a:p>
             <a:r>
+              <a:rPr dirty="0"/>
               <a:t>2*A1*A3 + 1/2*PI/A2</a:t>
             </a:r>
           </a:p>
@@ -3882,7 +3743,7 @@
                         <a:defRPr sz="1800"/>
                       </a:pPr>
                       <a:r>
-                        <a:rPr sz="1200">
+                        <a:rPr sz="1200" dirty="0">
                           <a:sym typeface="Helvetica"/>
                         </a:rPr>
                         <a:t>A1</a:t>
@@ -4123,7 +3984,7 @@
                         <a:defRPr sz="1800"/>
                       </a:pPr>
                       <a:r>
-                        <a:rPr sz="1200">
+                        <a:rPr sz="1200" dirty="0">
                           <a:sym typeface="Helvetica"/>
                         </a:rPr>
                         <a:t>#АДРЕС4</a:t>
@@ -4295,7 +4156,7 @@
 </p:sld>
 </file>
 
-<file path=ppt/slides/slide12.xml><?xml version="1.0" encoding="utf-8"?>
+<file path=ppt/slides/slide11.xml><?xml version="1.0" encoding="utf-8"?>
 <p:sld xmlns:a="http://schemas.openxmlformats.org/drawingml/2006/main" xmlns:r="http://schemas.openxmlformats.org/officeDocument/2006/relationships" xmlns:p="http://schemas.openxmlformats.org/presentationml/2006/main">
   <p:cSld>
     <p:spTree>
@@ -4385,6 +4246,7 @@
           </a:lstStyle>
           <a:p>
             <a:r>
+              <a:rPr dirty="0"/>
               <a:t>2*A1*A3 + 1/2*PI/A2</a:t>
             </a:r>
           </a:p>
@@ -5529,7 +5391,7 @@
 </p:sld>
 </file>
 
-<file path=ppt/slides/slide13.xml><?xml version="1.0" encoding="utf-8"?>
+<file path=ppt/slides/slide12.xml><?xml version="1.0" encoding="utf-8"?>
 <p:sld xmlns:a="http://schemas.openxmlformats.org/drawingml/2006/main" xmlns:r="http://schemas.openxmlformats.org/officeDocument/2006/relationships" xmlns:p="http://schemas.openxmlformats.org/presentationml/2006/main">
   <p:cSld>
     <p:spTree>
@@ -6775,7 +6637,7 @@
 </p:sld>
 </file>
 
-<file path=ppt/slides/slide14.xml><?xml version="1.0" encoding="utf-8"?>
+<file path=ppt/slides/slide13.xml><?xml version="1.0" encoding="utf-8"?>
 <p:sld xmlns:a="http://schemas.openxmlformats.org/drawingml/2006/main" xmlns:r="http://schemas.openxmlformats.org/officeDocument/2006/relationships" xmlns:p="http://schemas.openxmlformats.org/presentationml/2006/main">
   <p:cSld>
     <p:spTree>
@@ -8101,7 +7963,7 @@
 </p:sld>
 </file>
 
-<file path=ppt/slides/slide15.xml><?xml version="1.0" encoding="utf-8"?>
+<file path=ppt/slides/slide14.xml><?xml version="1.0" encoding="utf-8"?>
 <p:sld xmlns:a="http://schemas.openxmlformats.org/drawingml/2006/main" xmlns:r="http://schemas.openxmlformats.org/officeDocument/2006/relationships" xmlns:p="http://schemas.openxmlformats.org/presentationml/2006/main">
   <p:cSld>
     <p:spTree>
@@ -8362,7 +8224,7 @@
                         <a:defRPr sz="1800"/>
                       </a:pPr>
                       <a:r>
-                        <a:rPr sz="1200">
+                        <a:rPr sz="1200" dirty="0">
                           <a:sym typeface="Helvetica"/>
                         </a:rPr>
                         <a:t>#АДРЕС1</a:t>
@@ -8435,7 +8297,7 @@
                         <a:defRPr sz="1800"/>
                       </a:pPr>
                       <a:r>
-                        <a:rPr sz="1200">
+                        <a:rPr sz="1200" dirty="0">
                           <a:sym typeface="Helvetica"/>
                         </a:rPr>
                         <a:t>#АДРЕС2</a:t>
@@ -8581,7 +8443,7 @@
                         <a:defRPr sz="1800"/>
                       </a:pPr>
                       <a:r>
-                        <a:rPr sz="1200">
+                        <a:rPr sz="1200" dirty="0">
                           <a:sym typeface="Helvetica"/>
                         </a:rPr>
                         <a:t>#АДРЕС4</a:t>
@@ -10281,7 +10143,7 @@
 </p:sld>
 </file>
 
-<file path=ppt/slides/slide16.xml><?xml version="1.0" encoding="utf-8"?>
+<file path=ppt/slides/slide15.xml><?xml version="1.0" encoding="utf-8"?>
 <p:sld xmlns:a="http://schemas.openxmlformats.org/drawingml/2006/main" xmlns:r="http://schemas.openxmlformats.org/officeDocument/2006/relationships" xmlns:p="http://schemas.openxmlformats.org/presentationml/2006/main">
   <p:cSld>
     <p:spTree>
@@ -10357,7 +10219,52 @@
               <a:buNone/>
             </a:pPr>
             <a:r>
-              <a:t>Синтаксический анализатор опирается на исходный набор БНФ:</a:t>
+              <a:rPr dirty="0" err="1"/>
+              <a:t>Синтаксический</a:t>
+            </a:r>
+            <a:r>
+              <a:rPr dirty="0"/>
+              <a:t> </a:t>
+            </a:r>
+            <a:r>
+              <a:rPr dirty="0" err="1"/>
+              <a:t>анализатор</a:t>
+            </a:r>
+            <a:r>
+              <a:rPr dirty="0"/>
+              <a:t> </a:t>
+            </a:r>
+            <a:r>
+              <a:rPr dirty="0" err="1"/>
+              <a:t>опирается</a:t>
+            </a:r>
+            <a:r>
+              <a:rPr dirty="0"/>
+              <a:t> </a:t>
+            </a:r>
+            <a:r>
+              <a:rPr dirty="0" err="1"/>
+              <a:t>на</a:t>
+            </a:r>
+            <a:r>
+              <a:rPr dirty="0"/>
+              <a:t> </a:t>
+            </a:r>
+            <a:r>
+              <a:rPr dirty="0" err="1"/>
+              <a:t>исходный</a:t>
+            </a:r>
+            <a:r>
+              <a:rPr dirty="0"/>
+              <a:t> </a:t>
+            </a:r>
+            <a:r>
+              <a:rPr dirty="0" err="1"/>
+              <a:t>набор</a:t>
+            </a:r>
+            <a:r>
+              <a:rPr dirty="0"/>
+              <a:t> БНФ:</a:t>
             </a:r>
           </a:p>
           <a:p>
@@ -10365,7 +10272,7 @@
               <a:buSzTx/>
               <a:buNone/>
             </a:pPr>
-            <a:endParaRPr/>
+            <a:endParaRPr dirty="0"/>
           </a:p>
           <a:p>
             <a:pPr marL="0" indent="0">
@@ -10378,10 +10285,11 @@
               </a:defRPr>
             </a:pPr>
             <a:r>
+              <a:rPr dirty="0"/>
               <a:t>&lt;expr&gt; </a:t>
             </a:r>
             <a:r>
-              <a:rPr b="1">
+              <a:rPr b="1" dirty="0">
                 <a:latin typeface="Arial"/>
                 <a:ea typeface="Arial"/>
                 <a:cs typeface="Arial"/>
@@ -10390,7 +10298,7 @@
               <a:t>→</a:t>
             </a:r>
             <a:r>
-              <a:rPr b="1">
+              <a:rPr b="1" dirty="0">
                 <a:latin typeface="+mj-lt"/>
                 <a:ea typeface="+mj-ea"/>
                 <a:cs typeface="+mj-cs"/>
@@ -10399,16 +10307,46 @@
               <a:t> </a:t>
             </a:r>
             <a:r>
+              <a:rPr dirty="0"/>
               <a:t> ID		         </a:t>
             </a:r>
             <a:r>
-              <a:rPr>
+              <a:rPr dirty="0">
                 <a:solidFill>
                   <a:srgbClr val="808080"/>
                 </a:solidFill>
               </a:rPr>
-              <a:t>// имя переменной</a:t>
-            </a:r>
+              <a:t>// </a:t>
+            </a:r>
+            <a:r>
+              <a:rPr dirty="0" err="1">
+                <a:solidFill>
+                  <a:srgbClr val="808080"/>
+                </a:solidFill>
+              </a:rPr>
+              <a:t>имя</a:t>
+            </a:r>
+            <a:r>
+              <a:rPr dirty="0">
+                <a:solidFill>
+                  <a:srgbClr val="808080"/>
+                </a:solidFill>
+              </a:rPr>
+              <a:t> </a:t>
+            </a:r>
+            <a:r>
+              <a:rPr dirty="0" err="1">
+                <a:solidFill>
+                  <a:srgbClr val="808080"/>
+                </a:solidFill>
+              </a:rPr>
+              <a:t>переменной</a:t>
+            </a:r>
+            <a:endParaRPr dirty="0">
+              <a:solidFill>
+                <a:srgbClr val="808080"/>
+              </a:solidFill>
+            </a:endParaRPr>
           </a:p>
           <a:p>
             <a:pPr marL="0" indent="0">
@@ -10421,16 +10359,170 @@
               </a:defRPr>
             </a:pPr>
             <a:r>
+              <a:rPr dirty="0"/>
               <a:t>	| NUM		        </a:t>
             </a:r>
             <a:r>
-              <a:rPr>
+              <a:rPr dirty="0">
                 <a:solidFill>
                   <a:srgbClr val="808080"/>
                 </a:solidFill>
               </a:rPr>
-              <a:t>// числовая константа</a:t>
-            </a:r>
+              <a:t>// </a:t>
+            </a:r>
+            <a:r>
+              <a:rPr dirty="0" err="1">
+                <a:solidFill>
+                  <a:srgbClr val="808080"/>
+                </a:solidFill>
+              </a:rPr>
+              <a:t>числовая</a:t>
+            </a:r>
+            <a:r>
+              <a:rPr dirty="0">
+                <a:solidFill>
+                  <a:srgbClr val="808080"/>
+                </a:solidFill>
+              </a:rPr>
+              <a:t> </a:t>
+            </a:r>
+            <a:r>
+              <a:rPr dirty="0" err="1">
+                <a:solidFill>
+                  <a:srgbClr val="808080"/>
+                </a:solidFill>
+              </a:rPr>
+              <a:t>константа</a:t>
+            </a:r>
+            <a:endParaRPr dirty="0">
+              <a:solidFill>
+                <a:srgbClr val="808080"/>
+              </a:solidFill>
+            </a:endParaRPr>
+          </a:p>
+          <a:p>
+            <a:pPr marL="0" indent="0">
+              <a:buSzTx/>
+              <a:buNone/>
+              <a:defRPr>
+                <a:solidFill>
+                  <a:srgbClr val="808080"/>
+                </a:solidFill>
+              </a:defRPr>
+            </a:pPr>
+            <a:r>
+              <a:rPr lang="ru-RU" dirty="0">
+                <a:solidFill>
+                  <a:srgbClr val="333333"/>
+                </a:solidFill>
+              </a:rPr>
+              <a:t>	</a:t>
+            </a:r>
+            <a:r>
+              <a:rPr lang="en-US" dirty="0">
+                <a:solidFill>
+                  <a:srgbClr val="333333"/>
+                </a:solidFill>
+              </a:rPr>
+              <a:t>| &lt;expr&gt; &lt;op&gt; &lt;expr&gt;   </a:t>
+            </a:r>
+            <a:r>
+              <a:rPr lang="en-US" dirty="0">
+                <a:solidFill>
+                  <a:schemeClr val="tx1">
+                    <a:lumMod val="50000"/>
+                    <a:lumOff val="50000"/>
+                  </a:schemeClr>
+                </a:solidFill>
+              </a:rPr>
+              <a:t>// </a:t>
+            </a:r>
+            <a:r>
+              <a:rPr lang="ru-RU" dirty="0">
+                <a:solidFill>
+                  <a:schemeClr val="tx1">
+                    <a:lumMod val="50000"/>
+                    <a:lumOff val="50000"/>
+                  </a:schemeClr>
+                </a:solidFill>
+              </a:rPr>
+              <a:t>операция двух выражений</a:t>
+            </a:r>
+            <a:endParaRPr lang="en-US" dirty="0">
+              <a:solidFill>
+                <a:schemeClr val="tx1">
+                  <a:lumMod val="50000"/>
+                  <a:lumOff val="50000"/>
+                </a:schemeClr>
+              </a:solidFill>
+            </a:endParaRPr>
+          </a:p>
+          <a:p>
+            <a:pPr marL="0" indent="0">
+              <a:buSzTx/>
+              <a:buNone/>
+              <a:defRPr>
+                <a:solidFill>
+                  <a:srgbClr val="808080"/>
+                </a:solidFill>
+              </a:defRPr>
+            </a:pPr>
+            <a:r>
+              <a:rPr lang="en-US" dirty="0"/>
+              <a:t>	</a:t>
+            </a:r>
+            <a:r>
+              <a:rPr lang="en-US" dirty="0">
+                <a:solidFill>
+                  <a:schemeClr val="tx1">
+                    <a:lumMod val="85000"/>
+                    <a:lumOff val="15000"/>
+                  </a:schemeClr>
+                </a:solidFill>
+              </a:rPr>
+              <a:t>| (&lt;expr&gt;)</a:t>
+            </a:r>
+            <a:r>
+              <a:rPr lang="en-US" dirty="0"/>
+              <a:t>		        </a:t>
+            </a:r>
+            <a:r>
+              <a:rPr lang="en-US" dirty="0">
+                <a:solidFill>
+                  <a:srgbClr val="808080"/>
+                </a:solidFill>
+              </a:rPr>
+              <a:t>// </a:t>
+            </a:r>
+            <a:r>
+              <a:rPr lang="ru-RU" dirty="0">
+                <a:solidFill>
+                  <a:srgbClr val="808080"/>
+                </a:solidFill>
+              </a:rPr>
+              <a:t>выражение в скобках</a:t>
+            </a:r>
+            <a:endParaRPr dirty="0">
+              <a:solidFill>
+                <a:srgbClr val="333333"/>
+              </a:solidFill>
+            </a:endParaRPr>
+          </a:p>
+          <a:p>
+            <a:pPr marL="0" indent="0">
+              <a:buSzTx/>
+              <a:buNone/>
+              <a:defRPr>
+                <a:solidFill>
+                  <a:srgbClr val="808080"/>
+                </a:solidFill>
+              </a:defRPr>
+            </a:pPr>
+            <a:endParaRPr dirty="0">
+              <a:solidFill>
+                <a:srgbClr val="333333"/>
+              </a:solidFill>
+            </a:endParaRPr>
           </a:p>
           <a:p>
             <a:pPr marL="0" indent="0">
@@ -10443,100 +10535,11 @@
               </a:defRPr>
             </a:pPr>
             <a:r>
-              <a:t>	| (&lt;expr&gt;)		        </a:t>
-            </a:r>
-            <a:r>
-              <a:rPr>
-                <a:solidFill>
-                  <a:srgbClr val="808080"/>
-                </a:solidFill>
-              </a:rPr>
-              <a:t>// выражение в скобках</a:t>
-            </a:r>
-          </a:p>
-          <a:p>
-            <a:pPr marL="0" indent="0">
-              <a:buSzTx/>
-              <a:buNone/>
-              <a:defRPr>
-                <a:solidFill>
-                  <a:srgbClr val="333333"/>
-                </a:solidFill>
-              </a:defRPr>
-            </a:pPr>
-            <a:r>
-              <a:t>	| ID &lt;op&gt; &lt;expr&gt;	        </a:t>
-            </a:r>
-            <a:r>
-              <a:rPr>
-                <a:solidFill>
-                  <a:srgbClr val="808080"/>
-                </a:solidFill>
-              </a:rPr>
-              <a:t>// имя переменной и операция с выражением  </a:t>
-            </a:r>
-          </a:p>
-          <a:p>
-            <a:pPr marL="0" indent="0">
-              <a:buSzTx/>
-              <a:buNone/>
-              <a:defRPr>
-                <a:solidFill>
-                  <a:srgbClr val="808080"/>
-                </a:solidFill>
-              </a:defRPr>
-            </a:pPr>
-            <a:r>
-              <a:t>	</a:t>
-            </a:r>
-            <a:r>
-              <a:rPr>
-                <a:solidFill>
-                  <a:srgbClr val="000000"/>
-                </a:solidFill>
-              </a:rPr>
-              <a:t>| NUM &lt;op&gt; &lt;expr&gt;      </a:t>
-            </a:r>
-            <a:r>
-              <a:t>// числовая константа и операция с выражением  </a:t>
-            </a:r>
-            <a:endParaRPr>
-              <a:solidFill>
-                <a:srgbClr val="333333"/>
-              </a:solidFill>
-            </a:endParaRPr>
-          </a:p>
-          <a:p>
-            <a:pPr marL="0" indent="0">
-              <a:buSzTx/>
-              <a:buNone/>
-              <a:defRPr>
-                <a:solidFill>
-                  <a:srgbClr val="808080"/>
-                </a:solidFill>
-              </a:defRPr>
-            </a:pPr>
-            <a:endParaRPr>
-              <a:solidFill>
-                <a:srgbClr val="333333"/>
-              </a:solidFill>
-            </a:endParaRPr>
-          </a:p>
-          <a:p>
-            <a:pPr marL="0" indent="0">
-              <a:buSzTx/>
-              <a:buNone/>
-              <a:defRPr>
-                <a:solidFill>
-                  <a:srgbClr val="333333"/>
-                </a:solidFill>
-              </a:defRPr>
-            </a:pPr>
-            <a:r>
+              <a:rPr dirty="0"/>
               <a:t>&lt;op&gt; </a:t>
             </a:r>
             <a:r>
-              <a:rPr b="1">
+              <a:rPr b="1" dirty="0">
                 <a:latin typeface="Arial"/>
                 <a:ea typeface="Arial"/>
                 <a:cs typeface="Arial"/>
@@ -10545,7 +10548,7 @@
               <a:t>→</a:t>
             </a:r>
             <a:r>
-              <a:rPr b="1">
+              <a:rPr b="1" dirty="0">
                 <a:latin typeface="+mj-lt"/>
                 <a:ea typeface="+mj-ea"/>
                 <a:cs typeface="+mj-cs"/>
@@ -10554,16 +10557,30 @@
               <a:t> </a:t>
             </a:r>
             <a:r>
-              <a:t>+ | - | * | / | ^	       </a:t>
-            </a:r>
-            <a:r>
-              <a:rPr>
+              <a:rPr dirty="0"/>
+              <a:t>+ | - | * | / 	       </a:t>
+            </a:r>
+            <a:r>
+              <a:rPr dirty="0">
                 <a:solidFill>
                   <a:srgbClr val="808080"/>
                 </a:solidFill>
               </a:rPr>
-              <a:t>// арифм.операция</a:t>
-            </a:r>
+              <a:t>// </a:t>
+            </a:r>
+            <a:r>
+              <a:rPr dirty="0" err="1">
+                <a:solidFill>
+                  <a:srgbClr val="808080"/>
+                </a:solidFill>
+              </a:rPr>
+              <a:t>арифм.операция</a:t>
+            </a:r>
+            <a:endParaRPr dirty="0">
+              <a:solidFill>
+                <a:srgbClr val="808080"/>
+              </a:solidFill>
+            </a:endParaRPr>
           </a:p>
         </p:txBody>
       </p:sp>
@@ -10576,7 +10593,7 @@
 </p:sld>
 </file>
 
-<file path=ppt/slides/slide17.xml><?xml version="1.0" encoding="utf-8"?>
+<file path=ppt/slides/slide16.xml><?xml version="1.0" encoding="utf-8"?>
 <p:sld xmlns:a="http://schemas.openxmlformats.org/drawingml/2006/main" xmlns:r="http://schemas.openxmlformats.org/officeDocument/2006/relationships" xmlns:p="http://schemas.openxmlformats.org/presentationml/2006/main">
   <p:cSld>
     <p:spTree>
@@ -10662,7 +10679,7 @@
 </p:sld>
 </file>
 
-<file path=ppt/slides/slide18.xml><?xml version="1.0" encoding="utf-8"?>
+<file path=ppt/slides/slide17.xml><?xml version="1.0" encoding="utf-8"?>
 <p:sld xmlns:a="http://schemas.openxmlformats.org/drawingml/2006/main" xmlns:r="http://schemas.openxmlformats.org/officeDocument/2006/relationships" xmlns:p="http://schemas.openxmlformats.org/presentationml/2006/main">
   <p:cSld>
     <p:spTree>
@@ -11723,9 +11740,17 @@
 </p:sld>
 </file>
 
-<file path=ppt/slides/slide19.xml><?xml version="1.0" encoding="utf-8"?>
+<file path=ppt/slides/slide18.xml><?xml version="1.0" encoding="utf-8"?>
 <p:sld xmlns:a="http://schemas.openxmlformats.org/drawingml/2006/main" xmlns:r="http://schemas.openxmlformats.org/officeDocument/2006/relationships" xmlns:p="http://schemas.openxmlformats.org/presentationml/2006/main">
   <p:cSld>
+    <p:bg>
+      <p:bgPr>
+        <a:solidFill>
+          <a:schemeClr val="bg1"/>
+        </a:solidFill>
+        <a:effectLst/>
+      </p:bgPr>
+    </p:bg>
     <p:spTree>
       <p:nvGrpSpPr>
         <p:cNvPr id="1" name=""/>
@@ -11844,8 +11869,8 @@
         </p:blipFill>
         <p:spPr>
           <a:xfrm>
-            <a:off x="3266897" y="2380888"/>
-            <a:ext cx="3605849" cy="4241849"/>
+            <a:off x="4275713" y="3968204"/>
+            <a:ext cx="1145024" cy="1346984"/>
           </a:xfrm>
           <a:prstGeom prst="rect">
             <a:avLst/>
@@ -12775,6 +12800,36 @@
           </a:p>
         </p:txBody>
       </p:sp>
+      <p:pic>
+        <p:nvPicPr>
+          <p:cNvPr id="4" name="Рисунок 3">
+            <a:extLst>
+              <a:ext uri="{FF2B5EF4-FFF2-40B4-BE49-F238E27FC236}">
+                <a16:creationId xmlns:a16="http://schemas.microsoft.com/office/drawing/2014/main" id="{352AA51A-45E1-4DB4-9850-C7FF4447DCA7}"/>
+              </a:ext>
+            </a:extLst>
+          </p:cNvPr>
+          <p:cNvPicPr>
+            <a:picLocks noChangeAspect="1"/>
+          </p:cNvPicPr>
+          <p:nvPr/>
+        </p:nvPicPr>
+        <p:blipFill>
+          <a:blip r:embed="rId4"/>
+          <a:stretch>
+            <a:fillRect/>
+          </a:stretch>
+        </p:blipFill>
+        <p:spPr>
+          <a:xfrm>
+            <a:off x="2543035" y="3136900"/>
+            <a:ext cx="4038600" cy="2981325"/>
+          </a:xfrm>
+          <a:prstGeom prst="rect">
+            <a:avLst/>
+          </a:prstGeom>
+        </p:spPr>
+      </p:pic>
     </p:spTree>
   </p:cSld>
   <p:clrMapOvr>
@@ -12784,197 +12839,7 @@
 </p:sld>
 </file>
 
-<file path=ppt/slides/slide2.xml><?xml version="1.0" encoding="utf-8"?>
-<p:sld xmlns:a="http://schemas.openxmlformats.org/drawingml/2006/main" xmlns:r="http://schemas.openxmlformats.org/officeDocument/2006/relationships" xmlns:p="http://schemas.openxmlformats.org/presentationml/2006/main">
-  <p:cSld>
-    <p:spTree>
-      <p:nvGrpSpPr>
-        <p:cNvPr id="1" name=""/>
-        <p:cNvGrpSpPr/>
-        <p:nvPr/>
-      </p:nvGrpSpPr>
-      <p:grpSpPr>
-        <a:xfrm>
-          <a:off x="0" y="0"/>
-          <a:ext cx="0" cy="0"/>
-          <a:chOff x="0" y="0"/>
-          <a:chExt cx="0" cy="0"/>
-        </a:xfrm>
-      </p:grpSpPr>
-      <p:sp>
-        <p:nvSpPr>
-          <p:cNvPr id="117" name="Заголовок 1"/>
-          <p:cNvSpPr txBox="1">
-            <a:spLocks noGrp="1"/>
-          </p:cNvSpPr>
-          <p:nvPr>
-            <p:ph type="title"/>
-          </p:nvPr>
-        </p:nvSpPr>
-        <p:spPr>
-          <a:xfrm>
-            <a:off x="838200" y="-142875"/>
-            <a:ext cx="10515600" cy="1325563"/>
-          </a:xfrm>
-          <a:prstGeom prst="rect">
-            <a:avLst/>
-          </a:prstGeom>
-        </p:spPr>
-        <p:txBody>
-          <a:bodyPr/>
-          <a:lstStyle>
-            <a:lvl1pPr algn="ctr"/>
-          </a:lstStyle>
-          <a:p>
-            <a:r>
-              <a:t>Задание 3.1(d)</a:t>
-            </a:r>
-          </a:p>
-        </p:txBody>
-      </p:sp>
-      <p:sp>
-        <p:nvSpPr>
-          <p:cNvPr id="118" name="Объект 2"/>
-          <p:cNvSpPr txBox="1">
-            <a:spLocks noGrp="1"/>
-          </p:cNvSpPr>
-          <p:nvPr>
-            <p:ph type="body" idx="1"/>
-          </p:nvPr>
-        </p:nvSpPr>
-        <p:spPr>
-          <a:xfrm>
-            <a:off x="594945" y="997527"/>
-            <a:ext cx="11002110" cy="5860473"/>
-          </a:xfrm>
-          <a:prstGeom prst="rect">
-            <a:avLst/>
-          </a:prstGeom>
-        </p:spPr>
-        <p:txBody>
-          <a:bodyPr/>
-          <a:lstStyle/>
-          <a:p>
-            <a:pPr marL="0" indent="0">
-              <a:lnSpc>
-                <a:spcPct val="81000"/>
-              </a:lnSpc>
-              <a:buSzTx/>
-              <a:buNone/>
-              <a:defRPr sz="2300" b="1">
-                <a:latin typeface="+mj-lt"/>
-                <a:ea typeface="+mj-ea"/>
-                <a:cs typeface="+mj-cs"/>
-                <a:sym typeface="Helvetica"/>
-              </a:defRPr>
-            </a:pPr>
-            <a:r>
-              <a:t>d) 2*A1*A3 + 1/2*PI/A2</a:t>
-            </a:r>
-          </a:p>
-          <a:p>
-            <a:pPr marL="0" indent="0">
-              <a:lnSpc>
-                <a:spcPct val="81000"/>
-              </a:lnSpc>
-              <a:buSzTx/>
-              <a:buNone/>
-              <a:defRPr sz="2300"/>
-            </a:pPr>
-            <a:r>
-              <a:t>Разобрать задачу трансляции арифметических выражений в псевдо-машинный код.</a:t>
-            </a:r>
-          </a:p>
-          <a:p>
-            <a:pPr marL="384340" indent="-384340">
-              <a:lnSpc>
-                <a:spcPct val="81000"/>
-              </a:lnSpc>
-              <a:buFontTx/>
-              <a:buAutoNum type="alphaUcPeriod"/>
-              <a:defRPr sz="2300"/>
-            </a:pPr>
-            <a:r>
-              <a:t>Предложить псевдо-машинный код (похож на инструкции языка ассемблера)</a:t>
-            </a:r>
-          </a:p>
-          <a:p>
-            <a:pPr marL="384340" indent="-384340">
-              <a:lnSpc>
-                <a:spcPct val="81000"/>
-              </a:lnSpc>
-              <a:buFontTx/>
-              <a:buAutoNum type="alphaUcPeriod"/>
-              <a:defRPr sz="2300"/>
-            </a:pPr>
-            <a:r>
-              <a:t>Описать информационную таблицу</a:t>
-            </a:r>
-          </a:p>
-          <a:p>
-            <a:pPr marL="384340" indent="-384340">
-              <a:lnSpc>
-                <a:spcPct val="81000"/>
-              </a:lnSpc>
-              <a:buFontTx/>
-              <a:buAutoNum type="alphaUcPeriod"/>
-              <a:defRPr sz="2300"/>
-            </a:pPr>
-            <a:r>
-              <a:t>Описать стадию лексического анализа (какие лексемы распознавать, работа с инф. таблицей). Привести пример (ручной) работы лексического анализатора</a:t>
-            </a:r>
-          </a:p>
-          <a:p>
-            <a:pPr marL="384340" indent="-384340">
-              <a:lnSpc>
-                <a:spcPct val="81000"/>
-              </a:lnSpc>
-              <a:buFontTx/>
-              <a:buAutoNum type="alphaUcPeriod"/>
-              <a:defRPr sz="2300"/>
-            </a:pPr>
-            <a:r>
-              <a:t>Описать стадию синтаксического анализа (синтаксис в виде БНФ, работа с инф. таблицей). Привести пример (ручной) работы синтаксического анализатора</a:t>
-            </a:r>
-          </a:p>
-          <a:p>
-            <a:pPr marL="384340" indent="-384340">
-              <a:lnSpc>
-                <a:spcPct val="81000"/>
-              </a:lnSpc>
-              <a:buFontTx/>
-              <a:buAutoNum type="alphaUcPeriod"/>
-              <a:defRPr sz="2300"/>
-            </a:pPr>
-            <a:r>
-              <a:t>Описать стадию семантического анализа. Привести пример (ручной) работы семантического анализатора с генерацией конкретной программы на псевдомашинном коде.</a:t>
-            </a:r>
-          </a:p>
-          <a:p>
-            <a:pPr marL="384340" indent="-384340">
-              <a:lnSpc>
-                <a:spcPct val="81000"/>
-              </a:lnSpc>
-              <a:buFontTx/>
-              <a:buAutoNum type="alphaUcPeriod"/>
-              <a:defRPr sz="2300"/>
-            </a:pPr>
-            <a:r>
-              <a:t>Разобрать варианты оптимизации генерируемого кода. Привести пример оптимизации для уменьшения используемой памяти (число регистров) или повышения скорости работы (уменьшение размера программы – число инструкций в программе)</a:t>
-            </a:r>
-          </a:p>
-        </p:txBody>
-      </p:sp>
-    </p:spTree>
-  </p:cSld>
-  <p:clrMapOvr>
-    <a:masterClrMapping/>
-  </p:clrMapOvr>
-  <p:transition spd="med"/>
-</p:sld>
-</file>
-
-<file path=ppt/slides/slide20.xml><?xml version="1.0" encoding="utf-8"?>
+<file path=ppt/slides/slide19.xml><?xml version="1.0" encoding="utf-8"?>
 <p:sld xmlns:a="http://schemas.openxmlformats.org/drawingml/2006/main" xmlns:r="http://schemas.openxmlformats.org/officeDocument/2006/relationships" xmlns:p="http://schemas.openxmlformats.org/presentationml/2006/main">
   <p:cSld>
     <p:spTree>
@@ -14035,7 +13900,197 @@
 </p:sld>
 </file>
 
-<file path=ppt/slides/slide21.xml><?xml version="1.0" encoding="utf-8"?>
+<file path=ppt/slides/slide2.xml><?xml version="1.0" encoding="utf-8"?>
+<p:sld xmlns:a="http://schemas.openxmlformats.org/drawingml/2006/main" xmlns:r="http://schemas.openxmlformats.org/officeDocument/2006/relationships" xmlns:p="http://schemas.openxmlformats.org/presentationml/2006/main">
+  <p:cSld>
+    <p:spTree>
+      <p:nvGrpSpPr>
+        <p:cNvPr id="1" name=""/>
+        <p:cNvGrpSpPr/>
+        <p:nvPr/>
+      </p:nvGrpSpPr>
+      <p:grpSpPr>
+        <a:xfrm>
+          <a:off x="0" y="0"/>
+          <a:ext cx="0" cy="0"/>
+          <a:chOff x="0" y="0"/>
+          <a:chExt cx="0" cy="0"/>
+        </a:xfrm>
+      </p:grpSpPr>
+      <p:sp>
+        <p:nvSpPr>
+          <p:cNvPr id="117" name="Заголовок 1"/>
+          <p:cNvSpPr txBox="1">
+            <a:spLocks noGrp="1"/>
+          </p:cNvSpPr>
+          <p:nvPr>
+            <p:ph type="title"/>
+          </p:nvPr>
+        </p:nvSpPr>
+        <p:spPr>
+          <a:xfrm>
+            <a:off x="838200" y="-142875"/>
+            <a:ext cx="10515600" cy="1325563"/>
+          </a:xfrm>
+          <a:prstGeom prst="rect">
+            <a:avLst/>
+          </a:prstGeom>
+        </p:spPr>
+        <p:txBody>
+          <a:bodyPr/>
+          <a:lstStyle>
+            <a:lvl1pPr algn="ctr"/>
+          </a:lstStyle>
+          <a:p>
+            <a:r>
+              <a:t>Задание 3.1(d)</a:t>
+            </a:r>
+          </a:p>
+        </p:txBody>
+      </p:sp>
+      <p:sp>
+        <p:nvSpPr>
+          <p:cNvPr id="118" name="Объект 2"/>
+          <p:cNvSpPr txBox="1">
+            <a:spLocks noGrp="1"/>
+          </p:cNvSpPr>
+          <p:nvPr>
+            <p:ph type="body" idx="1"/>
+          </p:nvPr>
+        </p:nvSpPr>
+        <p:spPr>
+          <a:xfrm>
+            <a:off x="594945" y="997527"/>
+            <a:ext cx="11002110" cy="5860473"/>
+          </a:xfrm>
+          <a:prstGeom prst="rect">
+            <a:avLst/>
+          </a:prstGeom>
+        </p:spPr>
+        <p:txBody>
+          <a:bodyPr/>
+          <a:lstStyle/>
+          <a:p>
+            <a:pPr marL="0" indent="0">
+              <a:lnSpc>
+                <a:spcPct val="81000"/>
+              </a:lnSpc>
+              <a:buSzTx/>
+              <a:buNone/>
+              <a:defRPr sz="2300" b="1">
+                <a:latin typeface="+mj-lt"/>
+                <a:ea typeface="+mj-ea"/>
+                <a:cs typeface="+mj-cs"/>
+                <a:sym typeface="Helvetica"/>
+              </a:defRPr>
+            </a:pPr>
+            <a:r>
+              <a:t>d) 2*A1*A3 + 1/2*PI/A2</a:t>
+            </a:r>
+          </a:p>
+          <a:p>
+            <a:pPr marL="0" indent="0">
+              <a:lnSpc>
+                <a:spcPct val="81000"/>
+              </a:lnSpc>
+              <a:buSzTx/>
+              <a:buNone/>
+              <a:defRPr sz="2300"/>
+            </a:pPr>
+            <a:r>
+              <a:t>Разобрать задачу трансляции арифметических выражений в псевдо-машинный код.</a:t>
+            </a:r>
+          </a:p>
+          <a:p>
+            <a:pPr marL="384340" indent="-384340">
+              <a:lnSpc>
+                <a:spcPct val="81000"/>
+              </a:lnSpc>
+              <a:buFontTx/>
+              <a:buAutoNum type="alphaUcPeriod"/>
+              <a:defRPr sz="2300"/>
+            </a:pPr>
+            <a:r>
+              <a:t>Предложить псевдо-машинный код (похож на инструкции языка ассемблера)</a:t>
+            </a:r>
+          </a:p>
+          <a:p>
+            <a:pPr marL="384340" indent="-384340">
+              <a:lnSpc>
+                <a:spcPct val="81000"/>
+              </a:lnSpc>
+              <a:buFontTx/>
+              <a:buAutoNum type="alphaUcPeriod"/>
+              <a:defRPr sz="2300"/>
+            </a:pPr>
+            <a:r>
+              <a:t>Описать информационную таблицу</a:t>
+            </a:r>
+          </a:p>
+          <a:p>
+            <a:pPr marL="384340" indent="-384340">
+              <a:lnSpc>
+                <a:spcPct val="81000"/>
+              </a:lnSpc>
+              <a:buFontTx/>
+              <a:buAutoNum type="alphaUcPeriod"/>
+              <a:defRPr sz="2300"/>
+            </a:pPr>
+            <a:r>
+              <a:t>Описать стадию лексического анализа (какие лексемы распознавать, работа с инф. таблицей). Привести пример (ручной) работы лексического анализатора</a:t>
+            </a:r>
+          </a:p>
+          <a:p>
+            <a:pPr marL="384340" indent="-384340">
+              <a:lnSpc>
+                <a:spcPct val="81000"/>
+              </a:lnSpc>
+              <a:buFontTx/>
+              <a:buAutoNum type="alphaUcPeriod"/>
+              <a:defRPr sz="2300"/>
+            </a:pPr>
+            <a:r>
+              <a:t>Описать стадию синтаксического анализа (синтаксис в виде БНФ, работа с инф. таблицей). Привести пример (ручной) работы синтаксического анализатора</a:t>
+            </a:r>
+          </a:p>
+          <a:p>
+            <a:pPr marL="384340" indent="-384340">
+              <a:lnSpc>
+                <a:spcPct val="81000"/>
+              </a:lnSpc>
+              <a:buFontTx/>
+              <a:buAutoNum type="alphaUcPeriod"/>
+              <a:defRPr sz="2300"/>
+            </a:pPr>
+            <a:r>
+              <a:t>Описать стадию семантического анализа. Привести пример (ручной) работы семантического анализатора с генерацией конкретной программы на псевдомашинном коде.</a:t>
+            </a:r>
+          </a:p>
+          <a:p>
+            <a:pPr marL="384340" indent="-384340">
+              <a:lnSpc>
+                <a:spcPct val="81000"/>
+              </a:lnSpc>
+              <a:buFontTx/>
+              <a:buAutoNum type="alphaUcPeriod"/>
+              <a:defRPr sz="2300"/>
+            </a:pPr>
+            <a:r>
+              <a:t>Разобрать варианты оптимизации генерируемого кода. Привести пример оптимизации для уменьшения используемой памяти (число регистров) или повышения скорости работы (уменьшение размера программы – число инструкций в программе)</a:t>
+            </a:r>
+          </a:p>
+        </p:txBody>
+      </p:sp>
+    </p:spTree>
+  </p:cSld>
+  <p:clrMapOvr>
+    <a:masterClrMapping/>
+  </p:clrMapOvr>
+  <p:transition spd="med"/>
+</p:sld>
+</file>
+
+<file path=ppt/slides/slide20.xml><?xml version="1.0" encoding="utf-8"?>
 <p:sld xmlns:a="http://schemas.openxmlformats.org/drawingml/2006/main" xmlns:r="http://schemas.openxmlformats.org/officeDocument/2006/relationships" xmlns:p="http://schemas.openxmlformats.org/presentationml/2006/main">
   <p:cSld>
     <p:spTree>
@@ -14125,8 +14180,8 @@
         </p:blipFill>
         <p:spPr>
           <a:xfrm>
-            <a:off x="2398553" y="2230438"/>
-            <a:ext cx="5514346" cy="4569522"/>
+            <a:off x="3178715" y="3216780"/>
+            <a:ext cx="3123941" cy="2588687"/>
           </a:xfrm>
           <a:prstGeom prst="rect">
             <a:avLst/>
@@ -15087,6 +15142,36 @@
           </a:p>
         </p:txBody>
       </p:sp>
+      <p:pic>
+        <p:nvPicPr>
+          <p:cNvPr id="4" name="Рисунок 3">
+            <a:extLst>
+              <a:ext uri="{FF2B5EF4-FFF2-40B4-BE49-F238E27FC236}">
+                <a16:creationId xmlns:a16="http://schemas.microsoft.com/office/drawing/2014/main" id="{DBEBB3C2-3D26-4276-99E0-40D2027C5854}"/>
+              </a:ext>
+            </a:extLst>
+          </p:cNvPr>
+          <p:cNvPicPr>
+            <a:picLocks noChangeAspect="1"/>
+          </p:cNvPicPr>
+          <p:nvPr/>
+        </p:nvPicPr>
+        <p:blipFill>
+          <a:blip r:embed="rId4"/>
+          <a:stretch>
+            <a:fillRect/>
+          </a:stretch>
+        </p:blipFill>
+        <p:spPr>
+          <a:xfrm>
+            <a:off x="1983248" y="2855913"/>
+            <a:ext cx="5876925" cy="3543300"/>
+          </a:xfrm>
+          <a:prstGeom prst="rect">
+            <a:avLst/>
+          </a:prstGeom>
+        </p:spPr>
+      </p:pic>
     </p:spTree>
   </p:cSld>
   <p:clrMapOvr>
@@ -15096,7 +15181,7 @@
 </p:sld>
 </file>
 
-<file path=ppt/slides/slide22.xml><?xml version="1.0" encoding="utf-8"?>
+<file path=ppt/slides/slide21.xml><?xml version="1.0" encoding="utf-8"?>
 <p:sld xmlns:a="http://schemas.openxmlformats.org/drawingml/2006/main" xmlns:r="http://schemas.openxmlformats.org/officeDocument/2006/relationships" xmlns:p="http://schemas.openxmlformats.org/presentationml/2006/main">
   <p:cSld>
     <p:spTree>
@@ -15186,7 +15271,7 @@
         </p:blipFill>
         <p:spPr>
           <a:xfrm>
-            <a:off x="2330573" y="2230438"/>
+            <a:off x="1387969" y="2320199"/>
             <a:ext cx="6875251" cy="4381849"/>
           </a:xfrm>
           <a:prstGeom prst="rect">
@@ -16157,7 +16242,7 @@
 </p:sld>
 </file>
 
-<file path=ppt/slides/slide23.xml><?xml version="1.0" encoding="utf-8"?>
+<file path=ppt/slides/slide22.xml><?xml version="1.0" encoding="utf-8"?>
 <p:sld xmlns:a="http://schemas.openxmlformats.org/drawingml/2006/main" xmlns:r="http://schemas.openxmlformats.org/officeDocument/2006/relationships" xmlns:p="http://schemas.openxmlformats.org/presentationml/2006/main">
   <p:cSld>
     <p:spTree>
@@ -16247,8 +16332,8 @@
         </p:blipFill>
         <p:spPr>
           <a:xfrm>
-            <a:off x="1595665" y="2230438"/>
-            <a:ext cx="5274067" cy="4514599"/>
+            <a:off x="2921125" y="3295437"/>
+            <a:ext cx="3273613" cy="2802211"/>
           </a:xfrm>
           <a:prstGeom prst="rect">
             <a:avLst/>
@@ -17209,6 +17294,36 @@
           </a:p>
         </p:txBody>
       </p:sp>
+      <p:pic>
+        <p:nvPicPr>
+          <p:cNvPr id="3" name="Рисунок 2">
+            <a:extLst>
+              <a:ext uri="{FF2B5EF4-FFF2-40B4-BE49-F238E27FC236}">
+                <a16:creationId xmlns:a16="http://schemas.microsoft.com/office/drawing/2014/main" id="{3AC0885A-E025-4E9D-8F61-5E229A09D7B9}"/>
+              </a:ext>
+            </a:extLst>
+          </p:cNvPr>
+          <p:cNvPicPr>
+            <a:picLocks noChangeAspect="1"/>
+          </p:cNvPicPr>
+          <p:nvPr/>
+        </p:nvPicPr>
+        <p:blipFill>
+          <a:blip r:embed="rId4"/>
+          <a:stretch>
+            <a:fillRect/>
+          </a:stretch>
+        </p:blipFill>
+        <p:spPr>
+          <a:xfrm>
+            <a:off x="1628993" y="3076501"/>
+            <a:ext cx="5857875" cy="3238500"/>
+          </a:xfrm>
+          <a:prstGeom prst="rect">
+            <a:avLst/>
+          </a:prstGeom>
+        </p:spPr>
+      </p:pic>
     </p:spTree>
   </p:cSld>
   <p:clrMapOvr>
@@ -17218,7 +17333,7 @@
 </p:sld>
 </file>
 
-<file path=ppt/slides/slide24.xml><?xml version="1.0" encoding="utf-8"?>
+<file path=ppt/slides/slide23.xml><?xml version="1.0" encoding="utf-8"?>
 <p:sld xmlns:a="http://schemas.openxmlformats.org/drawingml/2006/main" xmlns:r="http://schemas.openxmlformats.org/officeDocument/2006/relationships" xmlns:p="http://schemas.openxmlformats.org/presentationml/2006/main">
   <p:cSld>
     <p:spTree>
@@ -17308,8 +17423,8 @@
         </p:blipFill>
         <p:spPr>
           <a:xfrm>
-            <a:off x="1431981" y="2362405"/>
-            <a:ext cx="5244864" cy="4495595"/>
+            <a:off x="2707108" y="3505418"/>
+            <a:ext cx="2779292" cy="2382249"/>
           </a:xfrm>
           <a:prstGeom prst="rect">
             <a:avLst/>
@@ -17335,7 +17450,7 @@
         </p:blipFill>
         <p:spPr>
           <a:xfrm>
-            <a:off x="7462566" y="5460520"/>
+            <a:off x="7182176" y="4921497"/>
             <a:ext cx="744475" cy="1252069"/>
           </a:xfrm>
           <a:prstGeom prst="rect">
@@ -18297,6 +18412,36 @@
           </a:p>
         </p:txBody>
       </p:sp>
+      <p:pic>
+        <p:nvPicPr>
+          <p:cNvPr id="3" name="Рисунок 2">
+            <a:extLst>
+              <a:ext uri="{FF2B5EF4-FFF2-40B4-BE49-F238E27FC236}">
+                <a16:creationId xmlns:a16="http://schemas.microsoft.com/office/drawing/2014/main" id="{89A33092-8418-4529-8A3F-0CA44C4103A5}"/>
+              </a:ext>
+            </a:extLst>
+          </p:cNvPr>
+          <p:cNvPicPr>
+            <a:picLocks noChangeAspect="1"/>
+          </p:cNvPicPr>
+          <p:nvPr/>
+        </p:nvPicPr>
+        <p:blipFill>
+          <a:blip r:embed="rId5"/>
+          <a:stretch>
+            <a:fillRect/>
+          </a:stretch>
+        </p:blipFill>
+        <p:spPr>
+          <a:xfrm>
+            <a:off x="840474" y="3008313"/>
+            <a:ext cx="5857875" cy="3238500"/>
+          </a:xfrm>
+          <a:prstGeom prst="rect">
+            <a:avLst/>
+          </a:prstGeom>
+        </p:spPr>
+      </p:pic>
     </p:spTree>
   </p:cSld>
   <p:clrMapOvr>
@@ -18306,7 +18451,7 @@
 </p:sld>
 </file>
 
-<file path=ppt/slides/slide25.xml><?xml version="1.0" encoding="utf-8"?>
+<file path=ppt/slides/slide24.xml><?xml version="1.0" encoding="utf-8"?>
 <p:sld xmlns:a="http://schemas.openxmlformats.org/drawingml/2006/main" xmlns:r="http://schemas.openxmlformats.org/officeDocument/2006/relationships" xmlns:p="http://schemas.openxmlformats.org/presentationml/2006/main">
   <p:cSld>
     <p:spTree>
@@ -18396,8 +18541,8 @@
         </p:blipFill>
         <p:spPr>
           <a:xfrm>
-            <a:off x="1345712" y="2311879"/>
-            <a:ext cx="5244861" cy="4495594"/>
+            <a:off x="1986064" y="3540973"/>
+            <a:ext cx="2895396" cy="2481767"/>
           </a:xfrm>
           <a:prstGeom prst="rect">
             <a:avLst/>
@@ -18423,8 +18568,8 @@
         </p:blipFill>
         <p:spPr>
           <a:xfrm>
-            <a:off x="6912984" y="4369072"/>
-            <a:ext cx="2247906" cy="2438403"/>
+            <a:off x="7341448" y="5168534"/>
+            <a:ext cx="947847" cy="1028172"/>
           </a:xfrm>
           <a:prstGeom prst="rect">
             <a:avLst/>
@@ -19385,6 +19530,66 @@
           </a:p>
         </p:txBody>
       </p:sp>
+      <p:pic>
+        <p:nvPicPr>
+          <p:cNvPr id="3" name="Рисунок 2">
+            <a:extLst>
+              <a:ext uri="{FF2B5EF4-FFF2-40B4-BE49-F238E27FC236}">
+                <a16:creationId xmlns:a16="http://schemas.microsoft.com/office/drawing/2014/main" id="{58563829-1F9F-4A9F-BAA8-7A0241BEC635}"/>
+              </a:ext>
+            </a:extLst>
+          </p:cNvPr>
+          <p:cNvPicPr>
+            <a:picLocks noChangeAspect="1"/>
+          </p:cNvPicPr>
+          <p:nvPr/>
+        </p:nvPicPr>
+        <p:blipFill>
+          <a:blip r:embed="rId5"/>
+          <a:stretch>
+            <a:fillRect/>
+          </a:stretch>
+        </p:blipFill>
+        <p:spPr>
+          <a:xfrm>
+            <a:off x="867128" y="2958206"/>
+            <a:ext cx="5857875" cy="3238500"/>
+          </a:xfrm>
+          <a:prstGeom prst="rect">
+            <a:avLst/>
+          </a:prstGeom>
+        </p:spPr>
+      </p:pic>
+      <p:pic>
+        <p:nvPicPr>
+          <p:cNvPr id="5" name="Рисунок 4">
+            <a:extLst>
+              <a:ext uri="{FF2B5EF4-FFF2-40B4-BE49-F238E27FC236}">
+                <a16:creationId xmlns:a16="http://schemas.microsoft.com/office/drawing/2014/main" id="{CBCB9995-BC4E-432D-BA13-8C0D2834F1B3}"/>
+              </a:ext>
+            </a:extLst>
+          </p:cNvPr>
+          <p:cNvPicPr>
+            <a:picLocks noChangeAspect="1"/>
+          </p:cNvPicPr>
+          <p:nvPr/>
+        </p:nvPicPr>
+        <p:blipFill>
+          <a:blip r:embed="rId6"/>
+          <a:stretch>
+            <a:fillRect/>
+          </a:stretch>
+        </p:blipFill>
+        <p:spPr>
+          <a:xfrm>
+            <a:off x="6810411" y="4930145"/>
+            <a:ext cx="2085975" cy="1504950"/>
+          </a:xfrm>
+          <a:prstGeom prst="rect">
+            <a:avLst/>
+          </a:prstGeom>
+        </p:spPr>
+      </p:pic>
     </p:spTree>
   </p:cSld>
   <p:clrMapOvr>
@@ -19394,7 +19599,7 @@
 </p:sld>
 </file>
 
-<file path=ppt/slides/slide26.xml><?xml version="1.0" encoding="utf-8"?>
+<file path=ppt/slides/slide25.xml><?xml version="1.0" encoding="utf-8"?>
 <p:sld xmlns:a="http://schemas.openxmlformats.org/drawingml/2006/main" xmlns:r="http://schemas.openxmlformats.org/officeDocument/2006/relationships" xmlns:p="http://schemas.openxmlformats.org/presentationml/2006/main">
   <p:cSld>
     <p:spTree>
@@ -19413,6 +19618,63 @@
       </p:grpSpPr>
       <p:pic>
         <p:nvPicPr>
+          <p:cNvPr id="398" name="Рисунок 2" descr="Рисунок 2"/>
+          <p:cNvPicPr>
+            <a:picLocks noChangeAspect="1"/>
+          </p:cNvPicPr>
+          <p:nvPr/>
+        </p:nvPicPr>
+        <p:blipFill>
+          <a:blip r:embed="rId2"/>
+          <a:stretch>
+            <a:fillRect/>
+          </a:stretch>
+        </p:blipFill>
+        <p:spPr>
+          <a:xfrm>
+            <a:off x="2242287" y="3740361"/>
+            <a:ext cx="2382949" cy="2042526"/>
+          </a:xfrm>
+          <a:prstGeom prst="rect">
+            <a:avLst/>
+          </a:prstGeom>
+          <a:ln w="12700">
+            <a:miter lim="400000"/>
+          </a:ln>
+        </p:spPr>
+      </p:pic>
+      <p:pic>
+        <p:nvPicPr>
+          <p:cNvPr id="18" name="Рисунок 17">
+            <a:extLst>
+              <a:ext uri="{FF2B5EF4-FFF2-40B4-BE49-F238E27FC236}">
+                <a16:creationId xmlns:a16="http://schemas.microsoft.com/office/drawing/2014/main" id="{327B54D0-C305-44DB-9CB2-12DBBDE8783F}"/>
+              </a:ext>
+            </a:extLst>
+          </p:cNvPr>
+          <p:cNvPicPr>
+            <a:picLocks noChangeAspect="1"/>
+          </p:cNvPicPr>
+          <p:nvPr/>
+        </p:nvPicPr>
+        <p:blipFill>
+          <a:blip r:embed="rId3"/>
+          <a:stretch>
+            <a:fillRect/>
+          </a:stretch>
+        </p:blipFill>
+        <p:spPr>
+          <a:xfrm>
+            <a:off x="625904" y="2999510"/>
+            <a:ext cx="5857875" cy="3238500"/>
+          </a:xfrm>
+          <a:prstGeom prst="rect">
+            <a:avLst/>
+          </a:prstGeom>
+        </p:spPr>
+      </p:pic>
+      <p:pic>
+        <p:nvPicPr>
           <p:cNvPr id="396" name="Объект 3" descr="Объект 3"/>
           <p:cNvPicPr>
             <a:picLocks noChangeAspect="1"/>
@@ -19420,7 +19682,7 @@
           <p:nvPr/>
         </p:nvPicPr>
         <p:blipFill>
-          <a:blip r:embed="rId2"/>
+          <a:blip r:embed="rId4"/>
           <a:stretch>
             <a:fillRect/>
           </a:stretch>
@@ -19470,33 +19732,6 @@
       </p:sp>
       <p:pic>
         <p:nvPicPr>
-          <p:cNvPr id="398" name="Рисунок 2" descr="Рисунок 2"/>
-          <p:cNvPicPr>
-            <a:picLocks noChangeAspect="1"/>
-          </p:cNvPicPr>
-          <p:nvPr/>
-        </p:nvPicPr>
-        <p:blipFill>
-          <a:blip r:embed="rId3"/>
-          <a:stretch>
-            <a:fillRect/>
-          </a:stretch>
-        </p:blipFill>
-        <p:spPr>
-          <a:xfrm>
-            <a:off x="1526875" y="2311879"/>
-            <a:ext cx="5244864" cy="4495594"/>
-          </a:xfrm>
-          <a:prstGeom prst="rect">
-            <a:avLst/>
-          </a:prstGeom>
-          <a:ln w="12700">
-            <a:miter lim="400000"/>
-          </a:ln>
-        </p:spPr>
-      </p:pic>
-      <p:pic>
-        <p:nvPicPr>
           <p:cNvPr id="399" name="Рисунок 7" descr="Рисунок 7"/>
           <p:cNvPicPr>
             <a:picLocks noChangeAspect="1"/>
@@ -19504,14 +19739,14 @@
           <p:nvPr/>
         </p:nvPicPr>
         <p:blipFill>
-          <a:blip r:embed="rId4"/>
+          <a:blip r:embed="rId5"/>
           <a:stretch>
             <a:fillRect/>
           </a:stretch>
         </p:blipFill>
         <p:spPr>
           <a:xfrm>
-            <a:off x="6775150" y="4675516"/>
+            <a:off x="6098688" y="4443581"/>
             <a:ext cx="2635875" cy="2131962"/>
           </a:xfrm>
           <a:prstGeom prst="rect">
@@ -20482,7 +20717,7 @@
 </p:sld>
 </file>
 
-<file path=ppt/slides/slide27.xml><?xml version="1.0" encoding="utf-8"?>
+<file path=ppt/slides/slide26.xml><?xml version="1.0" encoding="utf-8"?>
 <p:sld xmlns:a="http://schemas.openxmlformats.org/drawingml/2006/main" xmlns:r="http://schemas.openxmlformats.org/officeDocument/2006/relationships" xmlns:p="http://schemas.openxmlformats.org/presentationml/2006/main">
   <p:cSld>
     <p:spTree>
@@ -20572,8 +20807,8 @@
         </p:blipFill>
         <p:spPr>
           <a:xfrm>
-            <a:off x="739472" y="2290215"/>
-            <a:ext cx="5244867" cy="4495596"/>
+            <a:off x="982753" y="4578916"/>
+            <a:ext cx="2171508" cy="1861291"/>
           </a:xfrm>
           <a:prstGeom prst="rect">
             <a:avLst/>
@@ -20599,8 +20834,8 @@
         </p:blipFill>
         <p:spPr>
           <a:xfrm>
-            <a:off x="5984335" y="3722197"/>
-            <a:ext cx="2681210" cy="2954361"/>
+            <a:off x="6913967" y="4737629"/>
+            <a:ext cx="1431533" cy="1577372"/>
           </a:xfrm>
           <a:prstGeom prst="rect">
             <a:avLst/>
@@ -21561,6 +21796,66 @@
           </a:p>
         </p:txBody>
       </p:sp>
+      <p:pic>
+        <p:nvPicPr>
+          <p:cNvPr id="3" name="Рисунок 2">
+            <a:extLst>
+              <a:ext uri="{FF2B5EF4-FFF2-40B4-BE49-F238E27FC236}">
+                <a16:creationId xmlns:a16="http://schemas.microsoft.com/office/drawing/2014/main" id="{0C131655-0BE7-46C9-890A-DCFB4721295F}"/>
+              </a:ext>
+            </a:extLst>
+          </p:cNvPr>
+          <p:cNvPicPr>
+            <a:picLocks noChangeAspect="1"/>
+          </p:cNvPicPr>
+          <p:nvPr/>
+        </p:nvPicPr>
+        <p:blipFill>
+          <a:blip r:embed="rId5"/>
+          <a:stretch>
+            <a:fillRect/>
+          </a:stretch>
+        </p:blipFill>
+        <p:spPr>
+          <a:xfrm>
+            <a:off x="5984339" y="4511124"/>
+            <a:ext cx="3152775" cy="1933575"/>
+          </a:xfrm>
+          <a:prstGeom prst="rect">
+            <a:avLst/>
+          </a:prstGeom>
+        </p:spPr>
+      </p:pic>
+      <p:pic>
+        <p:nvPicPr>
+          <p:cNvPr id="20" name="Рисунок 19">
+            <a:extLst>
+              <a:ext uri="{FF2B5EF4-FFF2-40B4-BE49-F238E27FC236}">
+                <a16:creationId xmlns:a16="http://schemas.microsoft.com/office/drawing/2014/main" id="{DF0EC38F-5F60-41F9-8BDA-B185B0C26AF9}"/>
+              </a:ext>
+            </a:extLst>
+          </p:cNvPr>
+          <p:cNvPicPr>
+            <a:picLocks noChangeAspect="1"/>
+          </p:cNvPicPr>
+          <p:nvPr/>
+        </p:nvPicPr>
+        <p:blipFill>
+          <a:blip r:embed="rId6"/>
+          <a:stretch>
+            <a:fillRect/>
+          </a:stretch>
+        </p:blipFill>
+        <p:spPr>
+          <a:xfrm>
+            <a:off x="0" y="3318789"/>
+            <a:ext cx="5857875" cy="3238500"/>
+          </a:xfrm>
+          <a:prstGeom prst="rect">
+            <a:avLst/>
+          </a:prstGeom>
+        </p:spPr>
+      </p:pic>
     </p:spTree>
   </p:cSld>
   <p:clrMapOvr>
@@ -21570,7 +21865,7 @@
 </p:sld>
 </file>
 
-<file path=ppt/slides/slide28.xml><?xml version="1.0" encoding="utf-8"?>
+<file path=ppt/slides/slide27.xml><?xml version="1.0" encoding="utf-8"?>
 <p:sld xmlns:a="http://schemas.openxmlformats.org/drawingml/2006/main" xmlns:r="http://schemas.openxmlformats.org/officeDocument/2006/relationships" xmlns:p="http://schemas.openxmlformats.org/presentationml/2006/main">
   <p:cSld>
     <p:spTree>
@@ -21589,6 +21884,90 @@
       </p:grpSpPr>
       <p:pic>
         <p:nvPicPr>
+          <p:cNvPr id="432" name="Рисунок 2" descr="Рисунок 2"/>
+          <p:cNvPicPr>
+            <a:picLocks noChangeAspect="1"/>
+          </p:cNvPicPr>
+          <p:nvPr/>
+        </p:nvPicPr>
+        <p:blipFill>
+          <a:blip r:embed="rId2"/>
+          <a:stretch>
+            <a:fillRect/>
+          </a:stretch>
+        </p:blipFill>
+        <p:spPr>
+          <a:xfrm>
+            <a:off x="6512305" y="4511124"/>
+            <a:ext cx="2250956" cy="1929388"/>
+          </a:xfrm>
+          <a:prstGeom prst="rect">
+            <a:avLst/>
+          </a:prstGeom>
+          <a:ln w="12700">
+            <a:miter lim="400000"/>
+          </a:ln>
+        </p:spPr>
+      </p:pic>
+      <p:pic>
+        <p:nvPicPr>
+          <p:cNvPr id="18" name="Рисунок 17">
+            <a:extLst>
+              <a:ext uri="{FF2B5EF4-FFF2-40B4-BE49-F238E27FC236}">
+                <a16:creationId xmlns:a16="http://schemas.microsoft.com/office/drawing/2014/main" id="{35E76896-4091-4782-B0C9-2E171F29320B}"/>
+              </a:ext>
+            </a:extLst>
+          </p:cNvPr>
+          <p:cNvPicPr>
+            <a:picLocks noChangeAspect="1"/>
+          </p:cNvPicPr>
+          <p:nvPr/>
+        </p:nvPicPr>
+        <p:blipFill>
+          <a:blip r:embed="rId3"/>
+          <a:stretch>
+            <a:fillRect/>
+          </a:stretch>
+        </p:blipFill>
+        <p:spPr>
+          <a:xfrm>
+            <a:off x="92086" y="2598821"/>
+            <a:ext cx="5857875" cy="3238500"/>
+          </a:xfrm>
+          <a:prstGeom prst="rect">
+            <a:avLst/>
+          </a:prstGeom>
+        </p:spPr>
+      </p:pic>
+      <p:pic>
+        <p:nvPicPr>
+          <p:cNvPr id="433" name="Рисунок 7" descr="Рисунок 7"/>
+          <p:cNvPicPr>
+            <a:picLocks noChangeAspect="1"/>
+          </p:cNvPicPr>
+          <p:nvPr/>
+        </p:nvPicPr>
+        <p:blipFill>
+          <a:blip r:embed="rId4"/>
+          <a:stretch>
+            <a:fillRect/>
+          </a:stretch>
+        </p:blipFill>
+        <p:spPr>
+          <a:xfrm>
+            <a:off x="5180141" y="3662608"/>
+            <a:ext cx="4237550" cy="3164560"/>
+          </a:xfrm>
+          <a:prstGeom prst="rect">
+            <a:avLst/>
+          </a:prstGeom>
+          <a:ln w="12700">
+            <a:miter lim="400000"/>
+          </a:ln>
+        </p:spPr>
+      </p:pic>
+      <p:pic>
+        <p:nvPicPr>
           <p:cNvPr id="430" name="Объект 3" descr="Объект 3"/>
           <p:cNvPicPr>
             <a:picLocks noChangeAspect="1"/>
@@ -21596,7 +21975,7 @@
           <p:nvPr/>
         </p:nvPicPr>
         <p:blipFill>
-          <a:blip r:embed="rId2"/>
+          <a:blip r:embed="rId5"/>
           <a:stretch>
             <a:fillRect/>
           </a:stretch>
@@ -21644,60 +22023,6 @@
           </a:p>
         </p:txBody>
       </p:sp>
-      <p:pic>
-        <p:nvPicPr>
-          <p:cNvPr id="432" name="Рисунок 2" descr="Рисунок 2"/>
-          <p:cNvPicPr>
-            <a:picLocks noChangeAspect="1"/>
-          </p:cNvPicPr>
-          <p:nvPr/>
-        </p:nvPicPr>
-        <p:blipFill>
-          <a:blip r:embed="rId3"/>
-          <a:stretch>
-            <a:fillRect/>
-          </a:stretch>
-        </p:blipFill>
-        <p:spPr>
-          <a:xfrm>
-            <a:off x="-69818" y="2349979"/>
-            <a:ext cx="5244867" cy="4495594"/>
-          </a:xfrm>
-          <a:prstGeom prst="rect">
-            <a:avLst/>
-          </a:prstGeom>
-          <a:ln w="12700">
-            <a:miter lim="400000"/>
-          </a:ln>
-        </p:spPr>
-      </p:pic>
-      <p:pic>
-        <p:nvPicPr>
-          <p:cNvPr id="433" name="Рисунок 7" descr="Рисунок 7"/>
-          <p:cNvPicPr>
-            <a:picLocks noChangeAspect="1"/>
-          </p:cNvPicPr>
-          <p:nvPr/>
-        </p:nvPicPr>
-        <p:blipFill>
-          <a:blip r:embed="rId4"/>
-          <a:stretch>
-            <a:fillRect/>
-          </a:stretch>
-        </p:blipFill>
-        <p:spPr>
-          <a:xfrm>
-            <a:off x="5388726" y="3681019"/>
-            <a:ext cx="4237550" cy="3164560"/>
-          </a:xfrm>
-          <a:prstGeom prst="rect">
-            <a:avLst/>
-          </a:prstGeom>
-          <a:ln w="12700">
-            <a:miter lim="400000"/>
-          </a:ln>
-        </p:spPr>
-      </p:pic>
       <p:sp>
         <p:nvSpPr>
           <p:cNvPr id="434" name="Заголовок 1"/>
@@ -22658,7 +22983,7 @@
 </p:sld>
 </file>
 
-<file path=ppt/slides/slide29.xml><?xml version="1.0" encoding="utf-8"?>
+<file path=ppt/slides/slide28.xml><?xml version="1.0" encoding="utf-8"?>
 <p:sld xmlns:a="http://schemas.openxmlformats.org/drawingml/2006/main" xmlns:r="http://schemas.openxmlformats.org/officeDocument/2006/relationships" xmlns:p="http://schemas.openxmlformats.org/presentationml/2006/main">
   <p:cSld>
     <p:spTree>
@@ -22677,6 +23002,120 @@
       </p:grpSpPr>
       <p:pic>
         <p:nvPicPr>
+          <p:cNvPr id="20" name="Рисунок 19">
+            <a:extLst>
+              <a:ext uri="{FF2B5EF4-FFF2-40B4-BE49-F238E27FC236}">
+                <a16:creationId xmlns:a16="http://schemas.microsoft.com/office/drawing/2014/main" id="{353B2BFC-B567-42E6-9640-321F7D51FEB7}"/>
+              </a:ext>
+            </a:extLst>
+          </p:cNvPr>
+          <p:cNvPicPr>
+            <a:picLocks noChangeAspect="1"/>
+          </p:cNvPicPr>
+          <p:nvPr/>
+        </p:nvPicPr>
+        <p:blipFill>
+          <a:blip r:embed="rId2"/>
+          <a:stretch>
+            <a:fillRect/>
+          </a:stretch>
+        </p:blipFill>
+        <p:spPr>
+          <a:xfrm>
+            <a:off x="0" y="2706456"/>
+            <a:ext cx="5857875" cy="3238500"/>
+          </a:xfrm>
+          <a:prstGeom prst="rect">
+            <a:avLst/>
+          </a:prstGeom>
+        </p:spPr>
+      </p:pic>
+      <p:pic>
+        <p:nvPicPr>
+          <p:cNvPr id="449" name="Рисунок 2" descr="Рисунок 2"/>
+          <p:cNvPicPr>
+            <a:picLocks noChangeAspect="1"/>
+          </p:cNvPicPr>
+          <p:nvPr/>
+        </p:nvPicPr>
+        <p:blipFill>
+          <a:blip r:embed="rId3"/>
+          <a:stretch>
+            <a:fillRect/>
+          </a:stretch>
+        </p:blipFill>
+        <p:spPr>
+          <a:xfrm>
+            <a:off x="6465536" y="4718801"/>
+            <a:ext cx="2170382" cy="1860326"/>
+          </a:xfrm>
+          <a:prstGeom prst="rect">
+            <a:avLst/>
+          </a:prstGeom>
+          <a:ln w="12700">
+            <a:miter lim="400000"/>
+          </a:ln>
+        </p:spPr>
+      </p:pic>
+      <p:pic>
+        <p:nvPicPr>
+          <p:cNvPr id="450" name="Рисунок 4" descr="Рисунок 4"/>
+          <p:cNvPicPr>
+            <a:picLocks noChangeAspect="1"/>
+          </p:cNvPicPr>
+          <p:nvPr/>
+        </p:nvPicPr>
+        <p:blipFill>
+          <a:blip r:embed="rId4"/>
+          <a:stretch>
+            <a:fillRect/>
+          </a:stretch>
+        </p:blipFill>
+        <p:spPr>
+          <a:xfrm>
+            <a:off x="6401901" y="4718801"/>
+            <a:ext cx="1802397" cy="1812408"/>
+          </a:xfrm>
+          <a:prstGeom prst="rect">
+            <a:avLst/>
+          </a:prstGeom>
+          <a:ln w="12700">
+            <a:miter lim="400000"/>
+          </a:ln>
+        </p:spPr>
+      </p:pic>
+      <p:pic>
+        <p:nvPicPr>
+          <p:cNvPr id="3" name="Рисунок 2">
+            <a:extLst>
+              <a:ext uri="{FF2B5EF4-FFF2-40B4-BE49-F238E27FC236}">
+                <a16:creationId xmlns:a16="http://schemas.microsoft.com/office/drawing/2014/main" id="{29A50CC8-9DD3-4C52-9805-B5966E8892AD}"/>
+              </a:ext>
+            </a:extLst>
+          </p:cNvPr>
+          <p:cNvPicPr>
+            <a:picLocks noChangeAspect="1"/>
+          </p:cNvPicPr>
+          <p:nvPr/>
+        </p:nvPicPr>
+        <p:blipFill>
+          <a:blip r:embed="rId5"/>
+          <a:stretch>
+            <a:fillRect/>
+          </a:stretch>
+        </p:blipFill>
+        <p:spPr>
+          <a:xfrm>
+            <a:off x="5198459" y="4033445"/>
+            <a:ext cx="4162425" cy="2790825"/>
+          </a:xfrm>
+          <a:prstGeom prst="rect">
+            <a:avLst/>
+          </a:prstGeom>
+        </p:spPr>
+      </p:pic>
+      <p:pic>
+        <p:nvPicPr>
           <p:cNvPr id="447" name="Объект 3" descr="Объект 3"/>
           <p:cNvPicPr>
             <a:picLocks noChangeAspect="1"/>
@@ -22684,7 +23123,7 @@
           <p:nvPr/>
         </p:nvPicPr>
         <p:blipFill>
-          <a:blip r:embed="rId2"/>
+          <a:blip r:embed="rId6"/>
           <a:stretch>
             <a:fillRect/>
           </a:stretch>
@@ -22732,60 +23171,6 @@
           </a:p>
         </p:txBody>
       </p:sp>
-      <p:pic>
-        <p:nvPicPr>
-          <p:cNvPr id="449" name="Рисунок 2" descr="Рисунок 2"/>
-          <p:cNvPicPr>
-            <a:picLocks noChangeAspect="1"/>
-          </p:cNvPicPr>
-          <p:nvPr/>
-        </p:nvPicPr>
-        <p:blipFill>
-          <a:blip r:embed="rId3"/>
-          <a:stretch>
-            <a:fillRect/>
-          </a:stretch>
-        </p:blipFill>
-        <p:spPr>
-          <a:xfrm>
-            <a:off x="-56356" y="2420092"/>
-            <a:ext cx="5244865" cy="4495594"/>
-          </a:xfrm>
-          <a:prstGeom prst="rect">
-            <a:avLst/>
-          </a:prstGeom>
-          <a:ln w="12700">
-            <a:miter lim="400000"/>
-          </a:ln>
-        </p:spPr>
-      </p:pic>
-      <p:pic>
-        <p:nvPicPr>
-          <p:cNvPr id="450" name="Рисунок 4" descr="Рисунок 4"/>
-          <p:cNvPicPr>
-            <a:picLocks noChangeAspect="1"/>
-          </p:cNvPicPr>
-          <p:nvPr/>
-        </p:nvPicPr>
-        <p:blipFill>
-          <a:blip r:embed="rId4"/>
-          <a:stretch>
-            <a:fillRect/>
-          </a:stretch>
-        </p:blipFill>
-        <p:spPr>
-          <a:xfrm>
-            <a:off x="5188505" y="3299986"/>
-            <a:ext cx="3645977" cy="3666228"/>
-          </a:xfrm>
-          <a:prstGeom prst="rect">
-            <a:avLst/>
-          </a:prstGeom>
-          <a:ln w="12700">
-            <a:miter lim="400000"/>
-          </a:ln>
-        </p:spPr>
-      </p:pic>
       <p:sp>
         <p:nvSpPr>
           <p:cNvPr id="451" name="Заголовок 1"/>
@@ -23746,1194 +24131,7 @@
 </p:sld>
 </file>
 
-<file path=ppt/slides/slide3.xml><?xml version="1.0" encoding="utf-8"?>
-<p:sld xmlns:a="http://schemas.openxmlformats.org/drawingml/2006/main" xmlns:r="http://schemas.openxmlformats.org/officeDocument/2006/relationships" xmlns:p="http://schemas.openxmlformats.org/presentationml/2006/main">
-  <p:cSld>
-    <p:spTree>
-      <p:nvGrpSpPr>
-        <p:cNvPr id="1" name=""/>
-        <p:cNvGrpSpPr/>
-        <p:nvPr/>
-      </p:nvGrpSpPr>
-      <p:grpSpPr>
-        <a:xfrm>
-          <a:off x="0" y="0"/>
-          <a:ext cx="0" cy="0"/>
-          <a:chOff x="0" y="0"/>
-          <a:chExt cx="0" cy="0"/>
-        </a:xfrm>
-      </p:grpSpPr>
-      <p:sp>
-        <p:nvSpPr>
-          <p:cNvPr id="120" name="Заголовок 1"/>
-          <p:cNvSpPr txBox="1">
-            <a:spLocks noGrp="1"/>
-          </p:cNvSpPr>
-          <p:nvPr>
-            <p:ph type="title"/>
-          </p:nvPr>
-        </p:nvSpPr>
-        <p:spPr>
-          <a:xfrm>
-            <a:off x="838200" y="355595"/>
-            <a:ext cx="10515600" cy="715540"/>
-          </a:xfrm>
-          <a:prstGeom prst="rect">
-            <a:avLst/>
-          </a:prstGeom>
-        </p:spPr>
-        <p:txBody>
-          <a:bodyPr/>
-          <a:lstStyle>
-            <a:lvl1pPr algn="ctr"/>
-          </a:lstStyle>
-          <a:p>
-            <a:r>
-              <a:t>A. Псевдо-машинный код</a:t>
-            </a:r>
-          </a:p>
-        </p:txBody>
-      </p:sp>
-      <p:sp>
-        <p:nvSpPr>
-          <p:cNvPr id="121" name="Объект 2"/>
-          <p:cNvSpPr txBox="1">
-            <a:spLocks noGrp="1"/>
-          </p:cNvSpPr>
-          <p:nvPr>
-            <p:ph type="body" idx="1"/>
-          </p:nvPr>
-        </p:nvSpPr>
-        <p:spPr>
-          <a:xfrm>
-            <a:off x="0" y="1200722"/>
-            <a:ext cx="12192004" cy="5657281"/>
-          </a:xfrm>
-          <a:prstGeom prst="rect">
-            <a:avLst/>
-          </a:prstGeom>
-        </p:spPr>
-        <p:txBody>
-          <a:bodyPr/>
-          <a:lstStyle/>
-          <a:p>
-            <a:pPr marL="0" indent="0" defTabSz="869226">
-              <a:spcBef>
-                <a:spcPts val="800"/>
-              </a:spcBef>
-              <a:buSzTx/>
-              <a:buNone/>
-              <a:defRPr sz="2600"/>
-            </a:pPr>
-            <a:r>
-              <a:rPr dirty="0" err="1"/>
-              <a:t>Для</a:t>
-            </a:r>
-            <a:r>
-              <a:rPr dirty="0"/>
-              <a:t> </a:t>
-            </a:r>
-            <a:r>
-              <a:rPr dirty="0" err="1"/>
-              <a:t>хранения</a:t>
-            </a:r>
-            <a:r>
-              <a:rPr dirty="0"/>
-              <a:t> </a:t>
-            </a:r>
-            <a:r>
-              <a:rPr dirty="0" err="1"/>
-              <a:t>значений</a:t>
-            </a:r>
-            <a:r>
-              <a:rPr dirty="0"/>
-              <a:t> </a:t>
-            </a:r>
-            <a:r>
-              <a:rPr dirty="0" err="1"/>
-              <a:t>будем</a:t>
-            </a:r>
-            <a:r>
-              <a:rPr dirty="0"/>
-              <a:t> </a:t>
-            </a:r>
-            <a:r>
-              <a:rPr dirty="0" err="1"/>
-              <a:t>использовать</a:t>
-            </a:r>
-            <a:r>
-              <a:rPr dirty="0"/>
-              <a:t> </a:t>
-            </a:r>
-            <a:r>
-              <a:rPr dirty="0" err="1"/>
-              <a:t>переменные</a:t>
-            </a:r>
-            <a:r>
-              <a:rPr dirty="0"/>
-              <a:t> t1, t2,…,</a:t>
-            </a:r>
-            <a:r>
-              <a:rPr dirty="0" err="1"/>
-              <a:t>tn</a:t>
-            </a:r>
-            <a:r>
-              <a:rPr dirty="0"/>
-              <a:t> </a:t>
-            </a:r>
-            <a:r>
-              <a:rPr dirty="0" err="1"/>
-              <a:t>типа</a:t>
-            </a:r>
-            <a:r>
-              <a:rPr dirty="0"/>
-              <a:t> </a:t>
-            </a:r>
-            <a:r>
-              <a:rPr b="1" i="1" dirty="0"/>
-              <a:t>double</a:t>
-            </a:r>
-            <a:r>
-              <a:rPr dirty="0"/>
-              <a:t>. </a:t>
-            </a:r>
-            <a:r>
-              <a:rPr dirty="0" err="1"/>
-              <a:t>Команды</a:t>
-            </a:r>
-            <a:r>
-              <a:rPr dirty="0"/>
-              <a:t> </a:t>
-            </a:r>
-            <a:r>
-              <a:rPr dirty="0" err="1"/>
-              <a:t>псевдо-машинного</a:t>
-            </a:r>
-            <a:r>
-              <a:rPr dirty="0"/>
-              <a:t> </a:t>
-            </a:r>
-            <a:r>
-              <a:rPr dirty="0" err="1"/>
-              <a:t>кода</a:t>
-            </a:r>
-            <a:r>
-              <a:rPr dirty="0"/>
-              <a:t> </a:t>
-            </a:r>
-            <a:r>
-              <a:rPr dirty="0" err="1"/>
-              <a:t>для</a:t>
-            </a:r>
-            <a:r>
-              <a:rPr dirty="0"/>
-              <a:t> </a:t>
-            </a:r>
-            <a:r>
-              <a:rPr dirty="0" err="1"/>
-              <a:t>вычисления</a:t>
-            </a:r>
-            <a:r>
-              <a:rPr dirty="0"/>
-              <a:t> </a:t>
-            </a:r>
-            <a:r>
-              <a:rPr dirty="0" err="1"/>
-              <a:t>арифметических</a:t>
-            </a:r>
-            <a:r>
-              <a:rPr dirty="0"/>
-              <a:t> </a:t>
-            </a:r>
-            <a:r>
-              <a:rPr dirty="0" err="1"/>
-              <a:t>выражений</a:t>
-            </a:r>
-            <a:r>
-              <a:rPr dirty="0"/>
-              <a:t>, в </a:t>
-            </a:r>
-            <a:r>
-              <a:rPr dirty="0" err="1"/>
-              <a:t>который</a:t>
-            </a:r>
-            <a:r>
-              <a:rPr dirty="0"/>
-              <a:t> </a:t>
-            </a:r>
-            <a:r>
-              <a:rPr dirty="0" err="1"/>
-              <a:t>будет</a:t>
-            </a:r>
-            <a:r>
-              <a:rPr dirty="0"/>
-              <a:t> </a:t>
-            </a:r>
-            <a:r>
-              <a:rPr dirty="0" err="1"/>
-              <a:t>транслироваться</a:t>
-            </a:r>
-            <a:r>
-              <a:rPr dirty="0"/>
-              <a:t> </a:t>
-            </a:r>
-            <a:r>
-              <a:rPr dirty="0" err="1"/>
-              <a:t>исходный</a:t>
-            </a:r>
-            <a:r>
-              <a:rPr dirty="0"/>
-              <a:t> </a:t>
-            </a:r>
-            <a:r>
-              <a:rPr dirty="0" err="1"/>
-              <a:t>код</a:t>
-            </a:r>
-            <a:r>
-              <a:rPr dirty="0"/>
-              <a:t>:</a:t>
-            </a:r>
-          </a:p>
-          <a:p>
-            <a:pPr marL="0" indent="0" defTabSz="869226">
-              <a:spcBef>
-                <a:spcPts val="800"/>
-              </a:spcBef>
-              <a:defRPr sz="2600"/>
-            </a:pPr>
-            <a:r>
-              <a:rPr dirty="0"/>
-              <a:t> </a:t>
-            </a:r>
-            <a:r>
-              <a:rPr b="1" dirty="0" err="1">
-                <a:latin typeface="+mj-lt"/>
-                <a:ea typeface="+mj-ea"/>
-                <a:cs typeface="+mj-cs"/>
-                <a:sym typeface="Helvetica"/>
-              </a:rPr>
-              <a:t>decl</a:t>
-            </a:r>
-            <a:r>
-              <a:rPr b="1" dirty="0">
-                <a:latin typeface="+mj-lt"/>
-                <a:ea typeface="+mj-ea"/>
-                <a:cs typeface="+mj-cs"/>
-                <a:sym typeface="Helvetica"/>
-              </a:rPr>
-              <a:t> </a:t>
-            </a:r>
-            <a:r>
-              <a:rPr dirty="0" err="1"/>
-              <a:t>ti</a:t>
-            </a:r>
-            <a:r>
-              <a:rPr dirty="0"/>
-              <a:t>		// </a:t>
-            </a:r>
-            <a:r>
-              <a:rPr dirty="0" err="1"/>
-              <a:t>объявление</a:t>
-            </a:r>
-            <a:r>
-              <a:rPr dirty="0"/>
-              <a:t> </a:t>
-            </a:r>
-            <a:r>
-              <a:rPr dirty="0" err="1"/>
-              <a:t>переменной</a:t>
-            </a:r>
-            <a:r>
-              <a:rPr dirty="0"/>
-              <a:t> </a:t>
-            </a:r>
-            <a:r>
-              <a:rPr dirty="0" err="1"/>
-              <a:t>ti</a:t>
-            </a:r>
-            <a:r>
-              <a:rPr dirty="0"/>
-              <a:t>;</a:t>
-            </a:r>
-          </a:p>
-          <a:p>
-            <a:pPr marL="0" indent="0" defTabSz="869226">
-              <a:spcBef>
-                <a:spcPts val="800"/>
-              </a:spcBef>
-              <a:defRPr sz="2600" b="1">
-                <a:latin typeface="+mj-lt"/>
-                <a:ea typeface="+mj-ea"/>
-                <a:cs typeface="+mj-cs"/>
-                <a:sym typeface="Helvetica"/>
-              </a:defRPr>
-            </a:pPr>
-            <a:r>
-              <a:rPr dirty="0"/>
-              <a:t> mov</a:t>
-            </a:r>
-            <a:r>
-              <a:rPr b="0" dirty="0">
-                <a:latin typeface="+mn-lt"/>
-                <a:ea typeface="+mn-ea"/>
-                <a:cs typeface="+mn-cs"/>
-                <a:sym typeface="Calibri"/>
-              </a:rPr>
-              <a:t> n, </a:t>
-            </a:r>
-            <a:r>
-              <a:rPr b="0" dirty="0" err="1">
-                <a:latin typeface="+mn-lt"/>
-                <a:ea typeface="+mn-ea"/>
-                <a:cs typeface="+mn-cs"/>
-                <a:sym typeface="Calibri"/>
-              </a:rPr>
-              <a:t>ti</a:t>
-            </a:r>
-            <a:r>
-              <a:rPr b="0" dirty="0">
-                <a:latin typeface="+mn-lt"/>
-                <a:ea typeface="+mn-ea"/>
-                <a:cs typeface="+mn-cs"/>
-                <a:sym typeface="Calibri"/>
-              </a:rPr>
-              <a:t> 	</a:t>
-            </a:r>
-            <a:r>
-              <a:rPr lang="ru-RU" b="0" dirty="0">
-                <a:latin typeface="+mn-lt"/>
-                <a:ea typeface="+mn-ea"/>
-                <a:cs typeface="+mn-cs"/>
-                <a:sym typeface="Calibri"/>
-              </a:rPr>
-              <a:t>	</a:t>
-            </a:r>
-            <a:r>
-              <a:rPr b="0" dirty="0">
-                <a:latin typeface="+mn-lt"/>
-                <a:ea typeface="+mn-ea"/>
-                <a:cs typeface="+mn-cs"/>
-                <a:sym typeface="Calibri"/>
-              </a:rPr>
-              <a:t>// </a:t>
-            </a:r>
-            <a:r>
-              <a:rPr b="0" dirty="0" err="1">
-                <a:latin typeface="+mn-lt"/>
-                <a:ea typeface="+mn-ea"/>
-                <a:cs typeface="+mn-cs"/>
-                <a:sym typeface="Calibri"/>
-              </a:rPr>
-              <a:t>запись</a:t>
-            </a:r>
-            <a:r>
-              <a:rPr b="0" dirty="0">
-                <a:latin typeface="+mn-lt"/>
-                <a:ea typeface="+mn-ea"/>
-                <a:cs typeface="+mn-cs"/>
-                <a:sym typeface="Calibri"/>
-              </a:rPr>
-              <a:t> n в </a:t>
-            </a:r>
-            <a:r>
-              <a:rPr b="0" dirty="0" err="1">
-                <a:latin typeface="+mn-lt"/>
-                <a:ea typeface="+mn-ea"/>
-                <a:cs typeface="+mn-cs"/>
-                <a:sym typeface="Calibri"/>
-              </a:rPr>
-              <a:t>ti</a:t>
-            </a:r>
-            <a:r>
-              <a:rPr b="0" dirty="0">
-                <a:latin typeface="+mn-lt"/>
-                <a:ea typeface="+mn-ea"/>
-                <a:cs typeface="+mn-cs"/>
-                <a:sym typeface="Calibri"/>
-              </a:rPr>
-              <a:t>, </a:t>
-            </a:r>
-            <a:r>
-              <a:rPr b="0" dirty="0" err="1">
-                <a:latin typeface="+mn-lt"/>
-                <a:ea typeface="+mn-ea"/>
-                <a:cs typeface="+mn-cs"/>
-                <a:sym typeface="Calibri"/>
-              </a:rPr>
-              <a:t>где</a:t>
-            </a:r>
-            <a:r>
-              <a:rPr b="0" dirty="0">
-                <a:latin typeface="+mn-lt"/>
-                <a:ea typeface="+mn-ea"/>
-                <a:cs typeface="+mn-cs"/>
-                <a:sym typeface="Calibri"/>
-              </a:rPr>
-              <a:t> n - </a:t>
-            </a:r>
-            <a:r>
-              <a:rPr b="0" dirty="0" err="1">
-                <a:latin typeface="+mn-lt"/>
-                <a:ea typeface="+mn-ea"/>
-                <a:cs typeface="+mn-cs"/>
-                <a:sym typeface="Calibri"/>
-              </a:rPr>
-              <a:t>числовая</a:t>
-            </a:r>
-            <a:r>
-              <a:rPr b="0" dirty="0">
-                <a:latin typeface="+mn-lt"/>
-                <a:ea typeface="+mn-ea"/>
-                <a:cs typeface="+mn-cs"/>
-                <a:sym typeface="Calibri"/>
-              </a:rPr>
-              <a:t> </a:t>
-            </a:r>
-            <a:r>
-              <a:rPr b="0" dirty="0" err="1">
-                <a:latin typeface="+mn-lt"/>
-                <a:ea typeface="+mn-ea"/>
-                <a:cs typeface="+mn-cs"/>
-                <a:sym typeface="Calibri"/>
-              </a:rPr>
-              <a:t>константа</a:t>
-            </a:r>
-            <a:r>
-              <a:rPr b="0" dirty="0">
-                <a:latin typeface="+mn-lt"/>
-                <a:ea typeface="+mn-ea"/>
-                <a:cs typeface="+mn-cs"/>
-                <a:sym typeface="Calibri"/>
-              </a:rPr>
-              <a:t>;</a:t>
-            </a:r>
-          </a:p>
-          <a:p>
-            <a:pPr marL="0" indent="0" defTabSz="869226">
-              <a:spcBef>
-                <a:spcPts val="800"/>
-              </a:spcBef>
-              <a:defRPr sz="2600"/>
-            </a:pPr>
-            <a:r>
-              <a:rPr dirty="0"/>
-              <a:t> </a:t>
-            </a:r>
-            <a:r>
-              <a:rPr b="1" dirty="0">
-                <a:latin typeface="+mj-lt"/>
-                <a:ea typeface="+mj-ea"/>
-                <a:cs typeface="+mj-cs"/>
-                <a:sym typeface="Helvetica"/>
-              </a:rPr>
-              <a:t>mov</a:t>
-            </a:r>
-            <a:r>
-              <a:rPr dirty="0"/>
-              <a:t> (</a:t>
-            </a:r>
-            <a:r>
-              <a:rPr dirty="0" err="1"/>
-              <a:t>val</a:t>
-            </a:r>
-            <a:r>
-              <a:rPr dirty="0"/>
-              <a:t>), </a:t>
-            </a:r>
-            <a:r>
-              <a:rPr dirty="0" err="1"/>
-              <a:t>ti</a:t>
-            </a:r>
-            <a:r>
-              <a:rPr dirty="0"/>
-              <a:t> </a:t>
-            </a:r>
-            <a:r>
-              <a:rPr lang="ru-RU" dirty="0"/>
-              <a:t>	</a:t>
-            </a:r>
-            <a:r>
-              <a:rPr dirty="0"/>
-              <a:t>// </a:t>
-            </a:r>
-            <a:r>
-              <a:rPr dirty="0" err="1"/>
-              <a:t>запись</a:t>
-            </a:r>
-            <a:r>
-              <a:rPr dirty="0"/>
-              <a:t> </a:t>
-            </a:r>
-            <a:r>
-              <a:rPr dirty="0" err="1"/>
-              <a:t>значения</a:t>
-            </a:r>
-            <a:r>
-              <a:rPr dirty="0"/>
-              <a:t> </a:t>
-            </a:r>
-            <a:r>
-              <a:rPr dirty="0" err="1"/>
-              <a:t>по</a:t>
-            </a:r>
-            <a:r>
-              <a:rPr dirty="0"/>
-              <a:t> </a:t>
-            </a:r>
-            <a:r>
-              <a:rPr dirty="0" err="1"/>
-              <a:t>адресу</a:t>
-            </a:r>
-            <a:r>
-              <a:rPr dirty="0"/>
-              <a:t> </a:t>
-            </a:r>
-            <a:r>
-              <a:rPr dirty="0" err="1"/>
-              <a:t>val</a:t>
-            </a:r>
-            <a:r>
-              <a:rPr dirty="0"/>
-              <a:t> в </a:t>
-            </a:r>
-            <a:r>
-              <a:rPr dirty="0" err="1"/>
-              <a:t>ti</a:t>
-            </a:r>
-            <a:r>
-              <a:rPr dirty="0"/>
-              <a:t>, </a:t>
-            </a:r>
-            <a:r>
-              <a:rPr dirty="0" err="1"/>
-              <a:t>где</a:t>
-            </a:r>
-            <a:r>
-              <a:rPr dirty="0"/>
-              <a:t> </a:t>
-            </a:r>
-            <a:r>
-              <a:rPr dirty="0" err="1"/>
-              <a:t>val</a:t>
-            </a:r>
-            <a:r>
-              <a:rPr dirty="0"/>
-              <a:t> - </a:t>
-            </a:r>
-            <a:r>
-              <a:rPr dirty="0" err="1"/>
-              <a:t>переменная</a:t>
-            </a:r>
-            <a:r>
-              <a:rPr dirty="0"/>
-              <a:t> </a:t>
-            </a:r>
-            <a:r>
-              <a:rPr dirty="0" err="1"/>
-              <a:t>или</a:t>
-            </a:r>
-            <a:r>
-              <a:rPr dirty="0"/>
-              <a:t> </a:t>
-            </a:r>
-            <a:r>
-              <a:rPr dirty="0" err="1"/>
-              <a:t>регистр</a:t>
-            </a:r>
-            <a:endParaRPr b="1" dirty="0">
-              <a:latin typeface="+mj-lt"/>
-              <a:ea typeface="+mj-ea"/>
-              <a:cs typeface="+mj-cs"/>
-              <a:sym typeface="Helvetica"/>
-            </a:endParaRPr>
-          </a:p>
-          <a:p>
-            <a:pPr marL="0" indent="0" defTabSz="869226">
-              <a:spcBef>
-                <a:spcPts val="800"/>
-              </a:spcBef>
-              <a:defRPr sz="2600"/>
-            </a:pPr>
-            <a:r>
-              <a:rPr dirty="0"/>
-              <a:t> </a:t>
-            </a:r>
-            <a:r>
-              <a:rPr b="1" dirty="0">
-                <a:latin typeface="+mj-lt"/>
-                <a:ea typeface="+mj-ea"/>
-                <a:cs typeface="+mj-cs"/>
-                <a:sym typeface="Helvetica"/>
-              </a:rPr>
-              <a:t>add </a:t>
-            </a:r>
-            <a:r>
-              <a:rPr dirty="0" err="1"/>
-              <a:t>tj</a:t>
-            </a:r>
-            <a:r>
-              <a:rPr dirty="0"/>
-              <a:t>, </a:t>
-            </a:r>
-            <a:r>
-              <a:rPr dirty="0" err="1"/>
-              <a:t>ti</a:t>
-            </a:r>
-            <a:r>
-              <a:rPr dirty="0"/>
-              <a:t> 		// </a:t>
-            </a:r>
-            <a:r>
-              <a:rPr dirty="0" err="1"/>
-              <a:t>добавление</a:t>
-            </a:r>
-            <a:r>
-              <a:rPr dirty="0"/>
-              <a:t> </a:t>
-            </a:r>
-            <a:r>
-              <a:rPr dirty="0" err="1"/>
-              <a:t>значения</a:t>
-            </a:r>
-            <a:r>
-              <a:rPr dirty="0"/>
-              <a:t> </a:t>
-            </a:r>
-            <a:r>
-              <a:rPr dirty="0" err="1"/>
-              <a:t>tj</a:t>
-            </a:r>
-            <a:r>
-              <a:rPr dirty="0"/>
-              <a:t> к </a:t>
-            </a:r>
-            <a:r>
-              <a:rPr dirty="0" err="1"/>
-              <a:t>ti</a:t>
-            </a:r>
-            <a:r>
-              <a:rPr dirty="0"/>
-              <a:t>;</a:t>
-            </a:r>
-          </a:p>
-          <a:p>
-            <a:pPr marL="217305" indent="-217305" defTabSz="869226">
-              <a:spcBef>
-                <a:spcPts val="800"/>
-              </a:spcBef>
-              <a:defRPr sz="2600" b="1">
-                <a:latin typeface="+mj-lt"/>
-                <a:ea typeface="+mj-ea"/>
-                <a:cs typeface="+mj-cs"/>
-                <a:sym typeface="Helvetica"/>
-              </a:defRPr>
-            </a:pPr>
-            <a:r>
-              <a:rPr dirty="0"/>
-              <a:t>sub</a:t>
-            </a:r>
-            <a:r>
-              <a:rPr b="0" dirty="0">
-                <a:latin typeface="+mn-lt"/>
-                <a:ea typeface="+mn-ea"/>
-                <a:cs typeface="+mn-cs"/>
-                <a:sym typeface="Calibri"/>
-              </a:rPr>
-              <a:t> </a:t>
-            </a:r>
-            <a:r>
-              <a:rPr b="0" dirty="0" err="1">
-                <a:latin typeface="+mn-lt"/>
-                <a:ea typeface="+mn-ea"/>
-                <a:cs typeface="+mn-cs"/>
-                <a:sym typeface="Calibri"/>
-              </a:rPr>
-              <a:t>tj</a:t>
-            </a:r>
-            <a:r>
-              <a:rPr b="0" dirty="0">
-                <a:latin typeface="+mn-lt"/>
-                <a:ea typeface="+mn-ea"/>
-                <a:cs typeface="+mn-cs"/>
-                <a:sym typeface="Calibri"/>
-              </a:rPr>
-              <a:t>, </a:t>
-            </a:r>
-            <a:r>
-              <a:rPr b="0" dirty="0" err="1">
-                <a:latin typeface="+mn-lt"/>
-                <a:ea typeface="+mn-ea"/>
-                <a:cs typeface="+mn-cs"/>
-                <a:sym typeface="Calibri"/>
-              </a:rPr>
-              <a:t>ti</a:t>
-            </a:r>
-            <a:r>
-              <a:rPr b="0" dirty="0">
-                <a:latin typeface="+mn-lt"/>
-                <a:ea typeface="+mn-ea"/>
-                <a:cs typeface="+mn-cs"/>
-                <a:sym typeface="Calibri"/>
-              </a:rPr>
-              <a:t> 		// </a:t>
-            </a:r>
-            <a:r>
-              <a:rPr b="0" dirty="0" err="1">
-                <a:latin typeface="+mn-lt"/>
-                <a:ea typeface="+mn-ea"/>
-                <a:cs typeface="+mn-cs"/>
-                <a:sym typeface="Calibri"/>
-              </a:rPr>
-              <a:t>вычитание</a:t>
-            </a:r>
-            <a:r>
-              <a:rPr b="0" dirty="0">
-                <a:latin typeface="+mn-lt"/>
-                <a:ea typeface="+mn-ea"/>
-                <a:cs typeface="+mn-cs"/>
-                <a:sym typeface="Calibri"/>
-              </a:rPr>
-              <a:t> </a:t>
-            </a:r>
-            <a:r>
-              <a:rPr b="0" dirty="0" err="1">
-                <a:latin typeface="+mn-lt"/>
-                <a:ea typeface="+mn-ea"/>
-                <a:cs typeface="+mn-cs"/>
-                <a:sym typeface="Calibri"/>
-              </a:rPr>
-              <a:t>значения</a:t>
-            </a:r>
-            <a:r>
-              <a:rPr b="0" dirty="0">
-                <a:latin typeface="+mn-lt"/>
-                <a:ea typeface="+mn-ea"/>
-                <a:cs typeface="+mn-cs"/>
-                <a:sym typeface="Calibri"/>
-              </a:rPr>
-              <a:t> </a:t>
-            </a:r>
-            <a:r>
-              <a:rPr b="0" dirty="0" err="1">
-                <a:latin typeface="+mn-lt"/>
-                <a:ea typeface="+mn-ea"/>
-                <a:cs typeface="+mn-cs"/>
-                <a:sym typeface="Calibri"/>
-              </a:rPr>
-              <a:t>tj</a:t>
-            </a:r>
-            <a:r>
-              <a:rPr b="0" dirty="0">
-                <a:latin typeface="+mn-lt"/>
-                <a:ea typeface="+mn-ea"/>
-                <a:cs typeface="+mn-cs"/>
-                <a:sym typeface="Calibri"/>
-              </a:rPr>
-              <a:t> </a:t>
-            </a:r>
-            <a:r>
-              <a:rPr b="0" dirty="0" err="1">
-                <a:latin typeface="+mn-lt"/>
-                <a:ea typeface="+mn-ea"/>
-                <a:cs typeface="+mn-cs"/>
-                <a:sym typeface="Calibri"/>
-              </a:rPr>
-              <a:t>из</a:t>
-            </a:r>
-            <a:r>
-              <a:rPr b="0" dirty="0">
-                <a:latin typeface="+mn-lt"/>
-                <a:ea typeface="+mn-ea"/>
-                <a:cs typeface="+mn-cs"/>
-                <a:sym typeface="Calibri"/>
-              </a:rPr>
-              <a:t> </a:t>
-            </a:r>
-            <a:r>
-              <a:rPr b="0" dirty="0" err="1">
-                <a:latin typeface="+mn-lt"/>
-                <a:ea typeface="+mn-ea"/>
-                <a:cs typeface="+mn-cs"/>
-                <a:sym typeface="Calibri"/>
-              </a:rPr>
-              <a:t>ti</a:t>
-            </a:r>
-            <a:r>
-              <a:rPr b="0" dirty="0">
-                <a:latin typeface="+mn-lt"/>
-                <a:ea typeface="+mn-ea"/>
-                <a:cs typeface="+mn-cs"/>
-                <a:sym typeface="Calibri"/>
-              </a:rPr>
-              <a:t>;</a:t>
-            </a:r>
-          </a:p>
-          <a:p>
-            <a:pPr marL="217305" indent="-217305" defTabSz="869226">
-              <a:spcBef>
-                <a:spcPts val="800"/>
-              </a:spcBef>
-              <a:defRPr sz="2600" b="1">
-                <a:latin typeface="+mj-lt"/>
-                <a:ea typeface="+mj-ea"/>
-                <a:cs typeface="+mj-cs"/>
-                <a:sym typeface="Helvetica"/>
-              </a:defRPr>
-            </a:pPr>
-            <a:r>
-              <a:rPr dirty="0" err="1"/>
-              <a:t>mul</a:t>
-            </a:r>
-            <a:r>
-              <a:rPr b="0" dirty="0">
-                <a:latin typeface="+mn-lt"/>
-                <a:ea typeface="+mn-ea"/>
-                <a:cs typeface="+mn-cs"/>
-                <a:sym typeface="Calibri"/>
-              </a:rPr>
-              <a:t> </a:t>
-            </a:r>
-            <a:r>
-              <a:rPr b="0" dirty="0" err="1">
-                <a:latin typeface="+mn-lt"/>
-                <a:ea typeface="+mn-ea"/>
-                <a:cs typeface="+mn-cs"/>
-                <a:sym typeface="Calibri"/>
-              </a:rPr>
-              <a:t>tj</a:t>
-            </a:r>
-            <a:r>
-              <a:rPr b="0" dirty="0">
-                <a:latin typeface="+mn-lt"/>
-                <a:ea typeface="+mn-ea"/>
-                <a:cs typeface="+mn-cs"/>
-                <a:sym typeface="Calibri"/>
-              </a:rPr>
-              <a:t>, </a:t>
-            </a:r>
-            <a:r>
-              <a:rPr b="0" dirty="0" err="1">
-                <a:latin typeface="+mn-lt"/>
-                <a:ea typeface="+mn-ea"/>
-                <a:cs typeface="+mn-cs"/>
-                <a:sym typeface="Calibri"/>
-              </a:rPr>
-              <a:t>ti</a:t>
-            </a:r>
-            <a:r>
-              <a:rPr b="0" dirty="0">
-                <a:latin typeface="+mn-lt"/>
-                <a:ea typeface="+mn-ea"/>
-                <a:cs typeface="+mn-cs"/>
-                <a:sym typeface="Calibri"/>
-              </a:rPr>
-              <a:t> 		// </a:t>
-            </a:r>
-            <a:r>
-              <a:rPr b="0" dirty="0" err="1">
-                <a:latin typeface="+mn-lt"/>
-                <a:ea typeface="+mn-ea"/>
-                <a:cs typeface="+mn-cs"/>
-                <a:sym typeface="Calibri"/>
-              </a:rPr>
-              <a:t>умножение</a:t>
-            </a:r>
-            <a:r>
-              <a:rPr b="0" dirty="0">
-                <a:latin typeface="+mn-lt"/>
-                <a:ea typeface="+mn-ea"/>
-                <a:cs typeface="+mn-cs"/>
-                <a:sym typeface="Calibri"/>
-              </a:rPr>
-              <a:t> </a:t>
-            </a:r>
-            <a:r>
-              <a:rPr b="0" dirty="0" err="1">
-                <a:latin typeface="+mn-lt"/>
-                <a:ea typeface="+mn-ea"/>
-                <a:cs typeface="+mn-cs"/>
-                <a:sym typeface="Calibri"/>
-              </a:rPr>
-              <a:t>значения</a:t>
-            </a:r>
-            <a:r>
-              <a:rPr b="0" dirty="0">
-                <a:latin typeface="+mn-lt"/>
-                <a:ea typeface="+mn-ea"/>
-                <a:cs typeface="+mn-cs"/>
-                <a:sym typeface="Calibri"/>
-              </a:rPr>
-              <a:t> </a:t>
-            </a:r>
-            <a:r>
-              <a:rPr b="0" dirty="0" err="1">
-                <a:latin typeface="+mn-lt"/>
-                <a:ea typeface="+mn-ea"/>
-                <a:cs typeface="+mn-cs"/>
-                <a:sym typeface="Calibri"/>
-              </a:rPr>
-              <a:t>tj</a:t>
-            </a:r>
-            <a:r>
-              <a:rPr b="0" dirty="0">
-                <a:latin typeface="+mn-lt"/>
-                <a:ea typeface="+mn-ea"/>
-                <a:cs typeface="+mn-cs"/>
-                <a:sym typeface="Calibri"/>
-              </a:rPr>
-              <a:t> </a:t>
-            </a:r>
-            <a:r>
-              <a:rPr b="0" dirty="0" err="1">
-                <a:latin typeface="+mn-lt"/>
-                <a:ea typeface="+mn-ea"/>
-                <a:cs typeface="+mn-cs"/>
-                <a:sym typeface="Calibri"/>
-              </a:rPr>
-              <a:t>на</a:t>
-            </a:r>
-            <a:r>
-              <a:rPr b="0" dirty="0">
-                <a:latin typeface="+mn-lt"/>
-                <a:ea typeface="+mn-ea"/>
-                <a:cs typeface="+mn-cs"/>
-                <a:sym typeface="Calibri"/>
-              </a:rPr>
-              <a:t> </a:t>
-            </a:r>
-            <a:r>
-              <a:rPr b="0" dirty="0" err="1">
-                <a:latin typeface="+mn-lt"/>
-                <a:ea typeface="+mn-ea"/>
-                <a:cs typeface="+mn-cs"/>
-                <a:sym typeface="Calibri"/>
-              </a:rPr>
-              <a:t>ti</a:t>
-            </a:r>
-            <a:r>
-              <a:rPr b="0" dirty="0">
-                <a:latin typeface="+mn-lt"/>
-                <a:ea typeface="+mn-ea"/>
-                <a:cs typeface="+mn-cs"/>
-                <a:sym typeface="Calibri"/>
-              </a:rPr>
-              <a:t>;</a:t>
-            </a:r>
-          </a:p>
-          <a:p>
-            <a:pPr marL="217305" indent="-217305" defTabSz="869226">
-              <a:spcBef>
-                <a:spcPts val="800"/>
-              </a:spcBef>
-              <a:defRPr sz="2600" b="1">
-                <a:latin typeface="+mj-lt"/>
-                <a:ea typeface="+mj-ea"/>
-                <a:cs typeface="+mj-cs"/>
-                <a:sym typeface="Helvetica"/>
-              </a:defRPr>
-            </a:pPr>
-            <a:r>
-              <a:rPr dirty="0"/>
-              <a:t>div</a:t>
-            </a:r>
-            <a:r>
-              <a:rPr b="0" dirty="0">
-                <a:latin typeface="+mn-lt"/>
-                <a:ea typeface="+mn-ea"/>
-                <a:cs typeface="+mn-cs"/>
-                <a:sym typeface="Calibri"/>
-              </a:rPr>
-              <a:t> </a:t>
-            </a:r>
-            <a:r>
-              <a:rPr b="0" dirty="0" err="1">
-                <a:latin typeface="+mn-lt"/>
-                <a:ea typeface="+mn-ea"/>
-                <a:cs typeface="+mn-cs"/>
-                <a:sym typeface="Calibri"/>
-              </a:rPr>
-              <a:t>tj</a:t>
-            </a:r>
-            <a:r>
-              <a:rPr b="0" dirty="0">
-                <a:latin typeface="+mn-lt"/>
-                <a:ea typeface="+mn-ea"/>
-                <a:cs typeface="+mn-cs"/>
-                <a:sym typeface="Calibri"/>
-              </a:rPr>
-              <a:t>, </a:t>
-            </a:r>
-            <a:r>
-              <a:rPr b="0" dirty="0" err="1">
-                <a:latin typeface="+mn-lt"/>
-                <a:ea typeface="+mn-ea"/>
-                <a:cs typeface="+mn-cs"/>
-                <a:sym typeface="Calibri"/>
-              </a:rPr>
-              <a:t>ti</a:t>
-            </a:r>
-            <a:r>
-              <a:rPr b="0" dirty="0">
-                <a:latin typeface="+mn-lt"/>
-                <a:ea typeface="+mn-ea"/>
-                <a:cs typeface="+mn-cs"/>
-                <a:sym typeface="Calibri"/>
-              </a:rPr>
-              <a:t> 		// </a:t>
-            </a:r>
-            <a:r>
-              <a:rPr b="0" dirty="0" err="1">
-                <a:latin typeface="+mn-lt"/>
-                <a:ea typeface="+mn-ea"/>
-                <a:cs typeface="+mn-cs"/>
-                <a:sym typeface="Calibri"/>
-              </a:rPr>
-              <a:t>деление</a:t>
-            </a:r>
-            <a:r>
-              <a:rPr b="0" dirty="0">
-                <a:latin typeface="+mn-lt"/>
-                <a:ea typeface="+mn-ea"/>
-                <a:cs typeface="+mn-cs"/>
-                <a:sym typeface="Calibri"/>
-              </a:rPr>
-              <a:t> </a:t>
-            </a:r>
-            <a:r>
-              <a:rPr b="0" dirty="0" err="1">
-                <a:latin typeface="+mn-lt"/>
-                <a:ea typeface="+mn-ea"/>
-                <a:cs typeface="+mn-cs"/>
-                <a:sym typeface="Calibri"/>
-              </a:rPr>
-              <a:t>ti</a:t>
-            </a:r>
-            <a:r>
-              <a:rPr b="0" dirty="0">
-                <a:latin typeface="+mn-lt"/>
-                <a:ea typeface="+mn-ea"/>
-                <a:cs typeface="+mn-cs"/>
-                <a:sym typeface="Calibri"/>
-              </a:rPr>
-              <a:t> </a:t>
-            </a:r>
-            <a:r>
-              <a:rPr b="0" dirty="0" err="1">
-                <a:latin typeface="+mn-lt"/>
-                <a:ea typeface="+mn-ea"/>
-                <a:cs typeface="+mn-cs"/>
-                <a:sym typeface="Calibri"/>
-              </a:rPr>
-              <a:t>на</a:t>
-            </a:r>
-            <a:r>
-              <a:rPr b="0" dirty="0">
-                <a:latin typeface="+mn-lt"/>
-                <a:ea typeface="+mn-ea"/>
-                <a:cs typeface="+mn-cs"/>
-                <a:sym typeface="Calibri"/>
-              </a:rPr>
-              <a:t> </a:t>
-            </a:r>
-            <a:r>
-              <a:rPr b="0" dirty="0" err="1">
-                <a:latin typeface="+mn-lt"/>
-                <a:ea typeface="+mn-ea"/>
-                <a:cs typeface="+mn-cs"/>
-                <a:sym typeface="Calibri"/>
-              </a:rPr>
-              <a:t>значение</a:t>
-            </a:r>
-            <a:r>
-              <a:rPr b="0" dirty="0">
-                <a:latin typeface="+mn-lt"/>
-                <a:ea typeface="+mn-ea"/>
-                <a:cs typeface="+mn-cs"/>
-                <a:sym typeface="Calibri"/>
-              </a:rPr>
-              <a:t> </a:t>
-            </a:r>
-            <a:r>
-              <a:rPr b="0" dirty="0" err="1">
-                <a:latin typeface="+mn-lt"/>
-                <a:ea typeface="+mn-ea"/>
-                <a:cs typeface="+mn-cs"/>
-                <a:sym typeface="Calibri"/>
-              </a:rPr>
-              <a:t>tj</a:t>
-            </a:r>
-            <a:r>
-              <a:rPr b="0" dirty="0">
-                <a:latin typeface="+mn-lt"/>
-                <a:ea typeface="+mn-ea"/>
-                <a:cs typeface="+mn-cs"/>
-                <a:sym typeface="Calibri"/>
-              </a:rPr>
-              <a:t>.</a:t>
-            </a:r>
-          </a:p>
-          <a:p>
-            <a:pPr marL="0" indent="0" defTabSz="869226">
-              <a:spcBef>
-                <a:spcPts val="800"/>
-              </a:spcBef>
-              <a:buSzTx/>
-              <a:buNone/>
-              <a:defRPr sz="2600"/>
-            </a:pPr>
-            <a:r>
-              <a:rPr dirty="0" err="1"/>
-              <a:t>Результат</a:t>
-            </a:r>
-            <a:r>
-              <a:rPr dirty="0"/>
-              <a:t> </a:t>
-            </a:r>
-            <a:r>
-              <a:rPr dirty="0" err="1"/>
-              <a:t>каждой</a:t>
-            </a:r>
-            <a:r>
-              <a:rPr dirty="0"/>
-              <a:t> </a:t>
-            </a:r>
-            <a:r>
-              <a:rPr dirty="0" err="1"/>
-              <a:t>команды</a:t>
-            </a:r>
-            <a:r>
-              <a:rPr dirty="0"/>
-              <a:t> </a:t>
-            </a:r>
-            <a:r>
-              <a:rPr dirty="0" err="1"/>
-              <a:t>записывается</a:t>
-            </a:r>
-            <a:r>
-              <a:rPr dirty="0"/>
-              <a:t> в </a:t>
-            </a:r>
-            <a:r>
-              <a:rPr dirty="0" err="1"/>
-              <a:t>ti</a:t>
-            </a:r>
-            <a:r>
-              <a:rPr dirty="0"/>
-              <a:t>.</a:t>
-            </a:r>
-          </a:p>
-        </p:txBody>
-      </p:sp>
-    </p:spTree>
-  </p:cSld>
-  <p:clrMapOvr>
-    <a:masterClrMapping/>
-  </p:clrMapOvr>
-  <p:transition spd="med"/>
-</p:sld>
-</file>
-
-<file path=ppt/slides/slide30.xml><?xml version="1.0" encoding="utf-8"?>
+<file path=ppt/slides/slide29.xml><?xml version="1.0" encoding="utf-8"?>
 <p:sld xmlns:a="http://schemas.openxmlformats.org/drawingml/2006/main" xmlns:r="http://schemas.openxmlformats.org/officeDocument/2006/relationships" xmlns:p="http://schemas.openxmlformats.org/presentationml/2006/main">
   <p:cSld>
     <p:spTree>
@@ -26078,7 +25276,1181 @@
 </p:sld>
 </file>
 
-<file path=ppt/slides/slide31.xml><?xml version="1.0" encoding="utf-8"?>
+<file path=ppt/slides/slide3.xml><?xml version="1.0" encoding="utf-8"?>
+<p:sld xmlns:a="http://schemas.openxmlformats.org/drawingml/2006/main" xmlns:r="http://schemas.openxmlformats.org/officeDocument/2006/relationships" xmlns:p="http://schemas.openxmlformats.org/presentationml/2006/main">
+  <p:cSld>
+    <p:spTree>
+      <p:nvGrpSpPr>
+        <p:cNvPr id="1" name=""/>
+        <p:cNvGrpSpPr/>
+        <p:nvPr/>
+      </p:nvGrpSpPr>
+      <p:grpSpPr>
+        <a:xfrm>
+          <a:off x="0" y="0"/>
+          <a:ext cx="0" cy="0"/>
+          <a:chOff x="0" y="0"/>
+          <a:chExt cx="0" cy="0"/>
+        </a:xfrm>
+      </p:grpSpPr>
+      <p:sp>
+        <p:nvSpPr>
+          <p:cNvPr id="120" name="Заголовок 1"/>
+          <p:cNvSpPr txBox="1">
+            <a:spLocks noGrp="1"/>
+          </p:cNvSpPr>
+          <p:nvPr>
+            <p:ph type="title"/>
+          </p:nvPr>
+        </p:nvSpPr>
+        <p:spPr>
+          <a:xfrm>
+            <a:off x="838200" y="355595"/>
+            <a:ext cx="10515600" cy="715540"/>
+          </a:xfrm>
+          <a:prstGeom prst="rect">
+            <a:avLst/>
+          </a:prstGeom>
+        </p:spPr>
+        <p:txBody>
+          <a:bodyPr/>
+          <a:lstStyle>
+            <a:lvl1pPr algn="ctr"/>
+          </a:lstStyle>
+          <a:p>
+            <a:r>
+              <a:t>A. Псевдо-машинный код</a:t>
+            </a:r>
+          </a:p>
+        </p:txBody>
+      </p:sp>
+      <p:sp>
+        <p:nvSpPr>
+          <p:cNvPr id="121" name="Объект 2"/>
+          <p:cNvSpPr txBox="1">
+            <a:spLocks noGrp="1"/>
+          </p:cNvSpPr>
+          <p:nvPr>
+            <p:ph type="body" idx="1"/>
+          </p:nvPr>
+        </p:nvSpPr>
+        <p:spPr>
+          <a:xfrm>
+            <a:off x="0" y="1200722"/>
+            <a:ext cx="12192004" cy="5657281"/>
+          </a:xfrm>
+          <a:prstGeom prst="rect">
+            <a:avLst/>
+          </a:prstGeom>
+        </p:spPr>
+        <p:txBody>
+          <a:bodyPr/>
+          <a:lstStyle/>
+          <a:p>
+            <a:pPr marL="0" indent="0" defTabSz="869226">
+              <a:spcBef>
+                <a:spcPts val="800"/>
+              </a:spcBef>
+              <a:buSzTx/>
+              <a:buNone/>
+              <a:defRPr sz="2600"/>
+            </a:pPr>
+            <a:r>
+              <a:rPr dirty="0" err="1"/>
+              <a:t>Для</a:t>
+            </a:r>
+            <a:r>
+              <a:rPr dirty="0"/>
+              <a:t> </a:t>
+            </a:r>
+            <a:r>
+              <a:rPr dirty="0" err="1"/>
+              <a:t>хранения</a:t>
+            </a:r>
+            <a:r>
+              <a:rPr dirty="0"/>
+              <a:t> </a:t>
+            </a:r>
+            <a:r>
+              <a:rPr dirty="0" err="1"/>
+              <a:t>значений</a:t>
+            </a:r>
+            <a:r>
+              <a:rPr dirty="0"/>
+              <a:t> </a:t>
+            </a:r>
+            <a:r>
+              <a:rPr dirty="0" err="1"/>
+              <a:t>будем</a:t>
+            </a:r>
+            <a:r>
+              <a:rPr dirty="0"/>
+              <a:t> </a:t>
+            </a:r>
+            <a:r>
+              <a:rPr dirty="0" err="1"/>
+              <a:t>использовать</a:t>
+            </a:r>
+            <a:r>
+              <a:rPr dirty="0"/>
+              <a:t> </a:t>
+            </a:r>
+            <a:r>
+              <a:rPr dirty="0" err="1"/>
+              <a:t>переменные</a:t>
+            </a:r>
+            <a:r>
+              <a:rPr dirty="0"/>
+              <a:t> t1, t2,…,</a:t>
+            </a:r>
+            <a:r>
+              <a:rPr dirty="0" err="1"/>
+              <a:t>tn</a:t>
+            </a:r>
+            <a:r>
+              <a:rPr dirty="0"/>
+              <a:t> </a:t>
+            </a:r>
+            <a:r>
+              <a:rPr dirty="0" err="1"/>
+              <a:t>типа</a:t>
+            </a:r>
+            <a:r>
+              <a:rPr dirty="0"/>
+              <a:t> </a:t>
+            </a:r>
+            <a:r>
+              <a:rPr b="1" i="1" dirty="0"/>
+              <a:t>double</a:t>
+            </a:r>
+            <a:r>
+              <a:rPr dirty="0"/>
+              <a:t>. </a:t>
+            </a:r>
+            <a:r>
+              <a:rPr dirty="0" err="1"/>
+              <a:t>Команды</a:t>
+            </a:r>
+            <a:r>
+              <a:rPr dirty="0"/>
+              <a:t> </a:t>
+            </a:r>
+            <a:r>
+              <a:rPr dirty="0" err="1"/>
+              <a:t>псевдо-машинного</a:t>
+            </a:r>
+            <a:r>
+              <a:rPr dirty="0"/>
+              <a:t> </a:t>
+            </a:r>
+            <a:r>
+              <a:rPr dirty="0" err="1"/>
+              <a:t>кода</a:t>
+            </a:r>
+            <a:r>
+              <a:rPr dirty="0"/>
+              <a:t> </a:t>
+            </a:r>
+            <a:r>
+              <a:rPr dirty="0" err="1"/>
+              <a:t>для</a:t>
+            </a:r>
+            <a:r>
+              <a:rPr dirty="0"/>
+              <a:t> </a:t>
+            </a:r>
+            <a:r>
+              <a:rPr dirty="0" err="1"/>
+              <a:t>вычисления</a:t>
+            </a:r>
+            <a:r>
+              <a:rPr dirty="0"/>
+              <a:t> </a:t>
+            </a:r>
+            <a:r>
+              <a:rPr dirty="0" err="1"/>
+              <a:t>арифметических</a:t>
+            </a:r>
+            <a:r>
+              <a:rPr dirty="0"/>
+              <a:t> </a:t>
+            </a:r>
+            <a:r>
+              <a:rPr dirty="0" err="1"/>
+              <a:t>выражений</a:t>
+            </a:r>
+            <a:r>
+              <a:rPr dirty="0"/>
+              <a:t>, в </a:t>
+            </a:r>
+            <a:r>
+              <a:rPr dirty="0" err="1"/>
+              <a:t>который</a:t>
+            </a:r>
+            <a:r>
+              <a:rPr dirty="0"/>
+              <a:t> </a:t>
+            </a:r>
+            <a:r>
+              <a:rPr dirty="0" err="1"/>
+              <a:t>будет</a:t>
+            </a:r>
+            <a:r>
+              <a:rPr dirty="0"/>
+              <a:t> </a:t>
+            </a:r>
+            <a:r>
+              <a:rPr dirty="0" err="1"/>
+              <a:t>транслироваться</a:t>
+            </a:r>
+            <a:r>
+              <a:rPr dirty="0"/>
+              <a:t> </a:t>
+            </a:r>
+            <a:r>
+              <a:rPr dirty="0" err="1"/>
+              <a:t>исходный</a:t>
+            </a:r>
+            <a:r>
+              <a:rPr dirty="0"/>
+              <a:t> </a:t>
+            </a:r>
+            <a:r>
+              <a:rPr dirty="0" err="1"/>
+              <a:t>код</a:t>
+            </a:r>
+            <a:r>
+              <a:rPr dirty="0"/>
+              <a:t>:</a:t>
+            </a:r>
+          </a:p>
+          <a:p>
+            <a:pPr marL="0" indent="0" defTabSz="869226">
+              <a:spcBef>
+                <a:spcPts val="800"/>
+              </a:spcBef>
+              <a:defRPr sz="2600"/>
+            </a:pPr>
+            <a:r>
+              <a:rPr dirty="0"/>
+              <a:t> </a:t>
+            </a:r>
+            <a:r>
+              <a:rPr b="1" dirty="0" err="1">
+                <a:latin typeface="+mj-lt"/>
+                <a:ea typeface="+mj-ea"/>
+                <a:cs typeface="+mj-cs"/>
+                <a:sym typeface="Helvetica"/>
+              </a:rPr>
+              <a:t>decl</a:t>
+            </a:r>
+            <a:r>
+              <a:rPr b="1" dirty="0">
+                <a:latin typeface="+mj-lt"/>
+                <a:ea typeface="+mj-ea"/>
+                <a:cs typeface="+mj-cs"/>
+                <a:sym typeface="Helvetica"/>
+              </a:rPr>
+              <a:t> </a:t>
+            </a:r>
+            <a:r>
+              <a:rPr dirty="0" err="1"/>
+              <a:t>ti</a:t>
+            </a:r>
+            <a:r>
+              <a:rPr dirty="0"/>
+              <a:t>		// </a:t>
+            </a:r>
+            <a:r>
+              <a:rPr dirty="0" err="1"/>
+              <a:t>объявление</a:t>
+            </a:r>
+            <a:r>
+              <a:rPr dirty="0"/>
+              <a:t> </a:t>
+            </a:r>
+            <a:r>
+              <a:rPr dirty="0" err="1"/>
+              <a:t>переменной</a:t>
+            </a:r>
+            <a:r>
+              <a:rPr dirty="0"/>
+              <a:t> </a:t>
+            </a:r>
+            <a:r>
+              <a:rPr dirty="0" err="1"/>
+              <a:t>ti</a:t>
+            </a:r>
+            <a:r>
+              <a:rPr dirty="0"/>
+              <a:t>;</a:t>
+            </a:r>
+          </a:p>
+          <a:p>
+            <a:pPr marL="0" indent="0" defTabSz="869226">
+              <a:spcBef>
+                <a:spcPts val="800"/>
+              </a:spcBef>
+              <a:defRPr sz="2600" b="1">
+                <a:latin typeface="+mj-lt"/>
+                <a:ea typeface="+mj-ea"/>
+                <a:cs typeface="+mj-cs"/>
+                <a:sym typeface="Helvetica"/>
+              </a:defRPr>
+            </a:pPr>
+            <a:r>
+              <a:rPr dirty="0"/>
+              <a:t> mov</a:t>
+            </a:r>
+            <a:r>
+              <a:rPr b="0" dirty="0">
+                <a:latin typeface="+mn-lt"/>
+                <a:ea typeface="+mn-ea"/>
+                <a:cs typeface="+mn-cs"/>
+                <a:sym typeface="Calibri"/>
+              </a:rPr>
+              <a:t> n, </a:t>
+            </a:r>
+            <a:r>
+              <a:rPr b="0" dirty="0" err="1">
+                <a:latin typeface="+mn-lt"/>
+                <a:ea typeface="+mn-ea"/>
+                <a:cs typeface="+mn-cs"/>
+                <a:sym typeface="Calibri"/>
+              </a:rPr>
+              <a:t>ti</a:t>
+            </a:r>
+            <a:r>
+              <a:rPr b="0" dirty="0">
+                <a:latin typeface="+mn-lt"/>
+                <a:ea typeface="+mn-ea"/>
+                <a:cs typeface="+mn-cs"/>
+                <a:sym typeface="Calibri"/>
+              </a:rPr>
+              <a:t> 	</a:t>
+            </a:r>
+            <a:r>
+              <a:rPr lang="ru-RU" b="0" dirty="0">
+                <a:latin typeface="+mn-lt"/>
+                <a:ea typeface="+mn-ea"/>
+                <a:cs typeface="+mn-cs"/>
+                <a:sym typeface="Calibri"/>
+              </a:rPr>
+              <a:t>	</a:t>
+            </a:r>
+            <a:r>
+              <a:rPr b="0" dirty="0">
+                <a:latin typeface="+mn-lt"/>
+                <a:ea typeface="+mn-ea"/>
+                <a:cs typeface="+mn-cs"/>
+                <a:sym typeface="Calibri"/>
+              </a:rPr>
+              <a:t>// </a:t>
+            </a:r>
+            <a:r>
+              <a:rPr b="0" dirty="0" err="1">
+                <a:latin typeface="+mn-lt"/>
+                <a:ea typeface="+mn-ea"/>
+                <a:cs typeface="+mn-cs"/>
+                <a:sym typeface="Calibri"/>
+              </a:rPr>
+              <a:t>запись</a:t>
+            </a:r>
+            <a:r>
+              <a:rPr b="0" dirty="0">
+                <a:latin typeface="+mn-lt"/>
+                <a:ea typeface="+mn-ea"/>
+                <a:cs typeface="+mn-cs"/>
+                <a:sym typeface="Calibri"/>
+              </a:rPr>
+              <a:t> n в </a:t>
+            </a:r>
+            <a:r>
+              <a:rPr b="0" dirty="0" err="1">
+                <a:latin typeface="+mn-lt"/>
+                <a:ea typeface="+mn-ea"/>
+                <a:cs typeface="+mn-cs"/>
+                <a:sym typeface="Calibri"/>
+              </a:rPr>
+              <a:t>ti</a:t>
+            </a:r>
+            <a:r>
+              <a:rPr b="0" dirty="0">
+                <a:latin typeface="+mn-lt"/>
+                <a:ea typeface="+mn-ea"/>
+                <a:cs typeface="+mn-cs"/>
+                <a:sym typeface="Calibri"/>
+              </a:rPr>
+              <a:t>, </a:t>
+            </a:r>
+            <a:r>
+              <a:rPr b="0" dirty="0" err="1">
+                <a:latin typeface="+mn-lt"/>
+                <a:ea typeface="+mn-ea"/>
+                <a:cs typeface="+mn-cs"/>
+                <a:sym typeface="Calibri"/>
+              </a:rPr>
+              <a:t>где</a:t>
+            </a:r>
+            <a:r>
+              <a:rPr b="0" dirty="0">
+                <a:latin typeface="+mn-lt"/>
+                <a:ea typeface="+mn-ea"/>
+                <a:cs typeface="+mn-cs"/>
+                <a:sym typeface="Calibri"/>
+              </a:rPr>
+              <a:t> n - </a:t>
+            </a:r>
+            <a:r>
+              <a:rPr b="0" dirty="0" err="1">
+                <a:latin typeface="+mn-lt"/>
+                <a:ea typeface="+mn-ea"/>
+                <a:cs typeface="+mn-cs"/>
+                <a:sym typeface="Calibri"/>
+              </a:rPr>
+              <a:t>числовая</a:t>
+            </a:r>
+            <a:r>
+              <a:rPr b="0" dirty="0">
+                <a:latin typeface="+mn-lt"/>
+                <a:ea typeface="+mn-ea"/>
+                <a:cs typeface="+mn-cs"/>
+                <a:sym typeface="Calibri"/>
+              </a:rPr>
+              <a:t> </a:t>
+            </a:r>
+            <a:r>
+              <a:rPr b="0" dirty="0" err="1">
+                <a:latin typeface="+mn-lt"/>
+                <a:ea typeface="+mn-ea"/>
+                <a:cs typeface="+mn-cs"/>
+                <a:sym typeface="Calibri"/>
+              </a:rPr>
+              <a:t>константа</a:t>
+            </a:r>
+            <a:r>
+              <a:rPr b="0" dirty="0">
+                <a:latin typeface="+mn-lt"/>
+                <a:ea typeface="+mn-ea"/>
+                <a:cs typeface="+mn-cs"/>
+                <a:sym typeface="Calibri"/>
+              </a:rPr>
+              <a:t>;</a:t>
+            </a:r>
+          </a:p>
+          <a:p>
+            <a:pPr marL="0" indent="0" defTabSz="869226">
+              <a:spcBef>
+                <a:spcPts val="800"/>
+              </a:spcBef>
+              <a:defRPr sz="2600"/>
+            </a:pPr>
+            <a:r>
+              <a:rPr dirty="0"/>
+              <a:t> </a:t>
+            </a:r>
+            <a:r>
+              <a:rPr b="1" dirty="0">
+                <a:latin typeface="+mj-lt"/>
+                <a:ea typeface="+mj-ea"/>
+                <a:cs typeface="+mj-cs"/>
+                <a:sym typeface="Helvetica"/>
+              </a:rPr>
+              <a:t>mov</a:t>
+            </a:r>
+            <a:r>
+              <a:rPr dirty="0"/>
+              <a:t> (</a:t>
+            </a:r>
+            <a:r>
+              <a:rPr dirty="0" err="1"/>
+              <a:t>val</a:t>
+            </a:r>
+            <a:r>
+              <a:rPr dirty="0"/>
+              <a:t>), </a:t>
+            </a:r>
+            <a:r>
+              <a:rPr dirty="0" err="1"/>
+              <a:t>ti</a:t>
+            </a:r>
+            <a:r>
+              <a:rPr dirty="0"/>
+              <a:t> </a:t>
+            </a:r>
+            <a:r>
+              <a:rPr lang="ru-RU" dirty="0"/>
+              <a:t>	</a:t>
+            </a:r>
+            <a:r>
+              <a:rPr dirty="0"/>
+              <a:t>// </a:t>
+            </a:r>
+            <a:r>
+              <a:rPr dirty="0" err="1"/>
+              <a:t>запись</a:t>
+            </a:r>
+            <a:r>
+              <a:rPr dirty="0"/>
+              <a:t> </a:t>
+            </a:r>
+            <a:r>
+              <a:rPr dirty="0" err="1"/>
+              <a:t>значения</a:t>
+            </a:r>
+            <a:r>
+              <a:rPr dirty="0"/>
+              <a:t> </a:t>
+            </a:r>
+            <a:r>
+              <a:rPr dirty="0" err="1"/>
+              <a:t>по</a:t>
+            </a:r>
+            <a:r>
+              <a:rPr dirty="0"/>
+              <a:t> </a:t>
+            </a:r>
+            <a:r>
+              <a:rPr dirty="0" err="1"/>
+              <a:t>адресу</a:t>
+            </a:r>
+            <a:r>
+              <a:rPr dirty="0"/>
+              <a:t> </a:t>
+            </a:r>
+            <a:r>
+              <a:rPr dirty="0" err="1"/>
+              <a:t>val</a:t>
+            </a:r>
+            <a:r>
+              <a:rPr dirty="0"/>
+              <a:t> в </a:t>
+            </a:r>
+            <a:r>
+              <a:rPr dirty="0" err="1"/>
+              <a:t>ti</a:t>
+            </a:r>
+            <a:r>
+              <a:rPr dirty="0"/>
+              <a:t>, </a:t>
+            </a:r>
+            <a:r>
+              <a:rPr dirty="0" err="1"/>
+              <a:t>где</a:t>
+            </a:r>
+            <a:r>
+              <a:rPr dirty="0"/>
+              <a:t> </a:t>
+            </a:r>
+            <a:r>
+              <a:rPr dirty="0" err="1"/>
+              <a:t>val</a:t>
+            </a:r>
+            <a:r>
+              <a:rPr dirty="0"/>
+              <a:t> - </a:t>
+            </a:r>
+            <a:r>
+              <a:rPr dirty="0" err="1"/>
+              <a:t>переменна</a:t>
+            </a:r>
+            <a:r>
+              <a:rPr lang="ru-RU" dirty="0"/>
+              <a:t>я</a:t>
+            </a:r>
+          </a:p>
+          <a:p>
+            <a:pPr marL="0" indent="0" defTabSz="869226">
+              <a:spcBef>
+                <a:spcPts val="800"/>
+              </a:spcBef>
+              <a:defRPr sz="2600"/>
+            </a:pPr>
+            <a:r>
+              <a:rPr lang="ru-RU" b="1" dirty="0">
+                <a:latin typeface="+mj-lt"/>
+                <a:ea typeface="+mj-ea"/>
+                <a:cs typeface="+mj-cs"/>
+                <a:sym typeface="Helvetica"/>
+              </a:rPr>
+              <a:t> </a:t>
+            </a:r>
+            <a:r>
+              <a:rPr b="1" dirty="0">
+                <a:latin typeface="+mj-lt"/>
+                <a:ea typeface="+mj-ea"/>
+                <a:cs typeface="+mj-cs"/>
+                <a:sym typeface="Helvetica"/>
+              </a:rPr>
+              <a:t>add </a:t>
+            </a:r>
+            <a:r>
+              <a:rPr dirty="0" err="1"/>
+              <a:t>tj</a:t>
+            </a:r>
+            <a:r>
+              <a:rPr dirty="0"/>
+              <a:t>, </a:t>
+            </a:r>
+            <a:r>
+              <a:rPr dirty="0" err="1"/>
+              <a:t>ti</a:t>
+            </a:r>
+            <a:r>
+              <a:rPr dirty="0"/>
+              <a:t> 		// </a:t>
+            </a:r>
+            <a:r>
+              <a:rPr dirty="0" err="1"/>
+              <a:t>добавление</a:t>
+            </a:r>
+            <a:r>
+              <a:rPr dirty="0"/>
+              <a:t> </a:t>
+            </a:r>
+            <a:r>
+              <a:rPr dirty="0" err="1"/>
+              <a:t>значения</a:t>
+            </a:r>
+            <a:r>
+              <a:rPr dirty="0"/>
+              <a:t> </a:t>
+            </a:r>
+            <a:r>
+              <a:rPr dirty="0" err="1"/>
+              <a:t>tj</a:t>
+            </a:r>
+            <a:r>
+              <a:rPr dirty="0"/>
+              <a:t> к </a:t>
+            </a:r>
+            <a:r>
+              <a:rPr dirty="0" err="1"/>
+              <a:t>ti</a:t>
+            </a:r>
+            <a:r>
+              <a:rPr dirty="0"/>
+              <a:t>;</a:t>
+            </a:r>
+          </a:p>
+          <a:p>
+            <a:pPr marL="217305" indent="-217305" defTabSz="869226">
+              <a:spcBef>
+                <a:spcPts val="800"/>
+              </a:spcBef>
+              <a:defRPr sz="2600" b="1">
+                <a:latin typeface="+mj-lt"/>
+                <a:ea typeface="+mj-ea"/>
+                <a:cs typeface="+mj-cs"/>
+                <a:sym typeface="Helvetica"/>
+              </a:defRPr>
+            </a:pPr>
+            <a:r>
+              <a:rPr dirty="0"/>
+              <a:t>sub</a:t>
+            </a:r>
+            <a:r>
+              <a:rPr b="0" dirty="0">
+                <a:latin typeface="+mn-lt"/>
+                <a:ea typeface="+mn-ea"/>
+                <a:cs typeface="+mn-cs"/>
+                <a:sym typeface="Calibri"/>
+              </a:rPr>
+              <a:t> </a:t>
+            </a:r>
+            <a:r>
+              <a:rPr b="0" dirty="0" err="1">
+                <a:latin typeface="+mn-lt"/>
+                <a:ea typeface="+mn-ea"/>
+                <a:cs typeface="+mn-cs"/>
+                <a:sym typeface="Calibri"/>
+              </a:rPr>
+              <a:t>tj</a:t>
+            </a:r>
+            <a:r>
+              <a:rPr b="0" dirty="0">
+                <a:latin typeface="+mn-lt"/>
+                <a:ea typeface="+mn-ea"/>
+                <a:cs typeface="+mn-cs"/>
+                <a:sym typeface="Calibri"/>
+              </a:rPr>
+              <a:t>, </a:t>
+            </a:r>
+            <a:r>
+              <a:rPr b="0" dirty="0" err="1">
+                <a:latin typeface="+mn-lt"/>
+                <a:ea typeface="+mn-ea"/>
+                <a:cs typeface="+mn-cs"/>
+                <a:sym typeface="Calibri"/>
+              </a:rPr>
+              <a:t>ti</a:t>
+            </a:r>
+            <a:r>
+              <a:rPr b="0" dirty="0">
+                <a:latin typeface="+mn-lt"/>
+                <a:ea typeface="+mn-ea"/>
+                <a:cs typeface="+mn-cs"/>
+                <a:sym typeface="Calibri"/>
+              </a:rPr>
+              <a:t> 		// </a:t>
+            </a:r>
+            <a:r>
+              <a:rPr b="0" dirty="0" err="1">
+                <a:latin typeface="+mn-lt"/>
+                <a:ea typeface="+mn-ea"/>
+                <a:cs typeface="+mn-cs"/>
+                <a:sym typeface="Calibri"/>
+              </a:rPr>
+              <a:t>вычитание</a:t>
+            </a:r>
+            <a:r>
+              <a:rPr b="0" dirty="0">
+                <a:latin typeface="+mn-lt"/>
+                <a:ea typeface="+mn-ea"/>
+                <a:cs typeface="+mn-cs"/>
+                <a:sym typeface="Calibri"/>
+              </a:rPr>
+              <a:t> </a:t>
+            </a:r>
+            <a:r>
+              <a:rPr b="0" dirty="0" err="1">
+                <a:latin typeface="+mn-lt"/>
+                <a:ea typeface="+mn-ea"/>
+                <a:cs typeface="+mn-cs"/>
+                <a:sym typeface="Calibri"/>
+              </a:rPr>
+              <a:t>значения</a:t>
+            </a:r>
+            <a:r>
+              <a:rPr b="0" dirty="0">
+                <a:latin typeface="+mn-lt"/>
+                <a:ea typeface="+mn-ea"/>
+                <a:cs typeface="+mn-cs"/>
+                <a:sym typeface="Calibri"/>
+              </a:rPr>
+              <a:t> </a:t>
+            </a:r>
+            <a:r>
+              <a:rPr b="0" dirty="0" err="1">
+                <a:latin typeface="+mn-lt"/>
+                <a:ea typeface="+mn-ea"/>
+                <a:cs typeface="+mn-cs"/>
+                <a:sym typeface="Calibri"/>
+              </a:rPr>
+              <a:t>tj</a:t>
+            </a:r>
+            <a:r>
+              <a:rPr b="0" dirty="0">
+                <a:latin typeface="+mn-lt"/>
+                <a:ea typeface="+mn-ea"/>
+                <a:cs typeface="+mn-cs"/>
+                <a:sym typeface="Calibri"/>
+              </a:rPr>
+              <a:t> </a:t>
+            </a:r>
+            <a:r>
+              <a:rPr b="0" dirty="0" err="1">
+                <a:latin typeface="+mn-lt"/>
+                <a:ea typeface="+mn-ea"/>
+                <a:cs typeface="+mn-cs"/>
+                <a:sym typeface="Calibri"/>
+              </a:rPr>
+              <a:t>из</a:t>
+            </a:r>
+            <a:r>
+              <a:rPr b="0" dirty="0">
+                <a:latin typeface="+mn-lt"/>
+                <a:ea typeface="+mn-ea"/>
+                <a:cs typeface="+mn-cs"/>
+                <a:sym typeface="Calibri"/>
+              </a:rPr>
+              <a:t> </a:t>
+            </a:r>
+            <a:r>
+              <a:rPr b="0" dirty="0" err="1">
+                <a:latin typeface="+mn-lt"/>
+                <a:ea typeface="+mn-ea"/>
+                <a:cs typeface="+mn-cs"/>
+                <a:sym typeface="Calibri"/>
+              </a:rPr>
+              <a:t>ti</a:t>
+            </a:r>
+            <a:r>
+              <a:rPr b="0" dirty="0">
+                <a:latin typeface="+mn-lt"/>
+                <a:ea typeface="+mn-ea"/>
+                <a:cs typeface="+mn-cs"/>
+                <a:sym typeface="Calibri"/>
+              </a:rPr>
+              <a:t>;</a:t>
+            </a:r>
+          </a:p>
+          <a:p>
+            <a:pPr marL="217305" indent="-217305" defTabSz="869226">
+              <a:spcBef>
+                <a:spcPts val="800"/>
+              </a:spcBef>
+              <a:defRPr sz="2600" b="1">
+                <a:latin typeface="+mj-lt"/>
+                <a:ea typeface="+mj-ea"/>
+                <a:cs typeface="+mj-cs"/>
+                <a:sym typeface="Helvetica"/>
+              </a:defRPr>
+            </a:pPr>
+            <a:r>
+              <a:rPr dirty="0" err="1"/>
+              <a:t>mul</a:t>
+            </a:r>
+            <a:r>
+              <a:rPr b="0" dirty="0">
+                <a:latin typeface="+mn-lt"/>
+                <a:ea typeface="+mn-ea"/>
+                <a:cs typeface="+mn-cs"/>
+                <a:sym typeface="Calibri"/>
+              </a:rPr>
+              <a:t> </a:t>
+            </a:r>
+            <a:r>
+              <a:rPr b="0" dirty="0" err="1">
+                <a:latin typeface="+mn-lt"/>
+                <a:ea typeface="+mn-ea"/>
+                <a:cs typeface="+mn-cs"/>
+                <a:sym typeface="Calibri"/>
+              </a:rPr>
+              <a:t>tj</a:t>
+            </a:r>
+            <a:r>
+              <a:rPr b="0" dirty="0">
+                <a:latin typeface="+mn-lt"/>
+                <a:ea typeface="+mn-ea"/>
+                <a:cs typeface="+mn-cs"/>
+                <a:sym typeface="Calibri"/>
+              </a:rPr>
+              <a:t>, </a:t>
+            </a:r>
+            <a:r>
+              <a:rPr b="0" dirty="0" err="1">
+                <a:latin typeface="+mn-lt"/>
+                <a:ea typeface="+mn-ea"/>
+                <a:cs typeface="+mn-cs"/>
+                <a:sym typeface="Calibri"/>
+              </a:rPr>
+              <a:t>ti</a:t>
+            </a:r>
+            <a:r>
+              <a:rPr b="0" dirty="0">
+                <a:latin typeface="+mn-lt"/>
+                <a:ea typeface="+mn-ea"/>
+                <a:cs typeface="+mn-cs"/>
+                <a:sym typeface="Calibri"/>
+              </a:rPr>
+              <a:t> 		// </a:t>
+            </a:r>
+            <a:r>
+              <a:rPr b="0" dirty="0" err="1">
+                <a:latin typeface="+mn-lt"/>
+                <a:ea typeface="+mn-ea"/>
+                <a:cs typeface="+mn-cs"/>
+                <a:sym typeface="Calibri"/>
+              </a:rPr>
+              <a:t>умножение</a:t>
+            </a:r>
+            <a:r>
+              <a:rPr b="0" dirty="0">
+                <a:latin typeface="+mn-lt"/>
+                <a:ea typeface="+mn-ea"/>
+                <a:cs typeface="+mn-cs"/>
+                <a:sym typeface="Calibri"/>
+              </a:rPr>
+              <a:t> </a:t>
+            </a:r>
+            <a:r>
+              <a:rPr b="0" dirty="0" err="1">
+                <a:latin typeface="+mn-lt"/>
+                <a:ea typeface="+mn-ea"/>
+                <a:cs typeface="+mn-cs"/>
+                <a:sym typeface="Calibri"/>
+              </a:rPr>
+              <a:t>значения</a:t>
+            </a:r>
+            <a:r>
+              <a:rPr b="0" dirty="0">
+                <a:latin typeface="+mn-lt"/>
+                <a:ea typeface="+mn-ea"/>
+                <a:cs typeface="+mn-cs"/>
+                <a:sym typeface="Calibri"/>
+              </a:rPr>
+              <a:t> </a:t>
+            </a:r>
+            <a:r>
+              <a:rPr b="0" dirty="0" err="1">
+                <a:latin typeface="+mn-lt"/>
+                <a:ea typeface="+mn-ea"/>
+                <a:cs typeface="+mn-cs"/>
+                <a:sym typeface="Calibri"/>
+              </a:rPr>
+              <a:t>tj</a:t>
+            </a:r>
+            <a:r>
+              <a:rPr b="0" dirty="0">
+                <a:latin typeface="+mn-lt"/>
+                <a:ea typeface="+mn-ea"/>
+                <a:cs typeface="+mn-cs"/>
+                <a:sym typeface="Calibri"/>
+              </a:rPr>
+              <a:t> </a:t>
+            </a:r>
+            <a:r>
+              <a:rPr b="0" dirty="0" err="1">
+                <a:latin typeface="+mn-lt"/>
+                <a:ea typeface="+mn-ea"/>
+                <a:cs typeface="+mn-cs"/>
+                <a:sym typeface="Calibri"/>
+              </a:rPr>
+              <a:t>на</a:t>
+            </a:r>
+            <a:r>
+              <a:rPr b="0" dirty="0">
+                <a:latin typeface="+mn-lt"/>
+                <a:ea typeface="+mn-ea"/>
+                <a:cs typeface="+mn-cs"/>
+                <a:sym typeface="Calibri"/>
+              </a:rPr>
+              <a:t> </a:t>
+            </a:r>
+            <a:r>
+              <a:rPr b="0" dirty="0" err="1">
+                <a:latin typeface="+mn-lt"/>
+                <a:ea typeface="+mn-ea"/>
+                <a:cs typeface="+mn-cs"/>
+                <a:sym typeface="Calibri"/>
+              </a:rPr>
+              <a:t>ti</a:t>
+            </a:r>
+            <a:r>
+              <a:rPr b="0" dirty="0">
+                <a:latin typeface="+mn-lt"/>
+                <a:ea typeface="+mn-ea"/>
+                <a:cs typeface="+mn-cs"/>
+                <a:sym typeface="Calibri"/>
+              </a:rPr>
+              <a:t>;</a:t>
+            </a:r>
+          </a:p>
+          <a:p>
+            <a:pPr marL="217305" indent="-217305" defTabSz="869226">
+              <a:spcBef>
+                <a:spcPts val="800"/>
+              </a:spcBef>
+              <a:defRPr sz="2600" b="1">
+                <a:latin typeface="+mj-lt"/>
+                <a:ea typeface="+mj-ea"/>
+                <a:cs typeface="+mj-cs"/>
+                <a:sym typeface="Helvetica"/>
+              </a:defRPr>
+            </a:pPr>
+            <a:r>
+              <a:rPr dirty="0"/>
+              <a:t>div</a:t>
+            </a:r>
+            <a:r>
+              <a:rPr b="0" dirty="0">
+                <a:latin typeface="+mn-lt"/>
+                <a:ea typeface="+mn-ea"/>
+                <a:cs typeface="+mn-cs"/>
+                <a:sym typeface="Calibri"/>
+              </a:rPr>
+              <a:t> </a:t>
+            </a:r>
+            <a:r>
+              <a:rPr b="0" dirty="0" err="1">
+                <a:latin typeface="+mn-lt"/>
+                <a:ea typeface="+mn-ea"/>
+                <a:cs typeface="+mn-cs"/>
+                <a:sym typeface="Calibri"/>
+              </a:rPr>
+              <a:t>tj</a:t>
+            </a:r>
+            <a:r>
+              <a:rPr b="0" dirty="0">
+                <a:latin typeface="+mn-lt"/>
+                <a:ea typeface="+mn-ea"/>
+                <a:cs typeface="+mn-cs"/>
+                <a:sym typeface="Calibri"/>
+              </a:rPr>
+              <a:t>, </a:t>
+            </a:r>
+            <a:r>
+              <a:rPr b="0" dirty="0" err="1">
+                <a:latin typeface="+mn-lt"/>
+                <a:ea typeface="+mn-ea"/>
+                <a:cs typeface="+mn-cs"/>
+                <a:sym typeface="Calibri"/>
+              </a:rPr>
+              <a:t>ti</a:t>
+            </a:r>
+            <a:r>
+              <a:rPr b="0" dirty="0">
+                <a:latin typeface="+mn-lt"/>
+                <a:ea typeface="+mn-ea"/>
+                <a:cs typeface="+mn-cs"/>
+                <a:sym typeface="Calibri"/>
+              </a:rPr>
+              <a:t> 		// </a:t>
+            </a:r>
+            <a:r>
+              <a:rPr b="0" dirty="0" err="1">
+                <a:latin typeface="+mn-lt"/>
+                <a:ea typeface="+mn-ea"/>
+                <a:cs typeface="+mn-cs"/>
+                <a:sym typeface="Calibri"/>
+              </a:rPr>
+              <a:t>деление</a:t>
+            </a:r>
+            <a:r>
+              <a:rPr b="0" dirty="0">
+                <a:latin typeface="+mn-lt"/>
+                <a:ea typeface="+mn-ea"/>
+                <a:cs typeface="+mn-cs"/>
+                <a:sym typeface="Calibri"/>
+              </a:rPr>
+              <a:t> </a:t>
+            </a:r>
+            <a:r>
+              <a:rPr b="0" dirty="0" err="1">
+                <a:latin typeface="+mn-lt"/>
+                <a:ea typeface="+mn-ea"/>
+                <a:cs typeface="+mn-cs"/>
+                <a:sym typeface="Calibri"/>
+              </a:rPr>
+              <a:t>ti</a:t>
+            </a:r>
+            <a:r>
+              <a:rPr b="0" dirty="0">
+                <a:latin typeface="+mn-lt"/>
+                <a:ea typeface="+mn-ea"/>
+                <a:cs typeface="+mn-cs"/>
+                <a:sym typeface="Calibri"/>
+              </a:rPr>
+              <a:t> </a:t>
+            </a:r>
+            <a:r>
+              <a:rPr b="0" dirty="0" err="1">
+                <a:latin typeface="+mn-lt"/>
+                <a:ea typeface="+mn-ea"/>
+                <a:cs typeface="+mn-cs"/>
+                <a:sym typeface="Calibri"/>
+              </a:rPr>
+              <a:t>на</a:t>
+            </a:r>
+            <a:r>
+              <a:rPr b="0" dirty="0">
+                <a:latin typeface="+mn-lt"/>
+                <a:ea typeface="+mn-ea"/>
+                <a:cs typeface="+mn-cs"/>
+                <a:sym typeface="Calibri"/>
+              </a:rPr>
+              <a:t> </a:t>
+            </a:r>
+            <a:r>
+              <a:rPr b="0" dirty="0" err="1">
+                <a:latin typeface="+mn-lt"/>
+                <a:ea typeface="+mn-ea"/>
+                <a:cs typeface="+mn-cs"/>
+                <a:sym typeface="Calibri"/>
+              </a:rPr>
+              <a:t>значение</a:t>
+            </a:r>
+            <a:r>
+              <a:rPr b="0" dirty="0">
+                <a:latin typeface="+mn-lt"/>
+                <a:ea typeface="+mn-ea"/>
+                <a:cs typeface="+mn-cs"/>
+                <a:sym typeface="Calibri"/>
+              </a:rPr>
+              <a:t> </a:t>
+            </a:r>
+            <a:r>
+              <a:rPr b="0" dirty="0" err="1">
+                <a:latin typeface="+mn-lt"/>
+                <a:ea typeface="+mn-ea"/>
+                <a:cs typeface="+mn-cs"/>
+                <a:sym typeface="Calibri"/>
+              </a:rPr>
+              <a:t>tj</a:t>
+            </a:r>
+            <a:r>
+              <a:rPr b="0" dirty="0">
+                <a:latin typeface="+mn-lt"/>
+                <a:ea typeface="+mn-ea"/>
+                <a:cs typeface="+mn-cs"/>
+                <a:sym typeface="Calibri"/>
+              </a:rPr>
+              <a:t>.</a:t>
+            </a:r>
+          </a:p>
+          <a:p>
+            <a:pPr marL="0" indent="0" defTabSz="869226">
+              <a:spcBef>
+                <a:spcPts val="800"/>
+              </a:spcBef>
+              <a:buSzTx/>
+              <a:buNone/>
+              <a:defRPr sz="2600"/>
+            </a:pPr>
+            <a:r>
+              <a:rPr dirty="0" err="1"/>
+              <a:t>Результат</a:t>
+            </a:r>
+            <a:r>
+              <a:rPr dirty="0"/>
+              <a:t> </a:t>
+            </a:r>
+            <a:r>
+              <a:rPr dirty="0" err="1"/>
+              <a:t>каждой</a:t>
+            </a:r>
+            <a:r>
+              <a:rPr dirty="0"/>
+              <a:t> </a:t>
+            </a:r>
+            <a:r>
+              <a:rPr dirty="0" err="1"/>
+              <a:t>команды</a:t>
+            </a:r>
+            <a:r>
+              <a:rPr dirty="0"/>
+              <a:t> </a:t>
+            </a:r>
+            <a:r>
+              <a:rPr dirty="0" err="1"/>
+              <a:t>записывается</a:t>
+            </a:r>
+            <a:r>
+              <a:rPr dirty="0"/>
+              <a:t> в </a:t>
+            </a:r>
+            <a:r>
+              <a:rPr dirty="0" err="1"/>
+              <a:t>ti</a:t>
+            </a:r>
+            <a:r>
+              <a:rPr dirty="0"/>
+              <a:t>.</a:t>
+            </a:r>
+          </a:p>
+        </p:txBody>
+      </p:sp>
+    </p:spTree>
+  </p:cSld>
+  <p:clrMapOvr>
+    <a:masterClrMapping/>
+  </p:clrMapOvr>
+  <p:transition spd="med"/>
+</p:sld>
+</file>
+
+<file path=ppt/slides/slide30.xml><?xml version="1.0" encoding="utf-8"?>
 <p:sld xmlns:a="http://schemas.openxmlformats.org/drawingml/2006/main" xmlns:r="http://schemas.openxmlformats.org/officeDocument/2006/relationships" xmlns:p="http://schemas.openxmlformats.org/presentationml/2006/main">
   <p:cSld>
     <p:spTree>
@@ -27139,7 +27511,7 @@
 </p:sld>
 </file>
 
-<file path=ppt/slides/slide32.xml><?xml version="1.0" encoding="utf-8"?>
+<file path=ppt/slides/slide31.xml><?xml version="1.0" encoding="utf-8"?>
 <p:sld xmlns:a="http://schemas.openxmlformats.org/drawingml/2006/main" xmlns:r="http://schemas.openxmlformats.org/officeDocument/2006/relationships" xmlns:p="http://schemas.openxmlformats.org/presentationml/2006/main">
   <p:cSld>
     <p:spTree>
@@ -27224,10 +27596,31 @@
               </a:defRPr>
             </a:pPr>
             <a:r>
-              <a:t>Метод обхода дерева:</a:t>
-            </a:r>
-            <a:r>
-              <a:rPr b="0">
+              <a:rPr dirty="0" err="1"/>
+              <a:t>Метод</a:t>
+            </a:r>
+            <a:r>
+              <a:rPr dirty="0"/>
+              <a:t> </a:t>
+            </a:r>
+            <a:r>
+              <a:rPr dirty="0" err="1"/>
+              <a:t>обхода</a:t>
+            </a:r>
+            <a:r>
+              <a:rPr dirty="0"/>
+              <a:t> </a:t>
+            </a:r>
+            <a:r>
+              <a:rPr dirty="0" err="1"/>
+              <a:t>дерева</a:t>
+            </a:r>
+            <a:r>
+              <a:rPr dirty="0"/>
+              <a:t>:</a:t>
+            </a:r>
+            <a:r>
+              <a:rPr b="0" dirty="0">
                 <a:latin typeface="+mn-lt"/>
                 <a:ea typeface="+mn-ea"/>
                 <a:cs typeface="+mn-cs"/>
@@ -27246,7 +27639,100 @@
               <a:defRPr sz="2100"/>
             </a:pPr>
             <a:r>
-              <a:t>Дерево обходится в глубину, при этом сначала обходятся левые вершины, затем правые вершины. </a:t>
+              <a:rPr dirty="0" err="1"/>
+              <a:t>Дерево</a:t>
+            </a:r>
+            <a:r>
+              <a:rPr dirty="0"/>
+              <a:t> </a:t>
+            </a:r>
+            <a:r>
+              <a:rPr dirty="0" err="1"/>
+              <a:t>обходится</a:t>
+            </a:r>
+            <a:r>
+              <a:rPr dirty="0"/>
+              <a:t> в </a:t>
+            </a:r>
+            <a:r>
+              <a:rPr dirty="0" err="1"/>
+              <a:t>глубину</a:t>
+            </a:r>
+            <a:r>
+              <a:rPr dirty="0"/>
+              <a:t>, </a:t>
+            </a:r>
+            <a:r>
+              <a:rPr dirty="0" err="1"/>
+              <a:t>при</a:t>
+            </a:r>
+            <a:r>
+              <a:rPr dirty="0"/>
+              <a:t> </a:t>
+            </a:r>
+            <a:r>
+              <a:rPr dirty="0" err="1"/>
+              <a:t>этом</a:t>
+            </a:r>
+            <a:r>
+              <a:rPr dirty="0"/>
+              <a:t> </a:t>
+            </a:r>
+            <a:r>
+              <a:rPr dirty="0" err="1"/>
+              <a:t>сначала</a:t>
+            </a:r>
+            <a:r>
+              <a:rPr dirty="0"/>
+              <a:t> </a:t>
+            </a:r>
+            <a:r>
+              <a:rPr dirty="0" err="1"/>
+              <a:t>обходятся</a:t>
+            </a:r>
+            <a:r>
+              <a:rPr dirty="0"/>
+              <a:t> </a:t>
+            </a:r>
+            <a:r>
+              <a:rPr dirty="0" err="1"/>
+              <a:t>левые</a:t>
+            </a:r>
+            <a:r>
+              <a:rPr dirty="0"/>
+              <a:t> </a:t>
+            </a:r>
+            <a:r>
+              <a:rPr dirty="0" err="1"/>
+              <a:t>вершины</a:t>
+            </a:r>
+            <a:r>
+              <a:rPr dirty="0"/>
+              <a:t>, </a:t>
+            </a:r>
+            <a:r>
+              <a:rPr dirty="0" err="1"/>
+              <a:t>затем</a:t>
+            </a:r>
+            <a:r>
+              <a:rPr dirty="0"/>
+              <a:t> </a:t>
+            </a:r>
+            <a:r>
+              <a:rPr dirty="0" err="1"/>
+              <a:t>правые</a:t>
+            </a:r>
+            <a:r>
+              <a:rPr dirty="0"/>
+              <a:t> </a:t>
+            </a:r>
+            <a:r>
+              <a:rPr dirty="0" err="1"/>
+              <a:t>вершины</a:t>
+            </a:r>
+            <a:r>
+              <a:rPr dirty="0"/>
+              <a:t>. </a:t>
             </a:r>
           </a:p>
           <a:p>
@@ -27264,7 +27750,60 @@
               </a:defRPr>
             </a:pPr>
             <a:r>
-              <a:t>Правила генерации кода при обработке вершин дерева:</a:t>
+              <a:rPr dirty="0" err="1"/>
+              <a:t>Правила</a:t>
+            </a:r>
+            <a:r>
+              <a:rPr dirty="0"/>
+              <a:t> </a:t>
+            </a:r>
+            <a:r>
+              <a:rPr dirty="0" err="1"/>
+              <a:t>генерации</a:t>
+            </a:r>
+            <a:r>
+              <a:rPr dirty="0"/>
+              <a:t> </a:t>
+            </a:r>
+            <a:r>
+              <a:rPr dirty="0" err="1"/>
+              <a:t>кода</a:t>
+            </a:r>
+            <a:r>
+              <a:rPr dirty="0"/>
+              <a:t> </a:t>
+            </a:r>
+            <a:r>
+              <a:rPr dirty="0" err="1"/>
+              <a:t>при</a:t>
+            </a:r>
+            <a:r>
+              <a:rPr dirty="0"/>
+              <a:t> </a:t>
+            </a:r>
+            <a:r>
+              <a:rPr dirty="0" err="1"/>
+              <a:t>обработке</a:t>
+            </a:r>
+            <a:r>
+              <a:rPr dirty="0"/>
+              <a:t> </a:t>
+            </a:r>
+            <a:r>
+              <a:rPr dirty="0" err="1"/>
+              <a:t>вершин</a:t>
+            </a:r>
+            <a:r>
+              <a:rPr dirty="0"/>
+              <a:t> </a:t>
+            </a:r>
+            <a:r>
+              <a:rPr dirty="0" err="1"/>
+              <a:t>дерева</a:t>
+            </a:r>
+            <a:r>
+              <a:rPr dirty="0"/>
+              <a:t>:</a:t>
             </a:r>
           </a:p>
           <a:p>
@@ -27276,17 +27815,94 @@
               <a:defRPr sz="2100"/>
             </a:pPr>
             <a:r>
-              <a:t>Для каждой новой вершины &lt;expr&gt; объявляется переменная ti -&gt; </a:t>
-            </a:r>
-            <a:r>
-              <a:rPr b="1" i="1">
+              <a:rPr dirty="0" err="1"/>
+              <a:t>Для</a:t>
+            </a:r>
+            <a:r>
+              <a:rPr dirty="0"/>
+              <a:t> </a:t>
+            </a:r>
+            <a:r>
+              <a:rPr dirty="0" err="1"/>
+              <a:t>каждой</a:t>
+            </a:r>
+            <a:r>
+              <a:rPr dirty="0"/>
+              <a:t> </a:t>
+            </a:r>
+            <a:r>
+              <a:rPr dirty="0" err="1"/>
+              <a:t>новой</a:t>
+            </a:r>
+            <a:r>
+              <a:rPr dirty="0"/>
+              <a:t> </a:t>
+            </a:r>
+            <a:r>
+              <a:rPr dirty="0" err="1"/>
+              <a:t>вершины</a:t>
+            </a:r>
+            <a:r>
+              <a:rPr dirty="0"/>
+              <a:t> &lt;expr&gt; </a:t>
+            </a:r>
+            <a:r>
+              <a:rPr dirty="0" err="1"/>
+              <a:t>объявляется</a:t>
+            </a:r>
+            <a:r>
+              <a:rPr dirty="0"/>
+              <a:t> </a:t>
+            </a:r>
+            <a:r>
+              <a:rPr dirty="0" err="1"/>
+              <a:t>переменная</a:t>
+            </a:r>
+            <a:r>
+              <a:rPr dirty="0"/>
+              <a:t> </a:t>
+            </a:r>
+            <a:r>
+              <a:rPr dirty="0" err="1"/>
+              <a:t>ti</a:t>
+            </a:r>
+            <a:r>
+              <a:rPr dirty="0"/>
+              <a:t> -&gt; </a:t>
+            </a:r>
+            <a:r>
+              <a:rPr b="1" i="1" dirty="0" err="1">
                 <a:latin typeface="+mj-lt"/>
                 <a:ea typeface="+mj-ea"/>
                 <a:cs typeface="+mj-cs"/>
                 <a:sym typeface="Helvetica"/>
               </a:rPr>
-              <a:t>decl ti</a:t>
-            </a:r>
+              <a:t>decl</a:t>
+            </a:r>
+            <a:r>
+              <a:rPr b="1" i="1" dirty="0">
+                <a:latin typeface="+mj-lt"/>
+                <a:ea typeface="+mj-ea"/>
+                <a:cs typeface="+mj-cs"/>
+                <a:sym typeface="Helvetica"/>
+              </a:rPr>
+              <a:t> </a:t>
+            </a:r>
+            <a:r>
+              <a:rPr b="1" i="1" dirty="0" err="1">
+                <a:latin typeface="+mj-lt"/>
+                <a:ea typeface="+mj-ea"/>
+                <a:cs typeface="+mj-cs"/>
+                <a:sym typeface="Helvetica"/>
+              </a:rPr>
+              <a:t>ti</a:t>
+            </a:r>
+            <a:endParaRPr b="1" i="1" dirty="0">
+              <a:latin typeface="+mj-lt"/>
+              <a:ea typeface="+mj-ea"/>
+              <a:cs typeface="+mj-cs"/>
+              <a:sym typeface="Helvetica"/>
+            </a:endParaRPr>
           </a:p>
           <a:p>
             <a:pPr marL="226384" indent="-226384" defTabSz="737370">
@@ -27297,19 +27913,153 @@
               <a:defRPr sz="2100"/>
             </a:pPr>
             <a:r>
-              <a:t>Если эта вершина имеет единственного потомка - константу, то в ti заносится соответствующее значение константы из информационной таблицы -&gt; </a:t>
-            </a:r>
-            <a:r>
-              <a:rPr b="1" i="1">
+              <a:rPr dirty="0" err="1"/>
+              <a:t>Если</a:t>
+            </a:r>
+            <a:r>
+              <a:rPr dirty="0"/>
+              <a:t> </a:t>
+            </a:r>
+            <a:r>
+              <a:rPr dirty="0" err="1"/>
+              <a:t>эта</a:t>
+            </a:r>
+            <a:r>
+              <a:rPr dirty="0"/>
+              <a:t> </a:t>
+            </a:r>
+            <a:r>
+              <a:rPr dirty="0" err="1"/>
+              <a:t>вершина</a:t>
+            </a:r>
+            <a:r>
+              <a:rPr dirty="0"/>
+              <a:t> </a:t>
+            </a:r>
+            <a:r>
+              <a:rPr dirty="0" err="1"/>
+              <a:t>имеет</a:t>
+            </a:r>
+            <a:r>
+              <a:rPr dirty="0"/>
+              <a:t> </a:t>
+            </a:r>
+            <a:r>
+              <a:rPr dirty="0" err="1"/>
+              <a:t>единственного</a:t>
+            </a:r>
+            <a:r>
+              <a:rPr dirty="0"/>
+              <a:t> </a:t>
+            </a:r>
+            <a:r>
+              <a:rPr dirty="0" err="1"/>
+              <a:t>потомка</a:t>
+            </a:r>
+            <a:r>
+              <a:rPr dirty="0"/>
+              <a:t> - </a:t>
+            </a:r>
+            <a:r>
+              <a:rPr dirty="0" err="1"/>
+              <a:t>константу</a:t>
+            </a:r>
+            <a:r>
+              <a:rPr dirty="0"/>
+              <a:t>, </a:t>
+            </a:r>
+            <a:r>
+              <a:rPr dirty="0" err="1"/>
+              <a:t>то</a:t>
+            </a:r>
+            <a:r>
+              <a:rPr dirty="0"/>
+              <a:t> в </a:t>
+            </a:r>
+            <a:r>
+              <a:rPr dirty="0" err="1"/>
+              <a:t>ti</a:t>
+            </a:r>
+            <a:r>
+              <a:rPr dirty="0"/>
+              <a:t> </a:t>
+            </a:r>
+            <a:r>
+              <a:rPr dirty="0" err="1"/>
+              <a:t>заносится</a:t>
+            </a:r>
+            <a:r>
+              <a:rPr dirty="0"/>
+              <a:t> </a:t>
+            </a:r>
+            <a:r>
+              <a:rPr dirty="0" err="1"/>
+              <a:t>соответствующее</a:t>
+            </a:r>
+            <a:r>
+              <a:rPr dirty="0"/>
+              <a:t> </a:t>
+            </a:r>
+            <a:r>
+              <a:rPr dirty="0" err="1"/>
+              <a:t>значение</a:t>
+            </a:r>
+            <a:r>
+              <a:rPr dirty="0"/>
+              <a:t> </a:t>
+            </a:r>
+            <a:r>
+              <a:rPr dirty="0" err="1"/>
+              <a:t>константы</a:t>
+            </a:r>
+            <a:r>
+              <a:rPr dirty="0"/>
+              <a:t> </a:t>
+            </a:r>
+            <a:r>
+              <a:rPr dirty="0" err="1"/>
+              <a:t>из</a:t>
+            </a:r>
+            <a:r>
+              <a:rPr dirty="0"/>
+              <a:t> </a:t>
+            </a:r>
+            <a:r>
+              <a:rPr dirty="0" err="1"/>
+              <a:t>информационной</a:t>
+            </a:r>
+            <a:r>
+              <a:rPr dirty="0"/>
+              <a:t> </a:t>
+            </a:r>
+            <a:r>
+              <a:rPr dirty="0" err="1"/>
+              <a:t>таблицы</a:t>
+            </a:r>
+            <a:r>
+              <a:rPr dirty="0"/>
+              <a:t> -&gt; </a:t>
+            </a:r>
+            <a:r>
+              <a:rPr b="1" i="1" dirty="0">
                 <a:latin typeface="+mj-lt"/>
                 <a:ea typeface="+mj-ea"/>
                 <a:cs typeface="+mj-cs"/>
                 <a:sym typeface="Helvetica"/>
               </a:rPr>
-              <a:t>mov &lt;const&gt; t</a:t>
-            </a:r>
-            <a:r>
-              <a:rPr sz="1400" b="1" i="1">
+              <a:t>mov &lt;const&gt; </a:t>
+            </a:r>
+            <a:r>
+              <a:rPr b="1" i="1" dirty="0" err="1">
+                <a:latin typeface="+mj-lt"/>
+                <a:ea typeface="+mj-ea"/>
+                <a:cs typeface="+mj-cs"/>
+                <a:sym typeface="Helvetica"/>
+              </a:rPr>
+              <a:t>t</a:t>
+            </a:r>
+            <a:r>
+              <a:rPr sz="1400" b="1" i="1" dirty="0" err="1">
                 <a:latin typeface="+mj-lt"/>
                 <a:ea typeface="+mj-ea"/>
                 <a:cs typeface="+mj-cs"/>
@@ -27317,7 +28067,7 @@
               </a:rPr>
               <a:t>i</a:t>
             </a:r>
-            <a:endParaRPr sz="1400"/>
+            <a:endParaRPr sz="1400" dirty="0"/>
           </a:p>
           <a:p>
             <a:pPr marL="226384" indent="-226384" defTabSz="737370">
@@ -27328,17 +28078,173 @@
               <a:defRPr sz="2100"/>
             </a:pPr>
             <a:r>
-              <a:t>Если эта вершина имеет единственного потомка - переменную, то в ti заносится соответствующее значение по адресу переменной из информационной таблицы -&gt; </a:t>
-            </a:r>
-            <a:r>
-              <a:rPr b="1" i="1">
+              <a:rPr dirty="0" err="1"/>
+              <a:t>Если</a:t>
+            </a:r>
+            <a:r>
+              <a:rPr dirty="0"/>
+              <a:t> </a:t>
+            </a:r>
+            <a:r>
+              <a:rPr dirty="0" err="1"/>
+              <a:t>эта</a:t>
+            </a:r>
+            <a:r>
+              <a:rPr dirty="0"/>
+              <a:t> </a:t>
+            </a:r>
+            <a:r>
+              <a:rPr dirty="0" err="1"/>
+              <a:t>вершина</a:t>
+            </a:r>
+            <a:r>
+              <a:rPr dirty="0"/>
+              <a:t> </a:t>
+            </a:r>
+            <a:r>
+              <a:rPr dirty="0" err="1"/>
+              <a:t>имеет</a:t>
+            </a:r>
+            <a:r>
+              <a:rPr dirty="0"/>
+              <a:t> </a:t>
+            </a:r>
+            <a:r>
+              <a:rPr dirty="0" err="1"/>
+              <a:t>единственного</a:t>
+            </a:r>
+            <a:r>
+              <a:rPr dirty="0"/>
+              <a:t> </a:t>
+            </a:r>
+            <a:r>
+              <a:rPr dirty="0" err="1"/>
+              <a:t>потомка</a:t>
+            </a:r>
+            <a:r>
+              <a:rPr dirty="0"/>
+              <a:t> - </a:t>
+            </a:r>
+            <a:r>
+              <a:rPr dirty="0" err="1"/>
+              <a:t>переменную</a:t>
+            </a:r>
+            <a:r>
+              <a:rPr dirty="0"/>
+              <a:t>, </a:t>
+            </a:r>
+            <a:r>
+              <a:rPr dirty="0" err="1"/>
+              <a:t>то</a:t>
+            </a:r>
+            <a:r>
+              <a:rPr dirty="0"/>
+              <a:t> в </a:t>
+            </a:r>
+            <a:r>
+              <a:rPr dirty="0" err="1"/>
+              <a:t>ti</a:t>
+            </a:r>
+            <a:r>
+              <a:rPr dirty="0"/>
+              <a:t> </a:t>
+            </a:r>
+            <a:r>
+              <a:rPr dirty="0" err="1"/>
+              <a:t>заносится</a:t>
+            </a:r>
+            <a:r>
+              <a:rPr dirty="0"/>
+              <a:t> </a:t>
+            </a:r>
+            <a:r>
+              <a:rPr dirty="0" err="1"/>
+              <a:t>соответствующее</a:t>
+            </a:r>
+            <a:r>
+              <a:rPr dirty="0"/>
+              <a:t> </a:t>
+            </a:r>
+            <a:r>
+              <a:rPr dirty="0" err="1"/>
+              <a:t>значение</a:t>
+            </a:r>
+            <a:r>
+              <a:rPr dirty="0"/>
+              <a:t> </a:t>
+            </a:r>
+            <a:r>
+              <a:rPr dirty="0" err="1"/>
+              <a:t>по</a:t>
+            </a:r>
+            <a:r>
+              <a:rPr dirty="0"/>
+              <a:t> </a:t>
+            </a:r>
+            <a:r>
+              <a:rPr dirty="0" err="1"/>
+              <a:t>адресу</a:t>
+            </a:r>
+            <a:r>
+              <a:rPr dirty="0"/>
+              <a:t> </a:t>
+            </a:r>
+            <a:r>
+              <a:rPr dirty="0" err="1"/>
+              <a:t>переменной</a:t>
+            </a:r>
+            <a:r>
+              <a:rPr dirty="0"/>
+              <a:t> </a:t>
+            </a:r>
+            <a:r>
+              <a:rPr dirty="0" err="1"/>
+              <a:t>из</a:t>
+            </a:r>
+            <a:r>
+              <a:rPr dirty="0"/>
+              <a:t> </a:t>
+            </a:r>
+            <a:r>
+              <a:rPr dirty="0" err="1"/>
+              <a:t>информационной</a:t>
+            </a:r>
+            <a:r>
+              <a:rPr dirty="0"/>
+              <a:t> </a:t>
+            </a:r>
+            <a:r>
+              <a:rPr dirty="0" err="1"/>
+              <a:t>таблицы</a:t>
+            </a:r>
+            <a:r>
+              <a:rPr dirty="0"/>
+              <a:t> -&gt; </a:t>
+            </a:r>
+            <a:r>
+              <a:rPr b="1" i="1" dirty="0">
                 <a:latin typeface="+mj-lt"/>
                 <a:ea typeface="+mj-ea"/>
                 <a:cs typeface="+mj-cs"/>
                 <a:sym typeface="Helvetica"/>
               </a:rPr>
-              <a:t>mov (&lt;var&gt;) ti</a:t>
-            </a:r>
+              <a:t>mov (&lt;var&gt;) </a:t>
+            </a:r>
+            <a:r>
+              <a:rPr b="1" i="1" dirty="0" err="1">
+                <a:latin typeface="+mj-lt"/>
+                <a:ea typeface="+mj-ea"/>
+                <a:cs typeface="+mj-cs"/>
+                <a:sym typeface="Helvetica"/>
+              </a:rPr>
+              <a:t>ti</a:t>
+            </a:r>
+            <a:endParaRPr b="1" i="1" dirty="0">
+              <a:latin typeface="+mj-lt"/>
+              <a:ea typeface="+mj-ea"/>
+              <a:cs typeface="+mj-cs"/>
+              <a:sym typeface="Helvetica"/>
+            </a:endParaRPr>
           </a:p>
           <a:p>
             <a:pPr marL="226384" indent="-226384" defTabSz="737370">
@@ -27349,7 +28255,268 @@
               <a:defRPr sz="2100"/>
             </a:pPr>
             <a:r>
-              <a:t>Если возвращаемся в вершину из её правой дочерней вершины, то в ti заносится значение tj - ее левой дочерней вершины, затем к ti применяется арифметическая операция соответствующая значению листа центральной ветки с участием значения tk - правой дочерней вершины. </a:t>
+              <a:rPr dirty="0" err="1"/>
+              <a:t>Если</a:t>
+            </a:r>
+            <a:r>
+              <a:rPr dirty="0"/>
+              <a:t> </a:t>
+            </a:r>
+            <a:r>
+              <a:rPr dirty="0" err="1"/>
+              <a:t>возвращаемся</a:t>
+            </a:r>
+            <a:r>
+              <a:rPr dirty="0"/>
+              <a:t> в </a:t>
+            </a:r>
+            <a:r>
+              <a:rPr dirty="0" err="1"/>
+              <a:t>вершину</a:t>
+            </a:r>
+            <a:r>
+              <a:rPr dirty="0"/>
+              <a:t> </a:t>
+            </a:r>
+            <a:r>
+              <a:rPr dirty="0" err="1"/>
+              <a:t>из</a:t>
+            </a:r>
+            <a:r>
+              <a:rPr dirty="0"/>
+              <a:t> </a:t>
+            </a:r>
+            <a:r>
+              <a:rPr dirty="0" err="1"/>
+              <a:t>её</a:t>
+            </a:r>
+            <a:r>
+              <a:rPr dirty="0"/>
+              <a:t> </a:t>
+            </a:r>
+            <a:r>
+              <a:rPr dirty="0" err="1"/>
+              <a:t>правой</a:t>
+            </a:r>
+            <a:r>
+              <a:rPr dirty="0"/>
+              <a:t> </a:t>
+            </a:r>
+            <a:r>
+              <a:rPr dirty="0" err="1"/>
+              <a:t>дочерней</a:t>
+            </a:r>
+            <a:r>
+              <a:rPr dirty="0"/>
+              <a:t> </a:t>
+            </a:r>
+            <a:r>
+              <a:rPr dirty="0" err="1"/>
+              <a:t>вершины</a:t>
+            </a:r>
+            <a:r>
+              <a:rPr dirty="0"/>
+              <a:t>, </a:t>
+            </a:r>
+            <a:r>
+              <a:rPr dirty="0" err="1"/>
+              <a:t>то</a:t>
+            </a:r>
+            <a:r>
+              <a:rPr dirty="0"/>
+              <a:t> в </a:t>
+            </a:r>
+            <a:r>
+              <a:rPr dirty="0" err="1"/>
+              <a:t>ti</a:t>
+            </a:r>
+            <a:r>
+              <a:rPr dirty="0"/>
+              <a:t> </a:t>
+            </a:r>
+            <a:r>
+              <a:rPr dirty="0" err="1"/>
+              <a:t>заносится</a:t>
+            </a:r>
+            <a:r>
+              <a:rPr dirty="0"/>
+              <a:t> </a:t>
+            </a:r>
+            <a:r>
+              <a:rPr dirty="0" err="1"/>
+              <a:t>значение</a:t>
+            </a:r>
+            <a:r>
+              <a:rPr dirty="0"/>
+              <a:t> </a:t>
+            </a:r>
+            <a:r>
+              <a:rPr dirty="0" err="1"/>
+              <a:t>tj</a:t>
+            </a:r>
+            <a:r>
+              <a:rPr dirty="0"/>
+              <a:t> - </a:t>
+            </a:r>
+            <a:r>
+              <a:rPr dirty="0" err="1"/>
+              <a:t>ее</a:t>
+            </a:r>
+            <a:r>
+              <a:rPr dirty="0"/>
+              <a:t> </a:t>
+            </a:r>
+            <a:r>
+              <a:rPr dirty="0" err="1"/>
+              <a:t>левой</a:t>
+            </a:r>
+            <a:r>
+              <a:rPr dirty="0"/>
+              <a:t> </a:t>
+            </a:r>
+            <a:r>
+              <a:rPr dirty="0" err="1"/>
+              <a:t>дочерней</a:t>
+            </a:r>
+            <a:r>
+              <a:rPr dirty="0"/>
+              <a:t> </a:t>
+            </a:r>
+            <a:r>
+              <a:rPr dirty="0" err="1"/>
+              <a:t>вершины</a:t>
+            </a:r>
+            <a:r>
+              <a:rPr dirty="0"/>
+              <a:t>, </a:t>
+            </a:r>
+            <a:r>
+              <a:rPr dirty="0" err="1"/>
+              <a:t>затем</a:t>
+            </a:r>
+            <a:r>
+              <a:rPr dirty="0"/>
+              <a:t> к </a:t>
+            </a:r>
+            <a:r>
+              <a:rPr dirty="0" err="1"/>
+              <a:t>ti</a:t>
+            </a:r>
+            <a:r>
+              <a:rPr dirty="0"/>
+              <a:t> </a:t>
+            </a:r>
+            <a:r>
+              <a:rPr dirty="0" err="1"/>
+              <a:t>применяется</a:t>
+            </a:r>
+            <a:r>
+              <a:rPr dirty="0"/>
+              <a:t> </a:t>
+            </a:r>
+            <a:r>
+              <a:rPr dirty="0" err="1"/>
+              <a:t>арифметическая</a:t>
+            </a:r>
+            <a:r>
+              <a:rPr dirty="0"/>
+              <a:t> </a:t>
+            </a:r>
+            <a:r>
+              <a:rPr dirty="0" err="1"/>
+              <a:t>операция</a:t>
+            </a:r>
+            <a:r>
+              <a:rPr dirty="0"/>
+              <a:t> </a:t>
+            </a:r>
+            <a:r>
+              <a:rPr dirty="0" err="1"/>
+              <a:t>соответствующая</a:t>
+            </a:r>
+            <a:r>
+              <a:rPr dirty="0"/>
+              <a:t> </a:t>
+            </a:r>
+            <a:r>
+              <a:rPr dirty="0" err="1"/>
+              <a:t>значению</a:t>
+            </a:r>
+            <a:r>
+              <a:rPr dirty="0"/>
+              <a:t> </a:t>
+            </a:r>
+            <a:r>
+              <a:rPr dirty="0" err="1"/>
+              <a:t>листа</a:t>
+            </a:r>
+            <a:r>
+              <a:rPr dirty="0"/>
+              <a:t> </a:t>
+            </a:r>
+            <a:r>
+              <a:rPr dirty="0" err="1"/>
+              <a:t>центральной</a:t>
+            </a:r>
+            <a:r>
+              <a:rPr dirty="0"/>
+              <a:t> </a:t>
+            </a:r>
+            <a:r>
+              <a:rPr dirty="0" err="1"/>
+              <a:t>ветки</a:t>
+            </a:r>
+            <a:r>
+              <a:rPr dirty="0"/>
+              <a:t> с </a:t>
+            </a:r>
+            <a:r>
+              <a:rPr dirty="0" err="1"/>
+              <a:t>участием</a:t>
+            </a:r>
+            <a:r>
+              <a:rPr dirty="0"/>
+              <a:t> </a:t>
+            </a:r>
+            <a:r>
+              <a:rPr dirty="0" err="1"/>
+              <a:t>значения</a:t>
+            </a:r>
+            <a:r>
+              <a:rPr dirty="0"/>
+              <a:t> </a:t>
+            </a:r>
+            <a:r>
+              <a:rPr dirty="0" err="1"/>
+              <a:t>tk</a:t>
+            </a:r>
+            <a:r>
+              <a:rPr dirty="0"/>
+              <a:t> - </a:t>
+            </a:r>
+            <a:r>
+              <a:rPr dirty="0" err="1"/>
+              <a:t>правой</a:t>
+            </a:r>
+            <a:r>
+              <a:rPr dirty="0"/>
+              <a:t> </a:t>
+            </a:r>
+            <a:r>
+              <a:rPr dirty="0" err="1"/>
+              <a:t>дочерней</a:t>
+            </a:r>
+            <a:r>
+              <a:rPr dirty="0"/>
+              <a:t> </a:t>
+            </a:r>
+            <a:r>
+              <a:rPr dirty="0" err="1"/>
+              <a:t>вершины</a:t>
+            </a:r>
+            <a:r>
+              <a:rPr dirty="0"/>
+              <a:t>. </a:t>
             </a:r>
           </a:p>
           <a:p>
@@ -27362,8 +28529,22 @@
               <a:defRPr sz="2100"/>
             </a:pPr>
             <a:r>
-              <a:t>-&gt; mov tj ti</a:t>
-            </a:r>
+              <a:rPr dirty="0"/>
+              <a:t>-&gt; mov </a:t>
+            </a:r>
+            <a:r>
+              <a:rPr dirty="0" err="1"/>
+              <a:t>tj</a:t>
+            </a:r>
+            <a:r>
+              <a:rPr dirty="0"/>
+              <a:t> </a:t>
+            </a:r>
+            <a:r>
+              <a:rPr dirty="0" err="1"/>
+              <a:t>ti</a:t>
+            </a:r>
+            <a:endParaRPr dirty="0"/>
           </a:p>
           <a:p>
             <a:pPr marL="0" indent="0" defTabSz="737370">
@@ -27375,7 +28556,88 @@
               <a:defRPr sz="2100"/>
             </a:pPr>
             <a:r>
-              <a:t>     add tk ti / sub tk ti / mul tk ti / div tk ti     (‘+’, ‘-‘, ‘*’, ‘/‘ соответственно)</a:t>
+              <a:rPr dirty="0"/>
+              <a:t>     add </a:t>
+            </a:r>
+            <a:r>
+              <a:rPr dirty="0" err="1"/>
+              <a:t>tk</a:t>
+            </a:r>
+            <a:r>
+              <a:rPr dirty="0"/>
+              <a:t> </a:t>
+            </a:r>
+            <a:r>
+              <a:rPr dirty="0" err="1"/>
+              <a:t>ti</a:t>
+            </a:r>
+            <a:r>
+              <a:rPr dirty="0"/>
+              <a:t> / sub </a:t>
+            </a:r>
+            <a:r>
+              <a:rPr dirty="0" err="1"/>
+              <a:t>tk</a:t>
+            </a:r>
+            <a:r>
+              <a:rPr dirty="0"/>
+              <a:t> </a:t>
+            </a:r>
+            <a:r>
+              <a:rPr dirty="0" err="1"/>
+              <a:t>ti</a:t>
+            </a:r>
+            <a:r>
+              <a:rPr dirty="0"/>
+              <a:t> / </a:t>
+            </a:r>
+            <a:r>
+              <a:rPr dirty="0" err="1"/>
+              <a:t>mul</a:t>
+            </a:r>
+            <a:r>
+              <a:rPr dirty="0"/>
+              <a:t> </a:t>
+            </a:r>
+            <a:r>
+              <a:rPr dirty="0" err="1"/>
+              <a:t>tk</a:t>
+            </a:r>
+            <a:r>
+              <a:rPr dirty="0"/>
+              <a:t> </a:t>
+            </a:r>
+            <a:r>
+              <a:rPr dirty="0" err="1"/>
+              <a:t>ti</a:t>
+            </a:r>
+            <a:r>
+              <a:rPr dirty="0"/>
+              <a:t> / div </a:t>
+            </a:r>
+            <a:r>
+              <a:rPr dirty="0" err="1"/>
+              <a:t>tk</a:t>
+            </a:r>
+            <a:r>
+              <a:rPr dirty="0"/>
+              <a:t> </a:t>
+            </a:r>
+            <a:r>
+              <a:rPr dirty="0" err="1"/>
+              <a:t>ti</a:t>
+            </a:r>
+            <a:r>
+              <a:rPr dirty="0"/>
+              <a:t>     (‘+’, ‘-‘, ‘*’, ‘/‘ </a:t>
+            </a:r>
+            <a:r>
+              <a:rPr dirty="0" err="1"/>
+              <a:t>соответственно</a:t>
+            </a:r>
+            <a:r>
+              <a:rPr dirty="0"/>
+              <a:t>)</a:t>
             </a:r>
           </a:p>
         </p:txBody>
@@ -27389,7 +28651,7 @@
 </p:sld>
 </file>
 
-<file path=ppt/slides/slide33.xml><?xml version="1.0" encoding="utf-8"?>
+<file path=ppt/slides/slide32.xml><?xml version="1.0" encoding="utf-8"?>
 <p:sld xmlns:a="http://schemas.openxmlformats.org/drawingml/2006/main" xmlns:r="http://schemas.openxmlformats.org/officeDocument/2006/relationships" xmlns:p="http://schemas.openxmlformats.org/presentationml/2006/main">
   <p:cSld>
     <p:spTree>
@@ -28396,7 +29658,7 @@
 </p:sld>
 </file>
 
-<file path=ppt/slides/slide34.xml><?xml version="1.0" encoding="utf-8"?>
+<file path=ppt/slides/slide33.xml><?xml version="1.0" encoding="utf-8"?>
 <p:sld xmlns:a="http://schemas.openxmlformats.org/drawingml/2006/main" xmlns:r="http://schemas.openxmlformats.org/officeDocument/2006/relationships" xmlns:p="http://schemas.openxmlformats.org/presentationml/2006/main">
   <p:cSld>
     <p:spTree>
@@ -29847,7 +31109,7 @@
 </p:sld>
 </file>
 
-<file path=ppt/slides/slide35.xml><?xml version="1.0" encoding="utf-8"?>
+<file path=ppt/slides/slide34.xml><?xml version="1.0" encoding="utf-8"?>
 <p:sld xmlns:a="http://schemas.openxmlformats.org/drawingml/2006/main" xmlns:r="http://schemas.openxmlformats.org/officeDocument/2006/relationships" xmlns:p="http://schemas.openxmlformats.org/presentationml/2006/main">
   <p:cSld>
     <p:spTree>
@@ -30830,7 +32092,16 @@
               </a:defRPr>
             </a:pPr>
             <a:r>
-              <a:t>1.   decl t0</a:t>
+              <a:rPr dirty="0"/>
+              <a:t>1.   </a:t>
+            </a:r>
+            <a:r>
+              <a:rPr dirty="0" err="1"/>
+              <a:t>decl</a:t>
+            </a:r>
+            <a:r>
+              <a:rPr dirty="0"/>
+              <a:t> t0</a:t>
             </a:r>
           </a:p>
           <a:p>
@@ -30843,7 +32114,16 @@
               </a:defRPr>
             </a:pPr>
             <a:r>
-              <a:t>2.   decl t1</a:t>
+              <a:rPr dirty="0"/>
+              <a:t>2.   </a:t>
+            </a:r>
+            <a:r>
+              <a:rPr dirty="0" err="1"/>
+              <a:t>decl</a:t>
+            </a:r>
+            <a:r>
+              <a:rPr dirty="0"/>
+              <a:t> t1</a:t>
             </a:r>
           </a:p>
           <a:p>
@@ -30856,7 +32136,16 @@
               </a:defRPr>
             </a:pPr>
             <a:r>
-              <a:t>3.   decl t2</a:t>
+              <a:rPr dirty="0"/>
+              <a:t>3.   </a:t>
+            </a:r>
+            <a:r>
+              <a:rPr dirty="0" err="1"/>
+              <a:t>decl</a:t>
+            </a:r>
+            <a:r>
+              <a:rPr dirty="0"/>
+              <a:t> t2</a:t>
             </a:r>
           </a:p>
           <a:p>
@@ -30869,7 +32158,16 @@
               </a:defRPr>
             </a:pPr>
             <a:r>
-              <a:t>4.   decl t3</a:t>
+              <a:rPr dirty="0"/>
+              <a:t>4.   </a:t>
+            </a:r>
+            <a:r>
+              <a:rPr dirty="0" err="1"/>
+              <a:t>decl</a:t>
+            </a:r>
+            <a:r>
+              <a:rPr dirty="0"/>
+              <a:t> t3</a:t>
             </a:r>
           </a:p>
           <a:p>
@@ -30882,6 +32180,7 @@
               </a:defRPr>
             </a:pPr>
             <a:r>
+              <a:rPr dirty="0"/>
               <a:t>5.   mov 2, t3</a:t>
             </a:r>
           </a:p>
@@ -30895,7 +32194,16 @@
               </a:defRPr>
             </a:pPr>
             <a:r>
-              <a:t>6.   decl t4</a:t>
+              <a:rPr dirty="0"/>
+              <a:t>6.   </a:t>
+            </a:r>
+            <a:r>
+              <a:rPr dirty="0" err="1"/>
+              <a:t>decl</a:t>
+            </a:r>
+            <a:r>
+              <a:rPr dirty="0"/>
+              <a:t> t4</a:t>
             </a:r>
           </a:p>
           <a:p>
@@ -30908,6 +32216,7 @@
               </a:defRPr>
             </a:pPr>
             <a:r>
+              <a:rPr dirty="0"/>
               <a:t>7.   mov (A1), t4</a:t>
             </a:r>
           </a:p>
@@ -30921,6 +32230,7 @@
               </a:defRPr>
             </a:pPr>
             <a:r>
+              <a:rPr dirty="0"/>
               <a:t>8.   mov t3, t2</a:t>
             </a:r>
           </a:p>
@@ -30934,7 +32244,16 @@
               </a:defRPr>
             </a:pPr>
             <a:r>
-              <a:t>9.   mul t4, t2</a:t>
+              <a:rPr dirty="0"/>
+              <a:t>9.   </a:t>
+            </a:r>
+            <a:r>
+              <a:rPr dirty="0" err="1"/>
+              <a:t>mul</a:t>
+            </a:r>
+            <a:r>
+              <a:rPr dirty="0"/>
+              <a:t> t4, t2</a:t>
             </a:r>
           </a:p>
           <a:p>
@@ -30947,7 +32266,16 @@
               </a:defRPr>
             </a:pPr>
             <a:r>
-              <a:t>10. decl t5</a:t>
+              <a:rPr dirty="0"/>
+              <a:t>10. </a:t>
+            </a:r>
+            <a:r>
+              <a:rPr dirty="0" err="1"/>
+              <a:t>decl</a:t>
+            </a:r>
+            <a:r>
+              <a:rPr dirty="0"/>
+              <a:t> t5</a:t>
             </a:r>
           </a:p>
           <a:p>
@@ -30960,6 +32288,7 @@
               </a:defRPr>
             </a:pPr>
             <a:r>
+              <a:rPr dirty="0"/>
               <a:t>11. mov (A3), t5</a:t>
             </a:r>
           </a:p>
@@ -30973,6 +32302,7 @@
               </a:defRPr>
             </a:pPr>
             <a:r>
+              <a:rPr dirty="0"/>
               <a:t>12. mov t2, t1</a:t>
             </a:r>
           </a:p>
@@ -30986,7 +32316,16 @@
               </a:defRPr>
             </a:pPr>
             <a:r>
-              <a:t>13. mul t5, t1</a:t>
+              <a:rPr dirty="0"/>
+              <a:t>13. </a:t>
+            </a:r>
+            <a:r>
+              <a:rPr dirty="0" err="1"/>
+              <a:t>mul</a:t>
+            </a:r>
+            <a:r>
+              <a:rPr dirty="0"/>
+              <a:t> t5, t1</a:t>
             </a:r>
           </a:p>
           <a:p>
@@ -30999,7 +32338,16 @@
               </a:defRPr>
             </a:pPr>
             <a:r>
-              <a:t>14. decl t6</a:t>
+              <a:rPr dirty="0"/>
+              <a:t>14. </a:t>
+            </a:r>
+            <a:r>
+              <a:rPr dirty="0" err="1"/>
+              <a:t>decl</a:t>
+            </a:r>
+            <a:r>
+              <a:rPr dirty="0"/>
+              <a:t> t6</a:t>
             </a:r>
           </a:p>
           <a:p>
@@ -31012,7 +32360,16 @@
               </a:defRPr>
             </a:pPr>
             <a:r>
-              <a:t>15. decl t7</a:t>
+              <a:rPr dirty="0"/>
+              <a:t>15. </a:t>
+            </a:r>
+            <a:r>
+              <a:rPr dirty="0" err="1"/>
+              <a:t>decl</a:t>
+            </a:r>
+            <a:r>
+              <a:rPr dirty="0"/>
+              <a:t> t7</a:t>
             </a:r>
           </a:p>
           <a:p>
@@ -31025,7 +32382,16 @@
               </a:defRPr>
             </a:pPr>
             <a:r>
-              <a:t>16. decl t8</a:t>
+              <a:rPr dirty="0"/>
+              <a:t>16. </a:t>
+            </a:r>
+            <a:r>
+              <a:rPr dirty="0" err="1"/>
+              <a:t>decl</a:t>
+            </a:r>
+            <a:r>
+              <a:rPr dirty="0"/>
+              <a:t> t8</a:t>
             </a:r>
           </a:p>
           <a:p>
@@ -31038,7 +32404,16 @@
               </a:defRPr>
             </a:pPr>
             <a:r>
-              <a:t>17. decl t9</a:t>
+              <a:rPr dirty="0"/>
+              <a:t>17. </a:t>
+            </a:r>
+            <a:r>
+              <a:rPr dirty="0" err="1"/>
+              <a:t>decl</a:t>
+            </a:r>
+            <a:r>
+              <a:rPr dirty="0"/>
+              <a:t> t9</a:t>
             </a:r>
           </a:p>
           <a:p>
@@ -31051,6 +32426,7 @@
               </a:defRPr>
             </a:pPr>
             <a:r>
+              <a:rPr dirty="0"/>
               <a:t>18. mov 1, t9</a:t>
             </a:r>
           </a:p>
@@ -31064,7 +32440,16 @@
               </a:defRPr>
             </a:pPr>
             <a:r>
-              <a:t>19. decl t10</a:t>
+              <a:rPr dirty="0"/>
+              <a:t>19. </a:t>
+            </a:r>
+            <a:r>
+              <a:rPr dirty="0" err="1"/>
+              <a:t>decl</a:t>
+            </a:r>
+            <a:r>
+              <a:rPr dirty="0"/>
+              <a:t> t10</a:t>
             </a:r>
           </a:p>
           <a:p>
@@ -31077,6 +32462,7 @@
               </a:defRPr>
             </a:pPr>
             <a:r>
+              <a:rPr dirty="0"/>
               <a:t>20. mov 2, t10</a:t>
             </a:r>
           </a:p>
@@ -31277,7 +32663,7 @@
 </p:sld>
 </file>
 
-<file path=ppt/slides/slide36.xml><?xml version="1.0" encoding="utf-8"?>
+<file path=ppt/slides/slide35.xml><?xml version="1.0" encoding="utf-8"?>
 <p:sld xmlns:a="http://schemas.openxmlformats.org/drawingml/2006/main" xmlns:r="http://schemas.openxmlformats.org/officeDocument/2006/relationships" xmlns:p="http://schemas.openxmlformats.org/presentationml/2006/main">
   <p:cSld>
     <p:spTree>
@@ -31322,8 +32708,62 @@
           </a:lstStyle>
           <a:p>
             <a:r>
-              <a:t>F. Оптимизация сгенерированного кода: уменьшение числа используемых регистров</a:t>
-            </a:r>
+              <a:rPr dirty="0"/>
+              <a:t>F. </a:t>
+            </a:r>
+            <a:r>
+              <a:rPr dirty="0" err="1"/>
+              <a:t>Оптимизация</a:t>
+            </a:r>
+            <a:r>
+              <a:rPr dirty="0"/>
+              <a:t> </a:t>
+            </a:r>
+            <a:r>
+              <a:rPr dirty="0" err="1"/>
+              <a:t>сгенерированного</a:t>
+            </a:r>
+            <a:r>
+              <a:rPr dirty="0"/>
+              <a:t> </a:t>
+            </a:r>
+            <a:r>
+              <a:rPr dirty="0" err="1"/>
+              <a:t>кода</a:t>
+            </a:r>
+            <a:r>
+              <a:rPr dirty="0"/>
+              <a:t>: </a:t>
+            </a:r>
+            <a:r>
+              <a:rPr dirty="0" err="1"/>
+              <a:t>уменьшение</a:t>
+            </a:r>
+            <a:r>
+              <a:rPr dirty="0"/>
+              <a:t> </a:t>
+            </a:r>
+            <a:r>
+              <a:rPr dirty="0" err="1"/>
+              <a:t>числа</a:t>
+            </a:r>
+            <a:r>
+              <a:rPr dirty="0"/>
+              <a:t> </a:t>
+            </a:r>
+            <a:r>
+              <a:rPr dirty="0" err="1"/>
+              <a:t>используемых</a:t>
+            </a:r>
+            <a:r>
+              <a:rPr dirty="0"/>
+              <a:t> </a:t>
+            </a:r>
+            <a:r>
+              <a:rPr lang="ru-RU" dirty="0"/>
+              <a:t>переменных</a:t>
+            </a:r>
+            <a:endParaRPr dirty="0"/>
           </a:p>
         </p:txBody>
       </p:sp>
@@ -32415,7 +33855,7 @@
 </p:sld>
 </file>
 
-<file path=ppt/slides/slide37.xml><?xml version="1.0" encoding="utf-8"?>
+<file path=ppt/slides/slide36.xml><?xml version="1.0" encoding="utf-8"?>
 <p:sld xmlns:a="http://schemas.openxmlformats.org/drawingml/2006/main" xmlns:r="http://schemas.openxmlformats.org/officeDocument/2006/relationships" xmlns:p="http://schemas.openxmlformats.org/presentationml/2006/main">
   <p:cSld>
     <p:spTree>
@@ -33230,7 +34670,7 @@
 </p:sld>
 </file>
 
-<file path=ppt/slides/slide38.xml><?xml version="1.0" encoding="utf-8"?>
+<file path=ppt/slides/slide37.xml><?xml version="1.0" encoding="utf-8"?>
 <p:sld xmlns:a="http://schemas.openxmlformats.org/drawingml/2006/main" xmlns:r="http://schemas.openxmlformats.org/officeDocument/2006/relationships" xmlns:p="http://schemas.openxmlformats.org/presentationml/2006/main">
   <p:cSld>
     <p:spTree>
@@ -33316,7 +34756,16 @@
               </a:defRPr>
             </a:pPr>
             <a:r>
-              <a:t>1.   decl t0</a:t>
+              <a:rPr dirty="0"/>
+              <a:t>1.   </a:t>
+            </a:r>
+            <a:r>
+              <a:rPr dirty="0" err="1"/>
+              <a:t>decl</a:t>
+            </a:r>
+            <a:r>
+              <a:rPr dirty="0"/>
+              <a:t> t0</a:t>
             </a:r>
           </a:p>
           <a:p>
@@ -33329,7 +34778,16 @@
               </a:defRPr>
             </a:pPr>
             <a:r>
-              <a:t>2.   decl t1</a:t>
+              <a:rPr dirty="0"/>
+              <a:t>2.   </a:t>
+            </a:r>
+            <a:r>
+              <a:rPr dirty="0" err="1"/>
+              <a:t>decl</a:t>
+            </a:r>
+            <a:r>
+              <a:rPr dirty="0"/>
+              <a:t> t1</a:t>
             </a:r>
           </a:p>
           <a:p>
@@ -33342,7 +34800,16 @@
               </a:defRPr>
             </a:pPr>
             <a:r>
-              <a:t>3.   decl t2</a:t>
+              <a:rPr dirty="0"/>
+              <a:t>3.   </a:t>
+            </a:r>
+            <a:r>
+              <a:rPr dirty="0" err="1"/>
+              <a:t>decl</a:t>
+            </a:r>
+            <a:r>
+              <a:rPr dirty="0"/>
+              <a:t> t2</a:t>
             </a:r>
           </a:p>
           <a:p>
@@ -33355,7 +34822,16 @@
               </a:defRPr>
             </a:pPr>
             <a:r>
-              <a:t>4.   decl t3</a:t>
+              <a:rPr dirty="0"/>
+              <a:t>4.   </a:t>
+            </a:r>
+            <a:r>
+              <a:rPr dirty="0" err="1"/>
+              <a:t>decl</a:t>
+            </a:r>
+            <a:r>
+              <a:rPr dirty="0"/>
+              <a:t> t3</a:t>
             </a:r>
           </a:p>
           <a:p>
@@ -33368,6 +34844,7 @@
               </a:defRPr>
             </a:pPr>
             <a:r>
+              <a:rPr dirty="0"/>
               <a:t>5.   mov 2, t3</a:t>
             </a:r>
           </a:p>
@@ -33381,7 +34858,16 @@
               </a:defRPr>
             </a:pPr>
             <a:r>
-              <a:t>6.   decl t4</a:t>
+              <a:rPr dirty="0"/>
+              <a:t>6.   </a:t>
+            </a:r>
+            <a:r>
+              <a:rPr dirty="0" err="1"/>
+              <a:t>decl</a:t>
+            </a:r>
+            <a:r>
+              <a:rPr dirty="0"/>
+              <a:t> t4</a:t>
             </a:r>
           </a:p>
           <a:p>
@@ -33394,6 +34880,7 @@
               </a:defRPr>
             </a:pPr>
             <a:r>
+              <a:rPr dirty="0"/>
               <a:t>7.   mov (A1), t4</a:t>
             </a:r>
           </a:p>
@@ -33407,10 +34894,11 @@
               </a:defRPr>
             </a:pPr>
             <a:r>
+              <a:rPr dirty="0"/>
               <a:t>8.   </a:t>
             </a:r>
             <a:r>
-              <a:rPr>
+              <a:rPr dirty="0">
                 <a:solidFill>
                   <a:srgbClr val="00B0F0"/>
                 </a:solidFill>
@@ -33428,7 +34916,16 @@
               </a:defRPr>
             </a:pPr>
             <a:r>
-              <a:t>9.   mul t4, t2</a:t>
+              <a:rPr dirty="0"/>
+              <a:t>9.   </a:t>
+            </a:r>
+            <a:r>
+              <a:rPr dirty="0" err="1"/>
+              <a:t>mul</a:t>
+            </a:r>
+            <a:r>
+              <a:rPr dirty="0"/>
+              <a:t> t4, t2</a:t>
             </a:r>
           </a:p>
           <a:p>
@@ -33441,15 +34938,24 @@
               </a:defRPr>
             </a:pPr>
             <a:r>
+              <a:rPr dirty="0"/>
               <a:t>10. </a:t>
             </a:r>
             <a:r>
-              <a:rPr strike="sngStrike">
+              <a:rPr strike="sngStrike" dirty="0" err="1">
                 <a:solidFill>
                   <a:srgbClr val="FF0000"/>
                 </a:solidFill>
               </a:rPr>
-              <a:t>decl t5</a:t>
+              <a:t>decl</a:t>
+            </a:r>
+            <a:r>
+              <a:rPr strike="sngStrike" dirty="0">
+                <a:solidFill>
+                  <a:srgbClr val="FF0000"/>
+                </a:solidFill>
+              </a:rPr>
+              <a:t> t5</a:t>
             </a:r>
           </a:p>
           <a:p>
@@ -33462,10 +34968,11 @@
               </a:defRPr>
             </a:pPr>
             <a:r>
+              <a:rPr dirty="0"/>
               <a:t>11. mov (A3), </a:t>
             </a:r>
             <a:r>
-              <a:rPr>
+              <a:rPr dirty="0">
                 <a:solidFill>
                   <a:srgbClr val="FF0000"/>
                 </a:solidFill>
@@ -33483,6 +34990,7 @@
               </a:defRPr>
             </a:pPr>
             <a:r>
+              <a:rPr dirty="0"/>
               <a:t>12. mov t2, t1</a:t>
             </a:r>
           </a:p>
@@ -33496,10 +35004,19 @@
               </a:defRPr>
             </a:pPr>
             <a:r>
-              <a:t>13. mul </a:t>
-            </a:r>
-            <a:r>
-              <a:rPr>
+              <a:rPr dirty="0"/>
+              <a:t>13. </a:t>
+            </a:r>
+            <a:r>
+              <a:rPr dirty="0" err="1"/>
+              <a:t>mul</a:t>
+            </a:r>
+            <a:r>
+              <a:rPr dirty="0"/>
+              <a:t> </a:t>
+            </a:r>
+            <a:r>
+              <a:rPr dirty="0">
                 <a:solidFill>
                   <a:srgbClr val="FF0000"/>
                 </a:solidFill>
@@ -33507,6 +35024,7 @@
               <a:t>t5</a:t>
             </a:r>
             <a:r>
+              <a:rPr dirty="0"/>
               <a:t>, t1</a:t>
             </a:r>
           </a:p>
@@ -33520,7 +35038,16 @@
               </a:defRPr>
             </a:pPr>
             <a:r>
-              <a:t>14. decl t6</a:t>
+              <a:rPr dirty="0"/>
+              <a:t>14. </a:t>
+            </a:r>
+            <a:r>
+              <a:rPr dirty="0" err="1"/>
+              <a:t>decl</a:t>
+            </a:r>
+            <a:r>
+              <a:rPr dirty="0"/>
+              <a:t> t6</a:t>
             </a:r>
           </a:p>
           <a:p>
@@ -33533,7 +35060,16 @@
               </a:defRPr>
             </a:pPr>
             <a:r>
-              <a:t>15. decl t7</a:t>
+              <a:rPr dirty="0"/>
+              <a:t>15. </a:t>
+            </a:r>
+            <a:r>
+              <a:rPr dirty="0" err="1"/>
+              <a:t>decl</a:t>
+            </a:r>
+            <a:r>
+              <a:rPr dirty="0"/>
+              <a:t> t7</a:t>
             </a:r>
           </a:p>
           <a:p>
@@ -33546,7 +35082,16 @@
               </a:defRPr>
             </a:pPr>
             <a:r>
-              <a:t>16. decl t8</a:t>
+              <a:rPr dirty="0"/>
+              <a:t>16. </a:t>
+            </a:r>
+            <a:r>
+              <a:rPr dirty="0" err="1"/>
+              <a:t>decl</a:t>
+            </a:r>
+            <a:r>
+              <a:rPr dirty="0"/>
+              <a:t> t8</a:t>
             </a:r>
           </a:p>
           <a:p>
@@ -33559,7 +35104,16 @@
               </a:defRPr>
             </a:pPr>
             <a:r>
-              <a:t>17. decl t9</a:t>
+              <a:rPr dirty="0"/>
+              <a:t>17. </a:t>
+            </a:r>
+            <a:r>
+              <a:rPr dirty="0" err="1"/>
+              <a:t>decl</a:t>
+            </a:r>
+            <a:r>
+              <a:rPr dirty="0"/>
+              <a:t> t9</a:t>
             </a:r>
           </a:p>
           <a:p>
@@ -33572,6 +35126,7 @@
               </a:defRPr>
             </a:pPr>
             <a:r>
+              <a:rPr dirty="0"/>
               <a:t>18. mov 1, t9</a:t>
             </a:r>
           </a:p>
@@ -33585,7 +35140,16 @@
               </a:defRPr>
             </a:pPr>
             <a:r>
-              <a:t>19. decl t10</a:t>
+              <a:rPr dirty="0"/>
+              <a:t>19. </a:t>
+            </a:r>
+            <a:r>
+              <a:rPr dirty="0" err="1"/>
+              <a:t>decl</a:t>
+            </a:r>
+            <a:r>
+              <a:rPr dirty="0"/>
+              <a:t> t10</a:t>
             </a:r>
           </a:p>
           <a:p>
@@ -33598,6 +35162,7 @@
               </a:defRPr>
             </a:pPr>
             <a:r>
+              <a:rPr dirty="0"/>
               <a:t>20. mov 2, t10</a:t>
             </a:r>
           </a:p>
@@ -34346,7 +35911,7 @@
 </p:sld>
 </file>
 
-<file path=ppt/slides/slide39.xml><?xml version="1.0" encoding="utf-8"?>
+<file path=ppt/slides/slide38.xml><?xml version="1.0" encoding="utf-8"?>
 <p:sld xmlns:a="http://schemas.openxmlformats.org/drawingml/2006/main" xmlns:r="http://schemas.openxmlformats.org/officeDocument/2006/relationships" xmlns:p="http://schemas.openxmlformats.org/presentationml/2006/main">
   <p:cSld>
     <p:spTree>
@@ -35465,6 +37030,1122 @@
             </a:r>
             <a:r>
               <a:t>, t0</a:t>
+            </a:r>
+          </a:p>
+        </p:txBody>
+      </p:sp>
+    </p:spTree>
+  </p:cSld>
+  <p:clrMapOvr>
+    <a:masterClrMapping/>
+  </p:clrMapOvr>
+  <p:transition spd="med"/>
+</p:sld>
+</file>
+
+<file path=ppt/slides/slide39.xml><?xml version="1.0" encoding="utf-8"?>
+<p:sld xmlns:a="http://schemas.openxmlformats.org/drawingml/2006/main" xmlns:r="http://schemas.openxmlformats.org/officeDocument/2006/relationships" xmlns:p="http://schemas.openxmlformats.org/presentationml/2006/main">
+  <p:cSld>
+    <p:spTree>
+      <p:nvGrpSpPr>
+        <p:cNvPr id="1" name=""/>
+        <p:cNvGrpSpPr/>
+        <p:nvPr/>
+      </p:nvGrpSpPr>
+      <p:grpSpPr>
+        <a:xfrm>
+          <a:off x="0" y="0"/>
+          <a:ext cx="0" cy="0"/>
+          <a:chOff x="0" y="0"/>
+          <a:chExt cx="0" cy="0"/>
+        </a:xfrm>
+      </p:grpSpPr>
+      <p:sp>
+        <p:nvSpPr>
+          <p:cNvPr id="603" name="Заголовок 2"/>
+          <p:cNvSpPr txBox="1">
+            <a:spLocks noGrp="1"/>
+          </p:cNvSpPr>
+          <p:nvPr>
+            <p:ph type="title"/>
+          </p:nvPr>
+        </p:nvSpPr>
+        <p:spPr>
+          <a:xfrm>
+            <a:off x="809587" y="-2"/>
+            <a:ext cx="10515601" cy="785822"/>
+          </a:xfrm>
+          <a:prstGeom prst="rect">
+            <a:avLst/>
+          </a:prstGeom>
+        </p:spPr>
+        <p:txBody>
+          <a:bodyPr/>
+          <a:lstStyle>
+            <a:lvl1pPr algn="ctr"/>
+          </a:lstStyle>
+          <a:p>
+            <a:r>
+              <a:t>F. Пример оптимизации: mov t9, t8</a:t>
+            </a:r>
+          </a:p>
+        </p:txBody>
+      </p:sp>
+      <p:sp>
+        <p:nvSpPr>
+          <p:cNvPr id="604" name="1.   decl t0…"/>
+          <p:cNvSpPr txBox="1"/>
+          <p:nvPr/>
+        </p:nvSpPr>
+        <p:spPr>
+          <a:xfrm>
+            <a:off x="7310446" y="1033310"/>
+            <a:ext cx="1590260" cy="5882984"/>
+          </a:xfrm>
+          <a:prstGeom prst="rect">
+            <a:avLst/>
+          </a:prstGeom>
+          <a:ln w="12700">
+            <a:miter lim="400000"/>
+          </a:ln>
+          <a:extLst>
+            <a:ext uri="{C572A759-6A51-4108-AA02-DFA0A04FC94B}">
+              <ma14:wrappingTextBoxFlag xmlns="" xmlns:m="http://schemas.openxmlformats.org/officeDocument/2006/math" xmlns:a14="http://schemas.microsoft.com/office/drawing/2010/main" xmlns:ma14="http://schemas.microsoft.com/office/mac/drawingml/2011/main" val="1"/>
+            </a:ext>
+          </a:extLst>
+        </p:spPr>
+        <p:txBody>
+          <a:bodyPr wrap="none" lIns="45718" tIns="45718" rIns="45718" bIns="45718">
+            <a:spAutoFit/>
+          </a:bodyPr>
+          <a:lstStyle/>
+          <a:p>
+            <a:pPr>
+              <a:defRPr>
+                <a:latin typeface="+mn-lt"/>
+                <a:ea typeface="+mn-ea"/>
+                <a:cs typeface="+mn-cs"/>
+                <a:sym typeface="Calibri"/>
+              </a:defRPr>
+            </a:pPr>
+            <a:r>
+              <a:t>1.   decl t0</a:t>
+            </a:r>
+          </a:p>
+          <a:p>
+            <a:pPr>
+              <a:defRPr>
+                <a:latin typeface="+mn-lt"/>
+                <a:ea typeface="+mn-ea"/>
+                <a:cs typeface="+mn-cs"/>
+                <a:sym typeface="Calibri"/>
+              </a:defRPr>
+            </a:pPr>
+            <a:r>
+              <a:t>2.   decl t1</a:t>
+            </a:r>
+          </a:p>
+          <a:p>
+            <a:pPr>
+              <a:defRPr>
+                <a:latin typeface="+mn-lt"/>
+                <a:ea typeface="+mn-ea"/>
+                <a:cs typeface="+mn-cs"/>
+                <a:sym typeface="Calibri"/>
+              </a:defRPr>
+            </a:pPr>
+            <a:r>
+              <a:t>3.   decl t2</a:t>
+            </a:r>
+          </a:p>
+          <a:p>
+            <a:pPr>
+              <a:defRPr>
+                <a:latin typeface="+mn-lt"/>
+                <a:ea typeface="+mn-ea"/>
+                <a:cs typeface="+mn-cs"/>
+                <a:sym typeface="Calibri"/>
+              </a:defRPr>
+            </a:pPr>
+            <a:r>
+              <a:t>4.   decl t3</a:t>
+            </a:r>
+          </a:p>
+          <a:p>
+            <a:pPr>
+              <a:defRPr>
+                <a:latin typeface="+mn-lt"/>
+                <a:ea typeface="+mn-ea"/>
+                <a:cs typeface="+mn-cs"/>
+                <a:sym typeface="Calibri"/>
+              </a:defRPr>
+            </a:pPr>
+            <a:r>
+              <a:t>5.   mov 2, t3</a:t>
+            </a:r>
+          </a:p>
+          <a:p>
+            <a:pPr>
+              <a:defRPr>
+                <a:latin typeface="+mn-lt"/>
+                <a:ea typeface="+mn-ea"/>
+                <a:cs typeface="+mn-cs"/>
+                <a:sym typeface="Calibri"/>
+              </a:defRPr>
+            </a:pPr>
+            <a:r>
+              <a:t>6.   decl t4</a:t>
+            </a:r>
+          </a:p>
+          <a:p>
+            <a:pPr>
+              <a:defRPr>
+                <a:latin typeface="+mn-lt"/>
+                <a:ea typeface="+mn-ea"/>
+                <a:cs typeface="+mn-cs"/>
+                <a:sym typeface="Calibri"/>
+              </a:defRPr>
+            </a:pPr>
+            <a:r>
+              <a:t>7.   mov (A1), t4</a:t>
+            </a:r>
+          </a:p>
+          <a:p>
+            <a:pPr>
+              <a:defRPr>
+                <a:latin typeface="+mn-lt"/>
+                <a:ea typeface="+mn-ea"/>
+                <a:cs typeface="+mn-cs"/>
+                <a:sym typeface="Calibri"/>
+              </a:defRPr>
+            </a:pPr>
+            <a:r>
+              <a:t>8.   mov t3, t2</a:t>
+            </a:r>
+          </a:p>
+          <a:p>
+            <a:pPr>
+              <a:defRPr>
+                <a:latin typeface="+mn-lt"/>
+                <a:ea typeface="+mn-ea"/>
+                <a:cs typeface="+mn-cs"/>
+                <a:sym typeface="Calibri"/>
+              </a:defRPr>
+            </a:pPr>
+            <a:r>
+              <a:t>9.   mul t4, t2</a:t>
+            </a:r>
+          </a:p>
+          <a:p>
+            <a:pPr>
+              <a:defRPr>
+                <a:latin typeface="+mn-lt"/>
+                <a:ea typeface="+mn-ea"/>
+                <a:cs typeface="+mn-cs"/>
+                <a:sym typeface="Calibri"/>
+              </a:defRPr>
+            </a:pPr>
+            <a:r>
+              <a:t>10.</a:t>
+            </a:r>
+          </a:p>
+          <a:p>
+            <a:pPr>
+              <a:defRPr>
+                <a:latin typeface="+mn-lt"/>
+                <a:ea typeface="+mn-ea"/>
+                <a:cs typeface="+mn-cs"/>
+                <a:sym typeface="Calibri"/>
+              </a:defRPr>
+            </a:pPr>
+            <a:r>
+              <a:t>11. mov (A3), t3</a:t>
+            </a:r>
+          </a:p>
+          <a:p>
+            <a:pPr>
+              <a:defRPr>
+                <a:latin typeface="+mn-lt"/>
+                <a:ea typeface="+mn-ea"/>
+                <a:cs typeface="+mn-cs"/>
+                <a:sym typeface="Calibri"/>
+              </a:defRPr>
+            </a:pPr>
+            <a:r>
+              <a:t>12. mov t2, t1</a:t>
+            </a:r>
+          </a:p>
+          <a:p>
+            <a:pPr>
+              <a:defRPr>
+                <a:latin typeface="+mn-lt"/>
+                <a:ea typeface="+mn-ea"/>
+                <a:cs typeface="+mn-cs"/>
+                <a:sym typeface="Calibri"/>
+              </a:defRPr>
+            </a:pPr>
+            <a:r>
+              <a:t>13. mul t3, t1</a:t>
+            </a:r>
+          </a:p>
+          <a:p>
+            <a:pPr>
+              <a:defRPr>
+                <a:latin typeface="+mn-lt"/>
+                <a:ea typeface="+mn-ea"/>
+                <a:cs typeface="+mn-cs"/>
+                <a:sym typeface="Calibri"/>
+              </a:defRPr>
+            </a:pPr>
+            <a:r>
+              <a:t>14. </a:t>
+            </a:r>
+          </a:p>
+          <a:p>
+            <a:pPr>
+              <a:defRPr>
+                <a:latin typeface="+mn-lt"/>
+                <a:ea typeface="+mn-ea"/>
+                <a:cs typeface="+mn-cs"/>
+                <a:sym typeface="Calibri"/>
+              </a:defRPr>
+            </a:pPr>
+            <a:r>
+              <a:t>15. decl t7</a:t>
+            </a:r>
+          </a:p>
+          <a:p>
+            <a:pPr>
+              <a:defRPr>
+                <a:latin typeface="+mn-lt"/>
+                <a:ea typeface="+mn-ea"/>
+                <a:cs typeface="+mn-cs"/>
+                <a:sym typeface="Calibri"/>
+              </a:defRPr>
+            </a:pPr>
+            <a:r>
+              <a:t>16. decl t8</a:t>
+            </a:r>
+          </a:p>
+          <a:p>
+            <a:pPr>
+              <a:defRPr>
+                <a:latin typeface="+mn-lt"/>
+                <a:ea typeface="+mn-ea"/>
+                <a:cs typeface="+mn-cs"/>
+                <a:sym typeface="Calibri"/>
+              </a:defRPr>
+            </a:pPr>
+            <a:r>
+              <a:t>17. decl t9</a:t>
+            </a:r>
+          </a:p>
+          <a:p>
+            <a:pPr>
+              <a:defRPr>
+                <a:latin typeface="+mn-lt"/>
+                <a:ea typeface="+mn-ea"/>
+                <a:cs typeface="+mn-cs"/>
+                <a:sym typeface="Calibri"/>
+              </a:defRPr>
+            </a:pPr>
+            <a:r>
+              <a:t>18. mov 1, t9</a:t>
+            </a:r>
+          </a:p>
+          <a:p>
+            <a:pPr>
+              <a:defRPr>
+                <a:latin typeface="+mn-lt"/>
+                <a:ea typeface="+mn-ea"/>
+                <a:cs typeface="+mn-cs"/>
+                <a:sym typeface="Calibri"/>
+              </a:defRPr>
+            </a:pPr>
+            <a:r>
+              <a:t>19. decl t10</a:t>
+            </a:r>
+          </a:p>
+          <a:p>
+            <a:pPr>
+              <a:defRPr>
+                <a:latin typeface="+mn-lt"/>
+                <a:ea typeface="+mn-ea"/>
+                <a:cs typeface="+mn-cs"/>
+                <a:sym typeface="Calibri"/>
+              </a:defRPr>
+            </a:pPr>
+            <a:r>
+              <a:t>20. mov 2, t10</a:t>
+            </a:r>
+          </a:p>
+        </p:txBody>
+      </p:sp>
+      <p:sp>
+        <p:nvSpPr>
+          <p:cNvPr id="605" name="21. mov t9 t8…"/>
+          <p:cNvSpPr txBox="1"/>
+          <p:nvPr/>
+        </p:nvSpPr>
+        <p:spPr>
+          <a:xfrm>
+            <a:off x="9096395" y="1214419"/>
+            <a:ext cx="1706123" cy="3546185"/>
+          </a:xfrm>
+          <a:prstGeom prst="rect">
+            <a:avLst/>
+          </a:prstGeom>
+          <a:ln w="12700">
+            <a:miter lim="400000"/>
+          </a:ln>
+          <a:extLst>
+            <a:ext uri="{C572A759-6A51-4108-AA02-DFA0A04FC94B}">
+              <ma14:wrappingTextBoxFlag xmlns="" xmlns:m="http://schemas.openxmlformats.org/officeDocument/2006/math" xmlns:a14="http://schemas.microsoft.com/office/drawing/2010/main" xmlns:ma14="http://schemas.microsoft.com/office/mac/drawingml/2011/main" val="1"/>
+            </a:ext>
+          </a:extLst>
+        </p:spPr>
+        <p:txBody>
+          <a:bodyPr wrap="none" lIns="45718" tIns="45718" rIns="45718" bIns="45718">
+            <a:spAutoFit/>
+          </a:bodyPr>
+          <a:lstStyle/>
+          <a:p>
+            <a:pPr>
+              <a:defRPr>
+                <a:latin typeface="+mn-lt"/>
+                <a:ea typeface="+mn-ea"/>
+                <a:cs typeface="+mn-cs"/>
+                <a:sym typeface="Calibri"/>
+              </a:defRPr>
+            </a:pPr>
+            <a:r>
+              <a:t>21. </a:t>
+            </a:r>
+            <a:r>
+              <a:rPr>
+                <a:solidFill>
+                  <a:srgbClr val="00B0F0"/>
+                </a:solidFill>
+              </a:rPr>
+              <a:t>mov t9, t8</a:t>
+            </a:r>
+          </a:p>
+          <a:p>
+            <a:pPr>
+              <a:defRPr>
+                <a:latin typeface="+mn-lt"/>
+                <a:ea typeface="+mn-ea"/>
+                <a:cs typeface="+mn-cs"/>
+                <a:sym typeface="Calibri"/>
+              </a:defRPr>
+            </a:pPr>
+            <a:r>
+              <a:t>22. div t10, t8</a:t>
+            </a:r>
+          </a:p>
+          <a:p>
+            <a:pPr>
+              <a:defRPr>
+                <a:latin typeface="+mn-lt"/>
+                <a:ea typeface="+mn-ea"/>
+                <a:cs typeface="+mn-cs"/>
+                <a:sym typeface="Calibri"/>
+              </a:defRPr>
+            </a:pPr>
+            <a:r>
+              <a:t>23. </a:t>
+            </a:r>
+          </a:p>
+          <a:p>
+            <a:pPr>
+              <a:defRPr>
+                <a:latin typeface="+mn-lt"/>
+                <a:ea typeface="+mn-ea"/>
+                <a:cs typeface="+mn-cs"/>
+                <a:sym typeface="Calibri"/>
+              </a:defRPr>
+            </a:pPr>
+            <a:r>
+              <a:t>24. mov (PI), </a:t>
+            </a:r>
+            <a:r>
+              <a:rPr>
+                <a:solidFill>
+                  <a:srgbClr val="00B0F0"/>
+                </a:solidFill>
+              </a:rPr>
+              <a:t>t9</a:t>
+            </a:r>
+          </a:p>
+          <a:p>
+            <a:pPr>
+              <a:defRPr>
+                <a:latin typeface="+mn-lt"/>
+                <a:ea typeface="+mn-ea"/>
+                <a:cs typeface="+mn-cs"/>
+                <a:sym typeface="Calibri"/>
+              </a:defRPr>
+            </a:pPr>
+            <a:r>
+              <a:t>25. mov t8, t7</a:t>
+            </a:r>
+          </a:p>
+          <a:p>
+            <a:pPr>
+              <a:defRPr>
+                <a:latin typeface="+mn-lt"/>
+                <a:ea typeface="+mn-ea"/>
+                <a:cs typeface="+mn-cs"/>
+                <a:sym typeface="Calibri"/>
+              </a:defRPr>
+            </a:pPr>
+            <a:r>
+              <a:t>26. mul </a:t>
+            </a:r>
+            <a:r>
+              <a:rPr>
+                <a:solidFill>
+                  <a:srgbClr val="00B0F0"/>
+                </a:solidFill>
+              </a:rPr>
+              <a:t>t9</a:t>
+            </a:r>
+            <a:r>
+              <a:t>, t7</a:t>
+            </a:r>
+          </a:p>
+          <a:p>
+            <a:pPr>
+              <a:defRPr>
+                <a:latin typeface="+mn-lt"/>
+                <a:ea typeface="+mn-ea"/>
+                <a:cs typeface="+mn-cs"/>
+                <a:sym typeface="Calibri"/>
+              </a:defRPr>
+            </a:pPr>
+            <a:r>
+              <a:t>27. decl t12</a:t>
+            </a:r>
+          </a:p>
+          <a:p>
+            <a:pPr>
+              <a:defRPr>
+                <a:latin typeface="+mn-lt"/>
+                <a:ea typeface="+mn-ea"/>
+                <a:cs typeface="+mn-cs"/>
+                <a:sym typeface="Calibri"/>
+              </a:defRPr>
+            </a:pPr>
+            <a:r>
+              <a:t>28. mov (A2), t12</a:t>
+            </a:r>
+          </a:p>
+          <a:p>
+            <a:pPr>
+              <a:defRPr>
+                <a:latin typeface="+mn-lt"/>
+                <a:ea typeface="+mn-ea"/>
+                <a:cs typeface="+mn-cs"/>
+                <a:sym typeface="Calibri"/>
+              </a:defRPr>
+            </a:pPr>
+            <a:r>
+              <a:t>29. mov t7, t2</a:t>
+            </a:r>
+          </a:p>
+          <a:p>
+            <a:pPr>
+              <a:defRPr>
+                <a:latin typeface="+mn-lt"/>
+                <a:ea typeface="+mn-ea"/>
+                <a:cs typeface="+mn-cs"/>
+                <a:sym typeface="Calibri"/>
+              </a:defRPr>
+            </a:pPr>
+            <a:r>
+              <a:t>30. div t12, t2</a:t>
+            </a:r>
+          </a:p>
+          <a:p>
+            <a:pPr>
+              <a:defRPr>
+                <a:latin typeface="+mn-lt"/>
+                <a:ea typeface="+mn-ea"/>
+                <a:cs typeface="+mn-cs"/>
+                <a:sym typeface="Calibri"/>
+              </a:defRPr>
+            </a:pPr>
+            <a:r>
+              <a:t>31. mov t1, t0</a:t>
+            </a:r>
+          </a:p>
+          <a:p>
+            <a:pPr>
+              <a:defRPr>
+                <a:latin typeface="+mn-lt"/>
+                <a:ea typeface="+mn-ea"/>
+                <a:cs typeface="+mn-cs"/>
+                <a:sym typeface="Calibri"/>
+              </a:defRPr>
+            </a:pPr>
+            <a:r>
+              <a:t>32. add t2, t0</a:t>
+            </a:r>
+          </a:p>
+        </p:txBody>
+      </p:sp>
+      <p:sp>
+        <p:nvSpPr>
+          <p:cNvPr id="606" name="Стрелка вправо 8"/>
+          <p:cNvSpPr/>
+          <p:nvPr/>
+        </p:nvSpPr>
+        <p:spPr>
+          <a:xfrm>
+            <a:off x="5095868" y="3143248"/>
+            <a:ext cx="1500198" cy="697945"/>
+          </a:xfrm>
+          <a:prstGeom prst="rightArrow">
+            <a:avLst>
+              <a:gd name="adj1" fmla="val 52597"/>
+              <a:gd name="adj2" fmla="val 62983"/>
+            </a:avLst>
+          </a:prstGeom>
+          <a:solidFill>
+            <a:srgbClr val="FFFFFF"/>
+          </a:solidFill>
+          <a:ln w="25400">
+            <a:solidFill>
+              <a:schemeClr val="accent5"/>
+            </a:solidFill>
+          </a:ln>
+        </p:spPr>
+        <p:txBody>
+          <a:bodyPr lIns="45718" tIns="45718" rIns="45718" bIns="45718" anchor="ctr"/>
+          <a:lstStyle/>
+          <a:p>
+            <a:pPr>
+              <a:defRPr>
+                <a:solidFill>
+                  <a:srgbClr val="00B0F0"/>
+                </a:solidFill>
+                <a:latin typeface="+mn-lt"/>
+                <a:ea typeface="+mn-ea"/>
+                <a:cs typeface="+mn-cs"/>
+                <a:sym typeface="Calibri"/>
+              </a:defRPr>
+            </a:pPr>
+            <a:endParaRPr/>
+          </a:p>
+        </p:txBody>
+      </p:sp>
+      <p:sp>
+        <p:nvSpPr>
+          <p:cNvPr id="607" name="1.   decl t0…"/>
+          <p:cNvSpPr txBox="1"/>
+          <p:nvPr/>
+        </p:nvSpPr>
+        <p:spPr>
+          <a:xfrm>
+            <a:off x="738146" y="1033310"/>
+            <a:ext cx="1590261" cy="5882984"/>
+          </a:xfrm>
+          <a:prstGeom prst="rect">
+            <a:avLst/>
+          </a:prstGeom>
+          <a:ln w="12700">
+            <a:miter lim="400000"/>
+          </a:ln>
+          <a:extLst>
+            <a:ext uri="{C572A759-6A51-4108-AA02-DFA0A04FC94B}">
+              <ma14:wrappingTextBoxFlag xmlns="" xmlns:m="http://schemas.openxmlformats.org/officeDocument/2006/math" xmlns:a14="http://schemas.microsoft.com/office/drawing/2010/main" xmlns:ma14="http://schemas.microsoft.com/office/mac/drawingml/2011/main" val="1"/>
+            </a:ext>
+          </a:extLst>
+        </p:spPr>
+        <p:txBody>
+          <a:bodyPr wrap="none" lIns="45718" tIns="45718" rIns="45718" bIns="45718">
+            <a:spAutoFit/>
+          </a:bodyPr>
+          <a:lstStyle/>
+          <a:p>
+            <a:pPr>
+              <a:defRPr>
+                <a:latin typeface="+mn-lt"/>
+                <a:ea typeface="+mn-ea"/>
+                <a:cs typeface="+mn-cs"/>
+                <a:sym typeface="Calibri"/>
+              </a:defRPr>
+            </a:pPr>
+            <a:r>
+              <a:t>1.   decl t0</a:t>
+            </a:r>
+          </a:p>
+          <a:p>
+            <a:pPr>
+              <a:defRPr>
+                <a:latin typeface="+mn-lt"/>
+                <a:ea typeface="+mn-ea"/>
+                <a:cs typeface="+mn-cs"/>
+                <a:sym typeface="Calibri"/>
+              </a:defRPr>
+            </a:pPr>
+            <a:r>
+              <a:t>2.   decl t1</a:t>
+            </a:r>
+          </a:p>
+          <a:p>
+            <a:pPr>
+              <a:defRPr>
+                <a:latin typeface="+mn-lt"/>
+                <a:ea typeface="+mn-ea"/>
+                <a:cs typeface="+mn-cs"/>
+                <a:sym typeface="Calibri"/>
+              </a:defRPr>
+            </a:pPr>
+            <a:r>
+              <a:t>3.   decl t2</a:t>
+            </a:r>
+          </a:p>
+          <a:p>
+            <a:pPr>
+              <a:defRPr>
+                <a:latin typeface="+mn-lt"/>
+                <a:ea typeface="+mn-ea"/>
+                <a:cs typeface="+mn-cs"/>
+                <a:sym typeface="Calibri"/>
+              </a:defRPr>
+            </a:pPr>
+            <a:r>
+              <a:t>4.   decl t3</a:t>
+            </a:r>
+          </a:p>
+          <a:p>
+            <a:pPr>
+              <a:defRPr>
+                <a:latin typeface="+mn-lt"/>
+                <a:ea typeface="+mn-ea"/>
+                <a:cs typeface="+mn-cs"/>
+                <a:sym typeface="Calibri"/>
+              </a:defRPr>
+            </a:pPr>
+            <a:r>
+              <a:t>5.   mov 2, t3</a:t>
+            </a:r>
+          </a:p>
+          <a:p>
+            <a:pPr>
+              <a:defRPr>
+                <a:latin typeface="+mn-lt"/>
+                <a:ea typeface="+mn-ea"/>
+                <a:cs typeface="+mn-cs"/>
+                <a:sym typeface="Calibri"/>
+              </a:defRPr>
+            </a:pPr>
+            <a:r>
+              <a:t>6.   decl t4</a:t>
+            </a:r>
+          </a:p>
+          <a:p>
+            <a:pPr>
+              <a:defRPr>
+                <a:latin typeface="+mn-lt"/>
+                <a:ea typeface="+mn-ea"/>
+                <a:cs typeface="+mn-cs"/>
+                <a:sym typeface="Calibri"/>
+              </a:defRPr>
+            </a:pPr>
+            <a:r>
+              <a:t>7.   mov (A1), t4</a:t>
+            </a:r>
+          </a:p>
+          <a:p>
+            <a:pPr>
+              <a:defRPr>
+                <a:latin typeface="+mn-lt"/>
+                <a:ea typeface="+mn-ea"/>
+                <a:cs typeface="+mn-cs"/>
+                <a:sym typeface="Calibri"/>
+              </a:defRPr>
+            </a:pPr>
+            <a:r>
+              <a:t>8.   mov t3, t2</a:t>
+            </a:r>
+          </a:p>
+          <a:p>
+            <a:pPr>
+              <a:defRPr>
+                <a:latin typeface="+mn-lt"/>
+                <a:ea typeface="+mn-ea"/>
+                <a:cs typeface="+mn-cs"/>
+                <a:sym typeface="Calibri"/>
+              </a:defRPr>
+            </a:pPr>
+            <a:r>
+              <a:t>9.   mul t4, t2</a:t>
+            </a:r>
+          </a:p>
+          <a:p>
+            <a:pPr>
+              <a:defRPr>
+                <a:latin typeface="+mn-lt"/>
+                <a:ea typeface="+mn-ea"/>
+                <a:cs typeface="+mn-cs"/>
+                <a:sym typeface="Calibri"/>
+              </a:defRPr>
+            </a:pPr>
+            <a:r>
+              <a:t>10.</a:t>
+            </a:r>
+          </a:p>
+          <a:p>
+            <a:pPr>
+              <a:defRPr>
+                <a:latin typeface="+mn-lt"/>
+                <a:ea typeface="+mn-ea"/>
+                <a:cs typeface="+mn-cs"/>
+                <a:sym typeface="Calibri"/>
+              </a:defRPr>
+            </a:pPr>
+            <a:r>
+              <a:t>11. mov (A3), t3</a:t>
+            </a:r>
+          </a:p>
+          <a:p>
+            <a:pPr>
+              <a:defRPr>
+                <a:latin typeface="+mn-lt"/>
+                <a:ea typeface="+mn-ea"/>
+                <a:cs typeface="+mn-cs"/>
+                <a:sym typeface="Calibri"/>
+              </a:defRPr>
+            </a:pPr>
+            <a:r>
+              <a:t>12. mov t2, t1</a:t>
+            </a:r>
+          </a:p>
+          <a:p>
+            <a:pPr>
+              <a:defRPr>
+                <a:latin typeface="+mn-lt"/>
+                <a:ea typeface="+mn-ea"/>
+                <a:cs typeface="+mn-cs"/>
+                <a:sym typeface="Calibri"/>
+              </a:defRPr>
+            </a:pPr>
+            <a:r>
+              <a:t>13. mul t3, t1</a:t>
+            </a:r>
+          </a:p>
+          <a:p>
+            <a:pPr>
+              <a:defRPr>
+                <a:latin typeface="+mn-lt"/>
+                <a:ea typeface="+mn-ea"/>
+                <a:cs typeface="+mn-cs"/>
+                <a:sym typeface="Calibri"/>
+              </a:defRPr>
+            </a:pPr>
+            <a:r>
+              <a:t>14. </a:t>
+            </a:r>
+          </a:p>
+          <a:p>
+            <a:pPr>
+              <a:defRPr>
+                <a:latin typeface="+mn-lt"/>
+                <a:ea typeface="+mn-ea"/>
+                <a:cs typeface="+mn-cs"/>
+                <a:sym typeface="Calibri"/>
+              </a:defRPr>
+            </a:pPr>
+            <a:r>
+              <a:t>15. decl t7</a:t>
+            </a:r>
+          </a:p>
+          <a:p>
+            <a:pPr>
+              <a:defRPr>
+                <a:latin typeface="+mn-lt"/>
+                <a:ea typeface="+mn-ea"/>
+                <a:cs typeface="+mn-cs"/>
+                <a:sym typeface="Calibri"/>
+              </a:defRPr>
+            </a:pPr>
+            <a:r>
+              <a:t>16. decl t8</a:t>
+            </a:r>
+          </a:p>
+          <a:p>
+            <a:pPr>
+              <a:defRPr>
+                <a:latin typeface="+mn-lt"/>
+                <a:ea typeface="+mn-ea"/>
+                <a:cs typeface="+mn-cs"/>
+                <a:sym typeface="Calibri"/>
+              </a:defRPr>
+            </a:pPr>
+            <a:r>
+              <a:t>17. decl t9</a:t>
+            </a:r>
+          </a:p>
+          <a:p>
+            <a:pPr>
+              <a:defRPr>
+                <a:latin typeface="+mn-lt"/>
+                <a:ea typeface="+mn-ea"/>
+                <a:cs typeface="+mn-cs"/>
+                <a:sym typeface="Calibri"/>
+              </a:defRPr>
+            </a:pPr>
+            <a:r>
+              <a:t>18. mov 1, t9</a:t>
+            </a:r>
+          </a:p>
+          <a:p>
+            <a:pPr>
+              <a:defRPr>
+                <a:latin typeface="+mn-lt"/>
+                <a:ea typeface="+mn-ea"/>
+                <a:cs typeface="+mn-cs"/>
+                <a:sym typeface="Calibri"/>
+              </a:defRPr>
+            </a:pPr>
+            <a:r>
+              <a:t>19. decl t10</a:t>
+            </a:r>
+          </a:p>
+          <a:p>
+            <a:pPr>
+              <a:defRPr>
+                <a:latin typeface="+mn-lt"/>
+                <a:ea typeface="+mn-ea"/>
+                <a:cs typeface="+mn-cs"/>
+                <a:sym typeface="Calibri"/>
+              </a:defRPr>
+            </a:pPr>
+            <a:r>
+              <a:t>20. mov 2, t10</a:t>
+            </a:r>
+          </a:p>
+        </p:txBody>
+      </p:sp>
+      <p:sp>
+        <p:nvSpPr>
+          <p:cNvPr id="608" name="21. mov t9 t8…"/>
+          <p:cNvSpPr txBox="1"/>
+          <p:nvPr/>
+        </p:nvSpPr>
+        <p:spPr>
+          <a:xfrm>
+            <a:off x="2524099" y="1214419"/>
+            <a:ext cx="1706122" cy="3546185"/>
+          </a:xfrm>
+          <a:prstGeom prst="rect">
+            <a:avLst/>
+          </a:prstGeom>
+          <a:ln w="12700">
+            <a:miter lim="400000"/>
+          </a:ln>
+          <a:extLst>
+            <a:ext uri="{C572A759-6A51-4108-AA02-DFA0A04FC94B}">
+              <ma14:wrappingTextBoxFlag xmlns="" xmlns:m="http://schemas.openxmlformats.org/officeDocument/2006/math" xmlns:a14="http://schemas.microsoft.com/office/drawing/2010/main" xmlns:ma14="http://schemas.microsoft.com/office/mac/drawingml/2011/main" val="1"/>
+            </a:ext>
+          </a:extLst>
+        </p:spPr>
+        <p:txBody>
+          <a:bodyPr wrap="none" lIns="45718" tIns="45718" rIns="45718" bIns="45718">
+            <a:spAutoFit/>
+          </a:bodyPr>
+          <a:lstStyle/>
+          <a:p>
+            <a:pPr>
+              <a:defRPr>
+                <a:latin typeface="+mn-lt"/>
+                <a:ea typeface="+mn-ea"/>
+                <a:cs typeface="+mn-cs"/>
+                <a:sym typeface="Calibri"/>
+              </a:defRPr>
+            </a:pPr>
+            <a:r>
+              <a:t>21. </a:t>
+            </a:r>
+            <a:r>
+              <a:rPr>
+                <a:solidFill>
+                  <a:srgbClr val="00B0F0"/>
+                </a:solidFill>
+              </a:rPr>
+              <a:t>mov t9, t8</a:t>
+            </a:r>
+          </a:p>
+          <a:p>
+            <a:pPr>
+              <a:defRPr>
+                <a:latin typeface="+mn-lt"/>
+                <a:ea typeface="+mn-ea"/>
+                <a:cs typeface="+mn-cs"/>
+                <a:sym typeface="Calibri"/>
+              </a:defRPr>
+            </a:pPr>
+            <a:r>
+              <a:t>22. div t10, t8</a:t>
+            </a:r>
+          </a:p>
+          <a:p>
+            <a:pPr>
+              <a:defRPr>
+                <a:latin typeface="+mn-lt"/>
+                <a:ea typeface="+mn-ea"/>
+                <a:cs typeface="+mn-cs"/>
+                <a:sym typeface="Calibri"/>
+              </a:defRPr>
+            </a:pPr>
+            <a:r>
+              <a:t>23. </a:t>
+            </a:r>
+            <a:r>
+              <a:rPr strike="sngStrike">
+                <a:solidFill>
+                  <a:srgbClr val="FF0000"/>
+                </a:solidFill>
+              </a:rPr>
+              <a:t>decl t11</a:t>
+            </a:r>
+          </a:p>
+          <a:p>
+            <a:pPr>
+              <a:defRPr>
+                <a:latin typeface="+mn-lt"/>
+                <a:ea typeface="+mn-ea"/>
+                <a:cs typeface="+mn-cs"/>
+                <a:sym typeface="Calibri"/>
+              </a:defRPr>
+            </a:pPr>
+            <a:r>
+              <a:t>24. mov (PI), </a:t>
+            </a:r>
+            <a:r>
+              <a:rPr>
+                <a:solidFill>
+                  <a:srgbClr val="FF0000"/>
+                </a:solidFill>
+              </a:rPr>
+              <a:t>t11</a:t>
+            </a:r>
+          </a:p>
+          <a:p>
+            <a:pPr>
+              <a:defRPr>
+                <a:latin typeface="+mn-lt"/>
+                <a:ea typeface="+mn-ea"/>
+                <a:cs typeface="+mn-cs"/>
+                <a:sym typeface="Calibri"/>
+              </a:defRPr>
+            </a:pPr>
+            <a:r>
+              <a:t>25. mov t8, t7</a:t>
+            </a:r>
+          </a:p>
+          <a:p>
+            <a:pPr>
+              <a:defRPr>
+                <a:latin typeface="+mn-lt"/>
+                <a:ea typeface="+mn-ea"/>
+                <a:cs typeface="+mn-cs"/>
+                <a:sym typeface="Calibri"/>
+              </a:defRPr>
+            </a:pPr>
+            <a:r>
+              <a:t>26. mul </a:t>
+            </a:r>
+            <a:r>
+              <a:rPr>
+                <a:solidFill>
+                  <a:srgbClr val="FF0000"/>
+                </a:solidFill>
+              </a:rPr>
+              <a:t>t11</a:t>
+            </a:r>
+            <a:r>
+              <a:t>, t7</a:t>
+            </a:r>
+          </a:p>
+          <a:p>
+            <a:pPr>
+              <a:defRPr>
+                <a:latin typeface="+mn-lt"/>
+                <a:ea typeface="+mn-ea"/>
+                <a:cs typeface="+mn-cs"/>
+                <a:sym typeface="Calibri"/>
+              </a:defRPr>
+            </a:pPr>
+            <a:r>
+              <a:t>27. decl t12</a:t>
+            </a:r>
+          </a:p>
+          <a:p>
+            <a:pPr>
+              <a:defRPr>
+                <a:latin typeface="+mn-lt"/>
+                <a:ea typeface="+mn-ea"/>
+                <a:cs typeface="+mn-cs"/>
+                <a:sym typeface="Calibri"/>
+              </a:defRPr>
+            </a:pPr>
+            <a:r>
+              <a:t>28. mov (A2), t12</a:t>
+            </a:r>
+          </a:p>
+          <a:p>
+            <a:pPr>
+              <a:defRPr>
+                <a:latin typeface="+mn-lt"/>
+                <a:ea typeface="+mn-ea"/>
+                <a:cs typeface="+mn-cs"/>
+                <a:sym typeface="Calibri"/>
+              </a:defRPr>
+            </a:pPr>
+            <a:r>
+              <a:t>29. mov t7, t2</a:t>
+            </a:r>
+          </a:p>
+          <a:p>
+            <a:pPr>
+              <a:defRPr>
+                <a:latin typeface="+mn-lt"/>
+                <a:ea typeface="+mn-ea"/>
+                <a:cs typeface="+mn-cs"/>
+                <a:sym typeface="Calibri"/>
+              </a:defRPr>
+            </a:pPr>
+            <a:r>
+              <a:t>30. div t12, t2</a:t>
+            </a:r>
+          </a:p>
+          <a:p>
+            <a:pPr>
+              <a:defRPr>
+                <a:latin typeface="+mn-lt"/>
+                <a:ea typeface="+mn-ea"/>
+                <a:cs typeface="+mn-cs"/>
+                <a:sym typeface="Calibri"/>
+              </a:defRPr>
+            </a:pPr>
+            <a:r>
+              <a:t>31. mov t1, t0</a:t>
+            </a:r>
+          </a:p>
+          <a:p>
+            <a:pPr>
+              <a:defRPr>
+                <a:latin typeface="+mn-lt"/>
+                <a:ea typeface="+mn-ea"/>
+                <a:cs typeface="+mn-cs"/>
+                <a:sym typeface="Calibri"/>
+              </a:defRPr>
+            </a:pPr>
+            <a:r>
+              <a:t>32. add t2, t0</a:t>
             </a:r>
           </a:p>
         </p:txBody>
@@ -36013,6 +38694,7 @@
           </a:lstStyle>
           <a:p>
             <a:r>
+              <a:rPr dirty="0"/>
               <a:t>2*A1*A3 + 1/2*PI/A2</a:t>
             </a:r>
           </a:p>
@@ -36072,1122 +38754,6 @@
 </file>
 
 <file path=ppt/slides/slide40.xml><?xml version="1.0" encoding="utf-8"?>
-<p:sld xmlns:a="http://schemas.openxmlformats.org/drawingml/2006/main" xmlns:r="http://schemas.openxmlformats.org/officeDocument/2006/relationships" xmlns:p="http://schemas.openxmlformats.org/presentationml/2006/main">
-  <p:cSld>
-    <p:spTree>
-      <p:nvGrpSpPr>
-        <p:cNvPr id="1" name=""/>
-        <p:cNvGrpSpPr/>
-        <p:nvPr/>
-      </p:nvGrpSpPr>
-      <p:grpSpPr>
-        <a:xfrm>
-          <a:off x="0" y="0"/>
-          <a:ext cx="0" cy="0"/>
-          <a:chOff x="0" y="0"/>
-          <a:chExt cx="0" cy="0"/>
-        </a:xfrm>
-      </p:grpSpPr>
-      <p:sp>
-        <p:nvSpPr>
-          <p:cNvPr id="603" name="Заголовок 2"/>
-          <p:cNvSpPr txBox="1">
-            <a:spLocks noGrp="1"/>
-          </p:cNvSpPr>
-          <p:nvPr>
-            <p:ph type="title"/>
-          </p:nvPr>
-        </p:nvSpPr>
-        <p:spPr>
-          <a:xfrm>
-            <a:off x="809587" y="-2"/>
-            <a:ext cx="10515601" cy="785822"/>
-          </a:xfrm>
-          <a:prstGeom prst="rect">
-            <a:avLst/>
-          </a:prstGeom>
-        </p:spPr>
-        <p:txBody>
-          <a:bodyPr/>
-          <a:lstStyle>
-            <a:lvl1pPr algn="ctr"/>
-          </a:lstStyle>
-          <a:p>
-            <a:r>
-              <a:t>F. Пример оптимизации: mov t9, t8</a:t>
-            </a:r>
-          </a:p>
-        </p:txBody>
-      </p:sp>
-      <p:sp>
-        <p:nvSpPr>
-          <p:cNvPr id="604" name="1.   decl t0…"/>
-          <p:cNvSpPr txBox="1"/>
-          <p:nvPr/>
-        </p:nvSpPr>
-        <p:spPr>
-          <a:xfrm>
-            <a:off x="7310446" y="1033310"/>
-            <a:ext cx="1590260" cy="5882984"/>
-          </a:xfrm>
-          <a:prstGeom prst="rect">
-            <a:avLst/>
-          </a:prstGeom>
-          <a:ln w="12700">
-            <a:miter lim="400000"/>
-          </a:ln>
-          <a:extLst>
-            <a:ext uri="{C572A759-6A51-4108-AA02-DFA0A04FC94B}">
-              <ma14:wrappingTextBoxFlag xmlns="" xmlns:m="http://schemas.openxmlformats.org/officeDocument/2006/math" xmlns:a14="http://schemas.microsoft.com/office/drawing/2010/main" xmlns:ma14="http://schemas.microsoft.com/office/mac/drawingml/2011/main" val="1"/>
-            </a:ext>
-          </a:extLst>
-        </p:spPr>
-        <p:txBody>
-          <a:bodyPr wrap="none" lIns="45718" tIns="45718" rIns="45718" bIns="45718">
-            <a:spAutoFit/>
-          </a:bodyPr>
-          <a:lstStyle/>
-          <a:p>
-            <a:pPr>
-              <a:defRPr>
-                <a:latin typeface="+mn-lt"/>
-                <a:ea typeface="+mn-ea"/>
-                <a:cs typeface="+mn-cs"/>
-                <a:sym typeface="Calibri"/>
-              </a:defRPr>
-            </a:pPr>
-            <a:r>
-              <a:t>1.   decl t0</a:t>
-            </a:r>
-          </a:p>
-          <a:p>
-            <a:pPr>
-              <a:defRPr>
-                <a:latin typeface="+mn-lt"/>
-                <a:ea typeface="+mn-ea"/>
-                <a:cs typeface="+mn-cs"/>
-                <a:sym typeface="Calibri"/>
-              </a:defRPr>
-            </a:pPr>
-            <a:r>
-              <a:t>2.   decl t1</a:t>
-            </a:r>
-          </a:p>
-          <a:p>
-            <a:pPr>
-              <a:defRPr>
-                <a:latin typeface="+mn-lt"/>
-                <a:ea typeface="+mn-ea"/>
-                <a:cs typeface="+mn-cs"/>
-                <a:sym typeface="Calibri"/>
-              </a:defRPr>
-            </a:pPr>
-            <a:r>
-              <a:t>3.   decl t2</a:t>
-            </a:r>
-          </a:p>
-          <a:p>
-            <a:pPr>
-              <a:defRPr>
-                <a:latin typeface="+mn-lt"/>
-                <a:ea typeface="+mn-ea"/>
-                <a:cs typeface="+mn-cs"/>
-                <a:sym typeface="Calibri"/>
-              </a:defRPr>
-            </a:pPr>
-            <a:r>
-              <a:t>4.   decl t3</a:t>
-            </a:r>
-          </a:p>
-          <a:p>
-            <a:pPr>
-              <a:defRPr>
-                <a:latin typeface="+mn-lt"/>
-                <a:ea typeface="+mn-ea"/>
-                <a:cs typeface="+mn-cs"/>
-                <a:sym typeface="Calibri"/>
-              </a:defRPr>
-            </a:pPr>
-            <a:r>
-              <a:t>5.   mov 2, t3</a:t>
-            </a:r>
-          </a:p>
-          <a:p>
-            <a:pPr>
-              <a:defRPr>
-                <a:latin typeface="+mn-lt"/>
-                <a:ea typeface="+mn-ea"/>
-                <a:cs typeface="+mn-cs"/>
-                <a:sym typeface="Calibri"/>
-              </a:defRPr>
-            </a:pPr>
-            <a:r>
-              <a:t>6.   decl t4</a:t>
-            </a:r>
-          </a:p>
-          <a:p>
-            <a:pPr>
-              <a:defRPr>
-                <a:latin typeface="+mn-lt"/>
-                <a:ea typeface="+mn-ea"/>
-                <a:cs typeface="+mn-cs"/>
-                <a:sym typeface="Calibri"/>
-              </a:defRPr>
-            </a:pPr>
-            <a:r>
-              <a:t>7.   mov (A1), t4</a:t>
-            </a:r>
-          </a:p>
-          <a:p>
-            <a:pPr>
-              <a:defRPr>
-                <a:latin typeface="+mn-lt"/>
-                <a:ea typeface="+mn-ea"/>
-                <a:cs typeface="+mn-cs"/>
-                <a:sym typeface="Calibri"/>
-              </a:defRPr>
-            </a:pPr>
-            <a:r>
-              <a:t>8.   mov t3, t2</a:t>
-            </a:r>
-          </a:p>
-          <a:p>
-            <a:pPr>
-              <a:defRPr>
-                <a:latin typeface="+mn-lt"/>
-                <a:ea typeface="+mn-ea"/>
-                <a:cs typeface="+mn-cs"/>
-                <a:sym typeface="Calibri"/>
-              </a:defRPr>
-            </a:pPr>
-            <a:r>
-              <a:t>9.   mul t4, t2</a:t>
-            </a:r>
-          </a:p>
-          <a:p>
-            <a:pPr>
-              <a:defRPr>
-                <a:latin typeface="+mn-lt"/>
-                <a:ea typeface="+mn-ea"/>
-                <a:cs typeface="+mn-cs"/>
-                <a:sym typeface="Calibri"/>
-              </a:defRPr>
-            </a:pPr>
-            <a:r>
-              <a:t>10.</a:t>
-            </a:r>
-          </a:p>
-          <a:p>
-            <a:pPr>
-              <a:defRPr>
-                <a:latin typeface="+mn-lt"/>
-                <a:ea typeface="+mn-ea"/>
-                <a:cs typeface="+mn-cs"/>
-                <a:sym typeface="Calibri"/>
-              </a:defRPr>
-            </a:pPr>
-            <a:r>
-              <a:t>11. mov (A3), t3</a:t>
-            </a:r>
-          </a:p>
-          <a:p>
-            <a:pPr>
-              <a:defRPr>
-                <a:latin typeface="+mn-lt"/>
-                <a:ea typeface="+mn-ea"/>
-                <a:cs typeface="+mn-cs"/>
-                <a:sym typeface="Calibri"/>
-              </a:defRPr>
-            </a:pPr>
-            <a:r>
-              <a:t>12. mov t2, t1</a:t>
-            </a:r>
-          </a:p>
-          <a:p>
-            <a:pPr>
-              <a:defRPr>
-                <a:latin typeface="+mn-lt"/>
-                <a:ea typeface="+mn-ea"/>
-                <a:cs typeface="+mn-cs"/>
-                <a:sym typeface="Calibri"/>
-              </a:defRPr>
-            </a:pPr>
-            <a:r>
-              <a:t>13. mul t3, t1</a:t>
-            </a:r>
-          </a:p>
-          <a:p>
-            <a:pPr>
-              <a:defRPr>
-                <a:latin typeface="+mn-lt"/>
-                <a:ea typeface="+mn-ea"/>
-                <a:cs typeface="+mn-cs"/>
-                <a:sym typeface="Calibri"/>
-              </a:defRPr>
-            </a:pPr>
-            <a:r>
-              <a:t>14. </a:t>
-            </a:r>
-          </a:p>
-          <a:p>
-            <a:pPr>
-              <a:defRPr>
-                <a:latin typeface="+mn-lt"/>
-                <a:ea typeface="+mn-ea"/>
-                <a:cs typeface="+mn-cs"/>
-                <a:sym typeface="Calibri"/>
-              </a:defRPr>
-            </a:pPr>
-            <a:r>
-              <a:t>15. decl t7</a:t>
-            </a:r>
-          </a:p>
-          <a:p>
-            <a:pPr>
-              <a:defRPr>
-                <a:latin typeface="+mn-lt"/>
-                <a:ea typeface="+mn-ea"/>
-                <a:cs typeface="+mn-cs"/>
-                <a:sym typeface="Calibri"/>
-              </a:defRPr>
-            </a:pPr>
-            <a:r>
-              <a:t>16. decl t8</a:t>
-            </a:r>
-          </a:p>
-          <a:p>
-            <a:pPr>
-              <a:defRPr>
-                <a:latin typeface="+mn-lt"/>
-                <a:ea typeface="+mn-ea"/>
-                <a:cs typeface="+mn-cs"/>
-                <a:sym typeface="Calibri"/>
-              </a:defRPr>
-            </a:pPr>
-            <a:r>
-              <a:t>17. decl t9</a:t>
-            </a:r>
-          </a:p>
-          <a:p>
-            <a:pPr>
-              <a:defRPr>
-                <a:latin typeface="+mn-lt"/>
-                <a:ea typeface="+mn-ea"/>
-                <a:cs typeface="+mn-cs"/>
-                <a:sym typeface="Calibri"/>
-              </a:defRPr>
-            </a:pPr>
-            <a:r>
-              <a:t>18. mov 1, t9</a:t>
-            </a:r>
-          </a:p>
-          <a:p>
-            <a:pPr>
-              <a:defRPr>
-                <a:latin typeface="+mn-lt"/>
-                <a:ea typeface="+mn-ea"/>
-                <a:cs typeface="+mn-cs"/>
-                <a:sym typeface="Calibri"/>
-              </a:defRPr>
-            </a:pPr>
-            <a:r>
-              <a:t>19. decl t10</a:t>
-            </a:r>
-          </a:p>
-          <a:p>
-            <a:pPr>
-              <a:defRPr>
-                <a:latin typeface="+mn-lt"/>
-                <a:ea typeface="+mn-ea"/>
-                <a:cs typeface="+mn-cs"/>
-                <a:sym typeface="Calibri"/>
-              </a:defRPr>
-            </a:pPr>
-            <a:r>
-              <a:t>20. mov 2, t10</a:t>
-            </a:r>
-          </a:p>
-        </p:txBody>
-      </p:sp>
-      <p:sp>
-        <p:nvSpPr>
-          <p:cNvPr id="605" name="21. mov t9 t8…"/>
-          <p:cNvSpPr txBox="1"/>
-          <p:nvPr/>
-        </p:nvSpPr>
-        <p:spPr>
-          <a:xfrm>
-            <a:off x="9096395" y="1214419"/>
-            <a:ext cx="1706123" cy="3546185"/>
-          </a:xfrm>
-          <a:prstGeom prst="rect">
-            <a:avLst/>
-          </a:prstGeom>
-          <a:ln w="12700">
-            <a:miter lim="400000"/>
-          </a:ln>
-          <a:extLst>
-            <a:ext uri="{C572A759-6A51-4108-AA02-DFA0A04FC94B}">
-              <ma14:wrappingTextBoxFlag xmlns="" xmlns:m="http://schemas.openxmlformats.org/officeDocument/2006/math" xmlns:a14="http://schemas.microsoft.com/office/drawing/2010/main" xmlns:ma14="http://schemas.microsoft.com/office/mac/drawingml/2011/main" val="1"/>
-            </a:ext>
-          </a:extLst>
-        </p:spPr>
-        <p:txBody>
-          <a:bodyPr wrap="none" lIns="45718" tIns="45718" rIns="45718" bIns="45718">
-            <a:spAutoFit/>
-          </a:bodyPr>
-          <a:lstStyle/>
-          <a:p>
-            <a:pPr>
-              <a:defRPr>
-                <a:latin typeface="+mn-lt"/>
-                <a:ea typeface="+mn-ea"/>
-                <a:cs typeface="+mn-cs"/>
-                <a:sym typeface="Calibri"/>
-              </a:defRPr>
-            </a:pPr>
-            <a:r>
-              <a:t>21. </a:t>
-            </a:r>
-            <a:r>
-              <a:rPr>
-                <a:solidFill>
-                  <a:srgbClr val="00B0F0"/>
-                </a:solidFill>
-              </a:rPr>
-              <a:t>mov t9, t8</a:t>
-            </a:r>
-          </a:p>
-          <a:p>
-            <a:pPr>
-              <a:defRPr>
-                <a:latin typeface="+mn-lt"/>
-                <a:ea typeface="+mn-ea"/>
-                <a:cs typeface="+mn-cs"/>
-                <a:sym typeface="Calibri"/>
-              </a:defRPr>
-            </a:pPr>
-            <a:r>
-              <a:t>22. div t10, t8</a:t>
-            </a:r>
-          </a:p>
-          <a:p>
-            <a:pPr>
-              <a:defRPr>
-                <a:latin typeface="+mn-lt"/>
-                <a:ea typeface="+mn-ea"/>
-                <a:cs typeface="+mn-cs"/>
-                <a:sym typeface="Calibri"/>
-              </a:defRPr>
-            </a:pPr>
-            <a:r>
-              <a:t>23. </a:t>
-            </a:r>
-          </a:p>
-          <a:p>
-            <a:pPr>
-              <a:defRPr>
-                <a:latin typeface="+mn-lt"/>
-                <a:ea typeface="+mn-ea"/>
-                <a:cs typeface="+mn-cs"/>
-                <a:sym typeface="Calibri"/>
-              </a:defRPr>
-            </a:pPr>
-            <a:r>
-              <a:t>24. mov (PI), </a:t>
-            </a:r>
-            <a:r>
-              <a:rPr>
-                <a:solidFill>
-                  <a:srgbClr val="00B0F0"/>
-                </a:solidFill>
-              </a:rPr>
-              <a:t>t9</a:t>
-            </a:r>
-          </a:p>
-          <a:p>
-            <a:pPr>
-              <a:defRPr>
-                <a:latin typeface="+mn-lt"/>
-                <a:ea typeface="+mn-ea"/>
-                <a:cs typeface="+mn-cs"/>
-                <a:sym typeface="Calibri"/>
-              </a:defRPr>
-            </a:pPr>
-            <a:r>
-              <a:t>25. mov t8, t7</a:t>
-            </a:r>
-          </a:p>
-          <a:p>
-            <a:pPr>
-              <a:defRPr>
-                <a:latin typeface="+mn-lt"/>
-                <a:ea typeface="+mn-ea"/>
-                <a:cs typeface="+mn-cs"/>
-                <a:sym typeface="Calibri"/>
-              </a:defRPr>
-            </a:pPr>
-            <a:r>
-              <a:t>26. mul </a:t>
-            </a:r>
-            <a:r>
-              <a:rPr>
-                <a:solidFill>
-                  <a:srgbClr val="00B0F0"/>
-                </a:solidFill>
-              </a:rPr>
-              <a:t>t9</a:t>
-            </a:r>
-            <a:r>
-              <a:t>, t7</a:t>
-            </a:r>
-          </a:p>
-          <a:p>
-            <a:pPr>
-              <a:defRPr>
-                <a:latin typeface="+mn-lt"/>
-                <a:ea typeface="+mn-ea"/>
-                <a:cs typeface="+mn-cs"/>
-                <a:sym typeface="Calibri"/>
-              </a:defRPr>
-            </a:pPr>
-            <a:r>
-              <a:t>27. decl t12</a:t>
-            </a:r>
-          </a:p>
-          <a:p>
-            <a:pPr>
-              <a:defRPr>
-                <a:latin typeface="+mn-lt"/>
-                <a:ea typeface="+mn-ea"/>
-                <a:cs typeface="+mn-cs"/>
-                <a:sym typeface="Calibri"/>
-              </a:defRPr>
-            </a:pPr>
-            <a:r>
-              <a:t>28. mov (A2), t12</a:t>
-            </a:r>
-          </a:p>
-          <a:p>
-            <a:pPr>
-              <a:defRPr>
-                <a:latin typeface="+mn-lt"/>
-                <a:ea typeface="+mn-ea"/>
-                <a:cs typeface="+mn-cs"/>
-                <a:sym typeface="Calibri"/>
-              </a:defRPr>
-            </a:pPr>
-            <a:r>
-              <a:t>29. mov t7, t2</a:t>
-            </a:r>
-          </a:p>
-          <a:p>
-            <a:pPr>
-              <a:defRPr>
-                <a:latin typeface="+mn-lt"/>
-                <a:ea typeface="+mn-ea"/>
-                <a:cs typeface="+mn-cs"/>
-                <a:sym typeface="Calibri"/>
-              </a:defRPr>
-            </a:pPr>
-            <a:r>
-              <a:t>30. div t12, t2</a:t>
-            </a:r>
-          </a:p>
-          <a:p>
-            <a:pPr>
-              <a:defRPr>
-                <a:latin typeface="+mn-lt"/>
-                <a:ea typeface="+mn-ea"/>
-                <a:cs typeface="+mn-cs"/>
-                <a:sym typeface="Calibri"/>
-              </a:defRPr>
-            </a:pPr>
-            <a:r>
-              <a:t>31. mov t1, t0</a:t>
-            </a:r>
-          </a:p>
-          <a:p>
-            <a:pPr>
-              <a:defRPr>
-                <a:latin typeface="+mn-lt"/>
-                <a:ea typeface="+mn-ea"/>
-                <a:cs typeface="+mn-cs"/>
-                <a:sym typeface="Calibri"/>
-              </a:defRPr>
-            </a:pPr>
-            <a:r>
-              <a:t>32. add t2, t0</a:t>
-            </a:r>
-          </a:p>
-        </p:txBody>
-      </p:sp>
-      <p:sp>
-        <p:nvSpPr>
-          <p:cNvPr id="606" name="Стрелка вправо 8"/>
-          <p:cNvSpPr/>
-          <p:nvPr/>
-        </p:nvSpPr>
-        <p:spPr>
-          <a:xfrm>
-            <a:off x="5095868" y="3143248"/>
-            <a:ext cx="1500198" cy="697945"/>
-          </a:xfrm>
-          <a:prstGeom prst="rightArrow">
-            <a:avLst>
-              <a:gd name="adj1" fmla="val 52597"/>
-              <a:gd name="adj2" fmla="val 62983"/>
-            </a:avLst>
-          </a:prstGeom>
-          <a:solidFill>
-            <a:srgbClr val="FFFFFF"/>
-          </a:solidFill>
-          <a:ln w="25400">
-            <a:solidFill>
-              <a:schemeClr val="accent5"/>
-            </a:solidFill>
-          </a:ln>
-        </p:spPr>
-        <p:txBody>
-          <a:bodyPr lIns="45718" tIns="45718" rIns="45718" bIns="45718" anchor="ctr"/>
-          <a:lstStyle/>
-          <a:p>
-            <a:pPr>
-              <a:defRPr>
-                <a:solidFill>
-                  <a:srgbClr val="00B0F0"/>
-                </a:solidFill>
-                <a:latin typeface="+mn-lt"/>
-                <a:ea typeface="+mn-ea"/>
-                <a:cs typeface="+mn-cs"/>
-                <a:sym typeface="Calibri"/>
-              </a:defRPr>
-            </a:pPr>
-            <a:endParaRPr/>
-          </a:p>
-        </p:txBody>
-      </p:sp>
-      <p:sp>
-        <p:nvSpPr>
-          <p:cNvPr id="607" name="1.   decl t0…"/>
-          <p:cNvSpPr txBox="1"/>
-          <p:nvPr/>
-        </p:nvSpPr>
-        <p:spPr>
-          <a:xfrm>
-            <a:off x="738146" y="1033310"/>
-            <a:ext cx="1590261" cy="5882984"/>
-          </a:xfrm>
-          <a:prstGeom prst="rect">
-            <a:avLst/>
-          </a:prstGeom>
-          <a:ln w="12700">
-            <a:miter lim="400000"/>
-          </a:ln>
-          <a:extLst>
-            <a:ext uri="{C572A759-6A51-4108-AA02-DFA0A04FC94B}">
-              <ma14:wrappingTextBoxFlag xmlns="" xmlns:m="http://schemas.openxmlformats.org/officeDocument/2006/math" xmlns:a14="http://schemas.microsoft.com/office/drawing/2010/main" xmlns:ma14="http://schemas.microsoft.com/office/mac/drawingml/2011/main" val="1"/>
-            </a:ext>
-          </a:extLst>
-        </p:spPr>
-        <p:txBody>
-          <a:bodyPr wrap="none" lIns="45718" tIns="45718" rIns="45718" bIns="45718">
-            <a:spAutoFit/>
-          </a:bodyPr>
-          <a:lstStyle/>
-          <a:p>
-            <a:pPr>
-              <a:defRPr>
-                <a:latin typeface="+mn-lt"/>
-                <a:ea typeface="+mn-ea"/>
-                <a:cs typeface="+mn-cs"/>
-                <a:sym typeface="Calibri"/>
-              </a:defRPr>
-            </a:pPr>
-            <a:r>
-              <a:t>1.   decl t0</a:t>
-            </a:r>
-          </a:p>
-          <a:p>
-            <a:pPr>
-              <a:defRPr>
-                <a:latin typeface="+mn-lt"/>
-                <a:ea typeface="+mn-ea"/>
-                <a:cs typeface="+mn-cs"/>
-                <a:sym typeface="Calibri"/>
-              </a:defRPr>
-            </a:pPr>
-            <a:r>
-              <a:t>2.   decl t1</a:t>
-            </a:r>
-          </a:p>
-          <a:p>
-            <a:pPr>
-              <a:defRPr>
-                <a:latin typeface="+mn-lt"/>
-                <a:ea typeface="+mn-ea"/>
-                <a:cs typeface="+mn-cs"/>
-                <a:sym typeface="Calibri"/>
-              </a:defRPr>
-            </a:pPr>
-            <a:r>
-              <a:t>3.   decl t2</a:t>
-            </a:r>
-          </a:p>
-          <a:p>
-            <a:pPr>
-              <a:defRPr>
-                <a:latin typeface="+mn-lt"/>
-                <a:ea typeface="+mn-ea"/>
-                <a:cs typeface="+mn-cs"/>
-                <a:sym typeface="Calibri"/>
-              </a:defRPr>
-            </a:pPr>
-            <a:r>
-              <a:t>4.   decl t3</a:t>
-            </a:r>
-          </a:p>
-          <a:p>
-            <a:pPr>
-              <a:defRPr>
-                <a:latin typeface="+mn-lt"/>
-                <a:ea typeface="+mn-ea"/>
-                <a:cs typeface="+mn-cs"/>
-                <a:sym typeface="Calibri"/>
-              </a:defRPr>
-            </a:pPr>
-            <a:r>
-              <a:t>5.   mov 2, t3</a:t>
-            </a:r>
-          </a:p>
-          <a:p>
-            <a:pPr>
-              <a:defRPr>
-                <a:latin typeface="+mn-lt"/>
-                <a:ea typeface="+mn-ea"/>
-                <a:cs typeface="+mn-cs"/>
-                <a:sym typeface="Calibri"/>
-              </a:defRPr>
-            </a:pPr>
-            <a:r>
-              <a:t>6.   decl t4</a:t>
-            </a:r>
-          </a:p>
-          <a:p>
-            <a:pPr>
-              <a:defRPr>
-                <a:latin typeface="+mn-lt"/>
-                <a:ea typeface="+mn-ea"/>
-                <a:cs typeface="+mn-cs"/>
-                <a:sym typeface="Calibri"/>
-              </a:defRPr>
-            </a:pPr>
-            <a:r>
-              <a:t>7.   mov (A1), t4</a:t>
-            </a:r>
-          </a:p>
-          <a:p>
-            <a:pPr>
-              <a:defRPr>
-                <a:latin typeface="+mn-lt"/>
-                <a:ea typeface="+mn-ea"/>
-                <a:cs typeface="+mn-cs"/>
-                <a:sym typeface="Calibri"/>
-              </a:defRPr>
-            </a:pPr>
-            <a:r>
-              <a:t>8.   mov t3, t2</a:t>
-            </a:r>
-          </a:p>
-          <a:p>
-            <a:pPr>
-              <a:defRPr>
-                <a:latin typeface="+mn-lt"/>
-                <a:ea typeface="+mn-ea"/>
-                <a:cs typeface="+mn-cs"/>
-                <a:sym typeface="Calibri"/>
-              </a:defRPr>
-            </a:pPr>
-            <a:r>
-              <a:t>9.   mul t4, t2</a:t>
-            </a:r>
-          </a:p>
-          <a:p>
-            <a:pPr>
-              <a:defRPr>
-                <a:latin typeface="+mn-lt"/>
-                <a:ea typeface="+mn-ea"/>
-                <a:cs typeface="+mn-cs"/>
-                <a:sym typeface="Calibri"/>
-              </a:defRPr>
-            </a:pPr>
-            <a:r>
-              <a:t>10.</a:t>
-            </a:r>
-          </a:p>
-          <a:p>
-            <a:pPr>
-              <a:defRPr>
-                <a:latin typeface="+mn-lt"/>
-                <a:ea typeface="+mn-ea"/>
-                <a:cs typeface="+mn-cs"/>
-                <a:sym typeface="Calibri"/>
-              </a:defRPr>
-            </a:pPr>
-            <a:r>
-              <a:t>11. mov (A3), t3</a:t>
-            </a:r>
-          </a:p>
-          <a:p>
-            <a:pPr>
-              <a:defRPr>
-                <a:latin typeface="+mn-lt"/>
-                <a:ea typeface="+mn-ea"/>
-                <a:cs typeface="+mn-cs"/>
-                <a:sym typeface="Calibri"/>
-              </a:defRPr>
-            </a:pPr>
-            <a:r>
-              <a:t>12. mov t2, t1</a:t>
-            </a:r>
-          </a:p>
-          <a:p>
-            <a:pPr>
-              <a:defRPr>
-                <a:latin typeface="+mn-lt"/>
-                <a:ea typeface="+mn-ea"/>
-                <a:cs typeface="+mn-cs"/>
-                <a:sym typeface="Calibri"/>
-              </a:defRPr>
-            </a:pPr>
-            <a:r>
-              <a:t>13. mul t3, t1</a:t>
-            </a:r>
-          </a:p>
-          <a:p>
-            <a:pPr>
-              <a:defRPr>
-                <a:latin typeface="+mn-lt"/>
-                <a:ea typeface="+mn-ea"/>
-                <a:cs typeface="+mn-cs"/>
-                <a:sym typeface="Calibri"/>
-              </a:defRPr>
-            </a:pPr>
-            <a:r>
-              <a:t>14. </a:t>
-            </a:r>
-          </a:p>
-          <a:p>
-            <a:pPr>
-              <a:defRPr>
-                <a:latin typeface="+mn-lt"/>
-                <a:ea typeface="+mn-ea"/>
-                <a:cs typeface="+mn-cs"/>
-                <a:sym typeface="Calibri"/>
-              </a:defRPr>
-            </a:pPr>
-            <a:r>
-              <a:t>15. decl t7</a:t>
-            </a:r>
-          </a:p>
-          <a:p>
-            <a:pPr>
-              <a:defRPr>
-                <a:latin typeface="+mn-lt"/>
-                <a:ea typeface="+mn-ea"/>
-                <a:cs typeface="+mn-cs"/>
-                <a:sym typeface="Calibri"/>
-              </a:defRPr>
-            </a:pPr>
-            <a:r>
-              <a:t>16. decl t8</a:t>
-            </a:r>
-          </a:p>
-          <a:p>
-            <a:pPr>
-              <a:defRPr>
-                <a:latin typeface="+mn-lt"/>
-                <a:ea typeface="+mn-ea"/>
-                <a:cs typeface="+mn-cs"/>
-                <a:sym typeface="Calibri"/>
-              </a:defRPr>
-            </a:pPr>
-            <a:r>
-              <a:t>17. decl t9</a:t>
-            </a:r>
-          </a:p>
-          <a:p>
-            <a:pPr>
-              <a:defRPr>
-                <a:latin typeface="+mn-lt"/>
-                <a:ea typeface="+mn-ea"/>
-                <a:cs typeface="+mn-cs"/>
-                <a:sym typeface="Calibri"/>
-              </a:defRPr>
-            </a:pPr>
-            <a:r>
-              <a:t>18. mov 1, t9</a:t>
-            </a:r>
-          </a:p>
-          <a:p>
-            <a:pPr>
-              <a:defRPr>
-                <a:latin typeface="+mn-lt"/>
-                <a:ea typeface="+mn-ea"/>
-                <a:cs typeface="+mn-cs"/>
-                <a:sym typeface="Calibri"/>
-              </a:defRPr>
-            </a:pPr>
-            <a:r>
-              <a:t>19. decl t10</a:t>
-            </a:r>
-          </a:p>
-          <a:p>
-            <a:pPr>
-              <a:defRPr>
-                <a:latin typeface="+mn-lt"/>
-                <a:ea typeface="+mn-ea"/>
-                <a:cs typeface="+mn-cs"/>
-                <a:sym typeface="Calibri"/>
-              </a:defRPr>
-            </a:pPr>
-            <a:r>
-              <a:t>20. mov 2, t10</a:t>
-            </a:r>
-          </a:p>
-        </p:txBody>
-      </p:sp>
-      <p:sp>
-        <p:nvSpPr>
-          <p:cNvPr id="608" name="21. mov t9 t8…"/>
-          <p:cNvSpPr txBox="1"/>
-          <p:nvPr/>
-        </p:nvSpPr>
-        <p:spPr>
-          <a:xfrm>
-            <a:off x="2524099" y="1214419"/>
-            <a:ext cx="1706122" cy="3546185"/>
-          </a:xfrm>
-          <a:prstGeom prst="rect">
-            <a:avLst/>
-          </a:prstGeom>
-          <a:ln w="12700">
-            <a:miter lim="400000"/>
-          </a:ln>
-          <a:extLst>
-            <a:ext uri="{C572A759-6A51-4108-AA02-DFA0A04FC94B}">
-              <ma14:wrappingTextBoxFlag xmlns="" xmlns:m="http://schemas.openxmlformats.org/officeDocument/2006/math" xmlns:a14="http://schemas.microsoft.com/office/drawing/2010/main" xmlns:ma14="http://schemas.microsoft.com/office/mac/drawingml/2011/main" val="1"/>
-            </a:ext>
-          </a:extLst>
-        </p:spPr>
-        <p:txBody>
-          <a:bodyPr wrap="none" lIns="45718" tIns="45718" rIns="45718" bIns="45718">
-            <a:spAutoFit/>
-          </a:bodyPr>
-          <a:lstStyle/>
-          <a:p>
-            <a:pPr>
-              <a:defRPr>
-                <a:latin typeface="+mn-lt"/>
-                <a:ea typeface="+mn-ea"/>
-                <a:cs typeface="+mn-cs"/>
-                <a:sym typeface="Calibri"/>
-              </a:defRPr>
-            </a:pPr>
-            <a:r>
-              <a:t>21. </a:t>
-            </a:r>
-            <a:r>
-              <a:rPr>
-                <a:solidFill>
-                  <a:srgbClr val="00B0F0"/>
-                </a:solidFill>
-              </a:rPr>
-              <a:t>mov t9, t8</a:t>
-            </a:r>
-          </a:p>
-          <a:p>
-            <a:pPr>
-              <a:defRPr>
-                <a:latin typeface="+mn-lt"/>
-                <a:ea typeface="+mn-ea"/>
-                <a:cs typeface="+mn-cs"/>
-                <a:sym typeface="Calibri"/>
-              </a:defRPr>
-            </a:pPr>
-            <a:r>
-              <a:t>22. div t10, t8</a:t>
-            </a:r>
-          </a:p>
-          <a:p>
-            <a:pPr>
-              <a:defRPr>
-                <a:latin typeface="+mn-lt"/>
-                <a:ea typeface="+mn-ea"/>
-                <a:cs typeface="+mn-cs"/>
-                <a:sym typeface="Calibri"/>
-              </a:defRPr>
-            </a:pPr>
-            <a:r>
-              <a:t>23. </a:t>
-            </a:r>
-            <a:r>
-              <a:rPr strike="sngStrike">
-                <a:solidFill>
-                  <a:srgbClr val="FF0000"/>
-                </a:solidFill>
-              </a:rPr>
-              <a:t>decl t11</a:t>
-            </a:r>
-          </a:p>
-          <a:p>
-            <a:pPr>
-              <a:defRPr>
-                <a:latin typeface="+mn-lt"/>
-                <a:ea typeface="+mn-ea"/>
-                <a:cs typeface="+mn-cs"/>
-                <a:sym typeface="Calibri"/>
-              </a:defRPr>
-            </a:pPr>
-            <a:r>
-              <a:t>24. mov (PI), </a:t>
-            </a:r>
-            <a:r>
-              <a:rPr>
-                <a:solidFill>
-                  <a:srgbClr val="FF0000"/>
-                </a:solidFill>
-              </a:rPr>
-              <a:t>t11</a:t>
-            </a:r>
-          </a:p>
-          <a:p>
-            <a:pPr>
-              <a:defRPr>
-                <a:latin typeface="+mn-lt"/>
-                <a:ea typeface="+mn-ea"/>
-                <a:cs typeface="+mn-cs"/>
-                <a:sym typeface="Calibri"/>
-              </a:defRPr>
-            </a:pPr>
-            <a:r>
-              <a:t>25. mov t8, t7</a:t>
-            </a:r>
-          </a:p>
-          <a:p>
-            <a:pPr>
-              <a:defRPr>
-                <a:latin typeface="+mn-lt"/>
-                <a:ea typeface="+mn-ea"/>
-                <a:cs typeface="+mn-cs"/>
-                <a:sym typeface="Calibri"/>
-              </a:defRPr>
-            </a:pPr>
-            <a:r>
-              <a:t>26. mul </a:t>
-            </a:r>
-            <a:r>
-              <a:rPr>
-                <a:solidFill>
-                  <a:srgbClr val="FF0000"/>
-                </a:solidFill>
-              </a:rPr>
-              <a:t>t11</a:t>
-            </a:r>
-            <a:r>
-              <a:t>, t7</a:t>
-            </a:r>
-          </a:p>
-          <a:p>
-            <a:pPr>
-              <a:defRPr>
-                <a:latin typeface="+mn-lt"/>
-                <a:ea typeface="+mn-ea"/>
-                <a:cs typeface="+mn-cs"/>
-                <a:sym typeface="Calibri"/>
-              </a:defRPr>
-            </a:pPr>
-            <a:r>
-              <a:t>27. decl t12</a:t>
-            </a:r>
-          </a:p>
-          <a:p>
-            <a:pPr>
-              <a:defRPr>
-                <a:latin typeface="+mn-lt"/>
-                <a:ea typeface="+mn-ea"/>
-                <a:cs typeface="+mn-cs"/>
-                <a:sym typeface="Calibri"/>
-              </a:defRPr>
-            </a:pPr>
-            <a:r>
-              <a:t>28. mov (A2), t12</a:t>
-            </a:r>
-          </a:p>
-          <a:p>
-            <a:pPr>
-              <a:defRPr>
-                <a:latin typeface="+mn-lt"/>
-                <a:ea typeface="+mn-ea"/>
-                <a:cs typeface="+mn-cs"/>
-                <a:sym typeface="Calibri"/>
-              </a:defRPr>
-            </a:pPr>
-            <a:r>
-              <a:t>29. mov t7, t2</a:t>
-            </a:r>
-          </a:p>
-          <a:p>
-            <a:pPr>
-              <a:defRPr>
-                <a:latin typeface="+mn-lt"/>
-                <a:ea typeface="+mn-ea"/>
-                <a:cs typeface="+mn-cs"/>
-                <a:sym typeface="Calibri"/>
-              </a:defRPr>
-            </a:pPr>
-            <a:r>
-              <a:t>30. div t12, t2</a:t>
-            </a:r>
-          </a:p>
-          <a:p>
-            <a:pPr>
-              <a:defRPr>
-                <a:latin typeface="+mn-lt"/>
-                <a:ea typeface="+mn-ea"/>
-                <a:cs typeface="+mn-cs"/>
-                <a:sym typeface="Calibri"/>
-              </a:defRPr>
-            </a:pPr>
-            <a:r>
-              <a:t>31. mov t1, t0</a:t>
-            </a:r>
-          </a:p>
-          <a:p>
-            <a:pPr>
-              <a:defRPr>
-                <a:latin typeface="+mn-lt"/>
-                <a:ea typeface="+mn-ea"/>
-                <a:cs typeface="+mn-cs"/>
-                <a:sym typeface="Calibri"/>
-              </a:defRPr>
-            </a:pPr>
-            <a:r>
-              <a:t>32. add t2, t0</a:t>
-            </a:r>
-          </a:p>
-        </p:txBody>
-      </p:sp>
-    </p:spTree>
-  </p:cSld>
-  <p:clrMapOvr>
-    <a:masterClrMapping/>
-  </p:clrMapOvr>
-  <p:transition spd="med"/>
-</p:sld>
-</file>
-
-<file path=ppt/slides/slide41.xml><?xml version="1.0" encoding="utf-8"?>
 <p:sld xmlns:a="http://schemas.openxmlformats.org/drawingml/2006/main" xmlns:r="http://schemas.openxmlformats.org/officeDocument/2006/relationships" xmlns:p="http://schemas.openxmlformats.org/presentationml/2006/main">
   <p:cSld>
     <p:spTree>
@@ -38303,7 +39869,7 @@
 </p:sld>
 </file>
 
-<file path=ppt/slides/slide42.xml><?xml version="1.0" encoding="utf-8"?>
+<file path=ppt/slides/slide41.xml><?xml version="1.0" encoding="utf-8"?>
 <p:sld xmlns:a="http://schemas.openxmlformats.org/drawingml/2006/main" xmlns:r="http://schemas.openxmlformats.org/officeDocument/2006/relationships" xmlns:p="http://schemas.openxmlformats.org/presentationml/2006/main">
   <p:cSld>
     <p:spTree>
@@ -39497,7 +41063,68 @@
               <a:buAutoNum type="arabicPeriod"/>
             </a:pPr>
             <a:r>
-              <a:t>Таблица содержит информацию об имени, типе, и значении операндов.</a:t>
+              <a:rPr dirty="0" err="1"/>
+              <a:t>Таблица</a:t>
+            </a:r>
+            <a:r>
+              <a:rPr dirty="0"/>
+              <a:t> </a:t>
+            </a:r>
+            <a:r>
+              <a:rPr dirty="0" err="1"/>
+              <a:t>содержит</a:t>
+            </a:r>
+            <a:r>
+              <a:rPr dirty="0"/>
+              <a:t> </a:t>
+            </a:r>
+            <a:r>
+              <a:rPr dirty="0" err="1"/>
+              <a:t>информацию</a:t>
+            </a:r>
+            <a:r>
+              <a:rPr dirty="0"/>
+              <a:t> </a:t>
+            </a:r>
+            <a:r>
+              <a:rPr dirty="0" err="1"/>
+              <a:t>об</a:t>
+            </a:r>
+            <a:r>
+              <a:rPr dirty="0"/>
+              <a:t> </a:t>
+            </a:r>
+            <a:r>
+              <a:rPr dirty="0" err="1"/>
+              <a:t>имени</a:t>
+            </a:r>
+            <a:r>
+              <a:rPr dirty="0"/>
+              <a:t>, </a:t>
+            </a:r>
+            <a:r>
+              <a:rPr dirty="0" err="1"/>
+              <a:t>типе</a:t>
+            </a:r>
+            <a:r>
+              <a:rPr dirty="0"/>
+              <a:t>, и </a:t>
+            </a:r>
+            <a:r>
+              <a:rPr dirty="0" err="1"/>
+              <a:t>значении</a:t>
+            </a:r>
+            <a:r>
+              <a:rPr dirty="0"/>
+              <a:t> </a:t>
+            </a:r>
+            <a:r>
+              <a:rPr dirty="0" err="1"/>
+              <a:t>операндов</a:t>
+            </a:r>
+            <a:r>
+              <a:rPr dirty="0"/>
+              <a:t>.</a:t>
             </a:r>
           </a:p>
           <a:p>
@@ -39506,7 +41133,100 @@
               <a:buAutoNum type="arabicPeriod"/>
             </a:pPr>
             <a:r>
-              <a:t>По мере обработки текста операнды добавляются в таблицу, если не были добавлены ранее.</a:t>
+              <a:rPr dirty="0" err="1"/>
+              <a:t>По</a:t>
+            </a:r>
+            <a:r>
+              <a:rPr dirty="0"/>
+              <a:t> </a:t>
+            </a:r>
+            <a:r>
+              <a:rPr dirty="0" err="1"/>
+              <a:t>мере</a:t>
+            </a:r>
+            <a:r>
+              <a:rPr dirty="0"/>
+              <a:t> </a:t>
+            </a:r>
+            <a:r>
+              <a:rPr dirty="0" err="1"/>
+              <a:t>обработки</a:t>
+            </a:r>
+            <a:r>
+              <a:rPr dirty="0"/>
+              <a:t> </a:t>
+            </a:r>
+            <a:r>
+              <a:rPr dirty="0" err="1"/>
+              <a:t>текста</a:t>
+            </a:r>
+            <a:r>
+              <a:rPr dirty="0"/>
+              <a:t> </a:t>
+            </a:r>
+            <a:r>
+              <a:rPr dirty="0" err="1"/>
+              <a:t>операнды</a:t>
+            </a:r>
+            <a:r>
+              <a:rPr dirty="0"/>
+              <a:t> </a:t>
+            </a:r>
+            <a:r>
+              <a:rPr dirty="0" err="1"/>
+              <a:t>добавляются</a:t>
+            </a:r>
+            <a:r>
+              <a:rPr dirty="0"/>
+              <a:t> в </a:t>
+            </a:r>
+            <a:r>
+              <a:rPr dirty="0" err="1"/>
+              <a:t>таблицу</a:t>
+            </a:r>
+            <a:r>
+              <a:rPr dirty="0"/>
+              <a:t>, </a:t>
+            </a:r>
+            <a:r>
+              <a:rPr dirty="0" err="1"/>
+              <a:t>если</a:t>
+            </a:r>
+            <a:r>
+              <a:rPr dirty="0"/>
+              <a:t> </a:t>
+            </a:r>
+            <a:r>
+              <a:rPr dirty="0" err="1"/>
+              <a:t>не</a:t>
+            </a:r>
+            <a:r>
+              <a:rPr dirty="0"/>
+              <a:t> </a:t>
+            </a:r>
+            <a:r>
+              <a:rPr dirty="0" err="1"/>
+              <a:t>были</a:t>
+            </a:r>
+            <a:r>
+              <a:rPr dirty="0"/>
+              <a:t> </a:t>
+            </a:r>
+            <a:r>
+              <a:rPr dirty="0" err="1"/>
+              <a:t>добавлены</a:t>
+            </a:r>
+            <a:r>
+              <a:rPr dirty="0"/>
+              <a:t> </a:t>
+            </a:r>
+            <a:r>
+              <a:rPr dirty="0" err="1"/>
+              <a:t>ранее</a:t>
+            </a:r>
+            <a:r>
+              <a:rPr dirty="0"/>
+              <a:t>.</a:t>
             </a:r>
           </a:p>
           <a:p>
@@ -39515,167 +41235,125 @@
               <a:buAutoNum type="arabicPeriod"/>
             </a:pPr>
             <a:r>
-              <a:t>Структурированная в таблицах информация упрощает процесс синтаксического анализа, сокращает объем обрабатываемой информации.</a:t>
-            </a:r>
-          </a:p>
-        </p:txBody>
-      </p:sp>
-    </p:spTree>
-  </p:cSld>
-  <p:clrMapOvr>
-    <a:masterClrMapping/>
-  </p:clrMapOvr>
-  <p:transition spd="med"/>
-</p:sld>
-</file>
-
-<file path=ppt/slides/slide6.xml><?xml version="1.0" encoding="utf-8"?>
-<p:sld xmlns:a="http://schemas.openxmlformats.org/drawingml/2006/main" xmlns:r="http://schemas.openxmlformats.org/officeDocument/2006/relationships" xmlns:p="http://schemas.openxmlformats.org/presentationml/2006/main">
-  <p:cSld>
-    <p:spTree>
-      <p:nvGrpSpPr>
-        <p:cNvPr id="1" name=""/>
-        <p:cNvGrpSpPr/>
-        <p:nvPr/>
-      </p:nvGrpSpPr>
-      <p:grpSpPr>
-        <a:xfrm>
-          <a:off x="0" y="0"/>
-          <a:ext cx="0" cy="0"/>
-          <a:chOff x="0" y="0"/>
-          <a:chExt cx="0" cy="0"/>
-        </a:xfrm>
-      </p:grpSpPr>
-      <p:sp>
-        <p:nvSpPr>
-          <p:cNvPr id="153" name="Заголовок 1"/>
-          <p:cNvSpPr txBox="1">
-            <a:spLocks noGrp="1"/>
-          </p:cNvSpPr>
-          <p:nvPr>
-            <p:ph type="title"/>
-          </p:nvPr>
-        </p:nvSpPr>
-        <p:spPr>
-          <a:xfrm>
-            <a:off x="838200" y="193960"/>
-            <a:ext cx="10515600" cy="748155"/>
-          </a:xfrm>
-          <a:prstGeom prst="rect">
-            <a:avLst/>
-          </a:prstGeom>
-        </p:spPr>
-        <p:txBody>
-          <a:bodyPr/>
-          <a:lstStyle>
-            <a:lvl1pPr algn="ctr"/>
-          </a:lstStyle>
-          <a:p>
-            <a:r>
-              <a:t>B. Описание информационной таблицы</a:t>
-            </a:r>
-          </a:p>
-        </p:txBody>
-      </p:sp>
-      <p:sp>
-        <p:nvSpPr>
-          <p:cNvPr id="154" name="Объект 2"/>
-          <p:cNvSpPr txBox="1">
-            <a:spLocks noGrp="1"/>
-          </p:cNvSpPr>
-          <p:nvPr>
-            <p:ph type="body" idx="1"/>
-          </p:nvPr>
-        </p:nvSpPr>
-        <p:spPr>
-          <a:xfrm>
-            <a:off x="838200" y="1136069"/>
-            <a:ext cx="10515600" cy="5430992"/>
-          </a:xfrm>
-          <a:prstGeom prst="rect">
-            <a:avLst/>
-          </a:prstGeom>
-        </p:spPr>
-        <p:txBody>
-          <a:bodyPr/>
-          <a:lstStyle/>
-          <a:p>
-            <a:pPr marL="0" indent="0">
-              <a:buSzTx/>
-              <a:buNone/>
-            </a:pPr>
-            <a:r>
-              <a:t>Будем хранить все числовые константы и идентификаторы  в информационной таблице</a:t>
-            </a:r>
-            <a:r>
-              <a:rPr b="1">
-                <a:latin typeface="+mj-lt"/>
-                <a:ea typeface="+mj-ea"/>
-                <a:cs typeface="+mj-cs"/>
-                <a:sym typeface="Helvetica"/>
-              </a:rPr>
+              <a:rPr dirty="0" err="1"/>
+              <a:t>Структурированная</a:t>
+            </a:r>
+            <a:r>
+              <a:rPr dirty="0"/>
+              <a:t> в </a:t>
+            </a:r>
+            <a:r>
+              <a:rPr dirty="0" err="1"/>
+              <a:t>таблицах</a:t>
+            </a:r>
+            <a:r>
+              <a:rPr dirty="0"/>
               <a:t> </a:t>
             </a:r>
             <a:r>
-              <a:t>следующего формата:</a:t>
-            </a:r>
-          </a:p>
-        </p:txBody>
-      </p:sp>
-      <p:sp>
-        <p:nvSpPr>
-          <p:cNvPr id="155" name="Квадрат"/>
-          <p:cNvSpPr/>
-          <p:nvPr/>
-        </p:nvSpPr>
-        <p:spPr>
-          <a:xfrm>
-            <a:off x="3748640" y="4343644"/>
-            <a:ext cx="99527" cy="96295"/>
-          </a:xfrm>
-          <a:prstGeom prst="rect">
-            <a:avLst/>
-          </a:prstGeom>
-          <a:solidFill>
-            <a:srgbClr val="FFFFFF"/>
-          </a:solidFill>
-          <a:ln w="12700">
-            <a:miter lim="400000"/>
-          </a:ln>
-        </p:spPr>
-        <p:txBody>
-          <a:bodyPr lIns="45718" tIns="45718" rIns="45718" bIns="45718" anchor="ctr"/>
-          <a:lstStyle/>
-          <a:p>
-            <a:pPr>
-              <a:defRPr>
-                <a:latin typeface="+mn-lt"/>
-                <a:ea typeface="+mn-ea"/>
-                <a:cs typeface="+mn-cs"/>
-                <a:sym typeface="Calibri"/>
-              </a:defRPr>
-            </a:pPr>
-            <a:endParaRPr/>
+              <a:rPr dirty="0" err="1"/>
+              <a:t>информация</a:t>
+            </a:r>
+            <a:r>
+              <a:rPr dirty="0"/>
+              <a:t> </a:t>
+            </a:r>
+            <a:r>
+              <a:rPr dirty="0" err="1"/>
+              <a:t>упрощает</a:t>
+            </a:r>
+            <a:r>
+              <a:rPr dirty="0"/>
+              <a:t> </a:t>
+            </a:r>
+            <a:r>
+              <a:rPr dirty="0" err="1"/>
+              <a:t>процесс</a:t>
+            </a:r>
+            <a:r>
+              <a:rPr dirty="0"/>
+              <a:t> </a:t>
+            </a:r>
+            <a:r>
+              <a:rPr dirty="0" err="1"/>
+              <a:t>синтаксического</a:t>
+            </a:r>
+            <a:r>
+              <a:rPr dirty="0"/>
+              <a:t> </a:t>
+            </a:r>
+            <a:r>
+              <a:rPr dirty="0" err="1"/>
+              <a:t>анализа</a:t>
+            </a:r>
+            <a:r>
+              <a:rPr dirty="0"/>
+              <a:t>, </a:t>
+            </a:r>
+            <a:r>
+              <a:rPr dirty="0" err="1"/>
+              <a:t>сокращает</a:t>
+            </a:r>
+            <a:r>
+              <a:rPr dirty="0"/>
+              <a:t> </a:t>
+            </a:r>
+            <a:r>
+              <a:rPr dirty="0" err="1"/>
+              <a:t>объем</a:t>
+            </a:r>
+            <a:r>
+              <a:rPr dirty="0"/>
+              <a:t> </a:t>
+            </a:r>
+            <a:r>
+              <a:rPr dirty="0" err="1"/>
+              <a:t>обрабатываемой</a:t>
+            </a:r>
+            <a:r>
+              <a:rPr dirty="0"/>
+              <a:t> </a:t>
+            </a:r>
+            <a:r>
+              <a:rPr dirty="0" err="1"/>
+              <a:t>информации</a:t>
+            </a:r>
+            <a:r>
+              <a:rPr dirty="0"/>
+              <a:t>.</a:t>
+            </a:r>
           </a:p>
         </p:txBody>
       </p:sp>
       <p:grpSp>
         <p:nvGrpSpPr>
-          <p:cNvPr id="159" name="Группа"/>
+          <p:cNvPr id="4" name="Группа">
+            <a:extLst>
+              <a:ext uri="{FF2B5EF4-FFF2-40B4-BE49-F238E27FC236}">
+                <a16:creationId xmlns:a16="http://schemas.microsoft.com/office/drawing/2014/main" id="{E7E94B03-82EB-42FE-8184-245030D219FE}"/>
+              </a:ext>
+            </a:extLst>
+          </p:cNvPr>
           <p:cNvGrpSpPr/>
           <p:nvPr/>
         </p:nvGrpSpPr>
         <p:grpSpPr>
           <a:xfrm>
-            <a:off x="1821883" y="2686867"/>
-            <a:ext cx="8352222" cy="2841482"/>
+            <a:off x="2384742" y="4285761"/>
+            <a:ext cx="7422516" cy="2378279"/>
             <a:chOff x="0" y="0"/>
             <a:chExt cx="8352221" cy="2841480"/>
           </a:xfrm>
         </p:grpSpPr>
         <p:pic>
           <p:nvPicPr>
-            <p:cNvPr id="156" name="Рисунок 1" descr="Рисунок 1"/>
+            <p:cNvPr id="5" name="Рисунок 1" descr="Рисунок 1">
+              <a:extLst>
+                <a:ext uri="{FF2B5EF4-FFF2-40B4-BE49-F238E27FC236}">
+                  <a16:creationId xmlns:a16="http://schemas.microsoft.com/office/drawing/2014/main" id="{53C441CE-C2AE-4C40-A986-E87A64C1339C}"/>
+                </a:ext>
+              </a:extLst>
+            </p:cNvPr>
             <p:cNvPicPr>
               <a:picLocks noChangeAspect="1"/>
             </p:cNvPicPr>
@@ -39704,7 +41382,13 @@
         </p:pic>
         <p:sp>
           <p:nvSpPr>
-            <p:cNvPr id="157" name="Прямоугольник"/>
+            <p:cNvPr id="6" name="Прямоугольник">
+              <a:extLst>
+                <a:ext uri="{FF2B5EF4-FFF2-40B4-BE49-F238E27FC236}">
+                  <a16:creationId xmlns:a16="http://schemas.microsoft.com/office/drawing/2014/main" id="{B6594BAE-4D99-44DD-AF65-E25510B4F0B2}"/>
+                </a:ext>
+              </a:extLst>
+            </p:cNvPr>
             <p:cNvSpPr/>
             <p:nvPr/>
           </p:nvSpPr>
@@ -39745,7 +41429,13 @@
         </p:sp>
         <p:sp>
           <p:nvSpPr>
-            <p:cNvPr id="158" name="Адрес"/>
+            <p:cNvPr id="7" name="Адрес">
+              <a:extLst>
+                <a:ext uri="{FF2B5EF4-FFF2-40B4-BE49-F238E27FC236}">
+                  <a16:creationId xmlns:a16="http://schemas.microsoft.com/office/drawing/2014/main" id="{AAFA9F15-8C02-461B-B964-EA304C4959C6}"/>
+                </a:ext>
+              </a:extLst>
+            </p:cNvPr>
             <p:cNvSpPr txBox="1"/>
             <p:nvPr/>
           </p:nvSpPr>
@@ -39800,7 +41490,7 @@
 </p:sld>
 </file>
 
-<file path=ppt/slides/slide7.xml><?xml version="1.0" encoding="utf-8"?>
+<file path=ppt/slides/slide6.xml><?xml version="1.0" encoding="utf-8"?>
 <p:sld xmlns:a="http://schemas.openxmlformats.org/drawingml/2006/main" xmlns:r="http://schemas.openxmlformats.org/officeDocument/2006/relationships" xmlns:p="http://schemas.openxmlformats.org/presentationml/2006/main">
   <p:cSld>
     <p:spTree>
@@ -39861,7 +41551,7 @@
         <p:spPr>
           <a:xfrm>
             <a:off x="838200" y="1874428"/>
-            <a:ext cx="10515600" cy="5638807"/>
+            <a:ext cx="10515600" cy="4333425"/>
           </a:xfrm>
           <a:prstGeom prst="rect">
             <a:avLst/>
@@ -39876,7 +41566,44 @@
               <a:buNone/>
             </a:pPr>
             <a:r>
-              <a:t>Задача лексического анализатора - находить лексемы.</a:t>
+              <a:rPr dirty="0" err="1"/>
+              <a:t>Задача</a:t>
+            </a:r>
+            <a:r>
+              <a:rPr dirty="0"/>
+              <a:t> </a:t>
+            </a:r>
+            <a:r>
+              <a:rPr dirty="0" err="1"/>
+              <a:t>лексического</a:t>
+            </a:r>
+            <a:r>
+              <a:rPr dirty="0"/>
+              <a:t> </a:t>
+            </a:r>
+            <a:r>
+              <a:rPr dirty="0" err="1"/>
+              <a:t>анализатора</a:t>
+            </a:r>
+            <a:r>
+              <a:rPr dirty="0"/>
+              <a:t> - </a:t>
+            </a:r>
+            <a:r>
+              <a:rPr dirty="0" err="1"/>
+              <a:t>находить</a:t>
+            </a:r>
+            <a:r>
+              <a:rPr dirty="0"/>
+              <a:t> </a:t>
+            </a:r>
+            <a:r>
+              <a:rPr dirty="0" err="1"/>
+              <a:t>лексемы</a:t>
+            </a:r>
+            <a:r>
+              <a:rPr dirty="0"/>
+              <a:t>.</a:t>
             </a:r>
           </a:p>
           <a:p>
@@ -39885,14 +41612,72 @@
               <a:buNone/>
             </a:pPr>
             <a:r>
-              <a:t>В арифметических выражениях могут встречаться следующие лексемы:</a:t>
-            </a:r>
-          </a:p>
-          <a:p>
-            <a:r>
-              <a:t>арифметические операции</a:t>
-            </a:r>
-            <a:endParaRPr b="1">
+              <a:rPr dirty="0"/>
+              <a:t>В </a:t>
+            </a:r>
+            <a:r>
+              <a:rPr dirty="0" err="1"/>
+              <a:t>арифметических</a:t>
+            </a:r>
+            <a:r>
+              <a:rPr dirty="0"/>
+              <a:t> </a:t>
+            </a:r>
+            <a:r>
+              <a:rPr dirty="0" err="1"/>
+              <a:t>выражениях</a:t>
+            </a:r>
+            <a:r>
+              <a:rPr dirty="0"/>
+              <a:t> </a:t>
+            </a:r>
+            <a:r>
+              <a:rPr dirty="0" err="1"/>
+              <a:t>могут</a:t>
+            </a:r>
+            <a:r>
+              <a:rPr dirty="0"/>
+              <a:t> </a:t>
+            </a:r>
+            <a:r>
+              <a:rPr dirty="0" err="1"/>
+              <a:t>встречаться</a:t>
+            </a:r>
+            <a:r>
+              <a:rPr dirty="0"/>
+              <a:t> </a:t>
+            </a:r>
+            <a:r>
+              <a:rPr dirty="0" err="1"/>
+              <a:t>следующие</a:t>
+            </a:r>
+            <a:r>
+              <a:rPr dirty="0"/>
+              <a:t> </a:t>
+            </a:r>
+            <a:r>
+              <a:rPr dirty="0" err="1"/>
+              <a:t>лексемы</a:t>
+            </a:r>
+            <a:r>
+              <a:rPr dirty="0"/>
+              <a:t>:</a:t>
+            </a:r>
+          </a:p>
+          <a:p>
+            <a:r>
+              <a:rPr dirty="0" err="1"/>
+              <a:t>арифметические</a:t>
+            </a:r>
+            <a:r>
+              <a:rPr dirty="0"/>
+              <a:t> </a:t>
+            </a:r>
+            <a:r>
+              <a:rPr dirty="0" err="1"/>
+              <a:t>операции</a:t>
+            </a:r>
+            <a:endParaRPr lang="ru-RU" b="1" dirty="0">
               <a:latin typeface="+mj-lt"/>
               <a:ea typeface="+mj-ea"/>
               <a:cs typeface="+mj-cs"/>
@@ -39901,9 +41686,10 @@
           </a:p>
           <a:p>
             <a:r>
+              <a:rPr lang="ru-RU" dirty="0"/>
               <a:t>идентификаторы переменных (ID)</a:t>
             </a:r>
-            <a:endParaRPr b="1">
+            <a:endParaRPr lang="ru-RU" b="1" dirty="0">
               <a:latin typeface="+mj-lt"/>
               <a:ea typeface="+mj-ea"/>
               <a:cs typeface="+mj-cs"/>
@@ -39912,9 +41698,22 @@
           </a:p>
           <a:p>
             <a:r>
-              <a:t>числовые константы (NUM)</a:t>
-            </a:r>
-            <a:endParaRPr b="1">
+              <a:rPr dirty="0" err="1"/>
+              <a:t>числовые</a:t>
+            </a:r>
+            <a:r>
+              <a:rPr dirty="0"/>
+              <a:t> </a:t>
+            </a:r>
+            <a:r>
+              <a:rPr dirty="0" err="1"/>
+              <a:t>константы</a:t>
+            </a:r>
+            <a:r>
+              <a:rPr dirty="0"/>
+              <a:t> (NUM)</a:t>
+            </a:r>
+            <a:endParaRPr b="1" dirty="0">
               <a:latin typeface="+mj-lt"/>
               <a:ea typeface="+mj-ea"/>
               <a:cs typeface="+mj-cs"/>
@@ -39923,7 +41722,44 @@
           </a:p>
           <a:p>
             <a:r>
-              <a:t>Отступы (пробелы, табуляция и перенос строки): « »,  «    ».</a:t>
+              <a:rPr dirty="0" err="1"/>
+              <a:t>Отступы</a:t>
+            </a:r>
+            <a:r>
+              <a:rPr dirty="0"/>
+              <a:t> (</a:t>
+            </a:r>
+            <a:r>
+              <a:rPr dirty="0" err="1"/>
+              <a:t>пробелы</a:t>
+            </a:r>
+            <a:r>
+              <a:rPr dirty="0"/>
+              <a:t>, </a:t>
+            </a:r>
+            <a:r>
+              <a:rPr dirty="0" err="1"/>
+              <a:t>табуляция</a:t>
+            </a:r>
+            <a:r>
+              <a:rPr dirty="0"/>
+              <a:t> и </a:t>
+            </a:r>
+            <a:r>
+              <a:rPr dirty="0" err="1"/>
+              <a:t>перенос</a:t>
+            </a:r>
+            <a:r>
+              <a:rPr dirty="0"/>
+              <a:t> </a:t>
+            </a:r>
+            <a:r>
+              <a:rPr dirty="0" err="1"/>
+              <a:t>строки</a:t>
+            </a:r>
+            <a:r>
+              <a:rPr dirty="0"/>
+              <a:t>): « »,  «    ».</a:t>
             </a:r>
           </a:p>
         </p:txBody>
@@ -39937,7 +41773,7 @@
 </p:sld>
 </file>
 
-<file path=ppt/slides/slide8.xml><?xml version="1.0" encoding="utf-8"?>
+<file path=ppt/slides/slide7.xml><?xml version="1.0" encoding="utf-8"?>
 <p:sld xmlns:a="http://schemas.openxmlformats.org/drawingml/2006/main" xmlns:r="http://schemas.openxmlformats.org/officeDocument/2006/relationships" xmlns:p="http://schemas.openxmlformats.org/presentationml/2006/main">
   <p:cSld>
     <p:spTree>
@@ -40032,7 +41868,84 @@
           </a:lstStyle>
           <a:p>
             <a:r>
-              <a:t>Идентификаторы отображаются в токены вида: [ID, N], где N - номер соответствующей строки в информационной таблице.</a:t>
+              <a:rPr dirty="0" err="1"/>
+              <a:t>Идентификаторы</a:t>
+            </a:r>
+            <a:r>
+              <a:rPr dirty="0"/>
+              <a:t> </a:t>
+            </a:r>
+            <a:r>
+              <a:rPr dirty="0" err="1"/>
+              <a:t>отображаются</a:t>
+            </a:r>
+            <a:r>
+              <a:rPr dirty="0"/>
+              <a:t> в </a:t>
+            </a:r>
+            <a:r>
+              <a:rPr dirty="0" err="1"/>
+              <a:t>токены</a:t>
+            </a:r>
+            <a:r>
+              <a:rPr dirty="0"/>
+              <a:t> </a:t>
+            </a:r>
+            <a:r>
+              <a:rPr dirty="0" err="1"/>
+              <a:t>вида</a:t>
+            </a:r>
+            <a:r>
+              <a:rPr dirty="0"/>
+              <a:t>: [ID, N], </a:t>
+            </a:r>
+            <a:r>
+              <a:rPr dirty="0" err="1"/>
+              <a:t>где</a:t>
+            </a:r>
+            <a:r>
+              <a:rPr dirty="0"/>
+              <a:t> N - </a:t>
+            </a:r>
+            <a:r>
+              <a:rPr dirty="0" err="1"/>
+              <a:t>номер</a:t>
+            </a:r>
+            <a:r>
+              <a:rPr dirty="0"/>
+              <a:t> </a:t>
+            </a:r>
+            <a:r>
+              <a:rPr dirty="0" err="1"/>
+              <a:t>соответствующей</a:t>
+            </a:r>
+            <a:r>
+              <a:rPr dirty="0"/>
+              <a:t> </a:t>
+            </a:r>
+            <a:r>
+              <a:rPr dirty="0" err="1"/>
+              <a:t>строки</a:t>
+            </a:r>
+            <a:r>
+              <a:rPr dirty="0"/>
+              <a:t> в </a:t>
+            </a:r>
+            <a:r>
+              <a:rPr dirty="0" err="1"/>
+              <a:t>информационной</a:t>
+            </a:r>
+            <a:r>
+              <a:rPr dirty="0"/>
+              <a:t> </a:t>
+            </a:r>
+            <a:r>
+              <a:rPr dirty="0" err="1"/>
+              <a:t>таблице</a:t>
+            </a:r>
+            <a:r>
+              <a:rPr dirty="0"/>
+              <a:t>.</a:t>
             </a:r>
           </a:p>
         </p:txBody>
@@ -40084,10 +41997,23 @@
               </a:defRPr>
             </a:pPr>
             <a:r>
-              <a:t>идентификаторы переменных (ID):</a:t>
-            </a:r>
-            <a:r>
-              <a:rPr b="1">
+              <a:rPr dirty="0" err="1"/>
+              <a:t>идентификаторы</a:t>
+            </a:r>
+            <a:r>
+              <a:rPr dirty="0"/>
+              <a:t> </a:t>
+            </a:r>
+            <a:r>
+              <a:rPr dirty="0" err="1"/>
+              <a:t>переменных</a:t>
+            </a:r>
+            <a:r>
+              <a:rPr dirty="0"/>
+              <a:t> (ID):</a:t>
+            </a:r>
+            <a:r>
+              <a:rPr b="1" dirty="0">
                 <a:latin typeface="+mj-lt"/>
                 <a:ea typeface="+mj-ea"/>
                 <a:cs typeface="+mj-cs"/>
@@ -40145,10 +42071,23 @@
               </a:defRPr>
             </a:pPr>
             <a:r>
-              <a:t>числовые константы (NUM):</a:t>
-            </a:r>
-            <a:r>
-              <a:rPr b="1">
+              <a:rPr dirty="0" err="1"/>
+              <a:t>числовые</a:t>
+            </a:r>
+            <a:r>
+              <a:rPr dirty="0"/>
+              <a:t> </a:t>
+            </a:r>
+            <a:r>
+              <a:rPr dirty="0" err="1"/>
+              <a:t>константы</a:t>
+            </a:r>
+            <a:r>
+              <a:rPr dirty="0"/>
+              <a:t> (NUM):</a:t>
+            </a:r>
+            <a:r>
+              <a:rPr b="1" dirty="0">
                 <a:latin typeface="+mj-lt"/>
                 <a:ea typeface="+mj-ea"/>
                 <a:cs typeface="+mj-cs"/>
@@ -40204,7 +42143,84 @@
           </a:lstStyle>
           <a:p>
             <a:r>
-              <a:t>Константы отображаются в токены вида: [NUM, N], где N - номер соответствующей строки в информационной таблице.</a:t>
+              <a:rPr dirty="0" err="1"/>
+              <a:t>Константы</a:t>
+            </a:r>
+            <a:r>
+              <a:rPr dirty="0"/>
+              <a:t> </a:t>
+            </a:r>
+            <a:r>
+              <a:rPr dirty="0" err="1"/>
+              <a:t>отображаются</a:t>
+            </a:r>
+            <a:r>
+              <a:rPr dirty="0"/>
+              <a:t> в </a:t>
+            </a:r>
+            <a:r>
+              <a:rPr dirty="0" err="1"/>
+              <a:t>токены</a:t>
+            </a:r>
+            <a:r>
+              <a:rPr dirty="0"/>
+              <a:t> </a:t>
+            </a:r>
+            <a:r>
+              <a:rPr dirty="0" err="1"/>
+              <a:t>вида</a:t>
+            </a:r>
+            <a:r>
+              <a:rPr dirty="0"/>
+              <a:t>: [NUM, N], </a:t>
+            </a:r>
+            <a:r>
+              <a:rPr dirty="0" err="1"/>
+              <a:t>где</a:t>
+            </a:r>
+            <a:r>
+              <a:rPr dirty="0"/>
+              <a:t> N - </a:t>
+            </a:r>
+            <a:r>
+              <a:rPr dirty="0" err="1"/>
+              <a:t>номер</a:t>
+            </a:r>
+            <a:r>
+              <a:rPr dirty="0"/>
+              <a:t> </a:t>
+            </a:r>
+            <a:r>
+              <a:rPr dirty="0" err="1"/>
+              <a:t>соответствующей</a:t>
+            </a:r>
+            <a:r>
+              <a:rPr dirty="0"/>
+              <a:t> </a:t>
+            </a:r>
+            <a:r>
+              <a:rPr dirty="0" err="1"/>
+              <a:t>строки</a:t>
+            </a:r>
+            <a:r>
+              <a:rPr dirty="0"/>
+              <a:t> в </a:t>
+            </a:r>
+            <a:r>
+              <a:rPr dirty="0" err="1"/>
+              <a:t>информационной</a:t>
+            </a:r>
+            <a:r>
+              <a:rPr dirty="0"/>
+              <a:t> </a:t>
+            </a:r>
+            <a:r>
+              <a:rPr dirty="0" err="1"/>
+              <a:t>таблице</a:t>
+            </a:r>
+            <a:r>
+              <a:rPr dirty="0"/>
+              <a:t>.</a:t>
             </a:r>
           </a:p>
         </p:txBody>
@@ -40218,7 +42234,7 @@
 </p:sld>
 </file>
 
-<file path=ppt/slides/slide9.xml><?xml version="1.0" encoding="utf-8"?>
+<file path=ppt/slides/slide8.xml><?xml version="1.0" encoding="utf-8"?>
 <p:sld xmlns:a="http://schemas.openxmlformats.org/drawingml/2006/main" xmlns:r="http://schemas.openxmlformats.org/officeDocument/2006/relationships" xmlns:p="http://schemas.openxmlformats.org/presentationml/2006/main">
   <p:cSld>
     <p:spTree>
@@ -40428,6 +42444,190 @@
           <a:p>
             <a:r>
               <a:t>Лексический анализатор не вносит лексему арифметической операции в информационную таблицу, но оставляет ее в цепочке лексем для синтаксического анализатора. Когда лексический анализатор встречает эти лексемы, он определяет их как "операция".</a:t>
+            </a:r>
+          </a:p>
+        </p:txBody>
+      </p:sp>
+    </p:spTree>
+  </p:cSld>
+  <p:clrMapOvr>
+    <a:masterClrMapping/>
+  </p:clrMapOvr>
+  <p:transition spd="med"/>
+</p:sld>
+</file>
+
+<file path=ppt/slides/slide9.xml><?xml version="1.0" encoding="utf-8"?>
+<p:sld xmlns:a="http://schemas.openxmlformats.org/drawingml/2006/main" xmlns:r="http://schemas.openxmlformats.org/officeDocument/2006/relationships" xmlns:p="http://schemas.openxmlformats.org/presentationml/2006/main">
+  <p:cSld>
+    <p:spTree>
+      <p:nvGrpSpPr>
+        <p:cNvPr id="1" name=""/>
+        <p:cNvGrpSpPr/>
+        <p:nvPr/>
+      </p:nvGrpSpPr>
+      <p:grpSpPr>
+        <a:xfrm>
+          <a:off x="0" y="0"/>
+          <a:ext cx="0" cy="0"/>
+          <a:chOff x="0" y="0"/>
+          <a:chExt cx="0" cy="0"/>
+        </a:xfrm>
+      </p:grpSpPr>
+      <p:sp>
+        <p:nvSpPr>
+          <p:cNvPr id="174" name="Отступы"/>
+          <p:cNvSpPr txBox="1">
+            <a:spLocks noGrp="1"/>
+          </p:cNvSpPr>
+          <p:nvPr>
+            <p:ph type="title"/>
+          </p:nvPr>
+        </p:nvSpPr>
+        <p:spPr>
+          <a:xfrm>
+            <a:off x="838200" y="362717"/>
+            <a:ext cx="10515600" cy="1325564"/>
+          </a:xfrm>
+          <a:prstGeom prst="rect">
+            <a:avLst/>
+          </a:prstGeom>
+        </p:spPr>
+        <p:txBody>
+          <a:bodyPr anchor="ctr"/>
+          <a:lstStyle>
+            <a:lvl1pPr>
+              <a:defRPr sz="4400"/>
+            </a:lvl1pPr>
+          </a:lstStyle>
+          <a:p>
+            <a:r>
+              <a:t>С. Отступы</a:t>
+            </a:r>
+          </a:p>
+        </p:txBody>
+      </p:sp>
+      <p:sp>
+        <p:nvSpPr>
+          <p:cNvPr id="175" name="Пробелы: « »;…"/>
+          <p:cNvSpPr txBox="1"/>
+          <p:nvPr/>
+        </p:nvSpPr>
+        <p:spPr>
+          <a:xfrm>
+            <a:off x="293620" y="2059233"/>
+            <a:ext cx="2847288" cy="968223"/>
+          </a:xfrm>
+          <a:prstGeom prst="rect">
+            <a:avLst/>
+          </a:prstGeom>
+          <a:ln w="12700">
+            <a:miter lim="400000"/>
+          </a:ln>
+          <a:extLst>
+            <a:ext uri="{C572A759-6A51-4108-AA02-DFA0A04FC94B}">
+              <ma14:wrappingTextBoxFlag xmlns="" xmlns:m="http://schemas.openxmlformats.org/officeDocument/2006/math" xmlns:a14="http://schemas.microsoft.com/office/drawing/2010/main" xmlns:ma14="http://schemas.microsoft.com/office/mac/drawingml/2011/main" val="1"/>
+            </a:ext>
+          </a:extLst>
+        </p:spPr>
+        <p:txBody>
+          <a:bodyPr wrap="none" lIns="45718" tIns="45718" rIns="45718" bIns="45718">
+            <a:spAutoFit/>
+          </a:bodyPr>
+          <a:lstStyle/>
+          <a:p>
+            <a:pPr marL="228600" indent="-228600">
+              <a:lnSpc>
+                <a:spcPct val="90000"/>
+              </a:lnSpc>
+              <a:spcBef>
+                <a:spcPts val="1000"/>
+              </a:spcBef>
+              <a:buSzPct val="100000"/>
+              <a:buFont typeface="Arial"/>
+              <a:buChar char="•"/>
+              <a:defRPr sz="2800">
+                <a:latin typeface="+mn-lt"/>
+                <a:ea typeface="+mn-ea"/>
+                <a:cs typeface="+mn-cs"/>
+                <a:sym typeface="Calibri"/>
+              </a:defRPr>
+            </a:pPr>
+            <a:r>
+              <a:t>Пробелы: « »;</a:t>
+            </a:r>
+            <a:endParaRPr sz="3200"/>
+          </a:p>
+          <a:p>
+            <a:pPr marL="228600" indent="-228600">
+              <a:lnSpc>
+                <a:spcPct val="90000"/>
+              </a:lnSpc>
+              <a:spcBef>
+                <a:spcPts val="1000"/>
+              </a:spcBef>
+              <a:buSzPct val="100000"/>
+              <a:buFont typeface="Arial"/>
+              <a:buChar char="•"/>
+              <a:defRPr sz="2800">
+                <a:latin typeface="+mn-lt"/>
+                <a:ea typeface="+mn-ea"/>
+                <a:cs typeface="+mn-cs"/>
+                <a:sym typeface="Calibri"/>
+              </a:defRPr>
+            </a:pPr>
+            <a:r>
+              <a:t>Табуляция: «    »;</a:t>
+            </a:r>
+          </a:p>
+        </p:txBody>
+      </p:sp>
+      <p:sp>
+        <p:nvSpPr>
+          <p:cNvPr id="176" name="Лексический анализатор не вносит лексему символов отступа в таблицу и они не попадают в цепочку."/>
+          <p:cNvSpPr txBox="1"/>
+          <p:nvPr/>
+        </p:nvSpPr>
+        <p:spPr>
+          <a:xfrm>
+            <a:off x="458418" y="3921878"/>
+            <a:ext cx="10515601" cy="841223"/>
+          </a:xfrm>
+          <a:prstGeom prst="rect">
+            <a:avLst/>
+          </a:prstGeom>
+          <a:ln w="12700">
+            <a:miter lim="400000"/>
+          </a:ln>
+          <a:extLst>
+            <a:ext uri="{C572A759-6A51-4108-AA02-DFA0A04FC94B}">
+              <ma14:wrappingTextBoxFlag xmlns="" xmlns:m="http://schemas.openxmlformats.org/officeDocument/2006/math" xmlns:a14="http://schemas.microsoft.com/office/drawing/2010/main" xmlns:ma14="http://schemas.microsoft.com/office/mac/drawingml/2011/main" val="1"/>
+            </a:ext>
+          </a:extLst>
+        </p:spPr>
+        <p:txBody>
+          <a:bodyPr lIns="45718" tIns="45718" rIns="45718" bIns="45718">
+            <a:spAutoFit/>
+          </a:bodyPr>
+          <a:lstStyle>
+            <a:lvl1pPr>
+              <a:lnSpc>
+                <a:spcPct val="90000"/>
+              </a:lnSpc>
+              <a:spcBef>
+                <a:spcPts val="1000"/>
+              </a:spcBef>
+              <a:defRPr sz="2800">
+                <a:latin typeface="+mn-lt"/>
+                <a:ea typeface="+mn-ea"/>
+                <a:cs typeface="+mn-cs"/>
+                <a:sym typeface="Calibri"/>
+              </a:defRPr>
+            </a:lvl1pPr>
+          </a:lstStyle>
+          <a:p>
+            <a:r>
+              <a:t>Лексический анализатор не вносит лексему символов отступа в таблицу и они не попадают в цепочку.</a:t>
             </a:r>
           </a:p>
         </p:txBody>
